--- a/2018-11-03-Designing-Modularity/Presentation.pptx
+++ b/2018-11-03-Designing-Modularity/Presentation.pptx
@@ -5,18 +5,27 @@
     <p:sldMasterId id="2147483648" r:id="rId1"/>
   </p:sldMasterIdLst>
   <p:notesMasterIdLst>
-    <p:notesMasterId r:id="rId11"/>
+    <p:notesMasterId r:id="rId20"/>
   </p:notesMasterIdLst>
   <p:sldIdLst>
     <p:sldId id="256" r:id="rId2"/>
-    <p:sldId id="258" r:id="rId3"/>
-    <p:sldId id="260" r:id="rId4"/>
-    <p:sldId id="266" r:id="rId5"/>
-    <p:sldId id="261" r:id="rId6"/>
-    <p:sldId id="262" r:id="rId7"/>
-    <p:sldId id="263" r:id="rId8"/>
-    <p:sldId id="264" r:id="rId9"/>
-    <p:sldId id="265" r:id="rId10"/>
+    <p:sldId id="270" r:id="rId3"/>
+    <p:sldId id="271" r:id="rId4"/>
+    <p:sldId id="260" r:id="rId5"/>
+    <p:sldId id="268" r:id="rId6"/>
+    <p:sldId id="269" r:id="rId7"/>
+    <p:sldId id="272" r:id="rId8"/>
+    <p:sldId id="273" r:id="rId9"/>
+    <p:sldId id="276" r:id="rId10"/>
+    <p:sldId id="274" r:id="rId11"/>
+    <p:sldId id="275" r:id="rId12"/>
+    <p:sldId id="267" r:id="rId13"/>
+    <p:sldId id="266" r:id="rId14"/>
+    <p:sldId id="261" r:id="rId15"/>
+    <p:sldId id="262" r:id="rId16"/>
+    <p:sldId id="263" r:id="rId17"/>
+    <p:sldId id="264" r:id="rId18"/>
+    <p:sldId id="265" r:id="rId19"/>
   </p:sldIdLst>
   <p:sldSz cx="12192000" cy="6858000"/>
   <p:notesSz cx="6858000" cy="9144000"/>
@@ -205,7 +214,7 @@
           <a:p>
             <a:fld id="{532314CD-B97C-434B-8FF7-5A1477BB5901}" type="datetimeFigureOut">
               <a:rPr lang="en-US" smtClean="0"/>
-              <a:t>8/16/2018</a:t>
+              <a:t>18-Aug-18</a:t>
             </a:fld>
             <a:endParaRPr lang="en-US"/>
           </a:p>
@@ -3775,7 +3784,7 @@
         </p:blipFill>
         <p:spPr>
           <a:xfrm>
-            <a:off x="4610100" y="1304059"/>
+            <a:off x="7155407" y="1117456"/>
             <a:ext cx="2971800" cy="2971800"/>
           </a:xfrm>
           <a:prstGeom prst="rect">
@@ -3811,6 +3820,7 @@
           </a:bodyPr>
           <a:lstStyle/>
           <a:p>
+            <a:pPr algn="r"/>
             <a:r>
               <a:rPr lang="en-US" sz="3200" dirty="0" err="1">
                 <a:latin typeface="Segoe UI Light" panose="020B0502040204020203" pitchFamily="34" charset="0"/>
@@ -3856,13 +3866,39 @@
           </a:bodyPr>
           <a:lstStyle/>
           <a:p>
+            <a:pPr algn="r"/>
             <a:r>
               <a:rPr lang="en-US" sz="1400" b="1" dirty="0">
                 <a:latin typeface="Segoe UI Semibold" panose="020B0702040204020203" pitchFamily="34" charset="0"/>
                 <a:cs typeface="Segoe UI Semibold" panose="020B0702040204020203" pitchFamily="34" charset="0"/>
               </a:rPr>
-              <a:t>LOREM IPSUM DEVELOPER</a:t>
-            </a:r>
+              <a:t>Web: halilibrahimkalkan.com | </a:t>
+            </a:r>
+            <a:r>
+              <a:rPr lang="en-US" sz="1400" b="1" dirty="0" err="1">
+                <a:latin typeface="Segoe UI Semibold" panose="020B0702040204020203" pitchFamily="34" charset="0"/>
+                <a:cs typeface="Segoe UI Semibold" panose="020B0702040204020203" pitchFamily="34" charset="0"/>
+              </a:rPr>
+              <a:t>Github</a:t>
+            </a:r>
+            <a:r>
+              <a:rPr lang="en-US" sz="1400" b="1" dirty="0">
+                <a:latin typeface="Segoe UI Semibold" panose="020B0702040204020203" pitchFamily="34" charset="0"/>
+                <a:cs typeface="Segoe UI Semibold" panose="020B0702040204020203" pitchFamily="34" charset="0"/>
+              </a:rPr>
+              <a:t>: @hikalkan | Twitter: @</a:t>
+            </a:r>
+            <a:r>
+              <a:rPr lang="en-US" sz="1400" b="1" dirty="0" err="1">
+                <a:latin typeface="Segoe UI Semibold" panose="020B0702040204020203" pitchFamily="34" charset="0"/>
+                <a:cs typeface="Segoe UI Semibold" panose="020B0702040204020203" pitchFamily="34" charset="0"/>
+              </a:rPr>
+              <a:t>hibrahimkalkan</a:t>
+            </a:r>
+            <a:endParaRPr lang="en-US" sz="1400" b="1" dirty="0">
+              <a:latin typeface="Segoe UI Semibold" panose="020B0702040204020203" pitchFamily="34" charset="0"/>
+              <a:cs typeface="Segoe UI Semibold" panose="020B0702040204020203" pitchFamily="34" charset="0"/>
+            </a:endParaRPr>
           </a:p>
         </p:txBody>
       </p:sp>
@@ -3956,6 +3992,60 @@
           </a:p>
         </p:txBody>
       </p:sp>
+      <p:sp>
+        <p:nvSpPr>
+          <p:cNvPr id="6" name="Rectangle 5">
+            <a:extLst>
+              <a:ext uri="{FF2B5EF4-FFF2-40B4-BE49-F238E27FC236}">
+                <a16:creationId xmlns:a16="http://schemas.microsoft.com/office/drawing/2014/main" id="{191F77C3-5D4B-41EC-BBEA-97AA16723398}"/>
+              </a:ext>
+            </a:extLst>
+          </p:cNvPr>
+          <p:cNvSpPr/>
+          <p:nvPr/>
+        </p:nvSpPr>
+        <p:spPr>
+          <a:xfrm>
+            <a:off x="584579" y="1156806"/>
+            <a:ext cx="6096000" cy="1446550"/>
+          </a:xfrm>
+          <a:prstGeom prst="rect">
+            <a:avLst/>
+          </a:prstGeom>
+        </p:spPr>
+        <p:txBody>
+          <a:bodyPr>
+            <a:spAutoFit/>
+          </a:bodyPr>
+          <a:lstStyle/>
+          <a:p>
+            <a:r>
+              <a:rPr lang="en-US" sz="4400" b="1" dirty="0">
+                <a:solidFill>
+                  <a:srgbClr val="0041C6"/>
+                </a:solidFill>
+                <a:latin typeface="Segoe UI Semibold" panose="020B0702040204020203" pitchFamily="34" charset="0"/>
+                <a:cs typeface="Segoe UI Semibold" panose="020B0702040204020203" pitchFamily="34" charset="0"/>
+              </a:rPr>
+              <a:t>Designing Modularity</a:t>
+            </a:r>
+            <a:br>
+              <a:rPr lang="en-US" sz="4400" b="1" dirty="0">
+                <a:latin typeface="Segoe UI Semibold" panose="020B0702040204020203" pitchFamily="34" charset="0"/>
+                <a:cs typeface="Segoe UI Semibold" panose="020B0702040204020203" pitchFamily="34" charset="0"/>
+              </a:rPr>
+            </a:br>
+            <a:r>
+              <a:rPr lang="en-US" sz="4400" b="1" dirty="0">
+                <a:latin typeface="Segoe UI Semibold" panose="020B0702040204020203" pitchFamily="34" charset="0"/>
+                <a:cs typeface="Segoe UI Semibold" panose="020B0702040204020203" pitchFamily="34" charset="0"/>
+              </a:rPr>
+              <a:t>on ASP.NET Core</a:t>
+            </a:r>
+            <a:endParaRPr lang="en-US" sz="4400" dirty="0"/>
+          </a:p>
+        </p:txBody>
+      </p:sp>
     </p:spTree>
     <p:extLst>
       <p:ext uri="{BB962C8B-B14F-4D97-AF65-F5344CB8AC3E}">
@@ -3969,7 +4059,7 @@
 </p:sld>
 </file>
 
-<file path=ppt/slides/slide2.xml><?xml version="1.0" encoding="utf-8"?>
+<file path=ppt/slides/slide10.xml><?xml version="1.0" encoding="utf-8"?>
 <p:sld xmlns:a="http://schemas.openxmlformats.org/drawingml/2006/main" xmlns:r="http://schemas.openxmlformats.org/officeDocument/2006/relationships" xmlns:p="http://schemas.openxmlformats.org/presentationml/2006/main">
   <p:cSld>
     <p:spTree>
@@ -3988,10 +4078,10 @@
       </p:grpSpPr>
       <p:pic>
         <p:nvPicPr>
-          <p:cNvPr id="19" name="Picture 18">
+          <p:cNvPr id="4" name="Picture 3">
             <a:extLst>
               <a:ext uri="{FF2B5EF4-FFF2-40B4-BE49-F238E27FC236}">
-                <a16:creationId xmlns:a16="http://schemas.microsoft.com/office/drawing/2014/main" id="{38981447-9723-40B3-902B-DA8C7B4D8B8E}"/>
+                <a16:creationId xmlns:a16="http://schemas.microsoft.com/office/drawing/2014/main" id="{E6371034-1339-4B43-AE7D-A149B9EFD45C}"/>
               </a:ext>
             </a:extLst>
           </p:cNvPr>
@@ -4024,58 +4114,6 @@
       </p:pic>
       <p:sp>
         <p:nvSpPr>
-          <p:cNvPr id="16" name="Oval 15">
-            <a:extLst>
-              <a:ext uri="{FF2B5EF4-FFF2-40B4-BE49-F238E27FC236}">
-                <a16:creationId xmlns:a16="http://schemas.microsoft.com/office/drawing/2014/main" id="{58009E52-D7C0-42BE-8172-0639D51E26C4}"/>
-              </a:ext>
-            </a:extLst>
-          </p:cNvPr>
-          <p:cNvSpPr/>
-          <p:nvPr/>
-        </p:nvSpPr>
-        <p:spPr>
-          <a:xfrm>
-            <a:off x="7944421" y="2914077"/>
-            <a:ext cx="554182" cy="554182"/>
-          </a:xfrm>
-          <a:prstGeom prst="ellipse">
-            <a:avLst/>
-          </a:prstGeom>
-          <a:solidFill>
-            <a:srgbClr val="0041C6"/>
-          </a:solidFill>
-          <a:ln>
-            <a:noFill/>
-          </a:ln>
-        </p:spPr>
-        <p:style>
-          <a:lnRef idx="2">
-            <a:schemeClr val="dk1">
-              <a:shade val="50000"/>
-            </a:schemeClr>
-          </a:lnRef>
-          <a:fillRef idx="1">
-            <a:schemeClr val="dk1"/>
-          </a:fillRef>
-          <a:effectRef idx="0">
-            <a:schemeClr val="dk1"/>
-          </a:effectRef>
-          <a:fontRef idx="minor">
-            <a:schemeClr val="lt1"/>
-          </a:fontRef>
-        </p:style>
-        <p:txBody>
-          <a:bodyPr rtlCol="0" anchor="ctr"/>
-          <a:lstStyle/>
-          <a:p>
-            <a:pPr algn="ctr"/>
-            <a:endParaRPr lang="en-US"/>
-          </a:p>
-        </p:txBody>
-      </p:sp>
-      <p:sp>
-        <p:nvSpPr>
           <p:cNvPr id="2" name="Title 1">
             <a:extLst>
               <a:ext uri="{FF2B5EF4-FFF2-40B4-BE49-F238E27FC236}">
@@ -4092,85 +4130,37 @@
         </p:nvSpPr>
         <p:spPr>
           <a:xfrm>
-            <a:off x="0" y="2"/>
-            <a:ext cx="12192000" cy="2205182"/>
+            <a:off x="762000" y="1754909"/>
+            <a:ext cx="4017819" cy="3408217"/>
           </a:xfrm>
         </p:spPr>
         <p:txBody>
-          <a:bodyPr anchor="b">
+          <a:bodyPr anchor="t">
             <a:normAutofit/>
           </a:bodyPr>
           <a:lstStyle/>
           <a:p>
+            <a:pPr algn="r">
+              <a:lnSpc>
+                <a:spcPct val="150000"/>
+              </a:lnSpc>
+            </a:pPr>
             <a:r>
               <a:rPr lang="en-US" sz="4000" b="1" dirty="0">
                 <a:latin typeface="Segoe UI Light" panose="020B0502040204020203" pitchFamily="34" charset="0"/>
                 <a:cs typeface="Segoe UI Light" panose="020B0502040204020203" pitchFamily="34" charset="0"/>
               </a:rPr>
-              <a:t>What is a</a:t>
-            </a:r>
-            <a:br>
+              <a:t>What is a </a:t>
+            </a:r>
+            <a:r>
               <a:rPr lang="en-US" sz="4000" b="1" dirty="0">
-                <a:latin typeface="Segoe UI Semibold" panose="020B0702040204020203" pitchFamily="34" charset="0"/>
-                <a:cs typeface="Segoe UI Semibold" panose="020B0702040204020203" pitchFamily="34" charset="0"/>
-              </a:rPr>
-            </a:br>
-            <a:r>
-              <a:rPr lang="en-US" sz="4000" b="1" dirty="0">
                 <a:solidFill>
                   <a:srgbClr val="0041C6"/>
                 </a:solidFill>
                 <a:latin typeface="Segoe UI Semibold" panose="020B0702040204020203" pitchFamily="34" charset="0"/>
                 <a:cs typeface="Segoe UI Semibold" panose="020B0702040204020203" pitchFamily="34" charset="0"/>
               </a:rPr>
-              <a:t>Modular Application</a:t>
-            </a:r>
-          </a:p>
-        </p:txBody>
-      </p:sp>
-      <p:sp>
-        <p:nvSpPr>
-          <p:cNvPr id="3" name="Subtitle 2">
-            <a:extLst>
-              <a:ext uri="{FF2B5EF4-FFF2-40B4-BE49-F238E27FC236}">
-                <a16:creationId xmlns:a16="http://schemas.microsoft.com/office/drawing/2014/main" id="{A5EF6AF5-284D-4238-A879-57E6D7F4C605}"/>
-              </a:ext>
-            </a:extLst>
-          </p:cNvPr>
-          <p:cNvSpPr>
-            <a:spLocks noGrp="1"/>
-          </p:cNvSpPr>
-          <p:nvPr>
-            <p:ph type="subTitle" idx="1"/>
-          </p:nvPr>
-        </p:nvSpPr>
-        <p:spPr>
-          <a:xfrm>
-            <a:off x="1" y="2803244"/>
-            <a:ext cx="4190999" cy="775853"/>
-          </a:xfrm>
-        </p:spPr>
-        <p:txBody>
-          <a:bodyPr anchor="ctr">
-            <a:normAutofit/>
-          </a:bodyPr>
-          <a:lstStyle/>
-          <a:p>
-            <a:r>
-              <a:rPr lang="en-US" sz="2000" dirty="0">
-                <a:latin typeface="Segoe UI Semibold" panose="020B0702040204020203" pitchFamily="34" charset="0"/>
-                <a:cs typeface="Segoe UI Semibold" panose="020B0702040204020203" pitchFamily="34" charset="0"/>
-              </a:rPr>
-              <a:t>MONOLITIC</a:t>
-            </a:r>
-          </a:p>
-          <a:p>
-            <a:r>
-              <a:rPr lang="en-US" sz="2000" dirty="0">
-                <a:latin typeface="Segoe UI Semibold" panose="020B0702040204020203" pitchFamily="34" charset="0"/>
-                <a:cs typeface="Segoe UI Semibold" panose="020B0702040204020203" pitchFamily="34" charset="0"/>
-              </a:rPr>
-              <a:t>APPLICATION</a:t>
+              <a:t>Module?</a:t>
             </a:r>
           </a:p>
         </p:txBody>
@@ -4267,890 +4257,6 @@
       </p:sp>
       <p:sp>
         <p:nvSpPr>
-          <p:cNvPr id="7" name="Subtitle 2">
-            <a:extLst>
-              <a:ext uri="{FF2B5EF4-FFF2-40B4-BE49-F238E27FC236}">
-                <a16:creationId xmlns:a16="http://schemas.microsoft.com/office/drawing/2014/main" id="{EA520EAE-19C1-4097-A6F9-768B90164E61}"/>
-              </a:ext>
-            </a:extLst>
-          </p:cNvPr>
-          <p:cNvSpPr txBox="1">
-            <a:spLocks/>
-          </p:cNvSpPr>
-          <p:nvPr/>
-        </p:nvSpPr>
-        <p:spPr>
-          <a:xfrm>
-            <a:off x="8001001" y="2803243"/>
-            <a:ext cx="4190999" cy="775853"/>
-          </a:xfrm>
-          <a:prstGeom prst="rect">
-            <a:avLst/>
-          </a:prstGeom>
-        </p:spPr>
-        <p:txBody>
-          <a:bodyPr vert="horz" lIns="91440" tIns="45720" rIns="91440" bIns="45720" rtlCol="0" anchor="ctr">
-            <a:normAutofit/>
-          </a:bodyPr>
-          <a:lstStyle>
-            <a:lvl1pPr marL="0" indent="0" algn="ctr" defTabSz="914400" rtl="0" eaLnBrk="1" latinLnBrk="0" hangingPunct="1">
-              <a:lnSpc>
-                <a:spcPct val="90000"/>
-              </a:lnSpc>
-              <a:spcBef>
-                <a:spcPts val="1000"/>
-              </a:spcBef>
-              <a:buFont typeface="Arial" panose="020B0604020202020204" pitchFamily="34" charset="0"/>
-              <a:buNone/>
-              <a:defRPr sz="2400" kern="1200">
-                <a:solidFill>
-                  <a:schemeClr val="tx1"/>
-                </a:solidFill>
-                <a:latin typeface="+mn-lt"/>
-                <a:ea typeface="+mn-ea"/>
-                <a:cs typeface="+mn-cs"/>
-              </a:defRPr>
-            </a:lvl1pPr>
-            <a:lvl2pPr marL="457200" indent="0" algn="ctr" defTabSz="914400" rtl="0" eaLnBrk="1" latinLnBrk="0" hangingPunct="1">
-              <a:lnSpc>
-                <a:spcPct val="90000"/>
-              </a:lnSpc>
-              <a:spcBef>
-                <a:spcPts val="500"/>
-              </a:spcBef>
-              <a:buFont typeface="Arial" panose="020B0604020202020204" pitchFamily="34" charset="0"/>
-              <a:buNone/>
-              <a:defRPr sz="2000" kern="1200">
-                <a:solidFill>
-                  <a:schemeClr val="tx1"/>
-                </a:solidFill>
-                <a:latin typeface="+mn-lt"/>
-                <a:ea typeface="+mn-ea"/>
-                <a:cs typeface="+mn-cs"/>
-              </a:defRPr>
-            </a:lvl2pPr>
-            <a:lvl3pPr marL="914400" indent="0" algn="ctr" defTabSz="914400" rtl="0" eaLnBrk="1" latinLnBrk="0" hangingPunct="1">
-              <a:lnSpc>
-                <a:spcPct val="90000"/>
-              </a:lnSpc>
-              <a:spcBef>
-                <a:spcPts val="500"/>
-              </a:spcBef>
-              <a:buFont typeface="Arial" panose="020B0604020202020204" pitchFamily="34" charset="0"/>
-              <a:buNone/>
-              <a:defRPr sz="1800" kern="1200">
-                <a:solidFill>
-                  <a:schemeClr val="tx1"/>
-                </a:solidFill>
-                <a:latin typeface="+mn-lt"/>
-                <a:ea typeface="+mn-ea"/>
-                <a:cs typeface="+mn-cs"/>
-              </a:defRPr>
-            </a:lvl3pPr>
-            <a:lvl4pPr marL="1371600" indent="0" algn="ctr" defTabSz="914400" rtl="0" eaLnBrk="1" latinLnBrk="0" hangingPunct="1">
-              <a:lnSpc>
-                <a:spcPct val="90000"/>
-              </a:lnSpc>
-              <a:spcBef>
-                <a:spcPts val="500"/>
-              </a:spcBef>
-              <a:buFont typeface="Arial" panose="020B0604020202020204" pitchFamily="34" charset="0"/>
-              <a:buNone/>
-              <a:defRPr sz="1600" kern="1200">
-                <a:solidFill>
-                  <a:schemeClr val="tx1"/>
-                </a:solidFill>
-                <a:latin typeface="+mn-lt"/>
-                <a:ea typeface="+mn-ea"/>
-                <a:cs typeface="+mn-cs"/>
-              </a:defRPr>
-            </a:lvl4pPr>
-            <a:lvl5pPr marL="1828800" indent="0" algn="ctr" defTabSz="914400" rtl="0" eaLnBrk="1" latinLnBrk="0" hangingPunct="1">
-              <a:lnSpc>
-                <a:spcPct val="90000"/>
-              </a:lnSpc>
-              <a:spcBef>
-                <a:spcPts val="500"/>
-              </a:spcBef>
-              <a:buFont typeface="Arial" panose="020B0604020202020204" pitchFamily="34" charset="0"/>
-              <a:buNone/>
-              <a:defRPr sz="1600" kern="1200">
-                <a:solidFill>
-                  <a:schemeClr val="tx1"/>
-                </a:solidFill>
-                <a:latin typeface="+mn-lt"/>
-                <a:ea typeface="+mn-ea"/>
-                <a:cs typeface="+mn-cs"/>
-              </a:defRPr>
-            </a:lvl5pPr>
-            <a:lvl6pPr marL="2286000" indent="0" algn="ctr" defTabSz="914400" rtl="0" eaLnBrk="1" latinLnBrk="0" hangingPunct="1">
-              <a:lnSpc>
-                <a:spcPct val="90000"/>
-              </a:lnSpc>
-              <a:spcBef>
-                <a:spcPts val="500"/>
-              </a:spcBef>
-              <a:buFont typeface="Arial" panose="020B0604020202020204" pitchFamily="34" charset="0"/>
-              <a:buNone/>
-              <a:defRPr sz="1600" kern="1200">
-                <a:solidFill>
-                  <a:schemeClr val="tx1"/>
-                </a:solidFill>
-                <a:latin typeface="+mn-lt"/>
-                <a:ea typeface="+mn-ea"/>
-                <a:cs typeface="+mn-cs"/>
-              </a:defRPr>
-            </a:lvl6pPr>
-            <a:lvl7pPr marL="2743200" indent="0" algn="ctr" defTabSz="914400" rtl="0" eaLnBrk="1" latinLnBrk="0" hangingPunct="1">
-              <a:lnSpc>
-                <a:spcPct val="90000"/>
-              </a:lnSpc>
-              <a:spcBef>
-                <a:spcPts val="500"/>
-              </a:spcBef>
-              <a:buFont typeface="Arial" panose="020B0604020202020204" pitchFamily="34" charset="0"/>
-              <a:buNone/>
-              <a:defRPr sz="1600" kern="1200">
-                <a:solidFill>
-                  <a:schemeClr val="tx1"/>
-                </a:solidFill>
-                <a:latin typeface="+mn-lt"/>
-                <a:ea typeface="+mn-ea"/>
-                <a:cs typeface="+mn-cs"/>
-              </a:defRPr>
-            </a:lvl7pPr>
-            <a:lvl8pPr marL="3200400" indent="0" algn="ctr" defTabSz="914400" rtl="0" eaLnBrk="1" latinLnBrk="0" hangingPunct="1">
-              <a:lnSpc>
-                <a:spcPct val="90000"/>
-              </a:lnSpc>
-              <a:spcBef>
-                <a:spcPts val="500"/>
-              </a:spcBef>
-              <a:buFont typeface="Arial" panose="020B0604020202020204" pitchFamily="34" charset="0"/>
-              <a:buNone/>
-              <a:defRPr sz="1600" kern="1200">
-                <a:solidFill>
-                  <a:schemeClr val="tx1"/>
-                </a:solidFill>
-                <a:latin typeface="+mn-lt"/>
-                <a:ea typeface="+mn-ea"/>
-                <a:cs typeface="+mn-cs"/>
-              </a:defRPr>
-            </a:lvl8pPr>
-            <a:lvl9pPr marL="3657600" indent="0" algn="ctr" defTabSz="914400" rtl="0" eaLnBrk="1" latinLnBrk="0" hangingPunct="1">
-              <a:lnSpc>
-                <a:spcPct val="90000"/>
-              </a:lnSpc>
-              <a:spcBef>
-                <a:spcPts val="500"/>
-              </a:spcBef>
-              <a:buFont typeface="Arial" panose="020B0604020202020204" pitchFamily="34" charset="0"/>
-              <a:buNone/>
-              <a:defRPr sz="1600" kern="1200">
-                <a:solidFill>
-                  <a:schemeClr val="tx1"/>
-                </a:solidFill>
-                <a:latin typeface="+mn-lt"/>
-                <a:ea typeface="+mn-ea"/>
-                <a:cs typeface="+mn-cs"/>
-              </a:defRPr>
-            </a:lvl9pPr>
-          </a:lstStyle>
-          <a:p>
-            <a:r>
-              <a:rPr lang="en-US" sz="2000" b="1" dirty="0">
-                <a:latin typeface="Segoe UI Semibold" panose="020B0702040204020203" pitchFamily="34" charset="0"/>
-                <a:cs typeface="Segoe UI Semibold" panose="020B0702040204020203" pitchFamily="34" charset="0"/>
-              </a:rPr>
-              <a:t>MICROSERVICES</a:t>
-            </a:r>
-          </a:p>
-          <a:p>
-            <a:r>
-              <a:rPr lang="en-US" sz="2000" b="1" dirty="0">
-                <a:latin typeface="Segoe UI Semibold" panose="020B0702040204020203" pitchFamily="34" charset="0"/>
-                <a:cs typeface="Segoe UI Semibold" panose="020B0702040204020203" pitchFamily="34" charset="0"/>
-              </a:rPr>
-              <a:t>ARCHITECTURE</a:t>
-            </a:r>
-          </a:p>
-        </p:txBody>
-      </p:sp>
-      <p:sp>
-        <p:nvSpPr>
-          <p:cNvPr id="8" name="Subtitle 2">
-            <a:extLst>
-              <a:ext uri="{FF2B5EF4-FFF2-40B4-BE49-F238E27FC236}">
-                <a16:creationId xmlns:a16="http://schemas.microsoft.com/office/drawing/2014/main" id="{EE72910A-3EC0-440A-9573-B23359DD29F8}"/>
-              </a:ext>
-            </a:extLst>
-          </p:cNvPr>
-          <p:cNvSpPr txBox="1">
-            <a:spLocks/>
-          </p:cNvSpPr>
-          <p:nvPr/>
-        </p:nvSpPr>
-        <p:spPr>
-          <a:xfrm>
-            <a:off x="4000501" y="2803242"/>
-            <a:ext cx="4190999" cy="775853"/>
-          </a:xfrm>
-          <a:prstGeom prst="rect">
-            <a:avLst/>
-          </a:prstGeom>
-        </p:spPr>
-        <p:txBody>
-          <a:bodyPr vert="horz" lIns="91440" tIns="45720" rIns="91440" bIns="45720" rtlCol="0" anchor="ctr">
-            <a:normAutofit/>
-          </a:bodyPr>
-          <a:lstStyle>
-            <a:lvl1pPr marL="0" indent="0" algn="ctr" defTabSz="914400" rtl="0" eaLnBrk="1" latinLnBrk="0" hangingPunct="1">
-              <a:lnSpc>
-                <a:spcPct val="90000"/>
-              </a:lnSpc>
-              <a:spcBef>
-                <a:spcPts val="1000"/>
-              </a:spcBef>
-              <a:buFont typeface="Arial" panose="020B0604020202020204" pitchFamily="34" charset="0"/>
-              <a:buNone/>
-              <a:defRPr sz="2400" kern="1200">
-                <a:solidFill>
-                  <a:schemeClr val="tx1"/>
-                </a:solidFill>
-                <a:latin typeface="+mn-lt"/>
-                <a:ea typeface="+mn-ea"/>
-                <a:cs typeface="+mn-cs"/>
-              </a:defRPr>
-            </a:lvl1pPr>
-            <a:lvl2pPr marL="457200" indent="0" algn="ctr" defTabSz="914400" rtl="0" eaLnBrk="1" latinLnBrk="0" hangingPunct="1">
-              <a:lnSpc>
-                <a:spcPct val="90000"/>
-              </a:lnSpc>
-              <a:spcBef>
-                <a:spcPts val="500"/>
-              </a:spcBef>
-              <a:buFont typeface="Arial" panose="020B0604020202020204" pitchFamily="34" charset="0"/>
-              <a:buNone/>
-              <a:defRPr sz="2000" kern="1200">
-                <a:solidFill>
-                  <a:schemeClr val="tx1"/>
-                </a:solidFill>
-                <a:latin typeface="+mn-lt"/>
-                <a:ea typeface="+mn-ea"/>
-                <a:cs typeface="+mn-cs"/>
-              </a:defRPr>
-            </a:lvl2pPr>
-            <a:lvl3pPr marL="914400" indent="0" algn="ctr" defTabSz="914400" rtl="0" eaLnBrk="1" latinLnBrk="0" hangingPunct="1">
-              <a:lnSpc>
-                <a:spcPct val="90000"/>
-              </a:lnSpc>
-              <a:spcBef>
-                <a:spcPts val="500"/>
-              </a:spcBef>
-              <a:buFont typeface="Arial" panose="020B0604020202020204" pitchFamily="34" charset="0"/>
-              <a:buNone/>
-              <a:defRPr sz="1800" kern="1200">
-                <a:solidFill>
-                  <a:schemeClr val="tx1"/>
-                </a:solidFill>
-                <a:latin typeface="+mn-lt"/>
-                <a:ea typeface="+mn-ea"/>
-                <a:cs typeface="+mn-cs"/>
-              </a:defRPr>
-            </a:lvl3pPr>
-            <a:lvl4pPr marL="1371600" indent="0" algn="ctr" defTabSz="914400" rtl="0" eaLnBrk="1" latinLnBrk="0" hangingPunct="1">
-              <a:lnSpc>
-                <a:spcPct val="90000"/>
-              </a:lnSpc>
-              <a:spcBef>
-                <a:spcPts val="500"/>
-              </a:spcBef>
-              <a:buFont typeface="Arial" panose="020B0604020202020204" pitchFamily="34" charset="0"/>
-              <a:buNone/>
-              <a:defRPr sz="1600" kern="1200">
-                <a:solidFill>
-                  <a:schemeClr val="tx1"/>
-                </a:solidFill>
-                <a:latin typeface="+mn-lt"/>
-                <a:ea typeface="+mn-ea"/>
-                <a:cs typeface="+mn-cs"/>
-              </a:defRPr>
-            </a:lvl4pPr>
-            <a:lvl5pPr marL="1828800" indent="0" algn="ctr" defTabSz="914400" rtl="0" eaLnBrk="1" latinLnBrk="0" hangingPunct="1">
-              <a:lnSpc>
-                <a:spcPct val="90000"/>
-              </a:lnSpc>
-              <a:spcBef>
-                <a:spcPts val="500"/>
-              </a:spcBef>
-              <a:buFont typeface="Arial" panose="020B0604020202020204" pitchFamily="34" charset="0"/>
-              <a:buNone/>
-              <a:defRPr sz="1600" kern="1200">
-                <a:solidFill>
-                  <a:schemeClr val="tx1"/>
-                </a:solidFill>
-                <a:latin typeface="+mn-lt"/>
-                <a:ea typeface="+mn-ea"/>
-                <a:cs typeface="+mn-cs"/>
-              </a:defRPr>
-            </a:lvl5pPr>
-            <a:lvl6pPr marL="2286000" indent="0" algn="ctr" defTabSz="914400" rtl="0" eaLnBrk="1" latinLnBrk="0" hangingPunct="1">
-              <a:lnSpc>
-                <a:spcPct val="90000"/>
-              </a:lnSpc>
-              <a:spcBef>
-                <a:spcPts val="500"/>
-              </a:spcBef>
-              <a:buFont typeface="Arial" panose="020B0604020202020204" pitchFamily="34" charset="0"/>
-              <a:buNone/>
-              <a:defRPr sz="1600" kern="1200">
-                <a:solidFill>
-                  <a:schemeClr val="tx1"/>
-                </a:solidFill>
-                <a:latin typeface="+mn-lt"/>
-                <a:ea typeface="+mn-ea"/>
-                <a:cs typeface="+mn-cs"/>
-              </a:defRPr>
-            </a:lvl6pPr>
-            <a:lvl7pPr marL="2743200" indent="0" algn="ctr" defTabSz="914400" rtl="0" eaLnBrk="1" latinLnBrk="0" hangingPunct="1">
-              <a:lnSpc>
-                <a:spcPct val="90000"/>
-              </a:lnSpc>
-              <a:spcBef>
-                <a:spcPts val="500"/>
-              </a:spcBef>
-              <a:buFont typeface="Arial" panose="020B0604020202020204" pitchFamily="34" charset="0"/>
-              <a:buNone/>
-              <a:defRPr sz="1600" kern="1200">
-                <a:solidFill>
-                  <a:schemeClr val="tx1"/>
-                </a:solidFill>
-                <a:latin typeface="+mn-lt"/>
-                <a:ea typeface="+mn-ea"/>
-                <a:cs typeface="+mn-cs"/>
-              </a:defRPr>
-            </a:lvl7pPr>
-            <a:lvl8pPr marL="3200400" indent="0" algn="ctr" defTabSz="914400" rtl="0" eaLnBrk="1" latinLnBrk="0" hangingPunct="1">
-              <a:lnSpc>
-                <a:spcPct val="90000"/>
-              </a:lnSpc>
-              <a:spcBef>
-                <a:spcPts val="500"/>
-              </a:spcBef>
-              <a:buFont typeface="Arial" panose="020B0604020202020204" pitchFamily="34" charset="0"/>
-              <a:buNone/>
-              <a:defRPr sz="1600" kern="1200">
-                <a:solidFill>
-                  <a:schemeClr val="tx1"/>
-                </a:solidFill>
-                <a:latin typeface="+mn-lt"/>
-                <a:ea typeface="+mn-ea"/>
-                <a:cs typeface="+mn-cs"/>
-              </a:defRPr>
-            </a:lvl8pPr>
-            <a:lvl9pPr marL="3657600" indent="0" algn="ctr" defTabSz="914400" rtl="0" eaLnBrk="1" latinLnBrk="0" hangingPunct="1">
-              <a:lnSpc>
-                <a:spcPct val="90000"/>
-              </a:lnSpc>
-              <a:spcBef>
-                <a:spcPts val="500"/>
-              </a:spcBef>
-              <a:buFont typeface="Arial" panose="020B0604020202020204" pitchFamily="34" charset="0"/>
-              <a:buNone/>
-              <a:defRPr sz="1600" kern="1200">
-                <a:solidFill>
-                  <a:schemeClr val="tx1"/>
-                </a:solidFill>
-                <a:latin typeface="+mn-lt"/>
-                <a:ea typeface="+mn-ea"/>
-                <a:cs typeface="+mn-cs"/>
-              </a:defRPr>
-            </a:lvl9pPr>
-          </a:lstStyle>
-          <a:p>
-            <a:r>
-              <a:rPr lang="en-US" sz="2000" b="1" dirty="0">
-                <a:latin typeface="Segoe UI Semibold" panose="020B0702040204020203" pitchFamily="34" charset="0"/>
-                <a:cs typeface="Segoe UI Semibold" panose="020B0702040204020203" pitchFamily="34" charset="0"/>
-              </a:rPr>
-              <a:t>MODULAR</a:t>
-            </a:r>
-          </a:p>
-          <a:p>
-            <a:r>
-              <a:rPr lang="en-US" sz="2000" b="1" dirty="0">
-                <a:latin typeface="Segoe UI Semibold" panose="020B0702040204020203" pitchFamily="34" charset="0"/>
-                <a:cs typeface="Segoe UI Semibold" panose="020B0702040204020203" pitchFamily="34" charset="0"/>
-              </a:rPr>
-              <a:t>ARCHITECTURE</a:t>
-            </a:r>
-          </a:p>
-        </p:txBody>
-      </p:sp>
-      <p:sp>
-        <p:nvSpPr>
-          <p:cNvPr id="4" name="Oval 3">
-            <a:extLst>
-              <a:ext uri="{FF2B5EF4-FFF2-40B4-BE49-F238E27FC236}">
-                <a16:creationId xmlns:a16="http://schemas.microsoft.com/office/drawing/2014/main" id="{669DC293-E672-4902-A123-63A944F2AD23}"/>
-              </a:ext>
-            </a:extLst>
-          </p:cNvPr>
-          <p:cNvSpPr/>
-          <p:nvPr/>
-        </p:nvSpPr>
-        <p:spPr>
-          <a:xfrm>
-            <a:off x="3723408" y="2914077"/>
-            <a:ext cx="554182" cy="554182"/>
-          </a:xfrm>
-          <a:prstGeom prst="ellipse">
-            <a:avLst/>
-          </a:prstGeom>
-          <a:solidFill>
-            <a:srgbClr val="0041C6"/>
-          </a:solidFill>
-          <a:ln>
-            <a:noFill/>
-          </a:ln>
-        </p:spPr>
-        <p:style>
-          <a:lnRef idx="2">
-            <a:schemeClr val="dk1">
-              <a:shade val="50000"/>
-            </a:schemeClr>
-          </a:lnRef>
-          <a:fillRef idx="1">
-            <a:schemeClr val="dk1"/>
-          </a:fillRef>
-          <a:effectRef idx="0">
-            <a:schemeClr val="dk1"/>
-          </a:effectRef>
-          <a:fontRef idx="minor">
-            <a:schemeClr val="lt1"/>
-          </a:fontRef>
-        </p:style>
-        <p:txBody>
-          <a:bodyPr rtlCol="0" anchor="ctr"/>
-          <a:lstStyle/>
-          <a:p>
-            <a:pPr algn="ctr"/>
-            <a:endParaRPr lang="en-US"/>
-          </a:p>
-        </p:txBody>
-      </p:sp>
-      <p:sp>
-        <p:nvSpPr>
-          <p:cNvPr id="11" name="Subtitle 2">
-            <a:extLst>
-              <a:ext uri="{FF2B5EF4-FFF2-40B4-BE49-F238E27FC236}">
-                <a16:creationId xmlns:a16="http://schemas.microsoft.com/office/drawing/2014/main" id="{A769CE0C-E9B4-4049-B22B-C35AD0DD7409}"/>
-              </a:ext>
-            </a:extLst>
-          </p:cNvPr>
-          <p:cNvSpPr txBox="1">
-            <a:spLocks/>
-          </p:cNvSpPr>
-          <p:nvPr/>
-        </p:nvSpPr>
-        <p:spPr>
-          <a:xfrm>
-            <a:off x="3582554" y="2821712"/>
-            <a:ext cx="835891" cy="775853"/>
-          </a:xfrm>
-          <a:prstGeom prst="rect">
-            <a:avLst/>
-          </a:prstGeom>
-        </p:spPr>
-        <p:txBody>
-          <a:bodyPr vert="horz" lIns="91440" tIns="45720" rIns="91440" bIns="45720" rtlCol="0" anchor="ctr">
-            <a:normAutofit/>
-          </a:bodyPr>
-          <a:lstStyle>
-            <a:lvl1pPr marL="0" indent="0" algn="ctr" defTabSz="914400" rtl="0" eaLnBrk="1" latinLnBrk="0" hangingPunct="1">
-              <a:lnSpc>
-                <a:spcPct val="90000"/>
-              </a:lnSpc>
-              <a:spcBef>
-                <a:spcPts val="1000"/>
-              </a:spcBef>
-              <a:buFont typeface="Arial" panose="020B0604020202020204" pitchFamily="34" charset="0"/>
-              <a:buNone/>
-              <a:defRPr sz="2400" kern="1200">
-                <a:solidFill>
-                  <a:schemeClr val="tx1"/>
-                </a:solidFill>
-                <a:latin typeface="+mn-lt"/>
-                <a:ea typeface="+mn-ea"/>
-                <a:cs typeface="+mn-cs"/>
-              </a:defRPr>
-            </a:lvl1pPr>
-            <a:lvl2pPr marL="457200" indent="0" algn="ctr" defTabSz="914400" rtl="0" eaLnBrk="1" latinLnBrk="0" hangingPunct="1">
-              <a:lnSpc>
-                <a:spcPct val="90000"/>
-              </a:lnSpc>
-              <a:spcBef>
-                <a:spcPts val="500"/>
-              </a:spcBef>
-              <a:buFont typeface="Arial" panose="020B0604020202020204" pitchFamily="34" charset="0"/>
-              <a:buNone/>
-              <a:defRPr sz="2000" kern="1200">
-                <a:solidFill>
-                  <a:schemeClr val="tx1"/>
-                </a:solidFill>
-                <a:latin typeface="+mn-lt"/>
-                <a:ea typeface="+mn-ea"/>
-                <a:cs typeface="+mn-cs"/>
-              </a:defRPr>
-            </a:lvl2pPr>
-            <a:lvl3pPr marL="914400" indent="0" algn="ctr" defTabSz="914400" rtl="0" eaLnBrk="1" latinLnBrk="0" hangingPunct="1">
-              <a:lnSpc>
-                <a:spcPct val="90000"/>
-              </a:lnSpc>
-              <a:spcBef>
-                <a:spcPts val="500"/>
-              </a:spcBef>
-              <a:buFont typeface="Arial" panose="020B0604020202020204" pitchFamily="34" charset="0"/>
-              <a:buNone/>
-              <a:defRPr sz="1800" kern="1200">
-                <a:solidFill>
-                  <a:schemeClr val="tx1"/>
-                </a:solidFill>
-                <a:latin typeface="+mn-lt"/>
-                <a:ea typeface="+mn-ea"/>
-                <a:cs typeface="+mn-cs"/>
-              </a:defRPr>
-            </a:lvl3pPr>
-            <a:lvl4pPr marL="1371600" indent="0" algn="ctr" defTabSz="914400" rtl="0" eaLnBrk="1" latinLnBrk="0" hangingPunct="1">
-              <a:lnSpc>
-                <a:spcPct val="90000"/>
-              </a:lnSpc>
-              <a:spcBef>
-                <a:spcPts val="500"/>
-              </a:spcBef>
-              <a:buFont typeface="Arial" panose="020B0604020202020204" pitchFamily="34" charset="0"/>
-              <a:buNone/>
-              <a:defRPr sz="1600" kern="1200">
-                <a:solidFill>
-                  <a:schemeClr val="tx1"/>
-                </a:solidFill>
-                <a:latin typeface="+mn-lt"/>
-                <a:ea typeface="+mn-ea"/>
-                <a:cs typeface="+mn-cs"/>
-              </a:defRPr>
-            </a:lvl4pPr>
-            <a:lvl5pPr marL="1828800" indent="0" algn="ctr" defTabSz="914400" rtl="0" eaLnBrk="1" latinLnBrk="0" hangingPunct="1">
-              <a:lnSpc>
-                <a:spcPct val="90000"/>
-              </a:lnSpc>
-              <a:spcBef>
-                <a:spcPts val="500"/>
-              </a:spcBef>
-              <a:buFont typeface="Arial" panose="020B0604020202020204" pitchFamily="34" charset="0"/>
-              <a:buNone/>
-              <a:defRPr sz="1600" kern="1200">
-                <a:solidFill>
-                  <a:schemeClr val="tx1"/>
-                </a:solidFill>
-                <a:latin typeface="+mn-lt"/>
-                <a:ea typeface="+mn-ea"/>
-                <a:cs typeface="+mn-cs"/>
-              </a:defRPr>
-            </a:lvl5pPr>
-            <a:lvl6pPr marL="2286000" indent="0" algn="ctr" defTabSz="914400" rtl="0" eaLnBrk="1" latinLnBrk="0" hangingPunct="1">
-              <a:lnSpc>
-                <a:spcPct val="90000"/>
-              </a:lnSpc>
-              <a:spcBef>
-                <a:spcPts val="500"/>
-              </a:spcBef>
-              <a:buFont typeface="Arial" panose="020B0604020202020204" pitchFamily="34" charset="0"/>
-              <a:buNone/>
-              <a:defRPr sz="1600" kern="1200">
-                <a:solidFill>
-                  <a:schemeClr val="tx1"/>
-                </a:solidFill>
-                <a:latin typeface="+mn-lt"/>
-                <a:ea typeface="+mn-ea"/>
-                <a:cs typeface="+mn-cs"/>
-              </a:defRPr>
-            </a:lvl6pPr>
-            <a:lvl7pPr marL="2743200" indent="0" algn="ctr" defTabSz="914400" rtl="0" eaLnBrk="1" latinLnBrk="0" hangingPunct="1">
-              <a:lnSpc>
-                <a:spcPct val="90000"/>
-              </a:lnSpc>
-              <a:spcBef>
-                <a:spcPts val="500"/>
-              </a:spcBef>
-              <a:buFont typeface="Arial" panose="020B0604020202020204" pitchFamily="34" charset="0"/>
-              <a:buNone/>
-              <a:defRPr sz="1600" kern="1200">
-                <a:solidFill>
-                  <a:schemeClr val="tx1"/>
-                </a:solidFill>
-                <a:latin typeface="+mn-lt"/>
-                <a:ea typeface="+mn-ea"/>
-                <a:cs typeface="+mn-cs"/>
-              </a:defRPr>
-            </a:lvl7pPr>
-            <a:lvl8pPr marL="3200400" indent="0" algn="ctr" defTabSz="914400" rtl="0" eaLnBrk="1" latinLnBrk="0" hangingPunct="1">
-              <a:lnSpc>
-                <a:spcPct val="90000"/>
-              </a:lnSpc>
-              <a:spcBef>
-                <a:spcPts val="500"/>
-              </a:spcBef>
-              <a:buFont typeface="Arial" panose="020B0604020202020204" pitchFamily="34" charset="0"/>
-              <a:buNone/>
-              <a:defRPr sz="1600" kern="1200">
-                <a:solidFill>
-                  <a:schemeClr val="tx1"/>
-                </a:solidFill>
-                <a:latin typeface="+mn-lt"/>
-                <a:ea typeface="+mn-ea"/>
-                <a:cs typeface="+mn-cs"/>
-              </a:defRPr>
-            </a:lvl8pPr>
-            <a:lvl9pPr marL="3657600" indent="0" algn="ctr" defTabSz="914400" rtl="0" eaLnBrk="1" latinLnBrk="0" hangingPunct="1">
-              <a:lnSpc>
-                <a:spcPct val="90000"/>
-              </a:lnSpc>
-              <a:spcBef>
-                <a:spcPts val="500"/>
-              </a:spcBef>
-              <a:buFont typeface="Arial" panose="020B0604020202020204" pitchFamily="34" charset="0"/>
-              <a:buNone/>
-              <a:defRPr sz="1600" kern="1200">
-                <a:solidFill>
-                  <a:schemeClr val="tx1"/>
-                </a:solidFill>
-                <a:latin typeface="+mn-lt"/>
-                <a:ea typeface="+mn-ea"/>
-                <a:cs typeface="+mn-cs"/>
-              </a:defRPr>
-            </a:lvl9pPr>
-          </a:lstStyle>
-          <a:p>
-            <a:r>
-              <a:rPr lang="en-US" sz="2000" b="1" dirty="0">
-                <a:solidFill>
-                  <a:schemeClr val="bg1"/>
-                </a:solidFill>
-                <a:latin typeface="Segoe UI Light" panose="020B0502040204020203" pitchFamily="34" charset="0"/>
-                <a:cs typeface="Segoe UI Light" panose="020B0502040204020203" pitchFamily="34" charset="0"/>
-              </a:rPr>
-              <a:t>VS</a:t>
-            </a:r>
-          </a:p>
-        </p:txBody>
-      </p:sp>
-      <p:sp>
-        <p:nvSpPr>
-          <p:cNvPr id="13" name="Subtitle 2">
-            <a:extLst>
-              <a:ext uri="{FF2B5EF4-FFF2-40B4-BE49-F238E27FC236}">
-                <a16:creationId xmlns:a16="http://schemas.microsoft.com/office/drawing/2014/main" id="{4E7C4356-A568-4A1D-B10A-66F2D5699E58}"/>
-              </a:ext>
-            </a:extLst>
-          </p:cNvPr>
-          <p:cNvSpPr txBox="1">
-            <a:spLocks/>
-          </p:cNvSpPr>
-          <p:nvPr/>
-        </p:nvSpPr>
-        <p:spPr>
-          <a:xfrm>
-            <a:off x="7805880" y="2835566"/>
-            <a:ext cx="835891" cy="775853"/>
-          </a:xfrm>
-          <a:prstGeom prst="rect">
-            <a:avLst/>
-          </a:prstGeom>
-        </p:spPr>
-        <p:txBody>
-          <a:bodyPr vert="horz" lIns="91440" tIns="45720" rIns="91440" bIns="45720" rtlCol="0" anchor="ctr">
-            <a:normAutofit/>
-          </a:bodyPr>
-          <a:lstStyle>
-            <a:lvl1pPr marL="0" indent="0" algn="ctr" defTabSz="914400" rtl="0" eaLnBrk="1" latinLnBrk="0" hangingPunct="1">
-              <a:lnSpc>
-                <a:spcPct val="90000"/>
-              </a:lnSpc>
-              <a:spcBef>
-                <a:spcPts val="1000"/>
-              </a:spcBef>
-              <a:buFont typeface="Arial" panose="020B0604020202020204" pitchFamily="34" charset="0"/>
-              <a:buNone/>
-              <a:defRPr sz="2400" kern="1200">
-                <a:solidFill>
-                  <a:schemeClr val="tx1"/>
-                </a:solidFill>
-                <a:latin typeface="+mn-lt"/>
-                <a:ea typeface="+mn-ea"/>
-                <a:cs typeface="+mn-cs"/>
-              </a:defRPr>
-            </a:lvl1pPr>
-            <a:lvl2pPr marL="457200" indent="0" algn="ctr" defTabSz="914400" rtl="0" eaLnBrk="1" latinLnBrk="0" hangingPunct="1">
-              <a:lnSpc>
-                <a:spcPct val="90000"/>
-              </a:lnSpc>
-              <a:spcBef>
-                <a:spcPts val="500"/>
-              </a:spcBef>
-              <a:buFont typeface="Arial" panose="020B0604020202020204" pitchFamily="34" charset="0"/>
-              <a:buNone/>
-              <a:defRPr sz="2000" kern="1200">
-                <a:solidFill>
-                  <a:schemeClr val="tx1"/>
-                </a:solidFill>
-                <a:latin typeface="+mn-lt"/>
-                <a:ea typeface="+mn-ea"/>
-                <a:cs typeface="+mn-cs"/>
-              </a:defRPr>
-            </a:lvl2pPr>
-            <a:lvl3pPr marL="914400" indent="0" algn="ctr" defTabSz="914400" rtl="0" eaLnBrk="1" latinLnBrk="0" hangingPunct="1">
-              <a:lnSpc>
-                <a:spcPct val="90000"/>
-              </a:lnSpc>
-              <a:spcBef>
-                <a:spcPts val="500"/>
-              </a:spcBef>
-              <a:buFont typeface="Arial" panose="020B0604020202020204" pitchFamily="34" charset="0"/>
-              <a:buNone/>
-              <a:defRPr sz="1800" kern="1200">
-                <a:solidFill>
-                  <a:schemeClr val="tx1"/>
-                </a:solidFill>
-                <a:latin typeface="+mn-lt"/>
-                <a:ea typeface="+mn-ea"/>
-                <a:cs typeface="+mn-cs"/>
-              </a:defRPr>
-            </a:lvl3pPr>
-            <a:lvl4pPr marL="1371600" indent="0" algn="ctr" defTabSz="914400" rtl="0" eaLnBrk="1" latinLnBrk="0" hangingPunct="1">
-              <a:lnSpc>
-                <a:spcPct val="90000"/>
-              </a:lnSpc>
-              <a:spcBef>
-                <a:spcPts val="500"/>
-              </a:spcBef>
-              <a:buFont typeface="Arial" panose="020B0604020202020204" pitchFamily="34" charset="0"/>
-              <a:buNone/>
-              <a:defRPr sz="1600" kern="1200">
-                <a:solidFill>
-                  <a:schemeClr val="tx1"/>
-                </a:solidFill>
-                <a:latin typeface="+mn-lt"/>
-                <a:ea typeface="+mn-ea"/>
-                <a:cs typeface="+mn-cs"/>
-              </a:defRPr>
-            </a:lvl4pPr>
-            <a:lvl5pPr marL="1828800" indent="0" algn="ctr" defTabSz="914400" rtl="0" eaLnBrk="1" latinLnBrk="0" hangingPunct="1">
-              <a:lnSpc>
-                <a:spcPct val="90000"/>
-              </a:lnSpc>
-              <a:spcBef>
-                <a:spcPts val="500"/>
-              </a:spcBef>
-              <a:buFont typeface="Arial" panose="020B0604020202020204" pitchFamily="34" charset="0"/>
-              <a:buNone/>
-              <a:defRPr sz="1600" kern="1200">
-                <a:solidFill>
-                  <a:schemeClr val="tx1"/>
-                </a:solidFill>
-                <a:latin typeface="+mn-lt"/>
-                <a:ea typeface="+mn-ea"/>
-                <a:cs typeface="+mn-cs"/>
-              </a:defRPr>
-            </a:lvl5pPr>
-            <a:lvl6pPr marL="2286000" indent="0" algn="ctr" defTabSz="914400" rtl="0" eaLnBrk="1" latinLnBrk="0" hangingPunct="1">
-              <a:lnSpc>
-                <a:spcPct val="90000"/>
-              </a:lnSpc>
-              <a:spcBef>
-                <a:spcPts val="500"/>
-              </a:spcBef>
-              <a:buFont typeface="Arial" panose="020B0604020202020204" pitchFamily="34" charset="0"/>
-              <a:buNone/>
-              <a:defRPr sz="1600" kern="1200">
-                <a:solidFill>
-                  <a:schemeClr val="tx1"/>
-                </a:solidFill>
-                <a:latin typeface="+mn-lt"/>
-                <a:ea typeface="+mn-ea"/>
-                <a:cs typeface="+mn-cs"/>
-              </a:defRPr>
-            </a:lvl6pPr>
-            <a:lvl7pPr marL="2743200" indent="0" algn="ctr" defTabSz="914400" rtl="0" eaLnBrk="1" latinLnBrk="0" hangingPunct="1">
-              <a:lnSpc>
-                <a:spcPct val="90000"/>
-              </a:lnSpc>
-              <a:spcBef>
-                <a:spcPts val="500"/>
-              </a:spcBef>
-              <a:buFont typeface="Arial" panose="020B0604020202020204" pitchFamily="34" charset="0"/>
-              <a:buNone/>
-              <a:defRPr sz="1600" kern="1200">
-                <a:solidFill>
-                  <a:schemeClr val="tx1"/>
-                </a:solidFill>
-                <a:latin typeface="+mn-lt"/>
-                <a:ea typeface="+mn-ea"/>
-                <a:cs typeface="+mn-cs"/>
-              </a:defRPr>
-            </a:lvl7pPr>
-            <a:lvl8pPr marL="3200400" indent="0" algn="ctr" defTabSz="914400" rtl="0" eaLnBrk="1" latinLnBrk="0" hangingPunct="1">
-              <a:lnSpc>
-                <a:spcPct val="90000"/>
-              </a:lnSpc>
-              <a:spcBef>
-                <a:spcPts val="500"/>
-              </a:spcBef>
-              <a:buFont typeface="Arial" panose="020B0604020202020204" pitchFamily="34" charset="0"/>
-              <a:buNone/>
-              <a:defRPr sz="1600" kern="1200">
-                <a:solidFill>
-                  <a:schemeClr val="tx1"/>
-                </a:solidFill>
-                <a:latin typeface="+mn-lt"/>
-                <a:ea typeface="+mn-ea"/>
-                <a:cs typeface="+mn-cs"/>
-              </a:defRPr>
-            </a:lvl8pPr>
-            <a:lvl9pPr marL="3657600" indent="0" algn="ctr" defTabSz="914400" rtl="0" eaLnBrk="1" latinLnBrk="0" hangingPunct="1">
-              <a:lnSpc>
-                <a:spcPct val="90000"/>
-              </a:lnSpc>
-              <a:spcBef>
-                <a:spcPts val="500"/>
-              </a:spcBef>
-              <a:buFont typeface="Arial" panose="020B0604020202020204" pitchFamily="34" charset="0"/>
-              <a:buNone/>
-              <a:defRPr sz="1600" kern="1200">
-                <a:solidFill>
-                  <a:schemeClr val="tx1"/>
-                </a:solidFill>
-                <a:latin typeface="+mn-lt"/>
-                <a:ea typeface="+mn-ea"/>
-                <a:cs typeface="+mn-cs"/>
-              </a:defRPr>
-            </a:lvl9pPr>
-          </a:lstStyle>
-          <a:p>
-            <a:r>
-              <a:rPr lang="en-US" sz="2000" b="1" dirty="0">
-                <a:solidFill>
-                  <a:schemeClr val="bg1"/>
-                </a:solidFill>
-                <a:latin typeface="Segoe UI Light" panose="020B0502040204020203" pitchFamily="34" charset="0"/>
-                <a:cs typeface="Segoe UI Light" panose="020B0502040204020203" pitchFamily="34" charset="0"/>
-              </a:rPr>
-              <a:t>VS</a:t>
-            </a:r>
-          </a:p>
-        </p:txBody>
-      </p:sp>
-      <p:sp>
-        <p:nvSpPr>
           <p:cNvPr id="15" name="Subtitle 2">
             <a:extLst>
               <a:ext uri="{FF2B5EF4-FFF2-40B4-BE49-F238E27FC236}">
@@ -5165,16 +4271,16 @@
         </p:nvSpPr>
         <p:spPr>
           <a:xfrm>
-            <a:off x="2095499" y="3867727"/>
-            <a:ext cx="8405092" cy="2041236"/>
+            <a:off x="5204688" y="1948872"/>
+            <a:ext cx="6022111" cy="4110181"/>
           </a:xfrm>
           <a:prstGeom prst="rect">
             <a:avLst/>
           </a:prstGeom>
         </p:spPr>
         <p:txBody>
-          <a:bodyPr vert="horz" lIns="91440" tIns="45720" rIns="91440" bIns="45720" rtlCol="0" anchor="ctr">
-            <a:normAutofit/>
+          <a:bodyPr vert="horz" lIns="91440" tIns="45720" rIns="91440" bIns="45720" rtlCol="0" anchor="t">
+            <a:noAutofit/>
           </a:bodyPr>
           <a:lstStyle>
             <a:lvl1pPr marL="0" indent="0" algn="ctr" defTabSz="914400" rtl="0" eaLnBrk="1" latinLnBrk="0" hangingPunct="1">
@@ -5341,470 +4447,155 @@
             </a:lvl9pPr>
           </a:lstStyle>
           <a:p>
-            <a:pPr>
+            <a:pPr algn="l">
               <a:lnSpc>
                 <a:spcPct val="150000"/>
               </a:lnSpc>
             </a:pPr>
             <a:r>
-              <a:rPr lang="en-US" sz="1800" dirty="0">
-                <a:latin typeface="Segoe UI Light" panose="020B0502040204020203" pitchFamily="34" charset="0"/>
-                <a:cs typeface="Segoe UI Light" panose="020B0502040204020203" pitchFamily="34" charset="0"/>
-              </a:rPr>
-              <a:t>Lorem ipsum dolor sit </a:t>
-            </a:r>
-            <a:r>
-              <a:rPr lang="en-US" sz="1800" dirty="0" err="1">
-                <a:latin typeface="Segoe UI Light" panose="020B0502040204020203" pitchFamily="34" charset="0"/>
-                <a:cs typeface="Segoe UI Light" panose="020B0502040204020203" pitchFamily="34" charset="0"/>
-              </a:rPr>
-              <a:t>amet</a:t>
-            </a:r>
-            <a:r>
-              <a:rPr lang="en-US" sz="1800" dirty="0">
-                <a:latin typeface="Segoe UI Light" panose="020B0502040204020203" pitchFamily="34" charset="0"/>
-                <a:cs typeface="Segoe UI Light" panose="020B0502040204020203" pitchFamily="34" charset="0"/>
-              </a:rPr>
-              <a:t>, </a:t>
-            </a:r>
-            <a:r>
-              <a:rPr lang="en-US" sz="1800" dirty="0" err="1">
-                <a:latin typeface="Segoe UI Light" panose="020B0502040204020203" pitchFamily="34" charset="0"/>
-                <a:cs typeface="Segoe UI Light" panose="020B0502040204020203" pitchFamily="34" charset="0"/>
-              </a:rPr>
-              <a:t>consectetur</a:t>
-            </a:r>
-            <a:r>
-              <a:rPr lang="en-US" sz="1800" dirty="0">
-                <a:latin typeface="Segoe UI Light" panose="020B0502040204020203" pitchFamily="34" charset="0"/>
-                <a:cs typeface="Segoe UI Light" panose="020B0502040204020203" pitchFamily="34" charset="0"/>
-              </a:rPr>
-              <a:t> </a:t>
-            </a:r>
-            <a:r>
-              <a:rPr lang="en-US" sz="1800" dirty="0" err="1">
-                <a:latin typeface="Segoe UI Light" panose="020B0502040204020203" pitchFamily="34" charset="0"/>
-                <a:cs typeface="Segoe UI Light" panose="020B0502040204020203" pitchFamily="34" charset="0"/>
-              </a:rPr>
-              <a:t>adipiscing</a:t>
-            </a:r>
-            <a:r>
-              <a:rPr lang="en-US" sz="1800" dirty="0">
-                <a:latin typeface="Segoe UI Light" panose="020B0502040204020203" pitchFamily="34" charset="0"/>
-                <a:cs typeface="Segoe UI Light" panose="020B0502040204020203" pitchFamily="34" charset="0"/>
-              </a:rPr>
-              <a:t> </a:t>
-            </a:r>
-            <a:r>
-              <a:rPr lang="en-US" sz="1800" dirty="0" err="1">
-                <a:latin typeface="Segoe UI Light" panose="020B0502040204020203" pitchFamily="34" charset="0"/>
-                <a:cs typeface="Segoe UI Light" panose="020B0502040204020203" pitchFamily="34" charset="0"/>
-              </a:rPr>
-              <a:t>elit</a:t>
-            </a:r>
-            <a:r>
-              <a:rPr lang="en-US" sz="1800" dirty="0">
-                <a:latin typeface="Segoe UI Light" panose="020B0502040204020203" pitchFamily="34" charset="0"/>
-                <a:cs typeface="Segoe UI Light" panose="020B0502040204020203" pitchFamily="34" charset="0"/>
-              </a:rPr>
-              <a:t>. </a:t>
-            </a:r>
-            <a:r>
-              <a:rPr lang="en-US" sz="1800" dirty="0" err="1">
-                <a:latin typeface="Segoe UI Light" panose="020B0502040204020203" pitchFamily="34" charset="0"/>
-                <a:cs typeface="Segoe UI Light" panose="020B0502040204020203" pitchFamily="34" charset="0"/>
-              </a:rPr>
-              <a:t>Aliquam</a:t>
-            </a:r>
-            <a:r>
-              <a:rPr lang="en-US" sz="1800" dirty="0">
-                <a:latin typeface="Segoe UI Light" panose="020B0502040204020203" pitchFamily="34" charset="0"/>
-                <a:cs typeface="Segoe UI Light" panose="020B0502040204020203" pitchFamily="34" charset="0"/>
-              </a:rPr>
-              <a:t> </a:t>
-            </a:r>
-            <a:r>
-              <a:rPr lang="en-US" sz="1800" dirty="0" err="1">
-                <a:latin typeface="Segoe UI Light" panose="020B0502040204020203" pitchFamily="34" charset="0"/>
-                <a:cs typeface="Segoe UI Light" panose="020B0502040204020203" pitchFamily="34" charset="0"/>
-              </a:rPr>
-              <a:t>eleifend</a:t>
-            </a:r>
-            <a:r>
-              <a:rPr lang="en-US" sz="1800" dirty="0">
-                <a:latin typeface="Segoe UI Light" panose="020B0502040204020203" pitchFamily="34" charset="0"/>
-                <a:cs typeface="Segoe UI Light" panose="020B0502040204020203" pitchFamily="34" charset="0"/>
-              </a:rPr>
-              <a:t> </a:t>
-            </a:r>
-            <a:r>
-              <a:rPr lang="en-US" sz="1800" dirty="0" err="1">
-                <a:latin typeface="Segoe UI Light" panose="020B0502040204020203" pitchFamily="34" charset="0"/>
-                <a:cs typeface="Segoe UI Light" panose="020B0502040204020203" pitchFamily="34" charset="0"/>
-              </a:rPr>
-              <a:t>eget</a:t>
-            </a:r>
-            <a:r>
-              <a:rPr lang="en-US" sz="1800" dirty="0">
-                <a:latin typeface="Segoe UI Light" panose="020B0502040204020203" pitchFamily="34" charset="0"/>
-                <a:cs typeface="Segoe UI Light" panose="020B0502040204020203" pitchFamily="34" charset="0"/>
-              </a:rPr>
-              <a:t> </a:t>
-            </a:r>
-            <a:r>
-              <a:rPr lang="en-US" sz="1800" dirty="0" err="1">
-                <a:latin typeface="Segoe UI Light" panose="020B0502040204020203" pitchFamily="34" charset="0"/>
-                <a:cs typeface="Segoe UI Light" panose="020B0502040204020203" pitchFamily="34" charset="0"/>
-              </a:rPr>
-              <a:t>tellus</a:t>
-            </a:r>
-            <a:r>
-              <a:rPr lang="en-US" sz="1800" dirty="0">
-                <a:latin typeface="Segoe UI Light" panose="020B0502040204020203" pitchFamily="34" charset="0"/>
-                <a:cs typeface="Segoe UI Light" panose="020B0502040204020203" pitchFamily="34" charset="0"/>
-              </a:rPr>
-              <a:t> </a:t>
-            </a:r>
-            <a:r>
-              <a:rPr lang="en-US" sz="1800" dirty="0" err="1">
-                <a:latin typeface="Segoe UI Light" panose="020B0502040204020203" pitchFamily="34" charset="0"/>
-                <a:cs typeface="Segoe UI Light" panose="020B0502040204020203" pitchFamily="34" charset="0"/>
-              </a:rPr>
-              <a:t>eget</a:t>
-            </a:r>
-            <a:r>
-              <a:rPr lang="en-US" sz="1800" dirty="0">
-                <a:latin typeface="Segoe UI Light" panose="020B0502040204020203" pitchFamily="34" charset="0"/>
-                <a:cs typeface="Segoe UI Light" panose="020B0502040204020203" pitchFamily="34" charset="0"/>
-              </a:rPr>
-              <a:t> </a:t>
-            </a:r>
-            <a:r>
-              <a:rPr lang="en-US" sz="1800" dirty="0" err="1">
-                <a:latin typeface="Segoe UI Light" panose="020B0502040204020203" pitchFamily="34" charset="0"/>
-                <a:cs typeface="Segoe UI Light" panose="020B0502040204020203" pitchFamily="34" charset="0"/>
-              </a:rPr>
-              <a:t>sodales</a:t>
-            </a:r>
-            <a:r>
-              <a:rPr lang="en-US" sz="1800" dirty="0">
-                <a:latin typeface="Segoe UI Light" panose="020B0502040204020203" pitchFamily="34" charset="0"/>
-                <a:cs typeface="Segoe UI Light" panose="020B0502040204020203" pitchFamily="34" charset="0"/>
-              </a:rPr>
-              <a:t>. </a:t>
-            </a:r>
-            <a:r>
-              <a:rPr lang="en-US" sz="1800" dirty="0" err="1">
-                <a:latin typeface="Segoe UI Light" panose="020B0502040204020203" pitchFamily="34" charset="0"/>
-                <a:cs typeface="Segoe UI Light" panose="020B0502040204020203" pitchFamily="34" charset="0"/>
-              </a:rPr>
-              <a:t>Donec</a:t>
-            </a:r>
-            <a:r>
-              <a:rPr lang="en-US" sz="1800" dirty="0">
-                <a:latin typeface="Segoe UI Light" panose="020B0502040204020203" pitchFamily="34" charset="0"/>
-                <a:cs typeface="Segoe UI Light" panose="020B0502040204020203" pitchFamily="34" charset="0"/>
-              </a:rPr>
-              <a:t> a </a:t>
-            </a:r>
-            <a:r>
-              <a:rPr lang="en-US" sz="1800" dirty="0" err="1">
-                <a:latin typeface="Segoe UI Light" panose="020B0502040204020203" pitchFamily="34" charset="0"/>
-                <a:cs typeface="Segoe UI Light" panose="020B0502040204020203" pitchFamily="34" charset="0"/>
-              </a:rPr>
-              <a:t>facilisis</a:t>
-            </a:r>
-            <a:r>
-              <a:rPr lang="en-US" sz="1800" dirty="0">
-                <a:latin typeface="Segoe UI Light" panose="020B0502040204020203" pitchFamily="34" charset="0"/>
-                <a:cs typeface="Segoe UI Light" panose="020B0502040204020203" pitchFamily="34" charset="0"/>
-              </a:rPr>
-              <a:t> ipsum, a </a:t>
-            </a:r>
-            <a:r>
-              <a:rPr lang="en-US" sz="1800" dirty="0" err="1">
-                <a:latin typeface="Segoe UI Light" panose="020B0502040204020203" pitchFamily="34" charset="0"/>
-                <a:cs typeface="Segoe UI Light" panose="020B0502040204020203" pitchFamily="34" charset="0"/>
-              </a:rPr>
-              <a:t>ultricies</a:t>
-            </a:r>
-            <a:r>
-              <a:rPr lang="en-US" sz="1800" dirty="0">
-                <a:latin typeface="Segoe UI Light" panose="020B0502040204020203" pitchFamily="34" charset="0"/>
-                <a:cs typeface="Segoe UI Light" panose="020B0502040204020203" pitchFamily="34" charset="0"/>
-              </a:rPr>
-              <a:t> </a:t>
-            </a:r>
-            <a:r>
-              <a:rPr lang="en-US" sz="1800" dirty="0" err="1">
-                <a:latin typeface="Segoe UI Light" panose="020B0502040204020203" pitchFamily="34" charset="0"/>
-                <a:cs typeface="Segoe UI Light" panose="020B0502040204020203" pitchFamily="34" charset="0"/>
-              </a:rPr>
-              <a:t>lacus</a:t>
-            </a:r>
-            <a:r>
-              <a:rPr lang="en-US" sz="1800" dirty="0">
-                <a:latin typeface="Segoe UI Light" panose="020B0502040204020203" pitchFamily="34" charset="0"/>
-                <a:cs typeface="Segoe UI Light" panose="020B0502040204020203" pitchFamily="34" charset="0"/>
-              </a:rPr>
-              <a:t>. </a:t>
-            </a:r>
-            <a:r>
-              <a:rPr lang="en-US" sz="1800" dirty="0" err="1">
-                <a:latin typeface="Segoe UI Light" panose="020B0502040204020203" pitchFamily="34" charset="0"/>
-                <a:cs typeface="Segoe UI Light" panose="020B0502040204020203" pitchFamily="34" charset="0"/>
-              </a:rPr>
-              <a:t>Phasellus</a:t>
-            </a:r>
-            <a:r>
-              <a:rPr lang="en-US" sz="1800" dirty="0">
-                <a:latin typeface="Segoe UI Light" panose="020B0502040204020203" pitchFamily="34" charset="0"/>
-                <a:cs typeface="Segoe UI Light" panose="020B0502040204020203" pitchFamily="34" charset="0"/>
-              </a:rPr>
-              <a:t> in </a:t>
-            </a:r>
-            <a:r>
-              <a:rPr lang="en-US" sz="1800" dirty="0" err="1">
-                <a:latin typeface="Segoe UI Light" panose="020B0502040204020203" pitchFamily="34" charset="0"/>
-                <a:cs typeface="Segoe UI Light" panose="020B0502040204020203" pitchFamily="34" charset="0"/>
-              </a:rPr>
-              <a:t>erat</a:t>
-            </a:r>
-            <a:r>
-              <a:rPr lang="en-US" sz="1800" dirty="0">
-                <a:latin typeface="Segoe UI Light" panose="020B0502040204020203" pitchFamily="34" charset="0"/>
-                <a:cs typeface="Segoe UI Light" panose="020B0502040204020203" pitchFamily="34" charset="0"/>
-              </a:rPr>
-              <a:t> ac </a:t>
-            </a:r>
-            <a:r>
-              <a:rPr lang="en-US" sz="1800" dirty="0" err="1">
-                <a:latin typeface="Segoe UI Light" panose="020B0502040204020203" pitchFamily="34" charset="0"/>
-                <a:cs typeface="Segoe UI Light" panose="020B0502040204020203" pitchFamily="34" charset="0"/>
-              </a:rPr>
-              <a:t>augue</a:t>
-            </a:r>
-            <a:r>
-              <a:rPr lang="en-US" sz="1800" dirty="0">
-                <a:latin typeface="Segoe UI Light" panose="020B0502040204020203" pitchFamily="34" charset="0"/>
-                <a:cs typeface="Segoe UI Light" panose="020B0502040204020203" pitchFamily="34" charset="0"/>
-              </a:rPr>
-              <a:t> </a:t>
-            </a:r>
-            <a:r>
-              <a:rPr lang="en-US" sz="1800" dirty="0" err="1">
-                <a:latin typeface="Segoe UI Light" panose="020B0502040204020203" pitchFamily="34" charset="0"/>
-                <a:cs typeface="Segoe UI Light" panose="020B0502040204020203" pitchFamily="34" charset="0"/>
-              </a:rPr>
-              <a:t>commodo</a:t>
-            </a:r>
-            <a:r>
-              <a:rPr lang="en-US" sz="1800" dirty="0">
-                <a:latin typeface="Segoe UI Light" panose="020B0502040204020203" pitchFamily="34" charset="0"/>
-                <a:cs typeface="Segoe UI Light" panose="020B0502040204020203" pitchFamily="34" charset="0"/>
-              </a:rPr>
-              <a:t> </a:t>
-            </a:r>
-            <a:r>
-              <a:rPr lang="en-US" sz="1800" dirty="0" err="1">
-                <a:latin typeface="Segoe UI Light" panose="020B0502040204020203" pitchFamily="34" charset="0"/>
-                <a:cs typeface="Segoe UI Light" panose="020B0502040204020203" pitchFamily="34" charset="0"/>
-              </a:rPr>
-              <a:t>pellentesque</a:t>
-            </a:r>
-            <a:r>
-              <a:rPr lang="en-US" sz="1800" dirty="0">
-                <a:latin typeface="Segoe UI Light" panose="020B0502040204020203" pitchFamily="34" charset="0"/>
-                <a:cs typeface="Segoe UI Light" panose="020B0502040204020203" pitchFamily="34" charset="0"/>
-              </a:rPr>
-              <a:t> id et </a:t>
-            </a:r>
-            <a:r>
-              <a:rPr lang="en-US" sz="1800" dirty="0" err="1">
-                <a:latin typeface="Segoe UI Light" panose="020B0502040204020203" pitchFamily="34" charset="0"/>
-                <a:cs typeface="Segoe UI Light" panose="020B0502040204020203" pitchFamily="34" charset="0"/>
-              </a:rPr>
-              <a:t>velit</a:t>
-            </a:r>
-            <a:r>
-              <a:rPr lang="en-US" sz="1800" dirty="0">
-                <a:latin typeface="Segoe UI Light" panose="020B0502040204020203" pitchFamily="34" charset="0"/>
-                <a:cs typeface="Segoe UI Light" panose="020B0502040204020203" pitchFamily="34" charset="0"/>
-              </a:rPr>
-              <a:t>. </a:t>
-            </a:r>
-            <a:r>
-              <a:rPr lang="en-US" sz="1800" dirty="0" err="1">
-                <a:latin typeface="Segoe UI Light" panose="020B0502040204020203" pitchFamily="34" charset="0"/>
-                <a:cs typeface="Segoe UI Light" panose="020B0502040204020203" pitchFamily="34" charset="0"/>
-              </a:rPr>
-              <a:t>Donec</a:t>
-            </a:r>
-            <a:r>
-              <a:rPr lang="en-US" sz="1800" dirty="0">
-                <a:latin typeface="Segoe UI Light" panose="020B0502040204020203" pitchFamily="34" charset="0"/>
-                <a:cs typeface="Segoe UI Light" panose="020B0502040204020203" pitchFamily="34" charset="0"/>
-              </a:rPr>
-              <a:t> in </a:t>
-            </a:r>
-            <a:r>
-              <a:rPr lang="en-US" sz="1800" dirty="0" err="1">
-                <a:latin typeface="Segoe UI Light" panose="020B0502040204020203" pitchFamily="34" charset="0"/>
-                <a:cs typeface="Segoe UI Light" panose="020B0502040204020203" pitchFamily="34" charset="0"/>
-              </a:rPr>
-              <a:t>varius</a:t>
-            </a:r>
-            <a:r>
-              <a:rPr lang="en-US" sz="1800" dirty="0">
-                <a:latin typeface="Segoe UI Light" panose="020B0502040204020203" pitchFamily="34" charset="0"/>
-                <a:cs typeface="Segoe UI Light" panose="020B0502040204020203" pitchFamily="34" charset="0"/>
-              </a:rPr>
-              <a:t> </a:t>
-            </a:r>
-            <a:r>
-              <a:rPr lang="en-US" sz="1800" dirty="0" err="1">
-                <a:latin typeface="Segoe UI Light" panose="020B0502040204020203" pitchFamily="34" charset="0"/>
-                <a:cs typeface="Segoe UI Light" panose="020B0502040204020203" pitchFamily="34" charset="0"/>
-              </a:rPr>
-              <a:t>risus</a:t>
-            </a:r>
-            <a:r>
-              <a:rPr lang="en-US" sz="1800" dirty="0">
-                <a:latin typeface="Segoe UI Light" panose="020B0502040204020203" pitchFamily="34" charset="0"/>
-                <a:cs typeface="Segoe UI Light" panose="020B0502040204020203" pitchFamily="34" charset="0"/>
-              </a:rPr>
-              <a:t>, </a:t>
-            </a:r>
-            <a:r>
-              <a:rPr lang="en-US" sz="1800" dirty="0" err="1">
-                <a:latin typeface="Segoe UI Light" panose="020B0502040204020203" pitchFamily="34" charset="0"/>
-                <a:cs typeface="Segoe UI Light" panose="020B0502040204020203" pitchFamily="34" charset="0"/>
-              </a:rPr>
-              <a:t>eu</a:t>
-            </a:r>
-            <a:r>
-              <a:rPr lang="en-US" sz="1800" dirty="0">
-                <a:latin typeface="Segoe UI Light" panose="020B0502040204020203" pitchFamily="34" charset="0"/>
-                <a:cs typeface="Segoe UI Light" panose="020B0502040204020203" pitchFamily="34" charset="0"/>
-              </a:rPr>
-              <a:t> </a:t>
-            </a:r>
-            <a:r>
-              <a:rPr lang="en-US" sz="1800" dirty="0" err="1">
-                <a:latin typeface="Segoe UI Light" panose="020B0502040204020203" pitchFamily="34" charset="0"/>
-                <a:cs typeface="Segoe UI Light" panose="020B0502040204020203" pitchFamily="34" charset="0"/>
-              </a:rPr>
-              <a:t>ultricies</a:t>
-            </a:r>
-            <a:r>
-              <a:rPr lang="en-US" sz="1800" dirty="0">
-                <a:latin typeface="Segoe UI Light" panose="020B0502040204020203" pitchFamily="34" charset="0"/>
-                <a:cs typeface="Segoe UI Light" panose="020B0502040204020203" pitchFamily="34" charset="0"/>
-              </a:rPr>
-              <a:t> </a:t>
-            </a:r>
-            <a:r>
-              <a:rPr lang="en-US" sz="1800" dirty="0" err="1">
-                <a:latin typeface="Segoe UI Light" panose="020B0502040204020203" pitchFamily="34" charset="0"/>
-                <a:cs typeface="Segoe UI Light" panose="020B0502040204020203" pitchFamily="34" charset="0"/>
-              </a:rPr>
-              <a:t>velit</a:t>
-            </a:r>
-            <a:r>
-              <a:rPr lang="en-US" sz="1800" dirty="0">
-                <a:latin typeface="Segoe UI Light" panose="020B0502040204020203" pitchFamily="34" charset="0"/>
-                <a:cs typeface="Segoe UI Light" panose="020B0502040204020203" pitchFamily="34" charset="0"/>
-              </a:rPr>
-              <a:t>. Maecenas </a:t>
-            </a:r>
-            <a:r>
-              <a:rPr lang="en-US" sz="1800" dirty="0" err="1">
-                <a:latin typeface="Segoe UI Light" panose="020B0502040204020203" pitchFamily="34" charset="0"/>
-                <a:cs typeface="Segoe UI Light" panose="020B0502040204020203" pitchFamily="34" charset="0"/>
-              </a:rPr>
-              <a:t>mauris</a:t>
-            </a:r>
-            <a:r>
-              <a:rPr lang="en-US" sz="1800" dirty="0">
-                <a:latin typeface="Segoe UI Light" panose="020B0502040204020203" pitchFamily="34" charset="0"/>
-                <a:cs typeface="Segoe UI Light" panose="020B0502040204020203" pitchFamily="34" charset="0"/>
-              </a:rPr>
-              <a:t> </a:t>
-            </a:r>
-            <a:r>
-              <a:rPr lang="en-US" sz="1800" dirty="0" err="1">
-                <a:latin typeface="Segoe UI Light" panose="020B0502040204020203" pitchFamily="34" charset="0"/>
-                <a:cs typeface="Segoe UI Light" panose="020B0502040204020203" pitchFamily="34" charset="0"/>
-              </a:rPr>
-              <a:t>massa</a:t>
-            </a:r>
-            <a:r>
-              <a:rPr lang="en-US" sz="1800" dirty="0">
-                <a:latin typeface="Segoe UI Light" panose="020B0502040204020203" pitchFamily="34" charset="0"/>
-                <a:cs typeface="Segoe UI Light" panose="020B0502040204020203" pitchFamily="34" charset="0"/>
-              </a:rPr>
-              <a:t>, lacinia at </a:t>
-            </a:r>
-            <a:r>
-              <a:rPr lang="en-US" sz="1800" dirty="0" err="1">
-                <a:latin typeface="Segoe UI Light" panose="020B0502040204020203" pitchFamily="34" charset="0"/>
-                <a:cs typeface="Segoe UI Light" panose="020B0502040204020203" pitchFamily="34" charset="0"/>
-              </a:rPr>
-              <a:t>sapien</a:t>
-            </a:r>
-            <a:r>
-              <a:rPr lang="en-US" sz="1800" dirty="0">
-                <a:latin typeface="Segoe UI Light" panose="020B0502040204020203" pitchFamily="34" charset="0"/>
-                <a:cs typeface="Segoe UI Light" panose="020B0502040204020203" pitchFamily="34" charset="0"/>
-              </a:rPr>
-              <a:t> et, </a:t>
-            </a:r>
-            <a:r>
-              <a:rPr lang="en-US" sz="1800" dirty="0" err="1">
-                <a:latin typeface="Segoe UI Light" panose="020B0502040204020203" pitchFamily="34" charset="0"/>
-                <a:cs typeface="Segoe UI Light" panose="020B0502040204020203" pitchFamily="34" charset="0"/>
-              </a:rPr>
-              <a:t>sodales</a:t>
-            </a:r>
-            <a:r>
-              <a:rPr lang="en-US" sz="1800" dirty="0">
-                <a:latin typeface="Segoe UI Light" panose="020B0502040204020203" pitchFamily="34" charset="0"/>
-                <a:cs typeface="Segoe UI Light" panose="020B0502040204020203" pitchFamily="34" charset="0"/>
-              </a:rPr>
-              <a:t> </a:t>
-            </a:r>
-            <a:r>
-              <a:rPr lang="en-US" sz="1800" dirty="0" err="1">
-                <a:latin typeface="Segoe UI Light" panose="020B0502040204020203" pitchFamily="34" charset="0"/>
-                <a:cs typeface="Segoe UI Light" panose="020B0502040204020203" pitchFamily="34" charset="0"/>
-              </a:rPr>
-              <a:t>suscipit</a:t>
-            </a:r>
-            <a:r>
-              <a:rPr lang="en-US" sz="1800" dirty="0">
-                <a:latin typeface="Segoe UI Light" panose="020B0502040204020203" pitchFamily="34" charset="0"/>
-                <a:cs typeface="Segoe UI Light" panose="020B0502040204020203" pitchFamily="34" charset="0"/>
-              </a:rPr>
-              <a:t> </a:t>
-            </a:r>
-            <a:r>
-              <a:rPr lang="en-US" sz="1800" dirty="0" err="1">
-                <a:latin typeface="Segoe UI Light" panose="020B0502040204020203" pitchFamily="34" charset="0"/>
-                <a:cs typeface="Segoe UI Light" panose="020B0502040204020203" pitchFamily="34" charset="0"/>
-              </a:rPr>
-              <a:t>quam</a:t>
-            </a:r>
-            <a:endParaRPr lang="en-US" sz="1800" dirty="0">
-              <a:latin typeface="Segoe UI Light" panose="020B0502040204020203" pitchFamily="34" charset="0"/>
-              <a:cs typeface="Segoe UI Light" panose="020B0502040204020203" pitchFamily="34" charset="0"/>
-            </a:endParaRPr>
+              <a:rPr lang="en-US" b="1" dirty="0">
+                <a:solidFill>
+                  <a:srgbClr val="0041C6"/>
+                </a:solidFill>
+                <a:latin typeface="Segoe UI Semibold" panose="020B0702040204020203" pitchFamily="34" charset="0"/>
+                <a:ea typeface="+mj-ea"/>
+                <a:cs typeface="Segoe UI Semibold" panose="020B0702040204020203" pitchFamily="34" charset="0"/>
+              </a:rPr>
+              <a:t>Business Module</a:t>
+            </a:r>
+            <a:br>
+              <a:rPr lang="en-US" sz="1600" dirty="0">
+                <a:latin typeface="Segoe UI Light" panose="020B0502040204020203" pitchFamily="34" charset="0"/>
+                <a:cs typeface="Segoe UI Light" panose="020B0502040204020203" pitchFamily="34" charset="0"/>
+              </a:rPr>
+            </a:br>
+            <a:r>
+              <a:rPr lang="en-US" sz="1600" dirty="0">
+                <a:latin typeface="Segoe UI Light" panose="020B0502040204020203" pitchFamily="34" charset="0"/>
+                <a:cs typeface="Segoe UI Light" panose="020B0502040204020203" pitchFamily="34" charset="0"/>
+              </a:rPr>
+              <a:t>A unit of code base that implements some business functionalities. Consists of;</a:t>
+            </a:r>
+          </a:p>
+          <a:p>
+            <a:pPr marL="285750" indent="-285750" algn="l">
+              <a:lnSpc>
+                <a:spcPct val="150000"/>
+              </a:lnSpc>
+              <a:buFont typeface="Arial" panose="020B0604020202020204" pitchFamily="34" charset="0"/>
+              <a:buChar char="•"/>
+            </a:pPr>
+            <a:r>
+              <a:rPr lang="en-US" sz="1600" dirty="0">
+                <a:latin typeface="Segoe UI Light" panose="020B0502040204020203" pitchFamily="34" charset="0"/>
+                <a:cs typeface="Segoe UI Light" panose="020B0502040204020203" pitchFamily="34" charset="0"/>
+              </a:rPr>
+              <a:t>A </a:t>
+            </a:r>
+            <a:r>
+              <a:rPr lang="en-US" sz="1600" b="1" dirty="0">
+                <a:latin typeface="Segoe UI Light" panose="020B0502040204020203" pitchFamily="34" charset="0"/>
+                <a:cs typeface="Segoe UI Light" panose="020B0502040204020203" pitchFamily="34" charset="0"/>
+              </a:rPr>
+              <a:t>database schema</a:t>
+            </a:r>
+            <a:r>
+              <a:rPr lang="en-US" sz="1600" dirty="0">
+                <a:latin typeface="Segoe UI Light" panose="020B0502040204020203" pitchFamily="34" charset="0"/>
+                <a:cs typeface="Segoe UI Light" panose="020B0502040204020203" pitchFamily="34" charset="0"/>
+              </a:rPr>
+              <a:t> (and data)</a:t>
+            </a:r>
+          </a:p>
+          <a:p>
+            <a:pPr marL="285750" indent="-285750" algn="l">
+              <a:lnSpc>
+                <a:spcPct val="150000"/>
+              </a:lnSpc>
+              <a:buFont typeface="Arial" panose="020B0604020202020204" pitchFamily="34" charset="0"/>
+              <a:buChar char="•"/>
+            </a:pPr>
+            <a:r>
+              <a:rPr lang="en-US" sz="1600" b="1" dirty="0">
+                <a:latin typeface="Segoe UI Light" panose="020B0502040204020203" pitchFamily="34" charset="0"/>
+                <a:cs typeface="Segoe UI Light" panose="020B0502040204020203" pitchFamily="34" charset="0"/>
+              </a:rPr>
+              <a:t>Application/business code</a:t>
+            </a:r>
+            <a:r>
+              <a:rPr lang="en-US" sz="1600" dirty="0">
+                <a:latin typeface="Segoe UI Light" panose="020B0502040204020203" pitchFamily="34" charset="0"/>
+                <a:cs typeface="Segoe UI Light" panose="020B0502040204020203" pitchFamily="34" charset="0"/>
+              </a:rPr>
+              <a:t>: Entities, Services, DTOs… etc.</a:t>
+            </a:r>
+          </a:p>
+          <a:p>
+            <a:pPr marL="285750" indent="-285750" algn="l">
+              <a:lnSpc>
+                <a:spcPct val="150000"/>
+              </a:lnSpc>
+              <a:buFont typeface="Arial" panose="020B0604020202020204" pitchFamily="34" charset="0"/>
+              <a:buChar char="•"/>
+            </a:pPr>
+            <a:r>
+              <a:rPr lang="en-US" sz="1600" b="1" dirty="0">
+                <a:latin typeface="Segoe UI Light" panose="020B0502040204020203" pitchFamily="34" charset="0"/>
+                <a:cs typeface="Segoe UI Light" panose="020B0502040204020203" pitchFamily="34" charset="0"/>
+              </a:rPr>
+              <a:t>Remote API</a:t>
+            </a:r>
+            <a:r>
+              <a:rPr lang="en-US" sz="1600" dirty="0">
+                <a:latin typeface="Segoe UI Light" panose="020B0502040204020203" pitchFamily="34" charset="0"/>
+                <a:cs typeface="Segoe UI Light" panose="020B0502040204020203" pitchFamily="34" charset="0"/>
+              </a:rPr>
+              <a:t>: REST, </a:t>
+            </a:r>
+            <a:r>
+              <a:rPr lang="en-US" sz="1600" dirty="0" err="1">
+                <a:latin typeface="Segoe UI Light" panose="020B0502040204020203" pitchFamily="34" charset="0"/>
+                <a:cs typeface="Segoe UI Light" panose="020B0502040204020203" pitchFamily="34" charset="0"/>
+              </a:rPr>
+              <a:t>GraphQL</a:t>
+            </a:r>
+            <a:r>
+              <a:rPr lang="en-US" sz="1600" dirty="0">
+                <a:latin typeface="Segoe UI Light" panose="020B0502040204020203" pitchFamily="34" charset="0"/>
+                <a:cs typeface="Segoe UI Light" panose="020B0502040204020203" pitchFamily="34" charset="0"/>
+              </a:rPr>
+              <a:t>… etc.</a:t>
+            </a:r>
+          </a:p>
+          <a:p>
+            <a:pPr marL="285750" indent="-285750" algn="l">
+              <a:lnSpc>
+                <a:spcPct val="150000"/>
+              </a:lnSpc>
+              <a:buFont typeface="Arial" panose="020B0604020202020204" pitchFamily="34" charset="0"/>
+              <a:buChar char="•"/>
+            </a:pPr>
+            <a:r>
+              <a:rPr lang="en-US" sz="1600" b="1" dirty="0">
+                <a:latin typeface="Segoe UI Light" panose="020B0502040204020203" pitchFamily="34" charset="0"/>
+                <a:cs typeface="Segoe UI Light" panose="020B0502040204020203" pitchFamily="34" charset="0"/>
+              </a:rPr>
+              <a:t>UI Pages</a:t>
+            </a:r>
+            <a:r>
+              <a:rPr lang="en-US" sz="1600" dirty="0">
+                <a:latin typeface="Segoe UI Light" panose="020B0502040204020203" pitchFamily="34" charset="0"/>
+                <a:cs typeface="Segoe UI Light" panose="020B0502040204020203" pitchFamily="34" charset="0"/>
+              </a:rPr>
+              <a:t> &amp; Components</a:t>
+            </a:r>
           </a:p>
         </p:txBody>
       </p:sp>
     </p:spTree>
     <p:extLst>
       <p:ext uri="{BB962C8B-B14F-4D97-AF65-F5344CB8AC3E}">
-        <p14:creationId xmlns:p14="http://schemas.microsoft.com/office/powerpoint/2010/main" val="2478209109"/>
+        <p14:creationId xmlns:p14="http://schemas.microsoft.com/office/powerpoint/2010/main" val="402183487"/>
       </p:ext>
     </p:extLst>
   </p:cSld>
@@ -5826,7 +4617,548 @@
 </p:sld>
 </file>
 
-<file path=ppt/slides/slide3.xml><?xml version="1.0" encoding="utf-8"?>
+<file path=ppt/slides/slide11.xml><?xml version="1.0" encoding="utf-8"?>
+<p:sld xmlns:a="http://schemas.openxmlformats.org/drawingml/2006/main" xmlns:r="http://schemas.openxmlformats.org/officeDocument/2006/relationships" xmlns:p="http://schemas.openxmlformats.org/presentationml/2006/main">
+  <p:cSld>
+    <p:spTree>
+      <p:nvGrpSpPr>
+        <p:cNvPr id="1" name=""/>
+        <p:cNvGrpSpPr/>
+        <p:nvPr/>
+      </p:nvGrpSpPr>
+      <p:grpSpPr>
+        <a:xfrm>
+          <a:off x="0" y="0"/>
+          <a:ext cx="0" cy="0"/>
+          <a:chOff x="0" y="0"/>
+          <a:chExt cx="0" cy="0"/>
+        </a:xfrm>
+      </p:grpSpPr>
+      <p:pic>
+        <p:nvPicPr>
+          <p:cNvPr id="4" name="Picture 3">
+            <a:extLst>
+              <a:ext uri="{FF2B5EF4-FFF2-40B4-BE49-F238E27FC236}">
+                <a16:creationId xmlns:a16="http://schemas.microsoft.com/office/drawing/2014/main" id="{E6371034-1339-4B43-AE7D-A149B9EFD45C}"/>
+              </a:ext>
+            </a:extLst>
+          </p:cNvPr>
+          <p:cNvPicPr>
+            <a:picLocks noChangeAspect="1"/>
+          </p:cNvPicPr>
+          <p:nvPr/>
+        </p:nvPicPr>
+        <p:blipFill>
+          <a:blip r:embed="rId2">
+            <a:extLst>
+              <a:ext uri="{28A0092B-C50C-407E-A947-70E740481C1C}">
+                <a14:useLocalDpi xmlns:a14="http://schemas.microsoft.com/office/drawing/2010/main" val="0"/>
+              </a:ext>
+            </a:extLst>
+          </a:blip>
+          <a:stretch>
+            <a:fillRect/>
+          </a:stretch>
+        </p:blipFill>
+        <p:spPr>
+          <a:xfrm>
+            <a:off x="0" y="0"/>
+            <a:ext cx="12192000" cy="6858000"/>
+          </a:xfrm>
+          <a:prstGeom prst="rect">
+            <a:avLst/>
+          </a:prstGeom>
+        </p:spPr>
+      </p:pic>
+      <p:sp>
+        <p:nvSpPr>
+          <p:cNvPr id="2" name="Title 1">
+            <a:extLst>
+              <a:ext uri="{FF2B5EF4-FFF2-40B4-BE49-F238E27FC236}">
+                <a16:creationId xmlns:a16="http://schemas.microsoft.com/office/drawing/2014/main" id="{0DE26BD9-3178-4532-BF33-58FE331BE190}"/>
+              </a:ext>
+            </a:extLst>
+          </p:cNvPr>
+          <p:cNvSpPr>
+            <a:spLocks noGrp="1"/>
+          </p:cNvSpPr>
+          <p:nvPr>
+            <p:ph type="ctrTitle"/>
+          </p:nvPr>
+        </p:nvSpPr>
+        <p:spPr>
+          <a:xfrm>
+            <a:off x="762000" y="1754909"/>
+            <a:ext cx="4017819" cy="3408217"/>
+          </a:xfrm>
+        </p:spPr>
+        <p:txBody>
+          <a:bodyPr anchor="t">
+            <a:normAutofit/>
+          </a:bodyPr>
+          <a:lstStyle/>
+          <a:p>
+            <a:pPr algn="r">
+              <a:lnSpc>
+                <a:spcPct val="150000"/>
+              </a:lnSpc>
+            </a:pPr>
+            <a:r>
+              <a:rPr lang="en-US" sz="4000" b="1" dirty="0">
+                <a:latin typeface="Segoe UI Light" panose="020B0502040204020203" pitchFamily="34" charset="0"/>
+                <a:cs typeface="Segoe UI Light" panose="020B0502040204020203" pitchFamily="34" charset="0"/>
+              </a:rPr>
+              <a:t>What is a </a:t>
+            </a:r>
+            <a:r>
+              <a:rPr lang="en-US" sz="4000" b="1" dirty="0">
+                <a:solidFill>
+                  <a:srgbClr val="0041C6"/>
+                </a:solidFill>
+                <a:latin typeface="Segoe UI Semibold" panose="020B0702040204020203" pitchFamily="34" charset="0"/>
+                <a:cs typeface="Segoe UI Semibold" panose="020B0702040204020203" pitchFamily="34" charset="0"/>
+              </a:rPr>
+              <a:t>Module?</a:t>
+            </a:r>
+          </a:p>
+        </p:txBody>
+      </p:sp>
+      <p:sp>
+        <p:nvSpPr>
+          <p:cNvPr id="5" name="Footer Placeholder 4">
+            <a:extLst>
+              <a:ext uri="{FF2B5EF4-FFF2-40B4-BE49-F238E27FC236}">
+                <a16:creationId xmlns:a16="http://schemas.microsoft.com/office/drawing/2014/main" id="{A3553ADE-3838-4EDB-9F14-97C75DE2198D}"/>
+              </a:ext>
+            </a:extLst>
+          </p:cNvPr>
+          <p:cNvSpPr>
+            <a:spLocks noGrp="1"/>
+          </p:cNvSpPr>
+          <p:nvPr>
+            <p:ph type="ftr" sz="quarter" idx="11"/>
+          </p:nvPr>
+        </p:nvSpPr>
+        <p:spPr>
+          <a:xfrm>
+            <a:off x="0" y="6483927"/>
+            <a:ext cx="4190999" cy="374073"/>
+          </a:xfrm>
+        </p:spPr>
+        <p:txBody>
+          <a:bodyPr/>
+          <a:lstStyle/>
+          <a:p>
+            <a:pPr algn="l"/>
+            <a:r>
+              <a:rPr lang="en-US" dirty="0" err="1">
+                <a:solidFill>
+                  <a:schemeClr val="tx1"/>
+                </a:solidFill>
+                <a:latin typeface="Segoe UI" panose="020B0502040204020203" pitchFamily="34" charset="0"/>
+                <a:cs typeface="Segoe UI" panose="020B0502040204020203" pitchFamily="34" charset="0"/>
+              </a:rPr>
+              <a:t>Halil</a:t>
+            </a:r>
+            <a:r>
+              <a:rPr lang="en-US" dirty="0">
+                <a:solidFill>
+                  <a:schemeClr val="tx1"/>
+                </a:solidFill>
+                <a:latin typeface="Segoe UI" panose="020B0502040204020203" pitchFamily="34" charset="0"/>
+                <a:cs typeface="Segoe UI" panose="020B0502040204020203" pitchFamily="34" charset="0"/>
+              </a:rPr>
+              <a:t> İbrahim KALKAN | @</a:t>
+            </a:r>
+            <a:r>
+              <a:rPr lang="en-US" dirty="0" err="1">
+                <a:solidFill>
+                  <a:schemeClr val="tx1"/>
+                </a:solidFill>
+                <a:latin typeface="Segoe UI" panose="020B0502040204020203" pitchFamily="34" charset="0"/>
+                <a:cs typeface="Segoe UI" panose="020B0502040204020203" pitchFamily="34" charset="0"/>
+              </a:rPr>
+              <a:t>hikalkan</a:t>
+            </a:r>
+            <a:r>
+              <a:rPr lang="en-US" dirty="0">
+                <a:solidFill>
+                  <a:schemeClr val="tx1"/>
+                </a:solidFill>
+                <a:latin typeface="Segoe UI" panose="020B0502040204020203" pitchFamily="34" charset="0"/>
+                <a:cs typeface="Segoe UI" panose="020B0502040204020203" pitchFamily="34" charset="0"/>
+              </a:rPr>
+              <a:t> | </a:t>
+            </a:r>
+            <a:r>
+              <a:rPr lang="en-US" dirty="0" err="1">
+                <a:solidFill>
+                  <a:schemeClr val="tx1"/>
+                </a:solidFill>
+                <a:latin typeface="Segoe UI" panose="020B0502040204020203" pitchFamily="34" charset="0"/>
+                <a:cs typeface="Segoe UI" panose="020B0502040204020203" pitchFamily="34" charset="0"/>
+              </a:rPr>
+              <a:t>Volosoft</a:t>
+            </a:r>
+            <a:r>
+              <a:rPr lang="en-US" dirty="0">
+                <a:solidFill>
+                  <a:schemeClr val="tx1"/>
+                </a:solidFill>
+                <a:latin typeface="Segoe UI" panose="020B0502040204020203" pitchFamily="34" charset="0"/>
+                <a:cs typeface="Segoe UI" panose="020B0502040204020203" pitchFamily="34" charset="0"/>
+              </a:rPr>
+              <a:t> TM</a:t>
+            </a:r>
+          </a:p>
+        </p:txBody>
+      </p:sp>
+      <p:sp>
+        <p:nvSpPr>
+          <p:cNvPr id="15" name="Subtitle 2">
+            <a:extLst>
+              <a:ext uri="{FF2B5EF4-FFF2-40B4-BE49-F238E27FC236}">
+                <a16:creationId xmlns:a16="http://schemas.microsoft.com/office/drawing/2014/main" id="{20939731-D3B7-4A28-B941-216A5F2FD525}"/>
+              </a:ext>
+            </a:extLst>
+          </p:cNvPr>
+          <p:cNvSpPr txBox="1">
+            <a:spLocks/>
+          </p:cNvSpPr>
+          <p:nvPr/>
+        </p:nvSpPr>
+        <p:spPr>
+          <a:xfrm>
+            <a:off x="5204688" y="1948872"/>
+            <a:ext cx="6022111" cy="4110181"/>
+          </a:xfrm>
+          <a:prstGeom prst="rect">
+            <a:avLst/>
+          </a:prstGeom>
+        </p:spPr>
+        <p:txBody>
+          <a:bodyPr vert="horz" lIns="91440" tIns="45720" rIns="91440" bIns="45720" rtlCol="0" anchor="t">
+            <a:noAutofit/>
+          </a:bodyPr>
+          <a:lstStyle>
+            <a:lvl1pPr marL="0" indent="0" algn="ctr" defTabSz="914400" rtl="0" eaLnBrk="1" latinLnBrk="0" hangingPunct="1">
+              <a:lnSpc>
+                <a:spcPct val="90000"/>
+              </a:lnSpc>
+              <a:spcBef>
+                <a:spcPts val="1000"/>
+              </a:spcBef>
+              <a:buFont typeface="Arial" panose="020B0604020202020204" pitchFamily="34" charset="0"/>
+              <a:buNone/>
+              <a:defRPr sz="2400" kern="1200">
+                <a:solidFill>
+                  <a:schemeClr val="tx1"/>
+                </a:solidFill>
+                <a:latin typeface="+mn-lt"/>
+                <a:ea typeface="+mn-ea"/>
+                <a:cs typeface="+mn-cs"/>
+              </a:defRPr>
+            </a:lvl1pPr>
+            <a:lvl2pPr marL="457200" indent="0" algn="ctr" defTabSz="914400" rtl="0" eaLnBrk="1" latinLnBrk="0" hangingPunct="1">
+              <a:lnSpc>
+                <a:spcPct val="90000"/>
+              </a:lnSpc>
+              <a:spcBef>
+                <a:spcPts val="500"/>
+              </a:spcBef>
+              <a:buFont typeface="Arial" panose="020B0604020202020204" pitchFamily="34" charset="0"/>
+              <a:buNone/>
+              <a:defRPr sz="2000" kern="1200">
+                <a:solidFill>
+                  <a:schemeClr val="tx1"/>
+                </a:solidFill>
+                <a:latin typeface="+mn-lt"/>
+                <a:ea typeface="+mn-ea"/>
+                <a:cs typeface="+mn-cs"/>
+              </a:defRPr>
+            </a:lvl2pPr>
+            <a:lvl3pPr marL="914400" indent="0" algn="ctr" defTabSz="914400" rtl="0" eaLnBrk="1" latinLnBrk="0" hangingPunct="1">
+              <a:lnSpc>
+                <a:spcPct val="90000"/>
+              </a:lnSpc>
+              <a:spcBef>
+                <a:spcPts val="500"/>
+              </a:spcBef>
+              <a:buFont typeface="Arial" panose="020B0604020202020204" pitchFamily="34" charset="0"/>
+              <a:buNone/>
+              <a:defRPr sz="1800" kern="1200">
+                <a:solidFill>
+                  <a:schemeClr val="tx1"/>
+                </a:solidFill>
+                <a:latin typeface="+mn-lt"/>
+                <a:ea typeface="+mn-ea"/>
+                <a:cs typeface="+mn-cs"/>
+              </a:defRPr>
+            </a:lvl3pPr>
+            <a:lvl4pPr marL="1371600" indent="0" algn="ctr" defTabSz="914400" rtl="0" eaLnBrk="1" latinLnBrk="0" hangingPunct="1">
+              <a:lnSpc>
+                <a:spcPct val="90000"/>
+              </a:lnSpc>
+              <a:spcBef>
+                <a:spcPts val="500"/>
+              </a:spcBef>
+              <a:buFont typeface="Arial" panose="020B0604020202020204" pitchFamily="34" charset="0"/>
+              <a:buNone/>
+              <a:defRPr sz="1600" kern="1200">
+                <a:solidFill>
+                  <a:schemeClr val="tx1"/>
+                </a:solidFill>
+                <a:latin typeface="+mn-lt"/>
+                <a:ea typeface="+mn-ea"/>
+                <a:cs typeface="+mn-cs"/>
+              </a:defRPr>
+            </a:lvl4pPr>
+            <a:lvl5pPr marL="1828800" indent="0" algn="ctr" defTabSz="914400" rtl="0" eaLnBrk="1" latinLnBrk="0" hangingPunct="1">
+              <a:lnSpc>
+                <a:spcPct val="90000"/>
+              </a:lnSpc>
+              <a:spcBef>
+                <a:spcPts val="500"/>
+              </a:spcBef>
+              <a:buFont typeface="Arial" panose="020B0604020202020204" pitchFamily="34" charset="0"/>
+              <a:buNone/>
+              <a:defRPr sz="1600" kern="1200">
+                <a:solidFill>
+                  <a:schemeClr val="tx1"/>
+                </a:solidFill>
+                <a:latin typeface="+mn-lt"/>
+                <a:ea typeface="+mn-ea"/>
+                <a:cs typeface="+mn-cs"/>
+              </a:defRPr>
+            </a:lvl5pPr>
+            <a:lvl6pPr marL="2286000" indent="0" algn="ctr" defTabSz="914400" rtl="0" eaLnBrk="1" latinLnBrk="0" hangingPunct="1">
+              <a:lnSpc>
+                <a:spcPct val="90000"/>
+              </a:lnSpc>
+              <a:spcBef>
+                <a:spcPts val="500"/>
+              </a:spcBef>
+              <a:buFont typeface="Arial" panose="020B0604020202020204" pitchFamily="34" charset="0"/>
+              <a:buNone/>
+              <a:defRPr sz="1600" kern="1200">
+                <a:solidFill>
+                  <a:schemeClr val="tx1"/>
+                </a:solidFill>
+                <a:latin typeface="+mn-lt"/>
+                <a:ea typeface="+mn-ea"/>
+                <a:cs typeface="+mn-cs"/>
+              </a:defRPr>
+            </a:lvl6pPr>
+            <a:lvl7pPr marL="2743200" indent="0" algn="ctr" defTabSz="914400" rtl="0" eaLnBrk="1" latinLnBrk="0" hangingPunct="1">
+              <a:lnSpc>
+                <a:spcPct val="90000"/>
+              </a:lnSpc>
+              <a:spcBef>
+                <a:spcPts val="500"/>
+              </a:spcBef>
+              <a:buFont typeface="Arial" panose="020B0604020202020204" pitchFamily="34" charset="0"/>
+              <a:buNone/>
+              <a:defRPr sz="1600" kern="1200">
+                <a:solidFill>
+                  <a:schemeClr val="tx1"/>
+                </a:solidFill>
+                <a:latin typeface="+mn-lt"/>
+                <a:ea typeface="+mn-ea"/>
+                <a:cs typeface="+mn-cs"/>
+              </a:defRPr>
+            </a:lvl7pPr>
+            <a:lvl8pPr marL="3200400" indent="0" algn="ctr" defTabSz="914400" rtl="0" eaLnBrk="1" latinLnBrk="0" hangingPunct="1">
+              <a:lnSpc>
+                <a:spcPct val="90000"/>
+              </a:lnSpc>
+              <a:spcBef>
+                <a:spcPts val="500"/>
+              </a:spcBef>
+              <a:buFont typeface="Arial" panose="020B0604020202020204" pitchFamily="34" charset="0"/>
+              <a:buNone/>
+              <a:defRPr sz="1600" kern="1200">
+                <a:solidFill>
+                  <a:schemeClr val="tx1"/>
+                </a:solidFill>
+                <a:latin typeface="+mn-lt"/>
+                <a:ea typeface="+mn-ea"/>
+                <a:cs typeface="+mn-cs"/>
+              </a:defRPr>
+            </a:lvl8pPr>
+            <a:lvl9pPr marL="3657600" indent="0" algn="ctr" defTabSz="914400" rtl="0" eaLnBrk="1" latinLnBrk="0" hangingPunct="1">
+              <a:lnSpc>
+                <a:spcPct val="90000"/>
+              </a:lnSpc>
+              <a:spcBef>
+                <a:spcPts val="500"/>
+              </a:spcBef>
+              <a:buFont typeface="Arial" panose="020B0604020202020204" pitchFamily="34" charset="0"/>
+              <a:buNone/>
+              <a:defRPr sz="1600" kern="1200">
+                <a:solidFill>
+                  <a:schemeClr val="tx1"/>
+                </a:solidFill>
+                <a:latin typeface="+mn-lt"/>
+                <a:ea typeface="+mn-ea"/>
+                <a:cs typeface="+mn-cs"/>
+              </a:defRPr>
+            </a:lvl9pPr>
+          </a:lstStyle>
+          <a:p>
+            <a:pPr algn="l">
+              <a:lnSpc>
+                <a:spcPct val="150000"/>
+              </a:lnSpc>
+            </a:pPr>
+            <a:r>
+              <a:rPr lang="en-US" b="1" dirty="0">
+                <a:solidFill>
+                  <a:srgbClr val="0041C6"/>
+                </a:solidFill>
+                <a:latin typeface="Segoe UI Semibold" panose="020B0702040204020203" pitchFamily="34" charset="0"/>
+                <a:ea typeface="+mj-ea"/>
+                <a:cs typeface="Segoe UI Semibold" panose="020B0702040204020203" pitchFamily="34" charset="0"/>
+              </a:rPr>
+              <a:t>Infrastructure Module</a:t>
+            </a:r>
+            <a:br>
+              <a:rPr lang="en-US" sz="1600" dirty="0">
+                <a:latin typeface="Segoe UI Light" panose="020B0502040204020203" pitchFamily="34" charset="0"/>
+                <a:cs typeface="Segoe UI Light" panose="020B0502040204020203" pitchFamily="34" charset="0"/>
+              </a:rPr>
+            </a:br>
+            <a:r>
+              <a:rPr lang="en-US" sz="1600" dirty="0">
+                <a:latin typeface="Segoe UI Light" panose="020B0502040204020203" pitchFamily="34" charset="0"/>
+                <a:cs typeface="Segoe UI Light" panose="020B0502040204020203" pitchFamily="34" charset="0"/>
+              </a:rPr>
+              <a:t>A unit of code base that provides some common infrastructure services. Examples;</a:t>
+            </a:r>
+          </a:p>
+          <a:p>
+            <a:pPr marL="285750" indent="-285750" algn="l">
+              <a:lnSpc>
+                <a:spcPct val="150000"/>
+              </a:lnSpc>
+              <a:buFont typeface="Arial" panose="020B0604020202020204" pitchFamily="34" charset="0"/>
+              <a:buChar char="•"/>
+            </a:pPr>
+            <a:r>
+              <a:rPr lang="en-US" sz="1600" dirty="0">
+                <a:latin typeface="Segoe UI Light" panose="020B0502040204020203" pitchFamily="34" charset="0"/>
+                <a:cs typeface="Segoe UI Light" panose="020B0502040204020203" pitchFamily="34" charset="0"/>
+              </a:rPr>
+              <a:t>Authorization</a:t>
+            </a:r>
+          </a:p>
+          <a:p>
+            <a:pPr marL="285750" indent="-285750" algn="l">
+              <a:lnSpc>
+                <a:spcPct val="150000"/>
+              </a:lnSpc>
+              <a:buFont typeface="Arial" panose="020B0604020202020204" pitchFamily="34" charset="0"/>
+              <a:buChar char="•"/>
+            </a:pPr>
+            <a:r>
+              <a:rPr lang="en-US" sz="1600" dirty="0">
+                <a:latin typeface="Segoe UI Light" panose="020B0502040204020203" pitchFamily="34" charset="0"/>
+                <a:cs typeface="Segoe UI Light" panose="020B0502040204020203" pitchFamily="34" charset="0"/>
+              </a:rPr>
+              <a:t>Localization</a:t>
+            </a:r>
+          </a:p>
+          <a:p>
+            <a:pPr marL="285750" indent="-285750" algn="l">
+              <a:lnSpc>
+                <a:spcPct val="150000"/>
+              </a:lnSpc>
+              <a:buFont typeface="Arial" panose="020B0604020202020204" pitchFamily="34" charset="0"/>
+              <a:buChar char="•"/>
+            </a:pPr>
+            <a:r>
+              <a:rPr lang="en-US" sz="1600" dirty="0">
+                <a:latin typeface="Segoe UI Light" panose="020B0502040204020203" pitchFamily="34" charset="0"/>
+                <a:cs typeface="Segoe UI Light" panose="020B0502040204020203" pitchFamily="34" charset="0"/>
+              </a:rPr>
+              <a:t>Audit logging</a:t>
+            </a:r>
+          </a:p>
+          <a:p>
+            <a:pPr marL="285750" indent="-285750" algn="l">
+              <a:lnSpc>
+                <a:spcPct val="150000"/>
+              </a:lnSpc>
+              <a:buFont typeface="Arial" panose="020B0604020202020204" pitchFamily="34" charset="0"/>
+              <a:buChar char="•"/>
+            </a:pPr>
+            <a:r>
+              <a:rPr lang="en-US" sz="1600" dirty="0">
+                <a:latin typeface="Segoe UI Light" panose="020B0502040204020203" pitchFamily="34" charset="0"/>
+                <a:cs typeface="Segoe UI Light" panose="020B0502040204020203" pitchFamily="34" charset="0"/>
+              </a:rPr>
+              <a:t>Caching</a:t>
+            </a:r>
+          </a:p>
+          <a:p>
+            <a:pPr marL="285750" indent="-285750" algn="l">
+              <a:lnSpc>
+                <a:spcPct val="150000"/>
+              </a:lnSpc>
+              <a:buFont typeface="Arial" panose="020B0604020202020204" pitchFamily="34" charset="0"/>
+              <a:buChar char="•"/>
+            </a:pPr>
+            <a:r>
+              <a:rPr lang="en-US" sz="1600" dirty="0">
+                <a:latin typeface="Segoe UI Light" panose="020B0502040204020203" pitchFamily="34" charset="0"/>
+                <a:cs typeface="Segoe UI Light" panose="020B0502040204020203" pitchFamily="34" charset="0"/>
+              </a:rPr>
+              <a:t>Email sending</a:t>
+            </a:r>
+          </a:p>
+          <a:p>
+            <a:pPr marL="285750" indent="-285750" algn="l">
+              <a:lnSpc>
+                <a:spcPct val="150000"/>
+              </a:lnSpc>
+              <a:buFont typeface="Arial" panose="020B0604020202020204" pitchFamily="34" charset="0"/>
+              <a:buChar char="•"/>
+            </a:pPr>
+            <a:r>
+              <a:rPr lang="en-US" sz="1600" dirty="0">
+                <a:latin typeface="Segoe UI Light" panose="020B0502040204020203" pitchFamily="34" charset="0"/>
+                <a:cs typeface="Segoe UI Light" panose="020B0502040204020203" pitchFamily="34" charset="0"/>
+              </a:rPr>
+              <a:t>Integration modules (EF Core, MongoDB… etc.)</a:t>
+            </a:r>
+          </a:p>
+        </p:txBody>
+      </p:sp>
+    </p:spTree>
+    <p:extLst>
+      <p:ext uri="{BB962C8B-B14F-4D97-AF65-F5344CB8AC3E}">
+        <p14:creationId xmlns:p14="http://schemas.microsoft.com/office/powerpoint/2010/main" val="1110310232"/>
+      </p:ext>
+    </p:extLst>
+  </p:cSld>
+  <p:clrMapOvr>
+    <a:masterClrMapping/>
+  </p:clrMapOvr>
+  <mc:AlternateContent xmlns:mc="http://schemas.openxmlformats.org/markup-compatibility/2006" xmlns:p14="http://schemas.microsoft.com/office/powerpoint/2010/main">
+    <mc:Choice Requires="p14">
+      <p:transition p14:dur="100">
+        <p:cut/>
+      </p:transition>
+    </mc:Choice>
+    <mc:Fallback xmlns="">
+      <p:transition>
+        <p:cut/>
+      </p:transition>
+    </mc:Fallback>
+  </mc:AlternateContent>
+</p:sld>
+</file>
+
+<file path=ppt/slides/slide12.xml><?xml version="1.0" encoding="utf-8"?>
 <p:sld xmlns:a="http://schemas.openxmlformats.org/drawingml/2006/main" xmlns:r="http://schemas.openxmlformats.org/officeDocument/2006/relationships" xmlns:p="http://schemas.openxmlformats.org/presentationml/2006/main">
   <p:cSld>
     <p:spTree>
@@ -6755,7 +6087,7 @@
     </p:spTree>
     <p:extLst>
       <p:ext uri="{BB962C8B-B14F-4D97-AF65-F5344CB8AC3E}">
-        <p14:creationId xmlns:p14="http://schemas.microsoft.com/office/powerpoint/2010/main" val="1869808668"/>
+        <p14:creationId xmlns:p14="http://schemas.microsoft.com/office/powerpoint/2010/main" val="2383176549"/>
       </p:ext>
     </p:extLst>
   </p:cSld>
@@ -6777,7 +6109,7 @@
 </p:sld>
 </file>
 
-<file path=ppt/slides/slide4.xml><?xml version="1.0" encoding="utf-8"?>
+<file path=ppt/slides/slide13.xml><?xml version="1.0" encoding="utf-8"?>
 <p:sld xmlns:a="http://schemas.openxmlformats.org/drawingml/2006/main" xmlns:r="http://schemas.openxmlformats.org/officeDocument/2006/relationships" xmlns:p="http://schemas.openxmlformats.org/presentationml/2006/main">
   <p:cSld>
     <p:spTree>
@@ -7928,7 +7260,7 @@
 </p:sld>
 </file>
 
-<file path=ppt/slides/slide5.xml><?xml version="1.0" encoding="utf-8"?>
+<file path=ppt/slides/slide14.xml><?xml version="1.0" encoding="utf-8"?>
 <p:sld xmlns:a="http://schemas.openxmlformats.org/drawingml/2006/main" xmlns:r="http://schemas.openxmlformats.org/officeDocument/2006/relationships" xmlns:p="http://schemas.openxmlformats.org/presentationml/2006/main">
   <p:cSld>
     <p:spTree>
@@ -8802,7 +8134,7 @@
 </p:sld>
 </file>
 
-<file path=ppt/slides/slide6.xml><?xml version="1.0" encoding="utf-8"?>
+<file path=ppt/slides/slide15.xml><?xml version="1.0" encoding="utf-8"?>
 <p:sld xmlns:a="http://schemas.openxmlformats.org/drawingml/2006/main" xmlns:r="http://schemas.openxmlformats.org/officeDocument/2006/relationships" xmlns:p="http://schemas.openxmlformats.org/presentationml/2006/main">
   <p:cSld>
     <p:spTree>
@@ -10157,7 +9489,7 @@
 </p:sld>
 </file>
 
-<file path=ppt/slides/slide7.xml><?xml version="1.0" encoding="utf-8"?>
+<file path=ppt/slides/slide16.xml><?xml version="1.0" encoding="utf-8"?>
 <p:sld xmlns:a="http://schemas.openxmlformats.org/drawingml/2006/main" xmlns:r="http://schemas.openxmlformats.org/officeDocument/2006/relationships" xmlns:p="http://schemas.openxmlformats.org/presentationml/2006/main">
   <p:cSld>
     <p:spTree>
@@ -11539,7 +10871,7 @@
 </p:sld>
 </file>
 
-<file path=ppt/slides/slide8.xml><?xml version="1.0" encoding="utf-8"?>
+<file path=ppt/slides/slide17.xml><?xml version="1.0" encoding="utf-8"?>
 <p:sld xmlns:a="http://schemas.openxmlformats.org/drawingml/2006/main" xmlns:r="http://schemas.openxmlformats.org/officeDocument/2006/relationships" xmlns:p="http://schemas.openxmlformats.org/presentationml/2006/main">
   <p:cSld>
     <p:spTree>
@@ -12909,7 +12241,7 @@
 </p:sld>
 </file>
 
-<file path=ppt/slides/slide9.xml><?xml version="1.0" encoding="utf-8"?>
+<file path=ppt/slides/slide18.xml><?xml version="1.0" encoding="utf-8"?>
 <p:sld xmlns:a="http://schemas.openxmlformats.org/drawingml/2006/main" xmlns:r="http://schemas.openxmlformats.org/officeDocument/2006/relationships" xmlns:p="http://schemas.openxmlformats.org/presentationml/2006/main">
   <p:cSld>
     <p:spTree>
@@ -13946,6 +13278,6508 @@
     <p:extLst>
       <p:ext uri="{BB962C8B-B14F-4D97-AF65-F5344CB8AC3E}">
         <p14:creationId xmlns:p14="http://schemas.microsoft.com/office/powerpoint/2010/main" val="4143889627"/>
+      </p:ext>
+    </p:extLst>
+  </p:cSld>
+  <p:clrMapOvr>
+    <a:masterClrMapping/>
+  </p:clrMapOvr>
+  <mc:AlternateContent xmlns:mc="http://schemas.openxmlformats.org/markup-compatibility/2006" xmlns:p14="http://schemas.microsoft.com/office/powerpoint/2010/main">
+    <mc:Choice Requires="p14">
+      <p:transition p14:dur="100">
+        <p:cut/>
+      </p:transition>
+    </mc:Choice>
+    <mc:Fallback xmlns="">
+      <p:transition>
+        <p:cut/>
+      </p:transition>
+    </mc:Fallback>
+  </mc:AlternateContent>
+</p:sld>
+</file>
+
+<file path=ppt/slides/slide2.xml><?xml version="1.0" encoding="utf-8"?>
+<p:sld xmlns:a="http://schemas.openxmlformats.org/drawingml/2006/main" xmlns:r="http://schemas.openxmlformats.org/officeDocument/2006/relationships" xmlns:p="http://schemas.openxmlformats.org/presentationml/2006/main">
+  <p:cSld>
+    <p:spTree>
+      <p:nvGrpSpPr>
+        <p:cNvPr id="1" name=""/>
+        <p:cNvGrpSpPr/>
+        <p:nvPr/>
+      </p:nvGrpSpPr>
+      <p:grpSpPr>
+        <a:xfrm>
+          <a:off x="0" y="0"/>
+          <a:ext cx="0" cy="0"/>
+          <a:chOff x="0" y="0"/>
+          <a:chExt cx="0" cy="0"/>
+        </a:xfrm>
+      </p:grpSpPr>
+      <p:pic>
+        <p:nvPicPr>
+          <p:cNvPr id="9" name="Picture 8">
+            <a:extLst>
+              <a:ext uri="{FF2B5EF4-FFF2-40B4-BE49-F238E27FC236}">
+                <a16:creationId xmlns:a16="http://schemas.microsoft.com/office/drawing/2014/main" id="{39E83B63-DAE7-4E06-A56F-CF1576B89936}"/>
+              </a:ext>
+            </a:extLst>
+          </p:cNvPr>
+          <p:cNvPicPr>
+            <a:picLocks noChangeAspect="1"/>
+          </p:cNvPicPr>
+          <p:nvPr/>
+        </p:nvPicPr>
+        <p:blipFill>
+          <a:blip r:embed="rId2">
+            <a:extLst>
+              <a:ext uri="{28A0092B-C50C-407E-A947-70E740481C1C}">
+                <a14:useLocalDpi xmlns:a14="http://schemas.microsoft.com/office/drawing/2010/main" val="0"/>
+              </a:ext>
+            </a:extLst>
+          </a:blip>
+          <a:stretch>
+            <a:fillRect/>
+          </a:stretch>
+        </p:blipFill>
+        <p:spPr>
+          <a:xfrm>
+            <a:off x="0" y="0"/>
+            <a:ext cx="12192000" cy="6858000"/>
+          </a:xfrm>
+          <a:prstGeom prst="rect">
+            <a:avLst/>
+          </a:prstGeom>
+        </p:spPr>
+      </p:pic>
+      <p:sp>
+        <p:nvSpPr>
+          <p:cNvPr id="2" name="Title 1">
+            <a:extLst>
+              <a:ext uri="{FF2B5EF4-FFF2-40B4-BE49-F238E27FC236}">
+                <a16:creationId xmlns:a16="http://schemas.microsoft.com/office/drawing/2014/main" id="{0DE26BD9-3178-4532-BF33-58FE331BE190}"/>
+              </a:ext>
+            </a:extLst>
+          </p:cNvPr>
+          <p:cNvSpPr>
+            <a:spLocks noGrp="1"/>
+          </p:cNvSpPr>
+          <p:nvPr>
+            <p:ph type="ctrTitle"/>
+          </p:nvPr>
+        </p:nvSpPr>
+        <p:spPr>
+          <a:xfrm>
+            <a:off x="738908" y="930564"/>
+            <a:ext cx="5429880" cy="1253078"/>
+          </a:xfrm>
+        </p:spPr>
+        <p:txBody>
+          <a:bodyPr anchor="b">
+            <a:normAutofit/>
+          </a:bodyPr>
+          <a:lstStyle/>
+          <a:p>
+            <a:pPr algn="l"/>
+            <a:r>
+              <a:rPr lang="en-US" sz="4000" b="1" dirty="0">
+                <a:latin typeface="Segoe UI Semibold" panose="020B0702040204020203" pitchFamily="34" charset="0"/>
+                <a:cs typeface="Segoe UI Semibold" panose="020B0702040204020203" pitchFamily="34" charset="0"/>
+              </a:rPr>
+              <a:t>Modular Architecture</a:t>
+            </a:r>
+            <a:r>
+              <a:rPr lang="en-US" sz="4000" b="1" dirty="0">
+                <a:solidFill>
+                  <a:srgbClr val="0041C6"/>
+                </a:solidFill>
+                <a:latin typeface="Segoe UI Semibold" panose="020B0702040204020203" pitchFamily="34" charset="0"/>
+                <a:cs typeface="Segoe UI Semibold" panose="020B0702040204020203" pitchFamily="34" charset="0"/>
+              </a:rPr>
+              <a:t> Goals</a:t>
+            </a:r>
+          </a:p>
+        </p:txBody>
+      </p:sp>
+      <p:sp>
+        <p:nvSpPr>
+          <p:cNvPr id="5" name="Footer Placeholder 4">
+            <a:extLst>
+              <a:ext uri="{FF2B5EF4-FFF2-40B4-BE49-F238E27FC236}">
+                <a16:creationId xmlns:a16="http://schemas.microsoft.com/office/drawing/2014/main" id="{A3553ADE-3838-4EDB-9F14-97C75DE2198D}"/>
+              </a:ext>
+            </a:extLst>
+          </p:cNvPr>
+          <p:cNvSpPr>
+            <a:spLocks noGrp="1"/>
+          </p:cNvSpPr>
+          <p:nvPr>
+            <p:ph type="ftr" sz="quarter" idx="11"/>
+          </p:nvPr>
+        </p:nvSpPr>
+        <p:spPr>
+          <a:xfrm>
+            <a:off x="0" y="6483927"/>
+            <a:ext cx="4190999" cy="374073"/>
+          </a:xfrm>
+        </p:spPr>
+        <p:txBody>
+          <a:bodyPr/>
+          <a:lstStyle/>
+          <a:p>
+            <a:pPr algn="l"/>
+            <a:r>
+              <a:rPr lang="en-US" dirty="0" err="1">
+                <a:solidFill>
+                  <a:schemeClr val="tx1"/>
+                </a:solidFill>
+                <a:latin typeface="Segoe UI" panose="020B0502040204020203" pitchFamily="34" charset="0"/>
+                <a:cs typeface="Segoe UI" panose="020B0502040204020203" pitchFamily="34" charset="0"/>
+              </a:rPr>
+              <a:t>Halil</a:t>
+            </a:r>
+            <a:r>
+              <a:rPr lang="en-US" dirty="0">
+                <a:solidFill>
+                  <a:schemeClr val="tx1"/>
+                </a:solidFill>
+                <a:latin typeface="Segoe UI" panose="020B0502040204020203" pitchFamily="34" charset="0"/>
+                <a:cs typeface="Segoe UI" panose="020B0502040204020203" pitchFamily="34" charset="0"/>
+              </a:rPr>
+              <a:t> İbrahim KALKAN | @</a:t>
+            </a:r>
+            <a:r>
+              <a:rPr lang="en-US" dirty="0" err="1">
+                <a:solidFill>
+                  <a:schemeClr val="tx1"/>
+                </a:solidFill>
+                <a:latin typeface="Segoe UI" panose="020B0502040204020203" pitchFamily="34" charset="0"/>
+                <a:cs typeface="Segoe UI" panose="020B0502040204020203" pitchFamily="34" charset="0"/>
+              </a:rPr>
+              <a:t>hikalkan</a:t>
+            </a:r>
+            <a:r>
+              <a:rPr lang="en-US" dirty="0">
+                <a:solidFill>
+                  <a:schemeClr val="tx1"/>
+                </a:solidFill>
+                <a:latin typeface="Segoe UI" panose="020B0502040204020203" pitchFamily="34" charset="0"/>
+                <a:cs typeface="Segoe UI" panose="020B0502040204020203" pitchFamily="34" charset="0"/>
+              </a:rPr>
+              <a:t> | </a:t>
+            </a:r>
+            <a:r>
+              <a:rPr lang="en-US" dirty="0" err="1">
+                <a:solidFill>
+                  <a:schemeClr val="tx1"/>
+                </a:solidFill>
+                <a:latin typeface="Segoe UI" panose="020B0502040204020203" pitchFamily="34" charset="0"/>
+                <a:cs typeface="Segoe UI" panose="020B0502040204020203" pitchFamily="34" charset="0"/>
+              </a:rPr>
+              <a:t>Volosoft</a:t>
+            </a:r>
+            <a:r>
+              <a:rPr lang="en-US" dirty="0">
+                <a:solidFill>
+                  <a:schemeClr val="tx1"/>
+                </a:solidFill>
+                <a:latin typeface="Segoe UI" panose="020B0502040204020203" pitchFamily="34" charset="0"/>
+                <a:cs typeface="Segoe UI" panose="020B0502040204020203" pitchFamily="34" charset="0"/>
+              </a:rPr>
+              <a:t> TM</a:t>
+            </a:r>
+          </a:p>
+        </p:txBody>
+      </p:sp>
+      <p:sp>
+        <p:nvSpPr>
+          <p:cNvPr id="11" name="Subtitle 2">
+            <a:extLst>
+              <a:ext uri="{FF2B5EF4-FFF2-40B4-BE49-F238E27FC236}">
+                <a16:creationId xmlns:a16="http://schemas.microsoft.com/office/drawing/2014/main" id="{A769CE0C-E9B4-4049-B22B-C35AD0DD7409}"/>
+              </a:ext>
+            </a:extLst>
+          </p:cNvPr>
+          <p:cNvSpPr txBox="1">
+            <a:spLocks/>
+          </p:cNvSpPr>
+          <p:nvPr/>
+        </p:nvSpPr>
+        <p:spPr>
+          <a:xfrm>
+            <a:off x="3582554" y="2904836"/>
+            <a:ext cx="835891" cy="775853"/>
+          </a:xfrm>
+          <a:prstGeom prst="rect">
+            <a:avLst/>
+          </a:prstGeom>
+        </p:spPr>
+        <p:txBody>
+          <a:bodyPr vert="horz" lIns="91440" tIns="45720" rIns="91440" bIns="45720" rtlCol="0" anchor="ctr">
+            <a:normAutofit/>
+          </a:bodyPr>
+          <a:lstStyle>
+            <a:lvl1pPr marL="0" indent="0" algn="ctr" defTabSz="914400" rtl="0" eaLnBrk="1" latinLnBrk="0" hangingPunct="1">
+              <a:lnSpc>
+                <a:spcPct val="90000"/>
+              </a:lnSpc>
+              <a:spcBef>
+                <a:spcPts val="1000"/>
+              </a:spcBef>
+              <a:buFont typeface="Arial" panose="020B0604020202020204" pitchFamily="34" charset="0"/>
+              <a:buNone/>
+              <a:defRPr sz="2400" kern="1200">
+                <a:solidFill>
+                  <a:schemeClr val="tx1"/>
+                </a:solidFill>
+                <a:latin typeface="+mn-lt"/>
+                <a:ea typeface="+mn-ea"/>
+                <a:cs typeface="+mn-cs"/>
+              </a:defRPr>
+            </a:lvl1pPr>
+            <a:lvl2pPr marL="457200" indent="0" algn="ctr" defTabSz="914400" rtl="0" eaLnBrk="1" latinLnBrk="0" hangingPunct="1">
+              <a:lnSpc>
+                <a:spcPct val="90000"/>
+              </a:lnSpc>
+              <a:spcBef>
+                <a:spcPts val="500"/>
+              </a:spcBef>
+              <a:buFont typeface="Arial" panose="020B0604020202020204" pitchFamily="34" charset="0"/>
+              <a:buNone/>
+              <a:defRPr sz="2000" kern="1200">
+                <a:solidFill>
+                  <a:schemeClr val="tx1"/>
+                </a:solidFill>
+                <a:latin typeface="+mn-lt"/>
+                <a:ea typeface="+mn-ea"/>
+                <a:cs typeface="+mn-cs"/>
+              </a:defRPr>
+            </a:lvl2pPr>
+            <a:lvl3pPr marL="914400" indent="0" algn="ctr" defTabSz="914400" rtl="0" eaLnBrk="1" latinLnBrk="0" hangingPunct="1">
+              <a:lnSpc>
+                <a:spcPct val="90000"/>
+              </a:lnSpc>
+              <a:spcBef>
+                <a:spcPts val="500"/>
+              </a:spcBef>
+              <a:buFont typeface="Arial" panose="020B0604020202020204" pitchFamily="34" charset="0"/>
+              <a:buNone/>
+              <a:defRPr sz="1800" kern="1200">
+                <a:solidFill>
+                  <a:schemeClr val="tx1"/>
+                </a:solidFill>
+                <a:latin typeface="+mn-lt"/>
+                <a:ea typeface="+mn-ea"/>
+                <a:cs typeface="+mn-cs"/>
+              </a:defRPr>
+            </a:lvl3pPr>
+            <a:lvl4pPr marL="1371600" indent="0" algn="ctr" defTabSz="914400" rtl="0" eaLnBrk="1" latinLnBrk="0" hangingPunct="1">
+              <a:lnSpc>
+                <a:spcPct val="90000"/>
+              </a:lnSpc>
+              <a:spcBef>
+                <a:spcPts val="500"/>
+              </a:spcBef>
+              <a:buFont typeface="Arial" panose="020B0604020202020204" pitchFamily="34" charset="0"/>
+              <a:buNone/>
+              <a:defRPr sz="1600" kern="1200">
+                <a:solidFill>
+                  <a:schemeClr val="tx1"/>
+                </a:solidFill>
+                <a:latin typeface="+mn-lt"/>
+                <a:ea typeface="+mn-ea"/>
+                <a:cs typeface="+mn-cs"/>
+              </a:defRPr>
+            </a:lvl4pPr>
+            <a:lvl5pPr marL="1828800" indent="0" algn="ctr" defTabSz="914400" rtl="0" eaLnBrk="1" latinLnBrk="0" hangingPunct="1">
+              <a:lnSpc>
+                <a:spcPct val="90000"/>
+              </a:lnSpc>
+              <a:spcBef>
+                <a:spcPts val="500"/>
+              </a:spcBef>
+              <a:buFont typeface="Arial" panose="020B0604020202020204" pitchFamily="34" charset="0"/>
+              <a:buNone/>
+              <a:defRPr sz="1600" kern="1200">
+                <a:solidFill>
+                  <a:schemeClr val="tx1"/>
+                </a:solidFill>
+                <a:latin typeface="+mn-lt"/>
+                <a:ea typeface="+mn-ea"/>
+                <a:cs typeface="+mn-cs"/>
+              </a:defRPr>
+            </a:lvl5pPr>
+            <a:lvl6pPr marL="2286000" indent="0" algn="ctr" defTabSz="914400" rtl="0" eaLnBrk="1" latinLnBrk="0" hangingPunct="1">
+              <a:lnSpc>
+                <a:spcPct val="90000"/>
+              </a:lnSpc>
+              <a:spcBef>
+                <a:spcPts val="500"/>
+              </a:spcBef>
+              <a:buFont typeface="Arial" panose="020B0604020202020204" pitchFamily="34" charset="0"/>
+              <a:buNone/>
+              <a:defRPr sz="1600" kern="1200">
+                <a:solidFill>
+                  <a:schemeClr val="tx1"/>
+                </a:solidFill>
+                <a:latin typeface="+mn-lt"/>
+                <a:ea typeface="+mn-ea"/>
+                <a:cs typeface="+mn-cs"/>
+              </a:defRPr>
+            </a:lvl6pPr>
+            <a:lvl7pPr marL="2743200" indent="0" algn="ctr" defTabSz="914400" rtl="0" eaLnBrk="1" latinLnBrk="0" hangingPunct="1">
+              <a:lnSpc>
+                <a:spcPct val="90000"/>
+              </a:lnSpc>
+              <a:spcBef>
+                <a:spcPts val="500"/>
+              </a:spcBef>
+              <a:buFont typeface="Arial" panose="020B0604020202020204" pitchFamily="34" charset="0"/>
+              <a:buNone/>
+              <a:defRPr sz="1600" kern="1200">
+                <a:solidFill>
+                  <a:schemeClr val="tx1"/>
+                </a:solidFill>
+                <a:latin typeface="+mn-lt"/>
+                <a:ea typeface="+mn-ea"/>
+                <a:cs typeface="+mn-cs"/>
+              </a:defRPr>
+            </a:lvl7pPr>
+            <a:lvl8pPr marL="3200400" indent="0" algn="ctr" defTabSz="914400" rtl="0" eaLnBrk="1" latinLnBrk="0" hangingPunct="1">
+              <a:lnSpc>
+                <a:spcPct val="90000"/>
+              </a:lnSpc>
+              <a:spcBef>
+                <a:spcPts val="500"/>
+              </a:spcBef>
+              <a:buFont typeface="Arial" panose="020B0604020202020204" pitchFamily="34" charset="0"/>
+              <a:buNone/>
+              <a:defRPr sz="1600" kern="1200">
+                <a:solidFill>
+                  <a:schemeClr val="tx1"/>
+                </a:solidFill>
+                <a:latin typeface="+mn-lt"/>
+                <a:ea typeface="+mn-ea"/>
+                <a:cs typeface="+mn-cs"/>
+              </a:defRPr>
+            </a:lvl8pPr>
+            <a:lvl9pPr marL="3657600" indent="0" algn="ctr" defTabSz="914400" rtl="0" eaLnBrk="1" latinLnBrk="0" hangingPunct="1">
+              <a:lnSpc>
+                <a:spcPct val="90000"/>
+              </a:lnSpc>
+              <a:spcBef>
+                <a:spcPts val="500"/>
+              </a:spcBef>
+              <a:buFont typeface="Arial" panose="020B0604020202020204" pitchFamily="34" charset="0"/>
+              <a:buNone/>
+              <a:defRPr sz="1600" kern="1200">
+                <a:solidFill>
+                  <a:schemeClr val="tx1"/>
+                </a:solidFill>
+                <a:latin typeface="+mn-lt"/>
+                <a:ea typeface="+mn-ea"/>
+                <a:cs typeface="+mn-cs"/>
+              </a:defRPr>
+            </a:lvl9pPr>
+          </a:lstStyle>
+          <a:p>
+            <a:r>
+              <a:rPr lang="en-US" sz="2000" b="1" dirty="0">
+                <a:solidFill>
+                  <a:schemeClr val="bg1"/>
+                </a:solidFill>
+                <a:latin typeface="Segoe UI Light" panose="020B0502040204020203" pitchFamily="34" charset="0"/>
+                <a:cs typeface="Segoe UI Light" panose="020B0502040204020203" pitchFamily="34" charset="0"/>
+              </a:rPr>
+              <a:t>VS</a:t>
+            </a:r>
+          </a:p>
+        </p:txBody>
+      </p:sp>
+      <p:sp>
+        <p:nvSpPr>
+          <p:cNvPr id="15" name="Subtitle 2">
+            <a:extLst>
+              <a:ext uri="{FF2B5EF4-FFF2-40B4-BE49-F238E27FC236}">
+                <a16:creationId xmlns:a16="http://schemas.microsoft.com/office/drawing/2014/main" id="{20939731-D3B7-4A28-B941-216A5F2FD525}"/>
+              </a:ext>
+            </a:extLst>
+          </p:cNvPr>
+          <p:cNvSpPr txBox="1">
+            <a:spLocks/>
+          </p:cNvSpPr>
+          <p:nvPr/>
+        </p:nvSpPr>
+        <p:spPr>
+          <a:xfrm>
+            <a:off x="738908" y="2631390"/>
+            <a:ext cx="4368801" cy="2042969"/>
+          </a:xfrm>
+          <a:prstGeom prst="rect">
+            <a:avLst/>
+          </a:prstGeom>
+        </p:spPr>
+        <p:txBody>
+          <a:bodyPr vert="horz" lIns="91440" tIns="45720" rIns="91440" bIns="45720" rtlCol="0" anchor="ctr">
+            <a:noAutofit/>
+          </a:bodyPr>
+          <a:lstStyle>
+            <a:lvl1pPr marL="0" indent="0" algn="ctr" defTabSz="914400" rtl="0" eaLnBrk="1" latinLnBrk="0" hangingPunct="1">
+              <a:lnSpc>
+                <a:spcPct val="90000"/>
+              </a:lnSpc>
+              <a:spcBef>
+                <a:spcPts val="1000"/>
+              </a:spcBef>
+              <a:buFont typeface="Arial" panose="020B0604020202020204" pitchFamily="34" charset="0"/>
+              <a:buNone/>
+              <a:defRPr sz="2400" kern="1200">
+                <a:solidFill>
+                  <a:schemeClr val="tx1"/>
+                </a:solidFill>
+                <a:latin typeface="+mn-lt"/>
+                <a:ea typeface="+mn-ea"/>
+                <a:cs typeface="+mn-cs"/>
+              </a:defRPr>
+            </a:lvl1pPr>
+            <a:lvl2pPr marL="457200" indent="0" algn="ctr" defTabSz="914400" rtl="0" eaLnBrk="1" latinLnBrk="0" hangingPunct="1">
+              <a:lnSpc>
+                <a:spcPct val="90000"/>
+              </a:lnSpc>
+              <a:spcBef>
+                <a:spcPts val="500"/>
+              </a:spcBef>
+              <a:buFont typeface="Arial" panose="020B0604020202020204" pitchFamily="34" charset="0"/>
+              <a:buNone/>
+              <a:defRPr sz="2000" kern="1200">
+                <a:solidFill>
+                  <a:schemeClr val="tx1"/>
+                </a:solidFill>
+                <a:latin typeface="+mn-lt"/>
+                <a:ea typeface="+mn-ea"/>
+                <a:cs typeface="+mn-cs"/>
+              </a:defRPr>
+            </a:lvl2pPr>
+            <a:lvl3pPr marL="914400" indent="0" algn="ctr" defTabSz="914400" rtl="0" eaLnBrk="1" latinLnBrk="0" hangingPunct="1">
+              <a:lnSpc>
+                <a:spcPct val="90000"/>
+              </a:lnSpc>
+              <a:spcBef>
+                <a:spcPts val="500"/>
+              </a:spcBef>
+              <a:buFont typeface="Arial" panose="020B0604020202020204" pitchFamily="34" charset="0"/>
+              <a:buNone/>
+              <a:defRPr sz="1800" kern="1200">
+                <a:solidFill>
+                  <a:schemeClr val="tx1"/>
+                </a:solidFill>
+                <a:latin typeface="+mn-lt"/>
+                <a:ea typeface="+mn-ea"/>
+                <a:cs typeface="+mn-cs"/>
+              </a:defRPr>
+            </a:lvl3pPr>
+            <a:lvl4pPr marL="1371600" indent="0" algn="ctr" defTabSz="914400" rtl="0" eaLnBrk="1" latinLnBrk="0" hangingPunct="1">
+              <a:lnSpc>
+                <a:spcPct val="90000"/>
+              </a:lnSpc>
+              <a:spcBef>
+                <a:spcPts val="500"/>
+              </a:spcBef>
+              <a:buFont typeface="Arial" panose="020B0604020202020204" pitchFamily="34" charset="0"/>
+              <a:buNone/>
+              <a:defRPr sz="1600" kern="1200">
+                <a:solidFill>
+                  <a:schemeClr val="tx1"/>
+                </a:solidFill>
+                <a:latin typeface="+mn-lt"/>
+                <a:ea typeface="+mn-ea"/>
+                <a:cs typeface="+mn-cs"/>
+              </a:defRPr>
+            </a:lvl4pPr>
+            <a:lvl5pPr marL="1828800" indent="0" algn="ctr" defTabSz="914400" rtl="0" eaLnBrk="1" latinLnBrk="0" hangingPunct="1">
+              <a:lnSpc>
+                <a:spcPct val="90000"/>
+              </a:lnSpc>
+              <a:spcBef>
+                <a:spcPts val="500"/>
+              </a:spcBef>
+              <a:buFont typeface="Arial" panose="020B0604020202020204" pitchFamily="34" charset="0"/>
+              <a:buNone/>
+              <a:defRPr sz="1600" kern="1200">
+                <a:solidFill>
+                  <a:schemeClr val="tx1"/>
+                </a:solidFill>
+                <a:latin typeface="+mn-lt"/>
+                <a:ea typeface="+mn-ea"/>
+                <a:cs typeface="+mn-cs"/>
+              </a:defRPr>
+            </a:lvl5pPr>
+            <a:lvl6pPr marL="2286000" indent="0" algn="ctr" defTabSz="914400" rtl="0" eaLnBrk="1" latinLnBrk="0" hangingPunct="1">
+              <a:lnSpc>
+                <a:spcPct val="90000"/>
+              </a:lnSpc>
+              <a:spcBef>
+                <a:spcPts val="500"/>
+              </a:spcBef>
+              <a:buFont typeface="Arial" panose="020B0604020202020204" pitchFamily="34" charset="0"/>
+              <a:buNone/>
+              <a:defRPr sz="1600" kern="1200">
+                <a:solidFill>
+                  <a:schemeClr val="tx1"/>
+                </a:solidFill>
+                <a:latin typeface="+mn-lt"/>
+                <a:ea typeface="+mn-ea"/>
+                <a:cs typeface="+mn-cs"/>
+              </a:defRPr>
+            </a:lvl6pPr>
+            <a:lvl7pPr marL="2743200" indent="0" algn="ctr" defTabSz="914400" rtl="0" eaLnBrk="1" latinLnBrk="0" hangingPunct="1">
+              <a:lnSpc>
+                <a:spcPct val="90000"/>
+              </a:lnSpc>
+              <a:spcBef>
+                <a:spcPts val="500"/>
+              </a:spcBef>
+              <a:buFont typeface="Arial" panose="020B0604020202020204" pitchFamily="34" charset="0"/>
+              <a:buNone/>
+              <a:defRPr sz="1600" kern="1200">
+                <a:solidFill>
+                  <a:schemeClr val="tx1"/>
+                </a:solidFill>
+                <a:latin typeface="+mn-lt"/>
+                <a:ea typeface="+mn-ea"/>
+                <a:cs typeface="+mn-cs"/>
+              </a:defRPr>
+            </a:lvl7pPr>
+            <a:lvl8pPr marL="3200400" indent="0" algn="ctr" defTabSz="914400" rtl="0" eaLnBrk="1" latinLnBrk="0" hangingPunct="1">
+              <a:lnSpc>
+                <a:spcPct val="90000"/>
+              </a:lnSpc>
+              <a:spcBef>
+                <a:spcPts val="500"/>
+              </a:spcBef>
+              <a:buFont typeface="Arial" panose="020B0604020202020204" pitchFamily="34" charset="0"/>
+              <a:buNone/>
+              <a:defRPr sz="1600" kern="1200">
+                <a:solidFill>
+                  <a:schemeClr val="tx1"/>
+                </a:solidFill>
+                <a:latin typeface="+mn-lt"/>
+                <a:ea typeface="+mn-ea"/>
+                <a:cs typeface="+mn-cs"/>
+              </a:defRPr>
+            </a:lvl8pPr>
+            <a:lvl9pPr marL="3657600" indent="0" algn="ctr" defTabSz="914400" rtl="0" eaLnBrk="1" latinLnBrk="0" hangingPunct="1">
+              <a:lnSpc>
+                <a:spcPct val="90000"/>
+              </a:lnSpc>
+              <a:spcBef>
+                <a:spcPts val="500"/>
+              </a:spcBef>
+              <a:buFont typeface="Arial" panose="020B0604020202020204" pitchFamily="34" charset="0"/>
+              <a:buNone/>
+              <a:defRPr sz="1600" kern="1200">
+                <a:solidFill>
+                  <a:schemeClr val="tx1"/>
+                </a:solidFill>
+                <a:latin typeface="+mn-lt"/>
+                <a:ea typeface="+mn-ea"/>
+                <a:cs typeface="+mn-cs"/>
+              </a:defRPr>
+            </a:lvl9pPr>
+          </a:lstStyle>
+          <a:p>
+            <a:pPr marL="285750" indent="-285750" algn="l">
+              <a:lnSpc>
+                <a:spcPct val="150000"/>
+              </a:lnSpc>
+              <a:buFont typeface="Arial" panose="020B0604020202020204" pitchFamily="34" charset="0"/>
+              <a:buChar char="•"/>
+            </a:pPr>
+            <a:r>
+              <a:rPr lang="en-US" sz="1600" dirty="0">
+                <a:latin typeface="Segoe UI Light" panose="020B0502040204020203" pitchFamily="34" charset="0"/>
+                <a:cs typeface="Segoe UI Light" panose="020B0502040204020203" pitchFamily="34" charset="0"/>
+              </a:rPr>
+              <a:t>Reduce application complexity by creating </a:t>
+            </a:r>
+            <a:r>
+              <a:rPr lang="en-US" sz="1600" b="1" dirty="0">
+                <a:latin typeface="Segoe UI Light" panose="020B0502040204020203" pitchFamily="34" charset="0"/>
+                <a:cs typeface="Segoe UI Light" panose="020B0502040204020203" pitchFamily="34" charset="0"/>
+              </a:rPr>
+              <a:t>separately developed, well-integrated</a:t>
+            </a:r>
+            <a:r>
+              <a:rPr lang="en-US" sz="1600" dirty="0">
+                <a:latin typeface="Segoe UI Light" panose="020B0502040204020203" pitchFamily="34" charset="0"/>
+                <a:cs typeface="Segoe UI Light" panose="020B0502040204020203" pitchFamily="34" charset="0"/>
+              </a:rPr>
+              <a:t> application units.</a:t>
+            </a:r>
+          </a:p>
+          <a:p>
+            <a:pPr marL="285750" indent="-285750" algn="l">
+              <a:lnSpc>
+                <a:spcPct val="150000"/>
+              </a:lnSpc>
+              <a:buFont typeface="Arial" panose="020B0604020202020204" pitchFamily="34" charset="0"/>
+              <a:buChar char="•"/>
+            </a:pPr>
+            <a:r>
+              <a:rPr lang="en-US" sz="1600" b="1" dirty="0">
+                <a:latin typeface="Segoe UI Light" panose="020B0502040204020203" pitchFamily="34" charset="0"/>
+                <a:cs typeface="Segoe UI Light" panose="020B0502040204020203" pitchFamily="34" charset="0"/>
+              </a:rPr>
+              <a:t>Code reuse</a:t>
+            </a:r>
+            <a:r>
+              <a:rPr lang="en-US" sz="1600" dirty="0">
+                <a:latin typeface="Segoe UI Light" panose="020B0502040204020203" pitchFamily="34" charset="0"/>
+                <a:cs typeface="Segoe UI Light" panose="020B0502040204020203" pitchFamily="34" charset="0"/>
+              </a:rPr>
+              <a:t>: Use same module by different applications.</a:t>
+            </a:r>
+          </a:p>
+        </p:txBody>
+      </p:sp>
+    </p:spTree>
+    <p:extLst>
+      <p:ext uri="{BB962C8B-B14F-4D97-AF65-F5344CB8AC3E}">
+        <p14:creationId xmlns:p14="http://schemas.microsoft.com/office/powerpoint/2010/main" val="3618652779"/>
+      </p:ext>
+    </p:extLst>
+  </p:cSld>
+  <p:clrMapOvr>
+    <a:masterClrMapping/>
+  </p:clrMapOvr>
+  <mc:AlternateContent xmlns:mc="http://schemas.openxmlformats.org/markup-compatibility/2006" xmlns:p14="http://schemas.microsoft.com/office/powerpoint/2010/main">
+    <mc:Choice Requires="p14">
+      <p:transition p14:dur="100">
+        <p:cut/>
+      </p:transition>
+    </mc:Choice>
+    <mc:Fallback xmlns="">
+      <p:transition>
+        <p:cut/>
+      </p:transition>
+    </mc:Fallback>
+  </mc:AlternateContent>
+</p:sld>
+</file>
+
+<file path=ppt/slides/slide3.xml><?xml version="1.0" encoding="utf-8"?>
+<p:sld xmlns:a="http://schemas.openxmlformats.org/drawingml/2006/main" xmlns:r="http://schemas.openxmlformats.org/officeDocument/2006/relationships" xmlns:p="http://schemas.openxmlformats.org/presentationml/2006/main">
+  <p:cSld>
+    <p:spTree>
+      <p:nvGrpSpPr>
+        <p:cNvPr id="1" name=""/>
+        <p:cNvGrpSpPr/>
+        <p:nvPr/>
+      </p:nvGrpSpPr>
+      <p:grpSpPr>
+        <a:xfrm>
+          <a:off x="0" y="0"/>
+          <a:ext cx="0" cy="0"/>
+          <a:chOff x="0" y="0"/>
+          <a:chExt cx="0" cy="0"/>
+        </a:xfrm>
+      </p:grpSpPr>
+      <p:pic>
+        <p:nvPicPr>
+          <p:cNvPr id="9" name="Picture 8">
+            <a:extLst>
+              <a:ext uri="{FF2B5EF4-FFF2-40B4-BE49-F238E27FC236}">
+                <a16:creationId xmlns:a16="http://schemas.microsoft.com/office/drawing/2014/main" id="{39E83B63-DAE7-4E06-A56F-CF1576B89936}"/>
+              </a:ext>
+            </a:extLst>
+          </p:cNvPr>
+          <p:cNvPicPr>
+            <a:picLocks noChangeAspect="1"/>
+          </p:cNvPicPr>
+          <p:nvPr/>
+        </p:nvPicPr>
+        <p:blipFill>
+          <a:blip r:embed="rId2">
+            <a:extLst>
+              <a:ext uri="{28A0092B-C50C-407E-A947-70E740481C1C}">
+                <a14:useLocalDpi xmlns:a14="http://schemas.microsoft.com/office/drawing/2010/main" val="0"/>
+              </a:ext>
+            </a:extLst>
+          </a:blip>
+          <a:stretch>
+            <a:fillRect/>
+          </a:stretch>
+        </p:blipFill>
+        <p:spPr>
+          <a:xfrm>
+            <a:off x="0" y="0"/>
+            <a:ext cx="12192000" cy="6858000"/>
+          </a:xfrm>
+          <a:prstGeom prst="rect">
+            <a:avLst/>
+          </a:prstGeom>
+        </p:spPr>
+      </p:pic>
+      <p:sp>
+        <p:nvSpPr>
+          <p:cNvPr id="2" name="Title 1">
+            <a:extLst>
+              <a:ext uri="{FF2B5EF4-FFF2-40B4-BE49-F238E27FC236}">
+                <a16:creationId xmlns:a16="http://schemas.microsoft.com/office/drawing/2014/main" id="{0DE26BD9-3178-4532-BF33-58FE331BE190}"/>
+              </a:ext>
+            </a:extLst>
+          </p:cNvPr>
+          <p:cNvSpPr>
+            <a:spLocks noGrp="1"/>
+          </p:cNvSpPr>
+          <p:nvPr>
+            <p:ph type="ctrTitle"/>
+          </p:nvPr>
+        </p:nvSpPr>
+        <p:spPr>
+          <a:xfrm>
+            <a:off x="738908" y="930564"/>
+            <a:ext cx="5429880" cy="1253078"/>
+          </a:xfrm>
+        </p:spPr>
+        <p:txBody>
+          <a:bodyPr anchor="b">
+            <a:normAutofit/>
+          </a:bodyPr>
+          <a:lstStyle/>
+          <a:p>
+            <a:pPr algn="l"/>
+            <a:r>
+              <a:rPr lang="en-US" sz="4000" b="1" dirty="0">
+                <a:latin typeface="Segoe UI Semibold" panose="020B0702040204020203" pitchFamily="34" charset="0"/>
+                <a:cs typeface="Segoe UI Semibold" panose="020B0702040204020203" pitchFamily="34" charset="0"/>
+              </a:rPr>
+              <a:t>Modular Architecture</a:t>
+            </a:r>
+            <a:r>
+              <a:rPr lang="en-US" sz="4000" b="1" dirty="0">
+                <a:solidFill>
+                  <a:srgbClr val="0041C6"/>
+                </a:solidFill>
+                <a:latin typeface="Segoe UI Semibold" panose="020B0702040204020203" pitchFamily="34" charset="0"/>
+                <a:cs typeface="Segoe UI Semibold" panose="020B0702040204020203" pitchFamily="34" charset="0"/>
+              </a:rPr>
+              <a:t> Problems</a:t>
+            </a:r>
+          </a:p>
+        </p:txBody>
+      </p:sp>
+      <p:sp>
+        <p:nvSpPr>
+          <p:cNvPr id="5" name="Footer Placeholder 4">
+            <a:extLst>
+              <a:ext uri="{FF2B5EF4-FFF2-40B4-BE49-F238E27FC236}">
+                <a16:creationId xmlns:a16="http://schemas.microsoft.com/office/drawing/2014/main" id="{A3553ADE-3838-4EDB-9F14-97C75DE2198D}"/>
+              </a:ext>
+            </a:extLst>
+          </p:cNvPr>
+          <p:cNvSpPr>
+            <a:spLocks noGrp="1"/>
+          </p:cNvSpPr>
+          <p:nvPr>
+            <p:ph type="ftr" sz="quarter" idx="11"/>
+          </p:nvPr>
+        </p:nvSpPr>
+        <p:spPr>
+          <a:xfrm>
+            <a:off x="0" y="6483927"/>
+            <a:ext cx="4190999" cy="374073"/>
+          </a:xfrm>
+        </p:spPr>
+        <p:txBody>
+          <a:bodyPr/>
+          <a:lstStyle/>
+          <a:p>
+            <a:pPr algn="l"/>
+            <a:r>
+              <a:rPr lang="en-US" dirty="0" err="1">
+                <a:solidFill>
+                  <a:schemeClr val="tx1"/>
+                </a:solidFill>
+                <a:latin typeface="Segoe UI" panose="020B0502040204020203" pitchFamily="34" charset="0"/>
+                <a:cs typeface="Segoe UI" panose="020B0502040204020203" pitchFamily="34" charset="0"/>
+              </a:rPr>
+              <a:t>Halil</a:t>
+            </a:r>
+            <a:r>
+              <a:rPr lang="en-US" dirty="0">
+                <a:solidFill>
+                  <a:schemeClr val="tx1"/>
+                </a:solidFill>
+                <a:latin typeface="Segoe UI" panose="020B0502040204020203" pitchFamily="34" charset="0"/>
+                <a:cs typeface="Segoe UI" panose="020B0502040204020203" pitchFamily="34" charset="0"/>
+              </a:rPr>
+              <a:t> İbrahim KALKAN | @</a:t>
+            </a:r>
+            <a:r>
+              <a:rPr lang="en-US" dirty="0" err="1">
+                <a:solidFill>
+                  <a:schemeClr val="tx1"/>
+                </a:solidFill>
+                <a:latin typeface="Segoe UI" panose="020B0502040204020203" pitchFamily="34" charset="0"/>
+                <a:cs typeface="Segoe UI" panose="020B0502040204020203" pitchFamily="34" charset="0"/>
+              </a:rPr>
+              <a:t>hikalkan</a:t>
+            </a:r>
+            <a:r>
+              <a:rPr lang="en-US" dirty="0">
+                <a:solidFill>
+                  <a:schemeClr val="tx1"/>
+                </a:solidFill>
+                <a:latin typeface="Segoe UI" panose="020B0502040204020203" pitchFamily="34" charset="0"/>
+                <a:cs typeface="Segoe UI" panose="020B0502040204020203" pitchFamily="34" charset="0"/>
+              </a:rPr>
+              <a:t> | </a:t>
+            </a:r>
+            <a:r>
+              <a:rPr lang="en-US" dirty="0" err="1">
+                <a:solidFill>
+                  <a:schemeClr val="tx1"/>
+                </a:solidFill>
+                <a:latin typeface="Segoe UI" panose="020B0502040204020203" pitchFamily="34" charset="0"/>
+                <a:cs typeface="Segoe UI" panose="020B0502040204020203" pitchFamily="34" charset="0"/>
+              </a:rPr>
+              <a:t>Volosoft</a:t>
+            </a:r>
+            <a:r>
+              <a:rPr lang="en-US" dirty="0">
+                <a:solidFill>
+                  <a:schemeClr val="tx1"/>
+                </a:solidFill>
+                <a:latin typeface="Segoe UI" panose="020B0502040204020203" pitchFamily="34" charset="0"/>
+                <a:cs typeface="Segoe UI" panose="020B0502040204020203" pitchFamily="34" charset="0"/>
+              </a:rPr>
+              <a:t> TM</a:t>
+            </a:r>
+          </a:p>
+        </p:txBody>
+      </p:sp>
+      <p:sp>
+        <p:nvSpPr>
+          <p:cNvPr id="11" name="Subtitle 2">
+            <a:extLst>
+              <a:ext uri="{FF2B5EF4-FFF2-40B4-BE49-F238E27FC236}">
+                <a16:creationId xmlns:a16="http://schemas.microsoft.com/office/drawing/2014/main" id="{A769CE0C-E9B4-4049-B22B-C35AD0DD7409}"/>
+              </a:ext>
+            </a:extLst>
+          </p:cNvPr>
+          <p:cNvSpPr txBox="1">
+            <a:spLocks/>
+          </p:cNvSpPr>
+          <p:nvPr/>
+        </p:nvSpPr>
+        <p:spPr>
+          <a:xfrm>
+            <a:off x="3582554" y="2904836"/>
+            <a:ext cx="835891" cy="775853"/>
+          </a:xfrm>
+          <a:prstGeom prst="rect">
+            <a:avLst/>
+          </a:prstGeom>
+        </p:spPr>
+        <p:txBody>
+          <a:bodyPr vert="horz" lIns="91440" tIns="45720" rIns="91440" bIns="45720" rtlCol="0" anchor="ctr">
+            <a:normAutofit/>
+          </a:bodyPr>
+          <a:lstStyle>
+            <a:lvl1pPr marL="0" indent="0" algn="ctr" defTabSz="914400" rtl="0" eaLnBrk="1" latinLnBrk="0" hangingPunct="1">
+              <a:lnSpc>
+                <a:spcPct val="90000"/>
+              </a:lnSpc>
+              <a:spcBef>
+                <a:spcPts val="1000"/>
+              </a:spcBef>
+              <a:buFont typeface="Arial" panose="020B0604020202020204" pitchFamily="34" charset="0"/>
+              <a:buNone/>
+              <a:defRPr sz="2400" kern="1200">
+                <a:solidFill>
+                  <a:schemeClr val="tx1"/>
+                </a:solidFill>
+                <a:latin typeface="+mn-lt"/>
+                <a:ea typeface="+mn-ea"/>
+                <a:cs typeface="+mn-cs"/>
+              </a:defRPr>
+            </a:lvl1pPr>
+            <a:lvl2pPr marL="457200" indent="0" algn="ctr" defTabSz="914400" rtl="0" eaLnBrk="1" latinLnBrk="0" hangingPunct="1">
+              <a:lnSpc>
+                <a:spcPct val="90000"/>
+              </a:lnSpc>
+              <a:spcBef>
+                <a:spcPts val="500"/>
+              </a:spcBef>
+              <a:buFont typeface="Arial" panose="020B0604020202020204" pitchFamily="34" charset="0"/>
+              <a:buNone/>
+              <a:defRPr sz="2000" kern="1200">
+                <a:solidFill>
+                  <a:schemeClr val="tx1"/>
+                </a:solidFill>
+                <a:latin typeface="+mn-lt"/>
+                <a:ea typeface="+mn-ea"/>
+                <a:cs typeface="+mn-cs"/>
+              </a:defRPr>
+            </a:lvl2pPr>
+            <a:lvl3pPr marL="914400" indent="0" algn="ctr" defTabSz="914400" rtl="0" eaLnBrk="1" latinLnBrk="0" hangingPunct="1">
+              <a:lnSpc>
+                <a:spcPct val="90000"/>
+              </a:lnSpc>
+              <a:spcBef>
+                <a:spcPts val="500"/>
+              </a:spcBef>
+              <a:buFont typeface="Arial" panose="020B0604020202020204" pitchFamily="34" charset="0"/>
+              <a:buNone/>
+              <a:defRPr sz="1800" kern="1200">
+                <a:solidFill>
+                  <a:schemeClr val="tx1"/>
+                </a:solidFill>
+                <a:latin typeface="+mn-lt"/>
+                <a:ea typeface="+mn-ea"/>
+                <a:cs typeface="+mn-cs"/>
+              </a:defRPr>
+            </a:lvl3pPr>
+            <a:lvl4pPr marL="1371600" indent="0" algn="ctr" defTabSz="914400" rtl="0" eaLnBrk="1" latinLnBrk="0" hangingPunct="1">
+              <a:lnSpc>
+                <a:spcPct val="90000"/>
+              </a:lnSpc>
+              <a:spcBef>
+                <a:spcPts val="500"/>
+              </a:spcBef>
+              <a:buFont typeface="Arial" panose="020B0604020202020204" pitchFamily="34" charset="0"/>
+              <a:buNone/>
+              <a:defRPr sz="1600" kern="1200">
+                <a:solidFill>
+                  <a:schemeClr val="tx1"/>
+                </a:solidFill>
+                <a:latin typeface="+mn-lt"/>
+                <a:ea typeface="+mn-ea"/>
+                <a:cs typeface="+mn-cs"/>
+              </a:defRPr>
+            </a:lvl4pPr>
+            <a:lvl5pPr marL="1828800" indent="0" algn="ctr" defTabSz="914400" rtl="0" eaLnBrk="1" latinLnBrk="0" hangingPunct="1">
+              <a:lnSpc>
+                <a:spcPct val="90000"/>
+              </a:lnSpc>
+              <a:spcBef>
+                <a:spcPts val="500"/>
+              </a:spcBef>
+              <a:buFont typeface="Arial" panose="020B0604020202020204" pitchFamily="34" charset="0"/>
+              <a:buNone/>
+              <a:defRPr sz="1600" kern="1200">
+                <a:solidFill>
+                  <a:schemeClr val="tx1"/>
+                </a:solidFill>
+                <a:latin typeface="+mn-lt"/>
+                <a:ea typeface="+mn-ea"/>
+                <a:cs typeface="+mn-cs"/>
+              </a:defRPr>
+            </a:lvl5pPr>
+            <a:lvl6pPr marL="2286000" indent="0" algn="ctr" defTabSz="914400" rtl="0" eaLnBrk="1" latinLnBrk="0" hangingPunct="1">
+              <a:lnSpc>
+                <a:spcPct val="90000"/>
+              </a:lnSpc>
+              <a:spcBef>
+                <a:spcPts val="500"/>
+              </a:spcBef>
+              <a:buFont typeface="Arial" panose="020B0604020202020204" pitchFamily="34" charset="0"/>
+              <a:buNone/>
+              <a:defRPr sz="1600" kern="1200">
+                <a:solidFill>
+                  <a:schemeClr val="tx1"/>
+                </a:solidFill>
+                <a:latin typeface="+mn-lt"/>
+                <a:ea typeface="+mn-ea"/>
+                <a:cs typeface="+mn-cs"/>
+              </a:defRPr>
+            </a:lvl6pPr>
+            <a:lvl7pPr marL="2743200" indent="0" algn="ctr" defTabSz="914400" rtl="0" eaLnBrk="1" latinLnBrk="0" hangingPunct="1">
+              <a:lnSpc>
+                <a:spcPct val="90000"/>
+              </a:lnSpc>
+              <a:spcBef>
+                <a:spcPts val="500"/>
+              </a:spcBef>
+              <a:buFont typeface="Arial" panose="020B0604020202020204" pitchFamily="34" charset="0"/>
+              <a:buNone/>
+              <a:defRPr sz="1600" kern="1200">
+                <a:solidFill>
+                  <a:schemeClr val="tx1"/>
+                </a:solidFill>
+                <a:latin typeface="+mn-lt"/>
+                <a:ea typeface="+mn-ea"/>
+                <a:cs typeface="+mn-cs"/>
+              </a:defRPr>
+            </a:lvl7pPr>
+            <a:lvl8pPr marL="3200400" indent="0" algn="ctr" defTabSz="914400" rtl="0" eaLnBrk="1" latinLnBrk="0" hangingPunct="1">
+              <a:lnSpc>
+                <a:spcPct val="90000"/>
+              </a:lnSpc>
+              <a:spcBef>
+                <a:spcPts val="500"/>
+              </a:spcBef>
+              <a:buFont typeface="Arial" panose="020B0604020202020204" pitchFamily="34" charset="0"/>
+              <a:buNone/>
+              <a:defRPr sz="1600" kern="1200">
+                <a:solidFill>
+                  <a:schemeClr val="tx1"/>
+                </a:solidFill>
+                <a:latin typeface="+mn-lt"/>
+                <a:ea typeface="+mn-ea"/>
+                <a:cs typeface="+mn-cs"/>
+              </a:defRPr>
+            </a:lvl8pPr>
+            <a:lvl9pPr marL="3657600" indent="0" algn="ctr" defTabSz="914400" rtl="0" eaLnBrk="1" latinLnBrk="0" hangingPunct="1">
+              <a:lnSpc>
+                <a:spcPct val="90000"/>
+              </a:lnSpc>
+              <a:spcBef>
+                <a:spcPts val="500"/>
+              </a:spcBef>
+              <a:buFont typeface="Arial" panose="020B0604020202020204" pitchFamily="34" charset="0"/>
+              <a:buNone/>
+              <a:defRPr sz="1600" kern="1200">
+                <a:solidFill>
+                  <a:schemeClr val="tx1"/>
+                </a:solidFill>
+                <a:latin typeface="+mn-lt"/>
+                <a:ea typeface="+mn-ea"/>
+                <a:cs typeface="+mn-cs"/>
+              </a:defRPr>
+            </a:lvl9pPr>
+          </a:lstStyle>
+          <a:p>
+            <a:r>
+              <a:rPr lang="en-US" sz="2000" b="1" dirty="0">
+                <a:solidFill>
+                  <a:schemeClr val="bg1"/>
+                </a:solidFill>
+                <a:latin typeface="Segoe UI Light" panose="020B0502040204020203" pitchFamily="34" charset="0"/>
+                <a:cs typeface="Segoe UI Light" panose="020B0502040204020203" pitchFamily="34" charset="0"/>
+              </a:rPr>
+              <a:t>VS</a:t>
+            </a:r>
+          </a:p>
+        </p:txBody>
+      </p:sp>
+      <p:sp>
+        <p:nvSpPr>
+          <p:cNvPr id="15" name="Subtitle 2">
+            <a:extLst>
+              <a:ext uri="{FF2B5EF4-FFF2-40B4-BE49-F238E27FC236}">
+                <a16:creationId xmlns:a16="http://schemas.microsoft.com/office/drawing/2014/main" id="{20939731-D3B7-4A28-B941-216A5F2FD525}"/>
+              </a:ext>
+            </a:extLst>
+          </p:cNvPr>
+          <p:cNvSpPr txBox="1">
+            <a:spLocks/>
+          </p:cNvSpPr>
+          <p:nvPr/>
+        </p:nvSpPr>
+        <p:spPr>
+          <a:xfrm>
+            <a:off x="738908" y="2631390"/>
+            <a:ext cx="4368801" cy="2042969"/>
+          </a:xfrm>
+          <a:prstGeom prst="rect">
+            <a:avLst/>
+          </a:prstGeom>
+        </p:spPr>
+        <p:txBody>
+          <a:bodyPr vert="horz" lIns="91440" tIns="45720" rIns="91440" bIns="45720" rtlCol="0" anchor="ctr">
+            <a:noAutofit/>
+          </a:bodyPr>
+          <a:lstStyle>
+            <a:lvl1pPr marL="0" indent="0" algn="ctr" defTabSz="914400" rtl="0" eaLnBrk="1" latinLnBrk="0" hangingPunct="1">
+              <a:lnSpc>
+                <a:spcPct val="90000"/>
+              </a:lnSpc>
+              <a:spcBef>
+                <a:spcPts val="1000"/>
+              </a:spcBef>
+              <a:buFont typeface="Arial" panose="020B0604020202020204" pitchFamily="34" charset="0"/>
+              <a:buNone/>
+              <a:defRPr sz="2400" kern="1200">
+                <a:solidFill>
+                  <a:schemeClr val="tx1"/>
+                </a:solidFill>
+                <a:latin typeface="+mn-lt"/>
+                <a:ea typeface="+mn-ea"/>
+                <a:cs typeface="+mn-cs"/>
+              </a:defRPr>
+            </a:lvl1pPr>
+            <a:lvl2pPr marL="457200" indent="0" algn="ctr" defTabSz="914400" rtl="0" eaLnBrk="1" latinLnBrk="0" hangingPunct="1">
+              <a:lnSpc>
+                <a:spcPct val="90000"/>
+              </a:lnSpc>
+              <a:spcBef>
+                <a:spcPts val="500"/>
+              </a:spcBef>
+              <a:buFont typeface="Arial" panose="020B0604020202020204" pitchFamily="34" charset="0"/>
+              <a:buNone/>
+              <a:defRPr sz="2000" kern="1200">
+                <a:solidFill>
+                  <a:schemeClr val="tx1"/>
+                </a:solidFill>
+                <a:latin typeface="+mn-lt"/>
+                <a:ea typeface="+mn-ea"/>
+                <a:cs typeface="+mn-cs"/>
+              </a:defRPr>
+            </a:lvl2pPr>
+            <a:lvl3pPr marL="914400" indent="0" algn="ctr" defTabSz="914400" rtl="0" eaLnBrk="1" latinLnBrk="0" hangingPunct="1">
+              <a:lnSpc>
+                <a:spcPct val="90000"/>
+              </a:lnSpc>
+              <a:spcBef>
+                <a:spcPts val="500"/>
+              </a:spcBef>
+              <a:buFont typeface="Arial" panose="020B0604020202020204" pitchFamily="34" charset="0"/>
+              <a:buNone/>
+              <a:defRPr sz="1800" kern="1200">
+                <a:solidFill>
+                  <a:schemeClr val="tx1"/>
+                </a:solidFill>
+                <a:latin typeface="+mn-lt"/>
+                <a:ea typeface="+mn-ea"/>
+                <a:cs typeface="+mn-cs"/>
+              </a:defRPr>
+            </a:lvl3pPr>
+            <a:lvl4pPr marL="1371600" indent="0" algn="ctr" defTabSz="914400" rtl="0" eaLnBrk="1" latinLnBrk="0" hangingPunct="1">
+              <a:lnSpc>
+                <a:spcPct val="90000"/>
+              </a:lnSpc>
+              <a:spcBef>
+                <a:spcPts val="500"/>
+              </a:spcBef>
+              <a:buFont typeface="Arial" panose="020B0604020202020204" pitchFamily="34" charset="0"/>
+              <a:buNone/>
+              <a:defRPr sz="1600" kern="1200">
+                <a:solidFill>
+                  <a:schemeClr val="tx1"/>
+                </a:solidFill>
+                <a:latin typeface="+mn-lt"/>
+                <a:ea typeface="+mn-ea"/>
+                <a:cs typeface="+mn-cs"/>
+              </a:defRPr>
+            </a:lvl4pPr>
+            <a:lvl5pPr marL="1828800" indent="0" algn="ctr" defTabSz="914400" rtl="0" eaLnBrk="1" latinLnBrk="0" hangingPunct="1">
+              <a:lnSpc>
+                <a:spcPct val="90000"/>
+              </a:lnSpc>
+              <a:spcBef>
+                <a:spcPts val="500"/>
+              </a:spcBef>
+              <a:buFont typeface="Arial" panose="020B0604020202020204" pitchFamily="34" charset="0"/>
+              <a:buNone/>
+              <a:defRPr sz="1600" kern="1200">
+                <a:solidFill>
+                  <a:schemeClr val="tx1"/>
+                </a:solidFill>
+                <a:latin typeface="+mn-lt"/>
+                <a:ea typeface="+mn-ea"/>
+                <a:cs typeface="+mn-cs"/>
+              </a:defRPr>
+            </a:lvl5pPr>
+            <a:lvl6pPr marL="2286000" indent="0" algn="ctr" defTabSz="914400" rtl="0" eaLnBrk="1" latinLnBrk="0" hangingPunct="1">
+              <a:lnSpc>
+                <a:spcPct val="90000"/>
+              </a:lnSpc>
+              <a:spcBef>
+                <a:spcPts val="500"/>
+              </a:spcBef>
+              <a:buFont typeface="Arial" panose="020B0604020202020204" pitchFamily="34" charset="0"/>
+              <a:buNone/>
+              <a:defRPr sz="1600" kern="1200">
+                <a:solidFill>
+                  <a:schemeClr val="tx1"/>
+                </a:solidFill>
+                <a:latin typeface="+mn-lt"/>
+                <a:ea typeface="+mn-ea"/>
+                <a:cs typeface="+mn-cs"/>
+              </a:defRPr>
+            </a:lvl6pPr>
+            <a:lvl7pPr marL="2743200" indent="0" algn="ctr" defTabSz="914400" rtl="0" eaLnBrk="1" latinLnBrk="0" hangingPunct="1">
+              <a:lnSpc>
+                <a:spcPct val="90000"/>
+              </a:lnSpc>
+              <a:spcBef>
+                <a:spcPts val="500"/>
+              </a:spcBef>
+              <a:buFont typeface="Arial" panose="020B0604020202020204" pitchFamily="34" charset="0"/>
+              <a:buNone/>
+              <a:defRPr sz="1600" kern="1200">
+                <a:solidFill>
+                  <a:schemeClr val="tx1"/>
+                </a:solidFill>
+                <a:latin typeface="+mn-lt"/>
+                <a:ea typeface="+mn-ea"/>
+                <a:cs typeface="+mn-cs"/>
+              </a:defRPr>
+            </a:lvl7pPr>
+            <a:lvl8pPr marL="3200400" indent="0" algn="ctr" defTabSz="914400" rtl="0" eaLnBrk="1" latinLnBrk="0" hangingPunct="1">
+              <a:lnSpc>
+                <a:spcPct val="90000"/>
+              </a:lnSpc>
+              <a:spcBef>
+                <a:spcPts val="500"/>
+              </a:spcBef>
+              <a:buFont typeface="Arial" panose="020B0604020202020204" pitchFamily="34" charset="0"/>
+              <a:buNone/>
+              <a:defRPr sz="1600" kern="1200">
+                <a:solidFill>
+                  <a:schemeClr val="tx1"/>
+                </a:solidFill>
+                <a:latin typeface="+mn-lt"/>
+                <a:ea typeface="+mn-ea"/>
+                <a:cs typeface="+mn-cs"/>
+              </a:defRPr>
+            </a:lvl8pPr>
+            <a:lvl9pPr marL="3657600" indent="0" algn="ctr" defTabSz="914400" rtl="0" eaLnBrk="1" latinLnBrk="0" hangingPunct="1">
+              <a:lnSpc>
+                <a:spcPct val="90000"/>
+              </a:lnSpc>
+              <a:spcBef>
+                <a:spcPts val="500"/>
+              </a:spcBef>
+              <a:buFont typeface="Arial" panose="020B0604020202020204" pitchFamily="34" charset="0"/>
+              <a:buNone/>
+              <a:defRPr sz="1600" kern="1200">
+                <a:solidFill>
+                  <a:schemeClr val="tx1"/>
+                </a:solidFill>
+                <a:latin typeface="+mn-lt"/>
+                <a:ea typeface="+mn-ea"/>
+                <a:cs typeface="+mn-cs"/>
+              </a:defRPr>
+            </a:lvl9pPr>
+          </a:lstStyle>
+          <a:p>
+            <a:pPr marL="285750" indent="-285750" algn="l">
+              <a:lnSpc>
+                <a:spcPct val="150000"/>
+              </a:lnSpc>
+              <a:buFont typeface="Arial" panose="020B0604020202020204" pitchFamily="34" charset="0"/>
+              <a:buChar char="•"/>
+            </a:pPr>
+            <a:r>
+              <a:rPr lang="en-US" sz="1600" dirty="0">
+                <a:latin typeface="Segoe UI Light" panose="020B0502040204020203" pitchFamily="34" charset="0"/>
+                <a:cs typeface="Segoe UI Light" panose="020B0502040204020203" pitchFamily="34" charset="0"/>
+              </a:rPr>
+              <a:t>Lack of </a:t>
+            </a:r>
+            <a:r>
+              <a:rPr lang="en-US" sz="1600" b="1" dirty="0">
+                <a:latin typeface="Segoe UI Light" panose="020B0502040204020203" pitchFamily="34" charset="0"/>
+                <a:cs typeface="Segoe UI Light" panose="020B0502040204020203" pitchFamily="34" charset="0"/>
+              </a:rPr>
+              <a:t>integration</a:t>
+            </a:r>
+            <a:r>
+              <a:rPr lang="en-US" sz="1600" dirty="0">
+                <a:latin typeface="Segoe UI Light" panose="020B0502040204020203" pitchFamily="34" charset="0"/>
+                <a:cs typeface="Segoe UI Light" panose="020B0502040204020203" pitchFamily="34" charset="0"/>
+              </a:rPr>
+              <a:t> &amp; </a:t>
+            </a:r>
+            <a:r>
+              <a:rPr lang="en-US" sz="1600" b="1" dirty="0">
+                <a:latin typeface="Segoe UI Light" panose="020B0502040204020203" pitchFamily="34" charset="0"/>
+                <a:cs typeface="Segoe UI Light" panose="020B0502040204020203" pitchFamily="34" charset="0"/>
+              </a:rPr>
+              <a:t>communication </a:t>
+            </a:r>
+            <a:r>
+              <a:rPr lang="en-US" sz="1600" dirty="0">
+                <a:latin typeface="Segoe UI Light" panose="020B0502040204020203" pitchFamily="34" charset="0"/>
+                <a:cs typeface="Segoe UI Light" panose="020B0502040204020203" pitchFamily="34" charset="0"/>
+              </a:rPr>
+              <a:t>of modules.</a:t>
+            </a:r>
+          </a:p>
+          <a:p>
+            <a:pPr marL="285750" indent="-285750" algn="l">
+              <a:lnSpc>
+                <a:spcPct val="150000"/>
+              </a:lnSpc>
+              <a:buFont typeface="Arial" panose="020B0604020202020204" pitchFamily="34" charset="0"/>
+              <a:buChar char="•"/>
+            </a:pPr>
+            <a:r>
+              <a:rPr lang="en-US" sz="1600" dirty="0">
+                <a:latin typeface="Segoe UI Light" panose="020B0502040204020203" pitchFamily="34" charset="0"/>
+                <a:cs typeface="Segoe UI Light" panose="020B0502040204020203" pitchFamily="34" charset="0"/>
+              </a:rPr>
+              <a:t>Complexity of the </a:t>
+            </a:r>
+            <a:r>
+              <a:rPr lang="en-US" sz="1600" b="1" dirty="0">
+                <a:latin typeface="Segoe UI Light" panose="020B0502040204020203" pitchFamily="34" charset="0"/>
+                <a:cs typeface="Segoe UI Light" panose="020B0502040204020203" pitchFamily="34" charset="0"/>
+              </a:rPr>
+              <a:t>infrastructure</a:t>
+            </a:r>
+            <a:r>
+              <a:rPr lang="en-US" sz="1600" dirty="0">
+                <a:latin typeface="Segoe UI Light" panose="020B0502040204020203" pitchFamily="34" charset="0"/>
+                <a:cs typeface="Segoe UI Light" panose="020B0502040204020203" pitchFamily="34" charset="0"/>
+              </a:rPr>
+              <a:t> – needs to a </a:t>
+            </a:r>
+            <a:r>
+              <a:rPr lang="en-US" sz="1600" b="1" dirty="0">
+                <a:latin typeface="Segoe UI Light" panose="020B0502040204020203" pitchFamily="34" charset="0"/>
+                <a:cs typeface="Segoe UI Light" panose="020B0502040204020203" pitchFamily="34" charset="0"/>
+              </a:rPr>
+              <a:t>framework</a:t>
+            </a:r>
+            <a:r>
+              <a:rPr lang="en-US" sz="1600" dirty="0">
+                <a:latin typeface="Segoe UI Light" panose="020B0502040204020203" pitchFamily="34" charset="0"/>
+                <a:cs typeface="Segoe UI Light" panose="020B0502040204020203" pitchFamily="34" charset="0"/>
+              </a:rPr>
+              <a:t>!</a:t>
+            </a:r>
+          </a:p>
+        </p:txBody>
+      </p:sp>
+    </p:spTree>
+    <p:extLst>
+      <p:ext uri="{BB962C8B-B14F-4D97-AF65-F5344CB8AC3E}">
+        <p14:creationId xmlns:p14="http://schemas.microsoft.com/office/powerpoint/2010/main" val="1408779957"/>
+      </p:ext>
+    </p:extLst>
+  </p:cSld>
+  <p:clrMapOvr>
+    <a:masterClrMapping/>
+  </p:clrMapOvr>
+  <mc:AlternateContent xmlns:mc="http://schemas.openxmlformats.org/markup-compatibility/2006" xmlns:p14="http://schemas.microsoft.com/office/powerpoint/2010/main">
+    <mc:Choice Requires="p14">
+      <p:transition p14:dur="100">
+        <p:cut/>
+      </p:transition>
+    </mc:Choice>
+    <mc:Fallback xmlns="">
+      <p:transition>
+        <p:cut/>
+      </p:transition>
+    </mc:Fallback>
+  </mc:AlternateContent>
+</p:sld>
+</file>
+
+<file path=ppt/slides/slide4.xml><?xml version="1.0" encoding="utf-8"?>
+<p:sld xmlns:a="http://schemas.openxmlformats.org/drawingml/2006/main" xmlns:r="http://schemas.openxmlformats.org/officeDocument/2006/relationships" xmlns:p="http://schemas.openxmlformats.org/presentationml/2006/main">
+  <p:cSld>
+    <p:spTree>
+      <p:nvGrpSpPr>
+        <p:cNvPr id="1" name=""/>
+        <p:cNvGrpSpPr/>
+        <p:nvPr/>
+      </p:nvGrpSpPr>
+      <p:grpSpPr>
+        <a:xfrm>
+          <a:off x="0" y="0"/>
+          <a:ext cx="0" cy="0"/>
+          <a:chOff x="0" y="0"/>
+          <a:chExt cx="0" cy="0"/>
+        </a:xfrm>
+      </p:grpSpPr>
+      <p:pic>
+        <p:nvPicPr>
+          <p:cNvPr id="9" name="Picture 8">
+            <a:extLst>
+              <a:ext uri="{FF2B5EF4-FFF2-40B4-BE49-F238E27FC236}">
+                <a16:creationId xmlns:a16="http://schemas.microsoft.com/office/drawing/2014/main" id="{39E83B63-DAE7-4E06-A56F-CF1576B89936}"/>
+              </a:ext>
+            </a:extLst>
+          </p:cNvPr>
+          <p:cNvPicPr>
+            <a:picLocks noChangeAspect="1"/>
+          </p:cNvPicPr>
+          <p:nvPr/>
+        </p:nvPicPr>
+        <p:blipFill>
+          <a:blip r:embed="rId2">
+            <a:extLst>
+              <a:ext uri="{28A0092B-C50C-407E-A947-70E740481C1C}">
+                <a14:useLocalDpi xmlns:a14="http://schemas.microsoft.com/office/drawing/2010/main" val="0"/>
+              </a:ext>
+            </a:extLst>
+          </a:blip>
+          <a:stretch>
+            <a:fillRect/>
+          </a:stretch>
+        </p:blipFill>
+        <p:spPr>
+          <a:xfrm>
+            <a:off x="0" y="0"/>
+            <a:ext cx="12192000" cy="6858000"/>
+          </a:xfrm>
+          <a:prstGeom prst="rect">
+            <a:avLst/>
+          </a:prstGeom>
+        </p:spPr>
+      </p:pic>
+      <p:sp>
+        <p:nvSpPr>
+          <p:cNvPr id="2" name="Title 1">
+            <a:extLst>
+              <a:ext uri="{FF2B5EF4-FFF2-40B4-BE49-F238E27FC236}">
+                <a16:creationId xmlns:a16="http://schemas.microsoft.com/office/drawing/2014/main" id="{0DE26BD9-3178-4532-BF33-58FE331BE190}"/>
+              </a:ext>
+            </a:extLst>
+          </p:cNvPr>
+          <p:cNvSpPr>
+            <a:spLocks noGrp="1"/>
+          </p:cNvSpPr>
+          <p:nvPr>
+            <p:ph type="ctrTitle"/>
+          </p:nvPr>
+        </p:nvSpPr>
+        <p:spPr>
+          <a:xfrm>
+            <a:off x="738908" y="930564"/>
+            <a:ext cx="4858328" cy="2311400"/>
+          </a:xfrm>
+        </p:spPr>
+        <p:txBody>
+          <a:bodyPr anchor="b">
+            <a:normAutofit/>
+          </a:bodyPr>
+          <a:lstStyle/>
+          <a:p>
+            <a:pPr algn="l"/>
+            <a:r>
+              <a:rPr lang="en-US" sz="4000" b="1" dirty="0">
+                <a:solidFill>
+                  <a:srgbClr val="0041C6"/>
+                </a:solidFill>
+                <a:latin typeface="Segoe UI Semibold" panose="020B0702040204020203" pitchFamily="34" charset="0"/>
+                <a:cs typeface="Segoe UI Semibold" panose="020B0702040204020203" pitchFamily="34" charset="0"/>
+              </a:rPr>
+              <a:t>Monolithic Application</a:t>
+            </a:r>
+          </a:p>
+        </p:txBody>
+      </p:sp>
+      <p:sp>
+        <p:nvSpPr>
+          <p:cNvPr id="5" name="Footer Placeholder 4">
+            <a:extLst>
+              <a:ext uri="{FF2B5EF4-FFF2-40B4-BE49-F238E27FC236}">
+                <a16:creationId xmlns:a16="http://schemas.microsoft.com/office/drawing/2014/main" id="{A3553ADE-3838-4EDB-9F14-97C75DE2198D}"/>
+              </a:ext>
+            </a:extLst>
+          </p:cNvPr>
+          <p:cNvSpPr>
+            <a:spLocks noGrp="1"/>
+          </p:cNvSpPr>
+          <p:nvPr>
+            <p:ph type="ftr" sz="quarter" idx="11"/>
+          </p:nvPr>
+        </p:nvSpPr>
+        <p:spPr>
+          <a:xfrm>
+            <a:off x="0" y="6483927"/>
+            <a:ext cx="4190999" cy="374073"/>
+          </a:xfrm>
+        </p:spPr>
+        <p:txBody>
+          <a:bodyPr/>
+          <a:lstStyle/>
+          <a:p>
+            <a:pPr algn="l"/>
+            <a:r>
+              <a:rPr lang="en-US" dirty="0" err="1">
+                <a:solidFill>
+                  <a:schemeClr val="tx1"/>
+                </a:solidFill>
+                <a:latin typeface="Segoe UI" panose="020B0502040204020203" pitchFamily="34" charset="0"/>
+                <a:cs typeface="Segoe UI" panose="020B0502040204020203" pitchFamily="34" charset="0"/>
+              </a:rPr>
+              <a:t>Halil</a:t>
+            </a:r>
+            <a:r>
+              <a:rPr lang="en-US" dirty="0">
+                <a:solidFill>
+                  <a:schemeClr val="tx1"/>
+                </a:solidFill>
+                <a:latin typeface="Segoe UI" panose="020B0502040204020203" pitchFamily="34" charset="0"/>
+                <a:cs typeface="Segoe UI" panose="020B0502040204020203" pitchFamily="34" charset="0"/>
+              </a:rPr>
+              <a:t> İbrahim KALKAN | @</a:t>
+            </a:r>
+            <a:r>
+              <a:rPr lang="en-US" dirty="0" err="1">
+                <a:solidFill>
+                  <a:schemeClr val="tx1"/>
+                </a:solidFill>
+                <a:latin typeface="Segoe UI" panose="020B0502040204020203" pitchFamily="34" charset="0"/>
+                <a:cs typeface="Segoe UI" panose="020B0502040204020203" pitchFamily="34" charset="0"/>
+              </a:rPr>
+              <a:t>hikalkan</a:t>
+            </a:r>
+            <a:r>
+              <a:rPr lang="en-US" dirty="0">
+                <a:solidFill>
+                  <a:schemeClr val="tx1"/>
+                </a:solidFill>
+                <a:latin typeface="Segoe UI" panose="020B0502040204020203" pitchFamily="34" charset="0"/>
+                <a:cs typeface="Segoe UI" panose="020B0502040204020203" pitchFamily="34" charset="0"/>
+              </a:rPr>
+              <a:t> | </a:t>
+            </a:r>
+            <a:r>
+              <a:rPr lang="en-US" dirty="0" err="1">
+                <a:solidFill>
+                  <a:schemeClr val="tx1"/>
+                </a:solidFill>
+                <a:latin typeface="Segoe UI" panose="020B0502040204020203" pitchFamily="34" charset="0"/>
+                <a:cs typeface="Segoe UI" panose="020B0502040204020203" pitchFamily="34" charset="0"/>
+              </a:rPr>
+              <a:t>Volosoft</a:t>
+            </a:r>
+            <a:r>
+              <a:rPr lang="en-US" dirty="0">
+                <a:solidFill>
+                  <a:schemeClr val="tx1"/>
+                </a:solidFill>
+                <a:latin typeface="Segoe UI" panose="020B0502040204020203" pitchFamily="34" charset="0"/>
+                <a:cs typeface="Segoe UI" panose="020B0502040204020203" pitchFamily="34" charset="0"/>
+              </a:rPr>
+              <a:t> TM</a:t>
+            </a:r>
+          </a:p>
+        </p:txBody>
+      </p:sp>
+      <p:sp>
+        <p:nvSpPr>
+          <p:cNvPr id="11" name="Subtitle 2">
+            <a:extLst>
+              <a:ext uri="{FF2B5EF4-FFF2-40B4-BE49-F238E27FC236}">
+                <a16:creationId xmlns:a16="http://schemas.microsoft.com/office/drawing/2014/main" id="{A769CE0C-E9B4-4049-B22B-C35AD0DD7409}"/>
+              </a:ext>
+            </a:extLst>
+          </p:cNvPr>
+          <p:cNvSpPr txBox="1">
+            <a:spLocks/>
+          </p:cNvSpPr>
+          <p:nvPr/>
+        </p:nvSpPr>
+        <p:spPr>
+          <a:xfrm>
+            <a:off x="3582554" y="2904836"/>
+            <a:ext cx="835891" cy="775853"/>
+          </a:xfrm>
+          <a:prstGeom prst="rect">
+            <a:avLst/>
+          </a:prstGeom>
+        </p:spPr>
+        <p:txBody>
+          <a:bodyPr vert="horz" lIns="91440" tIns="45720" rIns="91440" bIns="45720" rtlCol="0" anchor="ctr">
+            <a:normAutofit/>
+          </a:bodyPr>
+          <a:lstStyle>
+            <a:lvl1pPr marL="0" indent="0" algn="ctr" defTabSz="914400" rtl="0" eaLnBrk="1" latinLnBrk="0" hangingPunct="1">
+              <a:lnSpc>
+                <a:spcPct val="90000"/>
+              </a:lnSpc>
+              <a:spcBef>
+                <a:spcPts val="1000"/>
+              </a:spcBef>
+              <a:buFont typeface="Arial" panose="020B0604020202020204" pitchFamily="34" charset="0"/>
+              <a:buNone/>
+              <a:defRPr sz="2400" kern="1200">
+                <a:solidFill>
+                  <a:schemeClr val="tx1"/>
+                </a:solidFill>
+                <a:latin typeface="+mn-lt"/>
+                <a:ea typeface="+mn-ea"/>
+                <a:cs typeface="+mn-cs"/>
+              </a:defRPr>
+            </a:lvl1pPr>
+            <a:lvl2pPr marL="457200" indent="0" algn="ctr" defTabSz="914400" rtl="0" eaLnBrk="1" latinLnBrk="0" hangingPunct="1">
+              <a:lnSpc>
+                <a:spcPct val="90000"/>
+              </a:lnSpc>
+              <a:spcBef>
+                <a:spcPts val="500"/>
+              </a:spcBef>
+              <a:buFont typeface="Arial" panose="020B0604020202020204" pitchFamily="34" charset="0"/>
+              <a:buNone/>
+              <a:defRPr sz="2000" kern="1200">
+                <a:solidFill>
+                  <a:schemeClr val="tx1"/>
+                </a:solidFill>
+                <a:latin typeface="+mn-lt"/>
+                <a:ea typeface="+mn-ea"/>
+                <a:cs typeface="+mn-cs"/>
+              </a:defRPr>
+            </a:lvl2pPr>
+            <a:lvl3pPr marL="914400" indent="0" algn="ctr" defTabSz="914400" rtl="0" eaLnBrk="1" latinLnBrk="0" hangingPunct="1">
+              <a:lnSpc>
+                <a:spcPct val="90000"/>
+              </a:lnSpc>
+              <a:spcBef>
+                <a:spcPts val="500"/>
+              </a:spcBef>
+              <a:buFont typeface="Arial" panose="020B0604020202020204" pitchFamily="34" charset="0"/>
+              <a:buNone/>
+              <a:defRPr sz="1800" kern="1200">
+                <a:solidFill>
+                  <a:schemeClr val="tx1"/>
+                </a:solidFill>
+                <a:latin typeface="+mn-lt"/>
+                <a:ea typeface="+mn-ea"/>
+                <a:cs typeface="+mn-cs"/>
+              </a:defRPr>
+            </a:lvl3pPr>
+            <a:lvl4pPr marL="1371600" indent="0" algn="ctr" defTabSz="914400" rtl="0" eaLnBrk="1" latinLnBrk="0" hangingPunct="1">
+              <a:lnSpc>
+                <a:spcPct val="90000"/>
+              </a:lnSpc>
+              <a:spcBef>
+                <a:spcPts val="500"/>
+              </a:spcBef>
+              <a:buFont typeface="Arial" panose="020B0604020202020204" pitchFamily="34" charset="0"/>
+              <a:buNone/>
+              <a:defRPr sz="1600" kern="1200">
+                <a:solidFill>
+                  <a:schemeClr val="tx1"/>
+                </a:solidFill>
+                <a:latin typeface="+mn-lt"/>
+                <a:ea typeface="+mn-ea"/>
+                <a:cs typeface="+mn-cs"/>
+              </a:defRPr>
+            </a:lvl4pPr>
+            <a:lvl5pPr marL="1828800" indent="0" algn="ctr" defTabSz="914400" rtl="0" eaLnBrk="1" latinLnBrk="0" hangingPunct="1">
+              <a:lnSpc>
+                <a:spcPct val="90000"/>
+              </a:lnSpc>
+              <a:spcBef>
+                <a:spcPts val="500"/>
+              </a:spcBef>
+              <a:buFont typeface="Arial" panose="020B0604020202020204" pitchFamily="34" charset="0"/>
+              <a:buNone/>
+              <a:defRPr sz="1600" kern="1200">
+                <a:solidFill>
+                  <a:schemeClr val="tx1"/>
+                </a:solidFill>
+                <a:latin typeface="+mn-lt"/>
+                <a:ea typeface="+mn-ea"/>
+                <a:cs typeface="+mn-cs"/>
+              </a:defRPr>
+            </a:lvl5pPr>
+            <a:lvl6pPr marL="2286000" indent="0" algn="ctr" defTabSz="914400" rtl="0" eaLnBrk="1" latinLnBrk="0" hangingPunct="1">
+              <a:lnSpc>
+                <a:spcPct val="90000"/>
+              </a:lnSpc>
+              <a:spcBef>
+                <a:spcPts val="500"/>
+              </a:spcBef>
+              <a:buFont typeface="Arial" panose="020B0604020202020204" pitchFamily="34" charset="0"/>
+              <a:buNone/>
+              <a:defRPr sz="1600" kern="1200">
+                <a:solidFill>
+                  <a:schemeClr val="tx1"/>
+                </a:solidFill>
+                <a:latin typeface="+mn-lt"/>
+                <a:ea typeface="+mn-ea"/>
+                <a:cs typeface="+mn-cs"/>
+              </a:defRPr>
+            </a:lvl6pPr>
+            <a:lvl7pPr marL="2743200" indent="0" algn="ctr" defTabSz="914400" rtl="0" eaLnBrk="1" latinLnBrk="0" hangingPunct="1">
+              <a:lnSpc>
+                <a:spcPct val="90000"/>
+              </a:lnSpc>
+              <a:spcBef>
+                <a:spcPts val="500"/>
+              </a:spcBef>
+              <a:buFont typeface="Arial" panose="020B0604020202020204" pitchFamily="34" charset="0"/>
+              <a:buNone/>
+              <a:defRPr sz="1600" kern="1200">
+                <a:solidFill>
+                  <a:schemeClr val="tx1"/>
+                </a:solidFill>
+                <a:latin typeface="+mn-lt"/>
+                <a:ea typeface="+mn-ea"/>
+                <a:cs typeface="+mn-cs"/>
+              </a:defRPr>
+            </a:lvl7pPr>
+            <a:lvl8pPr marL="3200400" indent="0" algn="ctr" defTabSz="914400" rtl="0" eaLnBrk="1" latinLnBrk="0" hangingPunct="1">
+              <a:lnSpc>
+                <a:spcPct val="90000"/>
+              </a:lnSpc>
+              <a:spcBef>
+                <a:spcPts val="500"/>
+              </a:spcBef>
+              <a:buFont typeface="Arial" panose="020B0604020202020204" pitchFamily="34" charset="0"/>
+              <a:buNone/>
+              <a:defRPr sz="1600" kern="1200">
+                <a:solidFill>
+                  <a:schemeClr val="tx1"/>
+                </a:solidFill>
+                <a:latin typeface="+mn-lt"/>
+                <a:ea typeface="+mn-ea"/>
+                <a:cs typeface="+mn-cs"/>
+              </a:defRPr>
+            </a:lvl8pPr>
+            <a:lvl9pPr marL="3657600" indent="0" algn="ctr" defTabSz="914400" rtl="0" eaLnBrk="1" latinLnBrk="0" hangingPunct="1">
+              <a:lnSpc>
+                <a:spcPct val="90000"/>
+              </a:lnSpc>
+              <a:spcBef>
+                <a:spcPts val="500"/>
+              </a:spcBef>
+              <a:buFont typeface="Arial" panose="020B0604020202020204" pitchFamily="34" charset="0"/>
+              <a:buNone/>
+              <a:defRPr sz="1600" kern="1200">
+                <a:solidFill>
+                  <a:schemeClr val="tx1"/>
+                </a:solidFill>
+                <a:latin typeface="+mn-lt"/>
+                <a:ea typeface="+mn-ea"/>
+                <a:cs typeface="+mn-cs"/>
+              </a:defRPr>
+            </a:lvl9pPr>
+          </a:lstStyle>
+          <a:p>
+            <a:r>
+              <a:rPr lang="en-US" sz="2000" b="1" dirty="0">
+                <a:solidFill>
+                  <a:schemeClr val="bg1"/>
+                </a:solidFill>
+                <a:latin typeface="Segoe UI Light" panose="020B0502040204020203" pitchFamily="34" charset="0"/>
+                <a:cs typeface="Segoe UI Light" panose="020B0502040204020203" pitchFamily="34" charset="0"/>
+              </a:rPr>
+              <a:t>VS</a:t>
+            </a:r>
+          </a:p>
+        </p:txBody>
+      </p:sp>
+      <p:sp>
+        <p:nvSpPr>
+          <p:cNvPr id="15" name="Subtitle 2">
+            <a:extLst>
+              <a:ext uri="{FF2B5EF4-FFF2-40B4-BE49-F238E27FC236}">
+                <a16:creationId xmlns:a16="http://schemas.microsoft.com/office/drawing/2014/main" id="{20939731-D3B7-4A28-B941-216A5F2FD525}"/>
+              </a:ext>
+            </a:extLst>
+          </p:cNvPr>
+          <p:cNvSpPr txBox="1">
+            <a:spLocks/>
+          </p:cNvSpPr>
+          <p:nvPr/>
+        </p:nvSpPr>
+        <p:spPr>
+          <a:xfrm>
+            <a:off x="738908" y="3173267"/>
+            <a:ext cx="4368801" cy="2042969"/>
+          </a:xfrm>
+          <a:prstGeom prst="rect">
+            <a:avLst/>
+          </a:prstGeom>
+        </p:spPr>
+        <p:txBody>
+          <a:bodyPr vert="horz" lIns="91440" tIns="45720" rIns="91440" bIns="45720" rtlCol="0" anchor="ctr">
+            <a:noAutofit/>
+          </a:bodyPr>
+          <a:lstStyle>
+            <a:lvl1pPr marL="0" indent="0" algn="ctr" defTabSz="914400" rtl="0" eaLnBrk="1" latinLnBrk="0" hangingPunct="1">
+              <a:lnSpc>
+                <a:spcPct val="90000"/>
+              </a:lnSpc>
+              <a:spcBef>
+                <a:spcPts val="1000"/>
+              </a:spcBef>
+              <a:buFont typeface="Arial" panose="020B0604020202020204" pitchFamily="34" charset="0"/>
+              <a:buNone/>
+              <a:defRPr sz="2400" kern="1200">
+                <a:solidFill>
+                  <a:schemeClr val="tx1"/>
+                </a:solidFill>
+                <a:latin typeface="+mn-lt"/>
+                <a:ea typeface="+mn-ea"/>
+                <a:cs typeface="+mn-cs"/>
+              </a:defRPr>
+            </a:lvl1pPr>
+            <a:lvl2pPr marL="457200" indent="0" algn="ctr" defTabSz="914400" rtl="0" eaLnBrk="1" latinLnBrk="0" hangingPunct="1">
+              <a:lnSpc>
+                <a:spcPct val="90000"/>
+              </a:lnSpc>
+              <a:spcBef>
+                <a:spcPts val="500"/>
+              </a:spcBef>
+              <a:buFont typeface="Arial" panose="020B0604020202020204" pitchFamily="34" charset="0"/>
+              <a:buNone/>
+              <a:defRPr sz="2000" kern="1200">
+                <a:solidFill>
+                  <a:schemeClr val="tx1"/>
+                </a:solidFill>
+                <a:latin typeface="+mn-lt"/>
+                <a:ea typeface="+mn-ea"/>
+                <a:cs typeface="+mn-cs"/>
+              </a:defRPr>
+            </a:lvl2pPr>
+            <a:lvl3pPr marL="914400" indent="0" algn="ctr" defTabSz="914400" rtl="0" eaLnBrk="1" latinLnBrk="0" hangingPunct="1">
+              <a:lnSpc>
+                <a:spcPct val="90000"/>
+              </a:lnSpc>
+              <a:spcBef>
+                <a:spcPts val="500"/>
+              </a:spcBef>
+              <a:buFont typeface="Arial" panose="020B0604020202020204" pitchFamily="34" charset="0"/>
+              <a:buNone/>
+              <a:defRPr sz="1800" kern="1200">
+                <a:solidFill>
+                  <a:schemeClr val="tx1"/>
+                </a:solidFill>
+                <a:latin typeface="+mn-lt"/>
+                <a:ea typeface="+mn-ea"/>
+                <a:cs typeface="+mn-cs"/>
+              </a:defRPr>
+            </a:lvl3pPr>
+            <a:lvl4pPr marL="1371600" indent="0" algn="ctr" defTabSz="914400" rtl="0" eaLnBrk="1" latinLnBrk="0" hangingPunct="1">
+              <a:lnSpc>
+                <a:spcPct val="90000"/>
+              </a:lnSpc>
+              <a:spcBef>
+                <a:spcPts val="500"/>
+              </a:spcBef>
+              <a:buFont typeface="Arial" panose="020B0604020202020204" pitchFamily="34" charset="0"/>
+              <a:buNone/>
+              <a:defRPr sz="1600" kern="1200">
+                <a:solidFill>
+                  <a:schemeClr val="tx1"/>
+                </a:solidFill>
+                <a:latin typeface="+mn-lt"/>
+                <a:ea typeface="+mn-ea"/>
+                <a:cs typeface="+mn-cs"/>
+              </a:defRPr>
+            </a:lvl4pPr>
+            <a:lvl5pPr marL="1828800" indent="0" algn="ctr" defTabSz="914400" rtl="0" eaLnBrk="1" latinLnBrk="0" hangingPunct="1">
+              <a:lnSpc>
+                <a:spcPct val="90000"/>
+              </a:lnSpc>
+              <a:spcBef>
+                <a:spcPts val="500"/>
+              </a:spcBef>
+              <a:buFont typeface="Arial" panose="020B0604020202020204" pitchFamily="34" charset="0"/>
+              <a:buNone/>
+              <a:defRPr sz="1600" kern="1200">
+                <a:solidFill>
+                  <a:schemeClr val="tx1"/>
+                </a:solidFill>
+                <a:latin typeface="+mn-lt"/>
+                <a:ea typeface="+mn-ea"/>
+                <a:cs typeface="+mn-cs"/>
+              </a:defRPr>
+            </a:lvl5pPr>
+            <a:lvl6pPr marL="2286000" indent="0" algn="ctr" defTabSz="914400" rtl="0" eaLnBrk="1" latinLnBrk="0" hangingPunct="1">
+              <a:lnSpc>
+                <a:spcPct val="90000"/>
+              </a:lnSpc>
+              <a:spcBef>
+                <a:spcPts val="500"/>
+              </a:spcBef>
+              <a:buFont typeface="Arial" panose="020B0604020202020204" pitchFamily="34" charset="0"/>
+              <a:buNone/>
+              <a:defRPr sz="1600" kern="1200">
+                <a:solidFill>
+                  <a:schemeClr val="tx1"/>
+                </a:solidFill>
+                <a:latin typeface="+mn-lt"/>
+                <a:ea typeface="+mn-ea"/>
+                <a:cs typeface="+mn-cs"/>
+              </a:defRPr>
+            </a:lvl6pPr>
+            <a:lvl7pPr marL="2743200" indent="0" algn="ctr" defTabSz="914400" rtl="0" eaLnBrk="1" latinLnBrk="0" hangingPunct="1">
+              <a:lnSpc>
+                <a:spcPct val="90000"/>
+              </a:lnSpc>
+              <a:spcBef>
+                <a:spcPts val="500"/>
+              </a:spcBef>
+              <a:buFont typeface="Arial" panose="020B0604020202020204" pitchFamily="34" charset="0"/>
+              <a:buNone/>
+              <a:defRPr sz="1600" kern="1200">
+                <a:solidFill>
+                  <a:schemeClr val="tx1"/>
+                </a:solidFill>
+                <a:latin typeface="+mn-lt"/>
+                <a:ea typeface="+mn-ea"/>
+                <a:cs typeface="+mn-cs"/>
+              </a:defRPr>
+            </a:lvl7pPr>
+            <a:lvl8pPr marL="3200400" indent="0" algn="ctr" defTabSz="914400" rtl="0" eaLnBrk="1" latinLnBrk="0" hangingPunct="1">
+              <a:lnSpc>
+                <a:spcPct val="90000"/>
+              </a:lnSpc>
+              <a:spcBef>
+                <a:spcPts val="500"/>
+              </a:spcBef>
+              <a:buFont typeface="Arial" panose="020B0604020202020204" pitchFamily="34" charset="0"/>
+              <a:buNone/>
+              <a:defRPr sz="1600" kern="1200">
+                <a:solidFill>
+                  <a:schemeClr val="tx1"/>
+                </a:solidFill>
+                <a:latin typeface="+mn-lt"/>
+                <a:ea typeface="+mn-ea"/>
+                <a:cs typeface="+mn-cs"/>
+              </a:defRPr>
+            </a:lvl8pPr>
+            <a:lvl9pPr marL="3657600" indent="0" algn="ctr" defTabSz="914400" rtl="0" eaLnBrk="1" latinLnBrk="0" hangingPunct="1">
+              <a:lnSpc>
+                <a:spcPct val="90000"/>
+              </a:lnSpc>
+              <a:spcBef>
+                <a:spcPts val="500"/>
+              </a:spcBef>
+              <a:buFont typeface="Arial" panose="020B0604020202020204" pitchFamily="34" charset="0"/>
+              <a:buNone/>
+              <a:defRPr sz="1600" kern="1200">
+                <a:solidFill>
+                  <a:schemeClr val="tx1"/>
+                </a:solidFill>
+                <a:latin typeface="+mn-lt"/>
+                <a:ea typeface="+mn-ea"/>
+                <a:cs typeface="+mn-cs"/>
+              </a:defRPr>
+            </a:lvl9pPr>
+          </a:lstStyle>
+          <a:p>
+            <a:pPr marL="285750" indent="-285750" algn="l">
+              <a:lnSpc>
+                <a:spcPct val="150000"/>
+              </a:lnSpc>
+              <a:buFont typeface="Arial" panose="020B0604020202020204" pitchFamily="34" charset="0"/>
+              <a:buChar char="•"/>
+            </a:pPr>
+            <a:r>
+              <a:rPr lang="en-US" sz="1600" dirty="0">
+                <a:latin typeface="Segoe UI Light" panose="020B0502040204020203" pitchFamily="34" charset="0"/>
+                <a:cs typeface="Segoe UI Light" panose="020B0502040204020203" pitchFamily="34" charset="0"/>
+              </a:rPr>
+              <a:t>Services directly </a:t>
+            </a:r>
+            <a:r>
+              <a:rPr lang="en-US" sz="1600" b="1" dirty="0">
+                <a:latin typeface="Segoe UI Light" panose="020B0502040204020203" pitchFamily="34" charset="0"/>
+                <a:cs typeface="Segoe UI Light" panose="020B0502040204020203" pitchFamily="34" charset="0"/>
+              </a:rPr>
+              <a:t>injects</a:t>
+            </a:r>
+            <a:r>
+              <a:rPr lang="en-US" sz="1600" dirty="0">
+                <a:latin typeface="Segoe UI Light" panose="020B0502040204020203" pitchFamily="34" charset="0"/>
+                <a:cs typeface="Segoe UI Light" panose="020B0502040204020203" pitchFamily="34" charset="0"/>
+              </a:rPr>
+              <a:t> &amp; use other services.</a:t>
+            </a:r>
+          </a:p>
+          <a:p>
+            <a:pPr marL="285750" indent="-285750" algn="l">
+              <a:lnSpc>
+                <a:spcPct val="150000"/>
+              </a:lnSpc>
+              <a:buFont typeface="Arial" panose="020B0604020202020204" pitchFamily="34" charset="0"/>
+              <a:buChar char="•"/>
+            </a:pPr>
+            <a:r>
+              <a:rPr lang="en-US" sz="1600" b="1" dirty="0">
+                <a:latin typeface="Segoe UI Light" panose="020B0502040204020203" pitchFamily="34" charset="0"/>
+                <a:cs typeface="Segoe UI Light" panose="020B0502040204020203" pitchFamily="34" charset="0"/>
+              </a:rPr>
+              <a:t>Developed</a:t>
+            </a:r>
+            <a:r>
+              <a:rPr lang="en-US" sz="1600" dirty="0">
+                <a:latin typeface="Segoe UI Light" panose="020B0502040204020203" pitchFamily="34" charset="0"/>
+                <a:cs typeface="Segoe UI Light" panose="020B0502040204020203" pitchFamily="34" charset="0"/>
+              </a:rPr>
+              <a:t> and </a:t>
+            </a:r>
+            <a:r>
+              <a:rPr lang="en-US" sz="1600" b="1" dirty="0">
+                <a:latin typeface="Segoe UI Light" panose="020B0502040204020203" pitchFamily="34" charset="0"/>
+                <a:cs typeface="Segoe UI Light" panose="020B0502040204020203" pitchFamily="34" charset="0"/>
+              </a:rPr>
+              <a:t>deployed</a:t>
+            </a:r>
+            <a:r>
+              <a:rPr lang="en-US" sz="1600" dirty="0">
+                <a:latin typeface="Segoe UI Light" panose="020B0502040204020203" pitchFamily="34" charset="0"/>
+                <a:cs typeface="Segoe UI Light" panose="020B0502040204020203" pitchFamily="34" charset="0"/>
+              </a:rPr>
+              <a:t> as a single unit.</a:t>
+            </a:r>
+          </a:p>
+        </p:txBody>
+      </p:sp>
+    </p:spTree>
+    <p:extLst>
+      <p:ext uri="{BB962C8B-B14F-4D97-AF65-F5344CB8AC3E}">
+        <p14:creationId xmlns:p14="http://schemas.microsoft.com/office/powerpoint/2010/main" val="1869808668"/>
+      </p:ext>
+    </p:extLst>
+  </p:cSld>
+  <p:clrMapOvr>
+    <a:masterClrMapping/>
+  </p:clrMapOvr>
+  <mc:AlternateContent xmlns:mc="http://schemas.openxmlformats.org/markup-compatibility/2006" xmlns:p14="http://schemas.microsoft.com/office/powerpoint/2010/main">
+    <mc:Choice Requires="p14">
+      <p:transition p14:dur="100">
+        <p:cut/>
+      </p:transition>
+    </mc:Choice>
+    <mc:Fallback xmlns="">
+      <p:transition>
+        <p:cut/>
+      </p:transition>
+    </mc:Fallback>
+  </mc:AlternateContent>
+</p:sld>
+</file>
+
+<file path=ppt/slides/slide5.xml><?xml version="1.0" encoding="utf-8"?>
+<p:sld xmlns:a="http://schemas.openxmlformats.org/drawingml/2006/main" xmlns:r="http://schemas.openxmlformats.org/officeDocument/2006/relationships" xmlns:p="http://schemas.openxmlformats.org/presentationml/2006/main">
+  <p:cSld>
+    <p:spTree>
+      <p:nvGrpSpPr>
+        <p:cNvPr id="1" name=""/>
+        <p:cNvGrpSpPr/>
+        <p:nvPr/>
+      </p:nvGrpSpPr>
+      <p:grpSpPr>
+        <a:xfrm>
+          <a:off x="0" y="0"/>
+          <a:ext cx="0" cy="0"/>
+          <a:chOff x="0" y="0"/>
+          <a:chExt cx="0" cy="0"/>
+        </a:xfrm>
+      </p:grpSpPr>
+      <p:pic>
+        <p:nvPicPr>
+          <p:cNvPr id="9" name="Picture 8">
+            <a:extLst>
+              <a:ext uri="{FF2B5EF4-FFF2-40B4-BE49-F238E27FC236}">
+                <a16:creationId xmlns:a16="http://schemas.microsoft.com/office/drawing/2014/main" id="{39E83B63-DAE7-4E06-A56F-CF1576B89936}"/>
+              </a:ext>
+            </a:extLst>
+          </p:cNvPr>
+          <p:cNvPicPr>
+            <a:picLocks noChangeAspect="1"/>
+          </p:cNvPicPr>
+          <p:nvPr/>
+        </p:nvPicPr>
+        <p:blipFill>
+          <a:blip r:embed="rId2">
+            <a:extLst>
+              <a:ext uri="{28A0092B-C50C-407E-A947-70E740481C1C}">
+                <a14:useLocalDpi xmlns:a14="http://schemas.microsoft.com/office/drawing/2010/main" val="0"/>
+              </a:ext>
+            </a:extLst>
+          </a:blip>
+          <a:stretch>
+            <a:fillRect/>
+          </a:stretch>
+        </p:blipFill>
+        <p:spPr>
+          <a:xfrm>
+            <a:off x="0" y="0"/>
+            <a:ext cx="12192000" cy="6858000"/>
+          </a:xfrm>
+          <a:prstGeom prst="rect">
+            <a:avLst/>
+          </a:prstGeom>
+        </p:spPr>
+      </p:pic>
+      <p:sp>
+        <p:nvSpPr>
+          <p:cNvPr id="2" name="Title 1">
+            <a:extLst>
+              <a:ext uri="{FF2B5EF4-FFF2-40B4-BE49-F238E27FC236}">
+                <a16:creationId xmlns:a16="http://schemas.microsoft.com/office/drawing/2014/main" id="{0DE26BD9-3178-4532-BF33-58FE331BE190}"/>
+              </a:ext>
+            </a:extLst>
+          </p:cNvPr>
+          <p:cNvSpPr>
+            <a:spLocks noGrp="1"/>
+          </p:cNvSpPr>
+          <p:nvPr>
+            <p:ph type="ctrTitle"/>
+          </p:nvPr>
+        </p:nvSpPr>
+        <p:spPr>
+          <a:xfrm>
+            <a:off x="738908" y="930564"/>
+            <a:ext cx="4858328" cy="2311400"/>
+          </a:xfrm>
+        </p:spPr>
+        <p:txBody>
+          <a:bodyPr anchor="b">
+            <a:normAutofit/>
+          </a:bodyPr>
+          <a:lstStyle/>
+          <a:p>
+            <a:pPr algn="l"/>
+            <a:r>
+              <a:rPr lang="en-US" sz="4000" b="1" dirty="0">
+                <a:latin typeface="Segoe UI Semibold" panose="020B0702040204020203" pitchFamily="34" charset="0"/>
+                <a:cs typeface="Segoe UI Semibold" panose="020B0702040204020203" pitchFamily="34" charset="0"/>
+              </a:rPr>
+              <a:t>Monolithic Application</a:t>
+            </a:r>
+            <a:br>
+              <a:rPr lang="en-US" sz="4000" b="1" dirty="0">
+                <a:solidFill>
+                  <a:srgbClr val="0041C6"/>
+                </a:solidFill>
+                <a:latin typeface="Segoe UI Semibold" panose="020B0702040204020203" pitchFamily="34" charset="0"/>
+                <a:cs typeface="Segoe UI Semibold" panose="020B0702040204020203" pitchFamily="34" charset="0"/>
+              </a:rPr>
+            </a:br>
+            <a:r>
+              <a:rPr lang="en-US" sz="4000" b="1" dirty="0">
+                <a:solidFill>
+                  <a:srgbClr val="0041C6"/>
+                </a:solidFill>
+                <a:latin typeface="Segoe UI Semibold" panose="020B0702040204020203" pitchFamily="34" charset="0"/>
+                <a:cs typeface="Segoe UI Semibold" panose="020B0702040204020203" pitchFamily="34" charset="0"/>
+              </a:rPr>
+              <a:t>Layered Architecture</a:t>
+            </a:r>
+          </a:p>
+        </p:txBody>
+      </p:sp>
+      <p:sp>
+        <p:nvSpPr>
+          <p:cNvPr id="5" name="Footer Placeholder 4">
+            <a:extLst>
+              <a:ext uri="{FF2B5EF4-FFF2-40B4-BE49-F238E27FC236}">
+                <a16:creationId xmlns:a16="http://schemas.microsoft.com/office/drawing/2014/main" id="{A3553ADE-3838-4EDB-9F14-97C75DE2198D}"/>
+              </a:ext>
+            </a:extLst>
+          </p:cNvPr>
+          <p:cNvSpPr>
+            <a:spLocks noGrp="1"/>
+          </p:cNvSpPr>
+          <p:nvPr>
+            <p:ph type="ftr" sz="quarter" idx="11"/>
+          </p:nvPr>
+        </p:nvSpPr>
+        <p:spPr>
+          <a:xfrm>
+            <a:off x="0" y="6483927"/>
+            <a:ext cx="4190999" cy="374073"/>
+          </a:xfrm>
+        </p:spPr>
+        <p:txBody>
+          <a:bodyPr/>
+          <a:lstStyle/>
+          <a:p>
+            <a:pPr algn="l"/>
+            <a:r>
+              <a:rPr lang="en-US" dirty="0" err="1">
+                <a:solidFill>
+                  <a:schemeClr val="tx1"/>
+                </a:solidFill>
+                <a:latin typeface="Segoe UI" panose="020B0502040204020203" pitchFamily="34" charset="0"/>
+                <a:cs typeface="Segoe UI" panose="020B0502040204020203" pitchFamily="34" charset="0"/>
+              </a:rPr>
+              <a:t>Halil</a:t>
+            </a:r>
+            <a:r>
+              <a:rPr lang="en-US" dirty="0">
+                <a:solidFill>
+                  <a:schemeClr val="tx1"/>
+                </a:solidFill>
+                <a:latin typeface="Segoe UI" panose="020B0502040204020203" pitchFamily="34" charset="0"/>
+                <a:cs typeface="Segoe UI" panose="020B0502040204020203" pitchFamily="34" charset="0"/>
+              </a:rPr>
+              <a:t> İbrahim KALKAN | @</a:t>
+            </a:r>
+            <a:r>
+              <a:rPr lang="en-US" dirty="0" err="1">
+                <a:solidFill>
+                  <a:schemeClr val="tx1"/>
+                </a:solidFill>
+                <a:latin typeface="Segoe UI" panose="020B0502040204020203" pitchFamily="34" charset="0"/>
+                <a:cs typeface="Segoe UI" panose="020B0502040204020203" pitchFamily="34" charset="0"/>
+              </a:rPr>
+              <a:t>hikalkan</a:t>
+            </a:r>
+            <a:r>
+              <a:rPr lang="en-US" dirty="0">
+                <a:solidFill>
+                  <a:schemeClr val="tx1"/>
+                </a:solidFill>
+                <a:latin typeface="Segoe UI" panose="020B0502040204020203" pitchFamily="34" charset="0"/>
+                <a:cs typeface="Segoe UI" panose="020B0502040204020203" pitchFamily="34" charset="0"/>
+              </a:rPr>
+              <a:t> | </a:t>
+            </a:r>
+            <a:r>
+              <a:rPr lang="en-US" dirty="0" err="1">
+                <a:solidFill>
+                  <a:schemeClr val="tx1"/>
+                </a:solidFill>
+                <a:latin typeface="Segoe UI" panose="020B0502040204020203" pitchFamily="34" charset="0"/>
+                <a:cs typeface="Segoe UI" panose="020B0502040204020203" pitchFamily="34" charset="0"/>
+              </a:rPr>
+              <a:t>Volosoft</a:t>
+            </a:r>
+            <a:r>
+              <a:rPr lang="en-US" dirty="0">
+                <a:solidFill>
+                  <a:schemeClr val="tx1"/>
+                </a:solidFill>
+                <a:latin typeface="Segoe UI" panose="020B0502040204020203" pitchFamily="34" charset="0"/>
+                <a:cs typeface="Segoe UI" panose="020B0502040204020203" pitchFamily="34" charset="0"/>
+              </a:rPr>
+              <a:t> TM</a:t>
+            </a:r>
+          </a:p>
+        </p:txBody>
+      </p:sp>
+      <p:sp>
+        <p:nvSpPr>
+          <p:cNvPr id="11" name="Subtitle 2">
+            <a:extLst>
+              <a:ext uri="{FF2B5EF4-FFF2-40B4-BE49-F238E27FC236}">
+                <a16:creationId xmlns:a16="http://schemas.microsoft.com/office/drawing/2014/main" id="{A769CE0C-E9B4-4049-B22B-C35AD0DD7409}"/>
+              </a:ext>
+            </a:extLst>
+          </p:cNvPr>
+          <p:cNvSpPr txBox="1">
+            <a:spLocks/>
+          </p:cNvSpPr>
+          <p:nvPr/>
+        </p:nvSpPr>
+        <p:spPr>
+          <a:xfrm>
+            <a:off x="3582554" y="2904836"/>
+            <a:ext cx="835891" cy="775853"/>
+          </a:xfrm>
+          <a:prstGeom prst="rect">
+            <a:avLst/>
+          </a:prstGeom>
+        </p:spPr>
+        <p:txBody>
+          <a:bodyPr vert="horz" lIns="91440" tIns="45720" rIns="91440" bIns="45720" rtlCol="0" anchor="ctr">
+            <a:normAutofit/>
+          </a:bodyPr>
+          <a:lstStyle>
+            <a:lvl1pPr marL="0" indent="0" algn="ctr" defTabSz="914400" rtl="0" eaLnBrk="1" latinLnBrk="0" hangingPunct="1">
+              <a:lnSpc>
+                <a:spcPct val="90000"/>
+              </a:lnSpc>
+              <a:spcBef>
+                <a:spcPts val="1000"/>
+              </a:spcBef>
+              <a:buFont typeface="Arial" panose="020B0604020202020204" pitchFamily="34" charset="0"/>
+              <a:buNone/>
+              <a:defRPr sz="2400" kern="1200">
+                <a:solidFill>
+                  <a:schemeClr val="tx1"/>
+                </a:solidFill>
+                <a:latin typeface="+mn-lt"/>
+                <a:ea typeface="+mn-ea"/>
+                <a:cs typeface="+mn-cs"/>
+              </a:defRPr>
+            </a:lvl1pPr>
+            <a:lvl2pPr marL="457200" indent="0" algn="ctr" defTabSz="914400" rtl="0" eaLnBrk="1" latinLnBrk="0" hangingPunct="1">
+              <a:lnSpc>
+                <a:spcPct val="90000"/>
+              </a:lnSpc>
+              <a:spcBef>
+                <a:spcPts val="500"/>
+              </a:spcBef>
+              <a:buFont typeface="Arial" panose="020B0604020202020204" pitchFamily="34" charset="0"/>
+              <a:buNone/>
+              <a:defRPr sz="2000" kern="1200">
+                <a:solidFill>
+                  <a:schemeClr val="tx1"/>
+                </a:solidFill>
+                <a:latin typeface="+mn-lt"/>
+                <a:ea typeface="+mn-ea"/>
+                <a:cs typeface="+mn-cs"/>
+              </a:defRPr>
+            </a:lvl2pPr>
+            <a:lvl3pPr marL="914400" indent="0" algn="ctr" defTabSz="914400" rtl="0" eaLnBrk="1" latinLnBrk="0" hangingPunct="1">
+              <a:lnSpc>
+                <a:spcPct val="90000"/>
+              </a:lnSpc>
+              <a:spcBef>
+                <a:spcPts val="500"/>
+              </a:spcBef>
+              <a:buFont typeface="Arial" panose="020B0604020202020204" pitchFamily="34" charset="0"/>
+              <a:buNone/>
+              <a:defRPr sz="1800" kern="1200">
+                <a:solidFill>
+                  <a:schemeClr val="tx1"/>
+                </a:solidFill>
+                <a:latin typeface="+mn-lt"/>
+                <a:ea typeface="+mn-ea"/>
+                <a:cs typeface="+mn-cs"/>
+              </a:defRPr>
+            </a:lvl3pPr>
+            <a:lvl4pPr marL="1371600" indent="0" algn="ctr" defTabSz="914400" rtl="0" eaLnBrk="1" latinLnBrk="0" hangingPunct="1">
+              <a:lnSpc>
+                <a:spcPct val="90000"/>
+              </a:lnSpc>
+              <a:spcBef>
+                <a:spcPts val="500"/>
+              </a:spcBef>
+              <a:buFont typeface="Arial" panose="020B0604020202020204" pitchFamily="34" charset="0"/>
+              <a:buNone/>
+              <a:defRPr sz="1600" kern="1200">
+                <a:solidFill>
+                  <a:schemeClr val="tx1"/>
+                </a:solidFill>
+                <a:latin typeface="+mn-lt"/>
+                <a:ea typeface="+mn-ea"/>
+                <a:cs typeface="+mn-cs"/>
+              </a:defRPr>
+            </a:lvl4pPr>
+            <a:lvl5pPr marL="1828800" indent="0" algn="ctr" defTabSz="914400" rtl="0" eaLnBrk="1" latinLnBrk="0" hangingPunct="1">
+              <a:lnSpc>
+                <a:spcPct val="90000"/>
+              </a:lnSpc>
+              <a:spcBef>
+                <a:spcPts val="500"/>
+              </a:spcBef>
+              <a:buFont typeface="Arial" panose="020B0604020202020204" pitchFamily="34" charset="0"/>
+              <a:buNone/>
+              <a:defRPr sz="1600" kern="1200">
+                <a:solidFill>
+                  <a:schemeClr val="tx1"/>
+                </a:solidFill>
+                <a:latin typeface="+mn-lt"/>
+                <a:ea typeface="+mn-ea"/>
+                <a:cs typeface="+mn-cs"/>
+              </a:defRPr>
+            </a:lvl5pPr>
+            <a:lvl6pPr marL="2286000" indent="0" algn="ctr" defTabSz="914400" rtl="0" eaLnBrk="1" latinLnBrk="0" hangingPunct="1">
+              <a:lnSpc>
+                <a:spcPct val="90000"/>
+              </a:lnSpc>
+              <a:spcBef>
+                <a:spcPts val="500"/>
+              </a:spcBef>
+              <a:buFont typeface="Arial" panose="020B0604020202020204" pitchFamily="34" charset="0"/>
+              <a:buNone/>
+              <a:defRPr sz="1600" kern="1200">
+                <a:solidFill>
+                  <a:schemeClr val="tx1"/>
+                </a:solidFill>
+                <a:latin typeface="+mn-lt"/>
+                <a:ea typeface="+mn-ea"/>
+                <a:cs typeface="+mn-cs"/>
+              </a:defRPr>
+            </a:lvl6pPr>
+            <a:lvl7pPr marL="2743200" indent="0" algn="ctr" defTabSz="914400" rtl="0" eaLnBrk="1" latinLnBrk="0" hangingPunct="1">
+              <a:lnSpc>
+                <a:spcPct val="90000"/>
+              </a:lnSpc>
+              <a:spcBef>
+                <a:spcPts val="500"/>
+              </a:spcBef>
+              <a:buFont typeface="Arial" panose="020B0604020202020204" pitchFamily="34" charset="0"/>
+              <a:buNone/>
+              <a:defRPr sz="1600" kern="1200">
+                <a:solidFill>
+                  <a:schemeClr val="tx1"/>
+                </a:solidFill>
+                <a:latin typeface="+mn-lt"/>
+                <a:ea typeface="+mn-ea"/>
+                <a:cs typeface="+mn-cs"/>
+              </a:defRPr>
+            </a:lvl7pPr>
+            <a:lvl8pPr marL="3200400" indent="0" algn="ctr" defTabSz="914400" rtl="0" eaLnBrk="1" latinLnBrk="0" hangingPunct="1">
+              <a:lnSpc>
+                <a:spcPct val="90000"/>
+              </a:lnSpc>
+              <a:spcBef>
+                <a:spcPts val="500"/>
+              </a:spcBef>
+              <a:buFont typeface="Arial" panose="020B0604020202020204" pitchFamily="34" charset="0"/>
+              <a:buNone/>
+              <a:defRPr sz="1600" kern="1200">
+                <a:solidFill>
+                  <a:schemeClr val="tx1"/>
+                </a:solidFill>
+                <a:latin typeface="+mn-lt"/>
+                <a:ea typeface="+mn-ea"/>
+                <a:cs typeface="+mn-cs"/>
+              </a:defRPr>
+            </a:lvl8pPr>
+            <a:lvl9pPr marL="3657600" indent="0" algn="ctr" defTabSz="914400" rtl="0" eaLnBrk="1" latinLnBrk="0" hangingPunct="1">
+              <a:lnSpc>
+                <a:spcPct val="90000"/>
+              </a:lnSpc>
+              <a:spcBef>
+                <a:spcPts val="500"/>
+              </a:spcBef>
+              <a:buFont typeface="Arial" panose="020B0604020202020204" pitchFamily="34" charset="0"/>
+              <a:buNone/>
+              <a:defRPr sz="1600" kern="1200">
+                <a:solidFill>
+                  <a:schemeClr val="tx1"/>
+                </a:solidFill>
+                <a:latin typeface="+mn-lt"/>
+                <a:ea typeface="+mn-ea"/>
+                <a:cs typeface="+mn-cs"/>
+              </a:defRPr>
+            </a:lvl9pPr>
+          </a:lstStyle>
+          <a:p>
+            <a:r>
+              <a:rPr lang="en-US" sz="2000" b="1" dirty="0">
+                <a:solidFill>
+                  <a:schemeClr val="bg1"/>
+                </a:solidFill>
+                <a:latin typeface="Segoe UI Light" panose="020B0502040204020203" pitchFamily="34" charset="0"/>
+                <a:cs typeface="Segoe UI Light" panose="020B0502040204020203" pitchFamily="34" charset="0"/>
+              </a:rPr>
+              <a:t>VS</a:t>
+            </a:r>
+          </a:p>
+        </p:txBody>
+      </p:sp>
+      <p:sp>
+        <p:nvSpPr>
+          <p:cNvPr id="15" name="Subtitle 2">
+            <a:extLst>
+              <a:ext uri="{FF2B5EF4-FFF2-40B4-BE49-F238E27FC236}">
+                <a16:creationId xmlns:a16="http://schemas.microsoft.com/office/drawing/2014/main" id="{20939731-D3B7-4A28-B941-216A5F2FD525}"/>
+              </a:ext>
+            </a:extLst>
+          </p:cNvPr>
+          <p:cNvSpPr txBox="1">
+            <a:spLocks/>
+          </p:cNvSpPr>
+          <p:nvPr/>
+        </p:nvSpPr>
+        <p:spPr>
+          <a:xfrm>
+            <a:off x="738908" y="3173267"/>
+            <a:ext cx="4368801" cy="2042969"/>
+          </a:xfrm>
+          <a:prstGeom prst="rect">
+            <a:avLst/>
+          </a:prstGeom>
+        </p:spPr>
+        <p:txBody>
+          <a:bodyPr vert="horz" lIns="91440" tIns="45720" rIns="91440" bIns="45720" rtlCol="0" anchor="ctr">
+            <a:noAutofit/>
+          </a:bodyPr>
+          <a:lstStyle>
+            <a:lvl1pPr marL="0" indent="0" algn="ctr" defTabSz="914400" rtl="0" eaLnBrk="1" latinLnBrk="0" hangingPunct="1">
+              <a:lnSpc>
+                <a:spcPct val="90000"/>
+              </a:lnSpc>
+              <a:spcBef>
+                <a:spcPts val="1000"/>
+              </a:spcBef>
+              <a:buFont typeface="Arial" panose="020B0604020202020204" pitchFamily="34" charset="0"/>
+              <a:buNone/>
+              <a:defRPr sz="2400" kern="1200">
+                <a:solidFill>
+                  <a:schemeClr val="tx1"/>
+                </a:solidFill>
+                <a:latin typeface="+mn-lt"/>
+                <a:ea typeface="+mn-ea"/>
+                <a:cs typeface="+mn-cs"/>
+              </a:defRPr>
+            </a:lvl1pPr>
+            <a:lvl2pPr marL="457200" indent="0" algn="ctr" defTabSz="914400" rtl="0" eaLnBrk="1" latinLnBrk="0" hangingPunct="1">
+              <a:lnSpc>
+                <a:spcPct val="90000"/>
+              </a:lnSpc>
+              <a:spcBef>
+                <a:spcPts val="500"/>
+              </a:spcBef>
+              <a:buFont typeface="Arial" panose="020B0604020202020204" pitchFamily="34" charset="0"/>
+              <a:buNone/>
+              <a:defRPr sz="2000" kern="1200">
+                <a:solidFill>
+                  <a:schemeClr val="tx1"/>
+                </a:solidFill>
+                <a:latin typeface="+mn-lt"/>
+                <a:ea typeface="+mn-ea"/>
+                <a:cs typeface="+mn-cs"/>
+              </a:defRPr>
+            </a:lvl2pPr>
+            <a:lvl3pPr marL="914400" indent="0" algn="ctr" defTabSz="914400" rtl="0" eaLnBrk="1" latinLnBrk="0" hangingPunct="1">
+              <a:lnSpc>
+                <a:spcPct val="90000"/>
+              </a:lnSpc>
+              <a:spcBef>
+                <a:spcPts val="500"/>
+              </a:spcBef>
+              <a:buFont typeface="Arial" panose="020B0604020202020204" pitchFamily="34" charset="0"/>
+              <a:buNone/>
+              <a:defRPr sz="1800" kern="1200">
+                <a:solidFill>
+                  <a:schemeClr val="tx1"/>
+                </a:solidFill>
+                <a:latin typeface="+mn-lt"/>
+                <a:ea typeface="+mn-ea"/>
+                <a:cs typeface="+mn-cs"/>
+              </a:defRPr>
+            </a:lvl3pPr>
+            <a:lvl4pPr marL="1371600" indent="0" algn="ctr" defTabSz="914400" rtl="0" eaLnBrk="1" latinLnBrk="0" hangingPunct="1">
+              <a:lnSpc>
+                <a:spcPct val="90000"/>
+              </a:lnSpc>
+              <a:spcBef>
+                <a:spcPts val="500"/>
+              </a:spcBef>
+              <a:buFont typeface="Arial" panose="020B0604020202020204" pitchFamily="34" charset="0"/>
+              <a:buNone/>
+              <a:defRPr sz="1600" kern="1200">
+                <a:solidFill>
+                  <a:schemeClr val="tx1"/>
+                </a:solidFill>
+                <a:latin typeface="+mn-lt"/>
+                <a:ea typeface="+mn-ea"/>
+                <a:cs typeface="+mn-cs"/>
+              </a:defRPr>
+            </a:lvl4pPr>
+            <a:lvl5pPr marL="1828800" indent="0" algn="ctr" defTabSz="914400" rtl="0" eaLnBrk="1" latinLnBrk="0" hangingPunct="1">
+              <a:lnSpc>
+                <a:spcPct val="90000"/>
+              </a:lnSpc>
+              <a:spcBef>
+                <a:spcPts val="500"/>
+              </a:spcBef>
+              <a:buFont typeface="Arial" panose="020B0604020202020204" pitchFamily="34" charset="0"/>
+              <a:buNone/>
+              <a:defRPr sz="1600" kern="1200">
+                <a:solidFill>
+                  <a:schemeClr val="tx1"/>
+                </a:solidFill>
+                <a:latin typeface="+mn-lt"/>
+                <a:ea typeface="+mn-ea"/>
+                <a:cs typeface="+mn-cs"/>
+              </a:defRPr>
+            </a:lvl5pPr>
+            <a:lvl6pPr marL="2286000" indent="0" algn="ctr" defTabSz="914400" rtl="0" eaLnBrk="1" latinLnBrk="0" hangingPunct="1">
+              <a:lnSpc>
+                <a:spcPct val="90000"/>
+              </a:lnSpc>
+              <a:spcBef>
+                <a:spcPts val="500"/>
+              </a:spcBef>
+              <a:buFont typeface="Arial" panose="020B0604020202020204" pitchFamily="34" charset="0"/>
+              <a:buNone/>
+              <a:defRPr sz="1600" kern="1200">
+                <a:solidFill>
+                  <a:schemeClr val="tx1"/>
+                </a:solidFill>
+                <a:latin typeface="+mn-lt"/>
+                <a:ea typeface="+mn-ea"/>
+                <a:cs typeface="+mn-cs"/>
+              </a:defRPr>
+            </a:lvl6pPr>
+            <a:lvl7pPr marL="2743200" indent="0" algn="ctr" defTabSz="914400" rtl="0" eaLnBrk="1" latinLnBrk="0" hangingPunct="1">
+              <a:lnSpc>
+                <a:spcPct val="90000"/>
+              </a:lnSpc>
+              <a:spcBef>
+                <a:spcPts val="500"/>
+              </a:spcBef>
+              <a:buFont typeface="Arial" panose="020B0604020202020204" pitchFamily="34" charset="0"/>
+              <a:buNone/>
+              <a:defRPr sz="1600" kern="1200">
+                <a:solidFill>
+                  <a:schemeClr val="tx1"/>
+                </a:solidFill>
+                <a:latin typeface="+mn-lt"/>
+                <a:ea typeface="+mn-ea"/>
+                <a:cs typeface="+mn-cs"/>
+              </a:defRPr>
+            </a:lvl7pPr>
+            <a:lvl8pPr marL="3200400" indent="0" algn="ctr" defTabSz="914400" rtl="0" eaLnBrk="1" latinLnBrk="0" hangingPunct="1">
+              <a:lnSpc>
+                <a:spcPct val="90000"/>
+              </a:lnSpc>
+              <a:spcBef>
+                <a:spcPts val="500"/>
+              </a:spcBef>
+              <a:buFont typeface="Arial" panose="020B0604020202020204" pitchFamily="34" charset="0"/>
+              <a:buNone/>
+              <a:defRPr sz="1600" kern="1200">
+                <a:solidFill>
+                  <a:schemeClr val="tx1"/>
+                </a:solidFill>
+                <a:latin typeface="+mn-lt"/>
+                <a:ea typeface="+mn-ea"/>
+                <a:cs typeface="+mn-cs"/>
+              </a:defRPr>
+            </a:lvl8pPr>
+            <a:lvl9pPr marL="3657600" indent="0" algn="ctr" defTabSz="914400" rtl="0" eaLnBrk="1" latinLnBrk="0" hangingPunct="1">
+              <a:lnSpc>
+                <a:spcPct val="90000"/>
+              </a:lnSpc>
+              <a:spcBef>
+                <a:spcPts val="500"/>
+              </a:spcBef>
+              <a:buFont typeface="Arial" panose="020B0604020202020204" pitchFamily="34" charset="0"/>
+              <a:buNone/>
+              <a:defRPr sz="1600" kern="1200">
+                <a:solidFill>
+                  <a:schemeClr val="tx1"/>
+                </a:solidFill>
+                <a:latin typeface="+mn-lt"/>
+                <a:ea typeface="+mn-ea"/>
+                <a:cs typeface="+mn-cs"/>
+              </a:defRPr>
+            </a:lvl9pPr>
+          </a:lstStyle>
+          <a:p>
+            <a:pPr marL="285750" indent="-285750" algn="l">
+              <a:lnSpc>
+                <a:spcPct val="150000"/>
+              </a:lnSpc>
+              <a:buFont typeface="Arial" panose="020B0604020202020204" pitchFamily="34" charset="0"/>
+              <a:buChar char="•"/>
+            </a:pPr>
+            <a:r>
+              <a:rPr lang="en-US" sz="1600" dirty="0">
+                <a:latin typeface="Segoe UI Light" panose="020B0502040204020203" pitchFamily="34" charset="0"/>
+                <a:cs typeface="Segoe UI Light" panose="020B0502040204020203" pitchFamily="34" charset="0"/>
+              </a:rPr>
+              <a:t>A layer can only depend on the layers below.</a:t>
+            </a:r>
+          </a:p>
+          <a:p>
+            <a:pPr marL="285750" indent="-285750" algn="l">
+              <a:lnSpc>
+                <a:spcPct val="150000"/>
+              </a:lnSpc>
+              <a:buFont typeface="Arial" panose="020B0604020202020204" pitchFamily="34" charset="0"/>
+              <a:buChar char="•"/>
+            </a:pPr>
+            <a:r>
+              <a:rPr lang="en-US" sz="1600" dirty="0">
+                <a:latin typeface="Segoe UI Light" panose="020B0502040204020203" pitchFamily="34" charset="0"/>
+                <a:cs typeface="Segoe UI Light" panose="020B0502040204020203" pitchFamily="34" charset="0"/>
+              </a:rPr>
+              <a:t>Infrastructure layer supports other layers by implementing abstractions via Vendors.</a:t>
+            </a:r>
+          </a:p>
+        </p:txBody>
+      </p:sp>
+      <p:sp>
+        <p:nvSpPr>
+          <p:cNvPr id="7" name="Rectangle 6">
+            <a:extLst>
+              <a:ext uri="{FF2B5EF4-FFF2-40B4-BE49-F238E27FC236}">
+                <a16:creationId xmlns:a16="http://schemas.microsoft.com/office/drawing/2014/main" id="{1DFB8280-B603-4B61-AE0A-70F201C5EB0B}"/>
+              </a:ext>
+            </a:extLst>
+          </p:cNvPr>
+          <p:cNvSpPr/>
+          <p:nvPr/>
+        </p:nvSpPr>
+        <p:spPr>
+          <a:xfrm>
+            <a:off x="8345606" y="1369290"/>
+            <a:ext cx="3107486" cy="2311399"/>
+          </a:xfrm>
+          <a:prstGeom prst="rect">
+            <a:avLst/>
+          </a:prstGeom>
+        </p:spPr>
+        <p:style>
+          <a:lnRef idx="2">
+            <a:schemeClr val="accent1">
+              <a:shade val="50000"/>
+            </a:schemeClr>
+          </a:lnRef>
+          <a:fillRef idx="1">
+            <a:schemeClr val="accent1"/>
+          </a:fillRef>
+          <a:effectRef idx="0">
+            <a:schemeClr val="accent1"/>
+          </a:effectRef>
+          <a:fontRef idx="minor">
+            <a:schemeClr val="lt1"/>
+          </a:fontRef>
+        </p:style>
+        <p:txBody>
+          <a:bodyPr rtlCol="0" anchor="ctr"/>
+          <a:lstStyle/>
+          <a:p>
+            <a:pPr algn="r"/>
+            <a:r>
+              <a:rPr lang="en-US" dirty="0"/>
+              <a:t>Infrastructure</a:t>
+            </a:r>
+          </a:p>
+          <a:p>
+            <a:pPr algn="r"/>
+            <a:r>
+              <a:rPr lang="en-US" dirty="0"/>
+              <a:t>Layer</a:t>
+            </a:r>
+          </a:p>
+        </p:txBody>
+      </p:sp>
+      <p:sp>
+        <p:nvSpPr>
+          <p:cNvPr id="6" name="TextBox 5">
+            <a:extLst>
+              <a:ext uri="{FF2B5EF4-FFF2-40B4-BE49-F238E27FC236}">
+                <a16:creationId xmlns:a16="http://schemas.microsoft.com/office/drawing/2014/main" id="{1FB26DF9-513B-4A2F-92FB-9D8D86D048C9}"/>
+              </a:ext>
+            </a:extLst>
+          </p:cNvPr>
+          <p:cNvSpPr txBox="1"/>
+          <p:nvPr/>
+        </p:nvSpPr>
+        <p:spPr>
+          <a:xfrm>
+            <a:off x="7369427" y="1608798"/>
+            <a:ext cx="2353056" cy="371856"/>
+          </a:xfrm>
+          <a:prstGeom prst="rect">
+            <a:avLst/>
+          </a:prstGeom>
+          <a:solidFill>
+            <a:schemeClr val="bg1">
+              <a:lumMod val="95000"/>
+            </a:schemeClr>
+          </a:solidFill>
+          <a:ln w="19050">
+            <a:solidFill>
+              <a:schemeClr val="accent1"/>
+            </a:solidFill>
+          </a:ln>
+        </p:spPr>
+        <p:txBody>
+          <a:bodyPr wrap="square" rtlCol="0">
+            <a:spAutoFit/>
+          </a:bodyPr>
+          <a:lstStyle/>
+          <a:p>
+            <a:pPr algn="ctr"/>
+            <a:r>
+              <a:rPr lang="en-US" dirty="0"/>
+              <a:t>Presentation Layer</a:t>
+            </a:r>
+          </a:p>
+        </p:txBody>
+      </p:sp>
+      <p:sp>
+        <p:nvSpPr>
+          <p:cNvPr id="10" name="TextBox 9">
+            <a:extLst>
+              <a:ext uri="{FF2B5EF4-FFF2-40B4-BE49-F238E27FC236}">
+                <a16:creationId xmlns:a16="http://schemas.microsoft.com/office/drawing/2014/main" id="{9A745C4C-30B4-4E33-A1CD-A0FAF3166ACE}"/>
+              </a:ext>
+            </a:extLst>
+          </p:cNvPr>
+          <p:cNvSpPr txBox="1"/>
+          <p:nvPr/>
+        </p:nvSpPr>
+        <p:spPr>
+          <a:xfrm>
+            <a:off x="7369427" y="2338747"/>
+            <a:ext cx="2353056" cy="371856"/>
+          </a:xfrm>
+          <a:prstGeom prst="rect">
+            <a:avLst/>
+          </a:prstGeom>
+          <a:solidFill>
+            <a:schemeClr val="bg1">
+              <a:lumMod val="95000"/>
+            </a:schemeClr>
+          </a:solidFill>
+          <a:ln w="19050">
+            <a:solidFill>
+              <a:schemeClr val="accent1"/>
+            </a:solidFill>
+          </a:ln>
+        </p:spPr>
+        <p:txBody>
+          <a:bodyPr wrap="square" rtlCol="0">
+            <a:spAutoFit/>
+          </a:bodyPr>
+          <a:lstStyle/>
+          <a:p>
+            <a:pPr algn="ctr"/>
+            <a:r>
+              <a:rPr lang="en-US" dirty="0"/>
+              <a:t>Application Layer</a:t>
+            </a:r>
+          </a:p>
+        </p:txBody>
+      </p:sp>
+      <p:sp>
+        <p:nvSpPr>
+          <p:cNvPr id="12" name="TextBox 11">
+            <a:extLst>
+              <a:ext uri="{FF2B5EF4-FFF2-40B4-BE49-F238E27FC236}">
+                <a16:creationId xmlns:a16="http://schemas.microsoft.com/office/drawing/2014/main" id="{C5726391-F50F-4680-81A5-A93D77ED8B4B}"/>
+              </a:ext>
+            </a:extLst>
+          </p:cNvPr>
+          <p:cNvSpPr txBox="1"/>
+          <p:nvPr/>
+        </p:nvSpPr>
+        <p:spPr>
+          <a:xfrm>
+            <a:off x="7369427" y="3068696"/>
+            <a:ext cx="2353056" cy="371856"/>
+          </a:xfrm>
+          <a:prstGeom prst="rect">
+            <a:avLst/>
+          </a:prstGeom>
+          <a:solidFill>
+            <a:schemeClr val="bg1">
+              <a:lumMod val="95000"/>
+            </a:schemeClr>
+          </a:solidFill>
+          <a:ln w="19050">
+            <a:solidFill>
+              <a:schemeClr val="accent1"/>
+            </a:solidFill>
+          </a:ln>
+        </p:spPr>
+        <p:txBody>
+          <a:bodyPr wrap="square" rtlCol="0">
+            <a:spAutoFit/>
+          </a:bodyPr>
+          <a:lstStyle/>
+          <a:p>
+            <a:pPr algn="ctr"/>
+            <a:r>
+              <a:rPr lang="en-US" dirty="0"/>
+              <a:t>Domain Layer</a:t>
+            </a:r>
+          </a:p>
+        </p:txBody>
+      </p:sp>
+      <p:cxnSp>
+        <p:nvCxnSpPr>
+          <p:cNvPr id="14" name="Straight Arrow Connector 13">
+            <a:extLst>
+              <a:ext uri="{FF2B5EF4-FFF2-40B4-BE49-F238E27FC236}">
+                <a16:creationId xmlns:a16="http://schemas.microsoft.com/office/drawing/2014/main" id="{43FFF052-8BB5-4DE5-9DB4-1D1EB1ECE8C8}"/>
+              </a:ext>
+            </a:extLst>
+          </p:cNvPr>
+          <p:cNvCxnSpPr/>
+          <p:nvPr/>
+        </p:nvCxnSpPr>
+        <p:spPr>
+          <a:xfrm>
+            <a:off x="7773557" y="1980654"/>
+            <a:ext cx="0" cy="358093"/>
+          </a:xfrm>
+          <a:prstGeom prst="straightConnector1">
+            <a:avLst/>
+          </a:prstGeom>
+          <a:ln w="63500">
+            <a:tailEnd type="triangle"/>
+          </a:ln>
+        </p:spPr>
+        <p:style>
+          <a:lnRef idx="1">
+            <a:schemeClr val="accent1"/>
+          </a:lnRef>
+          <a:fillRef idx="0">
+            <a:schemeClr val="accent1"/>
+          </a:fillRef>
+          <a:effectRef idx="0">
+            <a:schemeClr val="accent1"/>
+          </a:effectRef>
+          <a:fontRef idx="minor">
+            <a:schemeClr val="tx1"/>
+          </a:fontRef>
+        </p:style>
+      </p:cxnSp>
+      <p:cxnSp>
+        <p:nvCxnSpPr>
+          <p:cNvPr id="16" name="Straight Arrow Connector 15">
+            <a:extLst>
+              <a:ext uri="{FF2B5EF4-FFF2-40B4-BE49-F238E27FC236}">
+                <a16:creationId xmlns:a16="http://schemas.microsoft.com/office/drawing/2014/main" id="{0800EF07-569E-45A4-A66E-F96C7FDE8DBE}"/>
+              </a:ext>
+            </a:extLst>
+          </p:cNvPr>
+          <p:cNvCxnSpPr/>
+          <p:nvPr/>
+        </p:nvCxnSpPr>
+        <p:spPr>
+          <a:xfrm>
+            <a:off x="7773557" y="2725789"/>
+            <a:ext cx="0" cy="358093"/>
+          </a:xfrm>
+          <a:prstGeom prst="straightConnector1">
+            <a:avLst/>
+          </a:prstGeom>
+          <a:ln w="63500">
+            <a:tailEnd type="triangle"/>
+          </a:ln>
+        </p:spPr>
+        <p:style>
+          <a:lnRef idx="1">
+            <a:schemeClr val="accent1"/>
+          </a:lnRef>
+          <a:fillRef idx="0">
+            <a:schemeClr val="accent1"/>
+          </a:fillRef>
+          <a:effectRef idx="0">
+            <a:schemeClr val="accent1"/>
+          </a:effectRef>
+          <a:fontRef idx="minor">
+            <a:schemeClr val="tx1"/>
+          </a:fontRef>
+        </p:style>
+      </p:cxnSp>
+      <p:cxnSp>
+        <p:nvCxnSpPr>
+          <p:cNvPr id="18" name="Connector: Elbow 17">
+            <a:extLst>
+              <a:ext uri="{FF2B5EF4-FFF2-40B4-BE49-F238E27FC236}">
+                <a16:creationId xmlns:a16="http://schemas.microsoft.com/office/drawing/2014/main" id="{16DC2852-BAB9-462F-8E9E-974CB05EAA99}"/>
+              </a:ext>
+            </a:extLst>
+          </p:cNvPr>
+          <p:cNvCxnSpPr>
+            <a:cxnSpLocks/>
+          </p:cNvCxnSpPr>
+          <p:nvPr/>
+        </p:nvCxnSpPr>
+        <p:spPr>
+          <a:xfrm rot="10800000">
+            <a:off x="8031708" y="3440553"/>
+            <a:ext cx="313899" cy="176105"/>
+          </a:xfrm>
+          <a:prstGeom prst="bentConnector3">
+            <a:avLst>
+              <a:gd name="adj1" fmla="val 100000"/>
+            </a:avLst>
+          </a:prstGeom>
+          <a:ln>
+            <a:tailEnd type="triangle"/>
+          </a:ln>
+        </p:spPr>
+        <p:style>
+          <a:lnRef idx="1">
+            <a:schemeClr val="accent1"/>
+          </a:lnRef>
+          <a:fillRef idx="0">
+            <a:schemeClr val="accent1"/>
+          </a:fillRef>
+          <a:effectRef idx="0">
+            <a:schemeClr val="accent1"/>
+          </a:effectRef>
+          <a:fontRef idx="minor">
+            <a:schemeClr val="tx1"/>
+          </a:fontRef>
+        </p:style>
+      </p:cxnSp>
+      <p:cxnSp>
+        <p:nvCxnSpPr>
+          <p:cNvPr id="21" name="Connector: Elbow 20">
+            <a:extLst>
+              <a:ext uri="{FF2B5EF4-FFF2-40B4-BE49-F238E27FC236}">
+                <a16:creationId xmlns:a16="http://schemas.microsoft.com/office/drawing/2014/main" id="{D2CD072E-D065-4111-8896-9BE0FF4D1691}"/>
+              </a:ext>
+            </a:extLst>
+          </p:cNvPr>
+          <p:cNvCxnSpPr>
+            <a:cxnSpLocks/>
+          </p:cNvCxnSpPr>
+          <p:nvPr/>
+        </p:nvCxnSpPr>
+        <p:spPr>
+          <a:xfrm rot="10800000">
+            <a:off x="8031708" y="2710603"/>
+            <a:ext cx="313899" cy="176105"/>
+          </a:xfrm>
+          <a:prstGeom prst="bentConnector3">
+            <a:avLst>
+              <a:gd name="adj1" fmla="val 100000"/>
+            </a:avLst>
+          </a:prstGeom>
+          <a:ln>
+            <a:tailEnd type="triangle"/>
+          </a:ln>
+        </p:spPr>
+        <p:style>
+          <a:lnRef idx="1">
+            <a:schemeClr val="accent1"/>
+          </a:lnRef>
+          <a:fillRef idx="0">
+            <a:schemeClr val="accent1"/>
+          </a:fillRef>
+          <a:effectRef idx="0">
+            <a:schemeClr val="accent1"/>
+          </a:effectRef>
+          <a:fontRef idx="minor">
+            <a:schemeClr val="tx1"/>
+          </a:fontRef>
+        </p:style>
+      </p:cxnSp>
+      <p:cxnSp>
+        <p:nvCxnSpPr>
+          <p:cNvPr id="22" name="Connector: Elbow 21">
+            <a:extLst>
+              <a:ext uri="{FF2B5EF4-FFF2-40B4-BE49-F238E27FC236}">
+                <a16:creationId xmlns:a16="http://schemas.microsoft.com/office/drawing/2014/main" id="{11E759A8-4163-4EA3-A9A9-169449F140D9}"/>
+              </a:ext>
+            </a:extLst>
+          </p:cNvPr>
+          <p:cNvCxnSpPr>
+            <a:cxnSpLocks/>
+          </p:cNvCxnSpPr>
+          <p:nvPr/>
+        </p:nvCxnSpPr>
+        <p:spPr>
+          <a:xfrm rot="10800000">
+            <a:off x="8031706" y="1976714"/>
+            <a:ext cx="313899" cy="176105"/>
+          </a:xfrm>
+          <a:prstGeom prst="bentConnector3">
+            <a:avLst>
+              <a:gd name="adj1" fmla="val 100000"/>
+            </a:avLst>
+          </a:prstGeom>
+          <a:ln>
+            <a:tailEnd type="triangle"/>
+          </a:ln>
+        </p:spPr>
+        <p:style>
+          <a:lnRef idx="1">
+            <a:schemeClr val="accent1"/>
+          </a:lnRef>
+          <a:fillRef idx="0">
+            <a:schemeClr val="accent1"/>
+          </a:fillRef>
+          <a:effectRef idx="0">
+            <a:schemeClr val="accent1"/>
+          </a:effectRef>
+          <a:fontRef idx="minor">
+            <a:schemeClr val="tx1"/>
+          </a:fontRef>
+        </p:style>
+      </p:cxnSp>
+      <p:sp>
+        <p:nvSpPr>
+          <p:cNvPr id="23" name="TextBox 22">
+            <a:extLst>
+              <a:ext uri="{FF2B5EF4-FFF2-40B4-BE49-F238E27FC236}">
+                <a16:creationId xmlns:a16="http://schemas.microsoft.com/office/drawing/2014/main" id="{B5600360-AAF4-4E5A-AFC9-18A96A21340D}"/>
+              </a:ext>
+            </a:extLst>
+          </p:cNvPr>
+          <p:cNvSpPr txBox="1"/>
+          <p:nvPr/>
+        </p:nvSpPr>
+        <p:spPr>
+          <a:xfrm>
+            <a:off x="7369427" y="745898"/>
+            <a:ext cx="4083665" cy="400110"/>
+          </a:xfrm>
+          <a:prstGeom prst="rect">
+            <a:avLst/>
+          </a:prstGeom>
+          <a:noFill/>
+        </p:spPr>
+        <p:txBody>
+          <a:bodyPr wrap="square" rtlCol="0">
+            <a:spAutoFit/>
+          </a:bodyPr>
+          <a:lstStyle/>
+          <a:p>
+            <a:pPr algn="ctr"/>
+            <a:r>
+              <a:rPr lang="en-US" sz="2000" dirty="0"/>
+              <a:t>Domain Driven Design (DDD) Layers</a:t>
+            </a:r>
+          </a:p>
+        </p:txBody>
+      </p:sp>
+    </p:spTree>
+    <p:extLst>
+      <p:ext uri="{BB962C8B-B14F-4D97-AF65-F5344CB8AC3E}">
+        <p14:creationId xmlns:p14="http://schemas.microsoft.com/office/powerpoint/2010/main" val="232957203"/>
+      </p:ext>
+    </p:extLst>
+  </p:cSld>
+  <p:clrMapOvr>
+    <a:masterClrMapping/>
+  </p:clrMapOvr>
+  <mc:AlternateContent xmlns:mc="http://schemas.openxmlformats.org/markup-compatibility/2006" xmlns:p14="http://schemas.microsoft.com/office/powerpoint/2010/main">
+    <mc:Choice Requires="p14">
+      <p:transition p14:dur="100">
+        <p:cut/>
+      </p:transition>
+    </mc:Choice>
+    <mc:Fallback xmlns="">
+      <p:transition>
+        <p:cut/>
+      </p:transition>
+    </mc:Fallback>
+  </mc:AlternateContent>
+</p:sld>
+</file>
+
+<file path=ppt/slides/slide6.xml><?xml version="1.0" encoding="utf-8"?>
+<p:sld xmlns:a="http://schemas.openxmlformats.org/drawingml/2006/main" xmlns:r="http://schemas.openxmlformats.org/officeDocument/2006/relationships" xmlns:p="http://schemas.openxmlformats.org/presentationml/2006/main">
+  <p:cSld>
+    <p:spTree>
+      <p:nvGrpSpPr>
+        <p:cNvPr id="1" name=""/>
+        <p:cNvGrpSpPr/>
+        <p:nvPr/>
+      </p:nvGrpSpPr>
+      <p:grpSpPr>
+        <a:xfrm>
+          <a:off x="0" y="0"/>
+          <a:ext cx="0" cy="0"/>
+          <a:chOff x="0" y="0"/>
+          <a:chExt cx="0" cy="0"/>
+        </a:xfrm>
+      </p:grpSpPr>
+      <p:pic>
+        <p:nvPicPr>
+          <p:cNvPr id="9" name="Picture 8">
+            <a:extLst>
+              <a:ext uri="{FF2B5EF4-FFF2-40B4-BE49-F238E27FC236}">
+                <a16:creationId xmlns:a16="http://schemas.microsoft.com/office/drawing/2014/main" id="{39E83B63-DAE7-4E06-A56F-CF1576B89936}"/>
+              </a:ext>
+            </a:extLst>
+          </p:cNvPr>
+          <p:cNvPicPr>
+            <a:picLocks noChangeAspect="1"/>
+          </p:cNvPicPr>
+          <p:nvPr/>
+        </p:nvPicPr>
+        <p:blipFill>
+          <a:blip r:embed="rId2">
+            <a:extLst>
+              <a:ext uri="{28A0092B-C50C-407E-A947-70E740481C1C}">
+                <a14:useLocalDpi xmlns:a14="http://schemas.microsoft.com/office/drawing/2010/main" val="0"/>
+              </a:ext>
+            </a:extLst>
+          </a:blip>
+          <a:stretch>
+            <a:fillRect/>
+          </a:stretch>
+        </p:blipFill>
+        <p:spPr>
+          <a:xfrm>
+            <a:off x="0" y="0"/>
+            <a:ext cx="12192000" cy="6858000"/>
+          </a:xfrm>
+          <a:prstGeom prst="rect">
+            <a:avLst/>
+          </a:prstGeom>
+        </p:spPr>
+      </p:pic>
+      <p:sp>
+        <p:nvSpPr>
+          <p:cNvPr id="5" name="Footer Placeholder 4">
+            <a:extLst>
+              <a:ext uri="{FF2B5EF4-FFF2-40B4-BE49-F238E27FC236}">
+                <a16:creationId xmlns:a16="http://schemas.microsoft.com/office/drawing/2014/main" id="{A3553ADE-3838-4EDB-9F14-97C75DE2198D}"/>
+              </a:ext>
+            </a:extLst>
+          </p:cNvPr>
+          <p:cNvSpPr>
+            <a:spLocks noGrp="1"/>
+          </p:cNvSpPr>
+          <p:nvPr>
+            <p:ph type="ftr" sz="quarter" idx="11"/>
+          </p:nvPr>
+        </p:nvSpPr>
+        <p:spPr>
+          <a:xfrm>
+            <a:off x="0" y="6483927"/>
+            <a:ext cx="4190999" cy="374073"/>
+          </a:xfrm>
+        </p:spPr>
+        <p:txBody>
+          <a:bodyPr/>
+          <a:lstStyle/>
+          <a:p>
+            <a:pPr algn="l"/>
+            <a:r>
+              <a:rPr lang="en-US" dirty="0" err="1">
+                <a:solidFill>
+                  <a:schemeClr val="tx1"/>
+                </a:solidFill>
+                <a:latin typeface="Segoe UI" panose="020B0502040204020203" pitchFamily="34" charset="0"/>
+                <a:cs typeface="Segoe UI" panose="020B0502040204020203" pitchFamily="34" charset="0"/>
+              </a:rPr>
+              <a:t>Halil</a:t>
+            </a:r>
+            <a:r>
+              <a:rPr lang="en-US" dirty="0">
+                <a:solidFill>
+                  <a:schemeClr val="tx1"/>
+                </a:solidFill>
+                <a:latin typeface="Segoe UI" panose="020B0502040204020203" pitchFamily="34" charset="0"/>
+                <a:cs typeface="Segoe UI" panose="020B0502040204020203" pitchFamily="34" charset="0"/>
+              </a:rPr>
+              <a:t> İbrahim KALKAN | @</a:t>
+            </a:r>
+            <a:r>
+              <a:rPr lang="en-US" dirty="0" err="1">
+                <a:solidFill>
+                  <a:schemeClr val="tx1"/>
+                </a:solidFill>
+                <a:latin typeface="Segoe UI" panose="020B0502040204020203" pitchFamily="34" charset="0"/>
+                <a:cs typeface="Segoe UI" panose="020B0502040204020203" pitchFamily="34" charset="0"/>
+              </a:rPr>
+              <a:t>hikalkan</a:t>
+            </a:r>
+            <a:r>
+              <a:rPr lang="en-US" dirty="0">
+                <a:solidFill>
+                  <a:schemeClr val="tx1"/>
+                </a:solidFill>
+                <a:latin typeface="Segoe UI" panose="020B0502040204020203" pitchFamily="34" charset="0"/>
+                <a:cs typeface="Segoe UI" panose="020B0502040204020203" pitchFamily="34" charset="0"/>
+              </a:rPr>
+              <a:t> | </a:t>
+            </a:r>
+            <a:r>
+              <a:rPr lang="en-US" dirty="0" err="1">
+                <a:solidFill>
+                  <a:schemeClr val="tx1"/>
+                </a:solidFill>
+                <a:latin typeface="Segoe UI" panose="020B0502040204020203" pitchFamily="34" charset="0"/>
+                <a:cs typeface="Segoe UI" panose="020B0502040204020203" pitchFamily="34" charset="0"/>
+              </a:rPr>
+              <a:t>Volosoft</a:t>
+            </a:r>
+            <a:r>
+              <a:rPr lang="en-US" dirty="0">
+                <a:solidFill>
+                  <a:schemeClr val="tx1"/>
+                </a:solidFill>
+                <a:latin typeface="Segoe UI" panose="020B0502040204020203" pitchFamily="34" charset="0"/>
+                <a:cs typeface="Segoe UI" panose="020B0502040204020203" pitchFamily="34" charset="0"/>
+              </a:rPr>
+              <a:t> TM</a:t>
+            </a:r>
+          </a:p>
+        </p:txBody>
+      </p:sp>
+      <p:sp>
+        <p:nvSpPr>
+          <p:cNvPr id="11" name="Subtitle 2">
+            <a:extLst>
+              <a:ext uri="{FF2B5EF4-FFF2-40B4-BE49-F238E27FC236}">
+                <a16:creationId xmlns:a16="http://schemas.microsoft.com/office/drawing/2014/main" id="{A769CE0C-E9B4-4049-B22B-C35AD0DD7409}"/>
+              </a:ext>
+            </a:extLst>
+          </p:cNvPr>
+          <p:cNvSpPr txBox="1">
+            <a:spLocks/>
+          </p:cNvSpPr>
+          <p:nvPr/>
+        </p:nvSpPr>
+        <p:spPr>
+          <a:xfrm>
+            <a:off x="3582554" y="2904836"/>
+            <a:ext cx="835891" cy="775853"/>
+          </a:xfrm>
+          <a:prstGeom prst="rect">
+            <a:avLst/>
+          </a:prstGeom>
+        </p:spPr>
+        <p:txBody>
+          <a:bodyPr vert="horz" lIns="91440" tIns="45720" rIns="91440" bIns="45720" rtlCol="0" anchor="ctr">
+            <a:normAutofit/>
+          </a:bodyPr>
+          <a:lstStyle>
+            <a:lvl1pPr marL="0" indent="0" algn="ctr" defTabSz="914400" rtl="0" eaLnBrk="1" latinLnBrk="0" hangingPunct="1">
+              <a:lnSpc>
+                <a:spcPct val="90000"/>
+              </a:lnSpc>
+              <a:spcBef>
+                <a:spcPts val="1000"/>
+              </a:spcBef>
+              <a:buFont typeface="Arial" panose="020B0604020202020204" pitchFamily="34" charset="0"/>
+              <a:buNone/>
+              <a:defRPr sz="2400" kern="1200">
+                <a:solidFill>
+                  <a:schemeClr val="tx1"/>
+                </a:solidFill>
+                <a:latin typeface="+mn-lt"/>
+                <a:ea typeface="+mn-ea"/>
+                <a:cs typeface="+mn-cs"/>
+              </a:defRPr>
+            </a:lvl1pPr>
+            <a:lvl2pPr marL="457200" indent="0" algn="ctr" defTabSz="914400" rtl="0" eaLnBrk="1" latinLnBrk="0" hangingPunct="1">
+              <a:lnSpc>
+                <a:spcPct val="90000"/>
+              </a:lnSpc>
+              <a:spcBef>
+                <a:spcPts val="500"/>
+              </a:spcBef>
+              <a:buFont typeface="Arial" panose="020B0604020202020204" pitchFamily="34" charset="0"/>
+              <a:buNone/>
+              <a:defRPr sz="2000" kern="1200">
+                <a:solidFill>
+                  <a:schemeClr val="tx1"/>
+                </a:solidFill>
+                <a:latin typeface="+mn-lt"/>
+                <a:ea typeface="+mn-ea"/>
+                <a:cs typeface="+mn-cs"/>
+              </a:defRPr>
+            </a:lvl2pPr>
+            <a:lvl3pPr marL="914400" indent="0" algn="ctr" defTabSz="914400" rtl="0" eaLnBrk="1" latinLnBrk="0" hangingPunct="1">
+              <a:lnSpc>
+                <a:spcPct val="90000"/>
+              </a:lnSpc>
+              <a:spcBef>
+                <a:spcPts val="500"/>
+              </a:spcBef>
+              <a:buFont typeface="Arial" panose="020B0604020202020204" pitchFamily="34" charset="0"/>
+              <a:buNone/>
+              <a:defRPr sz="1800" kern="1200">
+                <a:solidFill>
+                  <a:schemeClr val="tx1"/>
+                </a:solidFill>
+                <a:latin typeface="+mn-lt"/>
+                <a:ea typeface="+mn-ea"/>
+                <a:cs typeface="+mn-cs"/>
+              </a:defRPr>
+            </a:lvl3pPr>
+            <a:lvl4pPr marL="1371600" indent="0" algn="ctr" defTabSz="914400" rtl="0" eaLnBrk="1" latinLnBrk="0" hangingPunct="1">
+              <a:lnSpc>
+                <a:spcPct val="90000"/>
+              </a:lnSpc>
+              <a:spcBef>
+                <a:spcPts val="500"/>
+              </a:spcBef>
+              <a:buFont typeface="Arial" panose="020B0604020202020204" pitchFamily="34" charset="0"/>
+              <a:buNone/>
+              <a:defRPr sz="1600" kern="1200">
+                <a:solidFill>
+                  <a:schemeClr val="tx1"/>
+                </a:solidFill>
+                <a:latin typeface="+mn-lt"/>
+                <a:ea typeface="+mn-ea"/>
+                <a:cs typeface="+mn-cs"/>
+              </a:defRPr>
+            </a:lvl4pPr>
+            <a:lvl5pPr marL="1828800" indent="0" algn="ctr" defTabSz="914400" rtl="0" eaLnBrk="1" latinLnBrk="0" hangingPunct="1">
+              <a:lnSpc>
+                <a:spcPct val="90000"/>
+              </a:lnSpc>
+              <a:spcBef>
+                <a:spcPts val="500"/>
+              </a:spcBef>
+              <a:buFont typeface="Arial" panose="020B0604020202020204" pitchFamily="34" charset="0"/>
+              <a:buNone/>
+              <a:defRPr sz="1600" kern="1200">
+                <a:solidFill>
+                  <a:schemeClr val="tx1"/>
+                </a:solidFill>
+                <a:latin typeface="+mn-lt"/>
+                <a:ea typeface="+mn-ea"/>
+                <a:cs typeface="+mn-cs"/>
+              </a:defRPr>
+            </a:lvl5pPr>
+            <a:lvl6pPr marL="2286000" indent="0" algn="ctr" defTabSz="914400" rtl="0" eaLnBrk="1" latinLnBrk="0" hangingPunct="1">
+              <a:lnSpc>
+                <a:spcPct val="90000"/>
+              </a:lnSpc>
+              <a:spcBef>
+                <a:spcPts val="500"/>
+              </a:spcBef>
+              <a:buFont typeface="Arial" panose="020B0604020202020204" pitchFamily="34" charset="0"/>
+              <a:buNone/>
+              <a:defRPr sz="1600" kern="1200">
+                <a:solidFill>
+                  <a:schemeClr val="tx1"/>
+                </a:solidFill>
+                <a:latin typeface="+mn-lt"/>
+                <a:ea typeface="+mn-ea"/>
+                <a:cs typeface="+mn-cs"/>
+              </a:defRPr>
+            </a:lvl6pPr>
+            <a:lvl7pPr marL="2743200" indent="0" algn="ctr" defTabSz="914400" rtl="0" eaLnBrk="1" latinLnBrk="0" hangingPunct="1">
+              <a:lnSpc>
+                <a:spcPct val="90000"/>
+              </a:lnSpc>
+              <a:spcBef>
+                <a:spcPts val="500"/>
+              </a:spcBef>
+              <a:buFont typeface="Arial" panose="020B0604020202020204" pitchFamily="34" charset="0"/>
+              <a:buNone/>
+              <a:defRPr sz="1600" kern="1200">
+                <a:solidFill>
+                  <a:schemeClr val="tx1"/>
+                </a:solidFill>
+                <a:latin typeface="+mn-lt"/>
+                <a:ea typeface="+mn-ea"/>
+                <a:cs typeface="+mn-cs"/>
+              </a:defRPr>
+            </a:lvl7pPr>
+            <a:lvl8pPr marL="3200400" indent="0" algn="ctr" defTabSz="914400" rtl="0" eaLnBrk="1" latinLnBrk="0" hangingPunct="1">
+              <a:lnSpc>
+                <a:spcPct val="90000"/>
+              </a:lnSpc>
+              <a:spcBef>
+                <a:spcPts val="500"/>
+              </a:spcBef>
+              <a:buFont typeface="Arial" panose="020B0604020202020204" pitchFamily="34" charset="0"/>
+              <a:buNone/>
+              <a:defRPr sz="1600" kern="1200">
+                <a:solidFill>
+                  <a:schemeClr val="tx1"/>
+                </a:solidFill>
+                <a:latin typeface="+mn-lt"/>
+                <a:ea typeface="+mn-ea"/>
+                <a:cs typeface="+mn-cs"/>
+              </a:defRPr>
+            </a:lvl8pPr>
+            <a:lvl9pPr marL="3657600" indent="0" algn="ctr" defTabSz="914400" rtl="0" eaLnBrk="1" latinLnBrk="0" hangingPunct="1">
+              <a:lnSpc>
+                <a:spcPct val="90000"/>
+              </a:lnSpc>
+              <a:spcBef>
+                <a:spcPts val="500"/>
+              </a:spcBef>
+              <a:buFont typeface="Arial" panose="020B0604020202020204" pitchFamily="34" charset="0"/>
+              <a:buNone/>
+              <a:defRPr sz="1600" kern="1200">
+                <a:solidFill>
+                  <a:schemeClr val="tx1"/>
+                </a:solidFill>
+                <a:latin typeface="+mn-lt"/>
+                <a:ea typeface="+mn-ea"/>
+                <a:cs typeface="+mn-cs"/>
+              </a:defRPr>
+            </a:lvl9pPr>
+          </a:lstStyle>
+          <a:p>
+            <a:r>
+              <a:rPr lang="en-US" sz="2000" b="1" dirty="0">
+                <a:solidFill>
+                  <a:schemeClr val="bg1"/>
+                </a:solidFill>
+                <a:latin typeface="Segoe UI Light" panose="020B0502040204020203" pitchFamily="34" charset="0"/>
+                <a:cs typeface="Segoe UI Light" panose="020B0502040204020203" pitchFamily="34" charset="0"/>
+              </a:rPr>
+              <a:t>VS</a:t>
+            </a:r>
+          </a:p>
+        </p:txBody>
+      </p:sp>
+      <p:pic>
+        <p:nvPicPr>
+          <p:cNvPr id="13" name="Picture 12">
+            <a:extLst>
+              <a:ext uri="{FF2B5EF4-FFF2-40B4-BE49-F238E27FC236}">
+                <a16:creationId xmlns:a16="http://schemas.microsoft.com/office/drawing/2014/main" id="{8385A514-A12F-4F2C-9C04-41192C9E9B9B}"/>
+              </a:ext>
+            </a:extLst>
+          </p:cNvPr>
+          <p:cNvPicPr>
+            <a:picLocks noChangeAspect="1"/>
+          </p:cNvPicPr>
+          <p:nvPr/>
+        </p:nvPicPr>
+        <p:blipFill>
+          <a:blip r:embed="rId3">
+            <a:extLst>
+              <a:ext uri="{28A0092B-C50C-407E-A947-70E740481C1C}">
+                <a14:useLocalDpi xmlns:a14="http://schemas.microsoft.com/office/drawing/2010/main" val="0"/>
+              </a:ext>
+            </a:extLst>
+          </a:blip>
+          <a:stretch>
+            <a:fillRect/>
+          </a:stretch>
+        </p:blipFill>
+        <p:spPr>
+          <a:xfrm>
+            <a:off x="279780" y="1382810"/>
+            <a:ext cx="6795090" cy="4990694"/>
+          </a:xfrm>
+          <a:prstGeom prst="rect">
+            <a:avLst/>
+          </a:prstGeom>
+        </p:spPr>
+      </p:pic>
+      <p:pic>
+        <p:nvPicPr>
+          <p:cNvPr id="24" name="Picture 23">
+            <a:extLst>
+              <a:ext uri="{FF2B5EF4-FFF2-40B4-BE49-F238E27FC236}">
+                <a16:creationId xmlns:a16="http://schemas.microsoft.com/office/drawing/2014/main" id="{14D2E92F-3A3D-4B96-B121-92327AFBB453}"/>
+              </a:ext>
+            </a:extLst>
+          </p:cNvPr>
+          <p:cNvPicPr>
+            <a:picLocks noChangeAspect="1"/>
+          </p:cNvPicPr>
+          <p:nvPr/>
+        </p:nvPicPr>
+        <p:blipFill>
+          <a:blip r:embed="rId4"/>
+          <a:stretch>
+            <a:fillRect/>
+          </a:stretch>
+        </p:blipFill>
+        <p:spPr>
+          <a:xfrm>
+            <a:off x="7354650" y="409489"/>
+            <a:ext cx="3822490" cy="4990694"/>
+          </a:xfrm>
+          <a:prstGeom prst="rect">
+            <a:avLst/>
+          </a:prstGeom>
+        </p:spPr>
+      </p:pic>
+    </p:spTree>
+    <p:extLst>
+      <p:ext uri="{BB962C8B-B14F-4D97-AF65-F5344CB8AC3E}">
+        <p14:creationId xmlns:p14="http://schemas.microsoft.com/office/powerpoint/2010/main" val="1168411616"/>
+      </p:ext>
+    </p:extLst>
+  </p:cSld>
+  <p:clrMapOvr>
+    <a:masterClrMapping/>
+  </p:clrMapOvr>
+  <mc:AlternateContent xmlns:mc="http://schemas.openxmlformats.org/markup-compatibility/2006" xmlns:p14="http://schemas.microsoft.com/office/powerpoint/2010/main">
+    <mc:Choice Requires="p14">
+      <p:transition p14:dur="100">
+        <p:cut/>
+      </p:transition>
+    </mc:Choice>
+    <mc:Fallback xmlns="">
+      <p:transition>
+        <p:cut/>
+      </p:transition>
+    </mc:Fallback>
+  </mc:AlternateContent>
+</p:sld>
+</file>
+
+<file path=ppt/slides/slide7.xml><?xml version="1.0" encoding="utf-8"?>
+<p:sld xmlns:a="http://schemas.openxmlformats.org/drawingml/2006/main" xmlns:r="http://schemas.openxmlformats.org/officeDocument/2006/relationships" xmlns:p="http://schemas.openxmlformats.org/presentationml/2006/main">
+  <p:cSld>
+    <p:spTree>
+      <p:nvGrpSpPr>
+        <p:cNvPr id="1" name=""/>
+        <p:cNvGrpSpPr/>
+        <p:nvPr/>
+      </p:nvGrpSpPr>
+      <p:grpSpPr>
+        <a:xfrm>
+          <a:off x="0" y="0"/>
+          <a:ext cx="0" cy="0"/>
+          <a:chOff x="0" y="0"/>
+          <a:chExt cx="0" cy="0"/>
+        </a:xfrm>
+      </p:grpSpPr>
+      <p:pic>
+        <p:nvPicPr>
+          <p:cNvPr id="9" name="Picture 8">
+            <a:extLst>
+              <a:ext uri="{FF2B5EF4-FFF2-40B4-BE49-F238E27FC236}">
+                <a16:creationId xmlns:a16="http://schemas.microsoft.com/office/drawing/2014/main" id="{39E83B63-DAE7-4E06-A56F-CF1576B89936}"/>
+              </a:ext>
+            </a:extLst>
+          </p:cNvPr>
+          <p:cNvPicPr>
+            <a:picLocks noChangeAspect="1"/>
+          </p:cNvPicPr>
+          <p:nvPr/>
+        </p:nvPicPr>
+        <p:blipFill>
+          <a:blip r:embed="rId2">
+            <a:extLst>
+              <a:ext uri="{28A0092B-C50C-407E-A947-70E740481C1C}">
+                <a14:useLocalDpi xmlns:a14="http://schemas.microsoft.com/office/drawing/2010/main" val="0"/>
+              </a:ext>
+            </a:extLst>
+          </a:blip>
+          <a:stretch>
+            <a:fillRect/>
+          </a:stretch>
+        </p:blipFill>
+        <p:spPr>
+          <a:xfrm>
+            <a:off x="0" y="0"/>
+            <a:ext cx="12192000" cy="6858000"/>
+          </a:xfrm>
+          <a:prstGeom prst="rect">
+            <a:avLst/>
+          </a:prstGeom>
+        </p:spPr>
+      </p:pic>
+      <p:sp>
+        <p:nvSpPr>
+          <p:cNvPr id="2" name="Title 1">
+            <a:extLst>
+              <a:ext uri="{FF2B5EF4-FFF2-40B4-BE49-F238E27FC236}">
+                <a16:creationId xmlns:a16="http://schemas.microsoft.com/office/drawing/2014/main" id="{0DE26BD9-3178-4532-BF33-58FE331BE190}"/>
+              </a:ext>
+            </a:extLst>
+          </p:cNvPr>
+          <p:cNvSpPr>
+            <a:spLocks noGrp="1"/>
+          </p:cNvSpPr>
+          <p:nvPr>
+            <p:ph type="ctrTitle"/>
+          </p:nvPr>
+        </p:nvSpPr>
+        <p:spPr>
+          <a:xfrm>
+            <a:off x="738908" y="930564"/>
+            <a:ext cx="4858328" cy="2311400"/>
+          </a:xfrm>
+        </p:spPr>
+        <p:txBody>
+          <a:bodyPr anchor="b">
+            <a:normAutofit/>
+          </a:bodyPr>
+          <a:lstStyle/>
+          <a:p>
+            <a:pPr algn="l"/>
+            <a:r>
+              <a:rPr lang="en-US" sz="4000" b="1" dirty="0">
+                <a:latin typeface="Segoe UI Semibold" panose="020B0702040204020203" pitchFamily="34" charset="0"/>
+                <a:cs typeface="Segoe UI Semibold" panose="020B0702040204020203" pitchFamily="34" charset="0"/>
+              </a:rPr>
+              <a:t>Monolithic Application</a:t>
+            </a:r>
+            <a:br>
+              <a:rPr lang="en-US" sz="4000" b="1" dirty="0">
+                <a:solidFill>
+                  <a:srgbClr val="0041C6"/>
+                </a:solidFill>
+                <a:latin typeface="Segoe UI Semibold" panose="020B0702040204020203" pitchFamily="34" charset="0"/>
+                <a:cs typeface="Segoe UI Semibold" panose="020B0702040204020203" pitchFamily="34" charset="0"/>
+              </a:rPr>
+            </a:br>
+            <a:r>
+              <a:rPr lang="en-US" sz="4000" b="1" dirty="0">
+                <a:solidFill>
+                  <a:srgbClr val="0041C6"/>
+                </a:solidFill>
+                <a:latin typeface="Segoe UI Semibold" panose="020B0702040204020203" pitchFamily="34" charset="0"/>
+                <a:cs typeface="Segoe UI Semibold" panose="020B0702040204020203" pitchFamily="34" charset="0"/>
+              </a:rPr>
+              <a:t>Modular Architecture</a:t>
+            </a:r>
+          </a:p>
+        </p:txBody>
+      </p:sp>
+      <p:sp>
+        <p:nvSpPr>
+          <p:cNvPr id="5" name="Footer Placeholder 4">
+            <a:extLst>
+              <a:ext uri="{FF2B5EF4-FFF2-40B4-BE49-F238E27FC236}">
+                <a16:creationId xmlns:a16="http://schemas.microsoft.com/office/drawing/2014/main" id="{A3553ADE-3838-4EDB-9F14-97C75DE2198D}"/>
+              </a:ext>
+            </a:extLst>
+          </p:cNvPr>
+          <p:cNvSpPr>
+            <a:spLocks noGrp="1"/>
+          </p:cNvSpPr>
+          <p:nvPr>
+            <p:ph type="ftr" sz="quarter" idx="11"/>
+          </p:nvPr>
+        </p:nvSpPr>
+        <p:spPr>
+          <a:xfrm>
+            <a:off x="0" y="6483927"/>
+            <a:ext cx="4190999" cy="374073"/>
+          </a:xfrm>
+        </p:spPr>
+        <p:txBody>
+          <a:bodyPr/>
+          <a:lstStyle/>
+          <a:p>
+            <a:pPr algn="l"/>
+            <a:r>
+              <a:rPr lang="en-US" dirty="0" err="1">
+                <a:solidFill>
+                  <a:schemeClr val="tx1"/>
+                </a:solidFill>
+                <a:latin typeface="Segoe UI" panose="020B0502040204020203" pitchFamily="34" charset="0"/>
+                <a:cs typeface="Segoe UI" panose="020B0502040204020203" pitchFamily="34" charset="0"/>
+              </a:rPr>
+              <a:t>Halil</a:t>
+            </a:r>
+            <a:r>
+              <a:rPr lang="en-US" dirty="0">
+                <a:solidFill>
+                  <a:schemeClr val="tx1"/>
+                </a:solidFill>
+                <a:latin typeface="Segoe UI" panose="020B0502040204020203" pitchFamily="34" charset="0"/>
+                <a:cs typeface="Segoe UI" panose="020B0502040204020203" pitchFamily="34" charset="0"/>
+              </a:rPr>
+              <a:t> İbrahim KALKAN | @</a:t>
+            </a:r>
+            <a:r>
+              <a:rPr lang="en-US" dirty="0" err="1">
+                <a:solidFill>
+                  <a:schemeClr val="tx1"/>
+                </a:solidFill>
+                <a:latin typeface="Segoe UI" panose="020B0502040204020203" pitchFamily="34" charset="0"/>
+                <a:cs typeface="Segoe UI" panose="020B0502040204020203" pitchFamily="34" charset="0"/>
+              </a:rPr>
+              <a:t>hikalkan</a:t>
+            </a:r>
+            <a:r>
+              <a:rPr lang="en-US" dirty="0">
+                <a:solidFill>
+                  <a:schemeClr val="tx1"/>
+                </a:solidFill>
+                <a:latin typeface="Segoe UI" panose="020B0502040204020203" pitchFamily="34" charset="0"/>
+                <a:cs typeface="Segoe UI" panose="020B0502040204020203" pitchFamily="34" charset="0"/>
+              </a:rPr>
+              <a:t> | </a:t>
+            </a:r>
+            <a:r>
+              <a:rPr lang="en-US" dirty="0" err="1">
+                <a:solidFill>
+                  <a:schemeClr val="tx1"/>
+                </a:solidFill>
+                <a:latin typeface="Segoe UI" panose="020B0502040204020203" pitchFamily="34" charset="0"/>
+                <a:cs typeface="Segoe UI" panose="020B0502040204020203" pitchFamily="34" charset="0"/>
+              </a:rPr>
+              <a:t>Volosoft</a:t>
+            </a:r>
+            <a:r>
+              <a:rPr lang="en-US" dirty="0">
+                <a:solidFill>
+                  <a:schemeClr val="tx1"/>
+                </a:solidFill>
+                <a:latin typeface="Segoe UI" panose="020B0502040204020203" pitchFamily="34" charset="0"/>
+                <a:cs typeface="Segoe UI" panose="020B0502040204020203" pitchFamily="34" charset="0"/>
+              </a:rPr>
+              <a:t> TM</a:t>
+            </a:r>
+          </a:p>
+        </p:txBody>
+      </p:sp>
+      <p:sp>
+        <p:nvSpPr>
+          <p:cNvPr id="11" name="Subtitle 2">
+            <a:extLst>
+              <a:ext uri="{FF2B5EF4-FFF2-40B4-BE49-F238E27FC236}">
+                <a16:creationId xmlns:a16="http://schemas.microsoft.com/office/drawing/2014/main" id="{A769CE0C-E9B4-4049-B22B-C35AD0DD7409}"/>
+              </a:ext>
+            </a:extLst>
+          </p:cNvPr>
+          <p:cNvSpPr txBox="1">
+            <a:spLocks/>
+          </p:cNvSpPr>
+          <p:nvPr/>
+        </p:nvSpPr>
+        <p:spPr>
+          <a:xfrm>
+            <a:off x="3582554" y="2904836"/>
+            <a:ext cx="835891" cy="775853"/>
+          </a:xfrm>
+          <a:prstGeom prst="rect">
+            <a:avLst/>
+          </a:prstGeom>
+        </p:spPr>
+        <p:txBody>
+          <a:bodyPr vert="horz" lIns="91440" tIns="45720" rIns="91440" bIns="45720" rtlCol="0" anchor="ctr">
+            <a:normAutofit/>
+          </a:bodyPr>
+          <a:lstStyle>
+            <a:lvl1pPr marL="0" indent="0" algn="ctr" defTabSz="914400" rtl="0" eaLnBrk="1" latinLnBrk="0" hangingPunct="1">
+              <a:lnSpc>
+                <a:spcPct val="90000"/>
+              </a:lnSpc>
+              <a:spcBef>
+                <a:spcPts val="1000"/>
+              </a:spcBef>
+              <a:buFont typeface="Arial" panose="020B0604020202020204" pitchFamily="34" charset="0"/>
+              <a:buNone/>
+              <a:defRPr sz="2400" kern="1200">
+                <a:solidFill>
+                  <a:schemeClr val="tx1"/>
+                </a:solidFill>
+                <a:latin typeface="+mn-lt"/>
+                <a:ea typeface="+mn-ea"/>
+                <a:cs typeface="+mn-cs"/>
+              </a:defRPr>
+            </a:lvl1pPr>
+            <a:lvl2pPr marL="457200" indent="0" algn="ctr" defTabSz="914400" rtl="0" eaLnBrk="1" latinLnBrk="0" hangingPunct="1">
+              <a:lnSpc>
+                <a:spcPct val="90000"/>
+              </a:lnSpc>
+              <a:spcBef>
+                <a:spcPts val="500"/>
+              </a:spcBef>
+              <a:buFont typeface="Arial" panose="020B0604020202020204" pitchFamily="34" charset="0"/>
+              <a:buNone/>
+              <a:defRPr sz="2000" kern="1200">
+                <a:solidFill>
+                  <a:schemeClr val="tx1"/>
+                </a:solidFill>
+                <a:latin typeface="+mn-lt"/>
+                <a:ea typeface="+mn-ea"/>
+                <a:cs typeface="+mn-cs"/>
+              </a:defRPr>
+            </a:lvl2pPr>
+            <a:lvl3pPr marL="914400" indent="0" algn="ctr" defTabSz="914400" rtl="0" eaLnBrk="1" latinLnBrk="0" hangingPunct="1">
+              <a:lnSpc>
+                <a:spcPct val="90000"/>
+              </a:lnSpc>
+              <a:spcBef>
+                <a:spcPts val="500"/>
+              </a:spcBef>
+              <a:buFont typeface="Arial" panose="020B0604020202020204" pitchFamily="34" charset="0"/>
+              <a:buNone/>
+              <a:defRPr sz="1800" kern="1200">
+                <a:solidFill>
+                  <a:schemeClr val="tx1"/>
+                </a:solidFill>
+                <a:latin typeface="+mn-lt"/>
+                <a:ea typeface="+mn-ea"/>
+                <a:cs typeface="+mn-cs"/>
+              </a:defRPr>
+            </a:lvl3pPr>
+            <a:lvl4pPr marL="1371600" indent="0" algn="ctr" defTabSz="914400" rtl="0" eaLnBrk="1" latinLnBrk="0" hangingPunct="1">
+              <a:lnSpc>
+                <a:spcPct val="90000"/>
+              </a:lnSpc>
+              <a:spcBef>
+                <a:spcPts val="500"/>
+              </a:spcBef>
+              <a:buFont typeface="Arial" panose="020B0604020202020204" pitchFamily="34" charset="0"/>
+              <a:buNone/>
+              <a:defRPr sz="1600" kern="1200">
+                <a:solidFill>
+                  <a:schemeClr val="tx1"/>
+                </a:solidFill>
+                <a:latin typeface="+mn-lt"/>
+                <a:ea typeface="+mn-ea"/>
+                <a:cs typeface="+mn-cs"/>
+              </a:defRPr>
+            </a:lvl4pPr>
+            <a:lvl5pPr marL="1828800" indent="0" algn="ctr" defTabSz="914400" rtl="0" eaLnBrk="1" latinLnBrk="0" hangingPunct="1">
+              <a:lnSpc>
+                <a:spcPct val="90000"/>
+              </a:lnSpc>
+              <a:spcBef>
+                <a:spcPts val="500"/>
+              </a:spcBef>
+              <a:buFont typeface="Arial" panose="020B0604020202020204" pitchFamily="34" charset="0"/>
+              <a:buNone/>
+              <a:defRPr sz="1600" kern="1200">
+                <a:solidFill>
+                  <a:schemeClr val="tx1"/>
+                </a:solidFill>
+                <a:latin typeface="+mn-lt"/>
+                <a:ea typeface="+mn-ea"/>
+                <a:cs typeface="+mn-cs"/>
+              </a:defRPr>
+            </a:lvl5pPr>
+            <a:lvl6pPr marL="2286000" indent="0" algn="ctr" defTabSz="914400" rtl="0" eaLnBrk="1" latinLnBrk="0" hangingPunct="1">
+              <a:lnSpc>
+                <a:spcPct val="90000"/>
+              </a:lnSpc>
+              <a:spcBef>
+                <a:spcPts val="500"/>
+              </a:spcBef>
+              <a:buFont typeface="Arial" panose="020B0604020202020204" pitchFamily="34" charset="0"/>
+              <a:buNone/>
+              <a:defRPr sz="1600" kern="1200">
+                <a:solidFill>
+                  <a:schemeClr val="tx1"/>
+                </a:solidFill>
+                <a:latin typeface="+mn-lt"/>
+                <a:ea typeface="+mn-ea"/>
+                <a:cs typeface="+mn-cs"/>
+              </a:defRPr>
+            </a:lvl6pPr>
+            <a:lvl7pPr marL="2743200" indent="0" algn="ctr" defTabSz="914400" rtl="0" eaLnBrk="1" latinLnBrk="0" hangingPunct="1">
+              <a:lnSpc>
+                <a:spcPct val="90000"/>
+              </a:lnSpc>
+              <a:spcBef>
+                <a:spcPts val="500"/>
+              </a:spcBef>
+              <a:buFont typeface="Arial" panose="020B0604020202020204" pitchFamily="34" charset="0"/>
+              <a:buNone/>
+              <a:defRPr sz="1600" kern="1200">
+                <a:solidFill>
+                  <a:schemeClr val="tx1"/>
+                </a:solidFill>
+                <a:latin typeface="+mn-lt"/>
+                <a:ea typeface="+mn-ea"/>
+                <a:cs typeface="+mn-cs"/>
+              </a:defRPr>
+            </a:lvl7pPr>
+            <a:lvl8pPr marL="3200400" indent="0" algn="ctr" defTabSz="914400" rtl="0" eaLnBrk="1" latinLnBrk="0" hangingPunct="1">
+              <a:lnSpc>
+                <a:spcPct val="90000"/>
+              </a:lnSpc>
+              <a:spcBef>
+                <a:spcPts val="500"/>
+              </a:spcBef>
+              <a:buFont typeface="Arial" panose="020B0604020202020204" pitchFamily="34" charset="0"/>
+              <a:buNone/>
+              <a:defRPr sz="1600" kern="1200">
+                <a:solidFill>
+                  <a:schemeClr val="tx1"/>
+                </a:solidFill>
+                <a:latin typeface="+mn-lt"/>
+                <a:ea typeface="+mn-ea"/>
+                <a:cs typeface="+mn-cs"/>
+              </a:defRPr>
+            </a:lvl8pPr>
+            <a:lvl9pPr marL="3657600" indent="0" algn="ctr" defTabSz="914400" rtl="0" eaLnBrk="1" latinLnBrk="0" hangingPunct="1">
+              <a:lnSpc>
+                <a:spcPct val="90000"/>
+              </a:lnSpc>
+              <a:spcBef>
+                <a:spcPts val="500"/>
+              </a:spcBef>
+              <a:buFont typeface="Arial" panose="020B0604020202020204" pitchFamily="34" charset="0"/>
+              <a:buNone/>
+              <a:defRPr sz="1600" kern="1200">
+                <a:solidFill>
+                  <a:schemeClr val="tx1"/>
+                </a:solidFill>
+                <a:latin typeface="+mn-lt"/>
+                <a:ea typeface="+mn-ea"/>
+                <a:cs typeface="+mn-cs"/>
+              </a:defRPr>
+            </a:lvl9pPr>
+          </a:lstStyle>
+          <a:p>
+            <a:r>
+              <a:rPr lang="en-US" sz="2000" b="1" dirty="0">
+                <a:solidFill>
+                  <a:schemeClr val="bg1"/>
+                </a:solidFill>
+                <a:latin typeface="Segoe UI Light" panose="020B0502040204020203" pitchFamily="34" charset="0"/>
+                <a:cs typeface="Segoe UI Light" panose="020B0502040204020203" pitchFamily="34" charset="0"/>
+              </a:rPr>
+              <a:t>VS</a:t>
+            </a:r>
+          </a:p>
+        </p:txBody>
+      </p:sp>
+      <p:sp>
+        <p:nvSpPr>
+          <p:cNvPr id="15" name="Subtitle 2">
+            <a:extLst>
+              <a:ext uri="{FF2B5EF4-FFF2-40B4-BE49-F238E27FC236}">
+                <a16:creationId xmlns:a16="http://schemas.microsoft.com/office/drawing/2014/main" id="{20939731-D3B7-4A28-B941-216A5F2FD525}"/>
+              </a:ext>
+            </a:extLst>
+          </p:cNvPr>
+          <p:cNvSpPr txBox="1">
+            <a:spLocks/>
+          </p:cNvSpPr>
+          <p:nvPr/>
+        </p:nvSpPr>
+        <p:spPr>
+          <a:xfrm>
+            <a:off x="696215" y="3611992"/>
+            <a:ext cx="4368801" cy="2042969"/>
+          </a:xfrm>
+          <a:prstGeom prst="rect">
+            <a:avLst/>
+          </a:prstGeom>
+        </p:spPr>
+        <p:txBody>
+          <a:bodyPr vert="horz" lIns="91440" tIns="45720" rIns="91440" bIns="45720" rtlCol="0" anchor="ctr">
+            <a:noAutofit/>
+          </a:bodyPr>
+          <a:lstStyle>
+            <a:lvl1pPr marL="0" indent="0" algn="ctr" defTabSz="914400" rtl="0" eaLnBrk="1" latinLnBrk="0" hangingPunct="1">
+              <a:lnSpc>
+                <a:spcPct val="90000"/>
+              </a:lnSpc>
+              <a:spcBef>
+                <a:spcPts val="1000"/>
+              </a:spcBef>
+              <a:buFont typeface="Arial" panose="020B0604020202020204" pitchFamily="34" charset="0"/>
+              <a:buNone/>
+              <a:defRPr sz="2400" kern="1200">
+                <a:solidFill>
+                  <a:schemeClr val="tx1"/>
+                </a:solidFill>
+                <a:latin typeface="+mn-lt"/>
+                <a:ea typeface="+mn-ea"/>
+                <a:cs typeface="+mn-cs"/>
+              </a:defRPr>
+            </a:lvl1pPr>
+            <a:lvl2pPr marL="457200" indent="0" algn="ctr" defTabSz="914400" rtl="0" eaLnBrk="1" latinLnBrk="0" hangingPunct="1">
+              <a:lnSpc>
+                <a:spcPct val="90000"/>
+              </a:lnSpc>
+              <a:spcBef>
+                <a:spcPts val="500"/>
+              </a:spcBef>
+              <a:buFont typeface="Arial" panose="020B0604020202020204" pitchFamily="34" charset="0"/>
+              <a:buNone/>
+              <a:defRPr sz="2000" kern="1200">
+                <a:solidFill>
+                  <a:schemeClr val="tx1"/>
+                </a:solidFill>
+                <a:latin typeface="+mn-lt"/>
+                <a:ea typeface="+mn-ea"/>
+                <a:cs typeface="+mn-cs"/>
+              </a:defRPr>
+            </a:lvl2pPr>
+            <a:lvl3pPr marL="914400" indent="0" algn="ctr" defTabSz="914400" rtl="0" eaLnBrk="1" latinLnBrk="0" hangingPunct="1">
+              <a:lnSpc>
+                <a:spcPct val="90000"/>
+              </a:lnSpc>
+              <a:spcBef>
+                <a:spcPts val="500"/>
+              </a:spcBef>
+              <a:buFont typeface="Arial" panose="020B0604020202020204" pitchFamily="34" charset="0"/>
+              <a:buNone/>
+              <a:defRPr sz="1800" kern="1200">
+                <a:solidFill>
+                  <a:schemeClr val="tx1"/>
+                </a:solidFill>
+                <a:latin typeface="+mn-lt"/>
+                <a:ea typeface="+mn-ea"/>
+                <a:cs typeface="+mn-cs"/>
+              </a:defRPr>
+            </a:lvl3pPr>
+            <a:lvl4pPr marL="1371600" indent="0" algn="ctr" defTabSz="914400" rtl="0" eaLnBrk="1" latinLnBrk="0" hangingPunct="1">
+              <a:lnSpc>
+                <a:spcPct val="90000"/>
+              </a:lnSpc>
+              <a:spcBef>
+                <a:spcPts val="500"/>
+              </a:spcBef>
+              <a:buFont typeface="Arial" panose="020B0604020202020204" pitchFamily="34" charset="0"/>
+              <a:buNone/>
+              <a:defRPr sz="1600" kern="1200">
+                <a:solidFill>
+                  <a:schemeClr val="tx1"/>
+                </a:solidFill>
+                <a:latin typeface="+mn-lt"/>
+                <a:ea typeface="+mn-ea"/>
+                <a:cs typeface="+mn-cs"/>
+              </a:defRPr>
+            </a:lvl4pPr>
+            <a:lvl5pPr marL="1828800" indent="0" algn="ctr" defTabSz="914400" rtl="0" eaLnBrk="1" latinLnBrk="0" hangingPunct="1">
+              <a:lnSpc>
+                <a:spcPct val="90000"/>
+              </a:lnSpc>
+              <a:spcBef>
+                <a:spcPts val="500"/>
+              </a:spcBef>
+              <a:buFont typeface="Arial" panose="020B0604020202020204" pitchFamily="34" charset="0"/>
+              <a:buNone/>
+              <a:defRPr sz="1600" kern="1200">
+                <a:solidFill>
+                  <a:schemeClr val="tx1"/>
+                </a:solidFill>
+                <a:latin typeface="+mn-lt"/>
+                <a:ea typeface="+mn-ea"/>
+                <a:cs typeface="+mn-cs"/>
+              </a:defRPr>
+            </a:lvl5pPr>
+            <a:lvl6pPr marL="2286000" indent="0" algn="ctr" defTabSz="914400" rtl="0" eaLnBrk="1" latinLnBrk="0" hangingPunct="1">
+              <a:lnSpc>
+                <a:spcPct val="90000"/>
+              </a:lnSpc>
+              <a:spcBef>
+                <a:spcPts val="500"/>
+              </a:spcBef>
+              <a:buFont typeface="Arial" panose="020B0604020202020204" pitchFamily="34" charset="0"/>
+              <a:buNone/>
+              <a:defRPr sz="1600" kern="1200">
+                <a:solidFill>
+                  <a:schemeClr val="tx1"/>
+                </a:solidFill>
+                <a:latin typeface="+mn-lt"/>
+                <a:ea typeface="+mn-ea"/>
+                <a:cs typeface="+mn-cs"/>
+              </a:defRPr>
+            </a:lvl6pPr>
+            <a:lvl7pPr marL="2743200" indent="0" algn="ctr" defTabSz="914400" rtl="0" eaLnBrk="1" latinLnBrk="0" hangingPunct="1">
+              <a:lnSpc>
+                <a:spcPct val="90000"/>
+              </a:lnSpc>
+              <a:spcBef>
+                <a:spcPts val="500"/>
+              </a:spcBef>
+              <a:buFont typeface="Arial" panose="020B0604020202020204" pitchFamily="34" charset="0"/>
+              <a:buNone/>
+              <a:defRPr sz="1600" kern="1200">
+                <a:solidFill>
+                  <a:schemeClr val="tx1"/>
+                </a:solidFill>
+                <a:latin typeface="+mn-lt"/>
+                <a:ea typeface="+mn-ea"/>
+                <a:cs typeface="+mn-cs"/>
+              </a:defRPr>
+            </a:lvl7pPr>
+            <a:lvl8pPr marL="3200400" indent="0" algn="ctr" defTabSz="914400" rtl="0" eaLnBrk="1" latinLnBrk="0" hangingPunct="1">
+              <a:lnSpc>
+                <a:spcPct val="90000"/>
+              </a:lnSpc>
+              <a:spcBef>
+                <a:spcPts val="500"/>
+              </a:spcBef>
+              <a:buFont typeface="Arial" panose="020B0604020202020204" pitchFamily="34" charset="0"/>
+              <a:buNone/>
+              <a:defRPr sz="1600" kern="1200">
+                <a:solidFill>
+                  <a:schemeClr val="tx1"/>
+                </a:solidFill>
+                <a:latin typeface="+mn-lt"/>
+                <a:ea typeface="+mn-ea"/>
+                <a:cs typeface="+mn-cs"/>
+              </a:defRPr>
+            </a:lvl8pPr>
+            <a:lvl9pPr marL="3657600" indent="0" algn="ctr" defTabSz="914400" rtl="0" eaLnBrk="1" latinLnBrk="0" hangingPunct="1">
+              <a:lnSpc>
+                <a:spcPct val="90000"/>
+              </a:lnSpc>
+              <a:spcBef>
+                <a:spcPts val="500"/>
+              </a:spcBef>
+              <a:buFont typeface="Arial" panose="020B0604020202020204" pitchFamily="34" charset="0"/>
+              <a:buNone/>
+              <a:defRPr sz="1600" kern="1200">
+                <a:solidFill>
+                  <a:schemeClr val="tx1"/>
+                </a:solidFill>
+                <a:latin typeface="+mn-lt"/>
+                <a:ea typeface="+mn-ea"/>
+                <a:cs typeface="+mn-cs"/>
+              </a:defRPr>
+            </a:lvl9pPr>
+          </a:lstStyle>
+          <a:p>
+            <a:pPr marL="285750" indent="-285750" algn="l">
+              <a:lnSpc>
+                <a:spcPct val="150000"/>
+              </a:lnSpc>
+              <a:buFont typeface="Arial" panose="020B0604020202020204" pitchFamily="34" charset="0"/>
+              <a:buChar char="•"/>
+            </a:pPr>
+            <a:r>
+              <a:rPr lang="en-US" sz="1600" dirty="0">
+                <a:latin typeface="Segoe UI Light" panose="020B0502040204020203" pitchFamily="34" charset="0"/>
+                <a:cs typeface="Segoe UI Light" panose="020B0502040204020203" pitchFamily="34" charset="0"/>
+              </a:rPr>
+              <a:t>Application functionalities are </a:t>
+            </a:r>
+            <a:r>
+              <a:rPr lang="en-US" sz="1600" b="1" dirty="0">
+                <a:latin typeface="Segoe UI Light" panose="020B0502040204020203" pitchFamily="34" charset="0"/>
+                <a:cs typeface="Segoe UI Light" panose="020B0502040204020203" pitchFamily="34" charset="0"/>
+              </a:rPr>
+              <a:t>separated</a:t>
+            </a:r>
+            <a:r>
+              <a:rPr lang="en-US" sz="1600" dirty="0">
+                <a:latin typeface="Segoe UI Light" panose="020B0502040204020203" pitchFamily="34" charset="0"/>
+                <a:cs typeface="Segoe UI Light" panose="020B0502040204020203" pitchFamily="34" charset="0"/>
+              </a:rPr>
+              <a:t> into </a:t>
+            </a:r>
+            <a:r>
+              <a:rPr lang="en-US" sz="1600" b="1" dirty="0">
+                <a:latin typeface="Segoe UI Light" panose="020B0502040204020203" pitchFamily="34" charset="0"/>
+                <a:cs typeface="Segoe UI Light" panose="020B0502040204020203" pitchFamily="34" charset="0"/>
+              </a:rPr>
+              <a:t>multiple</a:t>
+            </a:r>
+            <a:r>
+              <a:rPr lang="en-US" sz="1600" dirty="0">
+                <a:latin typeface="Segoe UI Light" panose="020B0502040204020203" pitchFamily="34" charset="0"/>
+                <a:cs typeface="Segoe UI Light" panose="020B0502040204020203" pitchFamily="34" charset="0"/>
+              </a:rPr>
+              <a:t> modules.</a:t>
+            </a:r>
+          </a:p>
+          <a:p>
+            <a:pPr marL="285750" indent="-285750" algn="l">
+              <a:lnSpc>
+                <a:spcPct val="150000"/>
+              </a:lnSpc>
+              <a:buFont typeface="Arial" panose="020B0604020202020204" pitchFamily="34" charset="0"/>
+              <a:buChar char="•"/>
+            </a:pPr>
+            <a:r>
+              <a:rPr lang="en-US" sz="1600" dirty="0">
+                <a:latin typeface="Segoe UI Light" panose="020B0502040204020203" pitchFamily="34" charset="0"/>
+                <a:cs typeface="Segoe UI Light" panose="020B0502040204020203" pitchFamily="34" charset="0"/>
+              </a:rPr>
+              <a:t>Every module </a:t>
+            </a:r>
+            <a:r>
+              <a:rPr lang="en-US" sz="1600" b="1" dirty="0">
+                <a:latin typeface="Segoe UI Light" panose="020B0502040204020203" pitchFamily="34" charset="0"/>
+                <a:cs typeface="Segoe UI Light" panose="020B0502040204020203" pitchFamily="34" charset="0"/>
+              </a:rPr>
+              <a:t>can be layered </a:t>
+            </a:r>
+            <a:r>
+              <a:rPr lang="en-US" sz="1600" dirty="0">
+                <a:latin typeface="Segoe UI Light" panose="020B0502040204020203" pitchFamily="34" charset="0"/>
+                <a:cs typeface="Segoe UI Light" panose="020B0502040204020203" pitchFamily="34" charset="0"/>
+              </a:rPr>
+              <a:t>as multiple assemblies (projects).</a:t>
+            </a:r>
+          </a:p>
+          <a:p>
+            <a:pPr marL="285750" indent="-285750" algn="l">
+              <a:lnSpc>
+                <a:spcPct val="150000"/>
+              </a:lnSpc>
+              <a:buFont typeface="Arial" panose="020B0604020202020204" pitchFamily="34" charset="0"/>
+              <a:buChar char="•"/>
+            </a:pPr>
+            <a:r>
+              <a:rPr lang="en-US" sz="1600" dirty="0">
+                <a:latin typeface="Segoe UI Light" panose="020B0502040204020203" pitchFamily="34" charset="0"/>
+                <a:cs typeface="Segoe UI Light" panose="020B0502040204020203" pitchFamily="34" charset="0"/>
+              </a:rPr>
+              <a:t>A module can </a:t>
+            </a:r>
+            <a:r>
+              <a:rPr lang="en-US" sz="1600" b="1" dirty="0">
+                <a:latin typeface="Segoe UI Light" panose="020B0502040204020203" pitchFamily="34" charset="0"/>
+                <a:cs typeface="Segoe UI Light" panose="020B0502040204020203" pitchFamily="34" charset="0"/>
+              </a:rPr>
+              <a:t>depend on </a:t>
+            </a:r>
+            <a:r>
+              <a:rPr lang="en-US" sz="1600" dirty="0">
+                <a:latin typeface="Segoe UI Light" panose="020B0502040204020203" pitchFamily="34" charset="0"/>
+                <a:cs typeface="Segoe UI Light" panose="020B0502040204020203" pitchFamily="34" charset="0"/>
+              </a:rPr>
+              <a:t>another via project/DLL reference.</a:t>
+            </a:r>
+          </a:p>
+          <a:p>
+            <a:pPr marL="285750" indent="-285750" algn="l">
+              <a:lnSpc>
+                <a:spcPct val="150000"/>
+              </a:lnSpc>
+              <a:buFont typeface="Arial" panose="020B0604020202020204" pitchFamily="34" charset="0"/>
+              <a:buChar char="•"/>
+            </a:pPr>
+            <a:r>
+              <a:rPr lang="en-US" sz="1600" dirty="0">
+                <a:latin typeface="Segoe UI Light" panose="020B0502040204020203" pitchFamily="34" charset="0"/>
+                <a:cs typeface="Segoe UI Light" panose="020B0502040204020203" pitchFamily="34" charset="0"/>
+              </a:rPr>
+              <a:t>Still deployed as a </a:t>
+            </a:r>
+            <a:r>
+              <a:rPr lang="en-US" sz="1600" b="1" dirty="0">
+                <a:latin typeface="Segoe UI Light" panose="020B0502040204020203" pitchFamily="34" charset="0"/>
+                <a:cs typeface="Segoe UI Light" panose="020B0502040204020203" pitchFamily="34" charset="0"/>
+              </a:rPr>
+              <a:t>single unit</a:t>
+            </a:r>
+            <a:r>
+              <a:rPr lang="en-US" sz="1600" dirty="0">
+                <a:latin typeface="Segoe UI Light" panose="020B0502040204020203" pitchFamily="34" charset="0"/>
+                <a:cs typeface="Segoe UI Light" panose="020B0502040204020203" pitchFamily="34" charset="0"/>
+              </a:rPr>
+              <a:t>.</a:t>
+            </a:r>
+          </a:p>
+        </p:txBody>
+      </p:sp>
+      <p:sp>
+        <p:nvSpPr>
+          <p:cNvPr id="3" name="Rectangle 2">
+            <a:extLst>
+              <a:ext uri="{FF2B5EF4-FFF2-40B4-BE49-F238E27FC236}">
+                <a16:creationId xmlns:a16="http://schemas.microsoft.com/office/drawing/2014/main" id="{CB2F66E2-A3D7-4269-A11B-DA066935A5B4}"/>
+              </a:ext>
+            </a:extLst>
+          </p:cNvPr>
+          <p:cNvSpPr/>
+          <p:nvPr/>
+        </p:nvSpPr>
+        <p:spPr>
+          <a:xfrm>
+            <a:off x="5711588" y="930565"/>
+            <a:ext cx="5083791" cy="4285672"/>
+          </a:xfrm>
+          <a:prstGeom prst="rect">
+            <a:avLst/>
+          </a:prstGeom>
+        </p:spPr>
+        <p:style>
+          <a:lnRef idx="2">
+            <a:schemeClr val="accent1">
+              <a:shade val="50000"/>
+            </a:schemeClr>
+          </a:lnRef>
+          <a:fillRef idx="1">
+            <a:schemeClr val="accent1"/>
+          </a:fillRef>
+          <a:effectRef idx="0">
+            <a:schemeClr val="accent1"/>
+          </a:effectRef>
+          <a:fontRef idx="minor">
+            <a:schemeClr val="lt1"/>
+          </a:fontRef>
+        </p:style>
+        <p:txBody>
+          <a:bodyPr rtlCol="0" anchor="t"/>
+          <a:lstStyle/>
+          <a:p>
+            <a:pPr algn="r"/>
+            <a:r>
+              <a:rPr lang="en-US" dirty="0"/>
+              <a:t>Monolithic Application</a:t>
+            </a:r>
+          </a:p>
+        </p:txBody>
+      </p:sp>
+      <p:sp>
+        <p:nvSpPr>
+          <p:cNvPr id="6" name="Rectangle 5">
+            <a:extLst>
+              <a:ext uri="{FF2B5EF4-FFF2-40B4-BE49-F238E27FC236}">
+                <a16:creationId xmlns:a16="http://schemas.microsoft.com/office/drawing/2014/main" id="{77BE6C93-5670-47A7-B49D-2C9CD05BDBFB}"/>
+              </a:ext>
+            </a:extLst>
+          </p:cNvPr>
+          <p:cNvSpPr/>
+          <p:nvPr/>
+        </p:nvSpPr>
+        <p:spPr>
+          <a:xfrm>
+            <a:off x="6336144" y="1641763"/>
+            <a:ext cx="1826526" cy="747834"/>
+          </a:xfrm>
+          <a:prstGeom prst="rect">
+            <a:avLst/>
+          </a:prstGeom>
+        </p:spPr>
+        <p:style>
+          <a:lnRef idx="2">
+            <a:schemeClr val="accent4">
+              <a:shade val="50000"/>
+            </a:schemeClr>
+          </a:lnRef>
+          <a:fillRef idx="1">
+            <a:schemeClr val="accent4"/>
+          </a:fillRef>
+          <a:effectRef idx="0">
+            <a:schemeClr val="accent4"/>
+          </a:effectRef>
+          <a:fontRef idx="minor">
+            <a:schemeClr val="lt1"/>
+          </a:fontRef>
+        </p:style>
+        <p:txBody>
+          <a:bodyPr rtlCol="0" anchor="ctr"/>
+          <a:lstStyle/>
+          <a:p>
+            <a:pPr algn="ctr"/>
+            <a:r>
+              <a:rPr lang="en-US" dirty="0"/>
+              <a:t>Module - 1</a:t>
+            </a:r>
+          </a:p>
+        </p:txBody>
+      </p:sp>
+      <p:sp>
+        <p:nvSpPr>
+          <p:cNvPr id="12" name="Rectangle 11">
+            <a:extLst>
+              <a:ext uri="{FF2B5EF4-FFF2-40B4-BE49-F238E27FC236}">
+                <a16:creationId xmlns:a16="http://schemas.microsoft.com/office/drawing/2014/main" id="{9266DEE9-D630-4385-94FA-0FA6C44892EF}"/>
+              </a:ext>
+            </a:extLst>
+          </p:cNvPr>
+          <p:cNvSpPr/>
+          <p:nvPr/>
+        </p:nvSpPr>
+        <p:spPr>
+          <a:xfrm>
+            <a:off x="8565761" y="1641763"/>
+            <a:ext cx="1826526" cy="747834"/>
+          </a:xfrm>
+          <a:prstGeom prst="rect">
+            <a:avLst/>
+          </a:prstGeom>
+        </p:spPr>
+        <p:style>
+          <a:lnRef idx="2">
+            <a:schemeClr val="accent4">
+              <a:shade val="50000"/>
+            </a:schemeClr>
+          </a:lnRef>
+          <a:fillRef idx="1">
+            <a:schemeClr val="accent4"/>
+          </a:fillRef>
+          <a:effectRef idx="0">
+            <a:schemeClr val="accent4"/>
+          </a:effectRef>
+          <a:fontRef idx="minor">
+            <a:schemeClr val="lt1"/>
+          </a:fontRef>
+        </p:style>
+        <p:txBody>
+          <a:bodyPr rtlCol="0" anchor="ctr"/>
+          <a:lstStyle/>
+          <a:p>
+            <a:pPr algn="ctr"/>
+            <a:r>
+              <a:rPr lang="en-US" dirty="0"/>
+              <a:t>Module - 2</a:t>
+            </a:r>
+          </a:p>
+        </p:txBody>
+      </p:sp>
+      <p:sp>
+        <p:nvSpPr>
+          <p:cNvPr id="13" name="Rectangle 12">
+            <a:extLst>
+              <a:ext uri="{FF2B5EF4-FFF2-40B4-BE49-F238E27FC236}">
+                <a16:creationId xmlns:a16="http://schemas.microsoft.com/office/drawing/2014/main" id="{804A91C5-DD4F-4311-ABB1-4FCA11ACEDA6}"/>
+              </a:ext>
+            </a:extLst>
+          </p:cNvPr>
+          <p:cNvSpPr/>
+          <p:nvPr/>
+        </p:nvSpPr>
+        <p:spPr>
+          <a:xfrm>
+            <a:off x="6336144" y="2799350"/>
+            <a:ext cx="1826526" cy="747834"/>
+          </a:xfrm>
+          <a:prstGeom prst="rect">
+            <a:avLst/>
+          </a:prstGeom>
+        </p:spPr>
+        <p:style>
+          <a:lnRef idx="2">
+            <a:schemeClr val="accent4">
+              <a:shade val="50000"/>
+            </a:schemeClr>
+          </a:lnRef>
+          <a:fillRef idx="1">
+            <a:schemeClr val="accent4"/>
+          </a:fillRef>
+          <a:effectRef idx="0">
+            <a:schemeClr val="accent4"/>
+          </a:effectRef>
+          <a:fontRef idx="minor">
+            <a:schemeClr val="lt1"/>
+          </a:fontRef>
+        </p:style>
+        <p:txBody>
+          <a:bodyPr rtlCol="0" anchor="ctr"/>
+          <a:lstStyle/>
+          <a:p>
+            <a:pPr algn="ctr"/>
+            <a:r>
+              <a:rPr lang="en-US" dirty="0"/>
+              <a:t>Module - 3</a:t>
+            </a:r>
+          </a:p>
+        </p:txBody>
+      </p:sp>
+      <p:sp>
+        <p:nvSpPr>
+          <p:cNvPr id="14" name="Rectangle 13">
+            <a:extLst>
+              <a:ext uri="{FF2B5EF4-FFF2-40B4-BE49-F238E27FC236}">
+                <a16:creationId xmlns:a16="http://schemas.microsoft.com/office/drawing/2014/main" id="{3E3FC2CC-CDA5-4BF1-9ADC-B421E333CDBD}"/>
+              </a:ext>
+            </a:extLst>
+          </p:cNvPr>
+          <p:cNvSpPr/>
+          <p:nvPr/>
+        </p:nvSpPr>
+        <p:spPr>
+          <a:xfrm>
+            <a:off x="8565761" y="2799350"/>
+            <a:ext cx="1826526" cy="747834"/>
+          </a:xfrm>
+          <a:prstGeom prst="rect">
+            <a:avLst/>
+          </a:prstGeom>
+        </p:spPr>
+        <p:style>
+          <a:lnRef idx="2">
+            <a:schemeClr val="accent4">
+              <a:shade val="50000"/>
+            </a:schemeClr>
+          </a:lnRef>
+          <a:fillRef idx="1">
+            <a:schemeClr val="accent4"/>
+          </a:fillRef>
+          <a:effectRef idx="0">
+            <a:schemeClr val="accent4"/>
+          </a:effectRef>
+          <a:fontRef idx="minor">
+            <a:schemeClr val="lt1"/>
+          </a:fontRef>
+        </p:style>
+        <p:txBody>
+          <a:bodyPr rtlCol="0" anchor="ctr"/>
+          <a:lstStyle/>
+          <a:p>
+            <a:pPr algn="ctr"/>
+            <a:r>
+              <a:rPr lang="en-US" dirty="0"/>
+              <a:t>Module - 4</a:t>
+            </a:r>
+          </a:p>
+        </p:txBody>
+      </p:sp>
+      <p:sp>
+        <p:nvSpPr>
+          <p:cNvPr id="16" name="Rectangle 15">
+            <a:extLst>
+              <a:ext uri="{FF2B5EF4-FFF2-40B4-BE49-F238E27FC236}">
+                <a16:creationId xmlns:a16="http://schemas.microsoft.com/office/drawing/2014/main" id="{2273F40B-D650-479B-AC98-9A8FF2B91478}"/>
+              </a:ext>
+            </a:extLst>
+          </p:cNvPr>
+          <p:cNvSpPr/>
+          <p:nvPr/>
+        </p:nvSpPr>
+        <p:spPr>
+          <a:xfrm>
+            <a:off x="6336144" y="3956937"/>
+            <a:ext cx="1826526" cy="747834"/>
+          </a:xfrm>
+          <a:prstGeom prst="rect">
+            <a:avLst/>
+          </a:prstGeom>
+        </p:spPr>
+        <p:style>
+          <a:lnRef idx="2">
+            <a:schemeClr val="accent4">
+              <a:shade val="50000"/>
+            </a:schemeClr>
+          </a:lnRef>
+          <a:fillRef idx="1">
+            <a:schemeClr val="accent4"/>
+          </a:fillRef>
+          <a:effectRef idx="0">
+            <a:schemeClr val="accent4"/>
+          </a:effectRef>
+          <a:fontRef idx="minor">
+            <a:schemeClr val="lt1"/>
+          </a:fontRef>
+        </p:style>
+        <p:txBody>
+          <a:bodyPr rtlCol="0" anchor="ctr"/>
+          <a:lstStyle/>
+          <a:p>
+            <a:pPr algn="ctr"/>
+            <a:r>
+              <a:rPr lang="en-US" dirty="0"/>
+              <a:t>Module - 5</a:t>
+            </a:r>
+          </a:p>
+        </p:txBody>
+      </p:sp>
+      <p:sp>
+        <p:nvSpPr>
+          <p:cNvPr id="17" name="Rectangle 16">
+            <a:extLst>
+              <a:ext uri="{FF2B5EF4-FFF2-40B4-BE49-F238E27FC236}">
+                <a16:creationId xmlns:a16="http://schemas.microsoft.com/office/drawing/2014/main" id="{4C3C9F6C-58FE-4F7F-8FA5-70279C8EA8AE}"/>
+              </a:ext>
+            </a:extLst>
+          </p:cNvPr>
+          <p:cNvSpPr/>
+          <p:nvPr/>
+        </p:nvSpPr>
+        <p:spPr>
+          <a:xfrm>
+            <a:off x="8565761" y="3956937"/>
+            <a:ext cx="1826526" cy="747834"/>
+          </a:xfrm>
+          <a:prstGeom prst="rect">
+            <a:avLst/>
+          </a:prstGeom>
+        </p:spPr>
+        <p:style>
+          <a:lnRef idx="2">
+            <a:schemeClr val="accent4">
+              <a:shade val="50000"/>
+            </a:schemeClr>
+          </a:lnRef>
+          <a:fillRef idx="1">
+            <a:schemeClr val="accent4"/>
+          </a:fillRef>
+          <a:effectRef idx="0">
+            <a:schemeClr val="accent4"/>
+          </a:effectRef>
+          <a:fontRef idx="minor">
+            <a:schemeClr val="lt1"/>
+          </a:fontRef>
+        </p:style>
+        <p:txBody>
+          <a:bodyPr rtlCol="0" anchor="ctr"/>
+          <a:lstStyle/>
+          <a:p>
+            <a:pPr algn="ctr"/>
+            <a:r>
+              <a:rPr lang="en-US" dirty="0"/>
+              <a:t>Module - 6</a:t>
+            </a:r>
+          </a:p>
+        </p:txBody>
+      </p:sp>
+    </p:spTree>
+    <p:extLst>
+      <p:ext uri="{BB962C8B-B14F-4D97-AF65-F5344CB8AC3E}">
+        <p14:creationId xmlns:p14="http://schemas.microsoft.com/office/powerpoint/2010/main" val="2676614276"/>
+      </p:ext>
+    </p:extLst>
+  </p:cSld>
+  <p:clrMapOvr>
+    <a:masterClrMapping/>
+  </p:clrMapOvr>
+  <mc:AlternateContent xmlns:mc="http://schemas.openxmlformats.org/markup-compatibility/2006" xmlns:p14="http://schemas.microsoft.com/office/powerpoint/2010/main">
+    <mc:Choice Requires="p14">
+      <p:transition p14:dur="100">
+        <p:cut/>
+      </p:transition>
+    </mc:Choice>
+    <mc:Fallback xmlns="">
+      <p:transition>
+        <p:cut/>
+      </p:transition>
+    </mc:Fallback>
+  </mc:AlternateContent>
+</p:sld>
+</file>
+
+<file path=ppt/slides/slide8.xml><?xml version="1.0" encoding="utf-8"?>
+<p:sld xmlns:a="http://schemas.openxmlformats.org/drawingml/2006/main" xmlns:r="http://schemas.openxmlformats.org/officeDocument/2006/relationships" xmlns:p="http://schemas.openxmlformats.org/presentationml/2006/main">
+  <p:cSld>
+    <p:spTree>
+      <p:nvGrpSpPr>
+        <p:cNvPr id="1" name=""/>
+        <p:cNvGrpSpPr/>
+        <p:nvPr/>
+      </p:nvGrpSpPr>
+      <p:grpSpPr>
+        <a:xfrm>
+          <a:off x="0" y="0"/>
+          <a:ext cx="0" cy="0"/>
+          <a:chOff x="0" y="0"/>
+          <a:chExt cx="0" cy="0"/>
+        </a:xfrm>
+      </p:grpSpPr>
+      <p:pic>
+        <p:nvPicPr>
+          <p:cNvPr id="9" name="Picture 8">
+            <a:extLst>
+              <a:ext uri="{FF2B5EF4-FFF2-40B4-BE49-F238E27FC236}">
+                <a16:creationId xmlns:a16="http://schemas.microsoft.com/office/drawing/2014/main" id="{39E83B63-DAE7-4E06-A56F-CF1576B89936}"/>
+              </a:ext>
+            </a:extLst>
+          </p:cNvPr>
+          <p:cNvPicPr>
+            <a:picLocks noChangeAspect="1"/>
+          </p:cNvPicPr>
+          <p:nvPr/>
+        </p:nvPicPr>
+        <p:blipFill>
+          <a:blip r:embed="rId2">
+            <a:extLst>
+              <a:ext uri="{28A0092B-C50C-407E-A947-70E740481C1C}">
+                <a14:useLocalDpi xmlns:a14="http://schemas.microsoft.com/office/drawing/2010/main" val="0"/>
+              </a:ext>
+            </a:extLst>
+          </a:blip>
+          <a:stretch>
+            <a:fillRect/>
+          </a:stretch>
+        </p:blipFill>
+        <p:spPr>
+          <a:xfrm>
+            <a:off x="0" y="0"/>
+            <a:ext cx="12192000" cy="6858000"/>
+          </a:xfrm>
+          <a:prstGeom prst="rect">
+            <a:avLst/>
+          </a:prstGeom>
+        </p:spPr>
+      </p:pic>
+      <p:sp>
+        <p:nvSpPr>
+          <p:cNvPr id="2" name="Title 1">
+            <a:extLst>
+              <a:ext uri="{FF2B5EF4-FFF2-40B4-BE49-F238E27FC236}">
+                <a16:creationId xmlns:a16="http://schemas.microsoft.com/office/drawing/2014/main" id="{0DE26BD9-3178-4532-BF33-58FE331BE190}"/>
+              </a:ext>
+            </a:extLst>
+          </p:cNvPr>
+          <p:cNvSpPr>
+            <a:spLocks noGrp="1"/>
+          </p:cNvSpPr>
+          <p:nvPr>
+            <p:ph type="ctrTitle"/>
+          </p:nvPr>
+        </p:nvSpPr>
+        <p:spPr>
+          <a:xfrm>
+            <a:off x="738908" y="930564"/>
+            <a:ext cx="4858328" cy="1300845"/>
+          </a:xfrm>
+        </p:spPr>
+        <p:txBody>
+          <a:bodyPr anchor="b">
+            <a:normAutofit/>
+          </a:bodyPr>
+          <a:lstStyle/>
+          <a:p>
+            <a:pPr algn="l"/>
+            <a:r>
+              <a:rPr lang="en-US" sz="4000" b="1" dirty="0">
+                <a:solidFill>
+                  <a:srgbClr val="0041C6"/>
+                </a:solidFill>
+                <a:latin typeface="Segoe UI Semibold" panose="020B0702040204020203" pitchFamily="34" charset="0"/>
+                <a:cs typeface="Segoe UI Semibold" panose="020B0702040204020203" pitchFamily="34" charset="0"/>
+              </a:rPr>
+              <a:t>Microservices Architecture</a:t>
+            </a:r>
+          </a:p>
+        </p:txBody>
+      </p:sp>
+      <p:sp>
+        <p:nvSpPr>
+          <p:cNvPr id="5" name="Footer Placeholder 4">
+            <a:extLst>
+              <a:ext uri="{FF2B5EF4-FFF2-40B4-BE49-F238E27FC236}">
+                <a16:creationId xmlns:a16="http://schemas.microsoft.com/office/drawing/2014/main" id="{A3553ADE-3838-4EDB-9F14-97C75DE2198D}"/>
+              </a:ext>
+            </a:extLst>
+          </p:cNvPr>
+          <p:cNvSpPr>
+            <a:spLocks noGrp="1"/>
+          </p:cNvSpPr>
+          <p:nvPr>
+            <p:ph type="ftr" sz="quarter" idx="11"/>
+          </p:nvPr>
+        </p:nvSpPr>
+        <p:spPr>
+          <a:xfrm>
+            <a:off x="0" y="6483927"/>
+            <a:ext cx="4190999" cy="374073"/>
+          </a:xfrm>
+        </p:spPr>
+        <p:txBody>
+          <a:bodyPr/>
+          <a:lstStyle/>
+          <a:p>
+            <a:pPr algn="l"/>
+            <a:r>
+              <a:rPr lang="en-US" dirty="0" err="1">
+                <a:solidFill>
+                  <a:schemeClr val="tx1"/>
+                </a:solidFill>
+                <a:latin typeface="Segoe UI" panose="020B0502040204020203" pitchFamily="34" charset="0"/>
+                <a:cs typeface="Segoe UI" panose="020B0502040204020203" pitchFamily="34" charset="0"/>
+              </a:rPr>
+              <a:t>Halil</a:t>
+            </a:r>
+            <a:r>
+              <a:rPr lang="en-US" dirty="0">
+                <a:solidFill>
+                  <a:schemeClr val="tx1"/>
+                </a:solidFill>
+                <a:latin typeface="Segoe UI" panose="020B0502040204020203" pitchFamily="34" charset="0"/>
+                <a:cs typeface="Segoe UI" panose="020B0502040204020203" pitchFamily="34" charset="0"/>
+              </a:rPr>
+              <a:t> İbrahim KALKAN | @</a:t>
+            </a:r>
+            <a:r>
+              <a:rPr lang="en-US" dirty="0" err="1">
+                <a:solidFill>
+                  <a:schemeClr val="tx1"/>
+                </a:solidFill>
+                <a:latin typeface="Segoe UI" panose="020B0502040204020203" pitchFamily="34" charset="0"/>
+                <a:cs typeface="Segoe UI" panose="020B0502040204020203" pitchFamily="34" charset="0"/>
+              </a:rPr>
+              <a:t>hikalkan</a:t>
+            </a:r>
+            <a:r>
+              <a:rPr lang="en-US" dirty="0">
+                <a:solidFill>
+                  <a:schemeClr val="tx1"/>
+                </a:solidFill>
+                <a:latin typeface="Segoe UI" panose="020B0502040204020203" pitchFamily="34" charset="0"/>
+                <a:cs typeface="Segoe UI" panose="020B0502040204020203" pitchFamily="34" charset="0"/>
+              </a:rPr>
+              <a:t> | </a:t>
+            </a:r>
+            <a:r>
+              <a:rPr lang="en-US" dirty="0" err="1">
+                <a:solidFill>
+                  <a:schemeClr val="tx1"/>
+                </a:solidFill>
+                <a:latin typeface="Segoe UI" panose="020B0502040204020203" pitchFamily="34" charset="0"/>
+                <a:cs typeface="Segoe UI" panose="020B0502040204020203" pitchFamily="34" charset="0"/>
+              </a:rPr>
+              <a:t>Volosoft</a:t>
+            </a:r>
+            <a:r>
+              <a:rPr lang="en-US" dirty="0">
+                <a:solidFill>
+                  <a:schemeClr val="tx1"/>
+                </a:solidFill>
+                <a:latin typeface="Segoe UI" panose="020B0502040204020203" pitchFamily="34" charset="0"/>
+                <a:cs typeface="Segoe UI" panose="020B0502040204020203" pitchFamily="34" charset="0"/>
+              </a:rPr>
+              <a:t> TM</a:t>
+            </a:r>
+          </a:p>
+        </p:txBody>
+      </p:sp>
+      <p:sp>
+        <p:nvSpPr>
+          <p:cNvPr id="11" name="Subtitle 2">
+            <a:extLst>
+              <a:ext uri="{FF2B5EF4-FFF2-40B4-BE49-F238E27FC236}">
+                <a16:creationId xmlns:a16="http://schemas.microsoft.com/office/drawing/2014/main" id="{A769CE0C-E9B4-4049-B22B-C35AD0DD7409}"/>
+              </a:ext>
+            </a:extLst>
+          </p:cNvPr>
+          <p:cNvSpPr txBox="1">
+            <a:spLocks/>
+          </p:cNvSpPr>
+          <p:nvPr/>
+        </p:nvSpPr>
+        <p:spPr>
+          <a:xfrm>
+            <a:off x="3582554" y="2904836"/>
+            <a:ext cx="835891" cy="775853"/>
+          </a:xfrm>
+          <a:prstGeom prst="rect">
+            <a:avLst/>
+          </a:prstGeom>
+        </p:spPr>
+        <p:txBody>
+          <a:bodyPr vert="horz" lIns="91440" tIns="45720" rIns="91440" bIns="45720" rtlCol="0" anchor="ctr">
+            <a:normAutofit/>
+          </a:bodyPr>
+          <a:lstStyle>
+            <a:lvl1pPr marL="0" indent="0" algn="ctr" defTabSz="914400" rtl="0" eaLnBrk="1" latinLnBrk="0" hangingPunct="1">
+              <a:lnSpc>
+                <a:spcPct val="90000"/>
+              </a:lnSpc>
+              <a:spcBef>
+                <a:spcPts val="1000"/>
+              </a:spcBef>
+              <a:buFont typeface="Arial" panose="020B0604020202020204" pitchFamily="34" charset="0"/>
+              <a:buNone/>
+              <a:defRPr sz="2400" kern="1200">
+                <a:solidFill>
+                  <a:schemeClr val="tx1"/>
+                </a:solidFill>
+                <a:latin typeface="+mn-lt"/>
+                <a:ea typeface="+mn-ea"/>
+                <a:cs typeface="+mn-cs"/>
+              </a:defRPr>
+            </a:lvl1pPr>
+            <a:lvl2pPr marL="457200" indent="0" algn="ctr" defTabSz="914400" rtl="0" eaLnBrk="1" latinLnBrk="0" hangingPunct="1">
+              <a:lnSpc>
+                <a:spcPct val="90000"/>
+              </a:lnSpc>
+              <a:spcBef>
+                <a:spcPts val="500"/>
+              </a:spcBef>
+              <a:buFont typeface="Arial" panose="020B0604020202020204" pitchFamily="34" charset="0"/>
+              <a:buNone/>
+              <a:defRPr sz="2000" kern="1200">
+                <a:solidFill>
+                  <a:schemeClr val="tx1"/>
+                </a:solidFill>
+                <a:latin typeface="+mn-lt"/>
+                <a:ea typeface="+mn-ea"/>
+                <a:cs typeface="+mn-cs"/>
+              </a:defRPr>
+            </a:lvl2pPr>
+            <a:lvl3pPr marL="914400" indent="0" algn="ctr" defTabSz="914400" rtl="0" eaLnBrk="1" latinLnBrk="0" hangingPunct="1">
+              <a:lnSpc>
+                <a:spcPct val="90000"/>
+              </a:lnSpc>
+              <a:spcBef>
+                <a:spcPts val="500"/>
+              </a:spcBef>
+              <a:buFont typeface="Arial" panose="020B0604020202020204" pitchFamily="34" charset="0"/>
+              <a:buNone/>
+              <a:defRPr sz="1800" kern="1200">
+                <a:solidFill>
+                  <a:schemeClr val="tx1"/>
+                </a:solidFill>
+                <a:latin typeface="+mn-lt"/>
+                <a:ea typeface="+mn-ea"/>
+                <a:cs typeface="+mn-cs"/>
+              </a:defRPr>
+            </a:lvl3pPr>
+            <a:lvl4pPr marL="1371600" indent="0" algn="ctr" defTabSz="914400" rtl="0" eaLnBrk="1" latinLnBrk="0" hangingPunct="1">
+              <a:lnSpc>
+                <a:spcPct val="90000"/>
+              </a:lnSpc>
+              <a:spcBef>
+                <a:spcPts val="500"/>
+              </a:spcBef>
+              <a:buFont typeface="Arial" panose="020B0604020202020204" pitchFamily="34" charset="0"/>
+              <a:buNone/>
+              <a:defRPr sz="1600" kern="1200">
+                <a:solidFill>
+                  <a:schemeClr val="tx1"/>
+                </a:solidFill>
+                <a:latin typeface="+mn-lt"/>
+                <a:ea typeface="+mn-ea"/>
+                <a:cs typeface="+mn-cs"/>
+              </a:defRPr>
+            </a:lvl4pPr>
+            <a:lvl5pPr marL="1828800" indent="0" algn="ctr" defTabSz="914400" rtl="0" eaLnBrk="1" latinLnBrk="0" hangingPunct="1">
+              <a:lnSpc>
+                <a:spcPct val="90000"/>
+              </a:lnSpc>
+              <a:spcBef>
+                <a:spcPts val="500"/>
+              </a:spcBef>
+              <a:buFont typeface="Arial" panose="020B0604020202020204" pitchFamily="34" charset="0"/>
+              <a:buNone/>
+              <a:defRPr sz="1600" kern="1200">
+                <a:solidFill>
+                  <a:schemeClr val="tx1"/>
+                </a:solidFill>
+                <a:latin typeface="+mn-lt"/>
+                <a:ea typeface="+mn-ea"/>
+                <a:cs typeface="+mn-cs"/>
+              </a:defRPr>
+            </a:lvl5pPr>
+            <a:lvl6pPr marL="2286000" indent="0" algn="ctr" defTabSz="914400" rtl="0" eaLnBrk="1" latinLnBrk="0" hangingPunct="1">
+              <a:lnSpc>
+                <a:spcPct val="90000"/>
+              </a:lnSpc>
+              <a:spcBef>
+                <a:spcPts val="500"/>
+              </a:spcBef>
+              <a:buFont typeface="Arial" panose="020B0604020202020204" pitchFamily="34" charset="0"/>
+              <a:buNone/>
+              <a:defRPr sz="1600" kern="1200">
+                <a:solidFill>
+                  <a:schemeClr val="tx1"/>
+                </a:solidFill>
+                <a:latin typeface="+mn-lt"/>
+                <a:ea typeface="+mn-ea"/>
+                <a:cs typeface="+mn-cs"/>
+              </a:defRPr>
+            </a:lvl6pPr>
+            <a:lvl7pPr marL="2743200" indent="0" algn="ctr" defTabSz="914400" rtl="0" eaLnBrk="1" latinLnBrk="0" hangingPunct="1">
+              <a:lnSpc>
+                <a:spcPct val="90000"/>
+              </a:lnSpc>
+              <a:spcBef>
+                <a:spcPts val="500"/>
+              </a:spcBef>
+              <a:buFont typeface="Arial" panose="020B0604020202020204" pitchFamily="34" charset="0"/>
+              <a:buNone/>
+              <a:defRPr sz="1600" kern="1200">
+                <a:solidFill>
+                  <a:schemeClr val="tx1"/>
+                </a:solidFill>
+                <a:latin typeface="+mn-lt"/>
+                <a:ea typeface="+mn-ea"/>
+                <a:cs typeface="+mn-cs"/>
+              </a:defRPr>
+            </a:lvl7pPr>
+            <a:lvl8pPr marL="3200400" indent="0" algn="ctr" defTabSz="914400" rtl="0" eaLnBrk="1" latinLnBrk="0" hangingPunct="1">
+              <a:lnSpc>
+                <a:spcPct val="90000"/>
+              </a:lnSpc>
+              <a:spcBef>
+                <a:spcPts val="500"/>
+              </a:spcBef>
+              <a:buFont typeface="Arial" panose="020B0604020202020204" pitchFamily="34" charset="0"/>
+              <a:buNone/>
+              <a:defRPr sz="1600" kern="1200">
+                <a:solidFill>
+                  <a:schemeClr val="tx1"/>
+                </a:solidFill>
+                <a:latin typeface="+mn-lt"/>
+                <a:ea typeface="+mn-ea"/>
+                <a:cs typeface="+mn-cs"/>
+              </a:defRPr>
+            </a:lvl8pPr>
+            <a:lvl9pPr marL="3657600" indent="0" algn="ctr" defTabSz="914400" rtl="0" eaLnBrk="1" latinLnBrk="0" hangingPunct="1">
+              <a:lnSpc>
+                <a:spcPct val="90000"/>
+              </a:lnSpc>
+              <a:spcBef>
+                <a:spcPts val="500"/>
+              </a:spcBef>
+              <a:buFont typeface="Arial" panose="020B0604020202020204" pitchFamily="34" charset="0"/>
+              <a:buNone/>
+              <a:defRPr sz="1600" kern="1200">
+                <a:solidFill>
+                  <a:schemeClr val="tx1"/>
+                </a:solidFill>
+                <a:latin typeface="+mn-lt"/>
+                <a:ea typeface="+mn-ea"/>
+                <a:cs typeface="+mn-cs"/>
+              </a:defRPr>
+            </a:lvl9pPr>
+          </a:lstStyle>
+          <a:p>
+            <a:r>
+              <a:rPr lang="en-US" sz="2000" b="1" dirty="0">
+                <a:solidFill>
+                  <a:schemeClr val="bg1"/>
+                </a:solidFill>
+                <a:latin typeface="Segoe UI Light" panose="020B0502040204020203" pitchFamily="34" charset="0"/>
+                <a:cs typeface="Segoe UI Light" panose="020B0502040204020203" pitchFamily="34" charset="0"/>
+              </a:rPr>
+              <a:t>VS</a:t>
+            </a:r>
+          </a:p>
+        </p:txBody>
+      </p:sp>
+      <p:sp>
+        <p:nvSpPr>
+          <p:cNvPr id="15" name="Subtitle 2">
+            <a:extLst>
+              <a:ext uri="{FF2B5EF4-FFF2-40B4-BE49-F238E27FC236}">
+                <a16:creationId xmlns:a16="http://schemas.microsoft.com/office/drawing/2014/main" id="{20939731-D3B7-4A28-B941-216A5F2FD525}"/>
+              </a:ext>
+            </a:extLst>
+          </p:cNvPr>
+          <p:cNvSpPr txBox="1">
+            <a:spLocks/>
+          </p:cNvSpPr>
+          <p:nvPr/>
+        </p:nvSpPr>
+        <p:spPr>
+          <a:xfrm>
+            <a:off x="708890" y="2662072"/>
+            <a:ext cx="4368801" cy="3265364"/>
+          </a:xfrm>
+          <a:prstGeom prst="rect">
+            <a:avLst/>
+          </a:prstGeom>
+        </p:spPr>
+        <p:txBody>
+          <a:bodyPr vert="horz" lIns="91440" tIns="45720" rIns="91440" bIns="45720" rtlCol="0" anchor="ctr">
+            <a:noAutofit/>
+          </a:bodyPr>
+          <a:lstStyle>
+            <a:lvl1pPr marL="0" indent="0" algn="ctr" defTabSz="914400" rtl="0" eaLnBrk="1" latinLnBrk="0" hangingPunct="1">
+              <a:lnSpc>
+                <a:spcPct val="90000"/>
+              </a:lnSpc>
+              <a:spcBef>
+                <a:spcPts val="1000"/>
+              </a:spcBef>
+              <a:buFont typeface="Arial" panose="020B0604020202020204" pitchFamily="34" charset="0"/>
+              <a:buNone/>
+              <a:defRPr sz="2400" kern="1200">
+                <a:solidFill>
+                  <a:schemeClr val="tx1"/>
+                </a:solidFill>
+                <a:latin typeface="+mn-lt"/>
+                <a:ea typeface="+mn-ea"/>
+                <a:cs typeface="+mn-cs"/>
+              </a:defRPr>
+            </a:lvl1pPr>
+            <a:lvl2pPr marL="457200" indent="0" algn="ctr" defTabSz="914400" rtl="0" eaLnBrk="1" latinLnBrk="0" hangingPunct="1">
+              <a:lnSpc>
+                <a:spcPct val="90000"/>
+              </a:lnSpc>
+              <a:spcBef>
+                <a:spcPts val="500"/>
+              </a:spcBef>
+              <a:buFont typeface="Arial" panose="020B0604020202020204" pitchFamily="34" charset="0"/>
+              <a:buNone/>
+              <a:defRPr sz="2000" kern="1200">
+                <a:solidFill>
+                  <a:schemeClr val="tx1"/>
+                </a:solidFill>
+                <a:latin typeface="+mn-lt"/>
+                <a:ea typeface="+mn-ea"/>
+                <a:cs typeface="+mn-cs"/>
+              </a:defRPr>
+            </a:lvl2pPr>
+            <a:lvl3pPr marL="914400" indent="0" algn="ctr" defTabSz="914400" rtl="0" eaLnBrk="1" latinLnBrk="0" hangingPunct="1">
+              <a:lnSpc>
+                <a:spcPct val="90000"/>
+              </a:lnSpc>
+              <a:spcBef>
+                <a:spcPts val="500"/>
+              </a:spcBef>
+              <a:buFont typeface="Arial" panose="020B0604020202020204" pitchFamily="34" charset="0"/>
+              <a:buNone/>
+              <a:defRPr sz="1800" kern="1200">
+                <a:solidFill>
+                  <a:schemeClr val="tx1"/>
+                </a:solidFill>
+                <a:latin typeface="+mn-lt"/>
+                <a:ea typeface="+mn-ea"/>
+                <a:cs typeface="+mn-cs"/>
+              </a:defRPr>
+            </a:lvl3pPr>
+            <a:lvl4pPr marL="1371600" indent="0" algn="ctr" defTabSz="914400" rtl="0" eaLnBrk="1" latinLnBrk="0" hangingPunct="1">
+              <a:lnSpc>
+                <a:spcPct val="90000"/>
+              </a:lnSpc>
+              <a:spcBef>
+                <a:spcPts val="500"/>
+              </a:spcBef>
+              <a:buFont typeface="Arial" panose="020B0604020202020204" pitchFamily="34" charset="0"/>
+              <a:buNone/>
+              <a:defRPr sz="1600" kern="1200">
+                <a:solidFill>
+                  <a:schemeClr val="tx1"/>
+                </a:solidFill>
+                <a:latin typeface="+mn-lt"/>
+                <a:ea typeface="+mn-ea"/>
+                <a:cs typeface="+mn-cs"/>
+              </a:defRPr>
+            </a:lvl4pPr>
+            <a:lvl5pPr marL="1828800" indent="0" algn="ctr" defTabSz="914400" rtl="0" eaLnBrk="1" latinLnBrk="0" hangingPunct="1">
+              <a:lnSpc>
+                <a:spcPct val="90000"/>
+              </a:lnSpc>
+              <a:spcBef>
+                <a:spcPts val="500"/>
+              </a:spcBef>
+              <a:buFont typeface="Arial" panose="020B0604020202020204" pitchFamily="34" charset="0"/>
+              <a:buNone/>
+              <a:defRPr sz="1600" kern="1200">
+                <a:solidFill>
+                  <a:schemeClr val="tx1"/>
+                </a:solidFill>
+                <a:latin typeface="+mn-lt"/>
+                <a:ea typeface="+mn-ea"/>
+                <a:cs typeface="+mn-cs"/>
+              </a:defRPr>
+            </a:lvl5pPr>
+            <a:lvl6pPr marL="2286000" indent="0" algn="ctr" defTabSz="914400" rtl="0" eaLnBrk="1" latinLnBrk="0" hangingPunct="1">
+              <a:lnSpc>
+                <a:spcPct val="90000"/>
+              </a:lnSpc>
+              <a:spcBef>
+                <a:spcPts val="500"/>
+              </a:spcBef>
+              <a:buFont typeface="Arial" panose="020B0604020202020204" pitchFamily="34" charset="0"/>
+              <a:buNone/>
+              <a:defRPr sz="1600" kern="1200">
+                <a:solidFill>
+                  <a:schemeClr val="tx1"/>
+                </a:solidFill>
+                <a:latin typeface="+mn-lt"/>
+                <a:ea typeface="+mn-ea"/>
+                <a:cs typeface="+mn-cs"/>
+              </a:defRPr>
+            </a:lvl6pPr>
+            <a:lvl7pPr marL="2743200" indent="0" algn="ctr" defTabSz="914400" rtl="0" eaLnBrk="1" latinLnBrk="0" hangingPunct="1">
+              <a:lnSpc>
+                <a:spcPct val="90000"/>
+              </a:lnSpc>
+              <a:spcBef>
+                <a:spcPts val="500"/>
+              </a:spcBef>
+              <a:buFont typeface="Arial" panose="020B0604020202020204" pitchFamily="34" charset="0"/>
+              <a:buNone/>
+              <a:defRPr sz="1600" kern="1200">
+                <a:solidFill>
+                  <a:schemeClr val="tx1"/>
+                </a:solidFill>
+                <a:latin typeface="+mn-lt"/>
+                <a:ea typeface="+mn-ea"/>
+                <a:cs typeface="+mn-cs"/>
+              </a:defRPr>
+            </a:lvl7pPr>
+            <a:lvl8pPr marL="3200400" indent="0" algn="ctr" defTabSz="914400" rtl="0" eaLnBrk="1" latinLnBrk="0" hangingPunct="1">
+              <a:lnSpc>
+                <a:spcPct val="90000"/>
+              </a:lnSpc>
+              <a:spcBef>
+                <a:spcPts val="500"/>
+              </a:spcBef>
+              <a:buFont typeface="Arial" panose="020B0604020202020204" pitchFamily="34" charset="0"/>
+              <a:buNone/>
+              <a:defRPr sz="1600" kern="1200">
+                <a:solidFill>
+                  <a:schemeClr val="tx1"/>
+                </a:solidFill>
+                <a:latin typeface="+mn-lt"/>
+                <a:ea typeface="+mn-ea"/>
+                <a:cs typeface="+mn-cs"/>
+              </a:defRPr>
+            </a:lvl8pPr>
+            <a:lvl9pPr marL="3657600" indent="0" algn="ctr" defTabSz="914400" rtl="0" eaLnBrk="1" latinLnBrk="0" hangingPunct="1">
+              <a:lnSpc>
+                <a:spcPct val="90000"/>
+              </a:lnSpc>
+              <a:spcBef>
+                <a:spcPts val="500"/>
+              </a:spcBef>
+              <a:buFont typeface="Arial" panose="020B0604020202020204" pitchFamily="34" charset="0"/>
+              <a:buNone/>
+              <a:defRPr sz="1600" kern="1200">
+                <a:solidFill>
+                  <a:schemeClr val="tx1"/>
+                </a:solidFill>
+                <a:latin typeface="+mn-lt"/>
+                <a:ea typeface="+mn-ea"/>
+                <a:cs typeface="+mn-cs"/>
+              </a:defRPr>
+            </a:lvl9pPr>
+          </a:lstStyle>
+          <a:p>
+            <a:pPr marL="285750" indent="-285750" algn="l">
+              <a:lnSpc>
+                <a:spcPct val="150000"/>
+              </a:lnSpc>
+              <a:buFont typeface="Arial" panose="020B0604020202020204" pitchFamily="34" charset="0"/>
+              <a:buChar char="•"/>
+            </a:pPr>
+            <a:r>
+              <a:rPr lang="en-US" sz="1600" dirty="0">
+                <a:latin typeface="Segoe UI Light" panose="020B0502040204020203" pitchFamily="34" charset="0"/>
+                <a:cs typeface="Segoe UI Light" panose="020B0502040204020203" pitchFamily="34" charset="0"/>
+              </a:rPr>
+              <a:t>Modules become </a:t>
+            </a:r>
+            <a:r>
+              <a:rPr lang="en-US" sz="1600" b="1" dirty="0">
+                <a:latin typeface="Segoe UI Light" panose="020B0502040204020203" pitchFamily="34" charset="0"/>
+                <a:cs typeface="Segoe UI Light" panose="020B0502040204020203" pitchFamily="34" charset="0"/>
+              </a:rPr>
+              <a:t>services</a:t>
+            </a:r>
+            <a:r>
+              <a:rPr lang="en-US" sz="1600" dirty="0">
+                <a:latin typeface="Segoe UI Light" panose="020B0502040204020203" pitchFamily="34" charset="0"/>
+                <a:cs typeface="Segoe UI Light" panose="020B0502040204020203" pitchFamily="34" charset="0"/>
+              </a:rPr>
+              <a:t>.</a:t>
+            </a:r>
+          </a:p>
+          <a:p>
+            <a:pPr marL="285750" indent="-285750" algn="l">
+              <a:lnSpc>
+                <a:spcPct val="150000"/>
+              </a:lnSpc>
+              <a:buFont typeface="Arial" panose="020B0604020202020204" pitchFamily="34" charset="0"/>
+              <a:buChar char="•"/>
+            </a:pPr>
+            <a:r>
+              <a:rPr lang="en-US" sz="1600" dirty="0">
+                <a:latin typeface="Segoe UI Light" panose="020B0502040204020203" pitchFamily="34" charset="0"/>
+                <a:cs typeface="Segoe UI Light" panose="020B0502040204020203" pitchFamily="34" charset="0"/>
+              </a:rPr>
+              <a:t>Every microservice </a:t>
+            </a:r>
+            <a:r>
+              <a:rPr lang="en-US" sz="1600" b="1" dirty="0">
+                <a:latin typeface="Segoe UI Light" panose="020B0502040204020203" pitchFamily="34" charset="0"/>
+                <a:cs typeface="Segoe UI Light" panose="020B0502040204020203" pitchFamily="34" charset="0"/>
+              </a:rPr>
+              <a:t>can be layered </a:t>
+            </a:r>
+            <a:r>
+              <a:rPr lang="en-US" sz="1600" dirty="0">
+                <a:latin typeface="Segoe UI Light" panose="020B0502040204020203" pitchFamily="34" charset="0"/>
+                <a:cs typeface="Segoe UI Light" panose="020B0502040204020203" pitchFamily="34" charset="0"/>
+              </a:rPr>
+              <a:t>as multiple assemblies (projects).</a:t>
+            </a:r>
+          </a:p>
+          <a:p>
+            <a:pPr marL="285750" indent="-285750" algn="l">
+              <a:lnSpc>
+                <a:spcPct val="150000"/>
+              </a:lnSpc>
+              <a:buFont typeface="Arial" panose="020B0604020202020204" pitchFamily="34" charset="0"/>
+              <a:buChar char="•"/>
+            </a:pPr>
+            <a:r>
+              <a:rPr lang="en-US" sz="1600" dirty="0">
+                <a:latin typeface="Segoe UI Light" panose="020B0502040204020203" pitchFamily="34" charset="0"/>
+                <a:cs typeface="Segoe UI Light" panose="020B0502040204020203" pitchFamily="34" charset="0"/>
+              </a:rPr>
+              <a:t>A module can </a:t>
+            </a:r>
+            <a:r>
+              <a:rPr lang="en-US" sz="1600" b="1" dirty="0">
+                <a:latin typeface="Segoe UI Light" panose="020B0502040204020203" pitchFamily="34" charset="0"/>
+                <a:cs typeface="Segoe UI Light" panose="020B0502040204020203" pitchFamily="34" charset="0"/>
+              </a:rPr>
+              <a:t>depend on </a:t>
+            </a:r>
+            <a:r>
+              <a:rPr lang="en-US" sz="1600" dirty="0">
+                <a:latin typeface="Segoe UI Light" panose="020B0502040204020203" pitchFamily="34" charset="0"/>
+                <a:cs typeface="Segoe UI Light" panose="020B0502040204020203" pitchFamily="34" charset="0"/>
+              </a:rPr>
+              <a:t>another via </a:t>
+            </a:r>
+            <a:r>
+              <a:rPr lang="en-US" sz="1600" b="1" dirty="0">
+                <a:latin typeface="Segoe UI Light" panose="020B0502040204020203" pitchFamily="34" charset="0"/>
+                <a:cs typeface="Segoe UI Light" panose="020B0502040204020203" pitchFamily="34" charset="0"/>
+              </a:rPr>
+              <a:t>remote communication</a:t>
+            </a:r>
+            <a:r>
+              <a:rPr lang="en-US" sz="1600" dirty="0">
+                <a:latin typeface="Segoe UI Light" panose="020B0502040204020203" pitchFamily="34" charset="0"/>
+                <a:cs typeface="Segoe UI Light" panose="020B0502040204020203" pitchFamily="34" charset="0"/>
+              </a:rPr>
+              <a:t> (REST, </a:t>
+            </a:r>
+            <a:r>
+              <a:rPr lang="en-US" sz="1600" dirty="0" err="1">
+                <a:latin typeface="Segoe UI Light" panose="020B0502040204020203" pitchFamily="34" charset="0"/>
+                <a:cs typeface="Segoe UI Light" panose="020B0502040204020203" pitchFamily="34" charset="0"/>
+              </a:rPr>
+              <a:t>GraphQL</a:t>
+            </a:r>
+            <a:r>
+              <a:rPr lang="en-US" sz="1600" dirty="0">
+                <a:latin typeface="Segoe UI Light" panose="020B0502040204020203" pitchFamily="34" charset="0"/>
+                <a:cs typeface="Segoe UI Light" panose="020B0502040204020203" pitchFamily="34" charset="0"/>
+              </a:rPr>
+              <a:t>, Messaging… </a:t>
+            </a:r>
+            <a:r>
+              <a:rPr lang="en-US" sz="1600" dirty="0" err="1">
+                <a:latin typeface="Segoe UI Light" panose="020B0502040204020203" pitchFamily="34" charset="0"/>
+                <a:cs typeface="Segoe UI Light" panose="020B0502040204020203" pitchFamily="34" charset="0"/>
+              </a:rPr>
+              <a:t>etc</a:t>
+            </a:r>
+            <a:r>
+              <a:rPr lang="en-US" sz="1600" dirty="0">
+                <a:latin typeface="Segoe UI Light" panose="020B0502040204020203" pitchFamily="34" charset="0"/>
+                <a:cs typeface="Segoe UI Light" panose="020B0502040204020203" pitchFamily="34" charset="0"/>
+              </a:rPr>
+              <a:t>).</a:t>
+            </a:r>
+          </a:p>
+          <a:p>
+            <a:pPr marL="285750" indent="-285750" algn="l">
+              <a:lnSpc>
+                <a:spcPct val="150000"/>
+              </a:lnSpc>
+              <a:buFont typeface="Arial" panose="020B0604020202020204" pitchFamily="34" charset="0"/>
+              <a:buChar char="•"/>
+            </a:pPr>
+            <a:r>
+              <a:rPr lang="en-US" sz="1600" dirty="0">
+                <a:latin typeface="Segoe UI Light" panose="020B0502040204020203" pitchFamily="34" charset="0"/>
+                <a:cs typeface="Segoe UI Light" panose="020B0502040204020203" pitchFamily="34" charset="0"/>
+              </a:rPr>
+              <a:t>A microservice is separately </a:t>
+            </a:r>
+            <a:r>
+              <a:rPr lang="en-US" sz="1600" b="1" dirty="0">
+                <a:latin typeface="Segoe UI Light" panose="020B0502040204020203" pitchFamily="34" charset="0"/>
+                <a:cs typeface="Segoe UI Light" panose="020B0502040204020203" pitchFamily="34" charset="0"/>
+              </a:rPr>
+              <a:t>deployed, updated, versioned</a:t>
+            </a:r>
+            <a:r>
+              <a:rPr lang="en-US" sz="1600" dirty="0">
+                <a:latin typeface="Segoe UI Light" panose="020B0502040204020203" pitchFamily="34" charset="0"/>
+                <a:cs typeface="Segoe UI Light" panose="020B0502040204020203" pitchFamily="34" charset="0"/>
+              </a:rPr>
+              <a:t>.</a:t>
+            </a:r>
+          </a:p>
+        </p:txBody>
+      </p:sp>
+      <p:sp>
+        <p:nvSpPr>
+          <p:cNvPr id="6" name="Rectangle 5">
+            <a:extLst>
+              <a:ext uri="{FF2B5EF4-FFF2-40B4-BE49-F238E27FC236}">
+                <a16:creationId xmlns:a16="http://schemas.microsoft.com/office/drawing/2014/main" id="{77BE6C93-5670-47A7-B49D-2C9CD05BDBFB}"/>
+              </a:ext>
+            </a:extLst>
+          </p:cNvPr>
+          <p:cNvSpPr/>
+          <p:nvPr/>
+        </p:nvSpPr>
+        <p:spPr>
+          <a:xfrm>
+            <a:off x="6336144" y="1641763"/>
+            <a:ext cx="1826526" cy="747834"/>
+          </a:xfrm>
+          <a:prstGeom prst="rect">
+            <a:avLst/>
+          </a:prstGeom>
+        </p:spPr>
+        <p:style>
+          <a:lnRef idx="2">
+            <a:schemeClr val="accent4">
+              <a:shade val="50000"/>
+            </a:schemeClr>
+          </a:lnRef>
+          <a:fillRef idx="1">
+            <a:schemeClr val="accent4"/>
+          </a:fillRef>
+          <a:effectRef idx="0">
+            <a:schemeClr val="accent4"/>
+          </a:effectRef>
+          <a:fontRef idx="minor">
+            <a:schemeClr val="lt1"/>
+          </a:fontRef>
+        </p:style>
+        <p:txBody>
+          <a:bodyPr rtlCol="0" anchor="ctr"/>
+          <a:lstStyle/>
+          <a:p>
+            <a:pPr algn="ctr"/>
+            <a:r>
+              <a:rPr lang="en-US" dirty="0"/>
+              <a:t>Microservice - 1</a:t>
+            </a:r>
+          </a:p>
+        </p:txBody>
+      </p:sp>
+      <p:sp>
+        <p:nvSpPr>
+          <p:cNvPr id="12" name="Rectangle 11">
+            <a:extLst>
+              <a:ext uri="{FF2B5EF4-FFF2-40B4-BE49-F238E27FC236}">
+                <a16:creationId xmlns:a16="http://schemas.microsoft.com/office/drawing/2014/main" id="{9266DEE9-D630-4385-94FA-0FA6C44892EF}"/>
+              </a:ext>
+            </a:extLst>
+          </p:cNvPr>
+          <p:cNvSpPr/>
+          <p:nvPr/>
+        </p:nvSpPr>
+        <p:spPr>
+          <a:xfrm>
+            <a:off x="8565761" y="1641763"/>
+            <a:ext cx="1826526" cy="747834"/>
+          </a:xfrm>
+          <a:prstGeom prst="rect">
+            <a:avLst/>
+          </a:prstGeom>
+        </p:spPr>
+        <p:style>
+          <a:lnRef idx="2">
+            <a:schemeClr val="accent4">
+              <a:shade val="50000"/>
+            </a:schemeClr>
+          </a:lnRef>
+          <a:fillRef idx="1">
+            <a:schemeClr val="accent4"/>
+          </a:fillRef>
+          <a:effectRef idx="0">
+            <a:schemeClr val="accent4"/>
+          </a:effectRef>
+          <a:fontRef idx="minor">
+            <a:schemeClr val="lt1"/>
+          </a:fontRef>
+        </p:style>
+        <p:txBody>
+          <a:bodyPr rtlCol="0" anchor="ctr"/>
+          <a:lstStyle/>
+          <a:p>
+            <a:pPr algn="ctr"/>
+            <a:r>
+              <a:rPr lang="en-US" dirty="0"/>
+              <a:t>Microservice - 2</a:t>
+            </a:r>
+          </a:p>
+        </p:txBody>
+      </p:sp>
+      <p:sp>
+        <p:nvSpPr>
+          <p:cNvPr id="13" name="Rectangle 12">
+            <a:extLst>
+              <a:ext uri="{FF2B5EF4-FFF2-40B4-BE49-F238E27FC236}">
+                <a16:creationId xmlns:a16="http://schemas.microsoft.com/office/drawing/2014/main" id="{804A91C5-DD4F-4311-ABB1-4FCA11ACEDA6}"/>
+              </a:ext>
+            </a:extLst>
+          </p:cNvPr>
+          <p:cNvSpPr/>
+          <p:nvPr/>
+        </p:nvSpPr>
+        <p:spPr>
+          <a:xfrm>
+            <a:off x="6348828" y="3547184"/>
+            <a:ext cx="1826526" cy="747834"/>
+          </a:xfrm>
+          <a:prstGeom prst="rect">
+            <a:avLst/>
+          </a:prstGeom>
+        </p:spPr>
+        <p:style>
+          <a:lnRef idx="2">
+            <a:schemeClr val="accent4">
+              <a:shade val="50000"/>
+            </a:schemeClr>
+          </a:lnRef>
+          <a:fillRef idx="1">
+            <a:schemeClr val="accent4"/>
+          </a:fillRef>
+          <a:effectRef idx="0">
+            <a:schemeClr val="accent4"/>
+          </a:effectRef>
+          <a:fontRef idx="minor">
+            <a:schemeClr val="lt1"/>
+          </a:fontRef>
+        </p:style>
+        <p:txBody>
+          <a:bodyPr rtlCol="0" anchor="ctr"/>
+          <a:lstStyle/>
+          <a:p>
+            <a:pPr algn="ctr"/>
+            <a:r>
+              <a:rPr lang="en-US" dirty="0"/>
+              <a:t>Microservice - 3</a:t>
+            </a:r>
+          </a:p>
+        </p:txBody>
+      </p:sp>
+      <p:sp>
+        <p:nvSpPr>
+          <p:cNvPr id="14" name="Rectangle 13">
+            <a:extLst>
+              <a:ext uri="{FF2B5EF4-FFF2-40B4-BE49-F238E27FC236}">
+                <a16:creationId xmlns:a16="http://schemas.microsoft.com/office/drawing/2014/main" id="{3E3FC2CC-CDA5-4BF1-9ADC-B421E333CDBD}"/>
+              </a:ext>
+            </a:extLst>
+          </p:cNvPr>
+          <p:cNvSpPr/>
+          <p:nvPr/>
+        </p:nvSpPr>
+        <p:spPr>
+          <a:xfrm>
+            <a:off x="8627175" y="3547184"/>
+            <a:ext cx="1826526" cy="747834"/>
+          </a:xfrm>
+          <a:prstGeom prst="rect">
+            <a:avLst/>
+          </a:prstGeom>
+        </p:spPr>
+        <p:style>
+          <a:lnRef idx="2">
+            <a:schemeClr val="accent4">
+              <a:shade val="50000"/>
+            </a:schemeClr>
+          </a:lnRef>
+          <a:fillRef idx="1">
+            <a:schemeClr val="accent4"/>
+          </a:fillRef>
+          <a:effectRef idx="0">
+            <a:schemeClr val="accent4"/>
+          </a:effectRef>
+          <a:fontRef idx="minor">
+            <a:schemeClr val="lt1"/>
+          </a:fontRef>
+        </p:style>
+        <p:txBody>
+          <a:bodyPr rtlCol="0" anchor="ctr"/>
+          <a:lstStyle/>
+          <a:p>
+            <a:pPr algn="ctr"/>
+            <a:r>
+              <a:rPr lang="en-US" dirty="0"/>
+              <a:t>Microservice - 4</a:t>
+            </a:r>
+          </a:p>
+        </p:txBody>
+      </p:sp>
+      <p:cxnSp>
+        <p:nvCxnSpPr>
+          <p:cNvPr id="7" name="Straight Arrow Connector 6">
+            <a:extLst>
+              <a:ext uri="{FF2B5EF4-FFF2-40B4-BE49-F238E27FC236}">
+                <a16:creationId xmlns:a16="http://schemas.microsoft.com/office/drawing/2014/main" id="{15107B99-2942-4BC0-A3D9-54E1B7B78060}"/>
+              </a:ext>
+            </a:extLst>
+          </p:cNvPr>
+          <p:cNvCxnSpPr>
+            <a:stCxn id="13" idx="0"/>
+            <a:endCxn id="6" idx="2"/>
+          </p:cNvCxnSpPr>
+          <p:nvPr/>
+        </p:nvCxnSpPr>
+        <p:spPr>
+          <a:xfrm flipH="1" flipV="1">
+            <a:off x="7249407" y="2389597"/>
+            <a:ext cx="12684" cy="1157587"/>
+          </a:xfrm>
+          <a:prstGeom prst="straightConnector1">
+            <a:avLst/>
+          </a:prstGeom>
+          <a:ln w="50800">
+            <a:tailEnd type="triangle"/>
+          </a:ln>
+        </p:spPr>
+        <p:style>
+          <a:lnRef idx="1">
+            <a:schemeClr val="accent1"/>
+          </a:lnRef>
+          <a:fillRef idx="0">
+            <a:schemeClr val="accent1"/>
+          </a:fillRef>
+          <a:effectRef idx="0">
+            <a:schemeClr val="accent1"/>
+          </a:effectRef>
+          <a:fontRef idx="minor">
+            <a:schemeClr val="tx1"/>
+          </a:fontRef>
+        </p:style>
+      </p:cxnSp>
+      <p:cxnSp>
+        <p:nvCxnSpPr>
+          <p:cNvPr id="10" name="Straight Arrow Connector 9">
+            <a:extLst>
+              <a:ext uri="{FF2B5EF4-FFF2-40B4-BE49-F238E27FC236}">
+                <a16:creationId xmlns:a16="http://schemas.microsoft.com/office/drawing/2014/main" id="{278B0DF7-D829-4FA0-A6E4-FE8795D789EC}"/>
+              </a:ext>
+            </a:extLst>
+          </p:cNvPr>
+          <p:cNvCxnSpPr>
+            <a:stCxn id="14" idx="1"/>
+            <a:endCxn id="13" idx="3"/>
+          </p:cNvCxnSpPr>
+          <p:nvPr/>
+        </p:nvCxnSpPr>
+        <p:spPr>
+          <a:xfrm flipH="1">
+            <a:off x="8175354" y="3921101"/>
+            <a:ext cx="451821" cy="0"/>
+          </a:xfrm>
+          <a:prstGeom prst="straightConnector1">
+            <a:avLst/>
+          </a:prstGeom>
+          <a:ln w="50800">
+            <a:tailEnd type="triangle"/>
+          </a:ln>
+        </p:spPr>
+        <p:style>
+          <a:lnRef idx="1">
+            <a:schemeClr val="accent1"/>
+          </a:lnRef>
+          <a:fillRef idx="0">
+            <a:schemeClr val="accent1"/>
+          </a:fillRef>
+          <a:effectRef idx="0">
+            <a:schemeClr val="accent1"/>
+          </a:effectRef>
+          <a:fontRef idx="minor">
+            <a:schemeClr val="tx1"/>
+          </a:fontRef>
+        </p:style>
+      </p:cxnSp>
+      <p:cxnSp>
+        <p:nvCxnSpPr>
+          <p:cNvPr id="20" name="Straight Arrow Connector 19">
+            <a:extLst>
+              <a:ext uri="{FF2B5EF4-FFF2-40B4-BE49-F238E27FC236}">
+                <a16:creationId xmlns:a16="http://schemas.microsoft.com/office/drawing/2014/main" id="{8E41D851-03FB-450C-8D3F-E861494A234B}"/>
+              </a:ext>
+            </a:extLst>
+          </p:cNvPr>
+          <p:cNvCxnSpPr/>
+          <p:nvPr/>
+        </p:nvCxnSpPr>
+        <p:spPr>
+          <a:xfrm flipV="1">
+            <a:off x="7499445" y="2389597"/>
+            <a:ext cx="1521725" cy="1157587"/>
+          </a:xfrm>
+          <a:prstGeom prst="straightConnector1">
+            <a:avLst/>
+          </a:prstGeom>
+          <a:ln w="50800">
+            <a:tailEnd type="triangle"/>
+          </a:ln>
+        </p:spPr>
+        <p:style>
+          <a:lnRef idx="1">
+            <a:schemeClr val="accent1"/>
+          </a:lnRef>
+          <a:fillRef idx="0">
+            <a:schemeClr val="accent1"/>
+          </a:fillRef>
+          <a:effectRef idx="0">
+            <a:schemeClr val="accent1"/>
+          </a:effectRef>
+          <a:fontRef idx="minor">
+            <a:schemeClr val="tx1"/>
+          </a:fontRef>
+        </p:style>
+      </p:cxnSp>
+    </p:spTree>
+    <p:extLst>
+      <p:ext uri="{BB962C8B-B14F-4D97-AF65-F5344CB8AC3E}">
+        <p14:creationId xmlns:p14="http://schemas.microsoft.com/office/powerpoint/2010/main" val="116174797"/>
+      </p:ext>
+    </p:extLst>
+  </p:cSld>
+  <p:clrMapOvr>
+    <a:masterClrMapping/>
+  </p:clrMapOvr>
+  <mc:AlternateContent xmlns:mc="http://schemas.openxmlformats.org/markup-compatibility/2006" xmlns:p14="http://schemas.microsoft.com/office/powerpoint/2010/main">
+    <mc:Choice Requires="p14">
+      <p:transition p14:dur="100">
+        <p:cut/>
+      </p:transition>
+    </mc:Choice>
+    <mc:Fallback xmlns="">
+      <p:transition>
+        <p:cut/>
+      </p:transition>
+    </mc:Fallback>
+  </mc:AlternateContent>
+</p:sld>
+</file>
+
+<file path=ppt/slides/slide9.xml><?xml version="1.0" encoding="utf-8"?>
+<p:sld xmlns:a="http://schemas.openxmlformats.org/drawingml/2006/main" xmlns:r="http://schemas.openxmlformats.org/officeDocument/2006/relationships" xmlns:p="http://schemas.openxmlformats.org/presentationml/2006/main">
+  <p:cSld>
+    <p:spTree>
+      <p:nvGrpSpPr>
+        <p:cNvPr id="1" name=""/>
+        <p:cNvGrpSpPr/>
+        <p:nvPr/>
+      </p:nvGrpSpPr>
+      <p:grpSpPr>
+        <a:xfrm>
+          <a:off x="0" y="0"/>
+          <a:ext cx="0" cy="0"/>
+          <a:chOff x="0" y="0"/>
+          <a:chExt cx="0" cy="0"/>
+        </a:xfrm>
+      </p:grpSpPr>
+      <p:pic>
+        <p:nvPicPr>
+          <p:cNvPr id="19" name="Picture 18">
+            <a:extLst>
+              <a:ext uri="{FF2B5EF4-FFF2-40B4-BE49-F238E27FC236}">
+                <a16:creationId xmlns:a16="http://schemas.microsoft.com/office/drawing/2014/main" id="{38981447-9723-40B3-902B-DA8C7B4D8B8E}"/>
+              </a:ext>
+            </a:extLst>
+          </p:cNvPr>
+          <p:cNvPicPr>
+            <a:picLocks noChangeAspect="1"/>
+          </p:cNvPicPr>
+          <p:nvPr/>
+        </p:nvPicPr>
+        <p:blipFill>
+          <a:blip r:embed="rId2">
+            <a:extLst>
+              <a:ext uri="{28A0092B-C50C-407E-A947-70E740481C1C}">
+                <a14:useLocalDpi xmlns:a14="http://schemas.microsoft.com/office/drawing/2010/main" val="0"/>
+              </a:ext>
+            </a:extLst>
+          </a:blip>
+          <a:stretch>
+            <a:fillRect/>
+          </a:stretch>
+        </p:blipFill>
+        <p:spPr>
+          <a:xfrm>
+            <a:off x="0" y="0"/>
+            <a:ext cx="12192000" cy="6858000"/>
+          </a:xfrm>
+          <a:prstGeom prst="rect">
+            <a:avLst/>
+          </a:prstGeom>
+        </p:spPr>
+      </p:pic>
+      <p:sp>
+        <p:nvSpPr>
+          <p:cNvPr id="2" name="Title 1">
+            <a:extLst>
+              <a:ext uri="{FF2B5EF4-FFF2-40B4-BE49-F238E27FC236}">
+                <a16:creationId xmlns:a16="http://schemas.microsoft.com/office/drawing/2014/main" id="{0DE26BD9-3178-4532-BF33-58FE331BE190}"/>
+              </a:ext>
+            </a:extLst>
+          </p:cNvPr>
+          <p:cNvSpPr>
+            <a:spLocks noGrp="1"/>
+          </p:cNvSpPr>
+          <p:nvPr>
+            <p:ph type="ctrTitle"/>
+          </p:nvPr>
+        </p:nvSpPr>
+        <p:spPr>
+          <a:xfrm>
+            <a:off x="0" y="2"/>
+            <a:ext cx="12192000" cy="2205182"/>
+          </a:xfrm>
+        </p:spPr>
+        <p:txBody>
+          <a:bodyPr anchor="b">
+            <a:normAutofit/>
+          </a:bodyPr>
+          <a:lstStyle/>
+          <a:p>
+            <a:r>
+              <a:rPr lang="en-US" sz="4000" b="1" dirty="0">
+                <a:latin typeface="Segoe UI Light" panose="020B0502040204020203" pitchFamily="34" charset="0"/>
+                <a:cs typeface="Segoe UI Light" panose="020B0502040204020203" pitchFamily="34" charset="0"/>
+              </a:rPr>
+              <a:t>What is a</a:t>
+            </a:r>
+            <a:br>
+              <a:rPr lang="en-US" sz="4000" b="1" dirty="0">
+                <a:latin typeface="Segoe UI Semibold" panose="020B0702040204020203" pitchFamily="34" charset="0"/>
+                <a:cs typeface="Segoe UI Semibold" panose="020B0702040204020203" pitchFamily="34" charset="0"/>
+              </a:rPr>
+            </a:br>
+            <a:r>
+              <a:rPr lang="en-US" sz="4000" b="1" dirty="0">
+                <a:solidFill>
+                  <a:srgbClr val="0041C6"/>
+                </a:solidFill>
+                <a:latin typeface="Segoe UI Semibold" panose="020B0702040204020203" pitchFamily="34" charset="0"/>
+                <a:cs typeface="Segoe UI Semibold" panose="020B0702040204020203" pitchFamily="34" charset="0"/>
+              </a:rPr>
+              <a:t>Module?</a:t>
+            </a:r>
+          </a:p>
+        </p:txBody>
+      </p:sp>
+      <p:sp>
+        <p:nvSpPr>
+          <p:cNvPr id="3" name="Subtitle 2">
+            <a:extLst>
+              <a:ext uri="{FF2B5EF4-FFF2-40B4-BE49-F238E27FC236}">
+                <a16:creationId xmlns:a16="http://schemas.microsoft.com/office/drawing/2014/main" id="{A5EF6AF5-284D-4238-A879-57E6D7F4C605}"/>
+              </a:ext>
+            </a:extLst>
+          </p:cNvPr>
+          <p:cNvSpPr>
+            <a:spLocks noGrp="1"/>
+          </p:cNvSpPr>
+          <p:nvPr>
+            <p:ph type="subTitle" idx="1"/>
+          </p:nvPr>
+        </p:nvSpPr>
+        <p:spPr>
+          <a:xfrm>
+            <a:off x="2013045" y="2959688"/>
+            <a:ext cx="4190999" cy="775853"/>
+          </a:xfrm>
+        </p:spPr>
+        <p:txBody>
+          <a:bodyPr anchor="ctr">
+            <a:normAutofit/>
+          </a:bodyPr>
+          <a:lstStyle/>
+          <a:p>
+            <a:r>
+              <a:rPr lang="en-US" sz="2000" dirty="0">
+                <a:latin typeface="Segoe UI Semibold" panose="020B0702040204020203" pitchFamily="34" charset="0"/>
+                <a:cs typeface="Segoe UI Semibold" panose="020B0702040204020203" pitchFamily="34" charset="0"/>
+              </a:rPr>
+              <a:t>BUSINESS</a:t>
+            </a:r>
+          </a:p>
+          <a:p>
+            <a:r>
+              <a:rPr lang="en-US" sz="2000" dirty="0">
+                <a:latin typeface="Segoe UI Semibold" panose="020B0702040204020203" pitchFamily="34" charset="0"/>
+                <a:cs typeface="Segoe UI Semibold" panose="020B0702040204020203" pitchFamily="34" charset="0"/>
+              </a:rPr>
+              <a:t>MODULE</a:t>
+            </a:r>
+          </a:p>
+        </p:txBody>
+      </p:sp>
+      <p:sp>
+        <p:nvSpPr>
+          <p:cNvPr id="5" name="Footer Placeholder 4">
+            <a:extLst>
+              <a:ext uri="{FF2B5EF4-FFF2-40B4-BE49-F238E27FC236}">
+                <a16:creationId xmlns:a16="http://schemas.microsoft.com/office/drawing/2014/main" id="{A3553ADE-3838-4EDB-9F14-97C75DE2198D}"/>
+              </a:ext>
+            </a:extLst>
+          </p:cNvPr>
+          <p:cNvSpPr>
+            <a:spLocks noGrp="1"/>
+          </p:cNvSpPr>
+          <p:nvPr>
+            <p:ph type="ftr" sz="quarter" idx="11"/>
+          </p:nvPr>
+        </p:nvSpPr>
+        <p:spPr>
+          <a:xfrm>
+            <a:off x="0" y="6483927"/>
+            <a:ext cx="4190999" cy="374073"/>
+          </a:xfrm>
+        </p:spPr>
+        <p:txBody>
+          <a:bodyPr/>
+          <a:lstStyle/>
+          <a:p>
+            <a:pPr algn="l"/>
+            <a:r>
+              <a:rPr lang="en-US" dirty="0" err="1">
+                <a:solidFill>
+                  <a:schemeClr val="tx1"/>
+                </a:solidFill>
+                <a:latin typeface="Segoe UI" panose="020B0502040204020203" pitchFamily="34" charset="0"/>
+                <a:cs typeface="Segoe UI" panose="020B0502040204020203" pitchFamily="34" charset="0"/>
+              </a:rPr>
+              <a:t>Halil</a:t>
+            </a:r>
+            <a:r>
+              <a:rPr lang="en-US" dirty="0">
+                <a:solidFill>
+                  <a:schemeClr val="tx1"/>
+                </a:solidFill>
+                <a:latin typeface="Segoe UI" panose="020B0502040204020203" pitchFamily="34" charset="0"/>
+                <a:cs typeface="Segoe UI" panose="020B0502040204020203" pitchFamily="34" charset="0"/>
+              </a:rPr>
+              <a:t> İbrahim KALKAN | @</a:t>
+            </a:r>
+            <a:r>
+              <a:rPr lang="en-US" dirty="0" err="1">
+                <a:solidFill>
+                  <a:schemeClr val="tx1"/>
+                </a:solidFill>
+                <a:latin typeface="Segoe UI" panose="020B0502040204020203" pitchFamily="34" charset="0"/>
+                <a:cs typeface="Segoe UI" panose="020B0502040204020203" pitchFamily="34" charset="0"/>
+              </a:rPr>
+              <a:t>hikalkan</a:t>
+            </a:r>
+            <a:r>
+              <a:rPr lang="en-US" dirty="0">
+                <a:solidFill>
+                  <a:schemeClr val="tx1"/>
+                </a:solidFill>
+                <a:latin typeface="Segoe UI" panose="020B0502040204020203" pitchFamily="34" charset="0"/>
+                <a:cs typeface="Segoe UI" panose="020B0502040204020203" pitchFamily="34" charset="0"/>
+              </a:rPr>
+              <a:t> | </a:t>
+            </a:r>
+            <a:r>
+              <a:rPr lang="en-US" dirty="0" err="1">
+                <a:solidFill>
+                  <a:schemeClr val="tx1"/>
+                </a:solidFill>
+                <a:latin typeface="Segoe UI" panose="020B0502040204020203" pitchFamily="34" charset="0"/>
+                <a:cs typeface="Segoe UI" panose="020B0502040204020203" pitchFamily="34" charset="0"/>
+              </a:rPr>
+              <a:t>Volosoft</a:t>
+            </a:r>
+            <a:r>
+              <a:rPr lang="en-US" dirty="0">
+                <a:solidFill>
+                  <a:schemeClr val="tx1"/>
+                </a:solidFill>
+                <a:latin typeface="Segoe UI" panose="020B0502040204020203" pitchFamily="34" charset="0"/>
+                <a:cs typeface="Segoe UI" panose="020B0502040204020203" pitchFamily="34" charset="0"/>
+              </a:rPr>
+              <a:t> TM</a:t>
+            </a:r>
+          </a:p>
+        </p:txBody>
+      </p:sp>
+      <p:sp>
+        <p:nvSpPr>
+          <p:cNvPr id="8" name="Subtitle 2">
+            <a:extLst>
+              <a:ext uri="{FF2B5EF4-FFF2-40B4-BE49-F238E27FC236}">
+                <a16:creationId xmlns:a16="http://schemas.microsoft.com/office/drawing/2014/main" id="{EE72910A-3EC0-440A-9573-B23359DD29F8}"/>
+              </a:ext>
+            </a:extLst>
+          </p:cNvPr>
+          <p:cNvSpPr txBox="1">
+            <a:spLocks/>
+          </p:cNvSpPr>
+          <p:nvPr/>
+        </p:nvSpPr>
+        <p:spPr>
+          <a:xfrm>
+            <a:off x="6013545" y="2959686"/>
+            <a:ext cx="4190999" cy="775853"/>
+          </a:xfrm>
+          <a:prstGeom prst="rect">
+            <a:avLst/>
+          </a:prstGeom>
+        </p:spPr>
+        <p:txBody>
+          <a:bodyPr vert="horz" lIns="91440" tIns="45720" rIns="91440" bIns="45720" rtlCol="0" anchor="ctr">
+            <a:normAutofit/>
+          </a:bodyPr>
+          <a:lstStyle>
+            <a:lvl1pPr marL="0" indent="0" algn="ctr" defTabSz="914400" rtl="0" eaLnBrk="1" latinLnBrk="0" hangingPunct="1">
+              <a:lnSpc>
+                <a:spcPct val="90000"/>
+              </a:lnSpc>
+              <a:spcBef>
+                <a:spcPts val="1000"/>
+              </a:spcBef>
+              <a:buFont typeface="Arial" panose="020B0604020202020204" pitchFamily="34" charset="0"/>
+              <a:buNone/>
+              <a:defRPr sz="2400" kern="1200">
+                <a:solidFill>
+                  <a:schemeClr val="tx1"/>
+                </a:solidFill>
+                <a:latin typeface="+mn-lt"/>
+                <a:ea typeface="+mn-ea"/>
+                <a:cs typeface="+mn-cs"/>
+              </a:defRPr>
+            </a:lvl1pPr>
+            <a:lvl2pPr marL="457200" indent="0" algn="ctr" defTabSz="914400" rtl="0" eaLnBrk="1" latinLnBrk="0" hangingPunct="1">
+              <a:lnSpc>
+                <a:spcPct val="90000"/>
+              </a:lnSpc>
+              <a:spcBef>
+                <a:spcPts val="500"/>
+              </a:spcBef>
+              <a:buFont typeface="Arial" panose="020B0604020202020204" pitchFamily="34" charset="0"/>
+              <a:buNone/>
+              <a:defRPr sz="2000" kern="1200">
+                <a:solidFill>
+                  <a:schemeClr val="tx1"/>
+                </a:solidFill>
+                <a:latin typeface="+mn-lt"/>
+                <a:ea typeface="+mn-ea"/>
+                <a:cs typeface="+mn-cs"/>
+              </a:defRPr>
+            </a:lvl2pPr>
+            <a:lvl3pPr marL="914400" indent="0" algn="ctr" defTabSz="914400" rtl="0" eaLnBrk="1" latinLnBrk="0" hangingPunct="1">
+              <a:lnSpc>
+                <a:spcPct val="90000"/>
+              </a:lnSpc>
+              <a:spcBef>
+                <a:spcPts val="500"/>
+              </a:spcBef>
+              <a:buFont typeface="Arial" panose="020B0604020202020204" pitchFamily="34" charset="0"/>
+              <a:buNone/>
+              <a:defRPr sz="1800" kern="1200">
+                <a:solidFill>
+                  <a:schemeClr val="tx1"/>
+                </a:solidFill>
+                <a:latin typeface="+mn-lt"/>
+                <a:ea typeface="+mn-ea"/>
+                <a:cs typeface="+mn-cs"/>
+              </a:defRPr>
+            </a:lvl3pPr>
+            <a:lvl4pPr marL="1371600" indent="0" algn="ctr" defTabSz="914400" rtl="0" eaLnBrk="1" latinLnBrk="0" hangingPunct="1">
+              <a:lnSpc>
+                <a:spcPct val="90000"/>
+              </a:lnSpc>
+              <a:spcBef>
+                <a:spcPts val="500"/>
+              </a:spcBef>
+              <a:buFont typeface="Arial" panose="020B0604020202020204" pitchFamily="34" charset="0"/>
+              <a:buNone/>
+              <a:defRPr sz="1600" kern="1200">
+                <a:solidFill>
+                  <a:schemeClr val="tx1"/>
+                </a:solidFill>
+                <a:latin typeface="+mn-lt"/>
+                <a:ea typeface="+mn-ea"/>
+                <a:cs typeface="+mn-cs"/>
+              </a:defRPr>
+            </a:lvl4pPr>
+            <a:lvl5pPr marL="1828800" indent="0" algn="ctr" defTabSz="914400" rtl="0" eaLnBrk="1" latinLnBrk="0" hangingPunct="1">
+              <a:lnSpc>
+                <a:spcPct val="90000"/>
+              </a:lnSpc>
+              <a:spcBef>
+                <a:spcPts val="500"/>
+              </a:spcBef>
+              <a:buFont typeface="Arial" panose="020B0604020202020204" pitchFamily="34" charset="0"/>
+              <a:buNone/>
+              <a:defRPr sz="1600" kern="1200">
+                <a:solidFill>
+                  <a:schemeClr val="tx1"/>
+                </a:solidFill>
+                <a:latin typeface="+mn-lt"/>
+                <a:ea typeface="+mn-ea"/>
+                <a:cs typeface="+mn-cs"/>
+              </a:defRPr>
+            </a:lvl5pPr>
+            <a:lvl6pPr marL="2286000" indent="0" algn="ctr" defTabSz="914400" rtl="0" eaLnBrk="1" latinLnBrk="0" hangingPunct="1">
+              <a:lnSpc>
+                <a:spcPct val="90000"/>
+              </a:lnSpc>
+              <a:spcBef>
+                <a:spcPts val="500"/>
+              </a:spcBef>
+              <a:buFont typeface="Arial" panose="020B0604020202020204" pitchFamily="34" charset="0"/>
+              <a:buNone/>
+              <a:defRPr sz="1600" kern="1200">
+                <a:solidFill>
+                  <a:schemeClr val="tx1"/>
+                </a:solidFill>
+                <a:latin typeface="+mn-lt"/>
+                <a:ea typeface="+mn-ea"/>
+                <a:cs typeface="+mn-cs"/>
+              </a:defRPr>
+            </a:lvl6pPr>
+            <a:lvl7pPr marL="2743200" indent="0" algn="ctr" defTabSz="914400" rtl="0" eaLnBrk="1" latinLnBrk="0" hangingPunct="1">
+              <a:lnSpc>
+                <a:spcPct val="90000"/>
+              </a:lnSpc>
+              <a:spcBef>
+                <a:spcPts val="500"/>
+              </a:spcBef>
+              <a:buFont typeface="Arial" panose="020B0604020202020204" pitchFamily="34" charset="0"/>
+              <a:buNone/>
+              <a:defRPr sz="1600" kern="1200">
+                <a:solidFill>
+                  <a:schemeClr val="tx1"/>
+                </a:solidFill>
+                <a:latin typeface="+mn-lt"/>
+                <a:ea typeface="+mn-ea"/>
+                <a:cs typeface="+mn-cs"/>
+              </a:defRPr>
+            </a:lvl7pPr>
+            <a:lvl8pPr marL="3200400" indent="0" algn="ctr" defTabSz="914400" rtl="0" eaLnBrk="1" latinLnBrk="0" hangingPunct="1">
+              <a:lnSpc>
+                <a:spcPct val="90000"/>
+              </a:lnSpc>
+              <a:spcBef>
+                <a:spcPts val="500"/>
+              </a:spcBef>
+              <a:buFont typeface="Arial" panose="020B0604020202020204" pitchFamily="34" charset="0"/>
+              <a:buNone/>
+              <a:defRPr sz="1600" kern="1200">
+                <a:solidFill>
+                  <a:schemeClr val="tx1"/>
+                </a:solidFill>
+                <a:latin typeface="+mn-lt"/>
+                <a:ea typeface="+mn-ea"/>
+                <a:cs typeface="+mn-cs"/>
+              </a:defRPr>
+            </a:lvl8pPr>
+            <a:lvl9pPr marL="3657600" indent="0" algn="ctr" defTabSz="914400" rtl="0" eaLnBrk="1" latinLnBrk="0" hangingPunct="1">
+              <a:lnSpc>
+                <a:spcPct val="90000"/>
+              </a:lnSpc>
+              <a:spcBef>
+                <a:spcPts val="500"/>
+              </a:spcBef>
+              <a:buFont typeface="Arial" panose="020B0604020202020204" pitchFamily="34" charset="0"/>
+              <a:buNone/>
+              <a:defRPr sz="1600" kern="1200">
+                <a:solidFill>
+                  <a:schemeClr val="tx1"/>
+                </a:solidFill>
+                <a:latin typeface="+mn-lt"/>
+                <a:ea typeface="+mn-ea"/>
+                <a:cs typeface="+mn-cs"/>
+              </a:defRPr>
+            </a:lvl9pPr>
+          </a:lstStyle>
+          <a:p>
+            <a:r>
+              <a:rPr lang="en-US" sz="2000" b="1" dirty="0">
+                <a:latin typeface="Segoe UI Semibold" panose="020B0702040204020203" pitchFamily="34" charset="0"/>
+                <a:cs typeface="Segoe UI Semibold" panose="020B0702040204020203" pitchFamily="34" charset="0"/>
+              </a:rPr>
+              <a:t>INFRASTRUCTURE</a:t>
+            </a:r>
+          </a:p>
+          <a:p>
+            <a:r>
+              <a:rPr lang="en-US" sz="2000" b="1" dirty="0">
+                <a:latin typeface="Segoe UI Semibold" panose="020B0702040204020203" pitchFamily="34" charset="0"/>
+                <a:cs typeface="Segoe UI Semibold" panose="020B0702040204020203" pitchFamily="34" charset="0"/>
+              </a:rPr>
+              <a:t>MODULE</a:t>
+            </a:r>
+          </a:p>
+        </p:txBody>
+      </p:sp>
+      <p:sp>
+        <p:nvSpPr>
+          <p:cNvPr id="4" name="Oval 3">
+            <a:extLst>
+              <a:ext uri="{FF2B5EF4-FFF2-40B4-BE49-F238E27FC236}">
+                <a16:creationId xmlns:a16="http://schemas.microsoft.com/office/drawing/2014/main" id="{669DC293-E672-4902-A123-63A944F2AD23}"/>
+              </a:ext>
+            </a:extLst>
+          </p:cNvPr>
+          <p:cNvSpPr/>
+          <p:nvPr/>
+        </p:nvSpPr>
+        <p:spPr>
+          <a:xfrm>
+            <a:off x="5736452" y="3070521"/>
+            <a:ext cx="554182" cy="554182"/>
+          </a:xfrm>
+          <a:prstGeom prst="ellipse">
+            <a:avLst/>
+          </a:prstGeom>
+          <a:solidFill>
+            <a:srgbClr val="0041C6"/>
+          </a:solidFill>
+          <a:ln>
+            <a:noFill/>
+          </a:ln>
+        </p:spPr>
+        <p:style>
+          <a:lnRef idx="2">
+            <a:schemeClr val="dk1">
+              <a:shade val="50000"/>
+            </a:schemeClr>
+          </a:lnRef>
+          <a:fillRef idx="1">
+            <a:schemeClr val="dk1"/>
+          </a:fillRef>
+          <a:effectRef idx="0">
+            <a:schemeClr val="dk1"/>
+          </a:effectRef>
+          <a:fontRef idx="minor">
+            <a:schemeClr val="lt1"/>
+          </a:fontRef>
+        </p:style>
+        <p:txBody>
+          <a:bodyPr rtlCol="0" anchor="ctr"/>
+          <a:lstStyle/>
+          <a:p>
+            <a:pPr algn="ctr"/>
+            <a:endParaRPr lang="en-US"/>
+          </a:p>
+        </p:txBody>
+      </p:sp>
+      <p:sp>
+        <p:nvSpPr>
+          <p:cNvPr id="11" name="Subtitle 2">
+            <a:extLst>
+              <a:ext uri="{FF2B5EF4-FFF2-40B4-BE49-F238E27FC236}">
+                <a16:creationId xmlns:a16="http://schemas.microsoft.com/office/drawing/2014/main" id="{A769CE0C-E9B4-4049-B22B-C35AD0DD7409}"/>
+              </a:ext>
+            </a:extLst>
+          </p:cNvPr>
+          <p:cNvSpPr txBox="1">
+            <a:spLocks/>
+          </p:cNvSpPr>
+          <p:nvPr/>
+        </p:nvSpPr>
+        <p:spPr>
+          <a:xfrm>
+            <a:off x="5595597" y="2976625"/>
+            <a:ext cx="835891" cy="775853"/>
+          </a:xfrm>
+          <a:prstGeom prst="rect">
+            <a:avLst/>
+          </a:prstGeom>
+        </p:spPr>
+        <p:txBody>
+          <a:bodyPr vert="horz" lIns="91440" tIns="45720" rIns="91440" bIns="45720" rtlCol="0" anchor="ctr">
+            <a:normAutofit/>
+          </a:bodyPr>
+          <a:lstStyle>
+            <a:lvl1pPr marL="0" indent="0" algn="ctr" defTabSz="914400" rtl="0" eaLnBrk="1" latinLnBrk="0" hangingPunct="1">
+              <a:lnSpc>
+                <a:spcPct val="90000"/>
+              </a:lnSpc>
+              <a:spcBef>
+                <a:spcPts val="1000"/>
+              </a:spcBef>
+              <a:buFont typeface="Arial" panose="020B0604020202020204" pitchFamily="34" charset="0"/>
+              <a:buNone/>
+              <a:defRPr sz="2400" kern="1200">
+                <a:solidFill>
+                  <a:schemeClr val="tx1"/>
+                </a:solidFill>
+                <a:latin typeface="+mn-lt"/>
+                <a:ea typeface="+mn-ea"/>
+                <a:cs typeface="+mn-cs"/>
+              </a:defRPr>
+            </a:lvl1pPr>
+            <a:lvl2pPr marL="457200" indent="0" algn="ctr" defTabSz="914400" rtl="0" eaLnBrk="1" latinLnBrk="0" hangingPunct="1">
+              <a:lnSpc>
+                <a:spcPct val="90000"/>
+              </a:lnSpc>
+              <a:spcBef>
+                <a:spcPts val="500"/>
+              </a:spcBef>
+              <a:buFont typeface="Arial" panose="020B0604020202020204" pitchFamily="34" charset="0"/>
+              <a:buNone/>
+              <a:defRPr sz="2000" kern="1200">
+                <a:solidFill>
+                  <a:schemeClr val="tx1"/>
+                </a:solidFill>
+                <a:latin typeface="+mn-lt"/>
+                <a:ea typeface="+mn-ea"/>
+                <a:cs typeface="+mn-cs"/>
+              </a:defRPr>
+            </a:lvl2pPr>
+            <a:lvl3pPr marL="914400" indent="0" algn="ctr" defTabSz="914400" rtl="0" eaLnBrk="1" latinLnBrk="0" hangingPunct="1">
+              <a:lnSpc>
+                <a:spcPct val="90000"/>
+              </a:lnSpc>
+              <a:spcBef>
+                <a:spcPts val="500"/>
+              </a:spcBef>
+              <a:buFont typeface="Arial" panose="020B0604020202020204" pitchFamily="34" charset="0"/>
+              <a:buNone/>
+              <a:defRPr sz="1800" kern="1200">
+                <a:solidFill>
+                  <a:schemeClr val="tx1"/>
+                </a:solidFill>
+                <a:latin typeface="+mn-lt"/>
+                <a:ea typeface="+mn-ea"/>
+                <a:cs typeface="+mn-cs"/>
+              </a:defRPr>
+            </a:lvl3pPr>
+            <a:lvl4pPr marL="1371600" indent="0" algn="ctr" defTabSz="914400" rtl="0" eaLnBrk="1" latinLnBrk="0" hangingPunct="1">
+              <a:lnSpc>
+                <a:spcPct val="90000"/>
+              </a:lnSpc>
+              <a:spcBef>
+                <a:spcPts val="500"/>
+              </a:spcBef>
+              <a:buFont typeface="Arial" panose="020B0604020202020204" pitchFamily="34" charset="0"/>
+              <a:buNone/>
+              <a:defRPr sz="1600" kern="1200">
+                <a:solidFill>
+                  <a:schemeClr val="tx1"/>
+                </a:solidFill>
+                <a:latin typeface="+mn-lt"/>
+                <a:ea typeface="+mn-ea"/>
+                <a:cs typeface="+mn-cs"/>
+              </a:defRPr>
+            </a:lvl4pPr>
+            <a:lvl5pPr marL="1828800" indent="0" algn="ctr" defTabSz="914400" rtl="0" eaLnBrk="1" latinLnBrk="0" hangingPunct="1">
+              <a:lnSpc>
+                <a:spcPct val="90000"/>
+              </a:lnSpc>
+              <a:spcBef>
+                <a:spcPts val="500"/>
+              </a:spcBef>
+              <a:buFont typeface="Arial" panose="020B0604020202020204" pitchFamily="34" charset="0"/>
+              <a:buNone/>
+              <a:defRPr sz="1600" kern="1200">
+                <a:solidFill>
+                  <a:schemeClr val="tx1"/>
+                </a:solidFill>
+                <a:latin typeface="+mn-lt"/>
+                <a:ea typeface="+mn-ea"/>
+                <a:cs typeface="+mn-cs"/>
+              </a:defRPr>
+            </a:lvl5pPr>
+            <a:lvl6pPr marL="2286000" indent="0" algn="ctr" defTabSz="914400" rtl="0" eaLnBrk="1" latinLnBrk="0" hangingPunct="1">
+              <a:lnSpc>
+                <a:spcPct val="90000"/>
+              </a:lnSpc>
+              <a:spcBef>
+                <a:spcPts val="500"/>
+              </a:spcBef>
+              <a:buFont typeface="Arial" panose="020B0604020202020204" pitchFamily="34" charset="0"/>
+              <a:buNone/>
+              <a:defRPr sz="1600" kern="1200">
+                <a:solidFill>
+                  <a:schemeClr val="tx1"/>
+                </a:solidFill>
+                <a:latin typeface="+mn-lt"/>
+                <a:ea typeface="+mn-ea"/>
+                <a:cs typeface="+mn-cs"/>
+              </a:defRPr>
+            </a:lvl6pPr>
+            <a:lvl7pPr marL="2743200" indent="0" algn="ctr" defTabSz="914400" rtl="0" eaLnBrk="1" latinLnBrk="0" hangingPunct="1">
+              <a:lnSpc>
+                <a:spcPct val="90000"/>
+              </a:lnSpc>
+              <a:spcBef>
+                <a:spcPts val="500"/>
+              </a:spcBef>
+              <a:buFont typeface="Arial" panose="020B0604020202020204" pitchFamily="34" charset="0"/>
+              <a:buNone/>
+              <a:defRPr sz="1600" kern="1200">
+                <a:solidFill>
+                  <a:schemeClr val="tx1"/>
+                </a:solidFill>
+                <a:latin typeface="+mn-lt"/>
+                <a:ea typeface="+mn-ea"/>
+                <a:cs typeface="+mn-cs"/>
+              </a:defRPr>
+            </a:lvl7pPr>
+            <a:lvl8pPr marL="3200400" indent="0" algn="ctr" defTabSz="914400" rtl="0" eaLnBrk="1" latinLnBrk="0" hangingPunct="1">
+              <a:lnSpc>
+                <a:spcPct val="90000"/>
+              </a:lnSpc>
+              <a:spcBef>
+                <a:spcPts val="500"/>
+              </a:spcBef>
+              <a:buFont typeface="Arial" panose="020B0604020202020204" pitchFamily="34" charset="0"/>
+              <a:buNone/>
+              <a:defRPr sz="1600" kern="1200">
+                <a:solidFill>
+                  <a:schemeClr val="tx1"/>
+                </a:solidFill>
+                <a:latin typeface="+mn-lt"/>
+                <a:ea typeface="+mn-ea"/>
+                <a:cs typeface="+mn-cs"/>
+              </a:defRPr>
+            </a:lvl8pPr>
+            <a:lvl9pPr marL="3657600" indent="0" algn="ctr" defTabSz="914400" rtl="0" eaLnBrk="1" latinLnBrk="0" hangingPunct="1">
+              <a:lnSpc>
+                <a:spcPct val="90000"/>
+              </a:lnSpc>
+              <a:spcBef>
+                <a:spcPts val="500"/>
+              </a:spcBef>
+              <a:buFont typeface="Arial" panose="020B0604020202020204" pitchFamily="34" charset="0"/>
+              <a:buNone/>
+              <a:defRPr sz="1600" kern="1200">
+                <a:solidFill>
+                  <a:schemeClr val="tx1"/>
+                </a:solidFill>
+                <a:latin typeface="+mn-lt"/>
+                <a:ea typeface="+mn-ea"/>
+                <a:cs typeface="+mn-cs"/>
+              </a:defRPr>
+            </a:lvl9pPr>
+          </a:lstStyle>
+          <a:p>
+            <a:r>
+              <a:rPr lang="en-US" sz="2000" b="1" dirty="0">
+                <a:solidFill>
+                  <a:schemeClr val="bg1"/>
+                </a:solidFill>
+                <a:latin typeface="Segoe UI Light" panose="020B0502040204020203" pitchFamily="34" charset="0"/>
+                <a:cs typeface="Segoe UI Light" panose="020B0502040204020203" pitchFamily="34" charset="0"/>
+              </a:rPr>
+              <a:t>VS</a:t>
+            </a:r>
+          </a:p>
+        </p:txBody>
+      </p:sp>
+    </p:spTree>
+    <p:extLst>
+      <p:ext uri="{BB962C8B-B14F-4D97-AF65-F5344CB8AC3E}">
+        <p14:creationId xmlns:p14="http://schemas.microsoft.com/office/powerpoint/2010/main" val="3676388413"/>
       </p:ext>
     </p:extLst>
   </p:cSld>

--- a/2018-11-03-Designing-Modularity/Presentation.pptx
+++ b/2018-11-03-Designing-Modularity/Presentation.pptx
@@ -5,7 +5,7 @@
     <p:sldMasterId id="2147483648" r:id="rId1"/>
   </p:sldMasterIdLst>
   <p:notesMasterIdLst>
-    <p:notesMasterId r:id="rId45"/>
+    <p:notesMasterId r:id="rId50"/>
   </p:notesMasterIdLst>
   <p:sldIdLst>
     <p:sldId id="256" r:id="rId2"/>
@@ -43,14 +43,19 @@
     <p:sldId id="301" r:id="rId34"/>
     <p:sldId id="302" r:id="rId35"/>
     <p:sldId id="300" r:id="rId36"/>
-    <p:sldId id="299" r:id="rId37"/>
-    <p:sldId id="266" r:id="rId38"/>
-    <p:sldId id="261" r:id="rId39"/>
-    <p:sldId id="291" r:id="rId40"/>
-    <p:sldId id="262" r:id="rId41"/>
-    <p:sldId id="263" r:id="rId42"/>
-    <p:sldId id="264" r:id="rId43"/>
-    <p:sldId id="265" r:id="rId44"/>
+    <p:sldId id="304" r:id="rId37"/>
+    <p:sldId id="303" r:id="rId38"/>
+    <p:sldId id="306" r:id="rId39"/>
+    <p:sldId id="307" r:id="rId40"/>
+    <p:sldId id="308" r:id="rId41"/>
+    <p:sldId id="305" r:id="rId42"/>
+    <p:sldId id="266" r:id="rId43"/>
+    <p:sldId id="261" r:id="rId44"/>
+    <p:sldId id="291" r:id="rId45"/>
+    <p:sldId id="262" r:id="rId46"/>
+    <p:sldId id="263" r:id="rId47"/>
+    <p:sldId id="264" r:id="rId48"/>
+    <p:sldId id="265" r:id="rId49"/>
   </p:sldIdLst>
   <p:sldSz cx="12192000" cy="6858000"/>
   <p:notesSz cx="6858000" cy="9144000"/>
@@ -22762,7 +22767,7 @@
         </p:blipFill>
         <p:spPr>
           <a:xfrm>
-            <a:off x="6336144" y="273176"/>
+            <a:off x="5597236" y="323974"/>
             <a:ext cx="5162026" cy="5937575"/>
           </a:xfrm>
           <a:prstGeom prst="rect">
@@ -22820,10 +22825,10 @@
       </p:grpSpPr>
       <p:pic>
         <p:nvPicPr>
-          <p:cNvPr id="9" name="Picture 8">
+          <p:cNvPr id="19" name="Picture 18">
             <a:extLst>
               <a:ext uri="{FF2B5EF4-FFF2-40B4-BE49-F238E27FC236}">
-                <a16:creationId xmlns:a16="http://schemas.microsoft.com/office/drawing/2014/main" id="{39E83B63-DAE7-4E06-A56F-CF1576B89936}"/>
+                <a16:creationId xmlns:a16="http://schemas.microsoft.com/office/drawing/2014/main" id="{38981447-9723-40B3-902B-DA8C7B4D8B8E}"/>
               </a:ext>
             </a:extLst>
           </p:cNvPr>
@@ -22872,8 +22877,8 @@
         </p:nvSpPr>
         <p:spPr>
           <a:xfrm>
-            <a:off x="738908" y="930564"/>
-            <a:ext cx="4858328" cy="2311400"/>
+            <a:off x="0" y="886691"/>
+            <a:ext cx="12192000" cy="2205182"/>
           </a:xfrm>
         </p:spPr>
         <p:txBody>
@@ -22882,13 +22887,12 @@
           </a:bodyPr>
           <a:lstStyle/>
           <a:p>
-            <a:pPr algn="l"/>
             <a:r>
               <a:rPr lang="en-US" sz="4000" b="1" dirty="0">
-                <a:latin typeface="Segoe UI Light" panose="020B0502040204020203" pitchFamily="34" charset="0"/>
-                <a:cs typeface="Segoe UI Light" panose="020B0502040204020203" pitchFamily="34" charset="0"/>
-              </a:rPr>
-              <a:t>What is a</a:t>
+                <a:latin typeface="Segoe UI Semibold" panose="020B0702040204020203" pitchFamily="34" charset="0"/>
+                <a:cs typeface="Segoe UI Semibold" panose="020B0702040204020203" pitchFamily="34" charset="0"/>
+              </a:rPr>
+              <a:t>Using a Module</a:t>
             </a:r>
             <a:br>
               <a:rPr lang="en-US" sz="4000" b="1" dirty="0">
@@ -22904,8 +22908,13 @@
                 <a:latin typeface="Segoe UI Semibold" panose="020B0702040204020203" pitchFamily="34" charset="0"/>
                 <a:cs typeface="Segoe UI Semibold" panose="020B0702040204020203" pitchFamily="34" charset="0"/>
               </a:rPr>
-              <a:t>Modular Application</a:t>
-            </a:r>
+              <a:t>as a Remote Service (Microservice?)</a:t>
+            </a:r>
+            <a:endParaRPr lang="en-US" sz="4000" dirty="0">
+              <a:solidFill>
+                <a:srgbClr val="0041C6"/>
+              </a:solidFill>
+            </a:endParaRPr>
           </a:p>
         </p:txBody>
       </p:sp>
@@ -22999,738 +23008,10 @@
           </a:p>
         </p:txBody>
       </p:sp>
-      <p:sp>
-        <p:nvSpPr>
-          <p:cNvPr id="11" name="Subtitle 2">
-            <a:extLst>
-              <a:ext uri="{FF2B5EF4-FFF2-40B4-BE49-F238E27FC236}">
-                <a16:creationId xmlns:a16="http://schemas.microsoft.com/office/drawing/2014/main" id="{A769CE0C-E9B4-4049-B22B-C35AD0DD7409}"/>
-              </a:ext>
-            </a:extLst>
-          </p:cNvPr>
-          <p:cNvSpPr txBox="1">
-            <a:spLocks/>
-          </p:cNvSpPr>
-          <p:nvPr/>
-        </p:nvSpPr>
-        <p:spPr>
-          <a:xfrm>
-            <a:off x="3582554" y="2904836"/>
-            <a:ext cx="835891" cy="775853"/>
-          </a:xfrm>
-          <a:prstGeom prst="rect">
-            <a:avLst/>
-          </a:prstGeom>
-        </p:spPr>
-        <p:txBody>
-          <a:bodyPr vert="horz" lIns="91440" tIns="45720" rIns="91440" bIns="45720" rtlCol="0" anchor="ctr">
-            <a:normAutofit/>
-          </a:bodyPr>
-          <a:lstStyle>
-            <a:lvl1pPr marL="0" indent="0" algn="ctr" defTabSz="914400" rtl="0" eaLnBrk="1" latinLnBrk="0" hangingPunct="1">
-              <a:lnSpc>
-                <a:spcPct val="90000"/>
-              </a:lnSpc>
-              <a:spcBef>
-                <a:spcPts val="1000"/>
-              </a:spcBef>
-              <a:buFont typeface="Arial" panose="020B0604020202020204" pitchFamily="34" charset="0"/>
-              <a:buNone/>
-              <a:defRPr sz="2400" kern="1200">
-                <a:solidFill>
-                  <a:schemeClr val="tx1"/>
-                </a:solidFill>
-                <a:latin typeface="+mn-lt"/>
-                <a:ea typeface="+mn-ea"/>
-                <a:cs typeface="+mn-cs"/>
-              </a:defRPr>
-            </a:lvl1pPr>
-            <a:lvl2pPr marL="457200" indent="0" algn="ctr" defTabSz="914400" rtl="0" eaLnBrk="1" latinLnBrk="0" hangingPunct="1">
-              <a:lnSpc>
-                <a:spcPct val="90000"/>
-              </a:lnSpc>
-              <a:spcBef>
-                <a:spcPts val="500"/>
-              </a:spcBef>
-              <a:buFont typeface="Arial" panose="020B0604020202020204" pitchFamily="34" charset="0"/>
-              <a:buNone/>
-              <a:defRPr sz="2000" kern="1200">
-                <a:solidFill>
-                  <a:schemeClr val="tx1"/>
-                </a:solidFill>
-                <a:latin typeface="+mn-lt"/>
-                <a:ea typeface="+mn-ea"/>
-                <a:cs typeface="+mn-cs"/>
-              </a:defRPr>
-            </a:lvl2pPr>
-            <a:lvl3pPr marL="914400" indent="0" algn="ctr" defTabSz="914400" rtl="0" eaLnBrk="1" latinLnBrk="0" hangingPunct="1">
-              <a:lnSpc>
-                <a:spcPct val="90000"/>
-              </a:lnSpc>
-              <a:spcBef>
-                <a:spcPts val="500"/>
-              </a:spcBef>
-              <a:buFont typeface="Arial" panose="020B0604020202020204" pitchFamily="34" charset="0"/>
-              <a:buNone/>
-              <a:defRPr sz="1800" kern="1200">
-                <a:solidFill>
-                  <a:schemeClr val="tx1"/>
-                </a:solidFill>
-                <a:latin typeface="+mn-lt"/>
-                <a:ea typeface="+mn-ea"/>
-                <a:cs typeface="+mn-cs"/>
-              </a:defRPr>
-            </a:lvl3pPr>
-            <a:lvl4pPr marL="1371600" indent="0" algn="ctr" defTabSz="914400" rtl="0" eaLnBrk="1" latinLnBrk="0" hangingPunct="1">
-              <a:lnSpc>
-                <a:spcPct val="90000"/>
-              </a:lnSpc>
-              <a:spcBef>
-                <a:spcPts val="500"/>
-              </a:spcBef>
-              <a:buFont typeface="Arial" panose="020B0604020202020204" pitchFamily="34" charset="0"/>
-              <a:buNone/>
-              <a:defRPr sz="1600" kern="1200">
-                <a:solidFill>
-                  <a:schemeClr val="tx1"/>
-                </a:solidFill>
-                <a:latin typeface="+mn-lt"/>
-                <a:ea typeface="+mn-ea"/>
-                <a:cs typeface="+mn-cs"/>
-              </a:defRPr>
-            </a:lvl4pPr>
-            <a:lvl5pPr marL="1828800" indent="0" algn="ctr" defTabSz="914400" rtl="0" eaLnBrk="1" latinLnBrk="0" hangingPunct="1">
-              <a:lnSpc>
-                <a:spcPct val="90000"/>
-              </a:lnSpc>
-              <a:spcBef>
-                <a:spcPts val="500"/>
-              </a:spcBef>
-              <a:buFont typeface="Arial" panose="020B0604020202020204" pitchFamily="34" charset="0"/>
-              <a:buNone/>
-              <a:defRPr sz="1600" kern="1200">
-                <a:solidFill>
-                  <a:schemeClr val="tx1"/>
-                </a:solidFill>
-                <a:latin typeface="+mn-lt"/>
-                <a:ea typeface="+mn-ea"/>
-                <a:cs typeface="+mn-cs"/>
-              </a:defRPr>
-            </a:lvl5pPr>
-            <a:lvl6pPr marL="2286000" indent="0" algn="ctr" defTabSz="914400" rtl="0" eaLnBrk="1" latinLnBrk="0" hangingPunct="1">
-              <a:lnSpc>
-                <a:spcPct val="90000"/>
-              </a:lnSpc>
-              <a:spcBef>
-                <a:spcPts val="500"/>
-              </a:spcBef>
-              <a:buFont typeface="Arial" panose="020B0604020202020204" pitchFamily="34" charset="0"/>
-              <a:buNone/>
-              <a:defRPr sz="1600" kern="1200">
-                <a:solidFill>
-                  <a:schemeClr val="tx1"/>
-                </a:solidFill>
-                <a:latin typeface="+mn-lt"/>
-                <a:ea typeface="+mn-ea"/>
-                <a:cs typeface="+mn-cs"/>
-              </a:defRPr>
-            </a:lvl6pPr>
-            <a:lvl7pPr marL="2743200" indent="0" algn="ctr" defTabSz="914400" rtl="0" eaLnBrk="1" latinLnBrk="0" hangingPunct="1">
-              <a:lnSpc>
-                <a:spcPct val="90000"/>
-              </a:lnSpc>
-              <a:spcBef>
-                <a:spcPts val="500"/>
-              </a:spcBef>
-              <a:buFont typeface="Arial" panose="020B0604020202020204" pitchFamily="34" charset="0"/>
-              <a:buNone/>
-              <a:defRPr sz="1600" kern="1200">
-                <a:solidFill>
-                  <a:schemeClr val="tx1"/>
-                </a:solidFill>
-                <a:latin typeface="+mn-lt"/>
-                <a:ea typeface="+mn-ea"/>
-                <a:cs typeface="+mn-cs"/>
-              </a:defRPr>
-            </a:lvl7pPr>
-            <a:lvl8pPr marL="3200400" indent="0" algn="ctr" defTabSz="914400" rtl="0" eaLnBrk="1" latinLnBrk="0" hangingPunct="1">
-              <a:lnSpc>
-                <a:spcPct val="90000"/>
-              </a:lnSpc>
-              <a:spcBef>
-                <a:spcPts val="500"/>
-              </a:spcBef>
-              <a:buFont typeface="Arial" panose="020B0604020202020204" pitchFamily="34" charset="0"/>
-              <a:buNone/>
-              <a:defRPr sz="1600" kern="1200">
-                <a:solidFill>
-                  <a:schemeClr val="tx1"/>
-                </a:solidFill>
-                <a:latin typeface="+mn-lt"/>
-                <a:ea typeface="+mn-ea"/>
-                <a:cs typeface="+mn-cs"/>
-              </a:defRPr>
-            </a:lvl8pPr>
-            <a:lvl9pPr marL="3657600" indent="0" algn="ctr" defTabSz="914400" rtl="0" eaLnBrk="1" latinLnBrk="0" hangingPunct="1">
-              <a:lnSpc>
-                <a:spcPct val="90000"/>
-              </a:lnSpc>
-              <a:spcBef>
-                <a:spcPts val="500"/>
-              </a:spcBef>
-              <a:buFont typeface="Arial" panose="020B0604020202020204" pitchFamily="34" charset="0"/>
-              <a:buNone/>
-              <a:defRPr sz="1600" kern="1200">
-                <a:solidFill>
-                  <a:schemeClr val="tx1"/>
-                </a:solidFill>
-                <a:latin typeface="+mn-lt"/>
-                <a:ea typeface="+mn-ea"/>
-                <a:cs typeface="+mn-cs"/>
-              </a:defRPr>
-            </a:lvl9pPr>
-          </a:lstStyle>
-          <a:p>
-            <a:r>
-              <a:rPr lang="en-US" sz="2000" b="1" dirty="0">
-                <a:solidFill>
-                  <a:schemeClr val="bg1"/>
-                </a:solidFill>
-                <a:latin typeface="Segoe UI Light" panose="020B0502040204020203" pitchFamily="34" charset="0"/>
-                <a:cs typeface="Segoe UI Light" panose="020B0502040204020203" pitchFamily="34" charset="0"/>
-              </a:rPr>
-              <a:t>VS</a:t>
-            </a:r>
-          </a:p>
-        </p:txBody>
-      </p:sp>
-      <p:sp>
-        <p:nvSpPr>
-          <p:cNvPr id="15" name="Subtitle 2">
-            <a:extLst>
-              <a:ext uri="{FF2B5EF4-FFF2-40B4-BE49-F238E27FC236}">
-                <a16:creationId xmlns:a16="http://schemas.microsoft.com/office/drawing/2014/main" id="{20939731-D3B7-4A28-B941-216A5F2FD525}"/>
-              </a:ext>
-            </a:extLst>
-          </p:cNvPr>
-          <p:cNvSpPr txBox="1">
-            <a:spLocks/>
-          </p:cNvSpPr>
-          <p:nvPr/>
-        </p:nvSpPr>
-        <p:spPr>
-          <a:xfrm>
-            <a:off x="738908" y="3173267"/>
-            <a:ext cx="4368801" cy="2042969"/>
-          </a:xfrm>
-          <a:prstGeom prst="rect">
-            <a:avLst/>
-          </a:prstGeom>
-        </p:spPr>
-        <p:txBody>
-          <a:bodyPr vert="horz" lIns="91440" tIns="45720" rIns="91440" bIns="45720" rtlCol="0" anchor="ctr">
-            <a:noAutofit/>
-          </a:bodyPr>
-          <a:lstStyle>
-            <a:lvl1pPr marL="0" indent="0" algn="ctr" defTabSz="914400" rtl="0" eaLnBrk="1" latinLnBrk="0" hangingPunct="1">
-              <a:lnSpc>
-                <a:spcPct val="90000"/>
-              </a:lnSpc>
-              <a:spcBef>
-                <a:spcPts val="1000"/>
-              </a:spcBef>
-              <a:buFont typeface="Arial" panose="020B0604020202020204" pitchFamily="34" charset="0"/>
-              <a:buNone/>
-              <a:defRPr sz="2400" kern="1200">
-                <a:solidFill>
-                  <a:schemeClr val="tx1"/>
-                </a:solidFill>
-                <a:latin typeface="+mn-lt"/>
-                <a:ea typeface="+mn-ea"/>
-                <a:cs typeface="+mn-cs"/>
-              </a:defRPr>
-            </a:lvl1pPr>
-            <a:lvl2pPr marL="457200" indent="0" algn="ctr" defTabSz="914400" rtl="0" eaLnBrk="1" latinLnBrk="0" hangingPunct="1">
-              <a:lnSpc>
-                <a:spcPct val="90000"/>
-              </a:lnSpc>
-              <a:spcBef>
-                <a:spcPts val="500"/>
-              </a:spcBef>
-              <a:buFont typeface="Arial" panose="020B0604020202020204" pitchFamily="34" charset="0"/>
-              <a:buNone/>
-              <a:defRPr sz="2000" kern="1200">
-                <a:solidFill>
-                  <a:schemeClr val="tx1"/>
-                </a:solidFill>
-                <a:latin typeface="+mn-lt"/>
-                <a:ea typeface="+mn-ea"/>
-                <a:cs typeface="+mn-cs"/>
-              </a:defRPr>
-            </a:lvl2pPr>
-            <a:lvl3pPr marL="914400" indent="0" algn="ctr" defTabSz="914400" rtl="0" eaLnBrk="1" latinLnBrk="0" hangingPunct="1">
-              <a:lnSpc>
-                <a:spcPct val="90000"/>
-              </a:lnSpc>
-              <a:spcBef>
-                <a:spcPts val="500"/>
-              </a:spcBef>
-              <a:buFont typeface="Arial" panose="020B0604020202020204" pitchFamily="34" charset="0"/>
-              <a:buNone/>
-              <a:defRPr sz="1800" kern="1200">
-                <a:solidFill>
-                  <a:schemeClr val="tx1"/>
-                </a:solidFill>
-                <a:latin typeface="+mn-lt"/>
-                <a:ea typeface="+mn-ea"/>
-                <a:cs typeface="+mn-cs"/>
-              </a:defRPr>
-            </a:lvl3pPr>
-            <a:lvl4pPr marL="1371600" indent="0" algn="ctr" defTabSz="914400" rtl="0" eaLnBrk="1" latinLnBrk="0" hangingPunct="1">
-              <a:lnSpc>
-                <a:spcPct val="90000"/>
-              </a:lnSpc>
-              <a:spcBef>
-                <a:spcPts val="500"/>
-              </a:spcBef>
-              <a:buFont typeface="Arial" panose="020B0604020202020204" pitchFamily="34" charset="0"/>
-              <a:buNone/>
-              <a:defRPr sz="1600" kern="1200">
-                <a:solidFill>
-                  <a:schemeClr val="tx1"/>
-                </a:solidFill>
-                <a:latin typeface="+mn-lt"/>
-                <a:ea typeface="+mn-ea"/>
-                <a:cs typeface="+mn-cs"/>
-              </a:defRPr>
-            </a:lvl4pPr>
-            <a:lvl5pPr marL="1828800" indent="0" algn="ctr" defTabSz="914400" rtl="0" eaLnBrk="1" latinLnBrk="0" hangingPunct="1">
-              <a:lnSpc>
-                <a:spcPct val="90000"/>
-              </a:lnSpc>
-              <a:spcBef>
-                <a:spcPts val="500"/>
-              </a:spcBef>
-              <a:buFont typeface="Arial" panose="020B0604020202020204" pitchFamily="34" charset="0"/>
-              <a:buNone/>
-              <a:defRPr sz="1600" kern="1200">
-                <a:solidFill>
-                  <a:schemeClr val="tx1"/>
-                </a:solidFill>
-                <a:latin typeface="+mn-lt"/>
-                <a:ea typeface="+mn-ea"/>
-                <a:cs typeface="+mn-cs"/>
-              </a:defRPr>
-            </a:lvl5pPr>
-            <a:lvl6pPr marL="2286000" indent="0" algn="ctr" defTabSz="914400" rtl="0" eaLnBrk="1" latinLnBrk="0" hangingPunct="1">
-              <a:lnSpc>
-                <a:spcPct val="90000"/>
-              </a:lnSpc>
-              <a:spcBef>
-                <a:spcPts val="500"/>
-              </a:spcBef>
-              <a:buFont typeface="Arial" panose="020B0604020202020204" pitchFamily="34" charset="0"/>
-              <a:buNone/>
-              <a:defRPr sz="1600" kern="1200">
-                <a:solidFill>
-                  <a:schemeClr val="tx1"/>
-                </a:solidFill>
-                <a:latin typeface="+mn-lt"/>
-                <a:ea typeface="+mn-ea"/>
-                <a:cs typeface="+mn-cs"/>
-              </a:defRPr>
-            </a:lvl6pPr>
-            <a:lvl7pPr marL="2743200" indent="0" algn="ctr" defTabSz="914400" rtl="0" eaLnBrk="1" latinLnBrk="0" hangingPunct="1">
-              <a:lnSpc>
-                <a:spcPct val="90000"/>
-              </a:lnSpc>
-              <a:spcBef>
-                <a:spcPts val="500"/>
-              </a:spcBef>
-              <a:buFont typeface="Arial" panose="020B0604020202020204" pitchFamily="34" charset="0"/>
-              <a:buNone/>
-              <a:defRPr sz="1600" kern="1200">
-                <a:solidFill>
-                  <a:schemeClr val="tx1"/>
-                </a:solidFill>
-                <a:latin typeface="+mn-lt"/>
-                <a:ea typeface="+mn-ea"/>
-                <a:cs typeface="+mn-cs"/>
-              </a:defRPr>
-            </a:lvl7pPr>
-            <a:lvl8pPr marL="3200400" indent="0" algn="ctr" defTabSz="914400" rtl="0" eaLnBrk="1" latinLnBrk="0" hangingPunct="1">
-              <a:lnSpc>
-                <a:spcPct val="90000"/>
-              </a:lnSpc>
-              <a:spcBef>
-                <a:spcPts val="500"/>
-              </a:spcBef>
-              <a:buFont typeface="Arial" panose="020B0604020202020204" pitchFamily="34" charset="0"/>
-              <a:buNone/>
-              <a:defRPr sz="1600" kern="1200">
-                <a:solidFill>
-                  <a:schemeClr val="tx1"/>
-                </a:solidFill>
-                <a:latin typeface="+mn-lt"/>
-                <a:ea typeface="+mn-ea"/>
-                <a:cs typeface="+mn-cs"/>
-              </a:defRPr>
-            </a:lvl8pPr>
-            <a:lvl9pPr marL="3657600" indent="0" algn="ctr" defTabSz="914400" rtl="0" eaLnBrk="1" latinLnBrk="0" hangingPunct="1">
-              <a:lnSpc>
-                <a:spcPct val="90000"/>
-              </a:lnSpc>
-              <a:spcBef>
-                <a:spcPts val="500"/>
-              </a:spcBef>
-              <a:buFont typeface="Arial" panose="020B0604020202020204" pitchFamily="34" charset="0"/>
-              <a:buNone/>
-              <a:defRPr sz="1600" kern="1200">
-                <a:solidFill>
-                  <a:schemeClr val="tx1"/>
-                </a:solidFill>
-                <a:latin typeface="+mn-lt"/>
-                <a:ea typeface="+mn-ea"/>
-                <a:cs typeface="+mn-cs"/>
-              </a:defRPr>
-            </a:lvl9pPr>
-          </a:lstStyle>
-          <a:p>
-            <a:pPr algn="l">
-              <a:lnSpc>
-                <a:spcPct val="150000"/>
-              </a:lnSpc>
-            </a:pPr>
-            <a:r>
-              <a:rPr lang="en-US" sz="1600" dirty="0">
-                <a:latin typeface="Segoe UI Light" panose="020B0502040204020203" pitchFamily="34" charset="0"/>
-                <a:cs typeface="Segoe UI Light" panose="020B0502040204020203" pitchFamily="34" charset="0"/>
-              </a:rPr>
-              <a:t>Lorem ipsum dolor sit </a:t>
-            </a:r>
-            <a:r>
-              <a:rPr lang="en-US" sz="1600" dirty="0" err="1">
-                <a:latin typeface="Segoe UI Light" panose="020B0502040204020203" pitchFamily="34" charset="0"/>
-                <a:cs typeface="Segoe UI Light" panose="020B0502040204020203" pitchFamily="34" charset="0"/>
-              </a:rPr>
-              <a:t>amet</a:t>
-            </a:r>
-            <a:r>
-              <a:rPr lang="en-US" sz="1600" dirty="0">
-                <a:latin typeface="Segoe UI Light" panose="020B0502040204020203" pitchFamily="34" charset="0"/>
-                <a:cs typeface="Segoe UI Light" panose="020B0502040204020203" pitchFamily="34" charset="0"/>
-              </a:rPr>
-              <a:t>, </a:t>
-            </a:r>
-            <a:r>
-              <a:rPr lang="en-US" sz="1600" dirty="0" err="1">
-                <a:latin typeface="Segoe UI Light" panose="020B0502040204020203" pitchFamily="34" charset="0"/>
-                <a:cs typeface="Segoe UI Light" panose="020B0502040204020203" pitchFamily="34" charset="0"/>
-              </a:rPr>
-              <a:t>consectetur</a:t>
-            </a:r>
-            <a:r>
-              <a:rPr lang="en-US" sz="1600" dirty="0">
-                <a:latin typeface="Segoe UI Light" panose="020B0502040204020203" pitchFamily="34" charset="0"/>
-                <a:cs typeface="Segoe UI Light" panose="020B0502040204020203" pitchFamily="34" charset="0"/>
-              </a:rPr>
-              <a:t> </a:t>
-            </a:r>
-            <a:r>
-              <a:rPr lang="en-US" sz="1600" dirty="0" err="1">
-                <a:latin typeface="Segoe UI Light" panose="020B0502040204020203" pitchFamily="34" charset="0"/>
-                <a:cs typeface="Segoe UI Light" panose="020B0502040204020203" pitchFamily="34" charset="0"/>
-              </a:rPr>
-              <a:t>adipiscing</a:t>
-            </a:r>
-            <a:r>
-              <a:rPr lang="en-US" sz="1600" dirty="0">
-                <a:latin typeface="Segoe UI Light" panose="020B0502040204020203" pitchFamily="34" charset="0"/>
-                <a:cs typeface="Segoe UI Light" panose="020B0502040204020203" pitchFamily="34" charset="0"/>
-              </a:rPr>
-              <a:t> </a:t>
-            </a:r>
-            <a:r>
-              <a:rPr lang="en-US" sz="1600" dirty="0" err="1">
-                <a:latin typeface="Segoe UI Light" panose="020B0502040204020203" pitchFamily="34" charset="0"/>
-                <a:cs typeface="Segoe UI Light" panose="020B0502040204020203" pitchFamily="34" charset="0"/>
-              </a:rPr>
-              <a:t>elit</a:t>
-            </a:r>
-            <a:r>
-              <a:rPr lang="en-US" sz="1600" dirty="0">
-                <a:latin typeface="Segoe UI Light" panose="020B0502040204020203" pitchFamily="34" charset="0"/>
-                <a:cs typeface="Segoe UI Light" panose="020B0502040204020203" pitchFamily="34" charset="0"/>
-              </a:rPr>
-              <a:t>. </a:t>
-            </a:r>
-            <a:r>
-              <a:rPr lang="en-US" sz="1600" dirty="0" err="1">
-                <a:latin typeface="Segoe UI Light" panose="020B0502040204020203" pitchFamily="34" charset="0"/>
-                <a:cs typeface="Segoe UI Light" panose="020B0502040204020203" pitchFamily="34" charset="0"/>
-              </a:rPr>
-              <a:t>Aliquam</a:t>
-            </a:r>
-            <a:r>
-              <a:rPr lang="en-US" sz="1600" dirty="0">
-                <a:latin typeface="Segoe UI Light" panose="020B0502040204020203" pitchFamily="34" charset="0"/>
-                <a:cs typeface="Segoe UI Light" panose="020B0502040204020203" pitchFamily="34" charset="0"/>
-              </a:rPr>
-              <a:t> </a:t>
-            </a:r>
-            <a:r>
-              <a:rPr lang="en-US" sz="1600" dirty="0" err="1">
-                <a:latin typeface="Segoe UI Light" panose="020B0502040204020203" pitchFamily="34" charset="0"/>
-                <a:cs typeface="Segoe UI Light" panose="020B0502040204020203" pitchFamily="34" charset="0"/>
-              </a:rPr>
-              <a:t>eleifend</a:t>
-            </a:r>
-            <a:r>
-              <a:rPr lang="en-US" sz="1600" dirty="0">
-                <a:latin typeface="Segoe UI Light" panose="020B0502040204020203" pitchFamily="34" charset="0"/>
-                <a:cs typeface="Segoe UI Light" panose="020B0502040204020203" pitchFamily="34" charset="0"/>
-              </a:rPr>
-              <a:t> </a:t>
-            </a:r>
-            <a:r>
-              <a:rPr lang="en-US" sz="1600" dirty="0" err="1">
-                <a:latin typeface="Segoe UI Light" panose="020B0502040204020203" pitchFamily="34" charset="0"/>
-                <a:cs typeface="Segoe UI Light" panose="020B0502040204020203" pitchFamily="34" charset="0"/>
-              </a:rPr>
-              <a:t>eget</a:t>
-            </a:r>
-            <a:r>
-              <a:rPr lang="en-US" sz="1600" dirty="0">
-                <a:latin typeface="Segoe UI Light" panose="020B0502040204020203" pitchFamily="34" charset="0"/>
-                <a:cs typeface="Segoe UI Light" panose="020B0502040204020203" pitchFamily="34" charset="0"/>
-              </a:rPr>
-              <a:t> </a:t>
-            </a:r>
-            <a:r>
-              <a:rPr lang="en-US" sz="1600" dirty="0" err="1">
-                <a:latin typeface="Segoe UI Light" panose="020B0502040204020203" pitchFamily="34" charset="0"/>
-                <a:cs typeface="Segoe UI Light" panose="020B0502040204020203" pitchFamily="34" charset="0"/>
-              </a:rPr>
-              <a:t>tellus</a:t>
-            </a:r>
-            <a:r>
-              <a:rPr lang="en-US" sz="1600" dirty="0">
-                <a:latin typeface="Segoe UI Light" panose="020B0502040204020203" pitchFamily="34" charset="0"/>
-                <a:cs typeface="Segoe UI Light" panose="020B0502040204020203" pitchFamily="34" charset="0"/>
-              </a:rPr>
-              <a:t> </a:t>
-            </a:r>
-            <a:r>
-              <a:rPr lang="en-US" sz="1600" dirty="0" err="1">
-                <a:latin typeface="Segoe UI Light" panose="020B0502040204020203" pitchFamily="34" charset="0"/>
-                <a:cs typeface="Segoe UI Light" panose="020B0502040204020203" pitchFamily="34" charset="0"/>
-              </a:rPr>
-              <a:t>eget</a:t>
-            </a:r>
-            <a:r>
-              <a:rPr lang="en-US" sz="1600" dirty="0">
-                <a:latin typeface="Segoe UI Light" panose="020B0502040204020203" pitchFamily="34" charset="0"/>
-                <a:cs typeface="Segoe UI Light" panose="020B0502040204020203" pitchFamily="34" charset="0"/>
-              </a:rPr>
-              <a:t> </a:t>
-            </a:r>
-            <a:r>
-              <a:rPr lang="en-US" sz="1600" dirty="0" err="1">
-                <a:latin typeface="Segoe UI Light" panose="020B0502040204020203" pitchFamily="34" charset="0"/>
-                <a:cs typeface="Segoe UI Light" panose="020B0502040204020203" pitchFamily="34" charset="0"/>
-              </a:rPr>
-              <a:t>sodales</a:t>
-            </a:r>
-            <a:r>
-              <a:rPr lang="en-US" sz="1600" dirty="0">
-                <a:latin typeface="Segoe UI Light" panose="020B0502040204020203" pitchFamily="34" charset="0"/>
-                <a:cs typeface="Segoe UI Light" panose="020B0502040204020203" pitchFamily="34" charset="0"/>
-              </a:rPr>
-              <a:t>. </a:t>
-            </a:r>
-            <a:r>
-              <a:rPr lang="en-US" sz="1600" dirty="0" err="1">
-                <a:latin typeface="Segoe UI Light" panose="020B0502040204020203" pitchFamily="34" charset="0"/>
-                <a:cs typeface="Segoe UI Light" panose="020B0502040204020203" pitchFamily="34" charset="0"/>
-              </a:rPr>
-              <a:t>Donec</a:t>
-            </a:r>
-            <a:r>
-              <a:rPr lang="en-US" sz="1600" dirty="0">
-                <a:latin typeface="Segoe UI Light" panose="020B0502040204020203" pitchFamily="34" charset="0"/>
-                <a:cs typeface="Segoe UI Light" panose="020B0502040204020203" pitchFamily="34" charset="0"/>
-              </a:rPr>
-              <a:t> a </a:t>
-            </a:r>
-            <a:r>
-              <a:rPr lang="en-US" sz="1600" dirty="0" err="1">
-                <a:latin typeface="Segoe UI Light" panose="020B0502040204020203" pitchFamily="34" charset="0"/>
-                <a:cs typeface="Segoe UI Light" panose="020B0502040204020203" pitchFamily="34" charset="0"/>
-              </a:rPr>
-              <a:t>facilisis</a:t>
-            </a:r>
-            <a:r>
-              <a:rPr lang="en-US" sz="1600" dirty="0">
-                <a:latin typeface="Segoe UI Light" panose="020B0502040204020203" pitchFamily="34" charset="0"/>
-                <a:cs typeface="Segoe UI Light" panose="020B0502040204020203" pitchFamily="34" charset="0"/>
-              </a:rPr>
-              <a:t> ipsum, a </a:t>
-            </a:r>
-            <a:r>
-              <a:rPr lang="en-US" sz="1600" dirty="0" err="1">
-                <a:latin typeface="Segoe UI Light" panose="020B0502040204020203" pitchFamily="34" charset="0"/>
-                <a:cs typeface="Segoe UI Light" panose="020B0502040204020203" pitchFamily="34" charset="0"/>
-              </a:rPr>
-              <a:t>ultricies</a:t>
-            </a:r>
-            <a:r>
-              <a:rPr lang="en-US" sz="1600" dirty="0">
-                <a:latin typeface="Segoe UI Light" panose="020B0502040204020203" pitchFamily="34" charset="0"/>
-                <a:cs typeface="Segoe UI Light" panose="020B0502040204020203" pitchFamily="34" charset="0"/>
-              </a:rPr>
-              <a:t> </a:t>
-            </a:r>
-            <a:r>
-              <a:rPr lang="en-US" sz="1600" dirty="0" err="1">
-                <a:latin typeface="Segoe UI Light" panose="020B0502040204020203" pitchFamily="34" charset="0"/>
-                <a:cs typeface="Segoe UI Light" panose="020B0502040204020203" pitchFamily="34" charset="0"/>
-              </a:rPr>
-              <a:t>lacus</a:t>
-            </a:r>
-            <a:r>
-              <a:rPr lang="en-US" sz="1600" dirty="0">
-                <a:latin typeface="Segoe UI Light" panose="020B0502040204020203" pitchFamily="34" charset="0"/>
-                <a:cs typeface="Segoe UI Light" panose="020B0502040204020203" pitchFamily="34" charset="0"/>
-              </a:rPr>
-              <a:t>. </a:t>
-            </a:r>
-            <a:r>
-              <a:rPr lang="en-US" sz="1600" dirty="0" err="1">
-                <a:latin typeface="Segoe UI Light" panose="020B0502040204020203" pitchFamily="34" charset="0"/>
-                <a:cs typeface="Segoe UI Light" panose="020B0502040204020203" pitchFamily="34" charset="0"/>
-              </a:rPr>
-              <a:t>Phasellus</a:t>
-            </a:r>
-            <a:r>
-              <a:rPr lang="en-US" sz="1600" dirty="0">
-                <a:latin typeface="Segoe UI Light" panose="020B0502040204020203" pitchFamily="34" charset="0"/>
-                <a:cs typeface="Segoe UI Light" panose="020B0502040204020203" pitchFamily="34" charset="0"/>
-              </a:rPr>
-              <a:t> in </a:t>
-            </a:r>
-            <a:r>
-              <a:rPr lang="en-US" sz="1600" dirty="0" err="1">
-                <a:latin typeface="Segoe UI Light" panose="020B0502040204020203" pitchFamily="34" charset="0"/>
-                <a:cs typeface="Segoe UI Light" panose="020B0502040204020203" pitchFamily="34" charset="0"/>
-              </a:rPr>
-              <a:t>erat</a:t>
-            </a:r>
-            <a:r>
-              <a:rPr lang="en-US" sz="1600" dirty="0">
-                <a:latin typeface="Segoe UI Light" panose="020B0502040204020203" pitchFamily="34" charset="0"/>
-                <a:cs typeface="Segoe UI Light" panose="020B0502040204020203" pitchFamily="34" charset="0"/>
-              </a:rPr>
-              <a:t> ac </a:t>
-            </a:r>
-            <a:r>
-              <a:rPr lang="en-US" sz="1600" dirty="0" err="1">
-                <a:latin typeface="Segoe UI Light" panose="020B0502040204020203" pitchFamily="34" charset="0"/>
-                <a:cs typeface="Segoe UI Light" panose="020B0502040204020203" pitchFamily="34" charset="0"/>
-              </a:rPr>
-              <a:t>augue</a:t>
-            </a:r>
-            <a:r>
-              <a:rPr lang="en-US" sz="1600" dirty="0">
-                <a:latin typeface="Segoe UI Light" panose="020B0502040204020203" pitchFamily="34" charset="0"/>
-                <a:cs typeface="Segoe UI Light" panose="020B0502040204020203" pitchFamily="34" charset="0"/>
-              </a:rPr>
-              <a:t> </a:t>
-            </a:r>
-            <a:r>
-              <a:rPr lang="en-US" sz="1600" dirty="0" err="1">
-                <a:latin typeface="Segoe UI Light" panose="020B0502040204020203" pitchFamily="34" charset="0"/>
-                <a:cs typeface="Segoe UI Light" panose="020B0502040204020203" pitchFamily="34" charset="0"/>
-              </a:rPr>
-              <a:t>commodo</a:t>
-            </a:r>
-            <a:r>
-              <a:rPr lang="en-US" sz="1600" dirty="0">
-                <a:latin typeface="Segoe UI Light" panose="020B0502040204020203" pitchFamily="34" charset="0"/>
-                <a:cs typeface="Segoe UI Light" panose="020B0502040204020203" pitchFamily="34" charset="0"/>
-              </a:rPr>
-              <a:t> </a:t>
-            </a:r>
-            <a:r>
-              <a:rPr lang="en-US" sz="1600" dirty="0" err="1">
-                <a:latin typeface="Segoe UI Light" panose="020B0502040204020203" pitchFamily="34" charset="0"/>
-                <a:cs typeface="Segoe UI Light" panose="020B0502040204020203" pitchFamily="34" charset="0"/>
-              </a:rPr>
-              <a:t>pellentesque</a:t>
-            </a:r>
-            <a:r>
-              <a:rPr lang="en-US" sz="1600" dirty="0">
-                <a:latin typeface="Segoe UI Light" panose="020B0502040204020203" pitchFamily="34" charset="0"/>
-                <a:cs typeface="Segoe UI Light" panose="020B0502040204020203" pitchFamily="34" charset="0"/>
-              </a:rPr>
-              <a:t> id et </a:t>
-            </a:r>
-            <a:r>
-              <a:rPr lang="en-US" sz="1600" dirty="0" err="1">
-                <a:latin typeface="Segoe UI Light" panose="020B0502040204020203" pitchFamily="34" charset="0"/>
-                <a:cs typeface="Segoe UI Light" panose="020B0502040204020203" pitchFamily="34" charset="0"/>
-              </a:rPr>
-              <a:t>velit</a:t>
-            </a:r>
-            <a:r>
-              <a:rPr lang="en-US" sz="1600" dirty="0">
-                <a:latin typeface="Segoe UI Light" panose="020B0502040204020203" pitchFamily="34" charset="0"/>
-                <a:cs typeface="Segoe UI Light" panose="020B0502040204020203" pitchFamily="34" charset="0"/>
-              </a:rPr>
-              <a:t>.</a:t>
-            </a:r>
-          </a:p>
-        </p:txBody>
-      </p:sp>
-      <p:pic>
-        <p:nvPicPr>
-          <p:cNvPr id="17" name="Picture 16">
-            <a:extLst>
-              <a:ext uri="{FF2B5EF4-FFF2-40B4-BE49-F238E27FC236}">
-                <a16:creationId xmlns:a16="http://schemas.microsoft.com/office/drawing/2014/main" id="{CE85FDCD-746F-4F0E-8A2D-C82A599F7C35}"/>
-              </a:ext>
-            </a:extLst>
-          </p:cNvPr>
-          <p:cNvPicPr>
-            <a:picLocks noChangeAspect="1"/>
-          </p:cNvPicPr>
-          <p:nvPr/>
-        </p:nvPicPr>
-        <p:blipFill>
-          <a:blip r:embed="rId3">
-            <a:extLst>
-              <a:ext uri="{28A0092B-C50C-407E-A947-70E740481C1C}">
-                <a14:useLocalDpi xmlns:a14="http://schemas.microsoft.com/office/drawing/2010/main" val="0"/>
-              </a:ext>
-            </a:extLst>
-          </a:blip>
-          <a:stretch>
-            <a:fillRect/>
-          </a:stretch>
-        </p:blipFill>
-        <p:spPr>
-          <a:xfrm>
-            <a:off x="5534507" y="1179079"/>
-            <a:ext cx="5999788" cy="4499841"/>
-          </a:xfrm>
-          <a:prstGeom prst="rect">
-            <a:avLst/>
-          </a:prstGeom>
-        </p:spPr>
-      </p:pic>
     </p:spTree>
     <p:extLst>
       <p:ext uri="{BB962C8B-B14F-4D97-AF65-F5344CB8AC3E}">
-        <p14:creationId xmlns:p14="http://schemas.microsoft.com/office/powerpoint/2010/main" val="2007880907"/>
+        <p14:creationId xmlns:p14="http://schemas.microsoft.com/office/powerpoint/2010/main" val="3492969449"/>
       </p:ext>
     </p:extLst>
   </p:cSld>
@@ -23771,10 +23052,10 @@
       </p:grpSpPr>
       <p:pic>
         <p:nvPicPr>
-          <p:cNvPr id="4" name="Picture 3">
+          <p:cNvPr id="9" name="Picture 8">
             <a:extLst>
               <a:ext uri="{FF2B5EF4-FFF2-40B4-BE49-F238E27FC236}">
-                <a16:creationId xmlns:a16="http://schemas.microsoft.com/office/drawing/2014/main" id="{E6371034-1339-4B43-AE7D-A149B9EFD45C}"/>
+                <a16:creationId xmlns:a16="http://schemas.microsoft.com/office/drawing/2014/main" id="{39E83B63-DAE7-4E06-A56F-CF1576B89936}"/>
               </a:ext>
             </a:extLst>
           </p:cNvPr>
@@ -23823,32 +23104,28 @@
         </p:nvSpPr>
         <p:spPr>
           <a:xfrm>
-            <a:off x="762000" y="1754909"/>
-            <a:ext cx="4017819" cy="3408217"/>
+            <a:off x="738908" y="930564"/>
+            <a:ext cx="4858328" cy="1290122"/>
           </a:xfrm>
         </p:spPr>
         <p:txBody>
-          <a:bodyPr anchor="t">
+          <a:bodyPr anchor="b">
             <a:normAutofit/>
           </a:bodyPr>
           <a:lstStyle/>
           <a:p>
-            <a:pPr algn="r">
-              <a:lnSpc>
-                <a:spcPct val="150000"/>
-              </a:lnSpc>
-            </a:pPr>
+            <a:pPr algn="l"/>
             <a:r>
               <a:rPr lang="en-US" sz="4000" b="1" dirty="0">
                 <a:latin typeface="Segoe UI Light" panose="020B0502040204020203" pitchFamily="34" charset="0"/>
                 <a:cs typeface="Segoe UI Light" panose="020B0502040204020203" pitchFamily="34" charset="0"/>
               </a:rPr>
-              <a:t>Lorem Ipsum Mia</a:t>
+              <a:t>How to</a:t>
             </a:r>
             <a:br>
               <a:rPr lang="en-US" sz="4000" b="1" dirty="0">
-                <a:latin typeface="Segoe UI Semibold" panose="020B0702040204020203" pitchFamily="34" charset="0"/>
-                <a:cs typeface="Segoe UI Semibold" panose="020B0702040204020203" pitchFamily="34" charset="0"/>
+                <a:latin typeface="Segoe UI Light" panose="020B0502040204020203" pitchFamily="34" charset="0"/>
+                <a:cs typeface="Segoe UI Light" panose="020B0502040204020203" pitchFamily="34" charset="0"/>
               </a:rPr>
             </a:br>
             <a:r>
@@ -23859,25 +23136,8 @@
                 <a:latin typeface="Segoe UI Semibold" panose="020B0702040204020203" pitchFamily="34" charset="0"/>
                 <a:cs typeface="Segoe UI Semibold" panose="020B0702040204020203" pitchFamily="34" charset="0"/>
               </a:rPr>
-              <a:t>Dolor Sit </a:t>
-            </a:r>
-            <a:r>
-              <a:rPr lang="en-US" sz="4000" b="1" dirty="0" err="1">
-                <a:solidFill>
-                  <a:srgbClr val="0041C6"/>
-                </a:solidFill>
-                <a:latin typeface="Segoe UI Semibold" panose="020B0702040204020203" pitchFamily="34" charset="0"/>
-                <a:cs typeface="Segoe UI Semibold" panose="020B0702040204020203" pitchFamily="34" charset="0"/>
-              </a:rPr>
-              <a:t>Amet</a:t>
-            </a:r>
-            <a:endParaRPr lang="en-US" sz="4000" b="1" dirty="0">
-              <a:solidFill>
-                <a:srgbClr val="0041C6"/>
-              </a:solidFill>
-              <a:latin typeface="Segoe UI Semibold" panose="020B0702040204020203" pitchFamily="34" charset="0"/>
-              <a:cs typeface="Segoe UI Semibold" panose="020B0702040204020203" pitchFamily="34" charset="0"/>
-            </a:endParaRPr>
+              <a:t>Use a module?</a:t>
+            </a:r>
           </a:p>
         </p:txBody>
       </p:sp>
@@ -23973,10 +23233,10 @@
       </p:sp>
       <p:sp>
         <p:nvSpPr>
-          <p:cNvPr id="15" name="Subtitle 2">
+          <p:cNvPr id="11" name="Subtitle 2">
             <a:extLst>
               <a:ext uri="{FF2B5EF4-FFF2-40B4-BE49-F238E27FC236}">
-                <a16:creationId xmlns:a16="http://schemas.microsoft.com/office/drawing/2014/main" id="{20939731-D3B7-4A28-B941-216A5F2FD525}"/>
+                <a16:creationId xmlns:a16="http://schemas.microsoft.com/office/drawing/2014/main" id="{A769CE0C-E9B4-4049-B22B-C35AD0DD7409}"/>
               </a:ext>
             </a:extLst>
           </p:cNvPr>
@@ -23987,8 +23247,213 @@
         </p:nvSpPr>
         <p:spPr>
           <a:xfrm>
-            <a:off x="5204688" y="1948872"/>
-            <a:ext cx="6022111" cy="4110181"/>
+            <a:off x="3582554" y="2904836"/>
+            <a:ext cx="835891" cy="775853"/>
+          </a:xfrm>
+          <a:prstGeom prst="rect">
+            <a:avLst/>
+          </a:prstGeom>
+        </p:spPr>
+        <p:txBody>
+          <a:bodyPr vert="horz" lIns="91440" tIns="45720" rIns="91440" bIns="45720" rtlCol="0" anchor="ctr">
+            <a:normAutofit/>
+          </a:bodyPr>
+          <a:lstStyle>
+            <a:lvl1pPr marL="0" indent="0" algn="ctr" defTabSz="914400" rtl="0" eaLnBrk="1" latinLnBrk="0" hangingPunct="1">
+              <a:lnSpc>
+                <a:spcPct val="90000"/>
+              </a:lnSpc>
+              <a:spcBef>
+                <a:spcPts val="1000"/>
+              </a:spcBef>
+              <a:buFont typeface="Arial" panose="020B0604020202020204" pitchFamily="34" charset="0"/>
+              <a:buNone/>
+              <a:defRPr sz="2400" kern="1200">
+                <a:solidFill>
+                  <a:schemeClr val="tx1"/>
+                </a:solidFill>
+                <a:latin typeface="+mn-lt"/>
+                <a:ea typeface="+mn-ea"/>
+                <a:cs typeface="+mn-cs"/>
+              </a:defRPr>
+            </a:lvl1pPr>
+            <a:lvl2pPr marL="457200" indent="0" algn="ctr" defTabSz="914400" rtl="0" eaLnBrk="1" latinLnBrk="0" hangingPunct="1">
+              <a:lnSpc>
+                <a:spcPct val="90000"/>
+              </a:lnSpc>
+              <a:spcBef>
+                <a:spcPts val="500"/>
+              </a:spcBef>
+              <a:buFont typeface="Arial" panose="020B0604020202020204" pitchFamily="34" charset="0"/>
+              <a:buNone/>
+              <a:defRPr sz="2000" kern="1200">
+                <a:solidFill>
+                  <a:schemeClr val="tx1"/>
+                </a:solidFill>
+                <a:latin typeface="+mn-lt"/>
+                <a:ea typeface="+mn-ea"/>
+                <a:cs typeface="+mn-cs"/>
+              </a:defRPr>
+            </a:lvl2pPr>
+            <a:lvl3pPr marL="914400" indent="0" algn="ctr" defTabSz="914400" rtl="0" eaLnBrk="1" latinLnBrk="0" hangingPunct="1">
+              <a:lnSpc>
+                <a:spcPct val="90000"/>
+              </a:lnSpc>
+              <a:spcBef>
+                <a:spcPts val="500"/>
+              </a:spcBef>
+              <a:buFont typeface="Arial" panose="020B0604020202020204" pitchFamily="34" charset="0"/>
+              <a:buNone/>
+              <a:defRPr sz="1800" kern="1200">
+                <a:solidFill>
+                  <a:schemeClr val="tx1"/>
+                </a:solidFill>
+                <a:latin typeface="+mn-lt"/>
+                <a:ea typeface="+mn-ea"/>
+                <a:cs typeface="+mn-cs"/>
+              </a:defRPr>
+            </a:lvl3pPr>
+            <a:lvl4pPr marL="1371600" indent="0" algn="ctr" defTabSz="914400" rtl="0" eaLnBrk="1" latinLnBrk="0" hangingPunct="1">
+              <a:lnSpc>
+                <a:spcPct val="90000"/>
+              </a:lnSpc>
+              <a:spcBef>
+                <a:spcPts val="500"/>
+              </a:spcBef>
+              <a:buFont typeface="Arial" panose="020B0604020202020204" pitchFamily="34" charset="0"/>
+              <a:buNone/>
+              <a:defRPr sz="1600" kern="1200">
+                <a:solidFill>
+                  <a:schemeClr val="tx1"/>
+                </a:solidFill>
+                <a:latin typeface="+mn-lt"/>
+                <a:ea typeface="+mn-ea"/>
+                <a:cs typeface="+mn-cs"/>
+              </a:defRPr>
+            </a:lvl4pPr>
+            <a:lvl5pPr marL="1828800" indent="0" algn="ctr" defTabSz="914400" rtl="0" eaLnBrk="1" latinLnBrk="0" hangingPunct="1">
+              <a:lnSpc>
+                <a:spcPct val="90000"/>
+              </a:lnSpc>
+              <a:spcBef>
+                <a:spcPts val="500"/>
+              </a:spcBef>
+              <a:buFont typeface="Arial" panose="020B0604020202020204" pitchFamily="34" charset="0"/>
+              <a:buNone/>
+              <a:defRPr sz="1600" kern="1200">
+                <a:solidFill>
+                  <a:schemeClr val="tx1"/>
+                </a:solidFill>
+                <a:latin typeface="+mn-lt"/>
+                <a:ea typeface="+mn-ea"/>
+                <a:cs typeface="+mn-cs"/>
+              </a:defRPr>
+            </a:lvl5pPr>
+            <a:lvl6pPr marL="2286000" indent="0" algn="ctr" defTabSz="914400" rtl="0" eaLnBrk="1" latinLnBrk="0" hangingPunct="1">
+              <a:lnSpc>
+                <a:spcPct val="90000"/>
+              </a:lnSpc>
+              <a:spcBef>
+                <a:spcPts val="500"/>
+              </a:spcBef>
+              <a:buFont typeface="Arial" panose="020B0604020202020204" pitchFamily="34" charset="0"/>
+              <a:buNone/>
+              <a:defRPr sz="1600" kern="1200">
+                <a:solidFill>
+                  <a:schemeClr val="tx1"/>
+                </a:solidFill>
+                <a:latin typeface="+mn-lt"/>
+                <a:ea typeface="+mn-ea"/>
+                <a:cs typeface="+mn-cs"/>
+              </a:defRPr>
+            </a:lvl6pPr>
+            <a:lvl7pPr marL="2743200" indent="0" algn="ctr" defTabSz="914400" rtl="0" eaLnBrk="1" latinLnBrk="0" hangingPunct="1">
+              <a:lnSpc>
+                <a:spcPct val="90000"/>
+              </a:lnSpc>
+              <a:spcBef>
+                <a:spcPts val="500"/>
+              </a:spcBef>
+              <a:buFont typeface="Arial" panose="020B0604020202020204" pitchFamily="34" charset="0"/>
+              <a:buNone/>
+              <a:defRPr sz="1600" kern="1200">
+                <a:solidFill>
+                  <a:schemeClr val="tx1"/>
+                </a:solidFill>
+                <a:latin typeface="+mn-lt"/>
+                <a:ea typeface="+mn-ea"/>
+                <a:cs typeface="+mn-cs"/>
+              </a:defRPr>
+            </a:lvl7pPr>
+            <a:lvl8pPr marL="3200400" indent="0" algn="ctr" defTabSz="914400" rtl="0" eaLnBrk="1" latinLnBrk="0" hangingPunct="1">
+              <a:lnSpc>
+                <a:spcPct val="90000"/>
+              </a:lnSpc>
+              <a:spcBef>
+                <a:spcPts val="500"/>
+              </a:spcBef>
+              <a:buFont typeface="Arial" panose="020B0604020202020204" pitchFamily="34" charset="0"/>
+              <a:buNone/>
+              <a:defRPr sz="1600" kern="1200">
+                <a:solidFill>
+                  <a:schemeClr val="tx1"/>
+                </a:solidFill>
+                <a:latin typeface="+mn-lt"/>
+                <a:ea typeface="+mn-ea"/>
+                <a:cs typeface="+mn-cs"/>
+              </a:defRPr>
+            </a:lvl8pPr>
+            <a:lvl9pPr marL="3657600" indent="0" algn="ctr" defTabSz="914400" rtl="0" eaLnBrk="1" latinLnBrk="0" hangingPunct="1">
+              <a:lnSpc>
+                <a:spcPct val="90000"/>
+              </a:lnSpc>
+              <a:spcBef>
+                <a:spcPts val="500"/>
+              </a:spcBef>
+              <a:buFont typeface="Arial" panose="020B0604020202020204" pitchFamily="34" charset="0"/>
+              <a:buNone/>
+              <a:defRPr sz="1600" kern="1200">
+                <a:solidFill>
+                  <a:schemeClr val="tx1"/>
+                </a:solidFill>
+                <a:latin typeface="+mn-lt"/>
+                <a:ea typeface="+mn-ea"/>
+                <a:cs typeface="+mn-cs"/>
+              </a:defRPr>
+            </a:lvl9pPr>
+          </a:lstStyle>
+          <a:p>
+            <a:r>
+              <a:rPr lang="en-US" sz="2000" b="1" dirty="0">
+                <a:solidFill>
+                  <a:schemeClr val="bg1"/>
+                </a:solidFill>
+                <a:latin typeface="Segoe UI Light" panose="020B0502040204020203" pitchFamily="34" charset="0"/>
+                <a:cs typeface="Segoe UI Light" panose="020B0502040204020203" pitchFamily="34" charset="0"/>
+              </a:rPr>
+              <a:t>VS</a:t>
+            </a:r>
+          </a:p>
+        </p:txBody>
+      </p:sp>
+      <p:sp>
+        <p:nvSpPr>
+          <p:cNvPr id="15" name="Subtitle 2">
+            <a:extLst>
+              <a:ext uri="{FF2B5EF4-FFF2-40B4-BE49-F238E27FC236}">
+                <a16:creationId xmlns:a16="http://schemas.microsoft.com/office/drawing/2014/main" id="{20939731-D3B7-4A28-B941-216A5F2FD525}"/>
+              </a:ext>
+            </a:extLst>
+          </p:cNvPr>
+          <p:cNvSpPr txBox="1">
+            <a:spLocks/>
+          </p:cNvSpPr>
+          <p:nvPr/>
+        </p:nvSpPr>
+        <p:spPr>
+          <a:xfrm>
+            <a:off x="738909" y="2372445"/>
+            <a:ext cx="3950856" cy="3282516"/>
           </a:xfrm>
           <a:prstGeom prst="rect">
             <a:avLst/>
@@ -24163,725 +23628,106 @@
             </a:lvl9pPr>
           </a:lstStyle>
           <a:p>
-            <a:pPr algn="l">
+            <a:pPr marL="342900" indent="-342900" algn="l">
               <a:lnSpc>
                 <a:spcPct val="150000"/>
               </a:lnSpc>
+              <a:buFont typeface="+mj-lt"/>
+              <a:buAutoNum type="arabicPeriod"/>
             </a:pPr>
             <a:r>
               <a:rPr lang="en-US" sz="1600" dirty="0">
-                <a:latin typeface="Segoe UI Light" panose="020B0502040204020203" pitchFamily="34" charset="0"/>
-                <a:cs typeface="Segoe UI Light" panose="020B0502040204020203" pitchFamily="34" charset="0"/>
-              </a:rPr>
-              <a:t>Lorem ipsum dolor sit </a:t>
-            </a:r>
-            <a:r>
-              <a:rPr lang="en-US" sz="1600" dirty="0" err="1">
-                <a:latin typeface="Segoe UI Light" panose="020B0502040204020203" pitchFamily="34" charset="0"/>
-                <a:cs typeface="Segoe UI Light" panose="020B0502040204020203" pitchFamily="34" charset="0"/>
-              </a:rPr>
-              <a:t>amet</a:t>
-            </a:r>
-            <a:r>
-              <a:rPr lang="en-US" sz="1600" dirty="0">
-                <a:latin typeface="Segoe UI Light" panose="020B0502040204020203" pitchFamily="34" charset="0"/>
-                <a:cs typeface="Segoe UI Light" panose="020B0502040204020203" pitchFamily="34" charset="0"/>
-              </a:rPr>
-              <a:t>, </a:t>
-            </a:r>
-            <a:r>
-              <a:rPr lang="en-US" sz="1600" dirty="0" err="1">
-                <a:latin typeface="Segoe UI Light" panose="020B0502040204020203" pitchFamily="34" charset="0"/>
-                <a:cs typeface="Segoe UI Light" panose="020B0502040204020203" pitchFamily="34" charset="0"/>
-              </a:rPr>
-              <a:t>consectetur</a:t>
-            </a:r>
-            <a:r>
-              <a:rPr lang="en-US" sz="1600" dirty="0">
-                <a:latin typeface="Segoe UI Light" panose="020B0502040204020203" pitchFamily="34" charset="0"/>
-                <a:cs typeface="Segoe UI Light" panose="020B0502040204020203" pitchFamily="34" charset="0"/>
-              </a:rPr>
-              <a:t> </a:t>
-            </a:r>
-            <a:r>
-              <a:rPr lang="en-US" sz="1600" dirty="0" err="1">
-                <a:latin typeface="Segoe UI Light" panose="020B0502040204020203" pitchFamily="34" charset="0"/>
-                <a:cs typeface="Segoe UI Light" panose="020B0502040204020203" pitchFamily="34" charset="0"/>
-              </a:rPr>
-              <a:t>adipiscing</a:t>
-            </a:r>
-            <a:r>
-              <a:rPr lang="en-US" sz="1600" dirty="0">
-                <a:latin typeface="Segoe UI Light" panose="020B0502040204020203" pitchFamily="34" charset="0"/>
-                <a:cs typeface="Segoe UI Light" panose="020B0502040204020203" pitchFamily="34" charset="0"/>
-              </a:rPr>
-              <a:t> </a:t>
-            </a:r>
-            <a:r>
-              <a:rPr lang="en-US" sz="1600" dirty="0" err="1">
-                <a:latin typeface="Segoe UI Light" panose="020B0502040204020203" pitchFamily="34" charset="0"/>
-                <a:cs typeface="Segoe UI Light" panose="020B0502040204020203" pitchFamily="34" charset="0"/>
-              </a:rPr>
-              <a:t>elit</a:t>
-            </a:r>
-            <a:r>
-              <a:rPr lang="en-US" sz="1600" dirty="0">
-                <a:latin typeface="Segoe UI Light" panose="020B0502040204020203" pitchFamily="34" charset="0"/>
-                <a:cs typeface="Segoe UI Light" panose="020B0502040204020203" pitchFamily="34" charset="0"/>
-              </a:rPr>
-              <a:t>. </a:t>
-            </a:r>
-            <a:r>
-              <a:rPr lang="en-US" sz="1600" dirty="0" err="1">
-                <a:latin typeface="Segoe UI Light" panose="020B0502040204020203" pitchFamily="34" charset="0"/>
-                <a:cs typeface="Segoe UI Light" panose="020B0502040204020203" pitchFamily="34" charset="0"/>
-              </a:rPr>
-              <a:t>Aliquam</a:t>
-            </a:r>
-            <a:r>
-              <a:rPr lang="en-US" sz="1600" dirty="0">
-                <a:latin typeface="Segoe UI Light" panose="020B0502040204020203" pitchFamily="34" charset="0"/>
-                <a:cs typeface="Segoe UI Light" panose="020B0502040204020203" pitchFamily="34" charset="0"/>
-              </a:rPr>
-              <a:t> </a:t>
-            </a:r>
-            <a:r>
-              <a:rPr lang="en-US" sz="1600" dirty="0" err="1">
-                <a:latin typeface="Segoe UI Light" panose="020B0502040204020203" pitchFamily="34" charset="0"/>
-                <a:cs typeface="Segoe UI Light" panose="020B0502040204020203" pitchFamily="34" charset="0"/>
-              </a:rPr>
-              <a:t>eleifend</a:t>
-            </a:r>
-            <a:r>
-              <a:rPr lang="en-US" sz="1600" dirty="0">
-                <a:latin typeface="Segoe UI Light" panose="020B0502040204020203" pitchFamily="34" charset="0"/>
-                <a:cs typeface="Segoe UI Light" panose="020B0502040204020203" pitchFamily="34" charset="0"/>
-              </a:rPr>
-              <a:t> </a:t>
-            </a:r>
-            <a:r>
-              <a:rPr lang="en-US" sz="1600" dirty="0" err="1">
-                <a:latin typeface="Segoe UI Light" panose="020B0502040204020203" pitchFamily="34" charset="0"/>
-                <a:cs typeface="Segoe UI Light" panose="020B0502040204020203" pitchFamily="34" charset="0"/>
-              </a:rPr>
-              <a:t>eget</a:t>
-            </a:r>
-            <a:r>
-              <a:rPr lang="en-US" sz="1600" dirty="0">
-                <a:latin typeface="Segoe UI Light" panose="020B0502040204020203" pitchFamily="34" charset="0"/>
-                <a:cs typeface="Segoe UI Light" panose="020B0502040204020203" pitchFamily="34" charset="0"/>
-              </a:rPr>
-              <a:t> </a:t>
-            </a:r>
-            <a:r>
-              <a:rPr lang="en-US" sz="1600" dirty="0" err="1">
-                <a:latin typeface="Segoe UI Light" panose="020B0502040204020203" pitchFamily="34" charset="0"/>
-                <a:cs typeface="Segoe UI Light" panose="020B0502040204020203" pitchFamily="34" charset="0"/>
-              </a:rPr>
-              <a:t>tellus</a:t>
-            </a:r>
-            <a:r>
-              <a:rPr lang="en-US" sz="1600" dirty="0">
-                <a:latin typeface="Segoe UI Light" panose="020B0502040204020203" pitchFamily="34" charset="0"/>
-                <a:cs typeface="Segoe UI Light" panose="020B0502040204020203" pitchFamily="34" charset="0"/>
-              </a:rPr>
-              <a:t> </a:t>
-            </a:r>
-            <a:r>
-              <a:rPr lang="en-US" sz="1600" dirty="0" err="1">
-                <a:latin typeface="Segoe UI Light" panose="020B0502040204020203" pitchFamily="34" charset="0"/>
-                <a:cs typeface="Segoe UI Light" panose="020B0502040204020203" pitchFamily="34" charset="0"/>
-              </a:rPr>
-              <a:t>eget</a:t>
-            </a:r>
-            <a:r>
-              <a:rPr lang="en-US" sz="1600" dirty="0">
-                <a:latin typeface="Segoe UI Light" panose="020B0502040204020203" pitchFamily="34" charset="0"/>
-                <a:cs typeface="Segoe UI Light" panose="020B0502040204020203" pitchFamily="34" charset="0"/>
-              </a:rPr>
-              <a:t> </a:t>
-            </a:r>
-            <a:r>
-              <a:rPr lang="en-US" sz="1600" dirty="0" err="1">
-                <a:latin typeface="Segoe UI Light" panose="020B0502040204020203" pitchFamily="34" charset="0"/>
-                <a:cs typeface="Segoe UI Light" panose="020B0502040204020203" pitchFamily="34" charset="0"/>
-              </a:rPr>
-              <a:t>sodales</a:t>
-            </a:r>
-            <a:r>
-              <a:rPr lang="en-US" sz="1600" dirty="0">
-                <a:latin typeface="Segoe UI Light" panose="020B0502040204020203" pitchFamily="34" charset="0"/>
-                <a:cs typeface="Segoe UI Light" panose="020B0502040204020203" pitchFamily="34" charset="0"/>
-              </a:rPr>
-              <a:t>. </a:t>
-            </a:r>
-            <a:r>
-              <a:rPr lang="en-US" sz="1600" dirty="0" err="1">
-                <a:latin typeface="Segoe UI Light" panose="020B0502040204020203" pitchFamily="34" charset="0"/>
-                <a:cs typeface="Segoe UI Light" panose="020B0502040204020203" pitchFamily="34" charset="0"/>
-              </a:rPr>
-              <a:t>Donec</a:t>
-            </a:r>
-            <a:r>
-              <a:rPr lang="en-US" sz="1600" dirty="0">
-                <a:latin typeface="Segoe UI Light" panose="020B0502040204020203" pitchFamily="34" charset="0"/>
-                <a:cs typeface="Segoe UI Light" panose="020B0502040204020203" pitchFamily="34" charset="0"/>
-              </a:rPr>
-              <a:t> a </a:t>
-            </a:r>
-            <a:r>
-              <a:rPr lang="en-US" sz="1600" dirty="0" err="1">
-                <a:latin typeface="Segoe UI Light" panose="020B0502040204020203" pitchFamily="34" charset="0"/>
-                <a:cs typeface="Segoe UI Light" panose="020B0502040204020203" pitchFamily="34" charset="0"/>
-              </a:rPr>
-              <a:t>facilisis</a:t>
-            </a:r>
-            <a:r>
-              <a:rPr lang="en-US" sz="1600" dirty="0">
-                <a:latin typeface="Segoe UI Light" panose="020B0502040204020203" pitchFamily="34" charset="0"/>
-                <a:cs typeface="Segoe UI Light" panose="020B0502040204020203" pitchFamily="34" charset="0"/>
-              </a:rPr>
-              <a:t> ipsum, a </a:t>
-            </a:r>
-            <a:r>
-              <a:rPr lang="en-US" sz="1600" dirty="0" err="1">
-                <a:latin typeface="Segoe UI Light" panose="020B0502040204020203" pitchFamily="34" charset="0"/>
-                <a:cs typeface="Segoe UI Light" panose="020B0502040204020203" pitchFamily="34" charset="0"/>
-              </a:rPr>
-              <a:t>ultricies</a:t>
-            </a:r>
-            <a:r>
-              <a:rPr lang="en-US" sz="1600" dirty="0">
-                <a:latin typeface="Segoe UI Light" panose="020B0502040204020203" pitchFamily="34" charset="0"/>
-                <a:cs typeface="Segoe UI Light" panose="020B0502040204020203" pitchFamily="34" charset="0"/>
-              </a:rPr>
-              <a:t> </a:t>
-            </a:r>
-            <a:r>
-              <a:rPr lang="en-US" sz="1600" dirty="0" err="1">
-                <a:latin typeface="Segoe UI Light" panose="020B0502040204020203" pitchFamily="34" charset="0"/>
-                <a:cs typeface="Segoe UI Light" panose="020B0502040204020203" pitchFamily="34" charset="0"/>
-              </a:rPr>
-              <a:t>lacus</a:t>
-            </a:r>
-            <a:r>
-              <a:rPr lang="en-US" sz="1600" dirty="0">
-                <a:latin typeface="Segoe UI Light" panose="020B0502040204020203" pitchFamily="34" charset="0"/>
-                <a:cs typeface="Segoe UI Light" panose="020B0502040204020203" pitchFamily="34" charset="0"/>
-              </a:rPr>
-              <a:t>. </a:t>
-            </a:r>
-            <a:r>
-              <a:rPr lang="en-US" sz="1600" dirty="0" err="1">
-                <a:latin typeface="Segoe UI Light" panose="020B0502040204020203" pitchFamily="34" charset="0"/>
-                <a:cs typeface="Segoe UI Light" panose="020B0502040204020203" pitchFamily="34" charset="0"/>
-              </a:rPr>
-              <a:t>Phasellus</a:t>
-            </a:r>
-            <a:r>
-              <a:rPr lang="en-US" sz="1600" dirty="0">
-                <a:latin typeface="Segoe UI Light" panose="020B0502040204020203" pitchFamily="34" charset="0"/>
-                <a:cs typeface="Segoe UI Light" panose="020B0502040204020203" pitchFamily="34" charset="0"/>
-              </a:rPr>
-              <a:t> in </a:t>
-            </a:r>
-            <a:r>
-              <a:rPr lang="en-US" sz="1600" dirty="0" err="1">
-                <a:latin typeface="Segoe UI Light" panose="020B0502040204020203" pitchFamily="34" charset="0"/>
-                <a:cs typeface="Segoe UI Light" panose="020B0502040204020203" pitchFamily="34" charset="0"/>
-              </a:rPr>
-              <a:t>erat</a:t>
-            </a:r>
-            <a:r>
-              <a:rPr lang="en-US" sz="1600" dirty="0">
-                <a:latin typeface="Segoe UI Light" panose="020B0502040204020203" pitchFamily="34" charset="0"/>
-                <a:cs typeface="Segoe UI Light" panose="020B0502040204020203" pitchFamily="34" charset="0"/>
-              </a:rPr>
-              <a:t> ac </a:t>
-            </a:r>
-            <a:r>
-              <a:rPr lang="en-US" sz="1600" dirty="0" err="1">
-                <a:latin typeface="Segoe UI Light" panose="020B0502040204020203" pitchFamily="34" charset="0"/>
-                <a:cs typeface="Segoe UI Light" panose="020B0502040204020203" pitchFamily="34" charset="0"/>
-              </a:rPr>
-              <a:t>augue</a:t>
-            </a:r>
-            <a:r>
-              <a:rPr lang="en-US" sz="1600" dirty="0">
-                <a:latin typeface="Segoe UI Light" panose="020B0502040204020203" pitchFamily="34" charset="0"/>
-                <a:cs typeface="Segoe UI Light" panose="020B0502040204020203" pitchFamily="34" charset="0"/>
-              </a:rPr>
-              <a:t> </a:t>
-            </a:r>
-            <a:r>
-              <a:rPr lang="en-US" sz="1600" dirty="0" err="1">
-                <a:latin typeface="Segoe UI Light" panose="020B0502040204020203" pitchFamily="34" charset="0"/>
-                <a:cs typeface="Segoe UI Light" panose="020B0502040204020203" pitchFamily="34" charset="0"/>
-              </a:rPr>
-              <a:t>commodo</a:t>
-            </a:r>
-            <a:r>
-              <a:rPr lang="en-US" sz="1600" dirty="0">
-                <a:latin typeface="Segoe UI Light" panose="020B0502040204020203" pitchFamily="34" charset="0"/>
-                <a:cs typeface="Segoe UI Light" panose="020B0502040204020203" pitchFamily="34" charset="0"/>
-              </a:rPr>
-              <a:t> </a:t>
-            </a:r>
-            <a:r>
-              <a:rPr lang="en-US" sz="1600" dirty="0" err="1">
-                <a:latin typeface="Segoe UI Light" panose="020B0502040204020203" pitchFamily="34" charset="0"/>
-                <a:cs typeface="Segoe UI Light" panose="020B0502040204020203" pitchFamily="34" charset="0"/>
-              </a:rPr>
-              <a:t>pellentesque</a:t>
-            </a:r>
-            <a:r>
-              <a:rPr lang="en-US" sz="1600" dirty="0">
-                <a:latin typeface="Segoe UI Light" panose="020B0502040204020203" pitchFamily="34" charset="0"/>
-                <a:cs typeface="Segoe UI Light" panose="020B0502040204020203" pitchFamily="34" charset="0"/>
-              </a:rPr>
-              <a:t> id et </a:t>
-            </a:r>
-            <a:r>
-              <a:rPr lang="en-US" sz="1600" dirty="0" err="1">
-                <a:latin typeface="Segoe UI Light" panose="020B0502040204020203" pitchFamily="34" charset="0"/>
-                <a:cs typeface="Segoe UI Light" panose="020B0502040204020203" pitchFamily="34" charset="0"/>
-              </a:rPr>
-              <a:t>velit</a:t>
-            </a:r>
-            <a:r>
-              <a:rPr lang="en-US" sz="1600" dirty="0">
-                <a:latin typeface="Segoe UI Light" panose="020B0502040204020203" pitchFamily="34" charset="0"/>
-                <a:cs typeface="Segoe UI Light" panose="020B0502040204020203" pitchFamily="34" charset="0"/>
-              </a:rPr>
-              <a:t>.</a:t>
+                <a:latin typeface="Segoe UI Semibold" panose="020B0702040204020203" pitchFamily="34" charset="0"/>
+                <a:cs typeface="Segoe UI Semibold" panose="020B0702040204020203" pitchFamily="34" charset="0"/>
+              </a:rPr>
+              <a:t>Embed a module into an application.</a:t>
             </a:r>
           </a:p>
           <a:p>
-            <a:pPr algn="l">
+            <a:pPr marL="342900" indent="-342900" algn="l">
               <a:lnSpc>
                 <a:spcPct val="150000"/>
               </a:lnSpc>
+              <a:buFont typeface="+mj-lt"/>
+              <a:buAutoNum type="arabicPeriod"/>
             </a:pPr>
             <a:r>
-              <a:rPr lang="en-US" sz="1600" dirty="0" err="1">
-                <a:latin typeface="Segoe UI Light" panose="020B0502040204020203" pitchFamily="34" charset="0"/>
-                <a:cs typeface="Segoe UI Light" panose="020B0502040204020203" pitchFamily="34" charset="0"/>
-              </a:rPr>
-              <a:t>Facilisis</a:t>
-            </a:r>
-            <a:r>
               <a:rPr lang="en-US" sz="1600" dirty="0">
-                <a:latin typeface="Segoe UI Light" panose="020B0502040204020203" pitchFamily="34" charset="0"/>
-                <a:cs typeface="Segoe UI Light" panose="020B0502040204020203" pitchFamily="34" charset="0"/>
-              </a:rPr>
-              <a:t> ipsum, a </a:t>
-            </a:r>
-            <a:r>
-              <a:rPr lang="en-US" sz="1600" dirty="0" err="1">
-                <a:latin typeface="Segoe UI Light" panose="020B0502040204020203" pitchFamily="34" charset="0"/>
-                <a:cs typeface="Segoe UI Light" panose="020B0502040204020203" pitchFamily="34" charset="0"/>
-              </a:rPr>
-              <a:t>ultr</a:t>
-            </a:r>
-            <a:r>
-              <a:rPr lang="en-US" sz="1600" dirty="0">
-                <a:latin typeface="Segoe UI Light" panose="020B0502040204020203" pitchFamily="34" charset="0"/>
-                <a:cs typeface="Segoe UI Light" panose="020B0502040204020203" pitchFamily="34" charset="0"/>
-              </a:rPr>
-              <a:t> dolor sit </a:t>
-            </a:r>
-            <a:r>
-              <a:rPr lang="en-US" sz="1600" dirty="0" err="1">
-                <a:latin typeface="Segoe UI Light" panose="020B0502040204020203" pitchFamily="34" charset="0"/>
-                <a:cs typeface="Segoe UI Light" panose="020B0502040204020203" pitchFamily="34" charset="0"/>
-              </a:rPr>
-              <a:t>amet</a:t>
-            </a:r>
-            <a:r>
-              <a:rPr lang="en-US" sz="1600" dirty="0">
-                <a:latin typeface="Segoe UI Light" panose="020B0502040204020203" pitchFamily="34" charset="0"/>
-                <a:cs typeface="Segoe UI Light" panose="020B0502040204020203" pitchFamily="34" charset="0"/>
-              </a:rPr>
-              <a:t>, </a:t>
-            </a:r>
-            <a:r>
-              <a:rPr lang="en-US" sz="1600" dirty="0" err="1">
-                <a:latin typeface="Segoe UI Light" panose="020B0502040204020203" pitchFamily="34" charset="0"/>
-                <a:cs typeface="Segoe UI Light" panose="020B0502040204020203" pitchFamily="34" charset="0"/>
-              </a:rPr>
-              <a:t>consectetur</a:t>
-            </a:r>
-            <a:r>
-              <a:rPr lang="en-US" sz="1600" dirty="0">
-                <a:latin typeface="Segoe UI Light" panose="020B0502040204020203" pitchFamily="34" charset="0"/>
-                <a:cs typeface="Segoe UI Light" panose="020B0502040204020203" pitchFamily="34" charset="0"/>
-              </a:rPr>
-              <a:t> </a:t>
-            </a:r>
-            <a:r>
-              <a:rPr lang="en-US" sz="1600" dirty="0" err="1">
-                <a:latin typeface="Segoe UI Light" panose="020B0502040204020203" pitchFamily="34" charset="0"/>
-                <a:cs typeface="Segoe UI Light" panose="020B0502040204020203" pitchFamily="34" charset="0"/>
-              </a:rPr>
-              <a:t>adipiscing</a:t>
-            </a:r>
-            <a:r>
-              <a:rPr lang="en-US" sz="1600" dirty="0">
-                <a:latin typeface="Segoe UI Light" panose="020B0502040204020203" pitchFamily="34" charset="0"/>
-                <a:cs typeface="Segoe UI Light" panose="020B0502040204020203" pitchFamily="34" charset="0"/>
-              </a:rPr>
-              <a:t> </a:t>
-            </a:r>
-            <a:r>
-              <a:rPr lang="en-US" sz="1600" dirty="0" err="1">
-                <a:latin typeface="Segoe UI Light" panose="020B0502040204020203" pitchFamily="34" charset="0"/>
-                <a:cs typeface="Segoe UI Light" panose="020B0502040204020203" pitchFamily="34" charset="0"/>
-              </a:rPr>
-              <a:t>elit</a:t>
-            </a:r>
-            <a:r>
-              <a:rPr lang="en-US" sz="1600" dirty="0">
-                <a:latin typeface="Segoe UI Light" panose="020B0502040204020203" pitchFamily="34" charset="0"/>
-                <a:cs typeface="Segoe UI Light" panose="020B0502040204020203" pitchFamily="34" charset="0"/>
-              </a:rPr>
-              <a:t>. </a:t>
-            </a:r>
-            <a:r>
-              <a:rPr lang="en-US" sz="1600" dirty="0" err="1">
-                <a:latin typeface="Segoe UI Light" panose="020B0502040204020203" pitchFamily="34" charset="0"/>
-                <a:cs typeface="Segoe UI Light" panose="020B0502040204020203" pitchFamily="34" charset="0"/>
-              </a:rPr>
-              <a:t>Aliquam</a:t>
-            </a:r>
-            <a:r>
-              <a:rPr lang="en-US" sz="1600" dirty="0">
-                <a:latin typeface="Segoe UI Light" panose="020B0502040204020203" pitchFamily="34" charset="0"/>
-                <a:cs typeface="Segoe UI Light" panose="020B0502040204020203" pitchFamily="34" charset="0"/>
-              </a:rPr>
-              <a:t> </a:t>
-            </a:r>
-            <a:r>
-              <a:rPr lang="en-US" sz="1600" dirty="0" err="1">
-                <a:latin typeface="Segoe UI Light" panose="020B0502040204020203" pitchFamily="34" charset="0"/>
-                <a:cs typeface="Segoe UI Light" panose="020B0502040204020203" pitchFamily="34" charset="0"/>
-              </a:rPr>
-              <a:t>icies</a:t>
-            </a:r>
-            <a:r>
-              <a:rPr lang="en-US" sz="1600" dirty="0">
-                <a:latin typeface="Segoe UI Light" panose="020B0502040204020203" pitchFamily="34" charset="0"/>
-                <a:cs typeface="Segoe UI Light" panose="020B0502040204020203" pitchFamily="34" charset="0"/>
-              </a:rPr>
-              <a:t> </a:t>
-            </a:r>
-            <a:r>
-              <a:rPr lang="en-US" sz="1600" dirty="0" err="1">
-                <a:latin typeface="Segoe UI Light" panose="020B0502040204020203" pitchFamily="34" charset="0"/>
-                <a:cs typeface="Segoe UI Light" panose="020B0502040204020203" pitchFamily="34" charset="0"/>
-              </a:rPr>
-              <a:t>lacus</a:t>
-            </a:r>
-            <a:r>
-              <a:rPr lang="en-US" sz="1600" dirty="0">
-                <a:latin typeface="Segoe UI Light" panose="020B0502040204020203" pitchFamily="34" charset="0"/>
-                <a:cs typeface="Segoe UI Light" panose="020B0502040204020203" pitchFamily="34" charset="0"/>
-              </a:rPr>
-              <a:t>. </a:t>
-            </a:r>
-            <a:r>
-              <a:rPr lang="en-US" sz="1600" dirty="0" err="1">
-                <a:latin typeface="Segoe UI Light" panose="020B0502040204020203" pitchFamily="34" charset="0"/>
-                <a:cs typeface="Segoe UI Light" panose="020B0502040204020203" pitchFamily="34" charset="0"/>
-              </a:rPr>
-              <a:t>Phasellus</a:t>
-            </a:r>
-            <a:r>
-              <a:rPr lang="en-US" sz="1600" dirty="0">
-                <a:latin typeface="Segoe UI Light" panose="020B0502040204020203" pitchFamily="34" charset="0"/>
-                <a:cs typeface="Segoe UI Light" panose="020B0502040204020203" pitchFamily="34" charset="0"/>
-              </a:rPr>
-              <a:t> in </a:t>
-            </a:r>
-            <a:r>
-              <a:rPr lang="en-US" sz="1600" dirty="0" err="1">
-                <a:latin typeface="Segoe UI Light" panose="020B0502040204020203" pitchFamily="34" charset="0"/>
-                <a:cs typeface="Segoe UI Light" panose="020B0502040204020203" pitchFamily="34" charset="0"/>
-              </a:rPr>
-              <a:t>erat</a:t>
-            </a:r>
-            <a:r>
-              <a:rPr lang="en-US" sz="1600" dirty="0">
-                <a:latin typeface="Segoe UI Light" panose="020B0502040204020203" pitchFamily="34" charset="0"/>
-                <a:cs typeface="Segoe UI Light" panose="020B0502040204020203" pitchFamily="34" charset="0"/>
-              </a:rPr>
-              <a:t> ac </a:t>
-            </a:r>
-            <a:r>
-              <a:rPr lang="en-US" sz="1600" dirty="0" err="1">
-                <a:latin typeface="Segoe UI Light" panose="020B0502040204020203" pitchFamily="34" charset="0"/>
-                <a:cs typeface="Segoe UI Light" panose="020B0502040204020203" pitchFamily="34" charset="0"/>
-              </a:rPr>
-              <a:t>augue</a:t>
-            </a:r>
-            <a:r>
-              <a:rPr lang="en-US" sz="1600" dirty="0">
-                <a:latin typeface="Segoe UI Light" panose="020B0502040204020203" pitchFamily="34" charset="0"/>
-                <a:cs typeface="Segoe UI Light" panose="020B0502040204020203" pitchFamily="34" charset="0"/>
-              </a:rPr>
-              <a:t> </a:t>
-            </a:r>
-            <a:r>
-              <a:rPr lang="en-US" sz="1600" dirty="0" err="1">
-                <a:latin typeface="Segoe UI Light" panose="020B0502040204020203" pitchFamily="34" charset="0"/>
-                <a:cs typeface="Segoe UI Light" panose="020B0502040204020203" pitchFamily="34" charset="0"/>
-              </a:rPr>
-              <a:t>commodo</a:t>
-            </a:r>
-            <a:r>
-              <a:rPr lang="en-US" sz="1600" dirty="0">
-                <a:latin typeface="Segoe UI Light" panose="020B0502040204020203" pitchFamily="34" charset="0"/>
-                <a:cs typeface="Segoe UI Light" panose="020B0502040204020203" pitchFamily="34" charset="0"/>
-              </a:rPr>
-              <a:t> </a:t>
-            </a:r>
-            <a:r>
-              <a:rPr lang="en-US" sz="1600" dirty="0" err="1">
-                <a:latin typeface="Segoe UI Light" panose="020B0502040204020203" pitchFamily="34" charset="0"/>
-                <a:cs typeface="Segoe UI Light" panose="020B0502040204020203" pitchFamily="34" charset="0"/>
-              </a:rPr>
-              <a:t>pellentesque</a:t>
-            </a:r>
-            <a:r>
-              <a:rPr lang="en-US" sz="1600" dirty="0">
-                <a:latin typeface="Segoe UI Light" panose="020B0502040204020203" pitchFamily="34" charset="0"/>
-                <a:cs typeface="Segoe UI Light" panose="020B0502040204020203" pitchFamily="34" charset="0"/>
-              </a:rPr>
-              <a:t> id et </a:t>
-            </a:r>
-            <a:r>
-              <a:rPr lang="en-US" sz="1600" dirty="0" err="1">
-                <a:latin typeface="Segoe UI Light" panose="020B0502040204020203" pitchFamily="34" charset="0"/>
-                <a:cs typeface="Segoe UI Light" panose="020B0502040204020203" pitchFamily="34" charset="0"/>
-              </a:rPr>
-              <a:t>velit</a:t>
-            </a:r>
-            <a:r>
-              <a:rPr lang="en-US" sz="1600" dirty="0">
-                <a:latin typeface="Segoe UI Light" panose="020B0502040204020203" pitchFamily="34" charset="0"/>
-                <a:cs typeface="Segoe UI Light" panose="020B0502040204020203" pitchFamily="34" charset="0"/>
-              </a:rPr>
-              <a:t> </a:t>
-            </a:r>
-            <a:r>
-              <a:rPr lang="en-US" sz="1600" dirty="0" err="1">
-                <a:latin typeface="Segoe UI Light" panose="020B0502040204020203" pitchFamily="34" charset="0"/>
-                <a:cs typeface="Segoe UI Light" panose="020B0502040204020203" pitchFamily="34" charset="0"/>
-              </a:rPr>
-              <a:t>onec</a:t>
-            </a:r>
-            <a:r>
-              <a:rPr lang="en-US" sz="1600" dirty="0">
-                <a:latin typeface="Segoe UI Light" panose="020B0502040204020203" pitchFamily="34" charset="0"/>
-                <a:cs typeface="Segoe UI Light" panose="020B0502040204020203" pitchFamily="34" charset="0"/>
-              </a:rPr>
-              <a:t> a </a:t>
-            </a:r>
-            <a:r>
-              <a:rPr lang="en-US" sz="1600" dirty="0" err="1">
-                <a:latin typeface="Segoe UI Light" panose="020B0502040204020203" pitchFamily="34" charset="0"/>
-                <a:cs typeface="Segoe UI Light" panose="020B0502040204020203" pitchFamily="34" charset="0"/>
-              </a:rPr>
-              <a:t>facilisis</a:t>
-            </a:r>
-            <a:r>
-              <a:rPr lang="en-US" sz="1600" dirty="0">
-                <a:latin typeface="Segoe UI Light" panose="020B0502040204020203" pitchFamily="34" charset="0"/>
-                <a:cs typeface="Segoe UI Light" panose="020B0502040204020203" pitchFamily="34" charset="0"/>
-              </a:rPr>
-              <a:t> ipsum, a </a:t>
-            </a:r>
-            <a:r>
-              <a:rPr lang="en-US" sz="1600" dirty="0" err="1">
-                <a:latin typeface="Segoe UI Light" panose="020B0502040204020203" pitchFamily="34" charset="0"/>
-                <a:cs typeface="Segoe UI Light" panose="020B0502040204020203" pitchFamily="34" charset="0"/>
-              </a:rPr>
-              <a:t>ultricies</a:t>
-            </a:r>
-            <a:r>
-              <a:rPr lang="en-US" sz="1600" dirty="0">
-                <a:latin typeface="Segoe UI Light" panose="020B0502040204020203" pitchFamily="34" charset="0"/>
-                <a:cs typeface="Segoe UI Light" panose="020B0502040204020203" pitchFamily="34" charset="0"/>
-              </a:rPr>
-              <a:t> </a:t>
-            </a:r>
-            <a:r>
-              <a:rPr lang="en-US" sz="1600" dirty="0" err="1">
-                <a:latin typeface="Segoe UI Light" panose="020B0502040204020203" pitchFamily="34" charset="0"/>
-                <a:cs typeface="Segoe UI Light" panose="020B0502040204020203" pitchFamily="34" charset="0"/>
-              </a:rPr>
-              <a:t>lacus</a:t>
-            </a:r>
-            <a:r>
-              <a:rPr lang="en-US" sz="1600" dirty="0">
-                <a:latin typeface="Segoe UI Light" panose="020B0502040204020203" pitchFamily="34" charset="0"/>
-                <a:cs typeface="Segoe UI Light" panose="020B0502040204020203" pitchFamily="34" charset="0"/>
-              </a:rPr>
-              <a:t>. </a:t>
-            </a:r>
-            <a:r>
-              <a:rPr lang="en-US" sz="1600" dirty="0" err="1">
-                <a:latin typeface="Segoe UI Light" panose="020B0502040204020203" pitchFamily="34" charset="0"/>
-                <a:cs typeface="Segoe UI Light" panose="020B0502040204020203" pitchFamily="34" charset="0"/>
-              </a:rPr>
-              <a:t>Phasellus</a:t>
-            </a:r>
-            <a:r>
-              <a:rPr lang="en-US" sz="1600" dirty="0">
-                <a:latin typeface="Segoe UI Light" panose="020B0502040204020203" pitchFamily="34" charset="0"/>
-                <a:cs typeface="Segoe UI Light" panose="020B0502040204020203" pitchFamily="34" charset="0"/>
-              </a:rPr>
-              <a:t> in </a:t>
-            </a:r>
-            <a:r>
-              <a:rPr lang="en-US" sz="1600" dirty="0" err="1">
-                <a:latin typeface="Segoe UI Light" panose="020B0502040204020203" pitchFamily="34" charset="0"/>
-                <a:cs typeface="Segoe UI Light" panose="020B0502040204020203" pitchFamily="34" charset="0"/>
-              </a:rPr>
-              <a:t>erat</a:t>
-            </a:r>
-            <a:r>
-              <a:rPr lang="en-US" sz="1600" dirty="0">
-                <a:latin typeface="Segoe UI Light" panose="020B0502040204020203" pitchFamily="34" charset="0"/>
-                <a:cs typeface="Segoe UI Light" panose="020B0502040204020203" pitchFamily="34" charset="0"/>
-              </a:rPr>
-              <a:t> ac </a:t>
-            </a:r>
-            <a:r>
-              <a:rPr lang="en-US" sz="1600" dirty="0" err="1">
-                <a:latin typeface="Segoe UI Light" panose="020B0502040204020203" pitchFamily="34" charset="0"/>
-                <a:cs typeface="Segoe UI Light" panose="020B0502040204020203" pitchFamily="34" charset="0"/>
-              </a:rPr>
-              <a:t>augue</a:t>
-            </a:r>
-            <a:r>
-              <a:rPr lang="en-US" sz="1600" dirty="0">
-                <a:latin typeface="Segoe UI Light" panose="020B0502040204020203" pitchFamily="34" charset="0"/>
-                <a:cs typeface="Segoe UI Light" panose="020B0502040204020203" pitchFamily="34" charset="0"/>
-              </a:rPr>
-              <a:t> </a:t>
-            </a:r>
-            <a:r>
-              <a:rPr lang="en-US" sz="1600" dirty="0" err="1">
-                <a:latin typeface="Segoe UI Light" panose="020B0502040204020203" pitchFamily="34" charset="0"/>
-                <a:cs typeface="Segoe UI Light" panose="020B0502040204020203" pitchFamily="34" charset="0"/>
-              </a:rPr>
-              <a:t>commodo</a:t>
-            </a:r>
-            <a:r>
-              <a:rPr lang="en-US" sz="1600" dirty="0">
-                <a:latin typeface="Segoe UI Light" panose="020B0502040204020203" pitchFamily="34" charset="0"/>
-                <a:cs typeface="Segoe UI Light" panose="020B0502040204020203" pitchFamily="34" charset="0"/>
-              </a:rPr>
-              <a:t> </a:t>
-            </a:r>
-            <a:r>
-              <a:rPr lang="en-US" sz="1600" dirty="0" err="1">
-                <a:latin typeface="Segoe UI Light" panose="020B0502040204020203" pitchFamily="34" charset="0"/>
-                <a:cs typeface="Segoe UI Light" panose="020B0502040204020203" pitchFamily="34" charset="0"/>
-              </a:rPr>
-              <a:t>pellentesque</a:t>
-            </a:r>
-            <a:r>
-              <a:rPr lang="en-US" sz="1600" dirty="0">
-                <a:latin typeface="Segoe UI Light" panose="020B0502040204020203" pitchFamily="34" charset="0"/>
-                <a:cs typeface="Segoe UI Light" panose="020B0502040204020203" pitchFamily="34" charset="0"/>
-              </a:rPr>
-              <a:t> id et </a:t>
-            </a:r>
-            <a:r>
-              <a:rPr lang="en-US" sz="1600" dirty="0" err="1">
-                <a:latin typeface="Segoe UI Light" panose="020B0502040204020203" pitchFamily="34" charset="0"/>
-                <a:cs typeface="Segoe UI Light" panose="020B0502040204020203" pitchFamily="34" charset="0"/>
-              </a:rPr>
-              <a:t>velit</a:t>
-            </a:r>
-            <a:r>
-              <a:rPr lang="en-US" sz="1600" dirty="0">
-                <a:latin typeface="Segoe UI Light" panose="020B0502040204020203" pitchFamily="34" charset="0"/>
-                <a:cs typeface="Segoe UI Light" panose="020B0502040204020203" pitchFamily="34" charset="0"/>
-              </a:rPr>
-              <a:t>.</a:t>
+                <a:latin typeface="Segoe UI Semibold" panose="020B0702040204020203" pitchFamily="34" charset="0"/>
+                <a:cs typeface="Segoe UI Semibold" panose="020B0702040204020203" pitchFamily="34" charset="0"/>
+              </a:rPr>
+              <a:t>Use a module as a remote HTTP (REST) service via Client.</a:t>
             </a:r>
           </a:p>
           <a:p>
-            <a:pPr algn="l">
+            <a:pPr marL="342900" indent="-342900" algn="l">
               <a:lnSpc>
                 <a:spcPct val="150000"/>
               </a:lnSpc>
+              <a:buFont typeface="+mj-lt"/>
+              <a:buAutoNum type="arabicPeriod"/>
             </a:pPr>
             <a:r>
-              <a:rPr lang="en-US" sz="1600" dirty="0" err="1">
-                <a:latin typeface="Segoe UI Light" panose="020B0502040204020203" pitchFamily="34" charset="0"/>
-                <a:cs typeface="Segoe UI Light" panose="020B0502040204020203" pitchFamily="34" charset="0"/>
-              </a:rPr>
-              <a:t>Donec</a:t>
-            </a:r>
-            <a:r>
               <a:rPr lang="en-US" sz="1600" dirty="0">
-                <a:latin typeface="Segoe UI Light" panose="020B0502040204020203" pitchFamily="34" charset="0"/>
-                <a:cs typeface="Segoe UI Light" panose="020B0502040204020203" pitchFamily="34" charset="0"/>
-              </a:rPr>
-              <a:t> a </a:t>
-            </a:r>
-            <a:r>
-              <a:rPr lang="en-US" sz="1600" dirty="0" err="1">
-                <a:latin typeface="Segoe UI Light" panose="020B0502040204020203" pitchFamily="34" charset="0"/>
-                <a:cs typeface="Segoe UI Light" panose="020B0502040204020203" pitchFamily="34" charset="0"/>
-              </a:rPr>
-              <a:t>facilisis</a:t>
-            </a:r>
-            <a:r>
-              <a:rPr lang="en-US" sz="1600" dirty="0">
-                <a:latin typeface="Segoe UI Light" panose="020B0502040204020203" pitchFamily="34" charset="0"/>
-                <a:cs typeface="Segoe UI Light" panose="020B0502040204020203" pitchFamily="34" charset="0"/>
-              </a:rPr>
-              <a:t> ipsum, a </a:t>
-            </a:r>
-            <a:r>
-              <a:rPr lang="en-US" sz="1600" dirty="0" err="1">
-                <a:latin typeface="Segoe UI Light" panose="020B0502040204020203" pitchFamily="34" charset="0"/>
-                <a:cs typeface="Segoe UI Light" panose="020B0502040204020203" pitchFamily="34" charset="0"/>
-              </a:rPr>
-              <a:t>ultricies</a:t>
-            </a:r>
-            <a:r>
-              <a:rPr lang="en-US" sz="1600" dirty="0">
-                <a:latin typeface="Segoe UI Light" panose="020B0502040204020203" pitchFamily="34" charset="0"/>
-                <a:cs typeface="Segoe UI Light" panose="020B0502040204020203" pitchFamily="34" charset="0"/>
-              </a:rPr>
-              <a:t> </a:t>
-            </a:r>
-            <a:r>
-              <a:rPr lang="en-US" sz="1600" dirty="0" err="1">
-                <a:latin typeface="Segoe UI Light" panose="020B0502040204020203" pitchFamily="34" charset="0"/>
-                <a:cs typeface="Segoe UI Light" panose="020B0502040204020203" pitchFamily="34" charset="0"/>
-              </a:rPr>
-              <a:t>lacus</a:t>
-            </a:r>
-            <a:r>
-              <a:rPr lang="en-US" sz="1600" dirty="0">
-                <a:latin typeface="Segoe UI Light" panose="020B0502040204020203" pitchFamily="34" charset="0"/>
-                <a:cs typeface="Segoe UI Light" panose="020B0502040204020203" pitchFamily="34" charset="0"/>
-              </a:rPr>
-              <a:t>. </a:t>
+                <a:latin typeface="Segoe UI Semibold" panose="020B0702040204020203" pitchFamily="34" charset="0"/>
+                <a:cs typeface="Segoe UI Semibold" panose="020B0702040204020203" pitchFamily="34" charset="0"/>
+              </a:rPr>
+              <a:t>Embed UI into an application, but use the functionality as a remote HTTP (REST) service via C# Client.</a:t>
             </a:r>
           </a:p>
         </p:txBody>
       </p:sp>
+      <p:pic>
+        <p:nvPicPr>
+          <p:cNvPr id="1026" name="Picture 2" descr="module-layers-and-packages">
+            <a:extLst>
+              <a:ext uri="{FF2B5EF4-FFF2-40B4-BE49-F238E27FC236}">
+                <a16:creationId xmlns:a16="http://schemas.microsoft.com/office/drawing/2014/main" id="{E74BA486-C590-400D-84C0-0735EB4B9D68}"/>
+              </a:ext>
+            </a:extLst>
+          </p:cNvPr>
+          <p:cNvPicPr>
+            <a:picLocks noChangeAspect="1" noChangeArrowheads="1"/>
+          </p:cNvPicPr>
+          <p:nvPr/>
+        </p:nvPicPr>
+        <p:blipFill>
+          <a:blip r:embed="rId3">
+            <a:extLst>
+              <a:ext uri="{28A0092B-C50C-407E-A947-70E740481C1C}">
+                <a14:useLocalDpi xmlns:a14="http://schemas.microsoft.com/office/drawing/2010/main" val="0"/>
+              </a:ext>
+            </a:extLst>
+          </a:blip>
+          <a:srcRect/>
+          <a:stretch>
+            <a:fillRect/>
+          </a:stretch>
+        </p:blipFill>
+        <p:spPr bwMode="auto">
+          <a:xfrm>
+            <a:off x="5049724" y="2220686"/>
+            <a:ext cx="6975235" cy="3097763"/>
+          </a:xfrm>
+          <a:prstGeom prst="rect">
+            <a:avLst/>
+          </a:prstGeom>
+          <a:noFill/>
+          <a:extLst>
+            <a:ext uri="{909E8E84-426E-40DD-AFC4-6F175D3DCCD1}">
+              <a14:hiddenFill xmlns:a14="http://schemas.microsoft.com/office/drawing/2010/main">
+                <a:solidFill>
+                  <a:srgbClr val="FFFFFF"/>
+                </a:solidFill>
+              </a14:hiddenFill>
+            </a:ext>
+          </a:extLst>
+        </p:spPr>
+      </p:pic>
     </p:spTree>
     <p:extLst>
       <p:ext uri="{BB962C8B-B14F-4D97-AF65-F5344CB8AC3E}">
-        <p14:creationId xmlns:p14="http://schemas.microsoft.com/office/powerpoint/2010/main" val="1060134847"/>
+        <p14:creationId xmlns:p14="http://schemas.microsoft.com/office/powerpoint/2010/main" val="1472296954"/>
       </p:ext>
     </p:extLst>
   </p:cSld>
@@ -24922,10 +23768,10 @@
       </p:grpSpPr>
       <p:pic>
         <p:nvPicPr>
-          <p:cNvPr id="19" name="Picture 18">
+          <p:cNvPr id="9" name="Picture 8">
             <a:extLst>
               <a:ext uri="{FF2B5EF4-FFF2-40B4-BE49-F238E27FC236}">
-                <a16:creationId xmlns:a16="http://schemas.microsoft.com/office/drawing/2014/main" id="{38981447-9723-40B3-902B-DA8C7B4D8B8E}"/>
+                <a16:creationId xmlns:a16="http://schemas.microsoft.com/office/drawing/2014/main" id="{39E83B63-DAE7-4E06-A56F-CF1576B89936}"/>
               </a:ext>
             </a:extLst>
           </p:cNvPr>
@@ -24974,8 +23820,8 @@
         </p:nvSpPr>
         <p:spPr>
           <a:xfrm>
-            <a:off x="0" y="886691"/>
-            <a:ext cx="12192000" cy="2205182"/>
+            <a:off x="738907" y="419878"/>
+            <a:ext cx="6016455" cy="775853"/>
           </a:xfrm>
         </p:spPr>
         <p:txBody>
@@ -24984,28 +23830,16 @@
           </a:bodyPr>
           <a:lstStyle/>
           <a:p>
+            <a:pPr algn="l"/>
             <a:r>
               <a:rPr lang="en-US" sz="4000" b="1" dirty="0">
-                <a:latin typeface="Segoe UI Light" panose="020B0502040204020203" pitchFamily="34" charset="0"/>
-                <a:cs typeface="Segoe UI Light" panose="020B0502040204020203" pitchFamily="34" charset="0"/>
-              </a:rPr>
-              <a:t>What is a</a:t>
-            </a:r>
-            <a:br>
-              <a:rPr lang="en-US" sz="4000" b="1" dirty="0">
-                <a:latin typeface="Segoe UI Semibold" panose="020B0702040204020203" pitchFamily="34" charset="0"/>
-                <a:cs typeface="Segoe UI Semibold" panose="020B0702040204020203" pitchFamily="34" charset="0"/>
-              </a:rPr>
-            </a:br>
-            <a:r>
-              <a:rPr lang="en-US" sz="4000" b="1" dirty="0">
                 <a:solidFill>
                   <a:srgbClr val="0041C6"/>
                 </a:solidFill>
                 <a:latin typeface="Segoe UI Semibold" panose="020B0702040204020203" pitchFamily="34" charset="0"/>
                 <a:cs typeface="Segoe UI Semibold" panose="020B0702040204020203" pitchFamily="34" charset="0"/>
               </a:rPr>
-              <a:t>Modular Application</a:t>
+              <a:t>Embed a module</a:t>
             </a:r>
           </a:p>
         </p:txBody>
@@ -25102,10 +23936,10 @@
       </p:sp>
       <p:sp>
         <p:nvSpPr>
-          <p:cNvPr id="15" name="Subtitle 2">
+          <p:cNvPr id="11" name="Subtitle 2">
             <a:extLst>
               <a:ext uri="{FF2B5EF4-FFF2-40B4-BE49-F238E27FC236}">
-                <a16:creationId xmlns:a16="http://schemas.microsoft.com/office/drawing/2014/main" id="{20939731-D3B7-4A28-B941-216A5F2FD525}"/>
+                <a16:creationId xmlns:a16="http://schemas.microsoft.com/office/drawing/2014/main" id="{A769CE0C-E9B4-4049-B22B-C35AD0DD7409}"/>
               </a:ext>
             </a:extLst>
           </p:cNvPr>
@@ -25116,8 +23950,8 @@
         </p:nvSpPr>
         <p:spPr>
           <a:xfrm>
-            <a:off x="1962727" y="3091873"/>
-            <a:ext cx="8266546" cy="2025073"/>
+            <a:off x="3582554" y="2904836"/>
+            <a:ext cx="835891" cy="775853"/>
           </a:xfrm>
           <a:prstGeom prst="rect">
             <a:avLst/>
@@ -25292,470 +24126,228 @@
             </a:lvl9pPr>
           </a:lstStyle>
           <a:p>
-            <a:pPr>
-              <a:lnSpc>
-                <a:spcPct val="150000"/>
-              </a:lnSpc>
-            </a:pPr>
-            <a:r>
-              <a:rPr lang="en-US" sz="1800" dirty="0">
-                <a:latin typeface="Segoe UI Light" panose="020B0502040204020203" pitchFamily="34" charset="0"/>
-                <a:cs typeface="Segoe UI Light" panose="020B0502040204020203" pitchFamily="34" charset="0"/>
-              </a:rPr>
-              <a:t>Lorem ipsum dolor sit </a:t>
-            </a:r>
-            <a:r>
-              <a:rPr lang="en-US" sz="1800" dirty="0" err="1">
-                <a:latin typeface="Segoe UI Light" panose="020B0502040204020203" pitchFamily="34" charset="0"/>
-                <a:cs typeface="Segoe UI Light" panose="020B0502040204020203" pitchFamily="34" charset="0"/>
-              </a:rPr>
-              <a:t>amet</a:t>
-            </a:r>
-            <a:r>
-              <a:rPr lang="en-US" sz="1800" dirty="0">
-                <a:latin typeface="Segoe UI Light" panose="020B0502040204020203" pitchFamily="34" charset="0"/>
-                <a:cs typeface="Segoe UI Light" panose="020B0502040204020203" pitchFamily="34" charset="0"/>
-              </a:rPr>
-              <a:t>, </a:t>
-            </a:r>
-            <a:r>
-              <a:rPr lang="en-US" sz="1800" dirty="0" err="1">
-                <a:latin typeface="Segoe UI Light" panose="020B0502040204020203" pitchFamily="34" charset="0"/>
-                <a:cs typeface="Segoe UI Light" panose="020B0502040204020203" pitchFamily="34" charset="0"/>
-              </a:rPr>
-              <a:t>consectetur</a:t>
-            </a:r>
-            <a:r>
-              <a:rPr lang="en-US" sz="1800" dirty="0">
-                <a:latin typeface="Segoe UI Light" panose="020B0502040204020203" pitchFamily="34" charset="0"/>
-                <a:cs typeface="Segoe UI Light" panose="020B0502040204020203" pitchFamily="34" charset="0"/>
-              </a:rPr>
-              <a:t> </a:t>
-            </a:r>
-            <a:r>
-              <a:rPr lang="en-US" sz="1800" dirty="0" err="1">
-                <a:latin typeface="Segoe UI Light" panose="020B0502040204020203" pitchFamily="34" charset="0"/>
-                <a:cs typeface="Segoe UI Light" panose="020B0502040204020203" pitchFamily="34" charset="0"/>
-              </a:rPr>
-              <a:t>adipiscing</a:t>
-            </a:r>
-            <a:r>
-              <a:rPr lang="en-US" sz="1800" dirty="0">
-                <a:latin typeface="Segoe UI Light" panose="020B0502040204020203" pitchFamily="34" charset="0"/>
-                <a:cs typeface="Segoe UI Light" panose="020B0502040204020203" pitchFamily="34" charset="0"/>
-              </a:rPr>
-              <a:t> </a:t>
-            </a:r>
-            <a:r>
-              <a:rPr lang="en-US" sz="1800" dirty="0" err="1">
-                <a:latin typeface="Segoe UI Light" panose="020B0502040204020203" pitchFamily="34" charset="0"/>
-                <a:cs typeface="Segoe UI Light" panose="020B0502040204020203" pitchFamily="34" charset="0"/>
-              </a:rPr>
-              <a:t>elit</a:t>
-            </a:r>
-            <a:r>
-              <a:rPr lang="en-US" sz="1800" dirty="0">
-                <a:latin typeface="Segoe UI Light" panose="020B0502040204020203" pitchFamily="34" charset="0"/>
-                <a:cs typeface="Segoe UI Light" panose="020B0502040204020203" pitchFamily="34" charset="0"/>
-              </a:rPr>
-              <a:t>. </a:t>
-            </a:r>
-            <a:r>
-              <a:rPr lang="en-US" sz="1800" dirty="0" err="1">
-                <a:latin typeface="Segoe UI Light" panose="020B0502040204020203" pitchFamily="34" charset="0"/>
-                <a:cs typeface="Segoe UI Light" panose="020B0502040204020203" pitchFamily="34" charset="0"/>
-              </a:rPr>
-              <a:t>Aliquam</a:t>
-            </a:r>
-            <a:r>
-              <a:rPr lang="en-US" sz="1800" dirty="0">
-                <a:latin typeface="Segoe UI Light" panose="020B0502040204020203" pitchFamily="34" charset="0"/>
-                <a:cs typeface="Segoe UI Light" panose="020B0502040204020203" pitchFamily="34" charset="0"/>
-              </a:rPr>
-              <a:t> </a:t>
-            </a:r>
-            <a:r>
-              <a:rPr lang="en-US" sz="1800" dirty="0" err="1">
-                <a:latin typeface="Segoe UI Light" panose="020B0502040204020203" pitchFamily="34" charset="0"/>
-                <a:cs typeface="Segoe UI Light" panose="020B0502040204020203" pitchFamily="34" charset="0"/>
-              </a:rPr>
-              <a:t>eleifend</a:t>
-            </a:r>
-            <a:r>
-              <a:rPr lang="en-US" sz="1800" dirty="0">
-                <a:latin typeface="Segoe UI Light" panose="020B0502040204020203" pitchFamily="34" charset="0"/>
-                <a:cs typeface="Segoe UI Light" panose="020B0502040204020203" pitchFamily="34" charset="0"/>
-              </a:rPr>
-              <a:t> </a:t>
-            </a:r>
-            <a:r>
-              <a:rPr lang="en-US" sz="1800" dirty="0" err="1">
-                <a:latin typeface="Segoe UI Light" panose="020B0502040204020203" pitchFamily="34" charset="0"/>
-                <a:cs typeface="Segoe UI Light" panose="020B0502040204020203" pitchFamily="34" charset="0"/>
-              </a:rPr>
-              <a:t>eget</a:t>
-            </a:r>
-            <a:r>
-              <a:rPr lang="en-US" sz="1800" dirty="0">
-                <a:latin typeface="Segoe UI Light" panose="020B0502040204020203" pitchFamily="34" charset="0"/>
-                <a:cs typeface="Segoe UI Light" panose="020B0502040204020203" pitchFamily="34" charset="0"/>
-              </a:rPr>
-              <a:t> </a:t>
-            </a:r>
-            <a:r>
-              <a:rPr lang="en-US" sz="1800" dirty="0" err="1">
-                <a:latin typeface="Segoe UI Light" panose="020B0502040204020203" pitchFamily="34" charset="0"/>
-                <a:cs typeface="Segoe UI Light" panose="020B0502040204020203" pitchFamily="34" charset="0"/>
-              </a:rPr>
-              <a:t>tellus</a:t>
-            </a:r>
-            <a:r>
-              <a:rPr lang="en-US" sz="1800" dirty="0">
-                <a:latin typeface="Segoe UI Light" panose="020B0502040204020203" pitchFamily="34" charset="0"/>
-                <a:cs typeface="Segoe UI Light" panose="020B0502040204020203" pitchFamily="34" charset="0"/>
-              </a:rPr>
-              <a:t> </a:t>
-            </a:r>
-            <a:r>
-              <a:rPr lang="en-US" sz="1800" dirty="0" err="1">
-                <a:latin typeface="Segoe UI Light" panose="020B0502040204020203" pitchFamily="34" charset="0"/>
-                <a:cs typeface="Segoe UI Light" panose="020B0502040204020203" pitchFamily="34" charset="0"/>
-              </a:rPr>
-              <a:t>eget</a:t>
-            </a:r>
-            <a:r>
-              <a:rPr lang="en-US" sz="1800" dirty="0">
-                <a:latin typeface="Segoe UI Light" panose="020B0502040204020203" pitchFamily="34" charset="0"/>
-                <a:cs typeface="Segoe UI Light" panose="020B0502040204020203" pitchFamily="34" charset="0"/>
-              </a:rPr>
-              <a:t> </a:t>
-            </a:r>
-            <a:r>
-              <a:rPr lang="en-US" sz="1800" dirty="0" err="1">
-                <a:latin typeface="Segoe UI Light" panose="020B0502040204020203" pitchFamily="34" charset="0"/>
-                <a:cs typeface="Segoe UI Light" panose="020B0502040204020203" pitchFamily="34" charset="0"/>
-              </a:rPr>
-              <a:t>sodales</a:t>
-            </a:r>
-            <a:r>
-              <a:rPr lang="en-US" sz="1800" dirty="0">
-                <a:latin typeface="Segoe UI Light" panose="020B0502040204020203" pitchFamily="34" charset="0"/>
-                <a:cs typeface="Segoe UI Light" panose="020B0502040204020203" pitchFamily="34" charset="0"/>
-              </a:rPr>
-              <a:t>. </a:t>
-            </a:r>
-            <a:r>
-              <a:rPr lang="en-US" sz="1800" dirty="0" err="1">
-                <a:latin typeface="Segoe UI Light" panose="020B0502040204020203" pitchFamily="34" charset="0"/>
-                <a:cs typeface="Segoe UI Light" panose="020B0502040204020203" pitchFamily="34" charset="0"/>
-              </a:rPr>
-              <a:t>Donec</a:t>
-            </a:r>
-            <a:r>
-              <a:rPr lang="en-US" sz="1800" dirty="0">
-                <a:latin typeface="Segoe UI Light" panose="020B0502040204020203" pitchFamily="34" charset="0"/>
-                <a:cs typeface="Segoe UI Light" panose="020B0502040204020203" pitchFamily="34" charset="0"/>
-              </a:rPr>
-              <a:t> a </a:t>
-            </a:r>
-            <a:r>
-              <a:rPr lang="en-US" sz="1800" dirty="0" err="1">
-                <a:latin typeface="Segoe UI Light" panose="020B0502040204020203" pitchFamily="34" charset="0"/>
-                <a:cs typeface="Segoe UI Light" panose="020B0502040204020203" pitchFamily="34" charset="0"/>
-              </a:rPr>
-              <a:t>facilisis</a:t>
-            </a:r>
-            <a:r>
-              <a:rPr lang="en-US" sz="1800" dirty="0">
-                <a:latin typeface="Segoe UI Light" panose="020B0502040204020203" pitchFamily="34" charset="0"/>
-                <a:cs typeface="Segoe UI Light" panose="020B0502040204020203" pitchFamily="34" charset="0"/>
-              </a:rPr>
-              <a:t> ipsum, a </a:t>
-            </a:r>
-            <a:r>
-              <a:rPr lang="en-US" sz="1800" dirty="0" err="1">
-                <a:latin typeface="Segoe UI Light" panose="020B0502040204020203" pitchFamily="34" charset="0"/>
-                <a:cs typeface="Segoe UI Light" panose="020B0502040204020203" pitchFamily="34" charset="0"/>
-              </a:rPr>
-              <a:t>ultricies</a:t>
-            </a:r>
-            <a:r>
-              <a:rPr lang="en-US" sz="1800" dirty="0">
-                <a:latin typeface="Segoe UI Light" panose="020B0502040204020203" pitchFamily="34" charset="0"/>
-                <a:cs typeface="Segoe UI Light" panose="020B0502040204020203" pitchFamily="34" charset="0"/>
-              </a:rPr>
-              <a:t> </a:t>
-            </a:r>
-            <a:r>
-              <a:rPr lang="en-US" sz="1800" dirty="0" err="1">
-                <a:latin typeface="Segoe UI Light" panose="020B0502040204020203" pitchFamily="34" charset="0"/>
-                <a:cs typeface="Segoe UI Light" panose="020B0502040204020203" pitchFamily="34" charset="0"/>
-              </a:rPr>
-              <a:t>lacus</a:t>
-            </a:r>
-            <a:r>
-              <a:rPr lang="en-US" sz="1800" dirty="0">
-                <a:latin typeface="Segoe UI Light" panose="020B0502040204020203" pitchFamily="34" charset="0"/>
-                <a:cs typeface="Segoe UI Light" panose="020B0502040204020203" pitchFamily="34" charset="0"/>
-              </a:rPr>
-              <a:t>. </a:t>
-            </a:r>
-            <a:r>
-              <a:rPr lang="en-US" sz="1800" dirty="0" err="1">
-                <a:latin typeface="Segoe UI Light" panose="020B0502040204020203" pitchFamily="34" charset="0"/>
-                <a:cs typeface="Segoe UI Light" panose="020B0502040204020203" pitchFamily="34" charset="0"/>
-              </a:rPr>
-              <a:t>Phasellus</a:t>
-            </a:r>
-            <a:r>
-              <a:rPr lang="en-US" sz="1800" dirty="0">
-                <a:latin typeface="Segoe UI Light" panose="020B0502040204020203" pitchFamily="34" charset="0"/>
-                <a:cs typeface="Segoe UI Light" panose="020B0502040204020203" pitchFamily="34" charset="0"/>
-              </a:rPr>
-              <a:t> in </a:t>
-            </a:r>
-            <a:r>
-              <a:rPr lang="en-US" sz="1800" dirty="0" err="1">
-                <a:latin typeface="Segoe UI Light" panose="020B0502040204020203" pitchFamily="34" charset="0"/>
-                <a:cs typeface="Segoe UI Light" panose="020B0502040204020203" pitchFamily="34" charset="0"/>
-              </a:rPr>
-              <a:t>erat</a:t>
-            </a:r>
-            <a:r>
-              <a:rPr lang="en-US" sz="1800" dirty="0">
-                <a:latin typeface="Segoe UI Light" panose="020B0502040204020203" pitchFamily="34" charset="0"/>
-                <a:cs typeface="Segoe UI Light" panose="020B0502040204020203" pitchFamily="34" charset="0"/>
-              </a:rPr>
-              <a:t> ac </a:t>
-            </a:r>
-            <a:r>
-              <a:rPr lang="en-US" sz="1800" dirty="0" err="1">
-                <a:latin typeface="Segoe UI Light" panose="020B0502040204020203" pitchFamily="34" charset="0"/>
-                <a:cs typeface="Segoe UI Light" panose="020B0502040204020203" pitchFamily="34" charset="0"/>
-              </a:rPr>
-              <a:t>augue</a:t>
-            </a:r>
-            <a:r>
-              <a:rPr lang="en-US" sz="1800" dirty="0">
-                <a:latin typeface="Segoe UI Light" panose="020B0502040204020203" pitchFamily="34" charset="0"/>
-                <a:cs typeface="Segoe UI Light" panose="020B0502040204020203" pitchFamily="34" charset="0"/>
-              </a:rPr>
-              <a:t> </a:t>
-            </a:r>
-            <a:r>
-              <a:rPr lang="en-US" sz="1800" dirty="0" err="1">
-                <a:latin typeface="Segoe UI Light" panose="020B0502040204020203" pitchFamily="34" charset="0"/>
-                <a:cs typeface="Segoe UI Light" panose="020B0502040204020203" pitchFamily="34" charset="0"/>
-              </a:rPr>
-              <a:t>commodo</a:t>
-            </a:r>
-            <a:r>
-              <a:rPr lang="en-US" sz="1800" dirty="0">
-                <a:latin typeface="Segoe UI Light" panose="020B0502040204020203" pitchFamily="34" charset="0"/>
-                <a:cs typeface="Segoe UI Light" panose="020B0502040204020203" pitchFamily="34" charset="0"/>
-              </a:rPr>
-              <a:t> </a:t>
-            </a:r>
-            <a:r>
-              <a:rPr lang="en-US" sz="1800" dirty="0" err="1">
-                <a:latin typeface="Segoe UI Light" panose="020B0502040204020203" pitchFamily="34" charset="0"/>
-                <a:cs typeface="Segoe UI Light" panose="020B0502040204020203" pitchFamily="34" charset="0"/>
-              </a:rPr>
-              <a:t>pellentesque</a:t>
-            </a:r>
-            <a:r>
-              <a:rPr lang="en-US" sz="1800" dirty="0">
-                <a:latin typeface="Segoe UI Light" panose="020B0502040204020203" pitchFamily="34" charset="0"/>
-                <a:cs typeface="Segoe UI Light" panose="020B0502040204020203" pitchFamily="34" charset="0"/>
-              </a:rPr>
-              <a:t> id et </a:t>
-            </a:r>
-            <a:r>
-              <a:rPr lang="en-US" sz="1800" dirty="0" err="1">
-                <a:latin typeface="Segoe UI Light" panose="020B0502040204020203" pitchFamily="34" charset="0"/>
-                <a:cs typeface="Segoe UI Light" panose="020B0502040204020203" pitchFamily="34" charset="0"/>
-              </a:rPr>
-              <a:t>velit</a:t>
-            </a:r>
-            <a:r>
-              <a:rPr lang="en-US" sz="1800" dirty="0">
-                <a:latin typeface="Segoe UI Light" panose="020B0502040204020203" pitchFamily="34" charset="0"/>
-                <a:cs typeface="Segoe UI Light" panose="020B0502040204020203" pitchFamily="34" charset="0"/>
-              </a:rPr>
-              <a:t>. </a:t>
-            </a:r>
-            <a:r>
-              <a:rPr lang="en-US" sz="1800" dirty="0" err="1">
-                <a:latin typeface="Segoe UI Light" panose="020B0502040204020203" pitchFamily="34" charset="0"/>
-                <a:cs typeface="Segoe UI Light" panose="020B0502040204020203" pitchFamily="34" charset="0"/>
-              </a:rPr>
-              <a:t>Donec</a:t>
-            </a:r>
-            <a:r>
-              <a:rPr lang="en-US" sz="1800" dirty="0">
-                <a:latin typeface="Segoe UI Light" panose="020B0502040204020203" pitchFamily="34" charset="0"/>
-                <a:cs typeface="Segoe UI Light" panose="020B0502040204020203" pitchFamily="34" charset="0"/>
-              </a:rPr>
-              <a:t> in </a:t>
-            </a:r>
-            <a:r>
-              <a:rPr lang="en-US" sz="1800" dirty="0" err="1">
-                <a:latin typeface="Segoe UI Light" panose="020B0502040204020203" pitchFamily="34" charset="0"/>
-                <a:cs typeface="Segoe UI Light" panose="020B0502040204020203" pitchFamily="34" charset="0"/>
-              </a:rPr>
-              <a:t>varius</a:t>
-            </a:r>
-            <a:r>
-              <a:rPr lang="en-US" sz="1800" dirty="0">
-                <a:latin typeface="Segoe UI Light" panose="020B0502040204020203" pitchFamily="34" charset="0"/>
-                <a:cs typeface="Segoe UI Light" panose="020B0502040204020203" pitchFamily="34" charset="0"/>
-              </a:rPr>
-              <a:t> </a:t>
-            </a:r>
-            <a:r>
-              <a:rPr lang="en-US" sz="1800" dirty="0" err="1">
-                <a:latin typeface="Segoe UI Light" panose="020B0502040204020203" pitchFamily="34" charset="0"/>
-                <a:cs typeface="Segoe UI Light" panose="020B0502040204020203" pitchFamily="34" charset="0"/>
-              </a:rPr>
-              <a:t>risus</a:t>
-            </a:r>
-            <a:r>
-              <a:rPr lang="en-US" sz="1800" dirty="0">
-                <a:latin typeface="Segoe UI Light" panose="020B0502040204020203" pitchFamily="34" charset="0"/>
-                <a:cs typeface="Segoe UI Light" panose="020B0502040204020203" pitchFamily="34" charset="0"/>
-              </a:rPr>
-              <a:t>, </a:t>
-            </a:r>
-            <a:r>
-              <a:rPr lang="en-US" sz="1800" dirty="0" err="1">
-                <a:latin typeface="Segoe UI Light" panose="020B0502040204020203" pitchFamily="34" charset="0"/>
-                <a:cs typeface="Segoe UI Light" panose="020B0502040204020203" pitchFamily="34" charset="0"/>
-              </a:rPr>
-              <a:t>eu</a:t>
-            </a:r>
-            <a:r>
-              <a:rPr lang="en-US" sz="1800" dirty="0">
-                <a:latin typeface="Segoe UI Light" panose="020B0502040204020203" pitchFamily="34" charset="0"/>
-                <a:cs typeface="Segoe UI Light" panose="020B0502040204020203" pitchFamily="34" charset="0"/>
-              </a:rPr>
-              <a:t> </a:t>
-            </a:r>
-            <a:r>
-              <a:rPr lang="en-US" sz="1800" dirty="0" err="1">
-                <a:latin typeface="Segoe UI Light" panose="020B0502040204020203" pitchFamily="34" charset="0"/>
-                <a:cs typeface="Segoe UI Light" panose="020B0502040204020203" pitchFamily="34" charset="0"/>
-              </a:rPr>
-              <a:t>ultricies</a:t>
-            </a:r>
-            <a:r>
-              <a:rPr lang="en-US" sz="1800" dirty="0">
-                <a:latin typeface="Segoe UI Light" panose="020B0502040204020203" pitchFamily="34" charset="0"/>
-                <a:cs typeface="Segoe UI Light" panose="020B0502040204020203" pitchFamily="34" charset="0"/>
-              </a:rPr>
-              <a:t> </a:t>
-            </a:r>
-            <a:r>
-              <a:rPr lang="en-US" sz="1800" dirty="0" err="1">
-                <a:latin typeface="Segoe UI Light" panose="020B0502040204020203" pitchFamily="34" charset="0"/>
-                <a:cs typeface="Segoe UI Light" panose="020B0502040204020203" pitchFamily="34" charset="0"/>
-              </a:rPr>
-              <a:t>velit</a:t>
-            </a:r>
-            <a:r>
-              <a:rPr lang="en-US" sz="1800" dirty="0">
-                <a:latin typeface="Segoe UI Light" panose="020B0502040204020203" pitchFamily="34" charset="0"/>
-                <a:cs typeface="Segoe UI Light" panose="020B0502040204020203" pitchFamily="34" charset="0"/>
-              </a:rPr>
-              <a:t>. Maecenas </a:t>
-            </a:r>
-            <a:r>
-              <a:rPr lang="en-US" sz="1800" dirty="0" err="1">
-                <a:latin typeface="Segoe UI Light" panose="020B0502040204020203" pitchFamily="34" charset="0"/>
-                <a:cs typeface="Segoe UI Light" panose="020B0502040204020203" pitchFamily="34" charset="0"/>
-              </a:rPr>
-              <a:t>mauris</a:t>
-            </a:r>
-            <a:r>
-              <a:rPr lang="en-US" sz="1800" dirty="0">
-                <a:latin typeface="Segoe UI Light" panose="020B0502040204020203" pitchFamily="34" charset="0"/>
-                <a:cs typeface="Segoe UI Light" panose="020B0502040204020203" pitchFamily="34" charset="0"/>
-              </a:rPr>
-              <a:t> </a:t>
-            </a:r>
-            <a:r>
-              <a:rPr lang="en-US" sz="1800" dirty="0" err="1">
-                <a:latin typeface="Segoe UI Light" panose="020B0502040204020203" pitchFamily="34" charset="0"/>
-                <a:cs typeface="Segoe UI Light" panose="020B0502040204020203" pitchFamily="34" charset="0"/>
-              </a:rPr>
-              <a:t>massa</a:t>
-            </a:r>
-            <a:r>
-              <a:rPr lang="en-US" sz="1800" dirty="0">
-                <a:latin typeface="Segoe UI Light" panose="020B0502040204020203" pitchFamily="34" charset="0"/>
-                <a:cs typeface="Segoe UI Light" panose="020B0502040204020203" pitchFamily="34" charset="0"/>
-              </a:rPr>
-              <a:t>, lacinia at </a:t>
-            </a:r>
-            <a:r>
-              <a:rPr lang="en-US" sz="1800" dirty="0" err="1">
-                <a:latin typeface="Segoe UI Light" panose="020B0502040204020203" pitchFamily="34" charset="0"/>
-                <a:cs typeface="Segoe UI Light" panose="020B0502040204020203" pitchFamily="34" charset="0"/>
-              </a:rPr>
-              <a:t>sapien</a:t>
-            </a:r>
-            <a:r>
-              <a:rPr lang="en-US" sz="1800" dirty="0">
-                <a:latin typeface="Segoe UI Light" panose="020B0502040204020203" pitchFamily="34" charset="0"/>
-                <a:cs typeface="Segoe UI Light" panose="020B0502040204020203" pitchFamily="34" charset="0"/>
-              </a:rPr>
-              <a:t> et, </a:t>
-            </a:r>
-            <a:r>
-              <a:rPr lang="en-US" sz="1800" dirty="0" err="1">
-                <a:latin typeface="Segoe UI Light" panose="020B0502040204020203" pitchFamily="34" charset="0"/>
-                <a:cs typeface="Segoe UI Light" panose="020B0502040204020203" pitchFamily="34" charset="0"/>
-              </a:rPr>
-              <a:t>sodales</a:t>
-            </a:r>
-            <a:r>
-              <a:rPr lang="en-US" sz="1800" dirty="0">
-                <a:latin typeface="Segoe UI Light" panose="020B0502040204020203" pitchFamily="34" charset="0"/>
-                <a:cs typeface="Segoe UI Light" panose="020B0502040204020203" pitchFamily="34" charset="0"/>
-              </a:rPr>
-              <a:t> </a:t>
-            </a:r>
-            <a:r>
-              <a:rPr lang="en-US" sz="1800" dirty="0" err="1">
-                <a:latin typeface="Segoe UI Light" panose="020B0502040204020203" pitchFamily="34" charset="0"/>
-                <a:cs typeface="Segoe UI Light" panose="020B0502040204020203" pitchFamily="34" charset="0"/>
-              </a:rPr>
-              <a:t>suscipit</a:t>
-            </a:r>
-            <a:r>
-              <a:rPr lang="en-US" sz="1800" dirty="0">
-                <a:latin typeface="Segoe UI Light" panose="020B0502040204020203" pitchFamily="34" charset="0"/>
-                <a:cs typeface="Segoe UI Light" panose="020B0502040204020203" pitchFamily="34" charset="0"/>
-              </a:rPr>
-              <a:t> </a:t>
-            </a:r>
-            <a:r>
-              <a:rPr lang="en-US" sz="1800" dirty="0" err="1">
-                <a:latin typeface="Segoe UI Light" panose="020B0502040204020203" pitchFamily="34" charset="0"/>
-                <a:cs typeface="Segoe UI Light" panose="020B0502040204020203" pitchFamily="34" charset="0"/>
-              </a:rPr>
-              <a:t>quam</a:t>
-            </a:r>
-            <a:endParaRPr lang="en-US" sz="1800" dirty="0">
-              <a:latin typeface="Segoe UI Light" panose="020B0502040204020203" pitchFamily="34" charset="0"/>
-              <a:cs typeface="Segoe UI Light" panose="020B0502040204020203" pitchFamily="34" charset="0"/>
-            </a:endParaRPr>
+            <a:r>
+              <a:rPr lang="en-US" sz="2000" b="1" dirty="0">
+                <a:solidFill>
+                  <a:schemeClr val="bg1"/>
+                </a:solidFill>
+                <a:latin typeface="Segoe UI Light" panose="020B0502040204020203" pitchFamily="34" charset="0"/>
+                <a:cs typeface="Segoe UI Light" panose="020B0502040204020203" pitchFamily="34" charset="0"/>
+              </a:rPr>
+              <a:t>VS</a:t>
+            </a:r>
           </a:p>
         </p:txBody>
       </p:sp>
+      <p:pic>
+        <p:nvPicPr>
+          <p:cNvPr id="3" name="Picture 2">
+            <a:extLst>
+              <a:ext uri="{FF2B5EF4-FFF2-40B4-BE49-F238E27FC236}">
+                <a16:creationId xmlns:a16="http://schemas.microsoft.com/office/drawing/2014/main" id="{BE394376-2116-4851-89D2-4D4195BC60B1}"/>
+              </a:ext>
+            </a:extLst>
+          </p:cNvPr>
+          <p:cNvPicPr>
+            <a:picLocks noChangeAspect="1"/>
+          </p:cNvPicPr>
+          <p:nvPr/>
+        </p:nvPicPr>
+        <p:blipFill>
+          <a:blip r:embed="rId3"/>
+          <a:stretch>
+            <a:fillRect/>
+          </a:stretch>
+        </p:blipFill>
+        <p:spPr>
+          <a:xfrm>
+            <a:off x="181850" y="1192499"/>
+            <a:ext cx="9458325" cy="4200525"/>
+          </a:xfrm>
+          <a:prstGeom prst="rect">
+            <a:avLst/>
+          </a:prstGeom>
+        </p:spPr>
+      </p:pic>
+      <p:sp>
+        <p:nvSpPr>
+          <p:cNvPr id="4" name="Rectangle 3">
+            <a:extLst>
+              <a:ext uri="{FF2B5EF4-FFF2-40B4-BE49-F238E27FC236}">
+                <a16:creationId xmlns:a16="http://schemas.microsoft.com/office/drawing/2014/main" id="{0D0F9621-17AF-44C5-92B1-F45A6E54BA2B}"/>
+              </a:ext>
+            </a:extLst>
+          </p:cNvPr>
+          <p:cNvSpPr/>
+          <p:nvPr/>
+        </p:nvSpPr>
+        <p:spPr>
+          <a:xfrm>
+            <a:off x="6531429" y="3834882"/>
+            <a:ext cx="2761861" cy="1231640"/>
+          </a:xfrm>
+          <a:prstGeom prst="rect">
+            <a:avLst/>
+          </a:prstGeom>
+        </p:spPr>
+        <p:style>
+          <a:lnRef idx="2">
+            <a:schemeClr val="accent1">
+              <a:shade val="50000"/>
+            </a:schemeClr>
+          </a:lnRef>
+          <a:fillRef idx="1">
+            <a:schemeClr val="accent1"/>
+          </a:fillRef>
+          <a:effectRef idx="0">
+            <a:schemeClr val="accent1"/>
+          </a:effectRef>
+          <a:fontRef idx="minor">
+            <a:schemeClr val="lt1"/>
+          </a:fontRef>
+        </p:style>
+        <p:txBody>
+          <a:bodyPr rtlCol="0" anchor="ctr"/>
+          <a:lstStyle/>
+          <a:p>
+            <a:pPr algn="ctr"/>
+            <a:r>
+              <a:rPr lang="en-US" sz="3200" dirty="0">
+                <a:latin typeface="Segoe UI Semibold" panose="020B0702040204020203" pitchFamily="34" charset="0"/>
+                <a:cs typeface="Segoe UI Semibold" panose="020B0702040204020203" pitchFamily="34" charset="0"/>
+              </a:rPr>
+              <a:t>Application</a:t>
+            </a:r>
+          </a:p>
+        </p:txBody>
+      </p:sp>
+      <p:cxnSp>
+        <p:nvCxnSpPr>
+          <p:cNvPr id="7" name="Connector: Curved 6">
+            <a:extLst>
+              <a:ext uri="{FF2B5EF4-FFF2-40B4-BE49-F238E27FC236}">
+                <a16:creationId xmlns:a16="http://schemas.microsoft.com/office/drawing/2014/main" id="{6BCEF099-CB59-40AC-84AB-5E6869EDDBDE}"/>
+              </a:ext>
+            </a:extLst>
+          </p:cNvPr>
+          <p:cNvCxnSpPr>
+            <a:stCxn id="4" idx="1"/>
+          </p:cNvCxnSpPr>
+          <p:nvPr/>
+        </p:nvCxnSpPr>
+        <p:spPr>
+          <a:xfrm rot="10800000" flipV="1">
+            <a:off x="5337111" y="4450702"/>
+            <a:ext cx="1194319" cy="615820"/>
+          </a:xfrm>
+          <a:prstGeom prst="curvedConnector3">
+            <a:avLst/>
+          </a:prstGeom>
+          <a:ln w="50800">
+            <a:tailEnd type="triangle"/>
+          </a:ln>
+        </p:spPr>
+        <p:style>
+          <a:lnRef idx="1">
+            <a:schemeClr val="accent1"/>
+          </a:lnRef>
+          <a:fillRef idx="0">
+            <a:schemeClr val="accent1"/>
+          </a:fillRef>
+          <a:effectRef idx="0">
+            <a:schemeClr val="accent1"/>
+          </a:effectRef>
+          <a:fontRef idx="minor">
+            <a:schemeClr val="tx1"/>
+          </a:fontRef>
+        </p:style>
+      </p:cxnSp>
+      <p:cxnSp>
+        <p:nvCxnSpPr>
+          <p:cNvPr id="10" name="Connector: Curved 9">
+            <a:extLst>
+              <a:ext uri="{FF2B5EF4-FFF2-40B4-BE49-F238E27FC236}">
+                <a16:creationId xmlns:a16="http://schemas.microsoft.com/office/drawing/2014/main" id="{D05A347C-61F2-4293-B8C4-27BAA14F8AB3}"/>
+              </a:ext>
+            </a:extLst>
+          </p:cNvPr>
+          <p:cNvCxnSpPr/>
+          <p:nvPr/>
+        </p:nvCxnSpPr>
+        <p:spPr>
+          <a:xfrm rot="16200000" flipV="1">
+            <a:off x="6578082" y="3209731"/>
+            <a:ext cx="681135" cy="569168"/>
+          </a:xfrm>
+          <a:prstGeom prst="curvedConnector3">
+            <a:avLst/>
+          </a:prstGeom>
+          <a:ln w="50800">
+            <a:tailEnd type="triangle"/>
+          </a:ln>
+        </p:spPr>
+        <p:style>
+          <a:lnRef idx="1">
+            <a:schemeClr val="accent1"/>
+          </a:lnRef>
+          <a:fillRef idx="0">
+            <a:schemeClr val="accent1"/>
+          </a:fillRef>
+          <a:effectRef idx="0">
+            <a:schemeClr val="accent1"/>
+          </a:effectRef>
+          <a:fontRef idx="minor">
+            <a:schemeClr val="tx1"/>
+          </a:fontRef>
+        </p:style>
+      </p:cxnSp>
+      <p:cxnSp>
+        <p:nvCxnSpPr>
+          <p:cNvPr id="20" name="Connector: Curved 19">
+            <a:extLst>
+              <a:ext uri="{FF2B5EF4-FFF2-40B4-BE49-F238E27FC236}">
+                <a16:creationId xmlns:a16="http://schemas.microsoft.com/office/drawing/2014/main" id="{216820C0-53D6-4DB5-B8D0-235CF5DED30A}"/>
+              </a:ext>
+            </a:extLst>
+          </p:cNvPr>
+          <p:cNvCxnSpPr>
+            <a:cxnSpLocks/>
+          </p:cNvCxnSpPr>
+          <p:nvPr/>
+        </p:nvCxnSpPr>
+        <p:spPr>
+          <a:xfrm rot="5400000" flipH="1" flipV="1">
+            <a:off x="8075250" y="2491275"/>
+            <a:ext cx="2118047" cy="569167"/>
+          </a:xfrm>
+          <a:prstGeom prst="curvedConnector3">
+            <a:avLst>
+              <a:gd name="adj1" fmla="val 50000"/>
+            </a:avLst>
+          </a:prstGeom>
+          <a:ln w="50800">
+            <a:tailEnd type="triangle"/>
+          </a:ln>
+        </p:spPr>
+        <p:style>
+          <a:lnRef idx="1">
+            <a:schemeClr val="accent1"/>
+          </a:lnRef>
+          <a:fillRef idx="0">
+            <a:schemeClr val="accent1"/>
+          </a:fillRef>
+          <a:effectRef idx="0">
+            <a:schemeClr val="accent1"/>
+          </a:effectRef>
+          <a:fontRef idx="minor">
+            <a:schemeClr val="tx1"/>
+          </a:fontRef>
+        </p:style>
+      </p:cxnSp>
     </p:spTree>
     <p:extLst>
       <p:ext uri="{BB962C8B-B14F-4D97-AF65-F5344CB8AC3E}">
-        <p14:creationId xmlns:p14="http://schemas.microsoft.com/office/powerpoint/2010/main" val="639917840"/>
+        <p14:creationId xmlns:p14="http://schemas.microsoft.com/office/powerpoint/2010/main" val="4215241733"/>
       </p:ext>
     </p:extLst>
   </p:cSld>
@@ -25796,10 +24388,10 @@
       </p:grpSpPr>
       <p:pic>
         <p:nvPicPr>
-          <p:cNvPr id="19" name="Picture 18">
+          <p:cNvPr id="9" name="Picture 8">
             <a:extLst>
               <a:ext uri="{FF2B5EF4-FFF2-40B4-BE49-F238E27FC236}">
-                <a16:creationId xmlns:a16="http://schemas.microsoft.com/office/drawing/2014/main" id="{38981447-9723-40B3-902B-DA8C7B4D8B8E}"/>
+                <a16:creationId xmlns:a16="http://schemas.microsoft.com/office/drawing/2014/main" id="{39E83B63-DAE7-4E06-A56F-CF1576B89936}"/>
               </a:ext>
             </a:extLst>
           </p:cNvPr>
@@ -25848,8 +24440,8 @@
         </p:nvSpPr>
         <p:spPr>
           <a:xfrm>
-            <a:off x="0" y="886691"/>
-            <a:ext cx="12192000" cy="2205182"/>
+            <a:off x="738907" y="419878"/>
+            <a:ext cx="6016455" cy="775853"/>
           </a:xfrm>
         </p:spPr>
         <p:txBody>
@@ -25858,28 +24450,16 @@
           </a:bodyPr>
           <a:lstStyle/>
           <a:p>
+            <a:pPr algn="l"/>
             <a:r>
               <a:rPr lang="en-US" sz="4000" b="1" dirty="0">
-                <a:latin typeface="Segoe UI Light" panose="020B0502040204020203" pitchFamily="34" charset="0"/>
-                <a:cs typeface="Segoe UI Light" panose="020B0502040204020203" pitchFamily="34" charset="0"/>
-              </a:rPr>
-              <a:t>What is a</a:t>
-            </a:r>
-            <a:br>
-              <a:rPr lang="en-US" sz="4000" b="1" dirty="0">
-                <a:latin typeface="Segoe UI Semibold" panose="020B0702040204020203" pitchFamily="34" charset="0"/>
-                <a:cs typeface="Segoe UI Semibold" panose="020B0702040204020203" pitchFamily="34" charset="0"/>
-              </a:rPr>
-            </a:br>
-            <a:r>
-              <a:rPr lang="en-US" sz="4000" b="1" dirty="0">
                 <a:solidFill>
                   <a:srgbClr val="0041C6"/>
                 </a:solidFill>
                 <a:latin typeface="Segoe UI Semibold" panose="020B0702040204020203" pitchFamily="34" charset="0"/>
                 <a:cs typeface="Segoe UI Semibold" panose="020B0702040204020203" pitchFamily="34" charset="0"/>
               </a:rPr>
-              <a:t>Modular Application</a:t>
+              <a:t>Use as a Remote Service</a:t>
             </a:r>
           </a:p>
         </p:txBody>
@@ -25976,10 +24556,10 @@
       </p:sp>
       <p:sp>
         <p:nvSpPr>
-          <p:cNvPr id="15" name="Subtitle 2">
+          <p:cNvPr id="11" name="Subtitle 2">
             <a:extLst>
               <a:ext uri="{FF2B5EF4-FFF2-40B4-BE49-F238E27FC236}">
-                <a16:creationId xmlns:a16="http://schemas.microsoft.com/office/drawing/2014/main" id="{20939731-D3B7-4A28-B941-216A5F2FD525}"/>
+                <a16:creationId xmlns:a16="http://schemas.microsoft.com/office/drawing/2014/main" id="{A769CE0C-E9B4-4049-B22B-C35AD0DD7409}"/>
               </a:ext>
             </a:extLst>
           </p:cNvPr>
@@ -25990,8 +24570,8 @@
         </p:nvSpPr>
         <p:spPr>
           <a:xfrm>
-            <a:off x="1962727" y="3091873"/>
-            <a:ext cx="8266546" cy="2025073"/>
+            <a:off x="3582554" y="2904836"/>
+            <a:ext cx="835891" cy="775853"/>
           </a:xfrm>
           <a:prstGeom prst="rect">
             <a:avLst/>
@@ -26166,470 +24746,149 @@
             </a:lvl9pPr>
           </a:lstStyle>
           <a:p>
-            <a:pPr>
-              <a:lnSpc>
-                <a:spcPct val="150000"/>
-              </a:lnSpc>
-            </a:pPr>
-            <a:r>
-              <a:rPr lang="en-US" sz="1800" dirty="0">
-                <a:latin typeface="Segoe UI Light" panose="020B0502040204020203" pitchFamily="34" charset="0"/>
-                <a:cs typeface="Segoe UI Light" panose="020B0502040204020203" pitchFamily="34" charset="0"/>
-              </a:rPr>
-              <a:t>Lorem ipsum dolor sit </a:t>
-            </a:r>
-            <a:r>
-              <a:rPr lang="en-US" sz="1800" dirty="0" err="1">
-                <a:latin typeface="Segoe UI Light" panose="020B0502040204020203" pitchFamily="34" charset="0"/>
-                <a:cs typeface="Segoe UI Light" panose="020B0502040204020203" pitchFamily="34" charset="0"/>
-              </a:rPr>
-              <a:t>amet</a:t>
-            </a:r>
-            <a:r>
-              <a:rPr lang="en-US" sz="1800" dirty="0">
-                <a:latin typeface="Segoe UI Light" panose="020B0502040204020203" pitchFamily="34" charset="0"/>
-                <a:cs typeface="Segoe UI Light" panose="020B0502040204020203" pitchFamily="34" charset="0"/>
-              </a:rPr>
-              <a:t>, </a:t>
-            </a:r>
-            <a:r>
-              <a:rPr lang="en-US" sz="1800" dirty="0" err="1">
-                <a:latin typeface="Segoe UI Light" panose="020B0502040204020203" pitchFamily="34" charset="0"/>
-                <a:cs typeface="Segoe UI Light" panose="020B0502040204020203" pitchFamily="34" charset="0"/>
-              </a:rPr>
-              <a:t>consectetur</a:t>
-            </a:r>
-            <a:r>
-              <a:rPr lang="en-US" sz="1800" dirty="0">
-                <a:latin typeface="Segoe UI Light" panose="020B0502040204020203" pitchFamily="34" charset="0"/>
-                <a:cs typeface="Segoe UI Light" panose="020B0502040204020203" pitchFamily="34" charset="0"/>
-              </a:rPr>
-              <a:t> </a:t>
-            </a:r>
-            <a:r>
-              <a:rPr lang="en-US" sz="1800" dirty="0" err="1">
-                <a:latin typeface="Segoe UI Light" panose="020B0502040204020203" pitchFamily="34" charset="0"/>
-                <a:cs typeface="Segoe UI Light" panose="020B0502040204020203" pitchFamily="34" charset="0"/>
-              </a:rPr>
-              <a:t>adipiscing</a:t>
-            </a:r>
-            <a:r>
-              <a:rPr lang="en-US" sz="1800" dirty="0">
-                <a:latin typeface="Segoe UI Light" panose="020B0502040204020203" pitchFamily="34" charset="0"/>
-                <a:cs typeface="Segoe UI Light" panose="020B0502040204020203" pitchFamily="34" charset="0"/>
-              </a:rPr>
-              <a:t> </a:t>
-            </a:r>
-            <a:r>
-              <a:rPr lang="en-US" sz="1800" dirty="0" err="1">
-                <a:latin typeface="Segoe UI Light" panose="020B0502040204020203" pitchFamily="34" charset="0"/>
-                <a:cs typeface="Segoe UI Light" panose="020B0502040204020203" pitchFamily="34" charset="0"/>
-              </a:rPr>
-              <a:t>elit</a:t>
-            </a:r>
-            <a:r>
-              <a:rPr lang="en-US" sz="1800" dirty="0">
-                <a:latin typeface="Segoe UI Light" panose="020B0502040204020203" pitchFamily="34" charset="0"/>
-                <a:cs typeface="Segoe UI Light" panose="020B0502040204020203" pitchFamily="34" charset="0"/>
-              </a:rPr>
-              <a:t>. </a:t>
-            </a:r>
-            <a:r>
-              <a:rPr lang="en-US" sz="1800" dirty="0" err="1">
-                <a:latin typeface="Segoe UI Light" panose="020B0502040204020203" pitchFamily="34" charset="0"/>
-                <a:cs typeface="Segoe UI Light" panose="020B0502040204020203" pitchFamily="34" charset="0"/>
-              </a:rPr>
-              <a:t>Aliquam</a:t>
-            </a:r>
-            <a:r>
-              <a:rPr lang="en-US" sz="1800" dirty="0">
-                <a:latin typeface="Segoe UI Light" panose="020B0502040204020203" pitchFamily="34" charset="0"/>
-                <a:cs typeface="Segoe UI Light" panose="020B0502040204020203" pitchFamily="34" charset="0"/>
-              </a:rPr>
-              <a:t> </a:t>
-            </a:r>
-            <a:r>
-              <a:rPr lang="en-US" sz="1800" dirty="0" err="1">
-                <a:latin typeface="Segoe UI Light" panose="020B0502040204020203" pitchFamily="34" charset="0"/>
-                <a:cs typeface="Segoe UI Light" panose="020B0502040204020203" pitchFamily="34" charset="0"/>
-              </a:rPr>
-              <a:t>eleifend</a:t>
-            </a:r>
-            <a:r>
-              <a:rPr lang="en-US" sz="1800" dirty="0">
-                <a:latin typeface="Segoe UI Light" panose="020B0502040204020203" pitchFamily="34" charset="0"/>
-                <a:cs typeface="Segoe UI Light" panose="020B0502040204020203" pitchFamily="34" charset="0"/>
-              </a:rPr>
-              <a:t> </a:t>
-            </a:r>
-            <a:r>
-              <a:rPr lang="en-US" sz="1800" dirty="0" err="1">
-                <a:latin typeface="Segoe UI Light" panose="020B0502040204020203" pitchFamily="34" charset="0"/>
-                <a:cs typeface="Segoe UI Light" panose="020B0502040204020203" pitchFamily="34" charset="0"/>
-              </a:rPr>
-              <a:t>eget</a:t>
-            </a:r>
-            <a:r>
-              <a:rPr lang="en-US" sz="1800" dirty="0">
-                <a:latin typeface="Segoe UI Light" panose="020B0502040204020203" pitchFamily="34" charset="0"/>
-                <a:cs typeface="Segoe UI Light" panose="020B0502040204020203" pitchFamily="34" charset="0"/>
-              </a:rPr>
-              <a:t> </a:t>
-            </a:r>
-            <a:r>
-              <a:rPr lang="en-US" sz="1800" dirty="0" err="1">
-                <a:latin typeface="Segoe UI Light" panose="020B0502040204020203" pitchFamily="34" charset="0"/>
-                <a:cs typeface="Segoe UI Light" panose="020B0502040204020203" pitchFamily="34" charset="0"/>
-              </a:rPr>
-              <a:t>tellus</a:t>
-            </a:r>
-            <a:r>
-              <a:rPr lang="en-US" sz="1800" dirty="0">
-                <a:latin typeface="Segoe UI Light" panose="020B0502040204020203" pitchFamily="34" charset="0"/>
-                <a:cs typeface="Segoe UI Light" panose="020B0502040204020203" pitchFamily="34" charset="0"/>
-              </a:rPr>
-              <a:t> </a:t>
-            </a:r>
-            <a:r>
-              <a:rPr lang="en-US" sz="1800" dirty="0" err="1">
-                <a:latin typeface="Segoe UI Light" panose="020B0502040204020203" pitchFamily="34" charset="0"/>
-                <a:cs typeface="Segoe UI Light" panose="020B0502040204020203" pitchFamily="34" charset="0"/>
-              </a:rPr>
-              <a:t>eget</a:t>
-            </a:r>
-            <a:r>
-              <a:rPr lang="en-US" sz="1800" dirty="0">
-                <a:latin typeface="Segoe UI Light" panose="020B0502040204020203" pitchFamily="34" charset="0"/>
-                <a:cs typeface="Segoe UI Light" panose="020B0502040204020203" pitchFamily="34" charset="0"/>
-              </a:rPr>
-              <a:t> </a:t>
-            </a:r>
-            <a:r>
-              <a:rPr lang="en-US" sz="1800" dirty="0" err="1">
-                <a:latin typeface="Segoe UI Light" panose="020B0502040204020203" pitchFamily="34" charset="0"/>
-                <a:cs typeface="Segoe UI Light" panose="020B0502040204020203" pitchFamily="34" charset="0"/>
-              </a:rPr>
-              <a:t>sodales</a:t>
-            </a:r>
-            <a:r>
-              <a:rPr lang="en-US" sz="1800" dirty="0">
-                <a:latin typeface="Segoe UI Light" panose="020B0502040204020203" pitchFamily="34" charset="0"/>
-                <a:cs typeface="Segoe UI Light" panose="020B0502040204020203" pitchFamily="34" charset="0"/>
-              </a:rPr>
-              <a:t>. </a:t>
-            </a:r>
-            <a:r>
-              <a:rPr lang="en-US" sz="1800" dirty="0" err="1">
-                <a:latin typeface="Segoe UI Light" panose="020B0502040204020203" pitchFamily="34" charset="0"/>
-                <a:cs typeface="Segoe UI Light" panose="020B0502040204020203" pitchFamily="34" charset="0"/>
-              </a:rPr>
-              <a:t>Donec</a:t>
-            </a:r>
-            <a:r>
-              <a:rPr lang="en-US" sz="1800" dirty="0">
-                <a:latin typeface="Segoe UI Light" panose="020B0502040204020203" pitchFamily="34" charset="0"/>
-                <a:cs typeface="Segoe UI Light" panose="020B0502040204020203" pitchFamily="34" charset="0"/>
-              </a:rPr>
-              <a:t> a </a:t>
-            </a:r>
-            <a:r>
-              <a:rPr lang="en-US" sz="1800" dirty="0" err="1">
-                <a:latin typeface="Segoe UI Light" panose="020B0502040204020203" pitchFamily="34" charset="0"/>
-                <a:cs typeface="Segoe UI Light" panose="020B0502040204020203" pitchFamily="34" charset="0"/>
-              </a:rPr>
-              <a:t>facilisis</a:t>
-            </a:r>
-            <a:r>
-              <a:rPr lang="en-US" sz="1800" dirty="0">
-                <a:latin typeface="Segoe UI Light" panose="020B0502040204020203" pitchFamily="34" charset="0"/>
-                <a:cs typeface="Segoe UI Light" panose="020B0502040204020203" pitchFamily="34" charset="0"/>
-              </a:rPr>
-              <a:t> ipsum, a </a:t>
-            </a:r>
-            <a:r>
-              <a:rPr lang="en-US" sz="1800" dirty="0" err="1">
-                <a:latin typeface="Segoe UI Light" panose="020B0502040204020203" pitchFamily="34" charset="0"/>
-                <a:cs typeface="Segoe UI Light" panose="020B0502040204020203" pitchFamily="34" charset="0"/>
-              </a:rPr>
-              <a:t>ultricies</a:t>
-            </a:r>
-            <a:r>
-              <a:rPr lang="en-US" sz="1800" dirty="0">
-                <a:latin typeface="Segoe UI Light" panose="020B0502040204020203" pitchFamily="34" charset="0"/>
-                <a:cs typeface="Segoe UI Light" panose="020B0502040204020203" pitchFamily="34" charset="0"/>
-              </a:rPr>
-              <a:t> </a:t>
-            </a:r>
-            <a:r>
-              <a:rPr lang="en-US" sz="1800" dirty="0" err="1">
-                <a:latin typeface="Segoe UI Light" panose="020B0502040204020203" pitchFamily="34" charset="0"/>
-                <a:cs typeface="Segoe UI Light" panose="020B0502040204020203" pitchFamily="34" charset="0"/>
-              </a:rPr>
-              <a:t>lacus</a:t>
-            </a:r>
-            <a:r>
-              <a:rPr lang="en-US" sz="1800" dirty="0">
-                <a:latin typeface="Segoe UI Light" panose="020B0502040204020203" pitchFamily="34" charset="0"/>
-                <a:cs typeface="Segoe UI Light" panose="020B0502040204020203" pitchFamily="34" charset="0"/>
-              </a:rPr>
-              <a:t>. </a:t>
-            </a:r>
-            <a:r>
-              <a:rPr lang="en-US" sz="1800" dirty="0" err="1">
-                <a:latin typeface="Segoe UI Light" panose="020B0502040204020203" pitchFamily="34" charset="0"/>
-                <a:cs typeface="Segoe UI Light" panose="020B0502040204020203" pitchFamily="34" charset="0"/>
-              </a:rPr>
-              <a:t>Phasellus</a:t>
-            </a:r>
-            <a:r>
-              <a:rPr lang="en-US" sz="1800" dirty="0">
-                <a:latin typeface="Segoe UI Light" panose="020B0502040204020203" pitchFamily="34" charset="0"/>
-                <a:cs typeface="Segoe UI Light" panose="020B0502040204020203" pitchFamily="34" charset="0"/>
-              </a:rPr>
-              <a:t> in </a:t>
-            </a:r>
-            <a:r>
-              <a:rPr lang="en-US" sz="1800" dirty="0" err="1">
-                <a:latin typeface="Segoe UI Light" panose="020B0502040204020203" pitchFamily="34" charset="0"/>
-                <a:cs typeface="Segoe UI Light" panose="020B0502040204020203" pitchFamily="34" charset="0"/>
-              </a:rPr>
-              <a:t>erat</a:t>
-            </a:r>
-            <a:r>
-              <a:rPr lang="en-US" sz="1800" dirty="0">
-                <a:latin typeface="Segoe UI Light" panose="020B0502040204020203" pitchFamily="34" charset="0"/>
-                <a:cs typeface="Segoe UI Light" panose="020B0502040204020203" pitchFamily="34" charset="0"/>
-              </a:rPr>
-              <a:t> ac </a:t>
-            </a:r>
-            <a:r>
-              <a:rPr lang="en-US" sz="1800" dirty="0" err="1">
-                <a:latin typeface="Segoe UI Light" panose="020B0502040204020203" pitchFamily="34" charset="0"/>
-                <a:cs typeface="Segoe UI Light" panose="020B0502040204020203" pitchFamily="34" charset="0"/>
-              </a:rPr>
-              <a:t>augue</a:t>
-            </a:r>
-            <a:r>
-              <a:rPr lang="en-US" sz="1800" dirty="0">
-                <a:latin typeface="Segoe UI Light" panose="020B0502040204020203" pitchFamily="34" charset="0"/>
-                <a:cs typeface="Segoe UI Light" panose="020B0502040204020203" pitchFamily="34" charset="0"/>
-              </a:rPr>
-              <a:t> </a:t>
-            </a:r>
-            <a:r>
-              <a:rPr lang="en-US" sz="1800" dirty="0" err="1">
-                <a:latin typeface="Segoe UI Light" panose="020B0502040204020203" pitchFamily="34" charset="0"/>
-                <a:cs typeface="Segoe UI Light" panose="020B0502040204020203" pitchFamily="34" charset="0"/>
-              </a:rPr>
-              <a:t>commodo</a:t>
-            </a:r>
-            <a:r>
-              <a:rPr lang="en-US" sz="1800" dirty="0">
-                <a:latin typeface="Segoe UI Light" panose="020B0502040204020203" pitchFamily="34" charset="0"/>
-                <a:cs typeface="Segoe UI Light" panose="020B0502040204020203" pitchFamily="34" charset="0"/>
-              </a:rPr>
-              <a:t> </a:t>
-            </a:r>
-            <a:r>
-              <a:rPr lang="en-US" sz="1800" dirty="0" err="1">
-                <a:latin typeface="Segoe UI Light" panose="020B0502040204020203" pitchFamily="34" charset="0"/>
-                <a:cs typeface="Segoe UI Light" panose="020B0502040204020203" pitchFamily="34" charset="0"/>
-              </a:rPr>
-              <a:t>pellentesque</a:t>
-            </a:r>
-            <a:r>
-              <a:rPr lang="en-US" sz="1800" dirty="0">
-                <a:latin typeface="Segoe UI Light" panose="020B0502040204020203" pitchFamily="34" charset="0"/>
-                <a:cs typeface="Segoe UI Light" panose="020B0502040204020203" pitchFamily="34" charset="0"/>
-              </a:rPr>
-              <a:t> id et </a:t>
-            </a:r>
-            <a:r>
-              <a:rPr lang="en-US" sz="1800" dirty="0" err="1">
-                <a:latin typeface="Segoe UI Light" panose="020B0502040204020203" pitchFamily="34" charset="0"/>
-                <a:cs typeface="Segoe UI Light" panose="020B0502040204020203" pitchFamily="34" charset="0"/>
-              </a:rPr>
-              <a:t>velit</a:t>
-            </a:r>
-            <a:r>
-              <a:rPr lang="en-US" sz="1800" dirty="0">
-                <a:latin typeface="Segoe UI Light" panose="020B0502040204020203" pitchFamily="34" charset="0"/>
-                <a:cs typeface="Segoe UI Light" panose="020B0502040204020203" pitchFamily="34" charset="0"/>
-              </a:rPr>
-              <a:t>. </a:t>
-            </a:r>
-            <a:r>
-              <a:rPr lang="en-US" sz="1800" dirty="0" err="1">
-                <a:latin typeface="Segoe UI Light" panose="020B0502040204020203" pitchFamily="34" charset="0"/>
-                <a:cs typeface="Segoe UI Light" panose="020B0502040204020203" pitchFamily="34" charset="0"/>
-              </a:rPr>
-              <a:t>Donec</a:t>
-            </a:r>
-            <a:r>
-              <a:rPr lang="en-US" sz="1800" dirty="0">
-                <a:latin typeface="Segoe UI Light" panose="020B0502040204020203" pitchFamily="34" charset="0"/>
-                <a:cs typeface="Segoe UI Light" panose="020B0502040204020203" pitchFamily="34" charset="0"/>
-              </a:rPr>
-              <a:t> in </a:t>
-            </a:r>
-            <a:r>
-              <a:rPr lang="en-US" sz="1800" dirty="0" err="1">
-                <a:latin typeface="Segoe UI Light" panose="020B0502040204020203" pitchFamily="34" charset="0"/>
-                <a:cs typeface="Segoe UI Light" panose="020B0502040204020203" pitchFamily="34" charset="0"/>
-              </a:rPr>
-              <a:t>varius</a:t>
-            </a:r>
-            <a:r>
-              <a:rPr lang="en-US" sz="1800" dirty="0">
-                <a:latin typeface="Segoe UI Light" panose="020B0502040204020203" pitchFamily="34" charset="0"/>
-                <a:cs typeface="Segoe UI Light" panose="020B0502040204020203" pitchFamily="34" charset="0"/>
-              </a:rPr>
-              <a:t> </a:t>
-            </a:r>
-            <a:r>
-              <a:rPr lang="en-US" sz="1800" dirty="0" err="1">
-                <a:latin typeface="Segoe UI Light" panose="020B0502040204020203" pitchFamily="34" charset="0"/>
-                <a:cs typeface="Segoe UI Light" panose="020B0502040204020203" pitchFamily="34" charset="0"/>
-              </a:rPr>
-              <a:t>risus</a:t>
-            </a:r>
-            <a:r>
-              <a:rPr lang="en-US" sz="1800" dirty="0">
-                <a:latin typeface="Segoe UI Light" panose="020B0502040204020203" pitchFamily="34" charset="0"/>
-                <a:cs typeface="Segoe UI Light" panose="020B0502040204020203" pitchFamily="34" charset="0"/>
-              </a:rPr>
-              <a:t>, </a:t>
-            </a:r>
-            <a:r>
-              <a:rPr lang="en-US" sz="1800" dirty="0" err="1">
-                <a:latin typeface="Segoe UI Light" panose="020B0502040204020203" pitchFamily="34" charset="0"/>
-                <a:cs typeface="Segoe UI Light" panose="020B0502040204020203" pitchFamily="34" charset="0"/>
-              </a:rPr>
-              <a:t>eu</a:t>
-            </a:r>
-            <a:r>
-              <a:rPr lang="en-US" sz="1800" dirty="0">
-                <a:latin typeface="Segoe UI Light" panose="020B0502040204020203" pitchFamily="34" charset="0"/>
-                <a:cs typeface="Segoe UI Light" panose="020B0502040204020203" pitchFamily="34" charset="0"/>
-              </a:rPr>
-              <a:t> </a:t>
-            </a:r>
-            <a:r>
-              <a:rPr lang="en-US" sz="1800" dirty="0" err="1">
-                <a:latin typeface="Segoe UI Light" panose="020B0502040204020203" pitchFamily="34" charset="0"/>
-                <a:cs typeface="Segoe UI Light" panose="020B0502040204020203" pitchFamily="34" charset="0"/>
-              </a:rPr>
-              <a:t>ultricies</a:t>
-            </a:r>
-            <a:r>
-              <a:rPr lang="en-US" sz="1800" dirty="0">
-                <a:latin typeface="Segoe UI Light" panose="020B0502040204020203" pitchFamily="34" charset="0"/>
-                <a:cs typeface="Segoe UI Light" panose="020B0502040204020203" pitchFamily="34" charset="0"/>
-              </a:rPr>
-              <a:t> </a:t>
-            </a:r>
-            <a:r>
-              <a:rPr lang="en-US" sz="1800" dirty="0" err="1">
-                <a:latin typeface="Segoe UI Light" panose="020B0502040204020203" pitchFamily="34" charset="0"/>
-                <a:cs typeface="Segoe UI Light" panose="020B0502040204020203" pitchFamily="34" charset="0"/>
-              </a:rPr>
-              <a:t>velit</a:t>
-            </a:r>
-            <a:r>
-              <a:rPr lang="en-US" sz="1800" dirty="0">
-                <a:latin typeface="Segoe UI Light" panose="020B0502040204020203" pitchFamily="34" charset="0"/>
-                <a:cs typeface="Segoe UI Light" panose="020B0502040204020203" pitchFamily="34" charset="0"/>
-              </a:rPr>
-              <a:t>. Maecenas </a:t>
-            </a:r>
-            <a:r>
-              <a:rPr lang="en-US" sz="1800" dirty="0" err="1">
-                <a:latin typeface="Segoe UI Light" panose="020B0502040204020203" pitchFamily="34" charset="0"/>
-                <a:cs typeface="Segoe UI Light" panose="020B0502040204020203" pitchFamily="34" charset="0"/>
-              </a:rPr>
-              <a:t>mauris</a:t>
-            </a:r>
-            <a:r>
-              <a:rPr lang="en-US" sz="1800" dirty="0">
-                <a:latin typeface="Segoe UI Light" panose="020B0502040204020203" pitchFamily="34" charset="0"/>
-                <a:cs typeface="Segoe UI Light" panose="020B0502040204020203" pitchFamily="34" charset="0"/>
-              </a:rPr>
-              <a:t> </a:t>
-            </a:r>
-            <a:r>
-              <a:rPr lang="en-US" sz="1800" dirty="0" err="1">
-                <a:latin typeface="Segoe UI Light" panose="020B0502040204020203" pitchFamily="34" charset="0"/>
-                <a:cs typeface="Segoe UI Light" panose="020B0502040204020203" pitchFamily="34" charset="0"/>
-              </a:rPr>
-              <a:t>massa</a:t>
-            </a:r>
-            <a:r>
-              <a:rPr lang="en-US" sz="1800" dirty="0">
-                <a:latin typeface="Segoe UI Light" panose="020B0502040204020203" pitchFamily="34" charset="0"/>
-                <a:cs typeface="Segoe UI Light" panose="020B0502040204020203" pitchFamily="34" charset="0"/>
-              </a:rPr>
-              <a:t>, lacinia at </a:t>
-            </a:r>
-            <a:r>
-              <a:rPr lang="en-US" sz="1800" dirty="0" err="1">
-                <a:latin typeface="Segoe UI Light" panose="020B0502040204020203" pitchFamily="34" charset="0"/>
-                <a:cs typeface="Segoe UI Light" panose="020B0502040204020203" pitchFamily="34" charset="0"/>
-              </a:rPr>
-              <a:t>sapien</a:t>
-            </a:r>
-            <a:r>
-              <a:rPr lang="en-US" sz="1800" dirty="0">
-                <a:latin typeface="Segoe UI Light" panose="020B0502040204020203" pitchFamily="34" charset="0"/>
-                <a:cs typeface="Segoe UI Light" panose="020B0502040204020203" pitchFamily="34" charset="0"/>
-              </a:rPr>
-              <a:t> et, </a:t>
-            </a:r>
-            <a:r>
-              <a:rPr lang="en-US" sz="1800" dirty="0" err="1">
-                <a:latin typeface="Segoe UI Light" panose="020B0502040204020203" pitchFamily="34" charset="0"/>
-                <a:cs typeface="Segoe UI Light" panose="020B0502040204020203" pitchFamily="34" charset="0"/>
-              </a:rPr>
-              <a:t>sodales</a:t>
-            </a:r>
-            <a:r>
-              <a:rPr lang="en-US" sz="1800" dirty="0">
-                <a:latin typeface="Segoe UI Light" panose="020B0502040204020203" pitchFamily="34" charset="0"/>
-                <a:cs typeface="Segoe UI Light" panose="020B0502040204020203" pitchFamily="34" charset="0"/>
-              </a:rPr>
-              <a:t> </a:t>
-            </a:r>
-            <a:r>
-              <a:rPr lang="en-US" sz="1800" dirty="0" err="1">
-                <a:latin typeface="Segoe UI Light" panose="020B0502040204020203" pitchFamily="34" charset="0"/>
-                <a:cs typeface="Segoe UI Light" panose="020B0502040204020203" pitchFamily="34" charset="0"/>
-              </a:rPr>
-              <a:t>suscipit</a:t>
-            </a:r>
-            <a:r>
-              <a:rPr lang="en-US" sz="1800" dirty="0">
-                <a:latin typeface="Segoe UI Light" panose="020B0502040204020203" pitchFamily="34" charset="0"/>
-                <a:cs typeface="Segoe UI Light" panose="020B0502040204020203" pitchFamily="34" charset="0"/>
-              </a:rPr>
-              <a:t> </a:t>
-            </a:r>
-            <a:r>
-              <a:rPr lang="en-US" sz="1800" dirty="0" err="1">
-                <a:latin typeface="Segoe UI Light" panose="020B0502040204020203" pitchFamily="34" charset="0"/>
-                <a:cs typeface="Segoe UI Light" panose="020B0502040204020203" pitchFamily="34" charset="0"/>
-              </a:rPr>
-              <a:t>quam</a:t>
-            </a:r>
-            <a:endParaRPr lang="en-US" sz="1800" dirty="0">
-              <a:latin typeface="Segoe UI Light" panose="020B0502040204020203" pitchFamily="34" charset="0"/>
-              <a:cs typeface="Segoe UI Light" panose="020B0502040204020203" pitchFamily="34" charset="0"/>
-            </a:endParaRPr>
+            <a:r>
+              <a:rPr lang="en-US" sz="2000" b="1" dirty="0">
+                <a:solidFill>
+                  <a:schemeClr val="bg1"/>
+                </a:solidFill>
+                <a:latin typeface="Segoe UI Light" panose="020B0502040204020203" pitchFamily="34" charset="0"/>
+                <a:cs typeface="Segoe UI Light" panose="020B0502040204020203" pitchFamily="34" charset="0"/>
+              </a:rPr>
+              <a:t>VS</a:t>
+            </a:r>
           </a:p>
         </p:txBody>
       </p:sp>
+      <p:pic>
+        <p:nvPicPr>
+          <p:cNvPr id="3" name="Picture 2">
+            <a:extLst>
+              <a:ext uri="{FF2B5EF4-FFF2-40B4-BE49-F238E27FC236}">
+                <a16:creationId xmlns:a16="http://schemas.microsoft.com/office/drawing/2014/main" id="{BE394376-2116-4851-89D2-4D4195BC60B1}"/>
+              </a:ext>
+            </a:extLst>
+          </p:cNvPr>
+          <p:cNvPicPr>
+            <a:picLocks noChangeAspect="1"/>
+          </p:cNvPicPr>
+          <p:nvPr/>
+        </p:nvPicPr>
+        <p:blipFill>
+          <a:blip r:embed="rId3"/>
+          <a:stretch>
+            <a:fillRect/>
+          </a:stretch>
+        </p:blipFill>
+        <p:spPr>
+          <a:xfrm>
+            <a:off x="181850" y="1192499"/>
+            <a:ext cx="9458325" cy="4200525"/>
+          </a:xfrm>
+          <a:prstGeom prst="rect">
+            <a:avLst/>
+          </a:prstGeom>
+        </p:spPr>
+      </p:pic>
+      <p:sp>
+        <p:nvSpPr>
+          <p:cNvPr id="4" name="Rectangle 3">
+            <a:extLst>
+              <a:ext uri="{FF2B5EF4-FFF2-40B4-BE49-F238E27FC236}">
+                <a16:creationId xmlns:a16="http://schemas.microsoft.com/office/drawing/2014/main" id="{0D0F9621-17AF-44C5-92B1-F45A6E54BA2B}"/>
+              </a:ext>
+            </a:extLst>
+          </p:cNvPr>
+          <p:cNvSpPr/>
+          <p:nvPr/>
+        </p:nvSpPr>
+        <p:spPr>
+          <a:xfrm>
+            <a:off x="6326156" y="5049681"/>
+            <a:ext cx="2761861" cy="1231640"/>
+          </a:xfrm>
+          <a:prstGeom prst="rect">
+            <a:avLst/>
+          </a:prstGeom>
+        </p:spPr>
+        <p:style>
+          <a:lnRef idx="2">
+            <a:schemeClr val="accent1">
+              <a:shade val="50000"/>
+            </a:schemeClr>
+          </a:lnRef>
+          <a:fillRef idx="1">
+            <a:schemeClr val="accent1"/>
+          </a:fillRef>
+          <a:effectRef idx="0">
+            <a:schemeClr val="accent1"/>
+          </a:effectRef>
+          <a:fontRef idx="minor">
+            <a:schemeClr val="lt1"/>
+          </a:fontRef>
+        </p:style>
+        <p:txBody>
+          <a:bodyPr rtlCol="0" anchor="ctr"/>
+          <a:lstStyle/>
+          <a:p>
+            <a:pPr algn="ctr"/>
+            <a:r>
+              <a:rPr lang="en-US" sz="3200" dirty="0">
+                <a:latin typeface="Segoe UI Semibold" panose="020B0702040204020203" pitchFamily="34" charset="0"/>
+                <a:cs typeface="Segoe UI Semibold" panose="020B0702040204020203" pitchFamily="34" charset="0"/>
+              </a:rPr>
+              <a:t>Application</a:t>
+            </a:r>
+          </a:p>
+        </p:txBody>
+      </p:sp>
+      <p:cxnSp>
+        <p:nvCxnSpPr>
+          <p:cNvPr id="7" name="Connector: Curved 6">
+            <a:extLst>
+              <a:ext uri="{FF2B5EF4-FFF2-40B4-BE49-F238E27FC236}">
+                <a16:creationId xmlns:a16="http://schemas.microsoft.com/office/drawing/2014/main" id="{6BCEF099-CB59-40AC-84AB-5E6869EDDBDE}"/>
+              </a:ext>
+            </a:extLst>
+          </p:cNvPr>
+          <p:cNvCxnSpPr>
+            <a:cxnSpLocks/>
+            <a:stCxn id="4" idx="1"/>
+          </p:cNvCxnSpPr>
+          <p:nvPr/>
+        </p:nvCxnSpPr>
+        <p:spPr>
+          <a:xfrm rot="10800000">
+            <a:off x="1436914" y="4236099"/>
+            <a:ext cx="4889242" cy="1429403"/>
+          </a:xfrm>
+          <a:prstGeom prst="curvedConnector3">
+            <a:avLst>
+              <a:gd name="adj1" fmla="val 100191"/>
+            </a:avLst>
+          </a:prstGeom>
+          <a:ln w="50800">
+            <a:tailEnd type="triangle"/>
+          </a:ln>
+        </p:spPr>
+        <p:style>
+          <a:lnRef idx="1">
+            <a:schemeClr val="accent1"/>
+          </a:lnRef>
+          <a:fillRef idx="0">
+            <a:schemeClr val="accent1"/>
+          </a:fillRef>
+          <a:effectRef idx="0">
+            <a:schemeClr val="accent1"/>
+          </a:effectRef>
+          <a:fontRef idx="minor">
+            <a:schemeClr val="tx1"/>
+          </a:fontRef>
+        </p:style>
+      </p:cxnSp>
     </p:spTree>
     <p:extLst>
       <p:ext uri="{BB962C8B-B14F-4D97-AF65-F5344CB8AC3E}">
-        <p14:creationId xmlns:p14="http://schemas.microsoft.com/office/powerpoint/2010/main" val="2882545967"/>
+        <p14:creationId xmlns:p14="http://schemas.microsoft.com/office/powerpoint/2010/main" val="3173376015"/>
       </p:ext>
     </p:extLst>
   </p:cSld>
@@ -27355,6 +25614,4632 @@
 </file>
 
 <file path=ppt/slides/slide40.xml><?xml version="1.0" encoding="utf-8"?>
+<p:sld xmlns:a="http://schemas.openxmlformats.org/drawingml/2006/main" xmlns:r="http://schemas.openxmlformats.org/officeDocument/2006/relationships" xmlns:p="http://schemas.openxmlformats.org/presentationml/2006/main">
+  <p:cSld>
+    <p:spTree>
+      <p:nvGrpSpPr>
+        <p:cNvPr id="1" name=""/>
+        <p:cNvGrpSpPr/>
+        <p:nvPr/>
+      </p:nvGrpSpPr>
+      <p:grpSpPr>
+        <a:xfrm>
+          <a:off x="0" y="0"/>
+          <a:ext cx="0" cy="0"/>
+          <a:chOff x="0" y="0"/>
+          <a:chExt cx="0" cy="0"/>
+        </a:xfrm>
+      </p:grpSpPr>
+      <p:pic>
+        <p:nvPicPr>
+          <p:cNvPr id="9" name="Picture 8">
+            <a:extLst>
+              <a:ext uri="{FF2B5EF4-FFF2-40B4-BE49-F238E27FC236}">
+                <a16:creationId xmlns:a16="http://schemas.microsoft.com/office/drawing/2014/main" id="{39E83B63-DAE7-4E06-A56F-CF1576B89936}"/>
+              </a:ext>
+            </a:extLst>
+          </p:cNvPr>
+          <p:cNvPicPr>
+            <a:picLocks noChangeAspect="1"/>
+          </p:cNvPicPr>
+          <p:nvPr/>
+        </p:nvPicPr>
+        <p:blipFill>
+          <a:blip r:embed="rId2">
+            <a:extLst>
+              <a:ext uri="{28A0092B-C50C-407E-A947-70E740481C1C}">
+                <a14:useLocalDpi xmlns:a14="http://schemas.microsoft.com/office/drawing/2010/main" val="0"/>
+              </a:ext>
+            </a:extLst>
+          </a:blip>
+          <a:stretch>
+            <a:fillRect/>
+          </a:stretch>
+        </p:blipFill>
+        <p:spPr>
+          <a:xfrm>
+            <a:off x="0" y="0"/>
+            <a:ext cx="12192000" cy="6858000"/>
+          </a:xfrm>
+          <a:prstGeom prst="rect">
+            <a:avLst/>
+          </a:prstGeom>
+        </p:spPr>
+      </p:pic>
+      <p:sp>
+        <p:nvSpPr>
+          <p:cNvPr id="2" name="Title 1">
+            <a:extLst>
+              <a:ext uri="{FF2B5EF4-FFF2-40B4-BE49-F238E27FC236}">
+                <a16:creationId xmlns:a16="http://schemas.microsoft.com/office/drawing/2014/main" id="{0DE26BD9-3178-4532-BF33-58FE331BE190}"/>
+              </a:ext>
+            </a:extLst>
+          </p:cNvPr>
+          <p:cNvSpPr>
+            <a:spLocks noGrp="1"/>
+          </p:cNvSpPr>
+          <p:nvPr>
+            <p:ph type="ctrTitle"/>
+          </p:nvPr>
+        </p:nvSpPr>
+        <p:spPr>
+          <a:xfrm>
+            <a:off x="738907" y="419878"/>
+            <a:ext cx="8901268" cy="775853"/>
+          </a:xfrm>
+        </p:spPr>
+        <p:txBody>
+          <a:bodyPr anchor="b">
+            <a:normAutofit/>
+          </a:bodyPr>
+          <a:lstStyle/>
+          <a:p>
+            <a:pPr algn="l"/>
+            <a:r>
+              <a:rPr lang="en-US" sz="4000" b="1" dirty="0">
+                <a:solidFill>
+                  <a:srgbClr val="0041C6"/>
+                </a:solidFill>
+                <a:latin typeface="Segoe UI Semibold" panose="020B0702040204020203" pitchFamily="34" charset="0"/>
+                <a:cs typeface="Segoe UI Semibold" panose="020B0702040204020203" pitchFamily="34" charset="0"/>
+              </a:rPr>
+              <a:t>Embed UI, Use as a Remote Service</a:t>
+            </a:r>
+          </a:p>
+        </p:txBody>
+      </p:sp>
+      <p:sp>
+        <p:nvSpPr>
+          <p:cNvPr id="5" name="Footer Placeholder 4">
+            <a:extLst>
+              <a:ext uri="{FF2B5EF4-FFF2-40B4-BE49-F238E27FC236}">
+                <a16:creationId xmlns:a16="http://schemas.microsoft.com/office/drawing/2014/main" id="{A3553ADE-3838-4EDB-9F14-97C75DE2198D}"/>
+              </a:ext>
+            </a:extLst>
+          </p:cNvPr>
+          <p:cNvSpPr>
+            <a:spLocks noGrp="1"/>
+          </p:cNvSpPr>
+          <p:nvPr>
+            <p:ph type="ftr" sz="quarter" idx="11"/>
+          </p:nvPr>
+        </p:nvSpPr>
+        <p:spPr>
+          <a:xfrm>
+            <a:off x="0" y="6483927"/>
+            <a:ext cx="4190999" cy="374073"/>
+          </a:xfrm>
+        </p:spPr>
+        <p:txBody>
+          <a:bodyPr/>
+          <a:lstStyle/>
+          <a:p>
+            <a:pPr algn="l"/>
+            <a:r>
+              <a:rPr lang="en-US" dirty="0" err="1">
+                <a:solidFill>
+                  <a:schemeClr val="tx1"/>
+                </a:solidFill>
+                <a:latin typeface="Segoe UI" panose="020B0502040204020203" pitchFamily="34" charset="0"/>
+                <a:cs typeface="Segoe UI" panose="020B0502040204020203" pitchFamily="34" charset="0"/>
+              </a:rPr>
+              <a:t>Halil</a:t>
+            </a:r>
+            <a:r>
+              <a:rPr lang="en-US" dirty="0">
+                <a:solidFill>
+                  <a:schemeClr val="tx1"/>
+                </a:solidFill>
+                <a:latin typeface="Segoe UI" panose="020B0502040204020203" pitchFamily="34" charset="0"/>
+                <a:cs typeface="Segoe UI" panose="020B0502040204020203" pitchFamily="34" charset="0"/>
+              </a:rPr>
+              <a:t> İbrahim KALKAN | @</a:t>
+            </a:r>
+            <a:r>
+              <a:rPr lang="en-US" dirty="0" err="1">
+                <a:solidFill>
+                  <a:schemeClr val="tx1"/>
+                </a:solidFill>
+                <a:latin typeface="Segoe UI" panose="020B0502040204020203" pitchFamily="34" charset="0"/>
+                <a:cs typeface="Segoe UI" panose="020B0502040204020203" pitchFamily="34" charset="0"/>
+              </a:rPr>
+              <a:t>hikalkan</a:t>
+            </a:r>
+            <a:r>
+              <a:rPr lang="en-US" dirty="0">
+                <a:solidFill>
+                  <a:schemeClr val="tx1"/>
+                </a:solidFill>
+                <a:latin typeface="Segoe UI" panose="020B0502040204020203" pitchFamily="34" charset="0"/>
+                <a:cs typeface="Segoe UI" panose="020B0502040204020203" pitchFamily="34" charset="0"/>
+              </a:rPr>
+              <a:t> | </a:t>
+            </a:r>
+            <a:r>
+              <a:rPr lang="en-US" dirty="0" err="1">
+                <a:solidFill>
+                  <a:schemeClr val="tx1"/>
+                </a:solidFill>
+                <a:latin typeface="Segoe UI" panose="020B0502040204020203" pitchFamily="34" charset="0"/>
+                <a:cs typeface="Segoe UI" panose="020B0502040204020203" pitchFamily="34" charset="0"/>
+              </a:rPr>
+              <a:t>Volosoft</a:t>
+            </a:r>
+            <a:r>
+              <a:rPr lang="en-US" dirty="0">
+                <a:solidFill>
+                  <a:schemeClr val="tx1"/>
+                </a:solidFill>
+                <a:latin typeface="Segoe UI" panose="020B0502040204020203" pitchFamily="34" charset="0"/>
+                <a:cs typeface="Segoe UI" panose="020B0502040204020203" pitchFamily="34" charset="0"/>
+              </a:rPr>
+              <a:t> TM</a:t>
+            </a:r>
+          </a:p>
+        </p:txBody>
+      </p:sp>
+      <p:sp>
+        <p:nvSpPr>
+          <p:cNvPr id="11" name="Subtitle 2">
+            <a:extLst>
+              <a:ext uri="{FF2B5EF4-FFF2-40B4-BE49-F238E27FC236}">
+                <a16:creationId xmlns:a16="http://schemas.microsoft.com/office/drawing/2014/main" id="{A769CE0C-E9B4-4049-B22B-C35AD0DD7409}"/>
+              </a:ext>
+            </a:extLst>
+          </p:cNvPr>
+          <p:cNvSpPr txBox="1">
+            <a:spLocks/>
+          </p:cNvSpPr>
+          <p:nvPr/>
+        </p:nvSpPr>
+        <p:spPr>
+          <a:xfrm>
+            <a:off x="3582554" y="2904836"/>
+            <a:ext cx="835891" cy="775853"/>
+          </a:xfrm>
+          <a:prstGeom prst="rect">
+            <a:avLst/>
+          </a:prstGeom>
+        </p:spPr>
+        <p:txBody>
+          <a:bodyPr vert="horz" lIns="91440" tIns="45720" rIns="91440" bIns="45720" rtlCol="0" anchor="ctr">
+            <a:normAutofit/>
+          </a:bodyPr>
+          <a:lstStyle>
+            <a:lvl1pPr marL="0" indent="0" algn="ctr" defTabSz="914400" rtl="0" eaLnBrk="1" latinLnBrk="0" hangingPunct="1">
+              <a:lnSpc>
+                <a:spcPct val="90000"/>
+              </a:lnSpc>
+              <a:spcBef>
+                <a:spcPts val="1000"/>
+              </a:spcBef>
+              <a:buFont typeface="Arial" panose="020B0604020202020204" pitchFamily="34" charset="0"/>
+              <a:buNone/>
+              <a:defRPr sz="2400" kern="1200">
+                <a:solidFill>
+                  <a:schemeClr val="tx1"/>
+                </a:solidFill>
+                <a:latin typeface="+mn-lt"/>
+                <a:ea typeface="+mn-ea"/>
+                <a:cs typeface="+mn-cs"/>
+              </a:defRPr>
+            </a:lvl1pPr>
+            <a:lvl2pPr marL="457200" indent="0" algn="ctr" defTabSz="914400" rtl="0" eaLnBrk="1" latinLnBrk="0" hangingPunct="1">
+              <a:lnSpc>
+                <a:spcPct val="90000"/>
+              </a:lnSpc>
+              <a:spcBef>
+                <a:spcPts val="500"/>
+              </a:spcBef>
+              <a:buFont typeface="Arial" panose="020B0604020202020204" pitchFamily="34" charset="0"/>
+              <a:buNone/>
+              <a:defRPr sz="2000" kern="1200">
+                <a:solidFill>
+                  <a:schemeClr val="tx1"/>
+                </a:solidFill>
+                <a:latin typeface="+mn-lt"/>
+                <a:ea typeface="+mn-ea"/>
+                <a:cs typeface="+mn-cs"/>
+              </a:defRPr>
+            </a:lvl2pPr>
+            <a:lvl3pPr marL="914400" indent="0" algn="ctr" defTabSz="914400" rtl="0" eaLnBrk="1" latinLnBrk="0" hangingPunct="1">
+              <a:lnSpc>
+                <a:spcPct val="90000"/>
+              </a:lnSpc>
+              <a:spcBef>
+                <a:spcPts val="500"/>
+              </a:spcBef>
+              <a:buFont typeface="Arial" panose="020B0604020202020204" pitchFamily="34" charset="0"/>
+              <a:buNone/>
+              <a:defRPr sz="1800" kern="1200">
+                <a:solidFill>
+                  <a:schemeClr val="tx1"/>
+                </a:solidFill>
+                <a:latin typeface="+mn-lt"/>
+                <a:ea typeface="+mn-ea"/>
+                <a:cs typeface="+mn-cs"/>
+              </a:defRPr>
+            </a:lvl3pPr>
+            <a:lvl4pPr marL="1371600" indent="0" algn="ctr" defTabSz="914400" rtl="0" eaLnBrk="1" latinLnBrk="0" hangingPunct="1">
+              <a:lnSpc>
+                <a:spcPct val="90000"/>
+              </a:lnSpc>
+              <a:spcBef>
+                <a:spcPts val="500"/>
+              </a:spcBef>
+              <a:buFont typeface="Arial" panose="020B0604020202020204" pitchFamily="34" charset="0"/>
+              <a:buNone/>
+              <a:defRPr sz="1600" kern="1200">
+                <a:solidFill>
+                  <a:schemeClr val="tx1"/>
+                </a:solidFill>
+                <a:latin typeface="+mn-lt"/>
+                <a:ea typeface="+mn-ea"/>
+                <a:cs typeface="+mn-cs"/>
+              </a:defRPr>
+            </a:lvl4pPr>
+            <a:lvl5pPr marL="1828800" indent="0" algn="ctr" defTabSz="914400" rtl="0" eaLnBrk="1" latinLnBrk="0" hangingPunct="1">
+              <a:lnSpc>
+                <a:spcPct val="90000"/>
+              </a:lnSpc>
+              <a:spcBef>
+                <a:spcPts val="500"/>
+              </a:spcBef>
+              <a:buFont typeface="Arial" panose="020B0604020202020204" pitchFamily="34" charset="0"/>
+              <a:buNone/>
+              <a:defRPr sz="1600" kern="1200">
+                <a:solidFill>
+                  <a:schemeClr val="tx1"/>
+                </a:solidFill>
+                <a:latin typeface="+mn-lt"/>
+                <a:ea typeface="+mn-ea"/>
+                <a:cs typeface="+mn-cs"/>
+              </a:defRPr>
+            </a:lvl5pPr>
+            <a:lvl6pPr marL="2286000" indent="0" algn="ctr" defTabSz="914400" rtl="0" eaLnBrk="1" latinLnBrk="0" hangingPunct="1">
+              <a:lnSpc>
+                <a:spcPct val="90000"/>
+              </a:lnSpc>
+              <a:spcBef>
+                <a:spcPts val="500"/>
+              </a:spcBef>
+              <a:buFont typeface="Arial" panose="020B0604020202020204" pitchFamily="34" charset="0"/>
+              <a:buNone/>
+              <a:defRPr sz="1600" kern="1200">
+                <a:solidFill>
+                  <a:schemeClr val="tx1"/>
+                </a:solidFill>
+                <a:latin typeface="+mn-lt"/>
+                <a:ea typeface="+mn-ea"/>
+                <a:cs typeface="+mn-cs"/>
+              </a:defRPr>
+            </a:lvl6pPr>
+            <a:lvl7pPr marL="2743200" indent="0" algn="ctr" defTabSz="914400" rtl="0" eaLnBrk="1" latinLnBrk="0" hangingPunct="1">
+              <a:lnSpc>
+                <a:spcPct val="90000"/>
+              </a:lnSpc>
+              <a:spcBef>
+                <a:spcPts val="500"/>
+              </a:spcBef>
+              <a:buFont typeface="Arial" panose="020B0604020202020204" pitchFamily="34" charset="0"/>
+              <a:buNone/>
+              <a:defRPr sz="1600" kern="1200">
+                <a:solidFill>
+                  <a:schemeClr val="tx1"/>
+                </a:solidFill>
+                <a:latin typeface="+mn-lt"/>
+                <a:ea typeface="+mn-ea"/>
+                <a:cs typeface="+mn-cs"/>
+              </a:defRPr>
+            </a:lvl7pPr>
+            <a:lvl8pPr marL="3200400" indent="0" algn="ctr" defTabSz="914400" rtl="0" eaLnBrk="1" latinLnBrk="0" hangingPunct="1">
+              <a:lnSpc>
+                <a:spcPct val="90000"/>
+              </a:lnSpc>
+              <a:spcBef>
+                <a:spcPts val="500"/>
+              </a:spcBef>
+              <a:buFont typeface="Arial" panose="020B0604020202020204" pitchFamily="34" charset="0"/>
+              <a:buNone/>
+              <a:defRPr sz="1600" kern="1200">
+                <a:solidFill>
+                  <a:schemeClr val="tx1"/>
+                </a:solidFill>
+                <a:latin typeface="+mn-lt"/>
+                <a:ea typeface="+mn-ea"/>
+                <a:cs typeface="+mn-cs"/>
+              </a:defRPr>
+            </a:lvl8pPr>
+            <a:lvl9pPr marL="3657600" indent="0" algn="ctr" defTabSz="914400" rtl="0" eaLnBrk="1" latinLnBrk="0" hangingPunct="1">
+              <a:lnSpc>
+                <a:spcPct val="90000"/>
+              </a:lnSpc>
+              <a:spcBef>
+                <a:spcPts val="500"/>
+              </a:spcBef>
+              <a:buFont typeface="Arial" panose="020B0604020202020204" pitchFamily="34" charset="0"/>
+              <a:buNone/>
+              <a:defRPr sz="1600" kern="1200">
+                <a:solidFill>
+                  <a:schemeClr val="tx1"/>
+                </a:solidFill>
+                <a:latin typeface="+mn-lt"/>
+                <a:ea typeface="+mn-ea"/>
+                <a:cs typeface="+mn-cs"/>
+              </a:defRPr>
+            </a:lvl9pPr>
+          </a:lstStyle>
+          <a:p>
+            <a:r>
+              <a:rPr lang="en-US" sz="2000" b="1" dirty="0">
+                <a:solidFill>
+                  <a:schemeClr val="bg1"/>
+                </a:solidFill>
+                <a:latin typeface="Segoe UI Light" panose="020B0502040204020203" pitchFamily="34" charset="0"/>
+                <a:cs typeface="Segoe UI Light" panose="020B0502040204020203" pitchFamily="34" charset="0"/>
+              </a:rPr>
+              <a:t>VS</a:t>
+            </a:r>
+          </a:p>
+        </p:txBody>
+      </p:sp>
+      <p:pic>
+        <p:nvPicPr>
+          <p:cNvPr id="3" name="Picture 2">
+            <a:extLst>
+              <a:ext uri="{FF2B5EF4-FFF2-40B4-BE49-F238E27FC236}">
+                <a16:creationId xmlns:a16="http://schemas.microsoft.com/office/drawing/2014/main" id="{BE394376-2116-4851-89D2-4D4195BC60B1}"/>
+              </a:ext>
+            </a:extLst>
+          </p:cNvPr>
+          <p:cNvPicPr>
+            <a:picLocks noChangeAspect="1"/>
+          </p:cNvPicPr>
+          <p:nvPr/>
+        </p:nvPicPr>
+        <p:blipFill>
+          <a:blip r:embed="rId3"/>
+          <a:stretch>
+            <a:fillRect/>
+          </a:stretch>
+        </p:blipFill>
+        <p:spPr>
+          <a:xfrm>
+            <a:off x="181850" y="1192499"/>
+            <a:ext cx="9458325" cy="4200525"/>
+          </a:xfrm>
+          <a:prstGeom prst="rect">
+            <a:avLst/>
+          </a:prstGeom>
+        </p:spPr>
+      </p:pic>
+      <p:sp>
+        <p:nvSpPr>
+          <p:cNvPr id="4" name="Rectangle 3">
+            <a:extLst>
+              <a:ext uri="{FF2B5EF4-FFF2-40B4-BE49-F238E27FC236}">
+                <a16:creationId xmlns:a16="http://schemas.microsoft.com/office/drawing/2014/main" id="{0D0F9621-17AF-44C5-92B1-F45A6E54BA2B}"/>
+              </a:ext>
+            </a:extLst>
+          </p:cNvPr>
+          <p:cNvSpPr/>
+          <p:nvPr/>
+        </p:nvSpPr>
+        <p:spPr>
+          <a:xfrm>
+            <a:off x="6746033" y="4777204"/>
+            <a:ext cx="2761861" cy="1231640"/>
+          </a:xfrm>
+          <a:prstGeom prst="rect">
+            <a:avLst/>
+          </a:prstGeom>
+        </p:spPr>
+        <p:style>
+          <a:lnRef idx="2">
+            <a:schemeClr val="accent1">
+              <a:shade val="50000"/>
+            </a:schemeClr>
+          </a:lnRef>
+          <a:fillRef idx="1">
+            <a:schemeClr val="accent1"/>
+          </a:fillRef>
+          <a:effectRef idx="0">
+            <a:schemeClr val="accent1"/>
+          </a:effectRef>
+          <a:fontRef idx="minor">
+            <a:schemeClr val="lt1"/>
+          </a:fontRef>
+        </p:style>
+        <p:txBody>
+          <a:bodyPr rtlCol="0" anchor="ctr"/>
+          <a:lstStyle/>
+          <a:p>
+            <a:pPr algn="ctr"/>
+            <a:r>
+              <a:rPr lang="en-US" sz="3200" dirty="0">
+                <a:latin typeface="Segoe UI Semibold" panose="020B0702040204020203" pitchFamily="34" charset="0"/>
+                <a:cs typeface="Segoe UI Semibold" panose="020B0702040204020203" pitchFamily="34" charset="0"/>
+              </a:rPr>
+              <a:t>Application 2</a:t>
+            </a:r>
+            <a:br>
+              <a:rPr lang="en-US" sz="3200" dirty="0">
+                <a:latin typeface="Segoe UI Semibold" panose="020B0702040204020203" pitchFamily="34" charset="0"/>
+                <a:cs typeface="Segoe UI Semibold" panose="020B0702040204020203" pitchFamily="34" charset="0"/>
+              </a:rPr>
+            </a:br>
+            <a:r>
+              <a:rPr lang="en-US" sz="2400" dirty="0">
+                <a:latin typeface="Segoe UI Semibold" panose="020B0702040204020203" pitchFamily="34" charset="0"/>
+                <a:cs typeface="Segoe UI Semibold" panose="020B0702040204020203" pitchFamily="34" charset="0"/>
+              </a:rPr>
+              <a:t>(remote service)</a:t>
+            </a:r>
+            <a:endParaRPr lang="en-US" sz="3200" dirty="0">
+              <a:latin typeface="Segoe UI Semibold" panose="020B0702040204020203" pitchFamily="34" charset="0"/>
+              <a:cs typeface="Segoe UI Semibold" panose="020B0702040204020203" pitchFamily="34" charset="0"/>
+            </a:endParaRPr>
+          </a:p>
+        </p:txBody>
+      </p:sp>
+      <p:cxnSp>
+        <p:nvCxnSpPr>
+          <p:cNvPr id="10" name="Connector: Curved 9">
+            <a:extLst>
+              <a:ext uri="{FF2B5EF4-FFF2-40B4-BE49-F238E27FC236}">
+                <a16:creationId xmlns:a16="http://schemas.microsoft.com/office/drawing/2014/main" id="{D05A347C-61F2-4293-B8C4-27BAA14F8AB3}"/>
+              </a:ext>
+            </a:extLst>
+          </p:cNvPr>
+          <p:cNvCxnSpPr>
+            <a:cxnSpLocks/>
+          </p:cNvCxnSpPr>
+          <p:nvPr/>
+        </p:nvCxnSpPr>
+        <p:spPr>
+          <a:xfrm rot="16200000" flipV="1">
+            <a:off x="6130249" y="3657566"/>
+            <a:ext cx="1623455" cy="615820"/>
+          </a:xfrm>
+          <a:prstGeom prst="curvedConnector3">
+            <a:avLst/>
+          </a:prstGeom>
+          <a:ln w="50800">
+            <a:tailEnd type="triangle"/>
+          </a:ln>
+        </p:spPr>
+        <p:style>
+          <a:lnRef idx="1">
+            <a:schemeClr val="accent1"/>
+          </a:lnRef>
+          <a:fillRef idx="0">
+            <a:schemeClr val="accent1"/>
+          </a:fillRef>
+          <a:effectRef idx="0">
+            <a:schemeClr val="accent1"/>
+          </a:effectRef>
+          <a:fontRef idx="minor">
+            <a:schemeClr val="tx1"/>
+          </a:fontRef>
+        </p:style>
+      </p:cxnSp>
+      <p:cxnSp>
+        <p:nvCxnSpPr>
+          <p:cNvPr id="20" name="Connector: Curved 19">
+            <a:extLst>
+              <a:ext uri="{FF2B5EF4-FFF2-40B4-BE49-F238E27FC236}">
+                <a16:creationId xmlns:a16="http://schemas.microsoft.com/office/drawing/2014/main" id="{216820C0-53D6-4DB5-B8D0-235CF5DED30A}"/>
+              </a:ext>
+            </a:extLst>
+          </p:cNvPr>
+          <p:cNvCxnSpPr>
+            <a:cxnSpLocks/>
+          </p:cNvCxnSpPr>
+          <p:nvPr/>
+        </p:nvCxnSpPr>
+        <p:spPr>
+          <a:xfrm rot="5400000" flipH="1" flipV="1">
+            <a:off x="7690596" y="3048943"/>
+            <a:ext cx="3060367" cy="396155"/>
+          </a:xfrm>
+          <a:prstGeom prst="curvedConnector3">
+            <a:avLst>
+              <a:gd name="adj1" fmla="val 50000"/>
+            </a:avLst>
+          </a:prstGeom>
+          <a:ln w="50800">
+            <a:tailEnd type="triangle"/>
+          </a:ln>
+        </p:spPr>
+        <p:style>
+          <a:lnRef idx="1">
+            <a:schemeClr val="accent1"/>
+          </a:lnRef>
+          <a:fillRef idx="0">
+            <a:schemeClr val="accent1"/>
+          </a:fillRef>
+          <a:effectRef idx="0">
+            <a:schemeClr val="accent1"/>
+          </a:effectRef>
+          <a:fontRef idx="minor">
+            <a:schemeClr val="tx1"/>
+          </a:fontRef>
+        </p:style>
+      </p:cxnSp>
+      <p:cxnSp>
+        <p:nvCxnSpPr>
+          <p:cNvPr id="15" name="Connector: Curved 14">
+            <a:extLst>
+              <a:ext uri="{FF2B5EF4-FFF2-40B4-BE49-F238E27FC236}">
+                <a16:creationId xmlns:a16="http://schemas.microsoft.com/office/drawing/2014/main" id="{EA3D6538-2163-41F1-94E9-83E715AC8B92}"/>
+              </a:ext>
+            </a:extLst>
+          </p:cNvPr>
+          <p:cNvCxnSpPr>
+            <a:cxnSpLocks/>
+          </p:cNvCxnSpPr>
+          <p:nvPr/>
+        </p:nvCxnSpPr>
+        <p:spPr>
+          <a:xfrm rot="10800000">
+            <a:off x="5290457" y="4030825"/>
+            <a:ext cx="1455576" cy="1282961"/>
+          </a:xfrm>
+          <a:prstGeom prst="curvedConnector3">
+            <a:avLst/>
+          </a:prstGeom>
+          <a:ln w="50800">
+            <a:tailEnd type="triangle"/>
+          </a:ln>
+        </p:spPr>
+        <p:style>
+          <a:lnRef idx="1">
+            <a:schemeClr val="accent1"/>
+          </a:lnRef>
+          <a:fillRef idx="0">
+            <a:schemeClr val="accent1"/>
+          </a:fillRef>
+          <a:effectRef idx="0">
+            <a:schemeClr val="accent1"/>
+          </a:effectRef>
+          <a:fontRef idx="minor">
+            <a:schemeClr val="tx1"/>
+          </a:fontRef>
+        </p:style>
+      </p:cxnSp>
+      <p:sp>
+        <p:nvSpPr>
+          <p:cNvPr id="17" name="Rectangle 16">
+            <a:extLst>
+              <a:ext uri="{FF2B5EF4-FFF2-40B4-BE49-F238E27FC236}">
+                <a16:creationId xmlns:a16="http://schemas.microsoft.com/office/drawing/2014/main" id="{E32A3E49-B63F-4755-BF07-9B32DA0C3311}"/>
+              </a:ext>
+            </a:extLst>
+          </p:cNvPr>
+          <p:cNvSpPr/>
+          <p:nvPr/>
+        </p:nvSpPr>
+        <p:spPr>
+          <a:xfrm>
+            <a:off x="181850" y="4934005"/>
+            <a:ext cx="2761861" cy="1231640"/>
+          </a:xfrm>
+          <a:prstGeom prst="rect">
+            <a:avLst/>
+          </a:prstGeom>
+        </p:spPr>
+        <p:style>
+          <a:lnRef idx="2">
+            <a:schemeClr val="accent1">
+              <a:shade val="50000"/>
+            </a:schemeClr>
+          </a:lnRef>
+          <a:fillRef idx="1">
+            <a:schemeClr val="accent1"/>
+          </a:fillRef>
+          <a:effectRef idx="0">
+            <a:schemeClr val="accent1"/>
+          </a:effectRef>
+          <a:fontRef idx="minor">
+            <a:schemeClr val="lt1"/>
+          </a:fontRef>
+        </p:style>
+        <p:txBody>
+          <a:bodyPr rtlCol="0" anchor="ctr"/>
+          <a:lstStyle/>
+          <a:p>
+            <a:pPr algn="ctr"/>
+            <a:r>
+              <a:rPr lang="en-US" sz="3200" dirty="0">
+                <a:latin typeface="Segoe UI Semibold" panose="020B0702040204020203" pitchFamily="34" charset="0"/>
+                <a:cs typeface="Segoe UI Semibold" panose="020B0702040204020203" pitchFamily="34" charset="0"/>
+              </a:rPr>
+              <a:t>Application 1</a:t>
+            </a:r>
+          </a:p>
+        </p:txBody>
+      </p:sp>
+      <p:cxnSp>
+        <p:nvCxnSpPr>
+          <p:cNvPr id="18" name="Connector: Curved 17">
+            <a:extLst>
+              <a:ext uri="{FF2B5EF4-FFF2-40B4-BE49-F238E27FC236}">
+                <a16:creationId xmlns:a16="http://schemas.microsoft.com/office/drawing/2014/main" id="{A4F004F7-6C54-4B58-99F2-0EB950DEEFBE}"/>
+              </a:ext>
+            </a:extLst>
+          </p:cNvPr>
+          <p:cNvCxnSpPr>
+            <a:cxnSpLocks/>
+          </p:cNvCxnSpPr>
+          <p:nvPr/>
+        </p:nvCxnSpPr>
+        <p:spPr>
+          <a:xfrm rot="5400000" flipH="1" flipV="1">
+            <a:off x="979423" y="4583909"/>
+            <a:ext cx="751598" cy="12700"/>
+          </a:xfrm>
+          <a:prstGeom prst="curvedConnector3">
+            <a:avLst>
+              <a:gd name="adj1" fmla="val 50000"/>
+            </a:avLst>
+          </a:prstGeom>
+          <a:ln w="50800">
+            <a:tailEnd type="triangle"/>
+          </a:ln>
+        </p:spPr>
+        <p:style>
+          <a:lnRef idx="1">
+            <a:schemeClr val="accent1"/>
+          </a:lnRef>
+          <a:fillRef idx="0">
+            <a:schemeClr val="accent1"/>
+          </a:fillRef>
+          <a:effectRef idx="0">
+            <a:schemeClr val="accent1"/>
+          </a:effectRef>
+          <a:fontRef idx="minor">
+            <a:schemeClr val="tx1"/>
+          </a:fontRef>
+        </p:style>
+      </p:cxnSp>
+      <p:cxnSp>
+        <p:nvCxnSpPr>
+          <p:cNvPr id="23" name="Straight Arrow Connector 22">
+            <a:extLst>
+              <a:ext uri="{FF2B5EF4-FFF2-40B4-BE49-F238E27FC236}">
+                <a16:creationId xmlns:a16="http://schemas.microsoft.com/office/drawing/2014/main" id="{B14AAF9B-143C-4292-AF3D-24591BDD4BBC}"/>
+              </a:ext>
+            </a:extLst>
+          </p:cNvPr>
+          <p:cNvCxnSpPr>
+            <a:cxnSpLocks/>
+          </p:cNvCxnSpPr>
+          <p:nvPr/>
+        </p:nvCxnSpPr>
+        <p:spPr>
+          <a:xfrm>
+            <a:off x="2943711" y="5661789"/>
+            <a:ext cx="3802322" cy="20551"/>
+          </a:xfrm>
+          <a:prstGeom prst="straightConnector1">
+            <a:avLst/>
+          </a:prstGeom>
+          <a:ln w="63500">
+            <a:prstDash val="dash"/>
+            <a:tailEnd type="triangle"/>
+          </a:ln>
+        </p:spPr>
+        <p:style>
+          <a:lnRef idx="1">
+            <a:schemeClr val="accent1"/>
+          </a:lnRef>
+          <a:fillRef idx="0">
+            <a:schemeClr val="accent1"/>
+          </a:fillRef>
+          <a:effectRef idx="0">
+            <a:schemeClr val="accent1"/>
+          </a:effectRef>
+          <a:fontRef idx="minor">
+            <a:schemeClr val="tx1"/>
+          </a:fontRef>
+        </p:style>
+      </p:cxnSp>
+    </p:spTree>
+    <p:extLst>
+      <p:ext uri="{BB962C8B-B14F-4D97-AF65-F5344CB8AC3E}">
+        <p14:creationId xmlns:p14="http://schemas.microsoft.com/office/powerpoint/2010/main" val="3227796553"/>
+      </p:ext>
+    </p:extLst>
+  </p:cSld>
+  <p:clrMapOvr>
+    <a:masterClrMapping/>
+  </p:clrMapOvr>
+  <mc:AlternateContent xmlns:mc="http://schemas.openxmlformats.org/markup-compatibility/2006" xmlns:p14="http://schemas.microsoft.com/office/powerpoint/2010/main">
+    <mc:Choice Requires="p14">
+      <p:transition p14:dur="100">
+        <p:cut/>
+      </p:transition>
+    </mc:Choice>
+    <mc:Fallback xmlns="">
+      <p:transition>
+        <p:cut/>
+      </p:transition>
+    </mc:Fallback>
+  </mc:AlternateContent>
+</p:sld>
+</file>
+
+<file path=ppt/slides/slide41.xml><?xml version="1.0" encoding="utf-8"?>
+<p:sld xmlns:a="http://schemas.openxmlformats.org/drawingml/2006/main" xmlns:r="http://schemas.openxmlformats.org/officeDocument/2006/relationships" xmlns:p="http://schemas.openxmlformats.org/presentationml/2006/main">
+  <p:cSld>
+    <p:spTree>
+      <p:nvGrpSpPr>
+        <p:cNvPr id="1" name=""/>
+        <p:cNvGrpSpPr/>
+        <p:nvPr/>
+      </p:nvGrpSpPr>
+      <p:grpSpPr>
+        <a:xfrm>
+          <a:off x="0" y="0"/>
+          <a:ext cx="0" cy="0"/>
+          <a:chOff x="0" y="0"/>
+          <a:chExt cx="0" cy="0"/>
+        </a:xfrm>
+      </p:grpSpPr>
+      <p:pic>
+        <p:nvPicPr>
+          <p:cNvPr id="9" name="Picture 8">
+            <a:extLst>
+              <a:ext uri="{FF2B5EF4-FFF2-40B4-BE49-F238E27FC236}">
+                <a16:creationId xmlns:a16="http://schemas.microsoft.com/office/drawing/2014/main" id="{39E83B63-DAE7-4E06-A56F-CF1576B89936}"/>
+              </a:ext>
+            </a:extLst>
+          </p:cNvPr>
+          <p:cNvPicPr>
+            <a:picLocks noChangeAspect="1"/>
+          </p:cNvPicPr>
+          <p:nvPr/>
+        </p:nvPicPr>
+        <p:blipFill>
+          <a:blip r:embed="rId2">
+            <a:extLst>
+              <a:ext uri="{28A0092B-C50C-407E-A947-70E740481C1C}">
+                <a14:useLocalDpi xmlns:a14="http://schemas.microsoft.com/office/drawing/2010/main" val="0"/>
+              </a:ext>
+            </a:extLst>
+          </a:blip>
+          <a:stretch>
+            <a:fillRect/>
+          </a:stretch>
+        </p:blipFill>
+        <p:spPr>
+          <a:xfrm>
+            <a:off x="0" y="0"/>
+            <a:ext cx="12192000" cy="6858000"/>
+          </a:xfrm>
+          <a:prstGeom prst="rect">
+            <a:avLst/>
+          </a:prstGeom>
+        </p:spPr>
+      </p:pic>
+      <p:sp>
+        <p:nvSpPr>
+          <p:cNvPr id="2" name="Title 1">
+            <a:extLst>
+              <a:ext uri="{FF2B5EF4-FFF2-40B4-BE49-F238E27FC236}">
+                <a16:creationId xmlns:a16="http://schemas.microsoft.com/office/drawing/2014/main" id="{0DE26BD9-3178-4532-BF33-58FE331BE190}"/>
+              </a:ext>
+            </a:extLst>
+          </p:cNvPr>
+          <p:cNvSpPr>
+            <a:spLocks noGrp="1"/>
+          </p:cNvSpPr>
+          <p:nvPr>
+            <p:ph type="ctrTitle"/>
+          </p:nvPr>
+        </p:nvSpPr>
+        <p:spPr>
+          <a:xfrm>
+            <a:off x="738908" y="930564"/>
+            <a:ext cx="4858328" cy="2311400"/>
+          </a:xfrm>
+        </p:spPr>
+        <p:txBody>
+          <a:bodyPr anchor="b">
+            <a:normAutofit/>
+          </a:bodyPr>
+          <a:lstStyle/>
+          <a:p>
+            <a:pPr algn="l"/>
+            <a:r>
+              <a:rPr lang="en-US" sz="4000" b="1" dirty="0">
+                <a:latin typeface="Segoe UI Light" panose="020B0502040204020203" pitchFamily="34" charset="0"/>
+                <a:cs typeface="Segoe UI Light" panose="020B0502040204020203" pitchFamily="34" charset="0"/>
+              </a:rPr>
+              <a:t>What is a</a:t>
+            </a:r>
+            <a:br>
+              <a:rPr lang="en-US" sz="4000" b="1" dirty="0">
+                <a:latin typeface="Segoe UI Semibold" panose="020B0702040204020203" pitchFamily="34" charset="0"/>
+                <a:cs typeface="Segoe UI Semibold" panose="020B0702040204020203" pitchFamily="34" charset="0"/>
+              </a:rPr>
+            </a:br>
+            <a:r>
+              <a:rPr lang="en-US" sz="4000" b="1" dirty="0">
+                <a:solidFill>
+                  <a:srgbClr val="0041C6"/>
+                </a:solidFill>
+                <a:latin typeface="Segoe UI Semibold" panose="020B0702040204020203" pitchFamily="34" charset="0"/>
+                <a:cs typeface="Segoe UI Semibold" panose="020B0702040204020203" pitchFamily="34" charset="0"/>
+              </a:rPr>
+              <a:t>Modular Application</a:t>
+            </a:r>
+          </a:p>
+        </p:txBody>
+      </p:sp>
+      <p:sp>
+        <p:nvSpPr>
+          <p:cNvPr id="5" name="Footer Placeholder 4">
+            <a:extLst>
+              <a:ext uri="{FF2B5EF4-FFF2-40B4-BE49-F238E27FC236}">
+                <a16:creationId xmlns:a16="http://schemas.microsoft.com/office/drawing/2014/main" id="{A3553ADE-3838-4EDB-9F14-97C75DE2198D}"/>
+              </a:ext>
+            </a:extLst>
+          </p:cNvPr>
+          <p:cNvSpPr>
+            <a:spLocks noGrp="1"/>
+          </p:cNvSpPr>
+          <p:nvPr>
+            <p:ph type="ftr" sz="quarter" idx="11"/>
+          </p:nvPr>
+        </p:nvSpPr>
+        <p:spPr>
+          <a:xfrm>
+            <a:off x="0" y="6483927"/>
+            <a:ext cx="4190999" cy="374073"/>
+          </a:xfrm>
+        </p:spPr>
+        <p:txBody>
+          <a:bodyPr/>
+          <a:lstStyle/>
+          <a:p>
+            <a:pPr algn="l"/>
+            <a:r>
+              <a:rPr lang="en-US" dirty="0" err="1">
+                <a:solidFill>
+                  <a:schemeClr val="tx1"/>
+                </a:solidFill>
+                <a:latin typeface="Segoe UI" panose="020B0502040204020203" pitchFamily="34" charset="0"/>
+                <a:cs typeface="Segoe UI" panose="020B0502040204020203" pitchFamily="34" charset="0"/>
+              </a:rPr>
+              <a:t>Halil</a:t>
+            </a:r>
+            <a:r>
+              <a:rPr lang="en-US" dirty="0">
+                <a:solidFill>
+                  <a:schemeClr val="tx1"/>
+                </a:solidFill>
+                <a:latin typeface="Segoe UI" panose="020B0502040204020203" pitchFamily="34" charset="0"/>
+                <a:cs typeface="Segoe UI" panose="020B0502040204020203" pitchFamily="34" charset="0"/>
+              </a:rPr>
+              <a:t> İbrahim KALKAN | @</a:t>
+            </a:r>
+            <a:r>
+              <a:rPr lang="en-US" dirty="0" err="1">
+                <a:solidFill>
+                  <a:schemeClr val="tx1"/>
+                </a:solidFill>
+                <a:latin typeface="Segoe UI" panose="020B0502040204020203" pitchFamily="34" charset="0"/>
+                <a:cs typeface="Segoe UI" panose="020B0502040204020203" pitchFamily="34" charset="0"/>
+              </a:rPr>
+              <a:t>hikalkan</a:t>
+            </a:r>
+            <a:r>
+              <a:rPr lang="en-US" dirty="0">
+                <a:solidFill>
+                  <a:schemeClr val="tx1"/>
+                </a:solidFill>
+                <a:latin typeface="Segoe UI" panose="020B0502040204020203" pitchFamily="34" charset="0"/>
+                <a:cs typeface="Segoe UI" panose="020B0502040204020203" pitchFamily="34" charset="0"/>
+              </a:rPr>
+              <a:t> | </a:t>
+            </a:r>
+            <a:r>
+              <a:rPr lang="en-US" dirty="0" err="1">
+                <a:solidFill>
+                  <a:schemeClr val="tx1"/>
+                </a:solidFill>
+                <a:latin typeface="Segoe UI" panose="020B0502040204020203" pitchFamily="34" charset="0"/>
+                <a:cs typeface="Segoe UI" panose="020B0502040204020203" pitchFamily="34" charset="0"/>
+              </a:rPr>
+              <a:t>Volosoft</a:t>
+            </a:r>
+            <a:r>
+              <a:rPr lang="en-US" dirty="0">
+                <a:solidFill>
+                  <a:schemeClr val="tx1"/>
+                </a:solidFill>
+                <a:latin typeface="Segoe UI" panose="020B0502040204020203" pitchFamily="34" charset="0"/>
+                <a:cs typeface="Segoe UI" panose="020B0502040204020203" pitchFamily="34" charset="0"/>
+              </a:rPr>
+              <a:t> TM</a:t>
+            </a:r>
+          </a:p>
+        </p:txBody>
+      </p:sp>
+      <p:sp>
+        <p:nvSpPr>
+          <p:cNvPr id="11" name="Subtitle 2">
+            <a:extLst>
+              <a:ext uri="{FF2B5EF4-FFF2-40B4-BE49-F238E27FC236}">
+                <a16:creationId xmlns:a16="http://schemas.microsoft.com/office/drawing/2014/main" id="{A769CE0C-E9B4-4049-B22B-C35AD0DD7409}"/>
+              </a:ext>
+            </a:extLst>
+          </p:cNvPr>
+          <p:cNvSpPr txBox="1">
+            <a:spLocks/>
+          </p:cNvSpPr>
+          <p:nvPr/>
+        </p:nvSpPr>
+        <p:spPr>
+          <a:xfrm>
+            <a:off x="3582554" y="2904836"/>
+            <a:ext cx="835891" cy="775853"/>
+          </a:xfrm>
+          <a:prstGeom prst="rect">
+            <a:avLst/>
+          </a:prstGeom>
+        </p:spPr>
+        <p:txBody>
+          <a:bodyPr vert="horz" lIns="91440" tIns="45720" rIns="91440" bIns="45720" rtlCol="0" anchor="ctr">
+            <a:normAutofit/>
+          </a:bodyPr>
+          <a:lstStyle>
+            <a:lvl1pPr marL="0" indent="0" algn="ctr" defTabSz="914400" rtl="0" eaLnBrk="1" latinLnBrk="0" hangingPunct="1">
+              <a:lnSpc>
+                <a:spcPct val="90000"/>
+              </a:lnSpc>
+              <a:spcBef>
+                <a:spcPts val="1000"/>
+              </a:spcBef>
+              <a:buFont typeface="Arial" panose="020B0604020202020204" pitchFamily="34" charset="0"/>
+              <a:buNone/>
+              <a:defRPr sz="2400" kern="1200">
+                <a:solidFill>
+                  <a:schemeClr val="tx1"/>
+                </a:solidFill>
+                <a:latin typeface="+mn-lt"/>
+                <a:ea typeface="+mn-ea"/>
+                <a:cs typeface="+mn-cs"/>
+              </a:defRPr>
+            </a:lvl1pPr>
+            <a:lvl2pPr marL="457200" indent="0" algn="ctr" defTabSz="914400" rtl="0" eaLnBrk="1" latinLnBrk="0" hangingPunct="1">
+              <a:lnSpc>
+                <a:spcPct val="90000"/>
+              </a:lnSpc>
+              <a:spcBef>
+                <a:spcPts val="500"/>
+              </a:spcBef>
+              <a:buFont typeface="Arial" panose="020B0604020202020204" pitchFamily="34" charset="0"/>
+              <a:buNone/>
+              <a:defRPr sz="2000" kern="1200">
+                <a:solidFill>
+                  <a:schemeClr val="tx1"/>
+                </a:solidFill>
+                <a:latin typeface="+mn-lt"/>
+                <a:ea typeface="+mn-ea"/>
+                <a:cs typeface="+mn-cs"/>
+              </a:defRPr>
+            </a:lvl2pPr>
+            <a:lvl3pPr marL="914400" indent="0" algn="ctr" defTabSz="914400" rtl="0" eaLnBrk="1" latinLnBrk="0" hangingPunct="1">
+              <a:lnSpc>
+                <a:spcPct val="90000"/>
+              </a:lnSpc>
+              <a:spcBef>
+                <a:spcPts val="500"/>
+              </a:spcBef>
+              <a:buFont typeface="Arial" panose="020B0604020202020204" pitchFamily="34" charset="0"/>
+              <a:buNone/>
+              <a:defRPr sz="1800" kern="1200">
+                <a:solidFill>
+                  <a:schemeClr val="tx1"/>
+                </a:solidFill>
+                <a:latin typeface="+mn-lt"/>
+                <a:ea typeface="+mn-ea"/>
+                <a:cs typeface="+mn-cs"/>
+              </a:defRPr>
+            </a:lvl3pPr>
+            <a:lvl4pPr marL="1371600" indent="0" algn="ctr" defTabSz="914400" rtl="0" eaLnBrk="1" latinLnBrk="0" hangingPunct="1">
+              <a:lnSpc>
+                <a:spcPct val="90000"/>
+              </a:lnSpc>
+              <a:spcBef>
+                <a:spcPts val="500"/>
+              </a:spcBef>
+              <a:buFont typeface="Arial" panose="020B0604020202020204" pitchFamily="34" charset="0"/>
+              <a:buNone/>
+              <a:defRPr sz="1600" kern="1200">
+                <a:solidFill>
+                  <a:schemeClr val="tx1"/>
+                </a:solidFill>
+                <a:latin typeface="+mn-lt"/>
+                <a:ea typeface="+mn-ea"/>
+                <a:cs typeface="+mn-cs"/>
+              </a:defRPr>
+            </a:lvl4pPr>
+            <a:lvl5pPr marL="1828800" indent="0" algn="ctr" defTabSz="914400" rtl="0" eaLnBrk="1" latinLnBrk="0" hangingPunct="1">
+              <a:lnSpc>
+                <a:spcPct val="90000"/>
+              </a:lnSpc>
+              <a:spcBef>
+                <a:spcPts val="500"/>
+              </a:spcBef>
+              <a:buFont typeface="Arial" panose="020B0604020202020204" pitchFamily="34" charset="0"/>
+              <a:buNone/>
+              <a:defRPr sz="1600" kern="1200">
+                <a:solidFill>
+                  <a:schemeClr val="tx1"/>
+                </a:solidFill>
+                <a:latin typeface="+mn-lt"/>
+                <a:ea typeface="+mn-ea"/>
+                <a:cs typeface="+mn-cs"/>
+              </a:defRPr>
+            </a:lvl5pPr>
+            <a:lvl6pPr marL="2286000" indent="0" algn="ctr" defTabSz="914400" rtl="0" eaLnBrk="1" latinLnBrk="0" hangingPunct="1">
+              <a:lnSpc>
+                <a:spcPct val="90000"/>
+              </a:lnSpc>
+              <a:spcBef>
+                <a:spcPts val="500"/>
+              </a:spcBef>
+              <a:buFont typeface="Arial" panose="020B0604020202020204" pitchFamily="34" charset="0"/>
+              <a:buNone/>
+              <a:defRPr sz="1600" kern="1200">
+                <a:solidFill>
+                  <a:schemeClr val="tx1"/>
+                </a:solidFill>
+                <a:latin typeface="+mn-lt"/>
+                <a:ea typeface="+mn-ea"/>
+                <a:cs typeface="+mn-cs"/>
+              </a:defRPr>
+            </a:lvl6pPr>
+            <a:lvl7pPr marL="2743200" indent="0" algn="ctr" defTabSz="914400" rtl="0" eaLnBrk="1" latinLnBrk="0" hangingPunct="1">
+              <a:lnSpc>
+                <a:spcPct val="90000"/>
+              </a:lnSpc>
+              <a:spcBef>
+                <a:spcPts val="500"/>
+              </a:spcBef>
+              <a:buFont typeface="Arial" panose="020B0604020202020204" pitchFamily="34" charset="0"/>
+              <a:buNone/>
+              <a:defRPr sz="1600" kern="1200">
+                <a:solidFill>
+                  <a:schemeClr val="tx1"/>
+                </a:solidFill>
+                <a:latin typeface="+mn-lt"/>
+                <a:ea typeface="+mn-ea"/>
+                <a:cs typeface="+mn-cs"/>
+              </a:defRPr>
+            </a:lvl7pPr>
+            <a:lvl8pPr marL="3200400" indent="0" algn="ctr" defTabSz="914400" rtl="0" eaLnBrk="1" latinLnBrk="0" hangingPunct="1">
+              <a:lnSpc>
+                <a:spcPct val="90000"/>
+              </a:lnSpc>
+              <a:spcBef>
+                <a:spcPts val="500"/>
+              </a:spcBef>
+              <a:buFont typeface="Arial" panose="020B0604020202020204" pitchFamily="34" charset="0"/>
+              <a:buNone/>
+              <a:defRPr sz="1600" kern="1200">
+                <a:solidFill>
+                  <a:schemeClr val="tx1"/>
+                </a:solidFill>
+                <a:latin typeface="+mn-lt"/>
+                <a:ea typeface="+mn-ea"/>
+                <a:cs typeface="+mn-cs"/>
+              </a:defRPr>
+            </a:lvl8pPr>
+            <a:lvl9pPr marL="3657600" indent="0" algn="ctr" defTabSz="914400" rtl="0" eaLnBrk="1" latinLnBrk="0" hangingPunct="1">
+              <a:lnSpc>
+                <a:spcPct val="90000"/>
+              </a:lnSpc>
+              <a:spcBef>
+                <a:spcPts val="500"/>
+              </a:spcBef>
+              <a:buFont typeface="Arial" panose="020B0604020202020204" pitchFamily="34" charset="0"/>
+              <a:buNone/>
+              <a:defRPr sz="1600" kern="1200">
+                <a:solidFill>
+                  <a:schemeClr val="tx1"/>
+                </a:solidFill>
+                <a:latin typeface="+mn-lt"/>
+                <a:ea typeface="+mn-ea"/>
+                <a:cs typeface="+mn-cs"/>
+              </a:defRPr>
+            </a:lvl9pPr>
+          </a:lstStyle>
+          <a:p>
+            <a:r>
+              <a:rPr lang="en-US" sz="2000" b="1" dirty="0">
+                <a:solidFill>
+                  <a:schemeClr val="bg1"/>
+                </a:solidFill>
+                <a:latin typeface="Segoe UI Light" panose="020B0502040204020203" pitchFamily="34" charset="0"/>
+                <a:cs typeface="Segoe UI Light" panose="020B0502040204020203" pitchFamily="34" charset="0"/>
+              </a:rPr>
+              <a:t>VS</a:t>
+            </a:r>
+          </a:p>
+        </p:txBody>
+      </p:sp>
+      <p:sp>
+        <p:nvSpPr>
+          <p:cNvPr id="15" name="Subtitle 2">
+            <a:extLst>
+              <a:ext uri="{FF2B5EF4-FFF2-40B4-BE49-F238E27FC236}">
+                <a16:creationId xmlns:a16="http://schemas.microsoft.com/office/drawing/2014/main" id="{20939731-D3B7-4A28-B941-216A5F2FD525}"/>
+              </a:ext>
+            </a:extLst>
+          </p:cNvPr>
+          <p:cNvSpPr txBox="1">
+            <a:spLocks/>
+          </p:cNvSpPr>
+          <p:nvPr/>
+        </p:nvSpPr>
+        <p:spPr>
+          <a:xfrm>
+            <a:off x="738908" y="3173267"/>
+            <a:ext cx="4368801" cy="2042969"/>
+          </a:xfrm>
+          <a:prstGeom prst="rect">
+            <a:avLst/>
+          </a:prstGeom>
+        </p:spPr>
+        <p:txBody>
+          <a:bodyPr vert="horz" lIns="91440" tIns="45720" rIns="91440" bIns="45720" rtlCol="0" anchor="ctr">
+            <a:noAutofit/>
+          </a:bodyPr>
+          <a:lstStyle>
+            <a:lvl1pPr marL="0" indent="0" algn="ctr" defTabSz="914400" rtl="0" eaLnBrk="1" latinLnBrk="0" hangingPunct="1">
+              <a:lnSpc>
+                <a:spcPct val="90000"/>
+              </a:lnSpc>
+              <a:spcBef>
+                <a:spcPts val="1000"/>
+              </a:spcBef>
+              <a:buFont typeface="Arial" panose="020B0604020202020204" pitchFamily="34" charset="0"/>
+              <a:buNone/>
+              <a:defRPr sz="2400" kern="1200">
+                <a:solidFill>
+                  <a:schemeClr val="tx1"/>
+                </a:solidFill>
+                <a:latin typeface="+mn-lt"/>
+                <a:ea typeface="+mn-ea"/>
+                <a:cs typeface="+mn-cs"/>
+              </a:defRPr>
+            </a:lvl1pPr>
+            <a:lvl2pPr marL="457200" indent="0" algn="ctr" defTabSz="914400" rtl="0" eaLnBrk="1" latinLnBrk="0" hangingPunct="1">
+              <a:lnSpc>
+                <a:spcPct val="90000"/>
+              </a:lnSpc>
+              <a:spcBef>
+                <a:spcPts val="500"/>
+              </a:spcBef>
+              <a:buFont typeface="Arial" panose="020B0604020202020204" pitchFamily="34" charset="0"/>
+              <a:buNone/>
+              <a:defRPr sz="2000" kern="1200">
+                <a:solidFill>
+                  <a:schemeClr val="tx1"/>
+                </a:solidFill>
+                <a:latin typeface="+mn-lt"/>
+                <a:ea typeface="+mn-ea"/>
+                <a:cs typeface="+mn-cs"/>
+              </a:defRPr>
+            </a:lvl2pPr>
+            <a:lvl3pPr marL="914400" indent="0" algn="ctr" defTabSz="914400" rtl="0" eaLnBrk="1" latinLnBrk="0" hangingPunct="1">
+              <a:lnSpc>
+                <a:spcPct val="90000"/>
+              </a:lnSpc>
+              <a:spcBef>
+                <a:spcPts val="500"/>
+              </a:spcBef>
+              <a:buFont typeface="Arial" panose="020B0604020202020204" pitchFamily="34" charset="0"/>
+              <a:buNone/>
+              <a:defRPr sz="1800" kern="1200">
+                <a:solidFill>
+                  <a:schemeClr val="tx1"/>
+                </a:solidFill>
+                <a:latin typeface="+mn-lt"/>
+                <a:ea typeface="+mn-ea"/>
+                <a:cs typeface="+mn-cs"/>
+              </a:defRPr>
+            </a:lvl3pPr>
+            <a:lvl4pPr marL="1371600" indent="0" algn="ctr" defTabSz="914400" rtl="0" eaLnBrk="1" latinLnBrk="0" hangingPunct="1">
+              <a:lnSpc>
+                <a:spcPct val="90000"/>
+              </a:lnSpc>
+              <a:spcBef>
+                <a:spcPts val="500"/>
+              </a:spcBef>
+              <a:buFont typeface="Arial" panose="020B0604020202020204" pitchFamily="34" charset="0"/>
+              <a:buNone/>
+              <a:defRPr sz="1600" kern="1200">
+                <a:solidFill>
+                  <a:schemeClr val="tx1"/>
+                </a:solidFill>
+                <a:latin typeface="+mn-lt"/>
+                <a:ea typeface="+mn-ea"/>
+                <a:cs typeface="+mn-cs"/>
+              </a:defRPr>
+            </a:lvl4pPr>
+            <a:lvl5pPr marL="1828800" indent="0" algn="ctr" defTabSz="914400" rtl="0" eaLnBrk="1" latinLnBrk="0" hangingPunct="1">
+              <a:lnSpc>
+                <a:spcPct val="90000"/>
+              </a:lnSpc>
+              <a:spcBef>
+                <a:spcPts val="500"/>
+              </a:spcBef>
+              <a:buFont typeface="Arial" panose="020B0604020202020204" pitchFamily="34" charset="0"/>
+              <a:buNone/>
+              <a:defRPr sz="1600" kern="1200">
+                <a:solidFill>
+                  <a:schemeClr val="tx1"/>
+                </a:solidFill>
+                <a:latin typeface="+mn-lt"/>
+                <a:ea typeface="+mn-ea"/>
+                <a:cs typeface="+mn-cs"/>
+              </a:defRPr>
+            </a:lvl5pPr>
+            <a:lvl6pPr marL="2286000" indent="0" algn="ctr" defTabSz="914400" rtl="0" eaLnBrk="1" latinLnBrk="0" hangingPunct="1">
+              <a:lnSpc>
+                <a:spcPct val="90000"/>
+              </a:lnSpc>
+              <a:spcBef>
+                <a:spcPts val="500"/>
+              </a:spcBef>
+              <a:buFont typeface="Arial" panose="020B0604020202020204" pitchFamily="34" charset="0"/>
+              <a:buNone/>
+              <a:defRPr sz="1600" kern="1200">
+                <a:solidFill>
+                  <a:schemeClr val="tx1"/>
+                </a:solidFill>
+                <a:latin typeface="+mn-lt"/>
+                <a:ea typeface="+mn-ea"/>
+                <a:cs typeface="+mn-cs"/>
+              </a:defRPr>
+            </a:lvl6pPr>
+            <a:lvl7pPr marL="2743200" indent="0" algn="ctr" defTabSz="914400" rtl="0" eaLnBrk="1" latinLnBrk="0" hangingPunct="1">
+              <a:lnSpc>
+                <a:spcPct val="90000"/>
+              </a:lnSpc>
+              <a:spcBef>
+                <a:spcPts val="500"/>
+              </a:spcBef>
+              <a:buFont typeface="Arial" panose="020B0604020202020204" pitchFamily="34" charset="0"/>
+              <a:buNone/>
+              <a:defRPr sz="1600" kern="1200">
+                <a:solidFill>
+                  <a:schemeClr val="tx1"/>
+                </a:solidFill>
+                <a:latin typeface="+mn-lt"/>
+                <a:ea typeface="+mn-ea"/>
+                <a:cs typeface="+mn-cs"/>
+              </a:defRPr>
+            </a:lvl7pPr>
+            <a:lvl8pPr marL="3200400" indent="0" algn="ctr" defTabSz="914400" rtl="0" eaLnBrk="1" latinLnBrk="0" hangingPunct="1">
+              <a:lnSpc>
+                <a:spcPct val="90000"/>
+              </a:lnSpc>
+              <a:spcBef>
+                <a:spcPts val="500"/>
+              </a:spcBef>
+              <a:buFont typeface="Arial" panose="020B0604020202020204" pitchFamily="34" charset="0"/>
+              <a:buNone/>
+              <a:defRPr sz="1600" kern="1200">
+                <a:solidFill>
+                  <a:schemeClr val="tx1"/>
+                </a:solidFill>
+                <a:latin typeface="+mn-lt"/>
+                <a:ea typeface="+mn-ea"/>
+                <a:cs typeface="+mn-cs"/>
+              </a:defRPr>
+            </a:lvl8pPr>
+            <a:lvl9pPr marL="3657600" indent="0" algn="ctr" defTabSz="914400" rtl="0" eaLnBrk="1" latinLnBrk="0" hangingPunct="1">
+              <a:lnSpc>
+                <a:spcPct val="90000"/>
+              </a:lnSpc>
+              <a:spcBef>
+                <a:spcPts val="500"/>
+              </a:spcBef>
+              <a:buFont typeface="Arial" panose="020B0604020202020204" pitchFamily="34" charset="0"/>
+              <a:buNone/>
+              <a:defRPr sz="1600" kern="1200">
+                <a:solidFill>
+                  <a:schemeClr val="tx1"/>
+                </a:solidFill>
+                <a:latin typeface="+mn-lt"/>
+                <a:ea typeface="+mn-ea"/>
+                <a:cs typeface="+mn-cs"/>
+              </a:defRPr>
+            </a:lvl9pPr>
+          </a:lstStyle>
+          <a:p>
+            <a:pPr algn="l">
+              <a:lnSpc>
+                <a:spcPct val="150000"/>
+              </a:lnSpc>
+            </a:pPr>
+            <a:r>
+              <a:rPr lang="en-US" sz="1600" dirty="0">
+                <a:latin typeface="Segoe UI Light" panose="020B0502040204020203" pitchFamily="34" charset="0"/>
+                <a:cs typeface="Segoe UI Light" panose="020B0502040204020203" pitchFamily="34" charset="0"/>
+              </a:rPr>
+              <a:t>Lorem ipsum dolor sit </a:t>
+            </a:r>
+            <a:r>
+              <a:rPr lang="en-US" sz="1600" dirty="0" err="1">
+                <a:latin typeface="Segoe UI Light" panose="020B0502040204020203" pitchFamily="34" charset="0"/>
+                <a:cs typeface="Segoe UI Light" panose="020B0502040204020203" pitchFamily="34" charset="0"/>
+              </a:rPr>
+              <a:t>amet</a:t>
+            </a:r>
+            <a:r>
+              <a:rPr lang="en-US" sz="1600" dirty="0">
+                <a:latin typeface="Segoe UI Light" panose="020B0502040204020203" pitchFamily="34" charset="0"/>
+                <a:cs typeface="Segoe UI Light" panose="020B0502040204020203" pitchFamily="34" charset="0"/>
+              </a:rPr>
+              <a:t>, </a:t>
+            </a:r>
+            <a:r>
+              <a:rPr lang="en-US" sz="1600" dirty="0" err="1">
+                <a:latin typeface="Segoe UI Light" panose="020B0502040204020203" pitchFamily="34" charset="0"/>
+                <a:cs typeface="Segoe UI Light" panose="020B0502040204020203" pitchFamily="34" charset="0"/>
+              </a:rPr>
+              <a:t>consectetur</a:t>
+            </a:r>
+            <a:r>
+              <a:rPr lang="en-US" sz="1600" dirty="0">
+                <a:latin typeface="Segoe UI Light" panose="020B0502040204020203" pitchFamily="34" charset="0"/>
+                <a:cs typeface="Segoe UI Light" panose="020B0502040204020203" pitchFamily="34" charset="0"/>
+              </a:rPr>
+              <a:t> </a:t>
+            </a:r>
+            <a:r>
+              <a:rPr lang="en-US" sz="1600" dirty="0" err="1">
+                <a:latin typeface="Segoe UI Light" panose="020B0502040204020203" pitchFamily="34" charset="0"/>
+                <a:cs typeface="Segoe UI Light" panose="020B0502040204020203" pitchFamily="34" charset="0"/>
+              </a:rPr>
+              <a:t>adipiscing</a:t>
+            </a:r>
+            <a:r>
+              <a:rPr lang="en-US" sz="1600" dirty="0">
+                <a:latin typeface="Segoe UI Light" panose="020B0502040204020203" pitchFamily="34" charset="0"/>
+                <a:cs typeface="Segoe UI Light" panose="020B0502040204020203" pitchFamily="34" charset="0"/>
+              </a:rPr>
+              <a:t> </a:t>
+            </a:r>
+            <a:r>
+              <a:rPr lang="en-US" sz="1600" dirty="0" err="1">
+                <a:latin typeface="Segoe UI Light" panose="020B0502040204020203" pitchFamily="34" charset="0"/>
+                <a:cs typeface="Segoe UI Light" panose="020B0502040204020203" pitchFamily="34" charset="0"/>
+              </a:rPr>
+              <a:t>elit</a:t>
+            </a:r>
+            <a:r>
+              <a:rPr lang="en-US" sz="1600" dirty="0">
+                <a:latin typeface="Segoe UI Light" panose="020B0502040204020203" pitchFamily="34" charset="0"/>
+                <a:cs typeface="Segoe UI Light" panose="020B0502040204020203" pitchFamily="34" charset="0"/>
+              </a:rPr>
+              <a:t>. </a:t>
+            </a:r>
+            <a:r>
+              <a:rPr lang="en-US" sz="1600" dirty="0" err="1">
+                <a:latin typeface="Segoe UI Light" panose="020B0502040204020203" pitchFamily="34" charset="0"/>
+                <a:cs typeface="Segoe UI Light" panose="020B0502040204020203" pitchFamily="34" charset="0"/>
+              </a:rPr>
+              <a:t>Aliquam</a:t>
+            </a:r>
+            <a:r>
+              <a:rPr lang="en-US" sz="1600" dirty="0">
+                <a:latin typeface="Segoe UI Light" panose="020B0502040204020203" pitchFamily="34" charset="0"/>
+                <a:cs typeface="Segoe UI Light" panose="020B0502040204020203" pitchFamily="34" charset="0"/>
+              </a:rPr>
+              <a:t> </a:t>
+            </a:r>
+            <a:r>
+              <a:rPr lang="en-US" sz="1600" dirty="0" err="1">
+                <a:latin typeface="Segoe UI Light" panose="020B0502040204020203" pitchFamily="34" charset="0"/>
+                <a:cs typeface="Segoe UI Light" panose="020B0502040204020203" pitchFamily="34" charset="0"/>
+              </a:rPr>
+              <a:t>eleifend</a:t>
+            </a:r>
+            <a:r>
+              <a:rPr lang="en-US" sz="1600" dirty="0">
+                <a:latin typeface="Segoe UI Light" panose="020B0502040204020203" pitchFamily="34" charset="0"/>
+                <a:cs typeface="Segoe UI Light" panose="020B0502040204020203" pitchFamily="34" charset="0"/>
+              </a:rPr>
+              <a:t> </a:t>
+            </a:r>
+            <a:r>
+              <a:rPr lang="en-US" sz="1600" dirty="0" err="1">
+                <a:latin typeface="Segoe UI Light" panose="020B0502040204020203" pitchFamily="34" charset="0"/>
+                <a:cs typeface="Segoe UI Light" panose="020B0502040204020203" pitchFamily="34" charset="0"/>
+              </a:rPr>
+              <a:t>eget</a:t>
+            </a:r>
+            <a:r>
+              <a:rPr lang="en-US" sz="1600" dirty="0">
+                <a:latin typeface="Segoe UI Light" panose="020B0502040204020203" pitchFamily="34" charset="0"/>
+                <a:cs typeface="Segoe UI Light" panose="020B0502040204020203" pitchFamily="34" charset="0"/>
+              </a:rPr>
+              <a:t> </a:t>
+            </a:r>
+            <a:r>
+              <a:rPr lang="en-US" sz="1600" dirty="0" err="1">
+                <a:latin typeface="Segoe UI Light" panose="020B0502040204020203" pitchFamily="34" charset="0"/>
+                <a:cs typeface="Segoe UI Light" panose="020B0502040204020203" pitchFamily="34" charset="0"/>
+              </a:rPr>
+              <a:t>tellus</a:t>
+            </a:r>
+            <a:r>
+              <a:rPr lang="en-US" sz="1600" dirty="0">
+                <a:latin typeface="Segoe UI Light" panose="020B0502040204020203" pitchFamily="34" charset="0"/>
+                <a:cs typeface="Segoe UI Light" panose="020B0502040204020203" pitchFamily="34" charset="0"/>
+              </a:rPr>
+              <a:t> </a:t>
+            </a:r>
+            <a:r>
+              <a:rPr lang="en-US" sz="1600" dirty="0" err="1">
+                <a:latin typeface="Segoe UI Light" panose="020B0502040204020203" pitchFamily="34" charset="0"/>
+                <a:cs typeface="Segoe UI Light" panose="020B0502040204020203" pitchFamily="34" charset="0"/>
+              </a:rPr>
+              <a:t>eget</a:t>
+            </a:r>
+            <a:r>
+              <a:rPr lang="en-US" sz="1600" dirty="0">
+                <a:latin typeface="Segoe UI Light" panose="020B0502040204020203" pitchFamily="34" charset="0"/>
+                <a:cs typeface="Segoe UI Light" panose="020B0502040204020203" pitchFamily="34" charset="0"/>
+              </a:rPr>
+              <a:t> </a:t>
+            </a:r>
+            <a:r>
+              <a:rPr lang="en-US" sz="1600" dirty="0" err="1">
+                <a:latin typeface="Segoe UI Light" panose="020B0502040204020203" pitchFamily="34" charset="0"/>
+                <a:cs typeface="Segoe UI Light" panose="020B0502040204020203" pitchFamily="34" charset="0"/>
+              </a:rPr>
+              <a:t>sodales</a:t>
+            </a:r>
+            <a:r>
+              <a:rPr lang="en-US" sz="1600" dirty="0">
+                <a:latin typeface="Segoe UI Light" panose="020B0502040204020203" pitchFamily="34" charset="0"/>
+                <a:cs typeface="Segoe UI Light" panose="020B0502040204020203" pitchFamily="34" charset="0"/>
+              </a:rPr>
+              <a:t>. </a:t>
+            </a:r>
+            <a:r>
+              <a:rPr lang="en-US" sz="1600" dirty="0" err="1">
+                <a:latin typeface="Segoe UI Light" panose="020B0502040204020203" pitchFamily="34" charset="0"/>
+                <a:cs typeface="Segoe UI Light" panose="020B0502040204020203" pitchFamily="34" charset="0"/>
+              </a:rPr>
+              <a:t>Donec</a:t>
+            </a:r>
+            <a:r>
+              <a:rPr lang="en-US" sz="1600" dirty="0">
+                <a:latin typeface="Segoe UI Light" panose="020B0502040204020203" pitchFamily="34" charset="0"/>
+                <a:cs typeface="Segoe UI Light" panose="020B0502040204020203" pitchFamily="34" charset="0"/>
+              </a:rPr>
+              <a:t> a </a:t>
+            </a:r>
+            <a:r>
+              <a:rPr lang="en-US" sz="1600" dirty="0" err="1">
+                <a:latin typeface="Segoe UI Light" panose="020B0502040204020203" pitchFamily="34" charset="0"/>
+                <a:cs typeface="Segoe UI Light" panose="020B0502040204020203" pitchFamily="34" charset="0"/>
+              </a:rPr>
+              <a:t>facilisis</a:t>
+            </a:r>
+            <a:r>
+              <a:rPr lang="en-US" sz="1600" dirty="0">
+                <a:latin typeface="Segoe UI Light" panose="020B0502040204020203" pitchFamily="34" charset="0"/>
+                <a:cs typeface="Segoe UI Light" panose="020B0502040204020203" pitchFamily="34" charset="0"/>
+              </a:rPr>
+              <a:t> ipsum, a </a:t>
+            </a:r>
+            <a:r>
+              <a:rPr lang="en-US" sz="1600" dirty="0" err="1">
+                <a:latin typeface="Segoe UI Light" panose="020B0502040204020203" pitchFamily="34" charset="0"/>
+                <a:cs typeface="Segoe UI Light" panose="020B0502040204020203" pitchFamily="34" charset="0"/>
+              </a:rPr>
+              <a:t>ultricies</a:t>
+            </a:r>
+            <a:r>
+              <a:rPr lang="en-US" sz="1600" dirty="0">
+                <a:latin typeface="Segoe UI Light" panose="020B0502040204020203" pitchFamily="34" charset="0"/>
+                <a:cs typeface="Segoe UI Light" panose="020B0502040204020203" pitchFamily="34" charset="0"/>
+              </a:rPr>
+              <a:t> </a:t>
+            </a:r>
+            <a:r>
+              <a:rPr lang="en-US" sz="1600" dirty="0" err="1">
+                <a:latin typeface="Segoe UI Light" panose="020B0502040204020203" pitchFamily="34" charset="0"/>
+                <a:cs typeface="Segoe UI Light" panose="020B0502040204020203" pitchFamily="34" charset="0"/>
+              </a:rPr>
+              <a:t>lacus</a:t>
+            </a:r>
+            <a:r>
+              <a:rPr lang="en-US" sz="1600" dirty="0">
+                <a:latin typeface="Segoe UI Light" panose="020B0502040204020203" pitchFamily="34" charset="0"/>
+                <a:cs typeface="Segoe UI Light" panose="020B0502040204020203" pitchFamily="34" charset="0"/>
+              </a:rPr>
+              <a:t>. </a:t>
+            </a:r>
+            <a:r>
+              <a:rPr lang="en-US" sz="1600" dirty="0" err="1">
+                <a:latin typeface="Segoe UI Light" panose="020B0502040204020203" pitchFamily="34" charset="0"/>
+                <a:cs typeface="Segoe UI Light" panose="020B0502040204020203" pitchFamily="34" charset="0"/>
+              </a:rPr>
+              <a:t>Phasellus</a:t>
+            </a:r>
+            <a:r>
+              <a:rPr lang="en-US" sz="1600" dirty="0">
+                <a:latin typeface="Segoe UI Light" panose="020B0502040204020203" pitchFamily="34" charset="0"/>
+                <a:cs typeface="Segoe UI Light" panose="020B0502040204020203" pitchFamily="34" charset="0"/>
+              </a:rPr>
+              <a:t> in </a:t>
+            </a:r>
+            <a:r>
+              <a:rPr lang="en-US" sz="1600" dirty="0" err="1">
+                <a:latin typeface="Segoe UI Light" panose="020B0502040204020203" pitchFamily="34" charset="0"/>
+                <a:cs typeface="Segoe UI Light" panose="020B0502040204020203" pitchFamily="34" charset="0"/>
+              </a:rPr>
+              <a:t>erat</a:t>
+            </a:r>
+            <a:r>
+              <a:rPr lang="en-US" sz="1600" dirty="0">
+                <a:latin typeface="Segoe UI Light" panose="020B0502040204020203" pitchFamily="34" charset="0"/>
+                <a:cs typeface="Segoe UI Light" panose="020B0502040204020203" pitchFamily="34" charset="0"/>
+              </a:rPr>
+              <a:t> ac </a:t>
+            </a:r>
+            <a:r>
+              <a:rPr lang="en-US" sz="1600" dirty="0" err="1">
+                <a:latin typeface="Segoe UI Light" panose="020B0502040204020203" pitchFamily="34" charset="0"/>
+                <a:cs typeface="Segoe UI Light" panose="020B0502040204020203" pitchFamily="34" charset="0"/>
+              </a:rPr>
+              <a:t>augue</a:t>
+            </a:r>
+            <a:r>
+              <a:rPr lang="en-US" sz="1600" dirty="0">
+                <a:latin typeface="Segoe UI Light" panose="020B0502040204020203" pitchFamily="34" charset="0"/>
+                <a:cs typeface="Segoe UI Light" panose="020B0502040204020203" pitchFamily="34" charset="0"/>
+              </a:rPr>
+              <a:t> </a:t>
+            </a:r>
+            <a:r>
+              <a:rPr lang="en-US" sz="1600" dirty="0" err="1">
+                <a:latin typeface="Segoe UI Light" panose="020B0502040204020203" pitchFamily="34" charset="0"/>
+                <a:cs typeface="Segoe UI Light" panose="020B0502040204020203" pitchFamily="34" charset="0"/>
+              </a:rPr>
+              <a:t>commodo</a:t>
+            </a:r>
+            <a:r>
+              <a:rPr lang="en-US" sz="1600" dirty="0">
+                <a:latin typeface="Segoe UI Light" panose="020B0502040204020203" pitchFamily="34" charset="0"/>
+                <a:cs typeface="Segoe UI Light" panose="020B0502040204020203" pitchFamily="34" charset="0"/>
+              </a:rPr>
+              <a:t> </a:t>
+            </a:r>
+            <a:r>
+              <a:rPr lang="en-US" sz="1600" dirty="0" err="1">
+                <a:latin typeface="Segoe UI Light" panose="020B0502040204020203" pitchFamily="34" charset="0"/>
+                <a:cs typeface="Segoe UI Light" panose="020B0502040204020203" pitchFamily="34" charset="0"/>
+              </a:rPr>
+              <a:t>pellentesque</a:t>
+            </a:r>
+            <a:r>
+              <a:rPr lang="en-US" sz="1600" dirty="0">
+                <a:latin typeface="Segoe UI Light" panose="020B0502040204020203" pitchFamily="34" charset="0"/>
+                <a:cs typeface="Segoe UI Light" panose="020B0502040204020203" pitchFamily="34" charset="0"/>
+              </a:rPr>
+              <a:t> id et </a:t>
+            </a:r>
+            <a:r>
+              <a:rPr lang="en-US" sz="1600" dirty="0" err="1">
+                <a:latin typeface="Segoe UI Light" panose="020B0502040204020203" pitchFamily="34" charset="0"/>
+                <a:cs typeface="Segoe UI Light" panose="020B0502040204020203" pitchFamily="34" charset="0"/>
+              </a:rPr>
+              <a:t>velit</a:t>
+            </a:r>
+            <a:r>
+              <a:rPr lang="en-US" sz="1600" dirty="0">
+                <a:latin typeface="Segoe UI Light" panose="020B0502040204020203" pitchFamily="34" charset="0"/>
+                <a:cs typeface="Segoe UI Light" panose="020B0502040204020203" pitchFamily="34" charset="0"/>
+              </a:rPr>
+              <a:t>.</a:t>
+            </a:r>
+          </a:p>
+        </p:txBody>
+      </p:sp>
+      <p:pic>
+        <p:nvPicPr>
+          <p:cNvPr id="17" name="Picture 16">
+            <a:extLst>
+              <a:ext uri="{FF2B5EF4-FFF2-40B4-BE49-F238E27FC236}">
+                <a16:creationId xmlns:a16="http://schemas.microsoft.com/office/drawing/2014/main" id="{CE85FDCD-746F-4F0E-8A2D-C82A599F7C35}"/>
+              </a:ext>
+            </a:extLst>
+          </p:cNvPr>
+          <p:cNvPicPr>
+            <a:picLocks noChangeAspect="1"/>
+          </p:cNvPicPr>
+          <p:nvPr/>
+        </p:nvPicPr>
+        <p:blipFill>
+          <a:blip r:embed="rId3">
+            <a:extLst>
+              <a:ext uri="{28A0092B-C50C-407E-A947-70E740481C1C}">
+                <a14:useLocalDpi xmlns:a14="http://schemas.microsoft.com/office/drawing/2010/main" val="0"/>
+              </a:ext>
+            </a:extLst>
+          </a:blip>
+          <a:stretch>
+            <a:fillRect/>
+          </a:stretch>
+        </p:blipFill>
+        <p:spPr>
+          <a:xfrm>
+            <a:off x="5534507" y="1179079"/>
+            <a:ext cx="5999788" cy="4499841"/>
+          </a:xfrm>
+          <a:prstGeom prst="rect">
+            <a:avLst/>
+          </a:prstGeom>
+        </p:spPr>
+      </p:pic>
+    </p:spTree>
+    <p:extLst>
+      <p:ext uri="{BB962C8B-B14F-4D97-AF65-F5344CB8AC3E}">
+        <p14:creationId xmlns:p14="http://schemas.microsoft.com/office/powerpoint/2010/main" val="867767921"/>
+      </p:ext>
+    </p:extLst>
+  </p:cSld>
+  <p:clrMapOvr>
+    <a:masterClrMapping/>
+  </p:clrMapOvr>
+  <mc:AlternateContent xmlns:mc="http://schemas.openxmlformats.org/markup-compatibility/2006" xmlns:p14="http://schemas.microsoft.com/office/powerpoint/2010/main">
+    <mc:Choice Requires="p14">
+      <p:transition p14:dur="100">
+        <p:cut/>
+      </p:transition>
+    </mc:Choice>
+    <mc:Fallback xmlns="">
+      <p:transition>
+        <p:cut/>
+      </p:transition>
+    </mc:Fallback>
+  </mc:AlternateContent>
+</p:sld>
+</file>
+
+<file path=ppt/slides/slide42.xml><?xml version="1.0" encoding="utf-8"?>
+<p:sld xmlns:a="http://schemas.openxmlformats.org/drawingml/2006/main" xmlns:r="http://schemas.openxmlformats.org/officeDocument/2006/relationships" xmlns:p="http://schemas.openxmlformats.org/presentationml/2006/main">
+  <p:cSld>
+    <p:spTree>
+      <p:nvGrpSpPr>
+        <p:cNvPr id="1" name=""/>
+        <p:cNvGrpSpPr/>
+        <p:nvPr/>
+      </p:nvGrpSpPr>
+      <p:grpSpPr>
+        <a:xfrm>
+          <a:off x="0" y="0"/>
+          <a:ext cx="0" cy="0"/>
+          <a:chOff x="0" y="0"/>
+          <a:chExt cx="0" cy="0"/>
+        </a:xfrm>
+      </p:grpSpPr>
+      <p:pic>
+        <p:nvPicPr>
+          <p:cNvPr id="4" name="Picture 3">
+            <a:extLst>
+              <a:ext uri="{FF2B5EF4-FFF2-40B4-BE49-F238E27FC236}">
+                <a16:creationId xmlns:a16="http://schemas.microsoft.com/office/drawing/2014/main" id="{E6371034-1339-4B43-AE7D-A149B9EFD45C}"/>
+              </a:ext>
+            </a:extLst>
+          </p:cNvPr>
+          <p:cNvPicPr>
+            <a:picLocks noChangeAspect="1"/>
+          </p:cNvPicPr>
+          <p:nvPr/>
+        </p:nvPicPr>
+        <p:blipFill>
+          <a:blip r:embed="rId2">
+            <a:extLst>
+              <a:ext uri="{28A0092B-C50C-407E-A947-70E740481C1C}">
+                <a14:useLocalDpi xmlns:a14="http://schemas.microsoft.com/office/drawing/2010/main" val="0"/>
+              </a:ext>
+            </a:extLst>
+          </a:blip>
+          <a:stretch>
+            <a:fillRect/>
+          </a:stretch>
+        </p:blipFill>
+        <p:spPr>
+          <a:xfrm>
+            <a:off x="0" y="0"/>
+            <a:ext cx="12192000" cy="6858000"/>
+          </a:xfrm>
+          <a:prstGeom prst="rect">
+            <a:avLst/>
+          </a:prstGeom>
+        </p:spPr>
+      </p:pic>
+      <p:sp>
+        <p:nvSpPr>
+          <p:cNvPr id="2" name="Title 1">
+            <a:extLst>
+              <a:ext uri="{FF2B5EF4-FFF2-40B4-BE49-F238E27FC236}">
+                <a16:creationId xmlns:a16="http://schemas.microsoft.com/office/drawing/2014/main" id="{0DE26BD9-3178-4532-BF33-58FE331BE190}"/>
+              </a:ext>
+            </a:extLst>
+          </p:cNvPr>
+          <p:cNvSpPr>
+            <a:spLocks noGrp="1"/>
+          </p:cNvSpPr>
+          <p:nvPr>
+            <p:ph type="ctrTitle"/>
+          </p:nvPr>
+        </p:nvSpPr>
+        <p:spPr>
+          <a:xfrm>
+            <a:off x="762000" y="1754909"/>
+            <a:ext cx="4017819" cy="3408217"/>
+          </a:xfrm>
+        </p:spPr>
+        <p:txBody>
+          <a:bodyPr anchor="t">
+            <a:normAutofit/>
+          </a:bodyPr>
+          <a:lstStyle/>
+          <a:p>
+            <a:pPr algn="r">
+              <a:lnSpc>
+                <a:spcPct val="150000"/>
+              </a:lnSpc>
+            </a:pPr>
+            <a:r>
+              <a:rPr lang="en-US" sz="4000" b="1" dirty="0">
+                <a:latin typeface="Segoe UI Light" panose="020B0502040204020203" pitchFamily="34" charset="0"/>
+                <a:cs typeface="Segoe UI Light" panose="020B0502040204020203" pitchFamily="34" charset="0"/>
+              </a:rPr>
+              <a:t>Lorem Ipsum Mia</a:t>
+            </a:r>
+            <a:br>
+              <a:rPr lang="en-US" sz="4000" b="1" dirty="0">
+                <a:latin typeface="Segoe UI Semibold" panose="020B0702040204020203" pitchFamily="34" charset="0"/>
+                <a:cs typeface="Segoe UI Semibold" panose="020B0702040204020203" pitchFamily="34" charset="0"/>
+              </a:rPr>
+            </a:br>
+            <a:r>
+              <a:rPr lang="en-US" sz="4000" b="1" dirty="0">
+                <a:solidFill>
+                  <a:srgbClr val="0041C6"/>
+                </a:solidFill>
+                <a:latin typeface="Segoe UI Semibold" panose="020B0702040204020203" pitchFamily="34" charset="0"/>
+                <a:cs typeface="Segoe UI Semibold" panose="020B0702040204020203" pitchFamily="34" charset="0"/>
+              </a:rPr>
+              <a:t>Dolor Sit </a:t>
+            </a:r>
+            <a:r>
+              <a:rPr lang="en-US" sz="4000" b="1" dirty="0" err="1">
+                <a:solidFill>
+                  <a:srgbClr val="0041C6"/>
+                </a:solidFill>
+                <a:latin typeface="Segoe UI Semibold" panose="020B0702040204020203" pitchFamily="34" charset="0"/>
+                <a:cs typeface="Segoe UI Semibold" panose="020B0702040204020203" pitchFamily="34" charset="0"/>
+              </a:rPr>
+              <a:t>Amet</a:t>
+            </a:r>
+            <a:endParaRPr lang="en-US" sz="4000" b="1" dirty="0">
+              <a:solidFill>
+                <a:srgbClr val="0041C6"/>
+              </a:solidFill>
+              <a:latin typeface="Segoe UI Semibold" panose="020B0702040204020203" pitchFamily="34" charset="0"/>
+              <a:cs typeface="Segoe UI Semibold" panose="020B0702040204020203" pitchFamily="34" charset="0"/>
+            </a:endParaRPr>
+          </a:p>
+        </p:txBody>
+      </p:sp>
+      <p:sp>
+        <p:nvSpPr>
+          <p:cNvPr id="5" name="Footer Placeholder 4">
+            <a:extLst>
+              <a:ext uri="{FF2B5EF4-FFF2-40B4-BE49-F238E27FC236}">
+                <a16:creationId xmlns:a16="http://schemas.microsoft.com/office/drawing/2014/main" id="{A3553ADE-3838-4EDB-9F14-97C75DE2198D}"/>
+              </a:ext>
+            </a:extLst>
+          </p:cNvPr>
+          <p:cNvSpPr>
+            <a:spLocks noGrp="1"/>
+          </p:cNvSpPr>
+          <p:nvPr>
+            <p:ph type="ftr" sz="quarter" idx="11"/>
+          </p:nvPr>
+        </p:nvSpPr>
+        <p:spPr>
+          <a:xfrm>
+            <a:off x="0" y="6483927"/>
+            <a:ext cx="4190999" cy="374073"/>
+          </a:xfrm>
+        </p:spPr>
+        <p:txBody>
+          <a:bodyPr/>
+          <a:lstStyle/>
+          <a:p>
+            <a:pPr algn="l"/>
+            <a:r>
+              <a:rPr lang="en-US" dirty="0" err="1">
+                <a:solidFill>
+                  <a:schemeClr val="tx1"/>
+                </a:solidFill>
+                <a:latin typeface="Segoe UI" panose="020B0502040204020203" pitchFamily="34" charset="0"/>
+                <a:cs typeface="Segoe UI" panose="020B0502040204020203" pitchFamily="34" charset="0"/>
+              </a:rPr>
+              <a:t>Halil</a:t>
+            </a:r>
+            <a:r>
+              <a:rPr lang="en-US" dirty="0">
+                <a:solidFill>
+                  <a:schemeClr val="tx1"/>
+                </a:solidFill>
+                <a:latin typeface="Segoe UI" panose="020B0502040204020203" pitchFamily="34" charset="0"/>
+                <a:cs typeface="Segoe UI" panose="020B0502040204020203" pitchFamily="34" charset="0"/>
+              </a:rPr>
+              <a:t> İbrahim KALKAN | @</a:t>
+            </a:r>
+            <a:r>
+              <a:rPr lang="en-US" dirty="0" err="1">
+                <a:solidFill>
+                  <a:schemeClr val="tx1"/>
+                </a:solidFill>
+                <a:latin typeface="Segoe UI" panose="020B0502040204020203" pitchFamily="34" charset="0"/>
+                <a:cs typeface="Segoe UI" panose="020B0502040204020203" pitchFamily="34" charset="0"/>
+              </a:rPr>
+              <a:t>hikalkan</a:t>
+            </a:r>
+            <a:r>
+              <a:rPr lang="en-US" dirty="0">
+                <a:solidFill>
+                  <a:schemeClr val="tx1"/>
+                </a:solidFill>
+                <a:latin typeface="Segoe UI" panose="020B0502040204020203" pitchFamily="34" charset="0"/>
+                <a:cs typeface="Segoe UI" panose="020B0502040204020203" pitchFamily="34" charset="0"/>
+              </a:rPr>
+              <a:t> | </a:t>
+            </a:r>
+            <a:r>
+              <a:rPr lang="en-US" dirty="0" err="1">
+                <a:solidFill>
+                  <a:schemeClr val="tx1"/>
+                </a:solidFill>
+                <a:latin typeface="Segoe UI" panose="020B0502040204020203" pitchFamily="34" charset="0"/>
+                <a:cs typeface="Segoe UI" panose="020B0502040204020203" pitchFamily="34" charset="0"/>
+              </a:rPr>
+              <a:t>Volosoft</a:t>
+            </a:r>
+            <a:r>
+              <a:rPr lang="en-US" dirty="0">
+                <a:solidFill>
+                  <a:schemeClr val="tx1"/>
+                </a:solidFill>
+                <a:latin typeface="Segoe UI" panose="020B0502040204020203" pitchFamily="34" charset="0"/>
+                <a:cs typeface="Segoe UI" panose="020B0502040204020203" pitchFamily="34" charset="0"/>
+              </a:rPr>
+              <a:t> TM</a:t>
+            </a:r>
+          </a:p>
+        </p:txBody>
+      </p:sp>
+      <p:sp>
+        <p:nvSpPr>
+          <p:cNvPr id="15" name="Subtitle 2">
+            <a:extLst>
+              <a:ext uri="{FF2B5EF4-FFF2-40B4-BE49-F238E27FC236}">
+                <a16:creationId xmlns:a16="http://schemas.microsoft.com/office/drawing/2014/main" id="{20939731-D3B7-4A28-B941-216A5F2FD525}"/>
+              </a:ext>
+            </a:extLst>
+          </p:cNvPr>
+          <p:cNvSpPr txBox="1">
+            <a:spLocks/>
+          </p:cNvSpPr>
+          <p:nvPr/>
+        </p:nvSpPr>
+        <p:spPr>
+          <a:xfrm>
+            <a:off x="5204688" y="1948872"/>
+            <a:ext cx="6022111" cy="4110181"/>
+          </a:xfrm>
+          <a:prstGeom prst="rect">
+            <a:avLst/>
+          </a:prstGeom>
+        </p:spPr>
+        <p:txBody>
+          <a:bodyPr vert="horz" lIns="91440" tIns="45720" rIns="91440" bIns="45720" rtlCol="0" anchor="t">
+            <a:noAutofit/>
+          </a:bodyPr>
+          <a:lstStyle>
+            <a:lvl1pPr marL="0" indent="0" algn="ctr" defTabSz="914400" rtl="0" eaLnBrk="1" latinLnBrk="0" hangingPunct="1">
+              <a:lnSpc>
+                <a:spcPct val="90000"/>
+              </a:lnSpc>
+              <a:spcBef>
+                <a:spcPts val="1000"/>
+              </a:spcBef>
+              <a:buFont typeface="Arial" panose="020B0604020202020204" pitchFamily="34" charset="0"/>
+              <a:buNone/>
+              <a:defRPr sz="2400" kern="1200">
+                <a:solidFill>
+                  <a:schemeClr val="tx1"/>
+                </a:solidFill>
+                <a:latin typeface="+mn-lt"/>
+                <a:ea typeface="+mn-ea"/>
+                <a:cs typeface="+mn-cs"/>
+              </a:defRPr>
+            </a:lvl1pPr>
+            <a:lvl2pPr marL="457200" indent="0" algn="ctr" defTabSz="914400" rtl="0" eaLnBrk="1" latinLnBrk="0" hangingPunct="1">
+              <a:lnSpc>
+                <a:spcPct val="90000"/>
+              </a:lnSpc>
+              <a:spcBef>
+                <a:spcPts val="500"/>
+              </a:spcBef>
+              <a:buFont typeface="Arial" panose="020B0604020202020204" pitchFamily="34" charset="0"/>
+              <a:buNone/>
+              <a:defRPr sz="2000" kern="1200">
+                <a:solidFill>
+                  <a:schemeClr val="tx1"/>
+                </a:solidFill>
+                <a:latin typeface="+mn-lt"/>
+                <a:ea typeface="+mn-ea"/>
+                <a:cs typeface="+mn-cs"/>
+              </a:defRPr>
+            </a:lvl2pPr>
+            <a:lvl3pPr marL="914400" indent="0" algn="ctr" defTabSz="914400" rtl="0" eaLnBrk="1" latinLnBrk="0" hangingPunct="1">
+              <a:lnSpc>
+                <a:spcPct val="90000"/>
+              </a:lnSpc>
+              <a:spcBef>
+                <a:spcPts val="500"/>
+              </a:spcBef>
+              <a:buFont typeface="Arial" panose="020B0604020202020204" pitchFamily="34" charset="0"/>
+              <a:buNone/>
+              <a:defRPr sz="1800" kern="1200">
+                <a:solidFill>
+                  <a:schemeClr val="tx1"/>
+                </a:solidFill>
+                <a:latin typeface="+mn-lt"/>
+                <a:ea typeface="+mn-ea"/>
+                <a:cs typeface="+mn-cs"/>
+              </a:defRPr>
+            </a:lvl3pPr>
+            <a:lvl4pPr marL="1371600" indent="0" algn="ctr" defTabSz="914400" rtl="0" eaLnBrk="1" latinLnBrk="0" hangingPunct="1">
+              <a:lnSpc>
+                <a:spcPct val="90000"/>
+              </a:lnSpc>
+              <a:spcBef>
+                <a:spcPts val="500"/>
+              </a:spcBef>
+              <a:buFont typeface="Arial" panose="020B0604020202020204" pitchFamily="34" charset="0"/>
+              <a:buNone/>
+              <a:defRPr sz="1600" kern="1200">
+                <a:solidFill>
+                  <a:schemeClr val="tx1"/>
+                </a:solidFill>
+                <a:latin typeface="+mn-lt"/>
+                <a:ea typeface="+mn-ea"/>
+                <a:cs typeface="+mn-cs"/>
+              </a:defRPr>
+            </a:lvl4pPr>
+            <a:lvl5pPr marL="1828800" indent="0" algn="ctr" defTabSz="914400" rtl="0" eaLnBrk="1" latinLnBrk="0" hangingPunct="1">
+              <a:lnSpc>
+                <a:spcPct val="90000"/>
+              </a:lnSpc>
+              <a:spcBef>
+                <a:spcPts val="500"/>
+              </a:spcBef>
+              <a:buFont typeface="Arial" panose="020B0604020202020204" pitchFamily="34" charset="0"/>
+              <a:buNone/>
+              <a:defRPr sz="1600" kern="1200">
+                <a:solidFill>
+                  <a:schemeClr val="tx1"/>
+                </a:solidFill>
+                <a:latin typeface="+mn-lt"/>
+                <a:ea typeface="+mn-ea"/>
+                <a:cs typeface="+mn-cs"/>
+              </a:defRPr>
+            </a:lvl5pPr>
+            <a:lvl6pPr marL="2286000" indent="0" algn="ctr" defTabSz="914400" rtl="0" eaLnBrk="1" latinLnBrk="0" hangingPunct="1">
+              <a:lnSpc>
+                <a:spcPct val="90000"/>
+              </a:lnSpc>
+              <a:spcBef>
+                <a:spcPts val="500"/>
+              </a:spcBef>
+              <a:buFont typeface="Arial" panose="020B0604020202020204" pitchFamily="34" charset="0"/>
+              <a:buNone/>
+              <a:defRPr sz="1600" kern="1200">
+                <a:solidFill>
+                  <a:schemeClr val="tx1"/>
+                </a:solidFill>
+                <a:latin typeface="+mn-lt"/>
+                <a:ea typeface="+mn-ea"/>
+                <a:cs typeface="+mn-cs"/>
+              </a:defRPr>
+            </a:lvl6pPr>
+            <a:lvl7pPr marL="2743200" indent="0" algn="ctr" defTabSz="914400" rtl="0" eaLnBrk="1" latinLnBrk="0" hangingPunct="1">
+              <a:lnSpc>
+                <a:spcPct val="90000"/>
+              </a:lnSpc>
+              <a:spcBef>
+                <a:spcPts val="500"/>
+              </a:spcBef>
+              <a:buFont typeface="Arial" panose="020B0604020202020204" pitchFamily="34" charset="0"/>
+              <a:buNone/>
+              <a:defRPr sz="1600" kern="1200">
+                <a:solidFill>
+                  <a:schemeClr val="tx1"/>
+                </a:solidFill>
+                <a:latin typeface="+mn-lt"/>
+                <a:ea typeface="+mn-ea"/>
+                <a:cs typeface="+mn-cs"/>
+              </a:defRPr>
+            </a:lvl7pPr>
+            <a:lvl8pPr marL="3200400" indent="0" algn="ctr" defTabSz="914400" rtl="0" eaLnBrk="1" latinLnBrk="0" hangingPunct="1">
+              <a:lnSpc>
+                <a:spcPct val="90000"/>
+              </a:lnSpc>
+              <a:spcBef>
+                <a:spcPts val="500"/>
+              </a:spcBef>
+              <a:buFont typeface="Arial" panose="020B0604020202020204" pitchFamily="34" charset="0"/>
+              <a:buNone/>
+              <a:defRPr sz="1600" kern="1200">
+                <a:solidFill>
+                  <a:schemeClr val="tx1"/>
+                </a:solidFill>
+                <a:latin typeface="+mn-lt"/>
+                <a:ea typeface="+mn-ea"/>
+                <a:cs typeface="+mn-cs"/>
+              </a:defRPr>
+            </a:lvl8pPr>
+            <a:lvl9pPr marL="3657600" indent="0" algn="ctr" defTabSz="914400" rtl="0" eaLnBrk="1" latinLnBrk="0" hangingPunct="1">
+              <a:lnSpc>
+                <a:spcPct val="90000"/>
+              </a:lnSpc>
+              <a:spcBef>
+                <a:spcPts val="500"/>
+              </a:spcBef>
+              <a:buFont typeface="Arial" panose="020B0604020202020204" pitchFamily="34" charset="0"/>
+              <a:buNone/>
+              <a:defRPr sz="1600" kern="1200">
+                <a:solidFill>
+                  <a:schemeClr val="tx1"/>
+                </a:solidFill>
+                <a:latin typeface="+mn-lt"/>
+                <a:ea typeface="+mn-ea"/>
+                <a:cs typeface="+mn-cs"/>
+              </a:defRPr>
+            </a:lvl9pPr>
+          </a:lstStyle>
+          <a:p>
+            <a:pPr algn="l">
+              <a:lnSpc>
+                <a:spcPct val="150000"/>
+              </a:lnSpc>
+            </a:pPr>
+            <a:r>
+              <a:rPr lang="en-US" sz="1600" dirty="0">
+                <a:latin typeface="Segoe UI Light" panose="020B0502040204020203" pitchFamily="34" charset="0"/>
+                <a:cs typeface="Segoe UI Light" panose="020B0502040204020203" pitchFamily="34" charset="0"/>
+              </a:rPr>
+              <a:t>Lorem ipsum dolor sit </a:t>
+            </a:r>
+            <a:r>
+              <a:rPr lang="en-US" sz="1600" dirty="0" err="1">
+                <a:latin typeface="Segoe UI Light" panose="020B0502040204020203" pitchFamily="34" charset="0"/>
+                <a:cs typeface="Segoe UI Light" panose="020B0502040204020203" pitchFamily="34" charset="0"/>
+              </a:rPr>
+              <a:t>amet</a:t>
+            </a:r>
+            <a:r>
+              <a:rPr lang="en-US" sz="1600" dirty="0">
+                <a:latin typeface="Segoe UI Light" panose="020B0502040204020203" pitchFamily="34" charset="0"/>
+                <a:cs typeface="Segoe UI Light" panose="020B0502040204020203" pitchFamily="34" charset="0"/>
+              </a:rPr>
+              <a:t>, </a:t>
+            </a:r>
+            <a:r>
+              <a:rPr lang="en-US" sz="1600" dirty="0" err="1">
+                <a:latin typeface="Segoe UI Light" panose="020B0502040204020203" pitchFamily="34" charset="0"/>
+                <a:cs typeface="Segoe UI Light" panose="020B0502040204020203" pitchFamily="34" charset="0"/>
+              </a:rPr>
+              <a:t>consectetur</a:t>
+            </a:r>
+            <a:r>
+              <a:rPr lang="en-US" sz="1600" dirty="0">
+                <a:latin typeface="Segoe UI Light" panose="020B0502040204020203" pitchFamily="34" charset="0"/>
+                <a:cs typeface="Segoe UI Light" panose="020B0502040204020203" pitchFamily="34" charset="0"/>
+              </a:rPr>
+              <a:t> </a:t>
+            </a:r>
+            <a:r>
+              <a:rPr lang="en-US" sz="1600" dirty="0" err="1">
+                <a:latin typeface="Segoe UI Light" panose="020B0502040204020203" pitchFamily="34" charset="0"/>
+                <a:cs typeface="Segoe UI Light" panose="020B0502040204020203" pitchFamily="34" charset="0"/>
+              </a:rPr>
+              <a:t>adipiscing</a:t>
+            </a:r>
+            <a:r>
+              <a:rPr lang="en-US" sz="1600" dirty="0">
+                <a:latin typeface="Segoe UI Light" panose="020B0502040204020203" pitchFamily="34" charset="0"/>
+                <a:cs typeface="Segoe UI Light" panose="020B0502040204020203" pitchFamily="34" charset="0"/>
+              </a:rPr>
+              <a:t> </a:t>
+            </a:r>
+            <a:r>
+              <a:rPr lang="en-US" sz="1600" dirty="0" err="1">
+                <a:latin typeface="Segoe UI Light" panose="020B0502040204020203" pitchFamily="34" charset="0"/>
+                <a:cs typeface="Segoe UI Light" panose="020B0502040204020203" pitchFamily="34" charset="0"/>
+              </a:rPr>
+              <a:t>elit</a:t>
+            </a:r>
+            <a:r>
+              <a:rPr lang="en-US" sz="1600" dirty="0">
+                <a:latin typeface="Segoe UI Light" panose="020B0502040204020203" pitchFamily="34" charset="0"/>
+                <a:cs typeface="Segoe UI Light" panose="020B0502040204020203" pitchFamily="34" charset="0"/>
+              </a:rPr>
+              <a:t>. </a:t>
+            </a:r>
+            <a:r>
+              <a:rPr lang="en-US" sz="1600" dirty="0" err="1">
+                <a:latin typeface="Segoe UI Light" panose="020B0502040204020203" pitchFamily="34" charset="0"/>
+                <a:cs typeface="Segoe UI Light" panose="020B0502040204020203" pitchFamily="34" charset="0"/>
+              </a:rPr>
+              <a:t>Aliquam</a:t>
+            </a:r>
+            <a:r>
+              <a:rPr lang="en-US" sz="1600" dirty="0">
+                <a:latin typeface="Segoe UI Light" panose="020B0502040204020203" pitchFamily="34" charset="0"/>
+                <a:cs typeface="Segoe UI Light" panose="020B0502040204020203" pitchFamily="34" charset="0"/>
+              </a:rPr>
+              <a:t> </a:t>
+            </a:r>
+            <a:r>
+              <a:rPr lang="en-US" sz="1600" dirty="0" err="1">
+                <a:latin typeface="Segoe UI Light" panose="020B0502040204020203" pitchFamily="34" charset="0"/>
+                <a:cs typeface="Segoe UI Light" panose="020B0502040204020203" pitchFamily="34" charset="0"/>
+              </a:rPr>
+              <a:t>eleifend</a:t>
+            </a:r>
+            <a:r>
+              <a:rPr lang="en-US" sz="1600" dirty="0">
+                <a:latin typeface="Segoe UI Light" panose="020B0502040204020203" pitchFamily="34" charset="0"/>
+                <a:cs typeface="Segoe UI Light" panose="020B0502040204020203" pitchFamily="34" charset="0"/>
+              </a:rPr>
+              <a:t> </a:t>
+            </a:r>
+            <a:r>
+              <a:rPr lang="en-US" sz="1600" dirty="0" err="1">
+                <a:latin typeface="Segoe UI Light" panose="020B0502040204020203" pitchFamily="34" charset="0"/>
+                <a:cs typeface="Segoe UI Light" panose="020B0502040204020203" pitchFamily="34" charset="0"/>
+              </a:rPr>
+              <a:t>eget</a:t>
+            </a:r>
+            <a:r>
+              <a:rPr lang="en-US" sz="1600" dirty="0">
+                <a:latin typeface="Segoe UI Light" panose="020B0502040204020203" pitchFamily="34" charset="0"/>
+                <a:cs typeface="Segoe UI Light" panose="020B0502040204020203" pitchFamily="34" charset="0"/>
+              </a:rPr>
+              <a:t> </a:t>
+            </a:r>
+            <a:r>
+              <a:rPr lang="en-US" sz="1600" dirty="0" err="1">
+                <a:latin typeface="Segoe UI Light" panose="020B0502040204020203" pitchFamily="34" charset="0"/>
+                <a:cs typeface="Segoe UI Light" panose="020B0502040204020203" pitchFamily="34" charset="0"/>
+              </a:rPr>
+              <a:t>tellus</a:t>
+            </a:r>
+            <a:r>
+              <a:rPr lang="en-US" sz="1600" dirty="0">
+                <a:latin typeface="Segoe UI Light" panose="020B0502040204020203" pitchFamily="34" charset="0"/>
+                <a:cs typeface="Segoe UI Light" panose="020B0502040204020203" pitchFamily="34" charset="0"/>
+              </a:rPr>
+              <a:t> </a:t>
+            </a:r>
+            <a:r>
+              <a:rPr lang="en-US" sz="1600" dirty="0" err="1">
+                <a:latin typeface="Segoe UI Light" panose="020B0502040204020203" pitchFamily="34" charset="0"/>
+                <a:cs typeface="Segoe UI Light" panose="020B0502040204020203" pitchFamily="34" charset="0"/>
+              </a:rPr>
+              <a:t>eget</a:t>
+            </a:r>
+            <a:r>
+              <a:rPr lang="en-US" sz="1600" dirty="0">
+                <a:latin typeface="Segoe UI Light" panose="020B0502040204020203" pitchFamily="34" charset="0"/>
+                <a:cs typeface="Segoe UI Light" panose="020B0502040204020203" pitchFamily="34" charset="0"/>
+              </a:rPr>
+              <a:t> </a:t>
+            </a:r>
+            <a:r>
+              <a:rPr lang="en-US" sz="1600" dirty="0" err="1">
+                <a:latin typeface="Segoe UI Light" panose="020B0502040204020203" pitchFamily="34" charset="0"/>
+                <a:cs typeface="Segoe UI Light" panose="020B0502040204020203" pitchFamily="34" charset="0"/>
+              </a:rPr>
+              <a:t>sodales</a:t>
+            </a:r>
+            <a:r>
+              <a:rPr lang="en-US" sz="1600" dirty="0">
+                <a:latin typeface="Segoe UI Light" panose="020B0502040204020203" pitchFamily="34" charset="0"/>
+                <a:cs typeface="Segoe UI Light" panose="020B0502040204020203" pitchFamily="34" charset="0"/>
+              </a:rPr>
+              <a:t>. </a:t>
+            </a:r>
+            <a:r>
+              <a:rPr lang="en-US" sz="1600" dirty="0" err="1">
+                <a:latin typeface="Segoe UI Light" panose="020B0502040204020203" pitchFamily="34" charset="0"/>
+                <a:cs typeface="Segoe UI Light" panose="020B0502040204020203" pitchFamily="34" charset="0"/>
+              </a:rPr>
+              <a:t>Donec</a:t>
+            </a:r>
+            <a:r>
+              <a:rPr lang="en-US" sz="1600" dirty="0">
+                <a:latin typeface="Segoe UI Light" panose="020B0502040204020203" pitchFamily="34" charset="0"/>
+                <a:cs typeface="Segoe UI Light" panose="020B0502040204020203" pitchFamily="34" charset="0"/>
+              </a:rPr>
+              <a:t> a </a:t>
+            </a:r>
+            <a:r>
+              <a:rPr lang="en-US" sz="1600" dirty="0" err="1">
+                <a:latin typeface="Segoe UI Light" panose="020B0502040204020203" pitchFamily="34" charset="0"/>
+                <a:cs typeface="Segoe UI Light" panose="020B0502040204020203" pitchFamily="34" charset="0"/>
+              </a:rPr>
+              <a:t>facilisis</a:t>
+            </a:r>
+            <a:r>
+              <a:rPr lang="en-US" sz="1600" dirty="0">
+                <a:latin typeface="Segoe UI Light" panose="020B0502040204020203" pitchFamily="34" charset="0"/>
+                <a:cs typeface="Segoe UI Light" panose="020B0502040204020203" pitchFamily="34" charset="0"/>
+              </a:rPr>
+              <a:t> ipsum, a </a:t>
+            </a:r>
+            <a:r>
+              <a:rPr lang="en-US" sz="1600" dirty="0" err="1">
+                <a:latin typeface="Segoe UI Light" panose="020B0502040204020203" pitchFamily="34" charset="0"/>
+                <a:cs typeface="Segoe UI Light" panose="020B0502040204020203" pitchFamily="34" charset="0"/>
+              </a:rPr>
+              <a:t>ultricies</a:t>
+            </a:r>
+            <a:r>
+              <a:rPr lang="en-US" sz="1600" dirty="0">
+                <a:latin typeface="Segoe UI Light" panose="020B0502040204020203" pitchFamily="34" charset="0"/>
+                <a:cs typeface="Segoe UI Light" panose="020B0502040204020203" pitchFamily="34" charset="0"/>
+              </a:rPr>
+              <a:t> </a:t>
+            </a:r>
+            <a:r>
+              <a:rPr lang="en-US" sz="1600" dirty="0" err="1">
+                <a:latin typeface="Segoe UI Light" panose="020B0502040204020203" pitchFamily="34" charset="0"/>
+                <a:cs typeface="Segoe UI Light" panose="020B0502040204020203" pitchFamily="34" charset="0"/>
+              </a:rPr>
+              <a:t>lacus</a:t>
+            </a:r>
+            <a:r>
+              <a:rPr lang="en-US" sz="1600" dirty="0">
+                <a:latin typeface="Segoe UI Light" panose="020B0502040204020203" pitchFamily="34" charset="0"/>
+                <a:cs typeface="Segoe UI Light" panose="020B0502040204020203" pitchFamily="34" charset="0"/>
+              </a:rPr>
+              <a:t>. </a:t>
+            </a:r>
+            <a:r>
+              <a:rPr lang="en-US" sz="1600" dirty="0" err="1">
+                <a:latin typeface="Segoe UI Light" panose="020B0502040204020203" pitchFamily="34" charset="0"/>
+                <a:cs typeface="Segoe UI Light" panose="020B0502040204020203" pitchFamily="34" charset="0"/>
+              </a:rPr>
+              <a:t>Phasellus</a:t>
+            </a:r>
+            <a:r>
+              <a:rPr lang="en-US" sz="1600" dirty="0">
+                <a:latin typeface="Segoe UI Light" panose="020B0502040204020203" pitchFamily="34" charset="0"/>
+                <a:cs typeface="Segoe UI Light" panose="020B0502040204020203" pitchFamily="34" charset="0"/>
+              </a:rPr>
+              <a:t> in </a:t>
+            </a:r>
+            <a:r>
+              <a:rPr lang="en-US" sz="1600" dirty="0" err="1">
+                <a:latin typeface="Segoe UI Light" panose="020B0502040204020203" pitchFamily="34" charset="0"/>
+                <a:cs typeface="Segoe UI Light" panose="020B0502040204020203" pitchFamily="34" charset="0"/>
+              </a:rPr>
+              <a:t>erat</a:t>
+            </a:r>
+            <a:r>
+              <a:rPr lang="en-US" sz="1600" dirty="0">
+                <a:latin typeface="Segoe UI Light" panose="020B0502040204020203" pitchFamily="34" charset="0"/>
+                <a:cs typeface="Segoe UI Light" panose="020B0502040204020203" pitchFamily="34" charset="0"/>
+              </a:rPr>
+              <a:t> ac </a:t>
+            </a:r>
+            <a:r>
+              <a:rPr lang="en-US" sz="1600" dirty="0" err="1">
+                <a:latin typeface="Segoe UI Light" panose="020B0502040204020203" pitchFamily="34" charset="0"/>
+                <a:cs typeface="Segoe UI Light" panose="020B0502040204020203" pitchFamily="34" charset="0"/>
+              </a:rPr>
+              <a:t>augue</a:t>
+            </a:r>
+            <a:r>
+              <a:rPr lang="en-US" sz="1600" dirty="0">
+                <a:latin typeface="Segoe UI Light" panose="020B0502040204020203" pitchFamily="34" charset="0"/>
+                <a:cs typeface="Segoe UI Light" panose="020B0502040204020203" pitchFamily="34" charset="0"/>
+              </a:rPr>
+              <a:t> </a:t>
+            </a:r>
+            <a:r>
+              <a:rPr lang="en-US" sz="1600" dirty="0" err="1">
+                <a:latin typeface="Segoe UI Light" panose="020B0502040204020203" pitchFamily="34" charset="0"/>
+                <a:cs typeface="Segoe UI Light" panose="020B0502040204020203" pitchFamily="34" charset="0"/>
+              </a:rPr>
+              <a:t>commodo</a:t>
+            </a:r>
+            <a:r>
+              <a:rPr lang="en-US" sz="1600" dirty="0">
+                <a:latin typeface="Segoe UI Light" panose="020B0502040204020203" pitchFamily="34" charset="0"/>
+                <a:cs typeface="Segoe UI Light" panose="020B0502040204020203" pitchFamily="34" charset="0"/>
+              </a:rPr>
+              <a:t> </a:t>
+            </a:r>
+            <a:r>
+              <a:rPr lang="en-US" sz="1600" dirty="0" err="1">
+                <a:latin typeface="Segoe UI Light" panose="020B0502040204020203" pitchFamily="34" charset="0"/>
+                <a:cs typeface="Segoe UI Light" panose="020B0502040204020203" pitchFamily="34" charset="0"/>
+              </a:rPr>
+              <a:t>pellentesque</a:t>
+            </a:r>
+            <a:r>
+              <a:rPr lang="en-US" sz="1600" dirty="0">
+                <a:latin typeface="Segoe UI Light" panose="020B0502040204020203" pitchFamily="34" charset="0"/>
+                <a:cs typeface="Segoe UI Light" panose="020B0502040204020203" pitchFamily="34" charset="0"/>
+              </a:rPr>
+              <a:t> id et </a:t>
+            </a:r>
+            <a:r>
+              <a:rPr lang="en-US" sz="1600" dirty="0" err="1">
+                <a:latin typeface="Segoe UI Light" panose="020B0502040204020203" pitchFamily="34" charset="0"/>
+                <a:cs typeface="Segoe UI Light" panose="020B0502040204020203" pitchFamily="34" charset="0"/>
+              </a:rPr>
+              <a:t>velit</a:t>
+            </a:r>
+            <a:r>
+              <a:rPr lang="en-US" sz="1600" dirty="0">
+                <a:latin typeface="Segoe UI Light" panose="020B0502040204020203" pitchFamily="34" charset="0"/>
+                <a:cs typeface="Segoe UI Light" panose="020B0502040204020203" pitchFamily="34" charset="0"/>
+              </a:rPr>
+              <a:t>.</a:t>
+            </a:r>
+          </a:p>
+          <a:p>
+            <a:pPr algn="l">
+              <a:lnSpc>
+                <a:spcPct val="150000"/>
+              </a:lnSpc>
+            </a:pPr>
+            <a:r>
+              <a:rPr lang="en-US" sz="1600" dirty="0" err="1">
+                <a:latin typeface="Segoe UI Light" panose="020B0502040204020203" pitchFamily="34" charset="0"/>
+                <a:cs typeface="Segoe UI Light" panose="020B0502040204020203" pitchFamily="34" charset="0"/>
+              </a:rPr>
+              <a:t>Facilisis</a:t>
+            </a:r>
+            <a:r>
+              <a:rPr lang="en-US" sz="1600" dirty="0">
+                <a:latin typeface="Segoe UI Light" panose="020B0502040204020203" pitchFamily="34" charset="0"/>
+                <a:cs typeface="Segoe UI Light" panose="020B0502040204020203" pitchFamily="34" charset="0"/>
+              </a:rPr>
+              <a:t> ipsum, a </a:t>
+            </a:r>
+            <a:r>
+              <a:rPr lang="en-US" sz="1600" dirty="0" err="1">
+                <a:latin typeface="Segoe UI Light" panose="020B0502040204020203" pitchFamily="34" charset="0"/>
+                <a:cs typeface="Segoe UI Light" panose="020B0502040204020203" pitchFamily="34" charset="0"/>
+              </a:rPr>
+              <a:t>ultr</a:t>
+            </a:r>
+            <a:r>
+              <a:rPr lang="en-US" sz="1600" dirty="0">
+                <a:latin typeface="Segoe UI Light" panose="020B0502040204020203" pitchFamily="34" charset="0"/>
+                <a:cs typeface="Segoe UI Light" panose="020B0502040204020203" pitchFamily="34" charset="0"/>
+              </a:rPr>
+              <a:t> dolor sit </a:t>
+            </a:r>
+            <a:r>
+              <a:rPr lang="en-US" sz="1600" dirty="0" err="1">
+                <a:latin typeface="Segoe UI Light" panose="020B0502040204020203" pitchFamily="34" charset="0"/>
+                <a:cs typeface="Segoe UI Light" panose="020B0502040204020203" pitchFamily="34" charset="0"/>
+              </a:rPr>
+              <a:t>amet</a:t>
+            </a:r>
+            <a:r>
+              <a:rPr lang="en-US" sz="1600" dirty="0">
+                <a:latin typeface="Segoe UI Light" panose="020B0502040204020203" pitchFamily="34" charset="0"/>
+                <a:cs typeface="Segoe UI Light" panose="020B0502040204020203" pitchFamily="34" charset="0"/>
+              </a:rPr>
+              <a:t>, </a:t>
+            </a:r>
+            <a:r>
+              <a:rPr lang="en-US" sz="1600" dirty="0" err="1">
+                <a:latin typeface="Segoe UI Light" panose="020B0502040204020203" pitchFamily="34" charset="0"/>
+                <a:cs typeface="Segoe UI Light" panose="020B0502040204020203" pitchFamily="34" charset="0"/>
+              </a:rPr>
+              <a:t>consectetur</a:t>
+            </a:r>
+            <a:r>
+              <a:rPr lang="en-US" sz="1600" dirty="0">
+                <a:latin typeface="Segoe UI Light" panose="020B0502040204020203" pitchFamily="34" charset="0"/>
+                <a:cs typeface="Segoe UI Light" panose="020B0502040204020203" pitchFamily="34" charset="0"/>
+              </a:rPr>
+              <a:t> </a:t>
+            </a:r>
+            <a:r>
+              <a:rPr lang="en-US" sz="1600" dirty="0" err="1">
+                <a:latin typeface="Segoe UI Light" panose="020B0502040204020203" pitchFamily="34" charset="0"/>
+                <a:cs typeface="Segoe UI Light" panose="020B0502040204020203" pitchFamily="34" charset="0"/>
+              </a:rPr>
+              <a:t>adipiscing</a:t>
+            </a:r>
+            <a:r>
+              <a:rPr lang="en-US" sz="1600" dirty="0">
+                <a:latin typeface="Segoe UI Light" panose="020B0502040204020203" pitchFamily="34" charset="0"/>
+                <a:cs typeface="Segoe UI Light" panose="020B0502040204020203" pitchFamily="34" charset="0"/>
+              </a:rPr>
+              <a:t> </a:t>
+            </a:r>
+            <a:r>
+              <a:rPr lang="en-US" sz="1600" dirty="0" err="1">
+                <a:latin typeface="Segoe UI Light" panose="020B0502040204020203" pitchFamily="34" charset="0"/>
+                <a:cs typeface="Segoe UI Light" panose="020B0502040204020203" pitchFamily="34" charset="0"/>
+              </a:rPr>
+              <a:t>elit</a:t>
+            </a:r>
+            <a:r>
+              <a:rPr lang="en-US" sz="1600" dirty="0">
+                <a:latin typeface="Segoe UI Light" panose="020B0502040204020203" pitchFamily="34" charset="0"/>
+                <a:cs typeface="Segoe UI Light" panose="020B0502040204020203" pitchFamily="34" charset="0"/>
+              </a:rPr>
+              <a:t>. </a:t>
+            </a:r>
+            <a:r>
+              <a:rPr lang="en-US" sz="1600" dirty="0" err="1">
+                <a:latin typeface="Segoe UI Light" panose="020B0502040204020203" pitchFamily="34" charset="0"/>
+                <a:cs typeface="Segoe UI Light" panose="020B0502040204020203" pitchFamily="34" charset="0"/>
+              </a:rPr>
+              <a:t>Aliquam</a:t>
+            </a:r>
+            <a:r>
+              <a:rPr lang="en-US" sz="1600" dirty="0">
+                <a:latin typeface="Segoe UI Light" panose="020B0502040204020203" pitchFamily="34" charset="0"/>
+                <a:cs typeface="Segoe UI Light" panose="020B0502040204020203" pitchFamily="34" charset="0"/>
+              </a:rPr>
+              <a:t> </a:t>
+            </a:r>
+            <a:r>
+              <a:rPr lang="en-US" sz="1600" dirty="0" err="1">
+                <a:latin typeface="Segoe UI Light" panose="020B0502040204020203" pitchFamily="34" charset="0"/>
+                <a:cs typeface="Segoe UI Light" panose="020B0502040204020203" pitchFamily="34" charset="0"/>
+              </a:rPr>
+              <a:t>icies</a:t>
+            </a:r>
+            <a:r>
+              <a:rPr lang="en-US" sz="1600" dirty="0">
+                <a:latin typeface="Segoe UI Light" panose="020B0502040204020203" pitchFamily="34" charset="0"/>
+                <a:cs typeface="Segoe UI Light" panose="020B0502040204020203" pitchFamily="34" charset="0"/>
+              </a:rPr>
+              <a:t> </a:t>
+            </a:r>
+            <a:r>
+              <a:rPr lang="en-US" sz="1600" dirty="0" err="1">
+                <a:latin typeface="Segoe UI Light" panose="020B0502040204020203" pitchFamily="34" charset="0"/>
+                <a:cs typeface="Segoe UI Light" panose="020B0502040204020203" pitchFamily="34" charset="0"/>
+              </a:rPr>
+              <a:t>lacus</a:t>
+            </a:r>
+            <a:r>
+              <a:rPr lang="en-US" sz="1600" dirty="0">
+                <a:latin typeface="Segoe UI Light" panose="020B0502040204020203" pitchFamily="34" charset="0"/>
+                <a:cs typeface="Segoe UI Light" panose="020B0502040204020203" pitchFamily="34" charset="0"/>
+              </a:rPr>
+              <a:t>. </a:t>
+            </a:r>
+            <a:r>
+              <a:rPr lang="en-US" sz="1600" dirty="0" err="1">
+                <a:latin typeface="Segoe UI Light" panose="020B0502040204020203" pitchFamily="34" charset="0"/>
+                <a:cs typeface="Segoe UI Light" panose="020B0502040204020203" pitchFamily="34" charset="0"/>
+              </a:rPr>
+              <a:t>Phasellus</a:t>
+            </a:r>
+            <a:r>
+              <a:rPr lang="en-US" sz="1600" dirty="0">
+                <a:latin typeface="Segoe UI Light" panose="020B0502040204020203" pitchFamily="34" charset="0"/>
+                <a:cs typeface="Segoe UI Light" panose="020B0502040204020203" pitchFamily="34" charset="0"/>
+              </a:rPr>
+              <a:t> in </a:t>
+            </a:r>
+            <a:r>
+              <a:rPr lang="en-US" sz="1600" dirty="0" err="1">
+                <a:latin typeface="Segoe UI Light" panose="020B0502040204020203" pitchFamily="34" charset="0"/>
+                <a:cs typeface="Segoe UI Light" panose="020B0502040204020203" pitchFamily="34" charset="0"/>
+              </a:rPr>
+              <a:t>erat</a:t>
+            </a:r>
+            <a:r>
+              <a:rPr lang="en-US" sz="1600" dirty="0">
+                <a:latin typeface="Segoe UI Light" panose="020B0502040204020203" pitchFamily="34" charset="0"/>
+                <a:cs typeface="Segoe UI Light" panose="020B0502040204020203" pitchFamily="34" charset="0"/>
+              </a:rPr>
+              <a:t> ac </a:t>
+            </a:r>
+            <a:r>
+              <a:rPr lang="en-US" sz="1600" dirty="0" err="1">
+                <a:latin typeface="Segoe UI Light" panose="020B0502040204020203" pitchFamily="34" charset="0"/>
+                <a:cs typeface="Segoe UI Light" panose="020B0502040204020203" pitchFamily="34" charset="0"/>
+              </a:rPr>
+              <a:t>augue</a:t>
+            </a:r>
+            <a:r>
+              <a:rPr lang="en-US" sz="1600" dirty="0">
+                <a:latin typeface="Segoe UI Light" panose="020B0502040204020203" pitchFamily="34" charset="0"/>
+                <a:cs typeface="Segoe UI Light" panose="020B0502040204020203" pitchFamily="34" charset="0"/>
+              </a:rPr>
+              <a:t> </a:t>
+            </a:r>
+            <a:r>
+              <a:rPr lang="en-US" sz="1600" dirty="0" err="1">
+                <a:latin typeface="Segoe UI Light" panose="020B0502040204020203" pitchFamily="34" charset="0"/>
+                <a:cs typeface="Segoe UI Light" panose="020B0502040204020203" pitchFamily="34" charset="0"/>
+              </a:rPr>
+              <a:t>commodo</a:t>
+            </a:r>
+            <a:r>
+              <a:rPr lang="en-US" sz="1600" dirty="0">
+                <a:latin typeface="Segoe UI Light" panose="020B0502040204020203" pitchFamily="34" charset="0"/>
+                <a:cs typeface="Segoe UI Light" panose="020B0502040204020203" pitchFamily="34" charset="0"/>
+              </a:rPr>
+              <a:t> </a:t>
+            </a:r>
+            <a:r>
+              <a:rPr lang="en-US" sz="1600" dirty="0" err="1">
+                <a:latin typeface="Segoe UI Light" panose="020B0502040204020203" pitchFamily="34" charset="0"/>
+                <a:cs typeface="Segoe UI Light" panose="020B0502040204020203" pitchFamily="34" charset="0"/>
+              </a:rPr>
+              <a:t>pellentesque</a:t>
+            </a:r>
+            <a:r>
+              <a:rPr lang="en-US" sz="1600" dirty="0">
+                <a:latin typeface="Segoe UI Light" panose="020B0502040204020203" pitchFamily="34" charset="0"/>
+                <a:cs typeface="Segoe UI Light" panose="020B0502040204020203" pitchFamily="34" charset="0"/>
+              </a:rPr>
+              <a:t> id et </a:t>
+            </a:r>
+            <a:r>
+              <a:rPr lang="en-US" sz="1600" dirty="0" err="1">
+                <a:latin typeface="Segoe UI Light" panose="020B0502040204020203" pitchFamily="34" charset="0"/>
+                <a:cs typeface="Segoe UI Light" panose="020B0502040204020203" pitchFamily="34" charset="0"/>
+              </a:rPr>
+              <a:t>velit</a:t>
+            </a:r>
+            <a:r>
+              <a:rPr lang="en-US" sz="1600" dirty="0">
+                <a:latin typeface="Segoe UI Light" panose="020B0502040204020203" pitchFamily="34" charset="0"/>
+                <a:cs typeface="Segoe UI Light" panose="020B0502040204020203" pitchFamily="34" charset="0"/>
+              </a:rPr>
+              <a:t> </a:t>
+            </a:r>
+            <a:r>
+              <a:rPr lang="en-US" sz="1600" dirty="0" err="1">
+                <a:latin typeface="Segoe UI Light" panose="020B0502040204020203" pitchFamily="34" charset="0"/>
+                <a:cs typeface="Segoe UI Light" panose="020B0502040204020203" pitchFamily="34" charset="0"/>
+              </a:rPr>
+              <a:t>onec</a:t>
+            </a:r>
+            <a:r>
+              <a:rPr lang="en-US" sz="1600" dirty="0">
+                <a:latin typeface="Segoe UI Light" panose="020B0502040204020203" pitchFamily="34" charset="0"/>
+                <a:cs typeface="Segoe UI Light" panose="020B0502040204020203" pitchFamily="34" charset="0"/>
+              </a:rPr>
+              <a:t> a </a:t>
+            </a:r>
+            <a:r>
+              <a:rPr lang="en-US" sz="1600" dirty="0" err="1">
+                <a:latin typeface="Segoe UI Light" panose="020B0502040204020203" pitchFamily="34" charset="0"/>
+                <a:cs typeface="Segoe UI Light" panose="020B0502040204020203" pitchFamily="34" charset="0"/>
+              </a:rPr>
+              <a:t>facilisis</a:t>
+            </a:r>
+            <a:r>
+              <a:rPr lang="en-US" sz="1600" dirty="0">
+                <a:latin typeface="Segoe UI Light" panose="020B0502040204020203" pitchFamily="34" charset="0"/>
+                <a:cs typeface="Segoe UI Light" panose="020B0502040204020203" pitchFamily="34" charset="0"/>
+              </a:rPr>
+              <a:t> ipsum, a </a:t>
+            </a:r>
+            <a:r>
+              <a:rPr lang="en-US" sz="1600" dirty="0" err="1">
+                <a:latin typeface="Segoe UI Light" panose="020B0502040204020203" pitchFamily="34" charset="0"/>
+                <a:cs typeface="Segoe UI Light" panose="020B0502040204020203" pitchFamily="34" charset="0"/>
+              </a:rPr>
+              <a:t>ultricies</a:t>
+            </a:r>
+            <a:r>
+              <a:rPr lang="en-US" sz="1600" dirty="0">
+                <a:latin typeface="Segoe UI Light" panose="020B0502040204020203" pitchFamily="34" charset="0"/>
+                <a:cs typeface="Segoe UI Light" panose="020B0502040204020203" pitchFamily="34" charset="0"/>
+              </a:rPr>
+              <a:t> </a:t>
+            </a:r>
+            <a:r>
+              <a:rPr lang="en-US" sz="1600" dirty="0" err="1">
+                <a:latin typeface="Segoe UI Light" panose="020B0502040204020203" pitchFamily="34" charset="0"/>
+                <a:cs typeface="Segoe UI Light" panose="020B0502040204020203" pitchFamily="34" charset="0"/>
+              </a:rPr>
+              <a:t>lacus</a:t>
+            </a:r>
+            <a:r>
+              <a:rPr lang="en-US" sz="1600" dirty="0">
+                <a:latin typeface="Segoe UI Light" panose="020B0502040204020203" pitchFamily="34" charset="0"/>
+                <a:cs typeface="Segoe UI Light" panose="020B0502040204020203" pitchFamily="34" charset="0"/>
+              </a:rPr>
+              <a:t>. </a:t>
+            </a:r>
+            <a:r>
+              <a:rPr lang="en-US" sz="1600" dirty="0" err="1">
+                <a:latin typeface="Segoe UI Light" panose="020B0502040204020203" pitchFamily="34" charset="0"/>
+                <a:cs typeface="Segoe UI Light" panose="020B0502040204020203" pitchFamily="34" charset="0"/>
+              </a:rPr>
+              <a:t>Phasellus</a:t>
+            </a:r>
+            <a:r>
+              <a:rPr lang="en-US" sz="1600" dirty="0">
+                <a:latin typeface="Segoe UI Light" panose="020B0502040204020203" pitchFamily="34" charset="0"/>
+                <a:cs typeface="Segoe UI Light" panose="020B0502040204020203" pitchFamily="34" charset="0"/>
+              </a:rPr>
+              <a:t> in </a:t>
+            </a:r>
+            <a:r>
+              <a:rPr lang="en-US" sz="1600" dirty="0" err="1">
+                <a:latin typeface="Segoe UI Light" panose="020B0502040204020203" pitchFamily="34" charset="0"/>
+                <a:cs typeface="Segoe UI Light" panose="020B0502040204020203" pitchFamily="34" charset="0"/>
+              </a:rPr>
+              <a:t>erat</a:t>
+            </a:r>
+            <a:r>
+              <a:rPr lang="en-US" sz="1600" dirty="0">
+                <a:latin typeface="Segoe UI Light" panose="020B0502040204020203" pitchFamily="34" charset="0"/>
+                <a:cs typeface="Segoe UI Light" panose="020B0502040204020203" pitchFamily="34" charset="0"/>
+              </a:rPr>
+              <a:t> ac </a:t>
+            </a:r>
+            <a:r>
+              <a:rPr lang="en-US" sz="1600" dirty="0" err="1">
+                <a:latin typeface="Segoe UI Light" panose="020B0502040204020203" pitchFamily="34" charset="0"/>
+                <a:cs typeface="Segoe UI Light" panose="020B0502040204020203" pitchFamily="34" charset="0"/>
+              </a:rPr>
+              <a:t>augue</a:t>
+            </a:r>
+            <a:r>
+              <a:rPr lang="en-US" sz="1600" dirty="0">
+                <a:latin typeface="Segoe UI Light" panose="020B0502040204020203" pitchFamily="34" charset="0"/>
+                <a:cs typeface="Segoe UI Light" panose="020B0502040204020203" pitchFamily="34" charset="0"/>
+              </a:rPr>
+              <a:t> </a:t>
+            </a:r>
+            <a:r>
+              <a:rPr lang="en-US" sz="1600" dirty="0" err="1">
+                <a:latin typeface="Segoe UI Light" panose="020B0502040204020203" pitchFamily="34" charset="0"/>
+                <a:cs typeface="Segoe UI Light" panose="020B0502040204020203" pitchFamily="34" charset="0"/>
+              </a:rPr>
+              <a:t>commodo</a:t>
+            </a:r>
+            <a:r>
+              <a:rPr lang="en-US" sz="1600" dirty="0">
+                <a:latin typeface="Segoe UI Light" panose="020B0502040204020203" pitchFamily="34" charset="0"/>
+                <a:cs typeface="Segoe UI Light" panose="020B0502040204020203" pitchFamily="34" charset="0"/>
+              </a:rPr>
+              <a:t> </a:t>
+            </a:r>
+            <a:r>
+              <a:rPr lang="en-US" sz="1600" dirty="0" err="1">
+                <a:latin typeface="Segoe UI Light" panose="020B0502040204020203" pitchFamily="34" charset="0"/>
+                <a:cs typeface="Segoe UI Light" panose="020B0502040204020203" pitchFamily="34" charset="0"/>
+              </a:rPr>
+              <a:t>pellentesque</a:t>
+            </a:r>
+            <a:r>
+              <a:rPr lang="en-US" sz="1600" dirty="0">
+                <a:latin typeface="Segoe UI Light" panose="020B0502040204020203" pitchFamily="34" charset="0"/>
+                <a:cs typeface="Segoe UI Light" panose="020B0502040204020203" pitchFamily="34" charset="0"/>
+              </a:rPr>
+              <a:t> id et </a:t>
+            </a:r>
+            <a:r>
+              <a:rPr lang="en-US" sz="1600" dirty="0" err="1">
+                <a:latin typeface="Segoe UI Light" panose="020B0502040204020203" pitchFamily="34" charset="0"/>
+                <a:cs typeface="Segoe UI Light" panose="020B0502040204020203" pitchFamily="34" charset="0"/>
+              </a:rPr>
+              <a:t>velit</a:t>
+            </a:r>
+            <a:r>
+              <a:rPr lang="en-US" sz="1600" dirty="0">
+                <a:latin typeface="Segoe UI Light" panose="020B0502040204020203" pitchFamily="34" charset="0"/>
+                <a:cs typeface="Segoe UI Light" panose="020B0502040204020203" pitchFamily="34" charset="0"/>
+              </a:rPr>
+              <a:t>.</a:t>
+            </a:r>
+          </a:p>
+          <a:p>
+            <a:pPr algn="l">
+              <a:lnSpc>
+                <a:spcPct val="150000"/>
+              </a:lnSpc>
+            </a:pPr>
+            <a:r>
+              <a:rPr lang="en-US" sz="1600" dirty="0" err="1">
+                <a:latin typeface="Segoe UI Light" panose="020B0502040204020203" pitchFamily="34" charset="0"/>
+                <a:cs typeface="Segoe UI Light" panose="020B0502040204020203" pitchFamily="34" charset="0"/>
+              </a:rPr>
+              <a:t>Donec</a:t>
+            </a:r>
+            <a:r>
+              <a:rPr lang="en-US" sz="1600" dirty="0">
+                <a:latin typeface="Segoe UI Light" panose="020B0502040204020203" pitchFamily="34" charset="0"/>
+                <a:cs typeface="Segoe UI Light" panose="020B0502040204020203" pitchFamily="34" charset="0"/>
+              </a:rPr>
+              <a:t> a </a:t>
+            </a:r>
+            <a:r>
+              <a:rPr lang="en-US" sz="1600" dirty="0" err="1">
+                <a:latin typeface="Segoe UI Light" panose="020B0502040204020203" pitchFamily="34" charset="0"/>
+                <a:cs typeface="Segoe UI Light" panose="020B0502040204020203" pitchFamily="34" charset="0"/>
+              </a:rPr>
+              <a:t>facilisis</a:t>
+            </a:r>
+            <a:r>
+              <a:rPr lang="en-US" sz="1600" dirty="0">
+                <a:latin typeface="Segoe UI Light" panose="020B0502040204020203" pitchFamily="34" charset="0"/>
+                <a:cs typeface="Segoe UI Light" panose="020B0502040204020203" pitchFamily="34" charset="0"/>
+              </a:rPr>
+              <a:t> ipsum, a </a:t>
+            </a:r>
+            <a:r>
+              <a:rPr lang="en-US" sz="1600" dirty="0" err="1">
+                <a:latin typeface="Segoe UI Light" panose="020B0502040204020203" pitchFamily="34" charset="0"/>
+                <a:cs typeface="Segoe UI Light" panose="020B0502040204020203" pitchFamily="34" charset="0"/>
+              </a:rPr>
+              <a:t>ultricies</a:t>
+            </a:r>
+            <a:r>
+              <a:rPr lang="en-US" sz="1600" dirty="0">
+                <a:latin typeface="Segoe UI Light" panose="020B0502040204020203" pitchFamily="34" charset="0"/>
+                <a:cs typeface="Segoe UI Light" panose="020B0502040204020203" pitchFamily="34" charset="0"/>
+              </a:rPr>
+              <a:t> </a:t>
+            </a:r>
+            <a:r>
+              <a:rPr lang="en-US" sz="1600" dirty="0" err="1">
+                <a:latin typeface="Segoe UI Light" panose="020B0502040204020203" pitchFamily="34" charset="0"/>
+                <a:cs typeface="Segoe UI Light" panose="020B0502040204020203" pitchFamily="34" charset="0"/>
+              </a:rPr>
+              <a:t>lacus</a:t>
+            </a:r>
+            <a:r>
+              <a:rPr lang="en-US" sz="1600" dirty="0">
+                <a:latin typeface="Segoe UI Light" panose="020B0502040204020203" pitchFamily="34" charset="0"/>
+                <a:cs typeface="Segoe UI Light" panose="020B0502040204020203" pitchFamily="34" charset="0"/>
+              </a:rPr>
+              <a:t>. </a:t>
+            </a:r>
+          </a:p>
+        </p:txBody>
+      </p:sp>
+    </p:spTree>
+    <p:extLst>
+      <p:ext uri="{BB962C8B-B14F-4D97-AF65-F5344CB8AC3E}">
+        <p14:creationId xmlns:p14="http://schemas.microsoft.com/office/powerpoint/2010/main" val="1060134847"/>
+      </p:ext>
+    </p:extLst>
+  </p:cSld>
+  <p:clrMapOvr>
+    <a:masterClrMapping/>
+  </p:clrMapOvr>
+  <mc:AlternateContent xmlns:mc="http://schemas.openxmlformats.org/markup-compatibility/2006" xmlns:p14="http://schemas.microsoft.com/office/powerpoint/2010/main">
+    <mc:Choice Requires="p14">
+      <p:transition p14:dur="100">
+        <p:cut/>
+      </p:transition>
+    </mc:Choice>
+    <mc:Fallback xmlns="">
+      <p:transition>
+        <p:cut/>
+      </p:transition>
+    </mc:Fallback>
+  </mc:AlternateContent>
+</p:sld>
+</file>
+
+<file path=ppt/slides/slide43.xml><?xml version="1.0" encoding="utf-8"?>
+<p:sld xmlns:a="http://schemas.openxmlformats.org/drawingml/2006/main" xmlns:r="http://schemas.openxmlformats.org/officeDocument/2006/relationships" xmlns:p="http://schemas.openxmlformats.org/presentationml/2006/main">
+  <p:cSld>
+    <p:spTree>
+      <p:nvGrpSpPr>
+        <p:cNvPr id="1" name=""/>
+        <p:cNvGrpSpPr/>
+        <p:nvPr/>
+      </p:nvGrpSpPr>
+      <p:grpSpPr>
+        <a:xfrm>
+          <a:off x="0" y="0"/>
+          <a:ext cx="0" cy="0"/>
+          <a:chOff x="0" y="0"/>
+          <a:chExt cx="0" cy="0"/>
+        </a:xfrm>
+      </p:grpSpPr>
+      <p:pic>
+        <p:nvPicPr>
+          <p:cNvPr id="19" name="Picture 18">
+            <a:extLst>
+              <a:ext uri="{FF2B5EF4-FFF2-40B4-BE49-F238E27FC236}">
+                <a16:creationId xmlns:a16="http://schemas.microsoft.com/office/drawing/2014/main" id="{38981447-9723-40B3-902B-DA8C7B4D8B8E}"/>
+              </a:ext>
+            </a:extLst>
+          </p:cNvPr>
+          <p:cNvPicPr>
+            <a:picLocks noChangeAspect="1"/>
+          </p:cNvPicPr>
+          <p:nvPr/>
+        </p:nvPicPr>
+        <p:blipFill>
+          <a:blip r:embed="rId2">
+            <a:extLst>
+              <a:ext uri="{28A0092B-C50C-407E-A947-70E740481C1C}">
+                <a14:useLocalDpi xmlns:a14="http://schemas.microsoft.com/office/drawing/2010/main" val="0"/>
+              </a:ext>
+            </a:extLst>
+          </a:blip>
+          <a:stretch>
+            <a:fillRect/>
+          </a:stretch>
+        </p:blipFill>
+        <p:spPr>
+          <a:xfrm>
+            <a:off x="0" y="0"/>
+            <a:ext cx="12192000" cy="6858000"/>
+          </a:xfrm>
+          <a:prstGeom prst="rect">
+            <a:avLst/>
+          </a:prstGeom>
+        </p:spPr>
+      </p:pic>
+      <p:sp>
+        <p:nvSpPr>
+          <p:cNvPr id="2" name="Title 1">
+            <a:extLst>
+              <a:ext uri="{FF2B5EF4-FFF2-40B4-BE49-F238E27FC236}">
+                <a16:creationId xmlns:a16="http://schemas.microsoft.com/office/drawing/2014/main" id="{0DE26BD9-3178-4532-BF33-58FE331BE190}"/>
+              </a:ext>
+            </a:extLst>
+          </p:cNvPr>
+          <p:cNvSpPr>
+            <a:spLocks noGrp="1"/>
+          </p:cNvSpPr>
+          <p:nvPr>
+            <p:ph type="ctrTitle"/>
+          </p:nvPr>
+        </p:nvSpPr>
+        <p:spPr>
+          <a:xfrm>
+            <a:off x="0" y="886691"/>
+            <a:ext cx="12192000" cy="2205182"/>
+          </a:xfrm>
+        </p:spPr>
+        <p:txBody>
+          <a:bodyPr anchor="b">
+            <a:normAutofit/>
+          </a:bodyPr>
+          <a:lstStyle/>
+          <a:p>
+            <a:r>
+              <a:rPr lang="en-US" sz="4000" b="1" dirty="0">
+                <a:latin typeface="Segoe UI Light" panose="020B0502040204020203" pitchFamily="34" charset="0"/>
+                <a:cs typeface="Segoe UI Light" panose="020B0502040204020203" pitchFamily="34" charset="0"/>
+              </a:rPr>
+              <a:t>What is a</a:t>
+            </a:r>
+            <a:br>
+              <a:rPr lang="en-US" sz="4000" b="1" dirty="0">
+                <a:latin typeface="Segoe UI Semibold" panose="020B0702040204020203" pitchFamily="34" charset="0"/>
+                <a:cs typeface="Segoe UI Semibold" panose="020B0702040204020203" pitchFamily="34" charset="0"/>
+              </a:rPr>
+            </a:br>
+            <a:r>
+              <a:rPr lang="en-US" sz="4000" b="1" dirty="0">
+                <a:solidFill>
+                  <a:srgbClr val="0041C6"/>
+                </a:solidFill>
+                <a:latin typeface="Segoe UI Semibold" panose="020B0702040204020203" pitchFamily="34" charset="0"/>
+                <a:cs typeface="Segoe UI Semibold" panose="020B0702040204020203" pitchFamily="34" charset="0"/>
+              </a:rPr>
+              <a:t>Modular Application</a:t>
+            </a:r>
+          </a:p>
+        </p:txBody>
+      </p:sp>
+      <p:sp>
+        <p:nvSpPr>
+          <p:cNvPr id="5" name="Footer Placeholder 4">
+            <a:extLst>
+              <a:ext uri="{FF2B5EF4-FFF2-40B4-BE49-F238E27FC236}">
+                <a16:creationId xmlns:a16="http://schemas.microsoft.com/office/drawing/2014/main" id="{A3553ADE-3838-4EDB-9F14-97C75DE2198D}"/>
+              </a:ext>
+            </a:extLst>
+          </p:cNvPr>
+          <p:cNvSpPr>
+            <a:spLocks noGrp="1"/>
+          </p:cNvSpPr>
+          <p:nvPr>
+            <p:ph type="ftr" sz="quarter" idx="11"/>
+          </p:nvPr>
+        </p:nvSpPr>
+        <p:spPr>
+          <a:xfrm>
+            <a:off x="0" y="6483927"/>
+            <a:ext cx="4190999" cy="374073"/>
+          </a:xfrm>
+        </p:spPr>
+        <p:txBody>
+          <a:bodyPr/>
+          <a:lstStyle/>
+          <a:p>
+            <a:pPr algn="l"/>
+            <a:r>
+              <a:rPr lang="en-US" dirty="0" err="1">
+                <a:solidFill>
+                  <a:schemeClr val="tx1"/>
+                </a:solidFill>
+                <a:latin typeface="Segoe UI" panose="020B0502040204020203" pitchFamily="34" charset="0"/>
+                <a:cs typeface="Segoe UI" panose="020B0502040204020203" pitchFamily="34" charset="0"/>
+              </a:rPr>
+              <a:t>Halil</a:t>
+            </a:r>
+            <a:r>
+              <a:rPr lang="en-US" dirty="0">
+                <a:solidFill>
+                  <a:schemeClr val="tx1"/>
+                </a:solidFill>
+                <a:latin typeface="Segoe UI" panose="020B0502040204020203" pitchFamily="34" charset="0"/>
+                <a:cs typeface="Segoe UI" panose="020B0502040204020203" pitchFamily="34" charset="0"/>
+              </a:rPr>
+              <a:t> İbrahim KALKAN | @</a:t>
+            </a:r>
+            <a:r>
+              <a:rPr lang="en-US" dirty="0" err="1">
+                <a:solidFill>
+                  <a:schemeClr val="tx1"/>
+                </a:solidFill>
+                <a:latin typeface="Segoe UI" panose="020B0502040204020203" pitchFamily="34" charset="0"/>
+                <a:cs typeface="Segoe UI" panose="020B0502040204020203" pitchFamily="34" charset="0"/>
+              </a:rPr>
+              <a:t>hikalkan</a:t>
+            </a:r>
+            <a:r>
+              <a:rPr lang="en-US" dirty="0">
+                <a:solidFill>
+                  <a:schemeClr val="tx1"/>
+                </a:solidFill>
+                <a:latin typeface="Segoe UI" panose="020B0502040204020203" pitchFamily="34" charset="0"/>
+                <a:cs typeface="Segoe UI" panose="020B0502040204020203" pitchFamily="34" charset="0"/>
+              </a:rPr>
+              <a:t> | </a:t>
+            </a:r>
+            <a:r>
+              <a:rPr lang="en-US" dirty="0" err="1">
+                <a:solidFill>
+                  <a:schemeClr val="tx1"/>
+                </a:solidFill>
+                <a:latin typeface="Segoe UI" panose="020B0502040204020203" pitchFamily="34" charset="0"/>
+                <a:cs typeface="Segoe UI" panose="020B0502040204020203" pitchFamily="34" charset="0"/>
+              </a:rPr>
+              <a:t>Volosoft</a:t>
+            </a:r>
+            <a:r>
+              <a:rPr lang="en-US" dirty="0">
+                <a:solidFill>
+                  <a:schemeClr val="tx1"/>
+                </a:solidFill>
+                <a:latin typeface="Segoe UI" panose="020B0502040204020203" pitchFamily="34" charset="0"/>
+                <a:cs typeface="Segoe UI" panose="020B0502040204020203" pitchFamily="34" charset="0"/>
+              </a:rPr>
+              <a:t> TM</a:t>
+            </a:r>
+          </a:p>
+        </p:txBody>
+      </p:sp>
+      <p:sp>
+        <p:nvSpPr>
+          <p:cNvPr id="15" name="Subtitle 2">
+            <a:extLst>
+              <a:ext uri="{FF2B5EF4-FFF2-40B4-BE49-F238E27FC236}">
+                <a16:creationId xmlns:a16="http://schemas.microsoft.com/office/drawing/2014/main" id="{20939731-D3B7-4A28-B941-216A5F2FD525}"/>
+              </a:ext>
+            </a:extLst>
+          </p:cNvPr>
+          <p:cNvSpPr txBox="1">
+            <a:spLocks/>
+          </p:cNvSpPr>
+          <p:nvPr/>
+        </p:nvSpPr>
+        <p:spPr>
+          <a:xfrm>
+            <a:off x="1962727" y="3091873"/>
+            <a:ext cx="8266546" cy="2025073"/>
+          </a:xfrm>
+          <a:prstGeom prst="rect">
+            <a:avLst/>
+          </a:prstGeom>
+        </p:spPr>
+        <p:txBody>
+          <a:bodyPr vert="horz" lIns="91440" tIns="45720" rIns="91440" bIns="45720" rtlCol="0" anchor="ctr">
+            <a:normAutofit/>
+          </a:bodyPr>
+          <a:lstStyle>
+            <a:lvl1pPr marL="0" indent="0" algn="ctr" defTabSz="914400" rtl="0" eaLnBrk="1" latinLnBrk="0" hangingPunct="1">
+              <a:lnSpc>
+                <a:spcPct val="90000"/>
+              </a:lnSpc>
+              <a:spcBef>
+                <a:spcPts val="1000"/>
+              </a:spcBef>
+              <a:buFont typeface="Arial" panose="020B0604020202020204" pitchFamily="34" charset="0"/>
+              <a:buNone/>
+              <a:defRPr sz="2400" kern="1200">
+                <a:solidFill>
+                  <a:schemeClr val="tx1"/>
+                </a:solidFill>
+                <a:latin typeface="+mn-lt"/>
+                <a:ea typeface="+mn-ea"/>
+                <a:cs typeface="+mn-cs"/>
+              </a:defRPr>
+            </a:lvl1pPr>
+            <a:lvl2pPr marL="457200" indent="0" algn="ctr" defTabSz="914400" rtl="0" eaLnBrk="1" latinLnBrk="0" hangingPunct="1">
+              <a:lnSpc>
+                <a:spcPct val="90000"/>
+              </a:lnSpc>
+              <a:spcBef>
+                <a:spcPts val="500"/>
+              </a:spcBef>
+              <a:buFont typeface="Arial" panose="020B0604020202020204" pitchFamily="34" charset="0"/>
+              <a:buNone/>
+              <a:defRPr sz="2000" kern="1200">
+                <a:solidFill>
+                  <a:schemeClr val="tx1"/>
+                </a:solidFill>
+                <a:latin typeface="+mn-lt"/>
+                <a:ea typeface="+mn-ea"/>
+                <a:cs typeface="+mn-cs"/>
+              </a:defRPr>
+            </a:lvl2pPr>
+            <a:lvl3pPr marL="914400" indent="0" algn="ctr" defTabSz="914400" rtl="0" eaLnBrk="1" latinLnBrk="0" hangingPunct="1">
+              <a:lnSpc>
+                <a:spcPct val="90000"/>
+              </a:lnSpc>
+              <a:spcBef>
+                <a:spcPts val="500"/>
+              </a:spcBef>
+              <a:buFont typeface="Arial" panose="020B0604020202020204" pitchFamily="34" charset="0"/>
+              <a:buNone/>
+              <a:defRPr sz="1800" kern="1200">
+                <a:solidFill>
+                  <a:schemeClr val="tx1"/>
+                </a:solidFill>
+                <a:latin typeface="+mn-lt"/>
+                <a:ea typeface="+mn-ea"/>
+                <a:cs typeface="+mn-cs"/>
+              </a:defRPr>
+            </a:lvl3pPr>
+            <a:lvl4pPr marL="1371600" indent="0" algn="ctr" defTabSz="914400" rtl="0" eaLnBrk="1" latinLnBrk="0" hangingPunct="1">
+              <a:lnSpc>
+                <a:spcPct val="90000"/>
+              </a:lnSpc>
+              <a:spcBef>
+                <a:spcPts val="500"/>
+              </a:spcBef>
+              <a:buFont typeface="Arial" panose="020B0604020202020204" pitchFamily="34" charset="0"/>
+              <a:buNone/>
+              <a:defRPr sz="1600" kern="1200">
+                <a:solidFill>
+                  <a:schemeClr val="tx1"/>
+                </a:solidFill>
+                <a:latin typeface="+mn-lt"/>
+                <a:ea typeface="+mn-ea"/>
+                <a:cs typeface="+mn-cs"/>
+              </a:defRPr>
+            </a:lvl4pPr>
+            <a:lvl5pPr marL="1828800" indent="0" algn="ctr" defTabSz="914400" rtl="0" eaLnBrk="1" latinLnBrk="0" hangingPunct="1">
+              <a:lnSpc>
+                <a:spcPct val="90000"/>
+              </a:lnSpc>
+              <a:spcBef>
+                <a:spcPts val="500"/>
+              </a:spcBef>
+              <a:buFont typeface="Arial" panose="020B0604020202020204" pitchFamily="34" charset="0"/>
+              <a:buNone/>
+              <a:defRPr sz="1600" kern="1200">
+                <a:solidFill>
+                  <a:schemeClr val="tx1"/>
+                </a:solidFill>
+                <a:latin typeface="+mn-lt"/>
+                <a:ea typeface="+mn-ea"/>
+                <a:cs typeface="+mn-cs"/>
+              </a:defRPr>
+            </a:lvl5pPr>
+            <a:lvl6pPr marL="2286000" indent="0" algn="ctr" defTabSz="914400" rtl="0" eaLnBrk="1" latinLnBrk="0" hangingPunct="1">
+              <a:lnSpc>
+                <a:spcPct val="90000"/>
+              </a:lnSpc>
+              <a:spcBef>
+                <a:spcPts val="500"/>
+              </a:spcBef>
+              <a:buFont typeface="Arial" panose="020B0604020202020204" pitchFamily="34" charset="0"/>
+              <a:buNone/>
+              <a:defRPr sz="1600" kern="1200">
+                <a:solidFill>
+                  <a:schemeClr val="tx1"/>
+                </a:solidFill>
+                <a:latin typeface="+mn-lt"/>
+                <a:ea typeface="+mn-ea"/>
+                <a:cs typeface="+mn-cs"/>
+              </a:defRPr>
+            </a:lvl6pPr>
+            <a:lvl7pPr marL="2743200" indent="0" algn="ctr" defTabSz="914400" rtl="0" eaLnBrk="1" latinLnBrk="0" hangingPunct="1">
+              <a:lnSpc>
+                <a:spcPct val="90000"/>
+              </a:lnSpc>
+              <a:spcBef>
+                <a:spcPts val="500"/>
+              </a:spcBef>
+              <a:buFont typeface="Arial" panose="020B0604020202020204" pitchFamily="34" charset="0"/>
+              <a:buNone/>
+              <a:defRPr sz="1600" kern="1200">
+                <a:solidFill>
+                  <a:schemeClr val="tx1"/>
+                </a:solidFill>
+                <a:latin typeface="+mn-lt"/>
+                <a:ea typeface="+mn-ea"/>
+                <a:cs typeface="+mn-cs"/>
+              </a:defRPr>
+            </a:lvl7pPr>
+            <a:lvl8pPr marL="3200400" indent="0" algn="ctr" defTabSz="914400" rtl="0" eaLnBrk="1" latinLnBrk="0" hangingPunct="1">
+              <a:lnSpc>
+                <a:spcPct val="90000"/>
+              </a:lnSpc>
+              <a:spcBef>
+                <a:spcPts val="500"/>
+              </a:spcBef>
+              <a:buFont typeface="Arial" panose="020B0604020202020204" pitchFamily="34" charset="0"/>
+              <a:buNone/>
+              <a:defRPr sz="1600" kern="1200">
+                <a:solidFill>
+                  <a:schemeClr val="tx1"/>
+                </a:solidFill>
+                <a:latin typeface="+mn-lt"/>
+                <a:ea typeface="+mn-ea"/>
+                <a:cs typeface="+mn-cs"/>
+              </a:defRPr>
+            </a:lvl8pPr>
+            <a:lvl9pPr marL="3657600" indent="0" algn="ctr" defTabSz="914400" rtl="0" eaLnBrk="1" latinLnBrk="0" hangingPunct="1">
+              <a:lnSpc>
+                <a:spcPct val="90000"/>
+              </a:lnSpc>
+              <a:spcBef>
+                <a:spcPts val="500"/>
+              </a:spcBef>
+              <a:buFont typeface="Arial" panose="020B0604020202020204" pitchFamily="34" charset="0"/>
+              <a:buNone/>
+              <a:defRPr sz="1600" kern="1200">
+                <a:solidFill>
+                  <a:schemeClr val="tx1"/>
+                </a:solidFill>
+                <a:latin typeface="+mn-lt"/>
+                <a:ea typeface="+mn-ea"/>
+                <a:cs typeface="+mn-cs"/>
+              </a:defRPr>
+            </a:lvl9pPr>
+          </a:lstStyle>
+          <a:p>
+            <a:pPr>
+              <a:lnSpc>
+                <a:spcPct val="150000"/>
+              </a:lnSpc>
+            </a:pPr>
+            <a:r>
+              <a:rPr lang="en-US" sz="1800" dirty="0">
+                <a:latin typeface="Segoe UI Light" panose="020B0502040204020203" pitchFamily="34" charset="0"/>
+                <a:cs typeface="Segoe UI Light" panose="020B0502040204020203" pitchFamily="34" charset="0"/>
+              </a:rPr>
+              <a:t>Lorem ipsum dolor sit </a:t>
+            </a:r>
+            <a:r>
+              <a:rPr lang="en-US" sz="1800" dirty="0" err="1">
+                <a:latin typeface="Segoe UI Light" panose="020B0502040204020203" pitchFamily="34" charset="0"/>
+                <a:cs typeface="Segoe UI Light" panose="020B0502040204020203" pitchFamily="34" charset="0"/>
+              </a:rPr>
+              <a:t>amet</a:t>
+            </a:r>
+            <a:r>
+              <a:rPr lang="en-US" sz="1800" dirty="0">
+                <a:latin typeface="Segoe UI Light" panose="020B0502040204020203" pitchFamily="34" charset="0"/>
+                <a:cs typeface="Segoe UI Light" panose="020B0502040204020203" pitchFamily="34" charset="0"/>
+              </a:rPr>
+              <a:t>, </a:t>
+            </a:r>
+            <a:r>
+              <a:rPr lang="en-US" sz="1800" dirty="0" err="1">
+                <a:latin typeface="Segoe UI Light" panose="020B0502040204020203" pitchFamily="34" charset="0"/>
+                <a:cs typeface="Segoe UI Light" panose="020B0502040204020203" pitchFamily="34" charset="0"/>
+              </a:rPr>
+              <a:t>consectetur</a:t>
+            </a:r>
+            <a:r>
+              <a:rPr lang="en-US" sz="1800" dirty="0">
+                <a:latin typeface="Segoe UI Light" panose="020B0502040204020203" pitchFamily="34" charset="0"/>
+                <a:cs typeface="Segoe UI Light" panose="020B0502040204020203" pitchFamily="34" charset="0"/>
+              </a:rPr>
+              <a:t> </a:t>
+            </a:r>
+            <a:r>
+              <a:rPr lang="en-US" sz="1800" dirty="0" err="1">
+                <a:latin typeface="Segoe UI Light" panose="020B0502040204020203" pitchFamily="34" charset="0"/>
+                <a:cs typeface="Segoe UI Light" panose="020B0502040204020203" pitchFamily="34" charset="0"/>
+              </a:rPr>
+              <a:t>adipiscing</a:t>
+            </a:r>
+            <a:r>
+              <a:rPr lang="en-US" sz="1800" dirty="0">
+                <a:latin typeface="Segoe UI Light" panose="020B0502040204020203" pitchFamily="34" charset="0"/>
+                <a:cs typeface="Segoe UI Light" panose="020B0502040204020203" pitchFamily="34" charset="0"/>
+              </a:rPr>
+              <a:t> </a:t>
+            </a:r>
+            <a:r>
+              <a:rPr lang="en-US" sz="1800" dirty="0" err="1">
+                <a:latin typeface="Segoe UI Light" panose="020B0502040204020203" pitchFamily="34" charset="0"/>
+                <a:cs typeface="Segoe UI Light" panose="020B0502040204020203" pitchFamily="34" charset="0"/>
+              </a:rPr>
+              <a:t>elit</a:t>
+            </a:r>
+            <a:r>
+              <a:rPr lang="en-US" sz="1800" dirty="0">
+                <a:latin typeface="Segoe UI Light" panose="020B0502040204020203" pitchFamily="34" charset="0"/>
+                <a:cs typeface="Segoe UI Light" panose="020B0502040204020203" pitchFamily="34" charset="0"/>
+              </a:rPr>
+              <a:t>. </a:t>
+            </a:r>
+            <a:r>
+              <a:rPr lang="en-US" sz="1800" dirty="0" err="1">
+                <a:latin typeface="Segoe UI Light" panose="020B0502040204020203" pitchFamily="34" charset="0"/>
+                <a:cs typeface="Segoe UI Light" panose="020B0502040204020203" pitchFamily="34" charset="0"/>
+              </a:rPr>
+              <a:t>Aliquam</a:t>
+            </a:r>
+            <a:r>
+              <a:rPr lang="en-US" sz="1800" dirty="0">
+                <a:latin typeface="Segoe UI Light" panose="020B0502040204020203" pitchFamily="34" charset="0"/>
+                <a:cs typeface="Segoe UI Light" panose="020B0502040204020203" pitchFamily="34" charset="0"/>
+              </a:rPr>
+              <a:t> </a:t>
+            </a:r>
+            <a:r>
+              <a:rPr lang="en-US" sz="1800" dirty="0" err="1">
+                <a:latin typeface="Segoe UI Light" panose="020B0502040204020203" pitchFamily="34" charset="0"/>
+                <a:cs typeface="Segoe UI Light" panose="020B0502040204020203" pitchFamily="34" charset="0"/>
+              </a:rPr>
+              <a:t>eleifend</a:t>
+            </a:r>
+            <a:r>
+              <a:rPr lang="en-US" sz="1800" dirty="0">
+                <a:latin typeface="Segoe UI Light" panose="020B0502040204020203" pitchFamily="34" charset="0"/>
+                <a:cs typeface="Segoe UI Light" panose="020B0502040204020203" pitchFamily="34" charset="0"/>
+              </a:rPr>
+              <a:t> </a:t>
+            </a:r>
+            <a:r>
+              <a:rPr lang="en-US" sz="1800" dirty="0" err="1">
+                <a:latin typeface="Segoe UI Light" panose="020B0502040204020203" pitchFamily="34" charset="0"/>
+                <a:cs typeface="Segoe UI Light" panose="020B0502040204020203" pitchFamily="34" charset="0"/>
+              </a:rPr>
+              <a:t>eget</a:t>
+            </a:r>
+            <a:r>
+              <a:rPr lang="en-US" sz="1800" dirty="0">
+                <a:latin typeface="Segoe UI Light" panose="020B0502040204020203" pitchFamily="34" charset="0"/>
+                <a:cs typeface="Segoe UI Light" panose="020B0502040204020203" pitchFamily="34" charset="0"/>
+              </a:rPr>
+              <a:t> </a:t>
+            </a:r>
+            <a:r>
+              <a:rPr lang="en-US" sz="1800" dirty="0" err="1">
+                <a:latin typeface="Segoe UI Light" panose="020B0502040204020203" pitchFamily="34" charset="0"/>
+                <a:cs typeface="Segoe UI Light" panose="020B0502040204020203" pitchFamily="34" charset="0"/>
+              </a:rPr>
+              <a:t>tellus</a:t>
+            </a:r>
+            <a:r>
+              <a:rPr lang="en-US" sz="1800" dirty="0">
+                <a:latin typeface="Segoe UI Light" panose="020B0502040204020203" pitchFamily="34" charset="0"/>
+                <a:cs typeface="Segoe UI Light" panose="020B0502040204020203" pitchFamily="34" charset="0"/>
+              </a:rPr>
+              <a:t> </a:t>
+            </a:r>
+            <a:r>
+              <a:rPr lang="en-US" sz="1800" dirty="0" err="1">
+                <a:latin typeface="Segoe UI Light" panose="020B0502040204020203" pitchFamily="34" charset="0"/>
+                <a:cs typeface="Segoe UI Light" panose="020B0502040204020203" pitchFamily="34" charset="0"/>
+              </a:rPr>
+              <a:t>eget</a:t>
+            </a:r>
+            <a:r>
+              <a:rPr lang="en-US" sz="1800" dirty="0">
+                <a:latin typeface="Segoe UI Light" panose="020B0502040204020203" pitchFamily="34" charset="0"/>
+                <a:cs typeface="Segoe UI Light" panose="020B0502040204020203" pitchFamily="34" charset="0"/>
+              </a:rPr>
+              <a:t> </a:t>
+            </a:r>
+            <a:r>
+              <a:rPr lang="en-US" sz="1800" dirty="0" err="1">
+                <a:latin typeface="Segoe UI Light" panose="020B0502040204020203" pitchFamily="34" charset="0"/>
+                <a:cs typeface="Segoe UI Light" panose="020B0502040204020203" pitchFamily="34" charset="0"/>
+              </a:rPr>
+              <a:t>sodales</a:t>
+            </a:r>
+            <a:r>
+              <a:rPr lang="en-US" sz="1800" dirty="0">
+                <a:latin typeface="Segoe UI Light" panose="020B0502040204020203" pitchFamily="34" charset="0"/>
+                <a:cs typeface="Segoe UI Light" panose="020B0502040204020203" pitchFamily="34" charset="0"/>
+              </a:rPr>
+              <a:t>. </a:t>
+            </a:r>
+            <a:r>
+              <a:rPr lang="en-US" sz="1800" dirty="0" err="1">
+                <a:latin typeface="Segoe UI Light" panose="020B0502040204020203" pitchFamily="34" charset="0"/>
+                <a:cs typeface="Segoe UI Light" panose="020B0502040204020203" pitchFamily="34" charset="0"/>
+              </a:rPr>
+              <a:t>Donec</a:t>
+            </a:r>
+            <a:r>
+              <a:rPr lang="en-US" sz="1800" dirty="0">
+                <a:latin typeface="Segoe UI Light" panose="020B0502040204020203" pitchFamily="34" charset="0"/>
+                <a:cs typeface="Segoe UI Light" panose="020B0502040204020203" pitchFamily="34" charset="0"/>
+              </a:rPr>
+              <a:t> a </a:t>
+            </a:r>
+            <a:r>
+              <a:rPr lang="en-US" sz="1800" dirty="0" err="1">
+                <a:latin typeface="Segoe UI Light" panose="020B0502040204020203" pitchFamily="34" charset="0"/>
+                <a:cs typeface="Segoe UI Light" panose="020B0502040204020203" pitchFamily="34" charset="0"/>
+              </a:rPr>
+              <a:t>facilisis</a:t>
+            </a:r>
+            <a:r>
+              <a:rPr lang="en-US" sz="1800" dirty="0">
+                <a:latin typeface="Segoe UI Light" panose="020B0502040204020203" pitchFamily="34" charset="0"/>
+                <a:cs typeface="Segoe UI Light" panose="020B0502040204020203" pitchFamily="34" charset="0"/>
+              </a:rPr>
+              <a:t> ipsum, a </a:t>
+            </a:r>
+            <a:r>
+              <a:rPr lang="en-US" sz="1800" dirty="0" err="1">
+                <a:latin typeface="Segoe UI Light" panose="020B0502040204020203" pitchFamily="34" charset="0"/>
+                <a:cs typeface="Segoe UI Light" panose="020B0502040204020203" pitchFamily="34" charset="0"/>
+              </a:rPr>
+              <a:t>ultricies</a:t>
+            </a:r>
+            <a:r>
+              <a:rPr lang="en-US" sz="1800" dirty="0">
+                <a:latin typeface="Segoe UI Light" panose="020B0502040204020203" pitchFamily="34" charset="0"/>
+                <a:cs typeface="Segoe UI Light" panose="020B0502040204020203" pitchFamily="34" charset="0"/>
+              </a:rPr>
+              <a:t> </a:t>
+            </a:r>
+            <a:r>
+              <a:rPr lang="en-US" sz="1800" dirty="0" err="1">
+                <a:latin typeface="Segoe UI Light" panose="020B0502040204020203" pitchFamily="34" charset="0"/>
+                <a:cs typeface="Segoe UI Light" panose="020B0502040204020203" pitchFamily="34" charset="0"/>
+              </a:rPr>
+              <a:t>lacus</a:t>
+            </a:r>
+            <a:r>
+              <a:rPr lang="en-US" sz="1800" dirty="0">
+                <a:latin typeface="Segoe UI Light" panose="020B0502040204020203" pitchFamily="34" charset="0"/>
+                <a:cs typeface="Segoe UI Light" panose="020B0502040204020203" pitchFamily="34" charset="0"/>
+              </a:rPr>
+              <a:t>. </a:t>
+            </a:r>
+            <a:r>
+              <a:rPr lang="en-US" sz="1800" dirty="0" err="1">
+                <a:latin typeface="Segoe UI Light" panose="020B0502040204020203" pitchFamily="34" charset="0"/>
+                <a:cs typeface="Segoe UI Light" panose="020B0502040204020203" pitchFamily="34" charset="0"/>
+              </a:rPr>
+              <a:t>Phasellus</a:t>
+            </a:r>
+            <a:r>
+              <a:rPr lang="en-US" sz="1800" dirty="0">
+                <a:latin typeface="Segoe UI Light" panose="020B0502040204020203" pitchFamily="34" charset="0"/>
+                <a:cs typeface="Segoe UI Light" panose="020B0502040204020203" pitchFamily="34" charset="0"/>
+              </a:rPr>
+              <a:t> in </a:t>
+            </a:r>
+            <a:r>
+              <a:rPr lang="en-US" sz="1800" dirty="0" err="1">
+                <a:latin typeface="Segoe UI Light" panose="020B0502040204020203" pitchFamily="34" charset="0"/>
+                <a:cs typeface="Segoe UI Light" panose="020B0502040204020203" pitchFamily="34" charset="0"/>
+              </a:rPr>
+              <a:t>erat</a:t>
+            </a:r>
+            <a:r>
+              <a:rPr lang="en-US" sz="1800" dirty="0">
+                <a:latin typeface="Segoe UI Light" panose="020B0502040204020203" pitchFamily="34" charset="0"/>
+                <a:cs typeface="Segoe UI Light" panose="020B0502040204020203" pitchFamily="34" charset="0"/>
+              </a:rPr>
+              <a:t> ac </a:t>
+            </a:r>
+            <a:r>
+              <a:rPr lang="en-US" sz="1800" dirty="0" err="1">
+                <a:latin typeface="Segoe UI Light" panose="020B0502040204020203" pitchFamily="34" charset="0"/>
+                <a:cs typeface="Segoe UI Light" panose="020B0502040204020203" pitchFamily="34" charset="0"/>
+              </a:rPr>
+              <a:t>augue</a:t>
+            </a:r>
+            <a:r>
+              <a:rPr lang="en-US" sz="1800" dirty="0">
+                <a:latin typeface="Segoe UI Light" panose="020B0502040204020203" pitchFamily="34" charset="0"/>
+                <a:cs typeface="Segoe UI Light" panose="020B0502040204020203" pitchFamily="34" charset="0"/>
+              </a:rPr>
+              <a:t> </a:t>
+            </a:r>
+            <a:r>
+              <a:rPr lang="en-US" sz="1800" dirty="0" err="1">
+                <a:latin typeface="Segoe UI Light" panose="020B0502040204020203" pitchFamily="34" charset="0"/>
+                <a:cs typeface="Segoe UI Light" panose="020B0502040204020203" pitchFamily="34" charset="0"/>
+              </a:rPr>
+              <a:t>commodo</a:t>
+            </a:r>
+            <a:r>
+              <a:rPr lang="en-US" sz="1800" dirty="0">
+                <a:latin typeface="Segoe UI Light" panose="020B0502040204020203" pitchFamily="34" charset="0"/>
+                <a:cs typeface="Segoe UI Light" panose="020B0502040204020203" pitchFamily="34" charset="0"/>
+              </a:rPr>
+              <a:t> </a:t>
+            </a:r>
+            <a:r>
+              <a:rPr lang="en-US" sz="1800" dirty="0" err="1">
+                <a:latin typeface="Segoe UI Light" panose="020B0502040204020203" pitchFamily="34" charset="0"/>
+                <a:cs typeface="Segoe UI Light" panose="020B0502040204020203" pitchFamily="34" charset="0"/>
+              </a:rPr>
+              <a:t>pellentesque</a:t>
+            </a:r>
+            <a:r>
+              <a:rPr lang="en-US" sz="1800" dirty="0">
+                <a:latin typeface="Segoe UI Light" panose="020B0502040204020203" pitchFamily="34" charset="0"/>
+                <a:cs typeface="Segoe UI Light" panose="020B0502040204020203" pitchFamily="34" charset="0"/>
+              </a:rPr>
+              <a:t> id et </a:t>
+            </a:r>
+            <a:r>
+              <a:rPr lang="en-US" sz="1800" dirty="0" err="1">
+                <a:latin typeface="Segoe UI Light" panose="020B0502040204020203" pitchFamily="34" charset="0"/>
+                <a:cs typeface="Segoe UI Light" panose="020B0502040204020203" pitchFamily="34" charset="0"/>
+              </a:rPr>
+              <a:t>velit</a:t>
+            </a:r>
+            <a:r>
+              <a:rPr lang="en-US" sz="1800" dirty="0">
+                <a:latin typeface="Segoe UI Light" panose="020B0502040204020203" pitchFamily="34" charset="0"/>
+                <a:cs typeface="Segoe UI Light" panose="020B0502040204020203" pitchFamily="34" charset="0"/>
+              </a:rPr>
+              <a:t>. </a:t>
+            </a:r>
+            <a:r>
+              <a:rPr lang="en-US" sz="1800" dirty="0" err="1">
+                <a:latin typeface="Segoe UI Light" panose="020B0502040204020203" pitchFamily="34" charset="0"/>
+                <a:cs typeface="Segoe UI Light" panose="020B0502040204020203" pitchFamily="34" charset="0"/>
+              </a:rPr>
+              <a:t>Donec</a:t>
+            </a:r>
+            <a:r>
+              <a:rPr lang="en-US" sz="1800" dirty="0">
+                <a:latin typeface="Segoe UI Light" panose="020B0502040204020203" pitchFamily="34" charset="0"/>
+                <a:cs typeface="Segoe UI Light" panose="020B0502040204020203" pitchFamily="34" charset="0"/>
+              </a:rPr>
+              <a:t> in </a:t>
+            </a:r>
+            <a:r>
+              <a:rPr lang="en-US" sz="1800" dirty="0" err="1">
+                <a:latin typeface="Segoe UI Light" panose="020B0502040204020203" pitchFamily="34" charset="0"/>
+                <a:cs typeface="Segoe UI Light" panose="020B0502040204020203" pitchFamily="34" charset="0"/>
+              </a:rPr>
+              <a:t>varius</a:t>
+            </a:r>
+            <a:r>
+              <a:rPr lang="en-US" sz="1800" dirty="0">
+                <a:latin typeface="Segoe UI Light" panose="020B0502040204020203" pitchFamily="34" charset="0"/>
+                <a:cs typeface="Segoe UI Light" panose="020B0502040204020203" pitchFamily="34" charset="0"/>
+              </a:rPr>
+              <a:t> </a:t>
+            </a:r>
+            <a:r>
+              <a:rPr lang="en-US" sz="1800" dirty="0" err="1">
+                <a:latin typeface="Segoe UI Light" panose="020B0502040204020203" pitchFamily="34" charset="0"/>
+                <a:cs typeface="Segoe UI Light" panose="020B0502040204020203" pitchFamily="34" charset="0"/>
+              </a:rPr>
+              <a:t>risus</a:t>
+            </a:r>
+            <a:r>
+              <a:rPr lang="en-US" sz="1800" dirty="0">
+                <a:latin typeface="Segoe UI Light" panose="020B0502040204020203" pitchFamily="34" charset="0"/>
+                <a:cs typeface="Segoe UI Light" panose="020B0502040204020203" pitchFamily="34" charset="0"/>
+              </a:rPr>
+              <a:t>, </a:t>
+            </a:r>
+            <a:r>
+              <a:rPr lang="en-US" sz="1800" dirty="0" err="1">
+                <a:latin typeface="Segoe UI Light" panose="020B0502040204020203" pitchFamily="34" charset="0"/>
+                <a:cs typeface="Segoe UI Light" panose="020B0502040204020203" pitchFamily="34" charset="0"/>
+              </a:rPr>
+              <a:t>eu</a:t>
+            </a:r>
+            <a:r>
+              <a:rPr lang="en-US" sz="1800" dirty="0">
+                <a:latin typeface="Segoe UI Light" panose="020B0502040204020203" pitchFamily="34" charset="0"/>
+                <a:cs typeface="Segoe UI Light" panose="020B0502040204020203" pitchFamily="34" charset="0"/>
+              </a:rPr>
+              <a:t> </a:t>
+            </a:r>
+            <a:r>
+              <a:rPr lang="en-US" sz="1800" dirty="0" err="1">
+                <a:latin typeface="Segoe UI Light" panose="020B0502040204020203" pitchFamily="34" charset="0"/>
+                <a:cs typeface="Segoe UI Light" panose="020B0502040204020203" pitchFamily="34" charset="0"/>
+              </a:rPr>
+              <a:t>ultricies</a:t>
+            </a:r>
+            <a:r>
+              <a:rPr lang="en-US" sz="1800" dirty="0">
+                <a:latin typeface="Segoe UI Light" panose="020B0502040204020203" pitchFamily="34" charset="0"/>
+                <a:cs typeface="Segoe UI Light" panose="020B0502040204020203" pitchFamily="34" charset="0"/>
+              </a:rPr>
+              <a:t> </a:t>
+            </a:r>
+            <a:r>
+              <a:rPr lang="en-US" sz="1800" dirty="0" err="1">
+                <a:latin typeface="Segoe UI Light" panose="020B0502040204020203" pitchFamily="34" charset="0"/>
+                <a:cs typeface="Segoe UI Light" panose="020B0502040204020203" pitchFamily="34" charset="0"/>
+              </a:rPr>
+              <a:t>velit</a:t>
+            </a:r>
+            <a:r>
+              <a:rPr lang="en-US" sz="1800" dirty="0">
+                <a:latin typeface="Segoe UI Light" panose="020B0502040204020203" pitchFamily="34" charset="0"/>
+                <a:cs typeface="Segoe UI Light" panose="020B0502040204020203" pitchFamily="34" charset="0"/>
+              </a:rPr>
+              <a:t>. Maecenas </a:t>
+            </a:r>
+            <a:r>
+              <a:rPr lang="en-US" sz="1800" dirty="0" err="1">
+                <a:latin typeface="Segoe UI Light" panose="020B0502040204020203" pitchFamily="34" charset="0"/>
+                <a:cs typeface="Segoe UI Light" panose="020B0502040204020203" pitchFamily="34" charset="0"/>
+              </a:rPr>
+              <a:t>mauris</a:t>
+            </a:r>
+            <a:r>
+              <a:rPr lang="en-US" sz="1800" dirty="0">
+                <a:latin typeface="Segoe UI Light" panose="020B0502040204020203" pitchFamily="34" charset="0"/>
+                <a:cs typeface="Segoe UI Light" panose="020B0502040204020203" pitchFamily="34" charset="0"/>
+              </a:rPr>
+              <a:t> </a:t>
+            </a:r>
+            <a:r>
+              <a:rPr lang="en-US" sz="1800" dirty="0" err="1">
+                <a:latin typeface="Segoe UI Light" panose="020B0502040204020203" pitchFamily="34" charset="0"/>
+                <a:cs typeface="Segoe UI Light" panose="020B0502040204020203" pitchFamily="34" charset="0"/>
+              </a:rPr>
+              <a:t>massa</a:t>
+            </a:r>
+            <a:r>
+              <a:rPr lang="en-US" sz="1800" dirty="0">
+                <a:latin typeface="Segoe UI Light" panose="020B0502040204020203" pitchFamily="34" charset="0"/>
+                <a:cs typeface="Segoe UI Light" panose="020B0502040204020203" pitchFamily="34" charset="0"/>
+              </a:rPr>
+              <a:t>, lacinia at </a:t>
+            </a:r>
+            <a:r>
+              <a:rPr lang="en-US" sz="1800" dirty="0" err="1">
+                <a:latin typeface="Segoe UI Light" panose="020B0502040204020203" pitchFamily="34" charset="0"/>
+                <a:cs typeface="Segoe UI Light" panose="020B0502040204020203" pitchFamily="34" charset="0"/>
+              </a:rPr>
+              <a:t>sapien</a:t>
+            </a:r>
+            <a:r>
+              <a:rPr lang="en-US" sz="1800" dirty="0">
+                <a:latin typeface="Segoe UI Light" panose="020B0502040204020203" pitchFamily="34" charset="0"/>
+                <a:cs typeface="Segoe UI Light" panose="020B0502040204020203" pitchFamily="34" charset="0"/>
+              </a:rPr>
+              <a:t> et, </a:t>
+            </a:r>
+            <a:r>
+              <a:rPr lang="en-US" sz="1800" dirty="0" err="1">
+                <a:latin typeface="Segoe UI Light" panose="020B0502040204020203" pitchFamily="34" charset="0"/>
+                <a:cs typeface="Segoe UI Light" panose="020B0502040204020203" pitchFamily="34" charset="0"/>
+              </a:rPr>
+              <a:t>sodales</a:t>
+            </a:r>
+            <a:r>
+              <a:rPr lang="en-US" sz="1800" dirty="0">
+                <a:latin typeface="Segoe UI Light" panose="020B0502040204020203" pitchFamily="34" charset="0"/>
+                <a:cs typeface="Segoe UI Light" panose="020B0502040204020203" pitchFamily="34" charset="0"/>
+              </a:rPr>
+              <a:t> </a:t>
+            </a:r>
+            <a:r>
+              <a:rPr lang="en-US" sz="1800" dirty="0" err="1">
+                <a:latin typeface="Segoe UI Light" panose="020B0502040204020203" pitchFamily="34" charset="0"/>
+                <a:cs typeface="Segoe UI Light" panose="020B0502040204020203" pitchFamily="34" charset="0"/>
+              </a:rPr>
+              <a:t>suscipit</a:t>
+            </a:r>
+            <a:r>
+              <a:rPr lang="en-US" sz="1800" dirty="0">
+                <a:latin typeface="Segoe UI Light" panose="020B0502040204020203" pitchFamily="34" charset="0"/>
+                <a:cs typeface="Segoe UI Light" panose="020B0502040204020203" pitchFamily="34" charset="0"/>
+              </a:rPr>
+              <a:t> </a:t>
+            </a:r>
+            <a:r>
+              <a:rPr lang="en-US" sz="1800" dirty="0" err="1">
+                <a:latin typeface="Segoe UI Light" panose="020B0502040204020203" pitchFamily="34" charset="0"/>
+                <a:cs typeface="Segoe UI Light" panose="020B0502040204020203" pitchFamily="34" charset="0"/>
+              </a:rPr>
+              <a:t>quam</a:t>
+            </a:r>
+            <a:endParaRPr lang="en-US" sz="1800" dirty="0">
+              <a:latin typeface="Segoe UI Light" panose="020B0502040204020203" pitchFamily="34" charset="0"/>
+              <a:cs typeface="Segoe UI Light" panose="020B0502040204020203" pitchFamily="34" charset="0"/>
+            </a:endParaRPr>
+          </a:p>
+        </p:txBody>
+      </p:sp>
+    </p:spTree>
+    <p:extLst>
+      <p:ext uri="{BB962C8B-B14F-4D97-AF65-F5344CB8AC3E}">
+        <p14:creationId xmlns:p14="http://schemas.microsoft.com/office/powerpoint/2010/main" val="639917840"/>
+      </p:ext>
+    </p:extLst>
+  </p:cSld>
+  <p:clrMapOvr>
+    <a:masterClrMapping/>
+  </p:clrMapOvr>
+  <mc:AlternateContent xmlns:mc="http://schemas.openxmlformats.org/markup-compatibility/2006" xmlns:p14="http://schemas.microsoft.com/office/powerpoint/2010/main">
+    <mc:Choice Requires="p14">
+      <p:transition p14:dur="100">
+        <p:cut/>
+      </p:transition>
+    </mc:Choice>
+    <mc:Fallback xmlns="">
+      <p:transition>
+        <p:cut/>
+      </p:transition>
+    </mc:Fallback>
+  </mc:AlternateContent>
+</p:sld>
+</file>
+
+<file path=ppt/slides/slide44.xml><?xml version="1.0" encoding="utf-8"?>
+<p:sld xmlns:a="http://schemas.openxmlformats.org/drawingml/2006/main" xmlns:r="http://schemas.openxmlformats.org/officeDocument/2006/relationships" xmlns:p="http://schemas.openxmlformats.org/presentationml/2006/main">
+  <p:cSld>
+    <p:spTree>
+      <p:nvGrpSpPr>
+        <p:cNvPr id="1" name=""/>
+        <p:cNvGrpSpPr/>
+        <p:nvPr/>
+      </p:nvGrpSpPr>
+      <p:grpSpPr>
+        <a:xfrm>
+          <a:off x="0" y="0"/>
+          <a:ext cx="0" cy="0"/>
+          <a:chOff x="0" y="0"/>
+          <a:chExt cx="0" cy="0"/>
+        </a:xfrm>
+      </p:grpSpPr>
+      <p:pic>
+        <p:nvPicPr>
+          <p:cNvPr id="19" name="Picture 18">
+            <a:extLst>
+              <a:ext uri="{FF2B5EF4-FFF2-40B4-BE49-F238E27FC236}">
+                <a16:creationId xmlns:a16="http://schemas.microsoft.com/office/drawing/2014/main" id="{38981447-9723-40B3-902B-DA8C7B4D8B8E}"/>
+              </a:ext>
+            </a:extLst>
+          </p:cNvPr>
+          <p:cNvPicPr>
+            <a:picLocks noChangeAspect="1"/>
+          </p:cNvPicPr>
+          <p:nvPr/>
+        </p:nvPicPr>
+        <p:blipFill>
+          <a:blip r:embed="rId2">
+            <a:extLst>
+              <a:ext uri="{28A0092B-C50C-407E-A947-70E740481C1C}">
+                <a14:useLocalDpi xmlns:a14="http://schemas.microsoft.com/office/drawing/2010/main" val="0"/>
+              </a:ext>
+            </a:extLst>
+          </a:blip>
+          <a:stretch>
+            <a:fillRect/>
+          </a:stretch>
+        </p:blipFill>
+        <p:spPr>
+          <a:xfrm>
+            <a:off x="0" y="0"/>
+            <a:ext cx="12192000" cy="6858000"/>
+          </a:xfrm>
+          <a:prstGeom prst="rect">
+            <a:avLst/>
+          </a:prstGeom>
+        </p:spPr>
+      </p:pic>
+      <p:sp>
+        <p:nvSpPr>
+          <p:cNvPr id="2" name="Title 1">
+            <a:extLst>
+              <a:ext uri="{FF2B5EF4-FFF2-40B4-BE49-F238E27FC236}">
+                <a16:creationId xmlns:a16="http://schemas.microsoft.com/office/drawing/2014/main" id="{0DE26BD9-3178-4532-BF33-58FE331BE190}"/>
+              </a:ext>
+            </a:extLst>
+          </p:cNvPr>
+          <p:cNvSpPr>
+            <a:spLocks noGrp="1"/>
+          </p:cNvSpPr>
+          <p:nvPr>
+            <p:ph type="ctrTitle"/>
+          </p:nvPr>
+        </p:nvSpPr>
+        <p:spPr>
+          <a:xfrm>
+            <a:off x="0" y="886691"/>
+            <a:ext cx="12192000" cy="2205182"/>
+          </a:xfrm>
+        </p:spPr>
+        <p:txBody>
+          <a:bodyPr anchor="b">
+            <a:normAutofit/>
+          </a:bodyPr>
+          <a:lstStyle/>
+          <a:p>
+            <a:r>
+              <a:rPr lang="en-US" sz="4000" b="1" dirty="0">
+                <a:latin typeface="Segoe UI Light" panose="020B0502040204020203" pitchFamily="34" charset="0"/>
+                <a:cs typeface="Segoe UI Light" panose="020B0502040204020203" pitchFamily="34" charset="0"/>
+              </a:rPr>
+              <a:t>What is a</a:t>
+            </a:r>
+            <a:br>
+              <a:rPr lang="en-US" sz="4000" b="1" dirty="0">
+                <a:latin typeface="Segoe UI Semibold" panose="020B0702040204020203" pitchFamily="34" charset="0"/>
+                <a:cs typeface="Segoe UI Semibold" panose="020B0702040204020203" pitchFamily="34" charset="0"/>
+              </a:rPr>
+            </a:br>
+            <a:r>
+              <a:rPr lang="en-US" sz="4000" b="1" dirty="0">
+                <a:solidFill>
+                  <a:srgbClr val="0041C6"/>
+                </a:solidFill>
+                <a:latin typeface="Segoe UI Semibold" panose="020B0702040204020203" pitchFamily="34" charset="0"/>
+                <a:cs typeface="Segoe UI Semibold" panose="020B0702040204020203" pitchFamily="34" charset="0"/>
+              </a:rPr>
+              <a:t>Modular Application</a:t>
+            </a:r>
+          </a:p>
+        </p:txBody>
+      </p:sp>
+      <p:sp>
+        <p:nvSpPr>
+          <p:cNvPr id="5" name="Footer Placeholder 4">
+            <a:extLst>
+              <a:ext uri="{FF2B5EF4-FFF2-40B4-BE49-F238E27FC236}">
+                <a16:creationId xmlns:a16="http://schemas.microsoft.com/office/drawing/2014/main" id="{A3553ADE-3838-4EDB-9F14-97C75DE2198D}"/>
+              </a:ext>
+            </a:extLst>
+          </p:cNvPr>
+          <p:cNvSpPr>
+            <a:spLocks noGrp="1"/>
+          </p:cNvSpPr>
+          <p:nvPr>
+            <p:ph type="ftr" sz="quarter" idx="11"/>
+          </p:nvPr>
+        </p:nvSpPr>
+        <p:spPr>
+          <a:xfrm>
+            <a:off x="0" y="6483927"/>
+            <a:ext cx="4190999" cy="374073"/>
+          </a:xfrm>
+        </p:spPr>
+        <p:txBody>
+          <a:bodyPr/>
+          <a:lstStyle/>
+          <a:p>
+            <a:pPr algn="l"/>
+            <a:r>
+              <a:rPr lang="en-US" dirty="0" err="1">
+                <a:solidFill>
+                  <a:schemeClr val="tx1"/>
+                </a:solidFill>
+                <a:latin typeface="Segoe UI" panose="020B0502040204020203" pitchFamily="34" charset="0"/>
+                <a:cs typeface="Segoe UI" panose="020B0502040204020203" pitchFamily="34" charset="0"/>
+              </a:rPr>
+              <a:t>Halil</a:t>
+            </a:r>
+            <a:r>
+              <a:rPr lang="en-US" dirty="0">
+                <a:solidFill>
+                  <a:schemeClr val="tx1"/>
+                </a:solidFill>
+                <a:latin typeface="Segoe UI" panose="020B0502040204020203" pitchFamily="34" charset="0"/>
+                <a:cs typeface="Segoe UI" panose="020B0502040204020203" pitchFamily="34" charset="0"/>
+              </a:rPr>
+              <a:t> İbrahim KALKAN | @</a:t>
+            </a:r>
+            <a:r>
+              <a:rPr lang="en-US" dirty="0" err="1">
+                <a:solidFill>
+                  <a:schemeClr val="tx1"/>
+                </a:solidFill>
+                <a:latin typeface="Segoe UI" panose="020B0502040204020203" pitchFamily="34" charset="0"/>
+                <a:cs typeface="Segoe UI" panose="020B0502040204020203" pitchFamily="34" charset="0"/>
+              </a:rPr>
+              <a:t>hikalkan</a:t>
+            </a:r>
+            <a:r>
+              <a:rPr lang="en-US" dirty="0">
+                <a:solidFill>
+                  <a:schemeClr val="tx1"/>
+                </a:solidFill>
+                <a:latin typeface="Segoe UI" panose="020B0502040204020203" pitchFamily="34" charset="0"/>
+                <a:cs typeface="Segoe UI" panose="020B0502040204020203" pitchFamily="34" charset="0"/>
+              </a:rPr>
+              <a:t> | </a:t>
+            </a:r>
+            <a:r>
+              <a:rPr lang="en-US" dirty="0" err="1">
+                <a:solidFill>
+                  <a:schemeClr val="tx1"/>
+                </a:solidFill>
+                <a:latin typeface="Segoe UI" panose="020B0502040204020203" pitchFamily="34" charset="0"/>
+                <a:cs typeface="Segoe UI" panose="020B0502040204020203" pitchFamily="34" charset="0"/>
+              </a:rPr>
+              <a:t>Volosoft</a:t>
+            </a:r>
+            <a:r>
+              <a:rPr lang="en-US" dirty="0">
+                <a:solidFill>
+                  <a:schemeClr val="tx1"/>
+                </a:solidFill>
+                <a:latin typeface="Segoe UI" panose="020B0502040204020203" pitchFamily="34" charset="0"/>
+                <a:cs typeface="Segoe UI" panose="020B0502040204020203" pitchFamily="34" charset="0"/>
+              </a:rPr>
+              <a:t> TM</a:t>
+            </a:r>
+          </a:p>
+        </p:txBody>
+      </p:sp>
+      <p:sp>
+        <p:nvSpPr>
+          <p:cNvPr id="15" name="Subtitle 2">
+            <a:extLst>
+              <a:ext uri="{FF2B5EF4-FFF2-40B4-BE49-F238E27FC236}">
+                <a16:creationId xmlns:a16="http://schemas.microsoft.com/office/drawing/2014/main" id="{20939731-D3B7-4A28-B941-216A5F2FD525}"/>
+              </a:ext>
+            </a:extLst>
+          </p:cNvPr>
+          <p:cNvSpPr txBox="1">
+            <a:spLocks/>
+          </p:cNvSpPr>
+          <p:nvPr/>
+        </p:nvSpPr>
+        <p:spPr>
+          <a:xfrm>
+            <a:off x="1962727" y="3091873"/>
+            <a:ext cx="8266546" cy="2025073"/>
+          </a:xfrm>
+          <a:prstGeom prst="rect">
+            <a:avLst/>
+          </a:prstGeom>
+        </p:spPr>
+        <p:txBody>
+          <a:bodyPr vert="horz" lIns="91440" tIns="45720" rIns="91440" bIns="45720" rtlCol="0" anchor="ctr">
+            <a:normAutofit/>
+          </a:bodyPr>
+          <a:lstStyle>
+            <a:lvl1pPr marL="0" indent="0" algn="ctr" defTabSz="914400" rtl="0" eaLnBrk="1" latinLnBrk="0" hangingPunct="1">
+              <a:lnSpc>
+                <a:spcPct val="90000"/>
+              </a:lnSpc>
+              <a:spcBef>
+                <a:spcPts val="1000"/>
+              </a:spcBef>
+              <a:buFont typeface="Arial" panose="020B0604020202020204" pitchFamily="34" charset="0"/>
+              <a:buNone/>
+              <a:defRPr sz="2400" kern="1200">
+                <a:solidFill>
+                  <a:schemeClr val="tx1"/>
+                </a:solidFill>
+                <a:latin typeface="+mn-lt"/>
+                <a:ea typeface="+mn-ea"/>
+                <a:cs typeface="+mn-cs"/>
+              </a:defRPr>
+            </a:lvl1pPr>
+            <a:lvl2pPr marL="457200" indent="0" algn="ctr" defTabSz="914400" rtl="0" eaLnBrk="1" latinLnBrk="0" hangingPunct="1">
+              <a:lnSpc>
+                <a:spcPct val="90000"/>
+              </a:lnSpc>
+              <a:spcBef>
+                <a:spcPts val="500"/>
+              </a:spcBef>
+              <a:buFont typeface="Arial" panose="020B0604020202020204" pitchFamily="34" charset="0"/>
+              <a:buNone/>
+              <a:defRPr sz="2000" kern="1200">
+                <a:solidFill>
+                  <a:schemeClr val="tx1"/>
+                </a:solidFill>
+                <a:latin typeface="+mn-lt"/>
+                <a:ea typeface="+mn-ea"/>
+                <a:cs typeface="+mn-cs"/>
+              </a:defRPr>
+            </a:lvl2pPr>
+            <a:lvl3pPr marL="914400" indent="0" algn="ctr" defTabSz="914400" rtl="0" eaLnBrk="1" latinLnBrk="0" hangingPunct="1">
+              <a:lnSpc>
+                <a:spcPct val="90000"/>
+              </a:lnSpc>
+              <a:spcBef>
+                <a:spcPts val="500"/>
+              </a:spcBef>
+              <a:buFont typeface="Arial" panose="020B0604020202020204" pitchFamily="34" charset="0"/>
+              <a:buNone/>
+              <a:defRPr sz="1800" kern="1200">
+                <a:solidFill>
+                  <a:schemeClr val="tx1"/>
+                </a:solidFill>
+                <a:latin typeface="+mn-lt"/>
+                <a:ea typeface="+mn-ea"/>
+                <a:cs typeface="+mn-cs"/>
+              </a:defRPr>
+            </a:lvl3pPr>
+            <a:lvl4pPr marL="1371600" indent="0" algn="ctr" defTabSz="914400" rtl="0" eaLnBrk="1" latinLnBrk="0" hangingPunct="1">
+              <a:lnSpc>
+                <a:spcPct val="90000"/>
+              </a:lnSpc>
+              <a:spcBef>
+                <a:spcPts val="500"/>
+              </a:spcBef>
+              <a:buFont typeface="Arial" panose="020B0604020202020204" pitchFamily="34" charset="0"/>
+              <a:buNone/>
+              <a:defRPr sz="1600" kern="1200">
+                <a:solidFill>
+                  <a:schemeClr val="tx1"/>
+                </a:solidFill>
+                <a:latin typeface="+mn-lt"/>
+                <a:ea typeface="+mn-ea"/>
+                <a:cs typeface="+mn-cs"/>
+              </a:defRPr>
+            </a:lvl4pPr>
+            <a:lvl5pPr marL="1828800" indent="0" algn="ctr" defTabSz="914400" rtl="0" eaLnBrk="1" latinLnBrk="0" hangingPunct="1">
+              <a:lnSpc>
+                <a:spcPct val="90000"/>
+              </a:lnSpc>
+              <a:spcBef>
+                <a:spcPts val="500"/>
+              </a:spcBef>
+              <a:buFont typeface="Arial" panose="020B0604020202020204" pitchFamily="34" charset="0"/>
+              <a:buNone/>
+              <a:defRPr sz="1600" kern="1200">
+                <a:solidFill>
+                  <a:schemeClr val="tx1"/>
+                </a:solidFill>
+                <a:latin typeface="+mn-lt"/>
+                <a:ea typeface="+mn-ea"/>
+                <a:cs typeface="+mn-cs"/>
+              </a:defRPr>
+            </a:lvl5pPr>
+            <a:lvl6pPr marL="2286000" indent="0" algn="ctr" defTabSz="914400" rtl="0" eaLnBrk="1" latinLnBrk="0" hangingPunct="1">
+              <a:lnSpc>
+                <a:spcPct val="90000"/>
+              </a:lnSpc>
+              <a:spcBef>
+                <a:spcPts val="500"/>
+              </a:spcBef>
+              <a:buFont typeface="Arial" panose="020B0604020202020204" pitchFamily="34" charset="0"/>
+              <a:buNone/>
+              <a:defRPr sz="1600" kern="1200">
+                <a:solidFill>
+                  <a:schemeClr val="tx1"/>
+                </a:solidFill>
+                <a:latin typeface="+mn-lt"/>
+                <a:ea typeface="+mn-ea"/>
+                <a:cs typeface="+mn-cs"/>
+              </a:defRPr>
+            </a:lvl6pPr>
+            <a:lvl7pPr marL="2743200" indent="0" algn="ctr" defTabSz="914400" rtl="0" eaLnBrk="1" latinLnBrk="0" hangingPunct="1">
+              <a:lnSpc>
+                <a:spcPct val="90000"/>
+              </a:lnSpc>
+              <a:spcBef>
+                <a:spcPts val="500"/>
+              </a:spcBef>
+              <a:buFont typeface="Arial" panose="020B0604020202020204" pitchFamily="34" charset="0"/>
+              <a:buNone/>
+              <a:defRPr sz="1600" kern="1200">
+                <a:solidFill>
+                  <a:schemeClr val="tx1"/>
+                </a:solidFill>
+                <a:latin typeface="+mn-lt"/>
+                <a:ea typeface="+mn-ea"/>
+                <a:cs typeface="+mn-cs"/>
+              </a:defRPr>
+            </a:lvl7pPr>
+            <a:lvl8pPr marL="3200400" indent="0" algn="ctr" defTabSz="914400" rtl="0" eaLnBrk="1" latinLnBrk="0" hangingPunct="1">
+              <a:lnSpc>
+                <a:spcPct val="90000"/>
+              </a:lnSpc>
+              <a:spcBef>
+                <a:spcPts val="500"/>
+              </a:spcBef>
+              <a:buFont typeface="Arial" panose="020B0604020202020204" pitchFamily="34" charset="0"/>
+              <a:buNone/>
+              <a:defRPr sz="1600" kern="1200">
+                <a:solidFill>
+                  <a:schemeClr val="tx1"/>
+                </a:solidFill>
+                <a:latin typeface="+mn-lt"/>
+                <a:ea typeface="+mn-ea"/>
+                <a:cs typeface="+mn-cs"/>
+              </a:defRPr>
+            </a:lvl8pPr>
+            <a:lvl9pPr marL="3657600" indent="0" algn="ctr" defTabSz="914400" rtl="0" eaLnBrk="1" latinLnBrk="0" hangingPunct="1">
+              <a:lnSpc>
+                <a:spcPct val="90000"/>
+              </a:lnSpc>
+              <a:spcBef>
+                <a:spcPts val="500"/>
+              </a:spcBef>
+              <a:buFont typeface="Arial" panose="020B0604020202020204" pitchFamily="34" charset="0"/>
+              <a:buNone/>
+              <a:defRPr sz="1600" kern="1200">
+                <a:solidFill>
+                  <a:schemeClr val="tx1"/>
+                </a:solidFill>
+                <a:latin typeface="+mn-lt"/>
+                <a:ea typeface="+mn-ea"/>
+                <a:cs typeface="+mn-cs"/>
+              </a:defRPr>
+            </a:lvl9pPr>
+          </a:lstStyle>
+          <a:p>
+            <a:pPr>
+              <a:lnSpc>
+                <a:spcPct val="150000"/>
+              </a:lnSpc>
+            </a:pPr>
+            <a:r>
+              <a:rPr lang="en-US" sz="1800" dirty="0">
+                <a:latin typeface="Segoe UI Light" panose="020B0502040204020203" pitchFamily="34" charset="0"/>
+                <a:cs typeface="Segoe UI Light" panose="020B0502040204020203" pitchFamily="34" charset="0"/>
+              </a:rPr>
+              <a:t>Lorem ipsum dolor sit </a:t>
+            </a:r>
+            <a:r>
+              <a:rPr lang="en-US" sz="1800" dirty="0" err="1">
+                <a:latin typeface="Segoe UI Light" panose="020B0502040204020203" pitchFamily="34" charset="0"/>
+                <a:cs typeface="Segoe UI Light" panose="020B0502040204020203" pitchFamily="34" charset="0"/>
+              </a:rPr>
+              <a:t>amet</a:t>
+            </a:r>
+            <a:r>
+              <a:rPr lang="en-US" sz="1800" dirty="0">
+                <a:latin typeface="Segoe UI Light" panose="020B0502040204020203" pitchFamily="34" charset="0"/>
+                <a:cs typeface="Segoe UI Light" panose="020B0502040204020203" pitchFamily="34" charset="0"/>
+              </a:rPr>
+              <a:t>, </a:t>
+            </a:r>
+            <a:r>
+              <a:rPr lang="en-US" sz="1800" dirty="0" err="1">
+                <a:latin typeface="Segoe UI Light" panose="020B0502040204020203" pitchFamily="34" charset="0"/>
+                <a:cs typeface="Segoe UI Light" panose="020B0502040204020203" pitchFamily="34" charset="0"/>
+              </a:rPr>
+              <a:t>consectetur</a:t>
+            </a:r>
+            <a:r>
+              <a:rPr lang="en-US" sz="1800" dirty="0">
+                <a:latin typeface="Segoe UI Light" panose="020B0502040204020203" pitchFamily="34" charset="0"/>
+                <a:cs typeface="Segoe UI Light" panose="020B0502040204020203" pitchFamily="34" charset="0"/>
+              </a:rPr>
+              <a:t> </a:t>
+            </a:r>
+            <a:r>
+              <a:rPr lang="en-US" sz="1800" dirty="0" err="1">
+                <a:latin typeface="Segoe UI Light" panose="020B0502040204020203" pitchFamily="34" charset="0"/>
+                <a:cs typeface="Segoe UI Light" panose="020B0502040204020203" pitchFamily="34" charset="0"/>
+              </a:rPr>
+              <a:t>adipiscing</a:t>
+            </a:r>
+            <a:r>
+              <a:rPr lang="en-US" sz="1800" dirty="0">
+                <a:latin typeface="Segoe UI Light" panose="020B0502040204020203" pitchFamily="34" charset="0"/>
+                <a:cs typeface="Segoe UI Light" panose="020B0502040204020203" pitchFamily="34" charset="0"/>
+              </a:rPr>
+              <a:t> </a:t>
+            </a:r>
+            <a:r>
+              <a:rPr lang="en-US" sz="1800" dirty="0" err="1">
+                <a:latin typeface="Segoe UI Light" panose="020B0502040204020203" pitchFamily="34" charset="0"/>
+                <a:cs typeface="Segoe UI Light" panose="020B0502040204020203" pitchFamily="34" charset="0"/>
+              </a:rPr>
+              <a:t>elit</a:t>
+            </a:r>
+            <a:r>
+              <a:rPr lang="en-US" sz="1800" dirty="0">
+                <a:latin typeface="Segoe UI Light" panose="020B0502040204020203" pitchFamily="34" charset="0"/>
+                <a:cs typeface="Segoe UI Light" panose="020B0502040204020203" pitchFamily="34" charset="0"/>
+              </a:rPr>
+              <a:t>. </a:t>
+            </a:r>
+            <a:r>
+              <a:rPr lang="en-US" sz="1800" dirty="0" err="1">
+                <a:latin typeface="Segoe UI Light" panose="020B0502040204020203" pitchFamily="34" charset="0"/>
+                <a:cs typeface="Segoe UI Light" panose="020B0502040204020203" pitchFamily="34" charset="0"/>
+              </a:rPr>
+              <a:t>Aliquam</a:t>
+            </a:r>
+            <a:r>
+              <a:rPr lang="en-US" sz="1800" dirty="0">
+                <a:latin typeface="Segoe UI Light" panose="020B0502040204020203" pitchFamily="34" charset="0"/>
+                <a:cs typeface="Segoe UI Light" panose="020B0502040204020203" pitchFamily="34" charset="0"/>
+              </a:rPr>
+              <a:t> </a:t>
+            </a:r>
+            <a:r>
+              <a:rPr lang="en-US" sz="1800" dirty="0" err="1">
+                <a:latin typeface="Segoe UI Light" panose="020B0502040204020203" pitchFamily="34" charset="0"/>
+                <a:cs typeface="Segoe UI Light" panose="020B0502040204020203" pitchFamily="34" charset="0"/>
+              </a:rPr>
+              <a:t>eleifend</a:t>
+            </a:r>
+            <a:r>
+              <a:rPr lang="en-US" sz="1800" dirty="0">
+                <a:latin typeface="Segoe UI Light" panose="020B0502040204020203" pitchFamily="34" charset="0"/>
+                <a:cs typeface="Segoe UI Light" panose="020B0502040204020203" pitchFamily="34" charset="0"/>
+              </a:rPr>
+              <a:t> </a:t>
+            </a:r>
+            <a:r>
+              <a:rPr lang="en-US" sz="1800" dirty="0" err="1">
+                <a:latin typeface="Segoe UI Light" panose="020B0502040204020203" pitchFamily="34" charset="0"/>
+                <a:cs typeface="Segoe UI Light" panose="020B0502040204020203" pitchFamily="34" charset="0"/>
+              </a:rPr>
+              <a:t>eget</a:t>
+            </a:r>
+            <a:r>
+              <a:rPr lang="en-US" sz="1800" dirty="0">
+                <a:latin typeface="Segoe UI Light" panose="020B0502040204020203" pitchFamily="34" charset="0"/>
+                <a:cs typeface="Segoe UI Light" panose="020B0502040204020203" pitchFamily="34" charset="0"/>
+              </a:rPr>
+              <a:t> </a:t>
+            </a:r>
+            <a:r>
+              <a:rPr lang="en-US" sz="1800" dirty="0" err="1">
+                <a:latin typeface="Segoe UI Light" panose="020B0502040204020203" pitchFamily="34" charset="0"/>
+                <a:cs typeface="Segoe UI Light" panose="020B0502040204020203" pitchFamily="34" charset="0"/>
+              </a:rPr>
+              <a:t>tellus</a:t>
+            </a:r>
+            <a:r>
+              <a:rPr lang="en-US" sz="1800" dirty="0">
+                <a:latin typeface="Segoe UI Light" panose="020B0502040204020203" pitchFamily="34" charset="0"/>
+                <a:cs typeface="Segoe UI Light" panose="020B0502040204020203" pitchFamily="34" charset="0"/>
+              </a:rPr>
+              <a:t> </a:t>
+            </a:r>
+            <a:r>
+              <a:rPr lang="en-US" sz="1800" dirty="0" err="1">
+                <a:latin typeface="Segoe UI Light" panose="020B0502040204020203" pitchFamily="34" charset="0"/>
+                <a:cs typeface="Segoe UI Light" panose="020B0502040204020203" pitchFamily="34" charset="0"/>
+              </a:rPr>
+              <a:t>eget</a:t>
+            </a:r>
+            <a:r>
+              <a:rPr lang="en-US" sz="1800" dirty="0">
+                <a:latin typeface="Segoe UI Light" panose="020B0502040204020203" pitchFamily="34" charset="0"/>
+                <a:cs typeface="Segoe UI Light" panose="020B0502040204020203" pitchFamily="34" charset="0"/>
+              </a:rPr>
+              <a:t> </a:t>
+            </a:r>
+            <a:r>
+              <a:rPr lang="en-US" sz="1800" dirty="0" err="1">
+                <a:latin typeface="Segoe UI Light" panose="020B0502040204020203" pitchFamily="34" charset="0"/>
+                <a:cs typeface="Segoe UI Light" panose="020B0502040204020203" pitchFamily="34" charset="0"/>
+              </a:rPr>
+              <a:t>sodales</a:t>
+            </a:r>
+            <a:r>
+              <a:rPr lang="en-US" sz="1800" dirty="0">
+                <a:latin typeface="Segoe UI Light" panose="020B0502040204020203" pitchFamily="34" charset="0"/>
+                <a:cs typeface="Segoe UI Light" panose="020B0502040204020203" pitchFamily="34" charset="0"/>
+              </a:rPr>
+              <a:t>. </a:t>
+            </a:r>
+            <a:r>
+              <a:rPr lang="en-US" sz="1800" dirty="0" err="1">
+                <a:latin typeface="Segoe UI Light" panose="020B0502040204020203" pitchFamily="34" charset="0"/>
+                <a:cs typeface="Segoe UI Light" panose="020B0502040204020203" pitchFamily="34" charset="0"/>
+              </a:rPr>
+              <a:t>Donec</a:t>
+            </a:r>
+            <a:r>
+              <a:rPr lang="en-US" sz="1800" dirty="0">
+                <a:latin typeface="Segoe UI Light" panose="020B0502040204020203" pitchFamily="34" charset="0"/>
+                <a:cs typeface="Segoe UI Light" panose="020B0502040204020203" pitchFamily="34" charset="0"/>
+              </a:rPr>
+              <a:t> a </a:t>
+            </a:r>
+            <a:r>
+              <a:rPr lang="en-US" sz="1800" dirty="0" err="1">
+                <a:latin typeface="Segoe UI Light" panose="020B0502040204020203" pitchFamily="34" charset="0"/>
+                <a:cs typeface="Segoe UI Light" panose="020B0502040204020203" pitchFamily="34" charset="0"/>
+              </a:rPr>
+              <a:t>facilisis</a:t>
+            </a:r>
+            <a:r>
+              <a:rPr lang="en-US" sz="1800" dirty="0">
+                <a:latin typeface="Segoe UI Light" panose="020B0502040204020203" pitchFamily="34" charset="0"/>
+                <a:cs typeface="Segoe UI Light" panose="020B0502040204020203" pitchFamily="34" charset="0"/>
+              </a:rPr>
+              <a:t> ipsum, a </a:t>
+            </a:r>
+            <a:r>
+              <a:rPr lang="en-US" sz="1800" dirty="0" err="1">
+                <a:latin typeface="Segoe UI Light" panose="020B0502040204020203" pitchFamily="34" charset="0"/>
+                <a:cs typeface="Segoe UI Light" panose="020B0502040204020203" pitchFamily="34" charset="0"/>
+              </a:rPr>
+              <a:t>ultricies</a:t>
+            </a:r>
+            <a:r>
+              <a:rPr lang="en-US" sz="1800" dirty="0">
+                <a:latin typeface="Segoe UI Light" panose="020B0502040204020203" pitchFamily="34" charset="0"/>
+                <a:cs typeface="Segoe UI Light" panose="020B0502040204020203" pitchFamily="34" charset="0"/>
+              </a:rPr>
+              <a:t> </a:t>
+            </a:r>
+            <a:r>
+              <a:rPr lang="en-US" sz="1800" dirty="0" err="1">
+                <a:latin typeface="Segoe UI Light" panose="020B0502040204020203" pitchFamily="34" charset="0"/>
+                <a:cs typeface="Segoe UI Light" panose="020B0502040204020203" pitchFamily="34" charset="0"/>
+              </a:rPr>
+              <a:t>lacus</a:t>
+            </a:r>
+            <a:r>
+              <a:rPr lang="en-US" sz="1800" dirty="0">
+                <a:latin typeface="Segoe UI Light" panose="020B0502040204020203" pitchFamily="34" charset="0"/>
+                <a:cs typeface="Segoe UI Light" panose="020B0502040204020203" pitchFamily="34" charset="0"/>
+              </a:rPr>
+              <a:t>. </a:t>
+            </a:r>
+            <a:r>
+              <a:rPr lang="en-US" sz="1800" dirty="0" err="1">
+                <a:latin typeface="Segoe UI Light" panose="020B0502040204020203" pitchFamily="34" charset="0"/>
+                <a:cs typeface="Segoe UI Light" panose="020B0502040204020203" pitchFamily="34" charset="0"/>
+              </a:rPr>
+              <a:t>Phasellus</a:t>
+            </a:r>
+            <a:r>
+              <a:rPr lang="en-US" sz="1800" dirty="0">
+                <a:latin typeface="Segoe UI Light" panose="020B0502040204020203" pitchFamily="34" charset="0"/>
+                <a:cs typeface="Segoe UI Light" panose="020B0502040204020203" pitchFamily="34" charset="0"/>
+              </a:rPr>
+              <a:t> in </a:t>
+            </a:r>
+            <a:r>
+              <a:rPr lang="en-US" sz="1800" dirty="0" err="1">
+                <a:latin typeface="Segoe UI Light" panose="020B0502040204020203" pitchFamily="34" charset="0"/>
+                <a:cs typeface="Segoe UI Light" panose="020B0502040204020203" pitchFamily="34" charset="0"/>
+              </a:rPr>
+              <a:t>erat</a:t>
+            </a:r>
+            <a:r>
+              <a:rPr lang="en-US" sz="1800" dirty="0">
+                <a:latin typeface="Segoe UI Light" panose="020B0502040204020203" pitchFamily="34" charset="0"/>
+                <a:cs typeface="Segoe UI Light" panose="020B0502040204020203" pitchFamily="34" charset="0"/>
+              </a:rPr>
+              <a:t> ac </a:t>
+            </a:r>
+            <a:r>
+              <a:rPr lang="en-US" sz="1800" dirty="0" err="1">
+                <a:latin typeface="Segoe UI Light" panose="020B0502040204020203" pitchFamily="34" charset="0"/>
+                <a:cs typeface="Segoe UI Light" panose="020B0502040204020203" pitchFamily="34" charset="0"/>
+              </a:rPr>
+              <a:t>augue</a:t>
+            </a:r>
+            <a:r>
+              <a:rPr lang="en-US" sz="1800" dirty="0">
+                <a:latin typeface="Segoe UI Light" panose="020B0502040204020203" pitchFamily="34" charset="0"/>
+                <a:cs typeface="Segoe UI Light" panose="020B0502040204020203" pitchFamily="34" charset="0"/>
+              </a:rPr>
+              <a:t> </a:t>
+            </a:r>
+            <a:r>
+              <a:rPr lang="en-US" sz="1800" dirty="0" err="1">
+                <a:latin typeface="Segoe UI Light" panose="020B0502040204020203" pitchFamily="34" charset="0"/>
+                <a:cs typeface="Segoe UI Light" panose="020B0502040204020203" pitchFamily="34" charset="0"/>
+              </a:rPr>
+              <a:t>commodo</a:t>
+            </a:r>
+            <a:r>
+              <a:rPr lang="en-US" sz="1800" dirty="0">
+                <a:latin typeface="Segoe UI Light" panose="020B0502040204020203" pitchFamily="34" charset="0"/>
+                <a:cs typeface="Segoe UI Light" panose="020B0502040204020203" pitchFamily="34" charset="0"/>
+              </a:rPr>
+              <a:t> </a:t>
+            </a:r>
+            <a:r>
+              <a:rPr lang="en-US" sz="1800" dirty="0" err="1">
+                <a:latin typeface="Segoe UI Light" panose="020B0502040204020203" pitchFamily="34" charset="0"/>
+                <a:cs typeface="Segoe UI Light" panose="020B0502040204020203" pitchFamily="34" charset="0"/>
+              </a:rPr>
+              <a:t>pellentesque</a:t>
+            </a:r>
+            <a:r>
+              <a:rPr lang="en-US" sz="1800" dirty="0">
+                <a:latin typeface="Segoe UI Light" panose="020B0502040204020203" pitchFamily="34" charset="0"/>
+                <a:cs typeface="Segoe UI Light" panose="020B0502040204020203" pitchFamily="34" charset="0"/>
+              </a:rPr>
+              <a:t> id et </a:t>
+            </a:r>
+            <a:r>
+              <a:rPr lang="en-US" sz="1800" dirty="0" err="1">
+                <a:latin typeface="Segoe UI Light" panose="020B0502040204020203" pitchFamily="34" charset="0"/>
+                <a:cs typeface="Segoe UI Light" panose="020B0502040204020203" pitchFamily="34" charset="0"/>
+              </a:rPr>
+              <a:t>velit</a:t>
+            </a:r>
+            <a:r>
+              <a:rPr lang="en-US" sz="1800" dirty="0">
+                <a:latin typeface="Segoe UI Light" panose="020B0502040204020203" pitchFamily="34" charset="0"/>
+                <a:cs typeface="Segoe UI Light" panose="020B0502040204020203" pitchFamily="34" charset="0"/>
+              </a:rPr>
+              <a:t>. </a:t>
+            </a:r>
+            <a:r>
+              <a:rPr lang="en-US" sz="1800" dirty="0" err="1">
+                <a:latin typeface="Segoe UI Light" panose="020B0502040204020203" pitchFamily="34" charset="0"/>
+                <a:cs typeface="Segoe UI Light" panose="020B0502040204020203" pitchFamily="34" charset="0"/>
+              </a:rPr>
+              <a:t>Donec</a:t>
+            </a:r>
+            <a:r>
+              <a:rPr lang="en-US" sz="1800" dirty="0">
+                <a:latin typeface="Segoe UI Light" panose="020B0502040204020203" pitchFamily="34" charset="0"/>
+                <a:cs typeface="Segoe UI Light" panose="020B0502040204020203" pitchFamily="34" charset="0"/>
+              </a:rPr>
+              <a:t> in </a:t>
+            </a:r>
+            <a:r>
+              <a:rPr lang="en-US" sz="1800" dirty="0" err="1">
+                <a:latin typeface="Segoe UI Light" panose="020B0502040204020203" pitchFamily="34" charset="0"/>
+                <a:cs typeface="Segoe UI Light" panose="020B0502040204020203" pitchFamily="34" charset="0"/>
+              </a:rPr>
+              <a:t>varius</a:t>
+            </a:r>
+            <a:r>
+              <a:rPr lang="en-US" sz="1800" dirty="0">
+                <a:latin typeface="Segoe UI Light" panose="020B0502040204020203" pitchFamily="34" charset="0"/>
+                <a:cs typeface="Segoe UI Light" panose="020B0502040204020203" pitchFamily="34" charset="0"/>
+              </a:rPr>
+              <a:t> </a:t>
+            </a:r>
+            <a:r>
+              <a:rPr lang="en-US" sz="1800" dirty="0" err="1">
+                <a:latin typeface="Segoe UI Light" panose="020B0502040204020203" pitchFamily="34" charset="0"/>
+                <a:cs typeface="Segoe UI Light" panose="020B0502040204020203" pitchFamily="34" charset="0"/>
+              </a:rPr>
+              <a:t>risus</a:t>
+            </a:r>
+            <a:r>
+              <a:rPr lang="en-US" sz="1800" dirty="0">
+                <a:latin typeface="Segoe UI Light" panose="020B0502040204020203" pitchFamily="34" charset="0"/>
+                <a:cs typeface="Segoe UI Light" panose="020B0502040204020203" pitchFamily="34" charset="0"/>
+              </a:rPr>
+              <a:t>, </a:t>
+            </a:r>
+            <a:r>
+              <a:rPr lang="en-US" sz="1800" dirty="0" err="1">
+                <a:latin typeface="Segoe UI Light" panose="020B0502040204020203" pitchFamily="34" charset="0"/>
+                <a:cs typeface="Segoe UI Light" panose="020B0502040204020203" pitchFamily="34" charset="0"/>
+              </a:rPr>
+              <a:t>eu</a:t>
+            </a:r>
+            <a:r>
+              <a:rPr lang="en-US" sz="1800" dirty="0">
+                <a:latin typeface="Segoe UI Light" panose="020B0502040204020203" pitchFamily="34" charset="0"/>
+                <a:cs typeface="Segoe UI Light" panose="020B0502040204020203" pitchFamily="34" charset="0"/>
+              </a:rPr>
+              <a:t> </a:t>
+            </a:r>
+            <a:r>
+              <a:rPr lang="en-US" sz="1800" dirty="0" err="1">
+                <a:latin typeface="Segoe UI Light" panose="020B0502040204020203" pitchFamily="34" charset="0"/>
+                <a:cs typeface="Segoe UI Light" panose="020B0502040204020203" pitchFamily="34" charset="0"/>
+              </a:rPr>
+              <a:t>ultricies</a:t>
+            </a:r>
+            <a:r>
+              <a:rPr lang="en-US" sz="1800" dirty="0">
+                <a:latin typeface="Segoe UI Light" panose="020B0502040204020203" pitchFamily="34" charset="0"/>
+                <a:cs typeface="Segoe UI Light" panose="020B0502040204020203" pitchFamily="34" charset="0"/>
+              </a:rPr>
+              <a:t> </a:t>
+            </a:r>
+            <a:r>
+              <a:rPr lang="en-US" sz="1800" dirty="0" err="1">
+                <a:latin typeface="Segoe UI Light" panose="020B0502040204020203" pitchFamily="34" charset="0"/>
+                <a:cs typeface="Segoe UI Light" panose="020B0502040204020203" pitchFamily="34" charset="0"/>
+              </a:rPr>
+              <a:t>velit</a:t>
+            </a:r>
+            <a:r>
+              <a:rPr lang="en-US" sz="1800" dirty="0">
+                <a:latin typeface="Segoe UI Light" panose="020B0502040204020203" pitchFamily="34" charset="0"/>
+                <a:cs typeface="Segoe UI Light" panose="020B0502040204020203" pitchFamily="34" charset="0"/>
+              </a:rPr>
+              <a:t>. Maecenas </a:t>
+            </a:r>
+            <a:r>
+              <a:rPr lang="en-US" sz="1800" dirty="0" err="1">
+                <a:latin typeface="Segoe UI Light" panose="020B0502040204020203" pitchFamily="34" charset="0"/>
+                <a:cs typeface="Segoe UI Light" panose="020B0502040204020203" pitchFamily="34" charset="0"/>
+              </a:rPr>
+              <a:t>mauris</a:t>
+            </a:r>
+            <a:r>
+              <a:rPr lang="en-US" sz="1800" dirty="0">
+                <a:latin typeface="Segoe UI Light" panose="020B0502040204020203" pitchFamily="34" charset="0"/>
+                <a:cs typeface="Segoe UI Light" panose="020B0502040204020203" pitchFamily="34" charset="0"/>
+              </a:rPr>
+              <a:t> </a:t>
+            </a:r>
+            <a:r>
+              <a:rPr lang="en-US" sz="1800" dirty="0" err="1">
+                <a:latin typeface="Segoe UI Light" panose="020B0502040204020203" pitchFamily="34" charset="0"/>
+                <a:cs typeface="Segoe UI Light" panose="020B0502040204020203" pitchFamily="34" charset="0"/>
+              </a:rPr>
+              <a:t>massa</a:t>
+            </a:r>
+            <a:r>
+              <a:rPr lang="en-US" sz="1800" dirty="0">
+                <a:latin typeface="Segoe UI Light" panose="020B0502040204020203" pitchFamily="34" charset="0"/>
+                <a:cs typeface="Segoe UI Light" panose="020B0502040204020203" pitchFamily="34" charset="0"/>
+              </a:rPr>
+              <a:t>, lacinia at </a:t>
+            </a:r>
+            <a:r>
+              <a:rPr lang="en-US" sz="1800" dirty="0" err="1">
+                <a:latin typeface="Segoe UI Light" panose="020B0502040204020203" pitchFamily="34" charset="0"/>
+                <a:cs typeface="Segoe UI Light" panose="020B0502040204020203" pitchFamily="34" charset="0"/>
+              </a:rPr>
+              <a:t>sapien</a:t>
+            </a:r>
+            <a:r>
+              <a:rPr lang="en-US" sz="1800" dirty="0">
+                <a:latin typeface="Segoe UI Light" panose="020B0502040204020203" pitchFamily="34" charset="0"/>
+                <a:cs typeface="Segoe UI Light" panose="020B0502040204020203" pitchFamily="34" charset="0"/>
+              </a:rPr>
+              <a:t> et, </a:t>
+            </a:r>
+            <a:r>
+              <a:rPr lang="en-US" sz="1800" dirty="0" err="1">
+                <a:latin typeface="Segoe UI Light" panose="020B0502040204020203" pitchFamily="34" charset="0"/>
+                <a:cs typeface="Segoe UI Light" panose="020B0502040204020203" pitchFamily="34" charset="0"/>
+              </a:rPr>
+              <a:t>sodales</a:t>
+            </a:r>
+            <a:r>
+              <a:rPr lang="en-US" sz="1800" dirty="0">
+                <a:latin typeface="Segoe UI Light" panose="020B0502040204020203" pitchFamily="34" charset="0"/>
+                <a:cs typeface="Segoe UI Light" panose="020B0502040204020203" pitchFamily="34" charset="0"/>
+              </a:rPr>
+              <a:t> </a:t>
+            </a:r>
+            <a:r>
+              <a:rPr lang="en-US" sz="1800" dirty="0" err="1">
+                <a:latin typeface="Segoe UI Light" panose="020B0502040204020203" pitchFamily="34" charset="0"/>
+                <a:cs typeface="Segoe UI Light" panose="020B0502040204020203" pitchFamily="34" charset="0"/>
+              </a:rPr>
+              <a:t>suscipit</a:t>
+            </a:r>
+            <a:r>
+              <a:rPr lang="en-US" sz="1800" dirty="0">
+                <a:latin typeface="Segoe UI Light" panose="020B0502040204020203" pitchFamily="34" charset="0"/>
+                <a:cs typeface="Segoe UI Light" panose="020B0502040204020203" pitchFamily="34" charset="0"/>
+              </a:rPr>
+              <a:t> </a:t>
+            </a:r>
+            <a:r>
+              <a:rPr lang="en-US" sz="1800" dirty="0" err="1">
+                <a:latin typeface="Segoe UI Light" panose="020B0502040204020203" pitchFamily="34" charset="0"/>
+                <a:cs typeface="Segoe UI Light" panose="020B0502040204020203" pitchFamily="34" charset="0"/>
+              </a:rPr>
+              <a:t>quam</a:t>
+            </a:r>
+            <a:endParaRPr lang="en-US" sz="1800" dirty="0">
+              <a:latin typeface="Segoe UI Light" panose="020B0502040204020203" pitchFamily="34" charset="0"/>
+              <a:cs typeface="Segoe UI Light" panose="020B0502040204020203" pitchFamily="34" charset="0"/>
+            </a:endParaRPr>
+          </a:p>
+        </p:txBody>
+      </p:sp>
+    </p:spTree>
+    <p:extLst>
+      <p:ext uri="{BB962C8B-B14F-4D97-AF65-F5344CB8AC3E}">
+        <p14:creationId xmlns:p14="http://schemas.microsoft.com/office/powerpoint/2010/main" val="2882545967"/>
+      </p:ext>
+    </p:extLst>
+  </p:cSld>
+  <p:clrMapOvr>
+    <a:masterClrMapping/>
+  </p:clrMapOvr>
+  <mc:AlternateContent xmlns:mc="http://schemas.openxmlformats.org/markup-compatibility/2006" xmlns:p14="http://schemas.microsoft.com/office/powerpoint/2010/main">
+    <mc:Choice Requires="p14">
+      <p:transition p14:dur="100">
+        <p:cut/>
+      </p:transition>
+    </mc:Choice>
+    <mc:Fallback xmlns="">
+      <p:transition>
+        <p:cut/>
+      </p:transition>
+    </mc:Fallback>
+  </mc:AlternateContent>
+</p:sld>
+</file>
+
+<file path=ppt/slides/slide45.xml><?xml version="1.0" encoding="utf-8"?>
 <p:sld xmlns:a="http://schemas.openxmlformats.org/drawingml/2006/main" xmlns:r="http://schemas.openxmlformats.org/officeDocument/2006/relationships" xmlns:p="http://schemas.openxmlformats.org/presentationml/2006/main">
   <p:cSld>
     <p:spTree>
@@ -28709,7 +31594,7 @@
 </p:sld>
 </file>
 
-<file path=ppt/slides/slide41.xml><?xml version="1.0" encoding="utf-8"?>
+<file path=ppt/slides/slide46.xml><?xml version="1.0" encoding="utf-8"?>
 <p:sld xmlns:a="http://schemas.openxmlformats.org/drawingml/2006/main" xmlns:r="http://schemas.openxmlformats.org/officeDocument/2006/relationships" xmlns:p="http://schemas.openxmlformats.org/presentationml/2006/main">
   <p:cSld>
     <p:spTree>
@@ -30091,7 +32976,7 @@
 </p:sld>
 </file>
 
-<file path=ppt/slides/slide42.xml><?xml version="1.0" encoding="utf-8"?>
+<file path=ppt/slides/slide47.xml><?xml version="1.0" encoding="utf-8"?>
 <p:sld xmlns:a="http://schemas.openxmlformats.org/drawingml/2006/main" xmlns:r="http://schemas.openxmlformats.org/officeDocument/2006/relationships" xmlns:p="http://schemas.openxmlformats.org/presentationml/2006/main">
   <p:cSld>
     <p:spTree>
@@ -31461,7 +34346,7 @@
 </p:sld>
 </file>
 
-<file path=ppt/slides/slide43.xml><?xml version="1.0" encoding="utf-8"?>
+<file path=ppt/slides/slide48.xml><?xml version="1.0" encoding="utf-8"?>
 <p:sld xmlns:a="http://schemas.openxmlformats.org/drawingml/2006/main" xmlns:r="http://schemas.openxmlformats.org/officeDocument/2006/relationships" xmlns:p="http://schemas.openxmlformats.org/presentationml/2006/main">
   <p:cSld>
     <p:spTree>

--- a/2018-11-03-Designing-Modularity/Presentation.pptx
+++ b/2018-11-03-Designing-Modularity/Presentation.pptx
@@ -5,7 +5,7 @@
     <p:sldMasterId id="2147483648" r:id="rId1"/>
   </p:sldMasterIdLst>
   <p:notesMasterIdLst>
-    <p:notesMasterId r:id="rId50"/>
+    <p:notesMasterId r:id="rId52"/>
   </p:notesMasterIdLst>
   <p:sldIdLst>
     <p:sldId id="256" r:id="rId2"/>
@@ -46,16 +46,18 @@
     <p:sldId id="304" r:id="rId37"/>
     <p:sldId id="303" r:id="rId38"/>
     <p:sldId id="306" r:id="rId39"/>
-    <p:sldId id="307" r:id="rId40"/>
-    <p:sldId id="308" r:id="rId41"/>
+    <p:sldId id="308" r:id="rId40"/>
+    <p:sldId id="309" r:id="rId41"/>
     <p:sldId id="305" r:id="rId42"/>
-    <p:sldId id="266" r:id="rId43"/>
-    <p:sldId id="261" r:id="rId44"/>
-    <p:sldId id="291" r:id="rId45"/>
-    <p:sldId id="262" r:id="rId46"/>
-    <p:sldId id="263" r:id="rId47"/>
-    <p:sldId id="264" r:id="rId48"/>
-    <p:sldId id="265" r:id="rId49"/>
+    <p:sldId id="311" r:id="rId43"/>
+    <p:sldId id="310" r:id="rId44"/>
+    <p:sldId id="266" r:id="rId45"/>
+    <p:sldId id="261" r:id="rId46"/>
+    <p:sldId id="291" r:id="rId47"/>
+    <p:sldId id="262" r:id="rId48"/>
+    <p:sldId id="263" r:id="rId49"/>
+    <p:sldId id="264" r:id="rId50"/>
+    <p:sldId id="265" r:id="rId51"/>
   </p:sldIdLst>
   <p:sldSz cx="12192000" cy="6858000"/>
   <p:notesSz cx="6858000" cy="9144000"/>
@@ -22743,6 +22745,23 @@
               <a:t>The framework should provide toolbars, menus, header/footer areas, alert areas, sidebars, content areas and so on…</a:t>
             </a:r>
           </a:p>
+          <a:p>
+            <a:pPr algn="l">
+              <a:lnSpc>
+                <a:spcPct val="150000"/>
+              </a:lnSpc>
+            </a:pPr>
+            <a:r>
+              <a:rPr lang="en-US" sz="1600" dirty="0">
+                <a:solidFill>
+                  <a:srgbClr val="FF0000"/>
+                </a:solidFill>
+                <a:latin typeface="Segoe UI Light" panose="020B0502040204020203" pitchFamily="34" charset="0"/>
+                <a:cs typeface="Segoe UI Light" panose="020B0502040204020203" pitchFamily="34" charset="0"/>
+              </a:rPr>
+              <a:t>TODO: Create a layout illustration</a:t>
+            </a:r>
+          </a:p>
         </p:txBody>
       </p:sp>
       <p:pic>
@@ -24441,7 +24460,7 @@
         <p:spPr>
           <a:xfrm>
             <a:off x="738907" y="419878"/>
-            <a:ext cx="6016455" cy="775853"/>
+            <a:ext cx="8901268" cy="775853"/>
           </a:xfrm>
         </p:spPr>
         <p:txBody>
@@ -24570,7 +24589,7 @@
         </p:nvSpPr>
         <p:spPr>
           <a:xfrm>
-            <a:off x="3582554" y="2904836"/>
+            <a:off x="4189040" y="2904836"/>
             <a:ext cx="835891" cy="775853"/>
           </a:xfrm>
           <a:prstGeom prst="rect">
@@ -24781,7 +24800,7 @@
         </p:blipFill>
         <p:spPr>
           <a:xfrm>
-            <a:off x="181850" y="1192499"/>
+            <a:off x="788336" y="1192499"/>
             <a:ext cx="9458325" cy="4200525"/>
           </a:xfrm>
           <a:prstGeom prst="rect">
@@ -24803,7 +24822,7 @@
         </p:nvSpPr>
         <p:spPr>
           <a:xfrm>
-            <a:off x="6326156" y="5049681"/>
+            <a:off x="7352519" y="4777204"/>
             <a:ext cx="2761861" cy="1231640"/>
           </a:xfrm>
           <a:prstGeom prst="rect">
@@ -24836,1250 +24855,6 @@
                 <a:latin typeface="Segoe UI Semibold" panose="020B0702040204020203" pitchFamily="34" charset="0"/>
                 <a:cs typeface="Segoe UI Semibold" panose="020B0702040204020203" pitchFamily="34" charset="0"/>
               </a:rPr>
-              <a:t>Application</a:t>
-            </a:r>
-          </a:p>
-        </p:txBody>
-      </p:sp>
-      <p:cxnSp>
-        <p:nvCxnSpPr>
-          <p:cNvPr id="7" name="Connector: Curved 6">
-            <a:extLst>
-              <a:ext uri="{FF2B5EF4-FFF2-40B4-BE49-F238E27FC236}">
-                <a16:creationId xmlns:a16="http://schemas.microsoft.com/office/drawing/2014/main" id="{6BCEF099-CB59-40AC-84AB-5E6869EDDBDE}"/>
-              </a:ext>
-            </a:extLst>
-          </p:cNvPr>
-          <p:cNvCxnSpPr>
-            <a:cxnSpLocks/>
-            <a:stCxn id="4" idx="1"/>
-          </p:cNvCxnSpPr>
-          <p:nvPr/>
-        </p:nvCxnSpPr>
-        <p:spPr>
-          <a:xfrm rot="10800000">
-            <a:off x="1436914" y="4236099"/>
-            <a:ext cx="4889242" cy="1429403"/>
-          </a:xfrm>
-          <a:prstGeom prst="curvedConnector3">
-            <a:avLst>
-              <a:gd name="adj1" fmla="val 100191"/>
-            </a:avLst>
-          </a:prstGeom>
-          <a:ln w="50800">
-            <a:tailEnd type="triangle"/>
-          </a:ln>
-        </p:spPr>
-        <p:style>
-          <a:lnRef idx="1">
-            <a:schemeClr val="accent1"/>
-          </a:lnRef>
-          <a:fillRef idx="0">
-            <a:schemeClr val="accent1"/>
-          </a:fillRef>
-          <a:effectRef idx="0">
-            <a:schemeClr val="accent1"/>
-          </a:effectRef>
-          <a:fontRef idx="minor">
-            <a:schemeClr val="tx1"/>
-          </a:fontRef>
-        </p:style>
-      </p:cxnSp>
-    </p:spTree>
-    <p:extLst>
-      <p:ext uri="{BB962C8B-B14F-4D97-AF65-F5344CB8AC3E}">
-        <p14:creationId xmlns:p14="http://schemas.microsoft.com/office/powerpoint/2010/main" val="3173376015"/>
-      </p:ext>
-    </p:extLst>
-  </p:cSld>
-  <p:clrMapOvr>
-    <a:masterClrMapping/>
-  </p:clrMapOvr>
-  <mc:AlternateContent xmlns:mc="http://schemas.openxmlformats.org/markup-compatibility/2006" xmlns:p14="http://schemas.microsoft.com/office/powerpoint/2010/main">
-    <mc:Choice Requires="p14">
-      <p:transition p14:dur="100">
-        <p:cut/>
-      </p:transition>
-    </mc:Choice>
-    <mc:Fallback xmlns="">
-      <p:transition>
-        <p:cut/>
-      </p:transition>
-    </mc:Fallback>
-  </mc:AlternateContent>
-</p:sld>
-</file>
-
-<file path=ppt/slides/slide4.xml><?xml version="1.0" encoding="utf-8"?>
-<p:sld xmlns:a="http://schemas.openxmlformats.org/drawingml/2006/main" xmlns:r="http://schemas.openxmlformats.org/officeDocument/2006/relationships" xmlns:p="http://schemas.openxmlformats.org/presentationml/2006/main">
-  <p:cSld>
-    <p:spTree>
-      <p:nvGrpSpPr>
-        <p:cNvPr id="1" name=""/>
-        <p:cNvGrpSpPr/>
-        <p:nvPr/>
-      </p:nvGrpSpPr>
-      <p:grpSpPr>
-        <a:xfrm>
-          <a:off x="0" y="0"/>
-          <a:ext cx="0" cy="0"/>
-          <a:chOff x="0" y="0"/>
-          <a:chExt cx="0" cy="0"/>
-        </a:xfrm>
-      </p:grpSpPr>
-      <p:pic>
-        <p:nvPicPr>
-          <p:cNvPr id="9" name="Picture 8">
-            <a:extLst>
-              <a:ext uri="{FF2B5EF4-FFF2-40B4-BE49-F238E27FC236}">
-                <a16:creationId xmlns:a16="http://schemas.microsoft.com/office/drawing/2014/main" id="{39E83B63-DAE7-4E06-A56F-CF1576B89936}"/>
-              </a:ext>
-            </a:extLst>
-          </p:cNvPr>
-          <p:cNvPicPr>
-            <a:picLocks noChangeAspect="1"/>
-          </p:cNvPicPr>
-          <p:nvPr/>
-        </p:nvPicPr>
-        <p:blipFill>
-          <a:blip r:embed="rId2">
-            <a:extLst>
-              <a:ext uri="{28A0092B-C50C-407E-A947-70E740481C1C}">
-                <a14:useLocalDpi xmlns:a14="http://schemas.microsoft.com/office/drawing/2010/main" val="0"/>
-              </a:ext>
-            </a:extLst>
-          </a:blip>
-          <a:stretch>
-            <a:fillRect/>
-          </a:stretch>
-        </p:blipFill>
-        <p:spPr>
-          <a:xfrm>
-            <a:off x="0" y="0"/>
-            <a:ext cx="12192000" cy="6858000"/>
-          </a:xfrm>
-          <a:prstGeom prst="rect">
-            <a:avLst/>
-          </a:prstGeom>
-        </p:spPr>
-      </p:pic>
-      <p:sp>
-        <p:nvSpPr>
-          <p:cNvPr id="2" name="Title 1">
-            <a:extLst>
-              <a:ext uri="{FF2B5EF4-FFF2-40B4-BE49-F238E27FC236}">
-                <a16:creationId xmlns:a16="http://schemas.microsoft.com/office/drawing/2014/main" id="{0DE26BD9-3178-4532-BF33-58FE331BE190}"/>
-              </a:ext>
-            </a:extLst>
-          </p:cNvPr>
-          <p:cNvSpPr>
-            <a:spLocks noGrp="1"/>
-          </p:cNvSpPr>
-          <p:nvPr>
-            <p:ph type="ctrTitle"/>
-          </p:nvPr>
-        </p:nvSpPr>
-        <p:spPr>
-          <a:xfrm>
-            <a:off x="738908" y="930564"/>
-            <a:ext cx="5429880" cy="1253078"/>
-          </a:xfrm>
-        </p:spPr>
-        <p:txBody>
-          <a:bodyPr anchor="b">
-            <a:normAutofit/>
-          </a:bodyPr>
-          <a:lstStyle/>
-          <a:p>
-            <a:pPr algn="l"/>
-            <a:r>
-              <a:rPr lang="en-US" sz="4000" b="1" dirty="0">
-                <a:latin typeface="Segoe UI Semibold" panose="020B0702040204020203" pitchFamily="34" charset="0"/>
-                <a:cs typeface="Segoe UI Semibold" panose="020B0702040204020203" pitchFamily="34" charset="0"/>
-              </a:rPr>
-              <a:t>Modular Architecture</a:t>
-            </a:r>
-            <a:r>
-              <a:rPr lang="en-US" sz="4000" b="1" dirty="0">
-                <a:solidFill>
-                  <a:srgbClr val="0041C6"/>
-                </a:solidFill>
-                <a:latin typeface="Segoe UI Semibold" panose="020B0702040204020203" pitchFamily="34" charset="0"/>
-                <a:cs typeface="Segoe UI Semibold" panose="020B0702040204020203" pitchFamily="34" charset="0"/>
-              </a:rPr>
-              <a:t> Problems</a:t>
-            </a:r>
-          </a:p>
-        </p:txBody>
-      </p:sp>
-      <p:sp>
-        <p:nvSpPr>
-          <p:cNvPr id="5" name="Footer Placeholder 4">
-            <a:extLst>
-              <a:ext uri="{FF2B5EF4-FFF2-40B4-BE49-F238E27FC236}">
-                <a16:creationId xmlns:a16="http://schemas.microsoft.com/office/drawing/2014/main" id="{A3553ADE-3838-4EDB-9F14-97C75DE2198D}"/>
-              </a:ext>
-            </a:extLst>
-          </p:cNvPr>
-          <p:cNvSpPr>
-            <a:spLocks noGrp="1"/>
-          </p:cNvSpPr>
-          <p:nvPr>
-            <p:ph type="ftr" sz="quarter" idx="11"/>
-          </p:nvPr>
-        </p:nvSpPr>
-        <p:spPr>
-          <a:xfrm>
-            <a:off x="0" y="6483927"/>
-            <a:ext cx="4190999" cy="374073"/>
-          </a:xfrm>
-        </p:spPr>
-        <p:txBody>
-          <a:bodyPr/>
-          <a:lstStyle/>
-          <a:p>
-            <a:pPr algn="l"/>
-            <a:r>
-              <a:rPr lang="en-US" dirty="0" err="1">
-                <a:solidFill>
-                  <a:schemeClr val="tx1"/>
-                </a:solidFill>
-                <a:latin typeface="Segoe UI" panose="020B0502040204020203" pitchFamily="34" charset="0"/>
-                <a:cs typeface="Segoe UI" panose="020B0502040204020203" pitchFamily="34" charset="0"/>
-              </a:rPr>
-              <a:t>Halil</a:t>
-            </a:r>
-            <a:r>
-              <a:rPr lang="en-US" dirty="0">
-                <a:solidFill>
-                  <a:schemeClr val="tx1"/>
-                </a:solidFill>
-                <a:latin typeface="Segoe UI" panose="020B0502040204020203" pitchFamily="34" charset="0"/>
-                <a:cs typeface="Segoe UI" panose="020B0502040204020203" pitchFamily="34" charset="0"/>
-              </a:rPr>
-              <a:t> İbrahim KALKAN | @</a:t>
-            </a:r>
-            <a:r>
-              <a:rPr lang="en-US" dirty="0" err="1">
-                <a:solidFill>
-                  <a:schemeClr val="tx1"/>
-                </a:solidFill>
-                <a:latin typeface="Segoe UI" panose="020B0502040204020203" pitchFamily="34" charset="0"/>
-                <a:cs typeface="Segoe UI" panose="020B0502040204020203" pitchFamily="34" charset="0"/>
-              </a:rPr>
-              <a:t>hikalkan</a:t>
-            </a:r>
-            <a:r>
-              <a:rPr lang="en-US" dirty="0">
-                <a:solidFill>
-                  <a:schemeClr val="tx1"/>
-                </a:solidFill>
-                <a:latin typeface="Segoe UI" panose="020B0502040204020203" pitchFamily="34" charset="0"/>
-                <a:cs typeface="Segoe UI" panose="020B0502040204020203" pitchFamily="34" charset="0"/>
-              </a:rPr>
-              <a:t> | </a:t>
-            </a:r>
-            <a:r>
-              <a:rPr lang="en-US" dirty="0" err="1">
-                <a:solidFill>
-                  <a:schemeClr val="tx1"/>
-                </a:solidFill>
-                <a:latin typeface="Segoe UI" panose="020B0502040204020203" pitchFamily="34" charset="0"/>
-                <a:cs typeface="Segoe UI" panose="020B0502040204020203" pitchFamily="34" charset="0"/>
-              </a:rPr>
-              <a:t>Volosoft</a:t>
-            </a:r>
-            <a:r>
-              <a:rPr lang="en-US" dirty="0">
-                <a:solidFill>
-                  <a:schemeClr val="tx1"/>
-                </a:solidFill>
-                <a:latin typeface="Segoe UI" panose="020B0502040204020203" pitchFamily="34" charset="0"/>
-                <a:cs typeface="Segoe UI" panose="020B0502040204020203" pitchFamily="34" charset="0"/>
-              </a:rPr>
-              <a:t> TM</a:t>
-            </a:r>
-          </a:p>
-        </p:txBody>
-      </p:sp>
-      <p:sp>
-        <p:nvSpPr>
-          <p:cNvPr id="11" name="Subtitle 2">
-            <a:extLst>
-              <a:ext uri="{FF2B5EF4-FFF2-40B4-BE49-F238E27FC236}">
-                <a16:creationId xmlns:a16="http://schemas.microsoft.com/office/drawing/2014/main" id="{A769CE0C-E9B4-4049-B22B-C35AD0DD7409}"/>
-              </a:ext>
-            </a:extLst>
-          </p:cNvPr>
-          <p:cNvSpPr txBox="1">
-            <a:spLocks/>
-          </p:cNvSpPr>
-          <p:nvPr/>
-        </p:nvSpPr>
-        <p:spPr>
-          <a:xfrm>
-            <a:off x="3582554" y="2904836"/>
-            <a:ext cx="835891" cy="775853"/>
-          </a:xfrm>
-          <a:prstGeom prst="rect">
-            <a:avLst/>
-          </a:prstGeom>
-        </p:spPr>
-        <p:txBody>
-          <a:bodyPr vert="horz" lIns="91440" tIns="45720" rIns="91440" bIns="45720" rtlCol="0" anchor="ctr">
-            <a:normAutofit/>
-          </a:bodyPr>
-          <a:lstStyle>
-            <a:lvl1pPr marL="0" indent="0" algn="ctr" defTabSz="914400" rtl="0" eaLnBrk="1" latinLnBrk="0" hangingPunct="1">
-              <a:lnSpc>
-                <a:spcPct val="90000"/>
-              </a:lnSpc>
-              <a:spcBef>
-                <a:spcPts val="1000"/>
-              </a:spcBef>
-              <a:buFont typeface="Arial" panose="020B0604020202020204" pitchFamily="34" charset="0"/>
-              <a:buNone/>
-              <a:defRPr sz="2400" kern="1200">
-                <a:solidFill>
-                  <a:schemeClr val="tx1"/>
-                </a:solidFill>
-                <a:latin typeface="+mn-lt"/>
-                <a:ea typeface="+mn-ea"/>
-                <a:cs typeface="+mn-cs"/>
-              </a:defRPr>
-            </a:lvl1pPr>
-            <a:lvl2pPr marL="457200" indent="0" algn="ctr" defTabSz="914400" rtl="0" eaLnBrk="1" latinLnBrk="0" hangingPunct="1">
-              <a:lnSpc>
-                <a:spcPct val="90000"/>
-              </a:lnSpc>
-              <a:spcBef>
-                <a:spcPts val="500"/>
-              </a:spcBef>
-              <a:buFont typeface="Arial" panose="020B0604020202020204" pitchFamily="34" charset="0"/>
-              <a:buNone/>
-              <a:defRPr sz="2000" kern="1200">
-                <a:solidFill>
-                  <a:schemeClr val="tx1"/>
-                </a:solidFill>
-                <a:latin typeface="+mn-lt"/>
-                <a:ea typeface="+mn-ea"/>
-                <a:cs typeface="+mn-cs"/>
-              </a:defRPr>
-            </a:lvl2pPr>
-            <a:lvl3pPr marL="914400" indent="0" algn="ctr" defTabSz="914400" rtl="0" eaLnBrk="1" latinLnBrk="0" hangingPunct="1">
-              <a:lnSpc>
-                <a:spcPct val="90000"/>
-              </a:lnSpc>
-              <a:spcBef>
-                <a:spcPts val="500"/>
-              </a:spcBef>
-              <a:buFont typeface="Arial" panose="020B0604020202020204" pitchFamily="34" charset="0"/>
-              <a:buNone/>
-              <a:defRPr sz="1800" kern="1200">
-                <a:solidFill>
-                  <a:schemeClr val="tx1"/>
-                </a:solidFill>
-                <a:latin typeface="+mn-lt"/>
-                <a:ea typeface="+mn-ea"/>
-                <a:cs typeface="+mn-cs"/>
-              </a:defRPr>
-            </a:lvl3pPr>
-            <a:lvl4pPr marL="1371600" indent="0" algn="ctr" defTabSz="914400" rtl="0" eaLnBrk="1" latinLnBrk="0" hangingPunct="1">
-              <a:lnSpc>
-                <a:spcPct val="90000"/>
-              </a:lnSpc>
-              <a:spcBef>
-                <a:spcPts val="500"/>
-              </a:spcBef>
-              <a:buFont typeface="Arial" panose="020B0604020202020204" pitchFamily="34" charset="0"/>
-              <a:buNone/>
-              <a:defRPr sz="1600" kern="1200">
-                <a:solidFill>
-                  <a:schemeClr val="tx1"/>
-                </a:solidFill>
-                <a:latin typeface="+mn-lt"/>
-                <a:ea typeface="+mn-ea"/>
-                <a:cs typeface="+mn-cs"/>
-              </a:defRPr>
-            </a:lvl4pPr>
-            <a:lvl5pPr marL="1828800" indent="0" algn="ctr" defTabSz="914400" rtl="0" eaLnBrk="1" latinLnBrk="0" hangingPunct="1">
-              <a:lnSpc>
-                <a:spcPct val="90000"/>
-              </a:lnSpc>
-              <a:spcBef>
-                <a:spcPts val="500"/>
-              </a:spcBef>
-              <a:buFont typeface="Arial" panose="020B0604020202020204" pitchFamily="34" charset="0"/>
-              <a:buNone/>
-              <a:defRPr sz="1600" kern="1200">
-                <a:solidFill>
-                  <a:schemeClr val="tx1"/>
-                </a:solidFill>
-                <a:latin typeface="+mn-lt"/>
-                <a:ea typeface="+mn-ea"/>
-                <a:cs typeface="+mn-cs"/>
-              </a:defRPr>
-            </a:lvl5pPr>
-            <a:lvl6pPr marL="2286000" indent="0" algn="ctr" defTabSz="914400" rtl="0" eaLnBrk="1" latinLnBrk="0" hangingPunct="1">
-              <a:lnSpc>
-                <a:spcPct val="90000"/>
-              </a:lnSpc>
-              <a:spcBef>
-                <a:spcPts val="500"/>
-              </a:spcBef>
-              <a:buFont typeface="Arial" panose="020B0604020202020204" pitchFamily="34" charset="0"/>
-              <a:buNone/>
-              <a:defRPr sz="1600" kern="1200">
-                <a:solidFill>
-                  <a:schemeClr val="tx1"/>
-                </a:solidFill>
-                <a:latin typeface="+mn-lt"/>
-                <a:ea typeface="+mn-ea"/>
-                <a:cs typeface="+mn-cs"/>
-              </a:defRPr>
-            </a:lvl6pPr>
-            <a:lvl7pPr marL="2743200" indent="0" algn="ctr" defTabSz="914400" rtl="0" eaLnBrk="1" latinLnBrk="0" hangingPunct="1">
-              <a:lnSpc>
-                <a:spcPct val="90000"/>
-              </a:lnSpc>
-              <a:spcBef>
-                <a:spcPts val="500"/>
-              </a:spcBef>
-              <a:buFont typeface="Arial" panose="020B0604020202020204" pitchFamily="34" charset="0"/>
-              <a:buNone/>
-              <a:defRPr sz="1600" kern="1200">
-                <a:solidFill>
-                  <a:schemeClr val="tx1"/>
-                </a:solidFill>
-                <a:latin typeface="+mn-lt"/>
-                <a:ea typeface="+mn-ea"/>
-                <a:cs typeface="+mn-cs"/>
-              </a:defRPr>
-            </a:lvl7pPr>
-            <a:lvl8pPr marL="3200400" indent="0" algn="ctr" defTabSz="914400" rtl="0" eaLnBrk="1" latinLnBrk="0" hangingPunct="1">
-              <a:lnSpc>
-                <a:spcPct val="90000"/>
-              </a:lnSpc>
-              <a:spcBef>
-                <a:spcPts val="500"/>
-              </a:spcBef>
-              <a:buFont typeface="Arial" panose="020B0604020202020204" pitchFamily="34" charset="0"/>
-              <a:buNone/>
-              <a:defRPr sz="1600" kern="1200">
-                <a:solidFill>
-                  <a:schemeClr val="tx1"/>
-                </a:solidFill>
-                <a:latin typeface="+mn-lt"/>
-                <a:ea typeface="+mn-ea"/>
-                <a:cs typeface="+mn-cs"/>
-              </a:defRPr>
-            </a:lvl8pPr>
-            <a:lvl9pPr marL="3657600" indent="0" algn="ctr" defTabSz="914400" rtl="0" eaLnBrk="1" latinLnBrk="0" hangingPunct="1">
-              <a:lnSpc>
-                <a:spcPct val="90000"/>
-              </a:lnSpc>
-              <a:spcBef>
-                <a:spcPts val="500"/>
-              </a:spcBef>
-              <a:buFont typeface="Arial" panose="020B0604020202020204" pitchFamily="34" charset="0"/>
-              <a:buNone/>
-              <a:defRPr sz="1600" kern="1200">
-                <a:solidFill>
-                  <a:schemeClr val="tx1"/>
-                </a:solidFill>
-                <a:latin typeface="+mn-lt"/>
-                <a:ea typeface="+mn-ea"/>
-                <a:cs typeface="+mn-cs"/>
-              </a:defRPr>
-            </a:lvl9pPr>
-          </a:lstStyle>
-          <a:p>
-            <a:r>
-              <a:rPr lang="en-US" sz="2000" b="1" dirty="0">
-                <a:solidFill>
-                  <a:schemeClr val="bg1"/>
-                </a:solidFill>
-                <a:latin typeface="Segoe UI Light" panose="020B0502040204020203" pitchFamily="34" charset="0"/>
-                <a:cs typeface="Segoe UI Light" panose="020B0502040204020203" pitchFamily="34" charset="0"/>
-              </a:rPr>
-              <a:t>VS</a:t>
-            </a:r>
-          </a:p>
-        </p:txBody>
-      </p:sp>
-      <p:sp>
-        <p:nvSpPr>
-          <p:cNvPr id="15" name="Subtitle 2">
-            <a:extLst>
-              <a:ext uri="{FF2B5EF4-FFF2-40B4-BE49-F238E27FC236}">
-                <a16:creationId xmlns:a16="http://schemas.microsoft.com/office/drawing/2014/main" id="{20939731-D3B7-4A28-B941-216A5F2FD525}"/>
-              </a:ext>
-            </a:extLst>
-          </p:cNvPr>
-          <p:cNvSpPr txBox="1">
-            <a:spLocks/>
-          </p:cNvSpPr>
-          <p:nvPr/>
-        </p:nvSpPr>
-        <p:spPr>
-          <a:xfrm>
-            <a:off x="738908" y="2631390"/>
-            <a:ext cx="4368801" cy="2042969"/>
-          </a:xfrm>
-          <a:prstGeom prst="rect">
-            <a:avLst/>
-          </a:prstGeom>
-        </p:spPr>
-        <p:txBody>
-          <a:bodyPr vert="horz" lIns="91440" tIns="45720" rIns="91440" bIns="45720" rtlCol="0" anchor="ctr">
-            <a:noAutofit/>
-          </a:bodyPr>
-          <a:lstStyle>
-            <a:lvl1pPr marL="0" indent="0" algn="ctr" defTabSz="914400" rtl="0" eaLnBrk="1" latinLnBrk="0" hangingPunct="1">
-              <a:lnSpc>
-                <a:spcPct val="90000"/>
-              </a:lnSpc>
-              <a:spcBef>
-                <a:spcPts val="1000"/>
-              </a:spcBef>
-              <a:buFont typeface="Arial" panose="020B0604020202020204" pitchFamily="34" charset="0"/>
-              <a:buNone/>
-              <a:defRPr sz="2400" kern="1200">
-                <a:solidFill>
-                  <a:schemeClr val="tx1"/>
-                </a:solidFill>
-                <a:latin typeface="+mn-lt"/>
-                <a:ea typeface="+mn-ea"/>
-                <a:cs typeface="+mn-cs"/>
-              </a:defRPr>
-            </a:lvl1pPr>
-            <a:lvl2pPr marL="457200" indent="0" algn="ctr" defTabSz="914400" rtl="0" eaLnBrk="1" latinLnBrk="0" hangingPunct="1">
-              <a:lnSpc>
-                <a:spcPct val="90000"/>
-              </a:lnSpc>
-              <a:spcBef>
-                <a:spcPts val="500"/>
-              </a:spcBef>
-              <a:buFont typeface="Arial" panose="020B0604020202020204" pitchFamily="34" charset="0"/>
-              <a:buNone/>
-              <a:defRPr sz="2000" kern="1200">
-                <a:solidFill>
-                  <a:schemeClr val="tx1"/>
-                </a:solidFill>
-                <a:latin typeface="+mn-lt"/>
-                <a:ea typeface="+mn-ea"/>
-                <a:cs typeface="+mn-cs"/>
-              </a:defRPr>
-            </a:lvl2pPr>
-            <a:lvl3pPr marL="914400" indent="0" algn="ctr" defTabSz="914400" rtl="0" eaLnBrk="1" latinLnBrk="0" hangingPunct="1">
-              <a:lnSpc>
-                <a:spcPct val="90000"/>
-              </a:lnSpc>
-              <a:spcBef>
-                <a:spcPts val="500"/>
-              </a:spcBef>
-              <a:buFont typeface="Arial" panose="020B0604020202020204" pitchFamily="34" charset="0"/>
-              <a:buNone/>
-              <a:defRPr sz="1800" kern="1200">
-                <a:solidFill>
-                  <a:schemeClr val="tx1"/>
-                </a:solidFill>
-                <a:latin typeface="+mn-lt"/>
-                <a:ea typeface="+mn-ea"/>
-                <a:cs typeface="+mn-cs"/>
-              </a:defRPr>
-            </a:lvl3pPr>
-            <a:lvl4pPr marL="1371600" indent="0" algn="ctr" defTabSz="914400" rtl="0" eaLnBrk="1" latinLnBrk="0" hangingPunct="1">
-              <a:lnSpc>
-                <a:spcPct val="90000"/>
-              </a:lnSpc>
-              <a:spcBef>
-                <a:spcPts val="500"/>
-              </a:spcBef>
-              <a:buFont typeface="Arial" panose="020B0604020202020204" pitchFamily="34" charset="0"/>
-              <a:buNone/>
-              <a:defRPr sz="1600" kern="1200">
-                <a:solidFill>
-                  <a:schemeClr val="tx1"/>
-                </a:solidFill>
-                <a:latin typeface="+mn-lt"/>
-                <a:ea typeface="+mn-ea"/>
-                <a:cs typeface="+mn-cs"/>
-              </a:defRPr>
-            </a:lvl4pPr>
-            <a:lvl5pPr marL="1828800" indent="0" algn="ctr" defTabSz="914400" rtl="0" eaLnBrk="1" latinLnBrk="0" hangingPunct="1">
-              <a:lnSpc>
-                <a:spcPct val="90000"/>
-              </a:lnSpc>
-              <a:spcBef>
-                <a:spcPts val="500"/>
-              </a:spcBef>
-              <a:buFont typeface="Arial" panose="020B0604020202020204" pitchFamily="34" charset="0"/>
-              <a:buNone/>
-              <a:defRPr sz="1600" kern="1200">
-                <a:solidFill>
-                  <a:schemeClr val="tx1"/>
-                </a:solidFill>
-                <a:latin typeface="+mn-lt"/>
-                <a:ea typeface="+mn-ea"/>
-                <a:cs typeface="+mn-cs"/>
-              </a:defRPr>
-            </a:lvl5pPr>
-            <a:lvl6pPr marL="2286000" indent="0" algn="ctr" defTabSz="914400" rtl="0" eaLnBrk="1" latinLnBrk="0" hangingPunct="1">
-              <a:lnSpc>
-                <a:spcPct val="90000"/>
-              </a:lnSpc>
-              <a:spcBef>
-                <a:spcPts val="500"/>
-              </a:spcBef>
-              <a:buFont typeface="Arial" panose="020B0604020202020204" pitchFamily="34" charset="0"/>
-              <a:buNone/>
-              <a:defRPr sz="1600" kern="1200">
-                <a:solidFill>
-                  <a:schemeClr val="tx1"/>
-                </a:solidFill>
-                <a:latin typeface="+mn-lt"/>
-                <a:ea typeface="+mn-ea"/>
-                <a:cs typeface="+mn-cs"/>
-              </a:defRPr>
-            </a:lvl6pPr>
-            <a:lvl7pPr marL="2743200" indent="0" algn="ctr" defTabSz="914400" rtl="0" eaLnBrk="1" latinLnBrk="0" hangingPunct="1">
-              <a:lnSpc>
-                <a:spcPct val="90000"/>
-              </a:lnSpc>
-              <a:spcBef>
-                <a:spcPts val="500"/>
-              </a:spcBef>
-              <a:buFont typeface="Arial" panose="020B0604020202020204" pitchFamily="34" charset="0"/>
-              <a:buNone/>
-              <a:defRPr sz="1600" kern="1200">
-                <a:solidFill>
-                  <a:schemeClr val="tx1"/>
-                </a:solidFill>
-                <a:latin typeface="+mn-lt"/>
-                <a:ea typeface="+mn-ea"/>
-                <a:cs typeface="+mn-cs"/>
-              </a:defRPr>
-            </a:lvl7pPr>
-            <a:lvl8pPr marL="3200400" indent="0" algn="ctr" defTabSz="914400" rtl="0" eaLnBrk="1" latinLnBrk="0" hangingPunct="1">
-              <a:lnSpc>
-                <a:spcPct val="90000"/>
-              </a:lnSpc>
-              <a:spcBef>
-                <a:spcPts val="500"/>
-              </a:spcBef>
-              <a:buFont typeface="Arial" panose="020B0604020202020204" pitchFamily="34" charset="0"/>
-              <a:buNone/>
-              <a:defRPr sz="1600" kern="1200">
-                <a:solidFill>
-                  <a:schemeClr val="tx1"/>
-                </a:solidFill>
-                <a:latin typeface="+mn-lt"/>
-                <a:ea typeface="+mn-ea"/>
-                <a:cs typeface="+mn-cs"/>
-              </a:defRPr>
-            </a:lvl8pPr>
-            <a:lvl9pPr marL="3657600" indent="0" algn="ctr" defTabSz="914400" rtl="0" eaLnBrk="1" latinLnBrk="0" hangingPunct="1">
-              <a:lnSpc>
-                <a:spcPct val="90000"/>
-              </a:lnSpc>
-              <a:spcBef>
-                <a:spcPts val="500"/>
-              </a:spcBef>
-              <a:buFont typeface="Arial" panose="020B0604020202020204" pitchFamily="34" charset="0"/>
-              <a:buNone/>
-              <a:defRPr sz="1600" kern="1200">
-                <a:solidFill>
-                  <a:schemeClr val="tx1"/>
-                </a:solidFill>
-                <a:latin typeface="+mn-lt"/>
-                <a:ea typeface="+mn-ea"/>
-                <a:cs typeface="+mn-cs"/>
-              </a:defRPr>
-            </a:lvl9pPr>
-          </a:lstStyle>
-          <a:p>
-            <a:pPr marL="285750" indent="-285750" algn="l">
-              <a:lnSpc>
-                <a:spcPct val="150000"/>
-              </a:lnSpc>
-              <a:buFont typeface="Arial" panose="020B0604020202020204" pitchFamily="34" charset="0"/>
-              <a:buChar char="•"/>
-            </a:pPr>
-            <a:r>
-              <a:rPr lang="en-US" sz="1600" dirty="0">
-                <a:latin typeface="Segoe UI Light" panose="020B0502040204020203" pitchFamily="34" charset="0"/>
-                <a:cs typeface="Segoe UI Light" panose="020B0502040204020203" pitchFamily="34" charset="0"/>
-              </a:rPr>
-              <a:t>Lack of </a:t>
-            </a:r>
-            <a:r>
-              <a:rPr lang="en-US" sz="1600" b="1" dirty="0">
-                <a:latin typeface="Segoe UI Light" panose="020B0502040204020203" pitchFamily="34" charset="0"/>
-                <a:cs typeface="Segoe UI Light" panose="020B0502040204020203" pitchFamily="34" charset="0"/>
-              </a:rPr>
-              <a:t>integration</a:t>
-            </a:r>
-            <a:r>
-              <a:rPr lang="en-US" sz="1600" dirty="0">
-                <a:latin typeface="Segoe UI Light" panose="020B0502040204020203" pitchFamily="34" charset="0"/>
-                <a:cs typeface="Segoe UI Light" panose="020B0502040204020203" pitchFamily="34" charset="0"/>
-              </a:rPr>
-              <a:t> &amp; </a:t>
-            </a:r>
-            <a:r>
-              <a:rPr lang="en-US" sz="1600" b="1" dirty="0">
-                <a:latin typeface="Segoe UI Light" panose="020B0502040204020203" pitchFamily="34" charset="0"/>
-                <a:cs typeface="Segoe UI Light" panose="020B0502040204020203" pitchFamily="34" charset="0"/>
-              </a:rPr>
-              <a:t>communication </a:t>
-            </a:r>
-            <a:r>
-              <a:rPr lang="en-US" sz="1600" dirty="0">
-                <a:latin typeface="Segoe UI Light" panose="020B0502040204020203" pitchFamily="34" charset="0"/>
-                <a:cs typeface="Segoe UI Light" panose="020B0502040204020203" pitchFamily="34" charset="0"/>
-              </a:rPr>
-              <a:t>of modules.</a:t>
-            </a:r>
-          </a:p>
-          <a:p>
-            <a:pPr marL="285750" indent="-285750" algn="l">
-              <a:lnSpc>
-                <a:spcPct val="150000"/>
-              </a:lnSpc>
-              <a:buFont typeface="Arial" panose="020B0604020202020204" pitchFamily="34" charset="0"/>
-              <a:buChar char="•"/>
-            </a:pPr>
-            <a:r>
-              <a:rPr lang="en-US" sz="1600" dirty="0">
-                <a:latin typeface="Segoe UI Light" panose="020B0502040204020203" pitchFamily="34" charset="0"/>
-                <a:cs typeface="Segoe UI Light" panose="020B0502040204020203" pitchFamily="34" charset="0"/>
-              </a:rPr>
-              <a:t>Complexity of the </a:t>
-            </a:r>
-            <a:r>
-              <a:rPr lang="en-US" sz="1600" b="1" dirty="0">
-                <a:latin typeface="Segoe UI Light" panose="020B0502040204020203" pitchFamily="34" charset="0"/>
-                <a:cs typeface="Segoe UI Light" panose="020B0502040204020203" pitchFamily="34" charset="0"/>
-              </a:rPr>
-              <a:t>infrastructure</a:t>
-            </a:r>
-            <a:r>
-              <a:rPr lang="en-US" sz="1600" dirty="0">
-                <a:latin typeface="Segoe UI Light" panose="020B0502040204020203" pitchFamily="34" charset="0"/>
-                <a:cs typeface="Segoe UI Light" panose="020B0502040204020203" pitchFamily="34" charset="0"/>
-              </a:rPr>
-              <a:t> – needs to a </a:t>
-            </a:r>
-            <a:r>
-              <a:rPr lang="en-US" sz="1600" b="1" dirty="0">
-                <a:latin typeface="Segoe UI Light" panose="020B0502040204020203" pitchFamily="34" charset="0"/>
-                <a:cs typeface="Segoe UI Light" panose="020B0502040204020203" pitchFamily="34" charset="0"/>
-              </a:rPr>
-              <a:t>framework</a:t>
-            </a:r>
-            <a:r>
-              <a:rPr lang="en-US" sz="1600" dirty="0">
-                <a:latin typeface="Segoe UI Light" panose="020B0502040204020203" pitchFamily="34" charset="0"/>
-                <a:cs typeface="Segoe UI Light" panose="020B0502040204020203" pitchFamily="34" charset="0"/>
-              </a:rPr>
-              <a:t>!</a:t>
-            </a:r>
-          </a:p>
-        </p:txBody>
-      </p:sp>
-    </p:spTree>
-    <p:extLst>
-      <p:ext uri="{BB962C8B-B14F-4D97-AF65-F5344CB8AC3E}">
-        <p14:creationId xmlns:p14="http://schemas.microsoft.com/office/powerpoint/2010/main" val="1408779957"/>
-      </p:ext>
-    </p:extLst>
-  </p:cSld>
-  <p:clrMapOvr>
-    <a:masterClrMapping/>
-  </p:clrMapOvr>
-  <mc:AlternateContent xmlns:mc="http://schemas.openxmlformats.org/markup-compatibility/2006" xmlns:p14="http://schemas.microsoft.com/office/powerpoint/2010/main">
-    <mc:Choice Requires="p14">
-      <p:transition p14:dur="100">
-        <p:cut/>
-      </p:transition>
-    </mc:Choice>
-    <mc:Fallback xmlns="">
-      <p:transition>
-        <p:cut/>
-      </p:transition>
-    </mc:Fallback>
-  </mc:AlternateContent>
-</p:sld>
-</file>
-
-<file path=ppt/slides/slide40.xml><?xml version="1.0" encoding="utf-8"?>
-<p:sld xmlns:a="http://schemas.openxmlformats.org/drawingml/2006/main" xmlns:r="http://schemas.openxmlformats.org/officeDocument/2006/relationships" xmlns:p="http://schemas.openxmlformats.org/presentationml/2006/main">
-  <p:cSld>
-    <p:spTree>
-      <p:nvGrpSpPr>
-        <p:cNvPr id="1" name=""/>
-        <p:cNvGrpSpPr/>
-        <p:nvPr/>
-      </p:nvGrpSpPr>
-      <p:grpSpPr>
-        <a:xfrm>
-          <a:off x="0" y="0"/>
-          <a:ext cx="0" cy="0"/>
-          <a:chOff x="0" y="0"/>
-          <a:chExt cx="0" cy="0"/>
-        </a:xfrm>
-      </p:grpSpPr>
-      <p:pic>
-        <p:nvPicPr>
-          <p:cNvPr id="9" name="Picture 8">
-            <a:extLst>
-              <a:ext uri="{FF2B5EF4-FFF2-40B4-BE49-F238E27FC236}">
-                <a16:creationId xmlns:a16="http://schemas.microsoft.com/office/drawing/2014/main" id="{39E83B63-DAE7-4E06-A56F-CF1576B89936}"/>
-              </a:ext>
-            </a:extLst>
-          </p:cNvPr>
-          <p:cNvPicPr>
-            <a:picLocks noChangeAspect="1"/>
-          </p:cNvPicPr>
-          <p:nvPr/>
-        </p:nvPicPr>
-        <p:blipFill>
-          <a:blip r:embed="rId2">
-            <a:extLst>
-              <a:ext uri="{28A0092B-C50C-407E-A947-70E740481C1C}">
-                <a14:useLocalDpi xmlns:a14="http://schemas.microsoft.com/office/drawing/2010/main" val="0"/>
-              </a:ext>
-            </a:extLst>
-          </a:blip>
-          <a:stretch>
-            <a:fillRect/>
-          </a:stretch>
-        </p:blipFill>
-        <p:spPr>
-          <a:xfrm>
-            <a:off x="0" y="0"/>
-            <a:ext cx="12192000" cy="6858000"/>
-          </a:xfrm>
-          <a:prstGeom prst="rect">
-            <a:avLst/>
-          </a:prstGeom>
-        </p:spPr>
-      </p:pic>
-      <p:sp>
-        <p:nvSpPr>
-          <p:cNvPr id="2" name="Title 1">
-            <a:extLst>
-              <a:ext uri="{FF2B5EF4-FFF2-40B4-BE49-F238E27FC236}">
-                <a16:creationId xmlns:a16="http://schemas.microsoft.com/office/drawing/2014/main" id="{0DE26BD9-3178-4532-BF33-58FE331BE190}"/>
-              </a:ext>
-            </a:extLst>
-          </p:cNvPr>
-          <p:cNvSpPr>
-            <a:spLocks noGrp="1"/>
-          </p:cNvSpPr>
-          <p:nvPr>
-            <p:ph type="ctrTitle"/>
-          </p:nvPr>
-        </p:nvSpPr>
-        <p:spPr>
-          <a:xfrm>
-            <a:off x="738907" y="419878"/>
-            <a:ext cx="8901268" cy="775853"/>
-          </a:xfrm>
-        </p:spPr>
-        <p:txBody>
-          <a:bodyPr anchor="b">
-            <a:normAutofit/>
-          </a:bodyPr>
-          <a:lstStyle/>
-          <a:p>
-            <a:pPr algn="l"/>
-            <a:r>
-              <a:rPr lang="en-US" sz="4000" b="1" dirty="0">
-                <a:solidFill>
-                  <a:srgbClr val="0041C6"/>
-                </a:solidFill>
-                <a:latin typeface="Segoe UI Semibold" panose="020B0702040204020203" pitchFamily="34" charset="0"/>
-                <a:cs typeface="Segoe UI Semibold" panose="020B0702040204020203" pitchFamily="34" charset="0"/>
-              </a:rPr>
-              <a:t>Embed UI, Use as a Remote Service</a:t>
-            </a:r>
-          </a:p>
-        </p:txBody>
-      </p:sp>
-      <p:sp>
-        <p:nvSpPr>
-          <p:cNvPr id="5" name="Footer Placeholder 4">
-            <a:extLst>
-              <a:ext uri="{FF2B5EF4-FFF2-40B4-BE49-F238E27FC236}">
-                <a16:creationId xmlns:a16="http://schemas.microsoft.com/office/drawing/2014/main" id="{A3553ADE-3838-4EDB-9F14-97C75DE2198D}"/>
-              </a:ext>
-            </a:extLst>
-          </p:cNvPr>
-          <p:cNvSpPr>
-            <a:spLocks noGrp="1"/>
-          </p:cNvSpPr>
-          <p:nvPr>
-            <p:ph type="ftr" sz="quarter" idx="11"/>
-          </p:nvPr>
-        </p:nvSpPr>
-        <p:spPr>
-          <a:xfrm>
-            <a:off x="0" y="6483927"/>
-            <a:ext cx="4190999" cy="374073"/>
-          </a:xfrm>
-        </p:spPr>
-        <p:txBody>
-          <a:bodyPr/>
-          <a:lstStyle/>
-          <a:p>
-            <a:pPr algn="l"/>
-            <a:r>
-              <a:rPr lang="en-US" dirty="0" err="1">
-                <a:solidFill>
-                  <a:schemeClr val="tx1"/>
-                </a:solidFill>
-                <a:latin typeface="Segoe UI" panose="020B0502040204020203" pitchFamily="34" charset="0"/>
-                <a:cs typeface="Segoe UI" panose="020B0502040204020203" pitchFamily="34" charset="0"/>
-              </a:rPr>
-              <a:t>Halil</a:t>
-            </a:r>
-            <a:r>
-              <a:rPr lang="en-US" dirty="0">
-                <a:solidFill>
-                  <a:schemeClr val="tx1"/>
-                </a:solidFill>
-                <a:latin typeface="Segoe UI" panose="020B0502040204020203" pitchFamily="34" charset="0"/>
-                <a:cs typeface="Segoe UI" panose="020B0502040204020203" pitchFamily="34" charset="0"/>
-              </a:rPr>
-              <a:t> İbrahim KALKAN | @</a:t>
-            </a:r>
-            <a:r>
-              <a:rPr lang="en-US" dirty="0" err="1">
-                <a:solidFill>
-                  <a:schemeClr val="tx1"/>
-                </a:solidFill>
-                <a:latin typeface="Segoe UI" panose="020B0502040204020203" pitchFamily="34" charset="0"/>
-                <a:cs typeface="Segoe UI" panose="020B0502040204020203" pitchFamily="34" charset="0"/>
-              </a:rPr>
-              <a:t>hikalkan</a:t>
-            </a:r>
-            <a:r>
-              <a:rPr lang="en-US" dirty="0">
-                <a:solidFill>
-                  <a:schemeClr val="tx1"/>
-                </a:solidFill>
-                <a:latin typeface="Segoe UI" panose="020B0502040204020203" pitchFamily="34" charset="0"/>
-                <a:cs typeface="Segoe UI" panose="020B0502040204020203" pitchFamily="34" charset="0"/>
-              </a:rPr>
-              <a:t> | </a:t>
-            </a:r>
-            <a:r>
-              <a:rPr lang="en-US" dirty="0" err="1">
-                <a:solidFill>
-                  <a:schemeClr val="tx1"/>
-                </a:solidFill>
-                <a:latin typeface="Segoe UI" panose="020B0502040204020203" pitchFamily="34" charset="0"/>
-                <a:cs typeface="Segoe UI" panose="020B0502040204020203" pitchFamily="34" charset="0"/>
-              </a:rPr>
-              <a:t>Volosoft</a:t>
-            </a:r>
-            <a:r>
-              <a:rPr lang="en-US" dirty="0">
-                <a:solidFill>
-                  <a:schemeClr val="tx1"/>
-                </a:solidFill>
-                <a:latin typeface="Segoe UI" panose="020B0502040204020203" pitchFamily="34" charset="0"/>
-                <a:cs typeface="Segoe UI" panose="020B0502040204020203" pitchFamily="34" charset="0"/>
-              </a:rPr>
-              <a:t> TM</a:t>
-            </a:r>
-          </a:p>
-        </p:txBody>
-      </p:sp>
-      <p:sp>
-        <p:nvSpPr>
-          <p:cNvPr id="11" name="Subtitle 2">
-            <a:extLst>
-              <a:ext uri="{FF2B5EF4-FFF2-40B4-BE49-F238E27FC236}">
-                <a16:creationId xmlns:a16="http://schemas.microsoft.com/office/drawing/2014/main" id="{A769CE0C-E9B4-4049-B22B-C35AD0DD7409}"/>
-              </a:ext>
-            </a:extLst>
-          </p:cNvPr>
-          <p:cNvSpPr txBox="1">
-            <a:spLocks/>
-          </p:cNvSpPr>
-          <p:nvPr/>
-        </p:nvSpPr>
-        <p:spPr>
-          <a:xfrm>
-            <a:off x="3582554" y="2904836"/>
-            <a:ext cx="835891" cy="775853"/>
-          </a:xfrm>
-          <a:prstGeom prst="rect">
-            <a:avLst/>
-          </a:prstGeom>
-        </p:spPr>
-        <p:txBody>
-          <a:bodyPr vert="horz" lIns="91440" tIns="45720" rIns="91440" bIns="45720" rtlCol="0" anchor="ctr">
-            <a:normAutofit/>
-          </a:bodyPr>
-          <a:lstStyle>
-            <a:lvl1pPr marL="0" indent="0" algn="ctr" defTabSz="914400" rtl="0" eaLnBrk="1" latinLnBrk="0" hangingPunct="1">
-              <a:lnSpc>
-                <a:spcPct val="90000"/>
-              </a:lnSpc>
-              <a:spcBef>
-                <a:spcPts val="1000"/>
-              </a:spcBef>
-              <a:buFont typeface="Arial" panose="020B0604020202020204" pitchFamily="34" charset="0"/>
-              <a:buNone/>
-              <a:defRPr sz="2400" kern="1200">
-                <a:solidFill>
-                  <a:schemeClr val="tx1"/>
-                </a:solidFill>
-                <a:latin typeface="+mn-lt"/>
-                <a:ea typeface="+mn-ea"/>
-                <a:cs typeface="+mn-cs"/>
-              </a:defRPr>
-            </a:lvl1pPr>
-            <a:lvl2pPr marL="457200" indent="0" algn="ctr" defTabSz="914400" rtl="0" eaLnBrk="1" latinLnBrk="0" hangingPunct="1">
-              <a:lnSpc>
-                <a:spcPct val="90000"/>
-              </a:lnSpc>
-              <a:spcBef>
-                <a:spcPts val="500"/>
-              </a:spcBef>
-              <a:buFont typeface="Arial" panose="020B0604020202020204" pitchFamily="34" charset="0"/>
-              <a:buNone/>
-              <a:defRPr sz="2000" kern="1200">
-                <a:solidFill>
-                  <a:schemeClr val="tx1"/>
-                </a:solidFill>
-                <a:latin typeface="+mn-lt"/>
-                <a:ea typeface="+mn-ea"/>
-                <a:cs typeface="+mn-cs"/>
-              </a:defRPr>
-            </a:lvl2pPr>
-            <a:lvl3pPr marL="914400" indent="0" algn="ctr" defTabSz="914400" rtl="0" eaLnBrk="1" latinLnBrk="0" hangingPunct="1">
-              <a:lnSpc>
-                <a:spcPct val="90000"/>
-              </a:lnSpc>
-              <a:spcBef>
-                <a:spcPts val="500"/>
-              </a:spcBef>
-              <a:buFont typeface="Arial" panose="020B0604020202020204" pitchFamily="34" charset="0"/>
-              <a:buNone/>
-              <a:defRPr sz="1800" kern="1200">
-                <a:solidFill>
-                  <a:schemeClr val="tx1"/>
-                </a:solidFill>
-                <a:latin typeface="+mn-lt"/>
-                <a:ea typeface="+mn-ea"/>
-                <a:cs typeface="+mn-cs"/>
-              </a:defRPr>
-            </a:lvl3pPr>
-            <a:lvl4pPr marL="1371600" indent="0" algn="ctr" defTabSz="914400" rtl="0" eaLnBrk="1" latinLnBrk="0" hangingPunct="1">
-              <a:lnSpc>
-                <a:spcPct val="90000"/>
-              </a:lnSpc>
-              <a:spcBef>
-                <a:spcPts val="500"/>
-              </a:spcBef>
-              <a:buFont typeface="Arial" panose="020B0604020202020204" pitchFamily="34" charset="0"/>
-              <a:buNone/>
-              <a:defRPr sz="1600" kern="1200">
-                <a:solidFill>
-                  <a:schemeClr val="tx1"/>
-                </a:solidFill>
-                <a:latin typeface="+mn-lt"/>
-                <a:ea typeface="+mn-ea"/>
-                <a:cs typeface="+mn-cs"/>
-              </a:defRPr>
-            </a:lvl4pPr>
-            <a:lvl5pPr marL="1828800" indent="0" algn="ctr" defTabSz="914400" rtl="0" eaLnBrk="1" latinLnBrk="0" hangingPunct="1">
-              <a:lnSpc>
-                <a:spcPct val="90000"/>
-              </a:lnSpc>
-              <a:spcBef>
-                <a:spcPts val="500"/>
-              </a:spcBef>
-              <a:buFont typeface="Arial" panose="020B0604020202020204" pitchFamily="34" charset="0"/>
-              <a:buNone/>
-              <a:defRPr sz="1600" kern="1200">
-                <a:solidFill>
-                  <a:schemeClr val="tx1"/>
-                </a:solidFill>
-                <a:latin typeface="+mn-lt"/>
-                <a:ea typeface="+mn-ea"/>
-                <a:cs typeface="+mn-cs"/>
-              </a:defRPr>
-            </a:lvl5pPr>
-            <a:lvl6pPr marL="2286000" indent="0" algn="ctr" defTabSz="914400" rtl="0" eaLnBrk="1" latinLnBrk="0" hangingPunct="1">
-              <a:lnSpc>
-                <a:spcPct val="90000"/>
-              </a:lnSpc>
-              <a:spcBef>
-                <a:spcPts val="500"/>
-              </a:spcBef>
-              <a:buFont typeface="Arial" panose="020B0604020202020204" pitchFamily="34" charset="0"/>
-              <a:buNone/>
-              <a:defRPr sz="1600" kern="1200">
-                <a:solidFill>
-                  <a:schemeClr val="tx1"/>
-                </a:solidFill>
-                <a:latin typeface="+mn-lt"/>
-                <a:ea typeface="+mn-ea"/>
-                <a:cs typeface="+mn-cs"/>
-              </a:defRPr>
-            </a:lvl6pPr>
-            <a:lvl7pPr marL="2743200" indent="0" algn="ctr" defTabSz="914400" rtl="0" eaLnBrk="1" latinLnBrk="0" hangingPunct="1">
-              <a:lnSpc>
-                <a:spcPct val="90000"/>
-              </a:lnSpc>
-              <a:spcBef>
-                <a:spcPts val="500"/>
-              </a:spcBef>
-              <a:buFont typeface="Arial" panose="020B0604020202020204" pitchFamily="34" charset="0"/>
-              <a:buNone/>
-              <a:defRPr sz="1600" kern="1200">
-                <a:solidFill>
-                  <a:schemeClr val="tx1"/>
-                </a:solidFill>
-                <a:latin typeface="+mn-lt"/>
-                <a:ea typeface="+mn-ea"/>
-                <a:cs typeface="+mn-cs"/>
-              </a:defRPr>
-            </a:lvl7pPr>
-            <a:lvl8pPr marL="3200400" indent="0" algn="ctr" defTabSz="914400" rtl="0" eaLnBrk="1" latinLnBrk="0" hangingPunct="1">
-              <a:lnSpc>
-                <a:spcPct val="90000"/>
-              </a:lnSpc>
-              <a:spcBef>
-                <a:spcPts val="500"/>
-              </a:spcBef>
-              <a:buFont typeface="Arial" panose="020B0604020202020204" pitchFamily="34" charset="0"/>
-              <a:buNone/>
-              <a:defRPr sz="1600" kern="1200">
-                <a:solidFill>
-                  <a:schemeClr val="tx1"/>
-                </a:solidFill>
-                <a:latin typeface="+mn-lt"/>
-                <a:ea typeface="+mn-ea"/>
-                <a:cs typeface="+mn-cs"/>
-              </a:defRPr>
-            </a:lvl8pPr>
-            <a:lvl9pPr marL="3657600" indent="0" algn="ctr" defTabSz="914400" rtl="0" eaLnBrk="1" latinLnBrk="0" hangingPunct="1">
-              <a:lnSpc>
-                <a:spcPct val="90000"/>
-              </a:lnSpc>
-              <a:spcBef>
-                <a:spcPts val="500"/>
-              </a:spcBef>
-              <a:buFont typeface="Arial" panose="020B0604020202020204" pitchFamily="34" charset="0"/>
-              <a:buNone/>
-              <a:defRPr sz="1600" kern="1200">
-                <a:solidFill>
-                  <a:schemeClr val="tx1"/>
-                </a:solidFill>
-                <a:latin typeface="+mn-lt"/>
-                <a:ea typeface="+mn-ea"/>
-                <a:cs typeface="+mn-cs"/>
-              </a:defRPr>
-            </a:lvl9pPr>
-          </a:lstStyle>
-          <a:p>
-            <a:r>
-              <a:rPr lang="en-US" sz="2000" b="1" dirty="0">
-                <a:solidFill>
-                  <a:schemeClr val="bg1"/>
-                </a:solidFill>
-                <a:latin typeface="Segoe UI Light" panose="020B0502040204020203" pitchFamily="34" charset="0"/>
-                <a:cs typeface="Segoe UI Light" panose="020B0502040204020203" pitchFamily="34" charset="0"/>
-              </a:rPr>
-              <a:t>VS</a:t>
-            </a:r>
-          </a:p>
-        </p:txBody>
-      </p:sp>
-      <p:pic>
-        <p:nvPicPr>
-          <p:cNvPr id="3" name="Picture 2">
-            <a:extLst>
-              <a:ext uri="{FF2B5EF4-FFF2-40B4-BE49-F238E27FC236}">
-                <a16:creationId xmlns:a16="http://schemas.microsoft.com/office/drawing/2014/main" id="{BE394376-2116-4851-89D2-4D4195BC60B1}"/>
-              </a:ext>
-            </a:extLst>
-          </p:cNvPr>
-          <p:cNvPicPr>
-            <a:picLocks noChangeAspect="1"/>
-          </p:cNvPicPr>
-          <p:nvPr/>
-        </p:nvPicPr>
-        <p:blipFill>
-          <a:blip r:embed="rId3"/>
-          <a:stretch>
-            <a:fillRect/>
-          </a:stretch>
-        </p:blipFill>
-        <p:spPr>
-          <a:xfrm>
-            <a:off x="181850" y="1192499"/>
-            <a:ext cx="9458325" cy="4200525"/>
-          </a:xfrm>
-          <a:prstGeom prst="rect">
-            <a:avLst/>
-          </a:prstGeom>
-        </p:spPr>
-      </p:pic>
-      <p:sp>
-        <p:nvSpPr>
-          <p:cNvPr id="4" name="Rectangle 3">
-            <a:extLst>
-              <a:ext uri="{FF2B5EF4-FFF2-40B4-BE49-F238E27FC236}">
-                <a16:creationId xmlns:a16="http://schemas.microsoft.com/office/drawing/2014/main" id="{0D0F9621-17AF-44C5-92B1-F45A6E54BA2B}"/>
-              </a:ext>
-            </a:extLst>
-          </p:cNvPr>
-          <p:cNvSpPr/>
-          <p:nvPr/>
-        </p:nvSpPr>
-        <p:spPr>
-          <a:xfrm>
-            <a:off x="6746033" y="4777204"/>
-            <a:ext cx="2761861" cy="1231640"/>
-          </a:xfrm>
-          <a:prstGeom prst="rect">
-            <a:avLst/>
-          </a:prstGeom>
-        </p:spPr>
-        <p:style>
-          <a:lnRef idx="2">
-            <a:schemeClr val="accent1">
-              <a:shade val="50000"/>
-            </a:schemeClr>
-          </a:lnRef>
-          <a:fillRef idx="1">
-            <a:schemeClr val="accent1"/>
-          </a:fillRef>
-          <a:effectRef idx="0">
-            <a:schemeClr val="accent1"/>
-          </a:effectRef>
-          <a:fontRef idx="minor">
-            <a:schemeClr val="lt1"/>
-          </a:fontRef>
-        </p:style>
-        <p:txBody>
-          <a:bodyPr rtlCol="0" anchor="ctr"/>
-          <a:lstStyle/>
-          <a:p>
-            <a:pPr algn="ctr"/>
-            <a:r>
-              <a:rPr lang="en-US" sz="3200" dirty="0">
-                <a:latin typeface="Segoe UI Semibold" panose="020B0702040204020203" pitchFamily="34" charset="0"/>
-                <a:cs typeface="Segoe UI Semibold" panose="020B0702040204020203" pitchFamily="34" charset="0"/>
-              </a:rPr>
               <a:t>Application 2</a:t>
             </a:r>
             <a:br>
@@ -26118,7 +24893,7 @@
         </p:nvCxnSpPr>
         <p:spPr>
           <a:xfrm rot="16200000" flipV="1">
-            <a:off x="6130249" y="3657566"/>
+            <a:off x="6736735" y="3657566"/>
             <a:ext cx="1623455" cy="615820"/>
           </a:xfrm>
           <a:prstGeom prst="curvedConnector3">
@@ -26159,7 +24934,7 @@
         </p:nvCxnSpPr>
         <p:spPr>
           <a:xfrm rot="5400000" flipH="1" flipV="1">
-            <a:off x="7690596" y="3048943"/>
+            <a:off x="8297082" y="3048943"/>
             <a:ext cx="3060367" cy="396155"/>
           </a:xfrm>
           <a:prstGeom prst="curvedConnector3">
@@ -26202,7 +24977,7 @@
         </p:nvCxnSpPr>
         <p:spPr>
           <a:xfrm rot="10800000">
-            <a:off x="5290457" y="4030825"/>
+            <a:off x="5896943" y="4030825"/>
             <a:ext cx="1455576" cy="1282961"/>
           </a:xfrm>
           <a:prstGeom prst="curvedConnector3">
@@ -26241,7 +25016,7 @@
         </p:nvSpPr>
         <p:spPr>
           <a:xfrm>
-            <a:off x="181850" y="4934005"/>
+            <a:off x="284482" y="4888746"/>
             <a:ext cx="2761861" cy="1231640"/>
           </a:xfrm>
           <a:prstGeom prst="rect">
@@ -26277,6 +25052,16 @@
               <a:t>Application 1</a:t>
             </a:r>
           </a:p>
+          <a:p>
+            <a:pPr algn="ctr"/>
+            <a:r>
+              <a:rPr lang="en-US" sz="2400" dirty="0">
+                <a:latin typeface="Segoe UI Semibold" panose="020B0702040204020203" pitchFamily="34" charset="0"/>
+                <a:cs typeface="Segoe UI Semibold" panose="020B0702040204020203" pitchFamily="34" charset="0"/>
+              </a:rPr>
+              <a:t>(client)</a:t>
+            </a:r>
+          </a:p>
         </p:txBody>
       </p:sp>
       <p:cxnSp>
@@ -26295,8 +25080,8 @@
         </p:nvCxnSpPr>
         <p:spPr>
           <a:xfrm rot="5400000" flipH="1" flipV="1">
-            <a:off x="979423" y="4583909"/>
-            <a:ext cx="751598" cy="12700"/>
+            <a:off x="1619555" y="4540244"/>
+            <a:ext cx="674286" cy="22719"/>
           </a:xfrm>
           <a:prstGeom prst="curvedConnector3">
             <a:avLst>
@@ -26338,8 +25123,8 @@
         </p:nvCxnSpPr>
         <p:spPr>
           <a:xfrm>
-            <a:off x="2943711" y="5661789"/>
-            <a:ext cx="3802322" cy="20551"/>
+            <a:off x="3046343" y="5793192"/>
+            <a:ext cx="4306176" cy="19779"/>
           </a:xfrm>
           <a:prstGeom prst="straightConnector1">
             <a:avLst/>
@@ -26389,6 +25174,1539 @@
 </p:sld>
 </file>
 
+<file path=ppt/slides/slide4.xml><?xml version="1.0" encoding="utf-8"?>
+<p:sld xmlns:a="http://schemas.openxmlformats.org/drawingml/2006/main" xmlns:r="http://schemas.openxmlformats.org/officeDocument/2006/relationships" xmlns:p="http://schemas.openxmlformats.org/presentationml/2006/main">
+  <p:cSld>
+    <p:spTree>
+      <p:nvGrpSpPr>
+        <p:cNvPr id="1" name=""/>
+        <p:cNvGrpSpPr/>
+        <p:nvPr/>
+      </p:nvGrpSpPr>
+      <p:grpSpPr>
+        <a:xfrm>
+          <a:off x="0" y="0"/>
+          <a:ext cx="0" cy="0"/>
+          <a:chOff x="0" y="0"/>
+          <a:chExt cx="0" cy="0"/>
+        </a:xfrm>
+      </p:grpSpPr>
+      <p:pic>
+        <p:nvPicPr>
+          <p:cNvPr id="9" name="Picture 8">
+            <a:extLst>
+              <a:ext uri="{FF2B5EF4-FFF2-40B4-BE49-F238E27FC236}">
+                <a16:creationId xmlns:a16="http://schemas.microsoft.com/office/drawing/2014/main" id="{39E83B63-DAE7-4E06-A56F-CF1576B89936}"/>
+              </a:ext>
+            </a:extLst>
+          </p:cNvPr>
+          <p:cNvPicPr>
+            <a:picLocks noChangeAspect="1"/>
+          </p:cNvPicPr>
+          <p:nvPr/>
+        </p:nvPicPr>
+        <p:blipFill>
+          <a:blip r:embed="rId2">
+            <a:extLst>
+              <a:ext uri="{28A0092B-C50C-407E-A947-70E740481C1C}">
+                <a14:useLocalDpi xmlns:a14="http://schemas.microsoft.com/office/drawing/2010/main" val="0"/>
+              </a:ext>
+            </a:extLst>
+          </a:blip>
+          <a:stretch>
+            <a:fillRect/>
+          </a:stretch>
+        </p:blipFill>
+        <p:spPr>
+          <a:xfrm>
+            <a:off x="0" y="0"/>
+            <a:ext cx="12192000" cy="6858000"/>
+          </a:xfrm>
+          <a:prstGeom prst="rect">
+            <a:avLst/>
+          </a:prstGeom>
+        </p:spPr>
+      </p:pic>
+      <p:sp>
+        <p:nvSpPr>
+          <p:cNvPr id="2" name="Title 1">
+            <a:extLst>
+              <a:ext uri="{FF2B5EF4-FFF2-40B4-BE49-F238E27FC236}">
+                <a16:creationId xmlns:a16="http://schemas.microsoft.com/office/drawing/2014/main" id="{0DE26BD9-3178-4532-BF33-58FE331BE190}"/>
+              </a:ext>
+            </a:extLst>
+          </p:cNvPr>
+          <p:cNvSpPr>
+            <a:spLocks noGrp="1"/>
+          </p:cNvSpPr>
+          <p:nvPr>
+            <p:ph type="ctrTitle"/>
+          </p:nvPr>
+        </p:nvSpPr>
+        <p:spPr>
+          <a:xfrm>
+            <a:off x="738908" y="930564"/>
+            <a:ext cx="5429880" cy="1253078"/>
+          </a:xfrm>
+        </p:spPr>
+        <p:txBody>
+          <a:bodyPr anchor="b">
+            <a:normAutofit/>
+          </a:bodyPr>
+          <a:lstStyle/>
+          <a:p>
+            <a:pPr algn="l"/>
+            <a:r>
+              <a:rPr lang="en-US" sz="4000" b="1" dirty="0">
+                <a:latin typeface="Segoe UI Semibold" panose="020B0702040204020203" pitchFamily="34" charset="0"/>
+                <a:cs typeface="Segoe UI Semibold" panose="020B0702040204020203" pitchFamily="34" charset="0"/>
+              </a:rPr>
+              <a:t>Modular Architecture</a:t>
+            </a:r>
+            <a:r>
+              <a:rPr lang="en-US" sz="4000" b="1" dirty="0">
+                <a:solidFill>
+                  <a:srgbClr val="0041C6"/>
+                </a:solidFill>
+                <a:latin typeface="Segoe UI Semibold" panose="020B0702040204020203" pitchFamily="34" charset="0"/>
+                <a:cs typeface="Segoe UI Semibold" panose="020B0702040204020203" pitchFamily="34" charset="0"/>
+              </a:rPr>
+              <a:t> Problems</a:t>
+            </a:r>
+          </a:p>
+        </p:txBody>
+      </p:sp>
+      <p:sp>
+        <p:nvSpPr>
+          <p:cNvPr id="5" name="Footer Placeholder 4">
+            <a:extLst>
+              <a:ext uri="{FF2B5EF4-FFF2-40B4-BE49-F238E27FC236}">
+                <a16:creationId xmlns:a16="http://schemas.microsoft.com/office/drawing/2014/main" id="{A3553ADE-3838-4EDB-9F14-97C75DE2198D}"/>
+              </a:ext>
+            </a:extLst>
+          </p:cNvPr>
+          <p:cNvSpPr>
+            <a:spLocks noGrp="1"/>
+          </p:cNvSpPr>
+          <p:nvPr>
+            <p:ph type="ftr" sz="quarter" idx="11"/>
+          </p:nvPr>
+        </p:nvSpPr>
+        <p:spPr>
+          <a:xfrm>
+            <a:off x="0" y="6483927"/>
+            <a:ext cx="4190999" cy="374073"/>
+          </a:xfrm>
+        </p:spPr>
+        <p:txBody>
+          <a:bodyPr/>
+          <a:lstStyle/>
+          <a:p>
+            <a:pPr algn="l"/>
+            <a:r>
+              <a:rPr lang="en-US" dirty="0" err="1">
+                <a:solidFill>
+                  <a:schemeClr val="tx1"/>
+                </a:solidFill>
+                <a:latin typeface="Segoe UI" panose="020B0502040204020203" pitchFamily="34" charset="0"/>
+                <a:cs typeface="Segoe UI" panose="020B0502040204020203" pitchFamily="34" charset="0"/>
+              </a:rPr>
+              <a:t>Halil</a:t>
+            </a:r>
+            <a:r>
+              <a:rPr lang="en-US" dirty="0">
+                <a:solidFill>
+                  <a:schemeClr val="tx1"/>
+                </a:solidFill>
+                <a:latin typeface="Segoe UI" panose="020B0502040204020203" pitchFamily="34" charset="0"/>
+                <a:cs typeface="Segoe UI" panose="020B0502040204020203" pitchFamily="34" charset="0"/>
+              </a:rPr>
+              <a:t> İbrahim KALKAN | @</a:t>
+            </a:r>
+            <a:r>
+              <a:rPr lang="en-US" dirty="0" err="1">
+                <a:solidFill>
+                  <a:schemeClr val="tx1"/>
+                </a:solidFill>
+                <a:latin typeface="Segoe UI" panose="020B0502040204020203" pitchFamily="34" charset="0"/>
+                <a:cs typeface="Segoe UI" panose="020B0502040204020203" pitchFamily="34" charset="0"/>
+              </a:rPr>
+              <a:t>hikalkan</a:t>
+            </a:r>
+            <a:r>
+              <a:rPr lang="en-US" dirty="0">
+                <a:solidFill>
+                  <a:schemeClr val="tx1"/>
+                </a:solidFill>
+                <a:latin typeface="Segoe UI" panose="020B0502040204020203" pitchFamily="34" charset="0"/>
+                <a:cs typeface="Segoe UI" panose="020B0502040204020203" pitchFamily="34" charset="0"/>
+              </a:rPr>
+              <a:t> | </a:t>
+            </a:r>
+            <a:r>
+              <a:rPr lang="en-US" dirty="0" err="1">
+                <a:solidFill>
+                  <a:schemeClr val="tx1"/>
+                </a:solidFill>
+                <a:latin typeface="Segoe UI" panose="020B0502040204020203" pitchFamily="34" charset="0"/>
+                <a:cs typeface="Segoe UI" panose="020B0502040204020203" pitchFamily="34" charset="0"/>
+              </a:rPr>
+              <a:t>Volosoft</a:t>
+            </a:r>
+            <a:r>
+              <a:rPr lang="en-US" dirty="0">
+                <a:solidFill>
+                  <a:schemeClr val="tx1"/>
+                </a:solidFill>
+                <a:latin typeface="Segoe UI" panose="020B0502040204020203" pitchFamily="34" charset="0"/>
+                <a:cs typeface="Segoe UI" panose="020B0502040204020203" pitchFamily="34" charset="0"/>
+              </a:rPr>
+              <a:t> TM</a:t>
+            </a:r>
+          </a:p>
+        </p:txBody>
+      </p:sp>
+      <p:sp>
+        <p:nvSpPr>
+          <p:cNvPr id="11" name="Subtitle 2">
+            <a:extLst>
+              <a:ext uri="{FF2B5EF4-FFF2-40B4-BE49-F238E27FC236}">
+                <a16:creationId xmlns:a16="http://schemas.microsoft.com/office/drawing/2014/main" id="{A769CE0C-E9B4-4049-B22B-C35AD0DD7409}"/>
+              </a:ext>
+            </a:extLst>
+          </p:cNvPr>
+          <p:cNvSpPr txBox="1">
+            <a:spLocks/>
+          </p:cNvSpPr>
+          <p:nvPr/>
+        </p:nvSpPr>
+        <p:spPr>
+          <a:xfrm>
+            <a:off x="3582554" y="2904836"/>
+            <a:ext cx="835891" cy="775853"/>
+          </a:xfrm>
+          <a:prstGeom prst="rect">
+            <a:avLst/>
+          </a:prstGeom>
+        </p:spPr>
+        <p:txBody>
+          <a:bodyPr vert="horz" lIns="91440" tIns="45720" rIns="91440" bIns="45720" rtlCol="0" anchor="ctr">
+            <a:normAutofit/>
+          </a:bodyPr>
+          <a:lstStyle>
+            <a:lvl1pPr marL="0" indent="0" algn="ctr" defTabSz="914400" rtl="0" eaLnBrk="1" latinLnBrk="0" hangingPunct="1">
+              <a:lnSpc>
+                <a:spcPct val="90000"/>
+              </a:lnSpc>
+              <a:spcBef>
+                <a:spcPts val="1000"/>
+              </a:spcBef>
+              <a:buFont typeface="Arial" panose="020B0604020202020204" pitchFamily="34" charset="0"/>
+              <a:buNone/>
+              <a:defRPr sz="2400" kern="1200">
+                <a:solidFill>
+                  <a:schemeClr val="tx1"/>
+                </a:solidFill>
+                <a:latin typeface="+mn-lt"/>
+                <a:ea typeface="+mn-ea"/>
+                <a:cs typeface="+mn-cs"/>
+              </a:defRPr>
+            </a:lvl1pPr>
+            <a:lvl2pPr marL="457200" indent="0" algn="ctr" defTabSz="914400" rtl="0" eaLnBrk="1" latinLnBrk="0" hangingPunct="1">
+              <a:lnSpc>
+                <a:spcPct val="90000"/>
+              </a:lnSpc>
+              <a:spcBef>
+                <a:spcPts val="500"/>
+              </a:spcBef>
+              <a:buFont typeface="Arial" panose="020B0604020202020204" pitchFamily="34" charset="0"/>
+              <a:buNone/>
+              <a:defRPr sz="2000" kern="1200">
+                <a:solidFill>
+                  <a:schemeClr val="tx1"/>
+                </a:solidFill>
+                <a:latin typeface="+mn-lt"/>
+                <a:ea typeface="+mn-ea"/>
+                <a:cs typeface="+mn-cs"/>
+              </a:defRPr>
+            </a:lvl2pPr>
+            <a:lvl3pPr marL="914400" indent="0" algn="ctr" defTabSz="914400" rtl="0" eaLnBrk="1" latinLnBrk="0" hangingPunct="1">
+              <a:lnSpc>
+                <a:spcPct val="90000"/>
+              </a:lnSpc>
+              <a:spcBef>
+                <a:spcPts val="500"/>
+              </a:spcBef>
+              <a:buFont typeface="Arial" panose="020B0604020202020204" pitchFamily="34" charset="0"/>
+              <a:buNone/>
+              <a:defRPr sz="1800" kern="1200">
+                <a:solidFill>
+                  <a:schemeClr val="tx1"/>
+                </a:solidFill>
+                <a:latin typeface="+mn-lt"/>
+                <a:ea typeface="+mn-ea"/>
+                <a:cs typeface="+mn-cs"/>
+              </a:defRPr>
+            </a:lvl3pPr>
+            <a:lvl4pPr marL="1371600" indent="0" algn="ctr" defTabSz="914400" rtl="0" eaLnBrk="1" latinLnBrk="0" hangingPunct="1">
+              <a:lnSpc>
+                <a:spcPct val="90000"/>
+              </a:lnSpc>
+              <a:spcBef>
+                <a:spcPts val="500"/>
+              </a:spcBef>
+              <a:buFont typeface="Arial" panose="020B0604020202020204" pitchFamily="34" charset="0"/>
+              <a:buNone/>
+              <a:defRPr sz="1600" kern="1200">
+                <a:solidFill>
+                  <a:schemeClr val="tx1"/>
+                </a:solidFill>
+                <a:latin typeface="+mn-lt"/>
+                <a:ea typeface="+mn-ea"/>
+                <a:cs typeface="+mn-cs"/>
+              </a:defRPr>
+            </a:lvl4pPr>
+            <a:lvl5pPr marL="1828800" indent="0" algn="ctr" defTabSz="914400" rtl="0" eaLnBrk="1" latinLnBrk="0" hangingPunct="1">
+              <a:lnSpc>
+                <a:spcPct val="90000"/>
+              </a:lnSpc>
+              <a:spcBef>
+                <a:spcPts val="500"/>
+              </a:spcBef>
+              <a:buFont typeface="Arial" panose="020B0604020202020204" pitchFamily="34" charset="0"/>
+              <a:buNone/>
+              <a:defRPr sz="1600" kern="1200">
+                <a:solidFill>
+                  <a:schemeClr val="tx1"/>
+                </a:solidFill>
+                <a:latin typeface="+mn-lt"/>
+                <a:ea typeface="+mn-ea"/>
+                <a:cs typeface="+mn-cs"/>
+              </a:defRPr>
+            </a:lvl5pPr>
+            <a:lvl6pPr marL="2286000" indent="0" algn="ctr" defTabSz="914400" rtl="0" eaLnBrk="1" latinLnBrk="0" hangingPunct="1">
+              <a:lnSpc>
+                <a:spcPct val="90000"/>
+              </a:lnSpc>
+              <a:spcBef>
+                <a:spcPts val="500"/>
+              </a:spcBef>
+              <a:buFont typeface="Arial" panose="020B0604020202020204" pitchFamily="34" charset="0"/>
+              <a:buNone/>
+              <a:defRPr sz="1600" kern="1200">
+                <a:solidFill>
+                  <a:schemeClr val="tx1"/>
+                </a:solidFill>
+                <a:latin typeface="+mn-lt"/>
+                <a:ea typeface="+mn-ea"/>
+                <a:cs typeface="+mn-cs"/>
+              </a:defRPr>
+            </a:lvl6pPr>
+            <a:lvl7pPr marL="2743200" indent="0" algn="ctr" defTabSz="914400" rtl="0" eaLnBrk="1" latinLnBrk="0" hangingPunct="1">
+              <a:lnSpc>
+                <a:spcPct val="90000"/>
+              </a:lnSpc>
+              <a:spcBef>
+                <a:spcPts val="500"/>
+              </a:spcBef>
+              <a:buFont typeface="Arial" panose="020B0604020202020204" pitchFamily="34" charset="0"/>
+              <a:buNone/>
+              <a:defRPr sz="1600" kern="1200">
+                <a:solidFill>
+                  <a:schemeClr val="tx1"/>
+                </a:solidFill>
+                <a:latin typeface="+mn-lt"/>
+                <a:ea typeface="+mn-ea"/>
+                <a:cs typeface="+mn-cs"/>
+              </a:defRPr>
+            </a:lvl7pPr>
+            <a:lvl8pPr marL="3200400" indent="0" algn="ctr" defTabSz="914400" rtl="0" eaLnBrk="1" latinLnBrk="0" hangingPunct="1">
+              <a:lnSpc>
+                <a:spcPct val="90000"/>
+              </a:lnSpc>
+              <a:spcBef>
+                <a:spcPts val="500"/>
+              </a:spcBef>
+              <a:buFont typeface="Arial" panose="020B0604020202020204" pitchFamily="34" charset="0"/>
+              <a:buNone/>
+              <a:defRPr sz="1600" kern="1200">
+                <a:solidFill>
+                  <a:schemeClr val="tx1"/>
+                </a:solidFill>
+                <a:latin typeface="+mn-lt"/>
+                <a:ea typeface="+mn-ea"/>
+                <a:cs typeface="+mn-cs"/>
+              </a:defRPr>
+            </a:lvl8pPr>
+            <a:lvl9pPr marL="3657600" indent="0" algn="ctr" defTabSz="914400" rtl="0" eaLnBrk="1" latinLnBrk="0" hangingPunct="1">
+              <a:lnSpc>
+                <a:spcPct val="90000"/>
+              </a:lnSpc>
+              <a:spcBef>
+                <a:spcPts val="500"/>
+              </a:spcBef>
+              <a:buFont typeface="Arial" panose="020B0604020202020204" pitchFamily="34" charset="0"/>
+              <a:buNone/>
+              <a:defRPr sz="1600" kern="1200">
+                <a:solidFill>
+                  <a:schemeClr val="tx1"/>
+                </a:solidFill>
+                <a:latin typeface="+mn-lt"/>
+                <a:ea typeface="+mn-ea"/>
+                <a:cs typeface="+mn-cs"/>
+              </a:defRPr>
+            </a:lvl9pPr>
+          </a:lstStyle>
+          <a:p>
+            <a:r>
+              <a:rPr lang="en-US" sz="2000" b="1" dirty="0">
+                <a:solidFill>
+                  <a:schemeClr val="bg1"/>
+                </a:solidFill>
+                <a:latin typeface="Segoe UI Light" panose="020B0502040204020203" pitchFamily="34" charset="0"/>
+                <a:cs typeface="Segoe UI Light" panose="020B0502040204020203" pitchFamily="34" charset="0"/>
+              </a:rPr>
+              <a:t>VS</a:t>
+            </a:r>
+          </a:p>
+        </p:txBody>
+      </p:sp>
+      <p:sp>
+        <p:nvSpPr>
+          <p:cNvPr id="15" name="Subtitle 2">
+            <a:extLst>
+              <a:ext uri="{FF2B5EF4-FFF2-40B4-BE49-F238E27FC236}">
+                <a16:creationId xmlns:a16="http://schemas.microsoft.com/office/drawing/2014/main" id="{20939731-D3B7-4A28-B941-216A5F2FD525}"/>
+              </a:ext>
+            </a:extLst>
+          </p:cNvPr>
+          <p:cNvSpPr txBox="1">
+            <a:spLocks/>
+          </p:cNvSpPr>
+          <p:nvPr/>
+        </p:nvSpPr>
+        <p:spPr>
+          <a:xfrm>
+            <a:off x="738908" y="2631390"/>
+            <a:ext cx="4368801" cy="2042969"/>
+          </a:xfrm>
+          <a:prstGeom prst="rect">
+            <a:avLst/>
+          </a:prstGeom>
+        </p:spPr>
+        <p:txBody>
+          <a:bodyPr vert="horz" lIns="91440" tIns="45720" rIns="91440" bIns="45720" rtlCol="0" anchor="ctr">
+            <a:noAutofit/>
+          </a:bodyPr>
+          <a:lstStyle>
+            <a:lvl1pPr marL="0" indent="0" algn="ctr" defTabSz="914400" rtl="0" eaLnBrk="1" latinLnBrk="0" hangingPunct="1">
+              <a:lnSpc>
+                <a:spcPct val="90000"/>
+              </a:lnSpc>
+              <a:spcBef>
+                <a:spcPts val="1000"/>
+              </a:spcBef>
+              <a:buFont typeface="Arial" panose="020B0604020202020204" pitchFamily="34" charset="0"/>
+              <a:buNone/>
+              <a:defRPr sz="2400" kern="1200">
+                <a:solidFill>
+                  <a:schemeClr val="tx1"/>
+                </a:solidFill>
+                <a:latin typeface="+mn-lt"/>
+                <a:ea typeface="+mn-ea"/>
+                <a:cs typeface="+mn-cs"/>
+              </a:defRPr>
+            </a:lvl1pPr>
+            <a:lvl2pPr marL="457200" indent="0" algn="ctr" defTabSz="914400" rtl="0" eaLnBrk="1" latinLnBrk="0" hangingPunct="1">
+              <a:lnSpc>
+                <a:spcPct val="90000"/>
+              </a:lnSpc>
+              <a:spcBef>
+                <a:spcPts val="500"/>
+              </a:spcBef>
+              <a:buFont typeface="Arial" panose="020B0604020202020204" pitchFamily="34" charset="0"/>
+              <a:buNone/>
+              <a:defRPr sz="2000" kern="1200">
+                <a:solidFill>
+                  <a:schemeClr val="tx1"/>
+                </a:solidFill>
+                <a:latin typeface="+mn-lt"/>
+                <a:ea typeface="+mn-ea"/>
+                <a:cs typeface="+mn-cs"/>
+              </a:defRPr>
+            </a:lvl2pPr>
+            <a:lvl3pPr marL="914400" indent="0" algn="ctr" defTabSz="914400" rtl="0" eaLnBrk="1" latinLnBrk="0" hangingPunct="1">
+              <a:lnSpc>
+                <a:spcPct val="90000"/>
+              </a:lnSpc>
+              <a:spcBef>
+                <a:spcPts val="500"/>
+              </a:spcBef>
+              <a:buFont typeface="Arial" panose="020B0604020202020204" pitchFamily="34" charset="0"/>
+              <a:buNone/>
+              <a:defRPr sz="1800" kern="1200">
+                <a:solidFill>
+                  <a:schemeClr val="tx1"/>
+                </a:solidFill>
+                <a:latin typeface="+mn-lt"/>
+                <a:ea typeface="+mn-ea"/>
+                <a:cs typeface="+mn-cs"/>
+              </a:defRPr>
+            </a:lvl3pPr>
+            <a:lvl4pPr marL="1371600" indent="0" algn="ctr" defTabSz="914400" rtl="0" eaLnBrk="1" latinLnBrk="0" hangingPunct="1">
+              <a:lnSpc>
+                <a:spcPct val="90000"/>
+              </a:lnSpc>
+              <a:spcBef>
+                <a:spcPts val="500"/>
+              </a:spcBef>
+              <a:buFont typeface="Arial" panose="020B0604020202020204" pitchFamily="34" charset="0"/>
+              <a:buNone/>
+              <a:defRPr sz="1600" kern="1200">
+                <a:solidFill>
+                  <a:schemeClr val="tx1"/>
+                </a:solidFill>
+                <a:latin typeface="+mn-lt"/>
+                <a:ea typeface="+mn-ea"/>
+                <a:cs typeface="+mn-cs"/>
+              </a:defRPr>
+            </a:lvl4pPr>
+            <a:lvl5pPr marL="1828800" indent="0" algn="ctr" defTabSz="914400" rtl="0" eaLnBrk="1" latinLnBrk="0" hangingPunct="1">
+              <a:lnSpc>
+                <a:spcPct val="90000"/>
+              </a:lnSpc>
+              <a:spcBef>
+                <a:spcPts val="500"/>
+              </a:spcBef>
+              <a:buFont typeface="Arial" panose="020B0604020202020204" pitchFamily="34" charset="0"/>
+              <a:buNone/>
+              <a:defRPr sz="1600" kern="1200">
+                <a:solidFill>
+                  <a:schemeClr val="tx1"/>
+                </a:solidFill>
+                <a:latin typeface="+mn-lt"/>
+                <a:ea typeface="+mn-ea"/>
+                <a:cs typeface="+mn-cs"/>
+              </a:defRPr>
+            </a:lvl5pPr>
+            <a:lvl6pPr marL="2286000" indent="0" algn="ctr" defTabSz="914400" rtl="0" eaLnBrk="1" latinLnBrk="0" hangingPunct="1">
+              <a:lnSpc>
+                <a:spcPct val="90000"/>
+              </a:lnSpc>
+              <a:spcBef>
+                <a:spcPts val="500"/>
+              </a:spcBef>
+              <a:buFont typeface="Arial" panose="020B0604020202020204" pitchFamily="34" charset="0"/>
+              <a:buNone/>
+              <a:defRPr sz="1600" kern="1200">
+                <a:solidFill>
+                  <a:schemeClr val="tx1"/>
+                </a:solidFill>
+                <a:latin typeface="+mn-lt"/>
+                <a:ea typeface="+mn-ea"/>
+                <a:cs typeface="+mn-cs"/>
+              </a:defRPr>
+            </a:lvl6pPr>
+            <a:lvl7pPr marL="2743200" indent="0" algn="ctr" defTabSz="914400" rtl="0" eaLnBrk="1" latinLnBrk="0" hangingPunct="1">
+              <a:lnSpc>
+                <a:spcPct val="90000"/>
+              </a:lnSpc>
+              <a:spcBef>
+                <a:spcPts val="500"/>
+              </a:spcBef>
+              <a:buFont typeface="Arial" panose="020B0604020202020204" pitchFamily="34" charset="0"/>
+              <a:buNone/>
+              <a:defRPr sz="1600" kern="1200">
+                <a:solidFill>
+                  <a:schemeClr val="tx1"/>
+                </a:solidFill>
+                <a:latin typeface="+mn-lt"/>
+                <a:ea typeface="+mn-ea"/>
+                <a:cs typeface="+mn-cs"/>
+              </a:defRPr>
+            </a:lvl7pPr>
+            <a:lvl8pPr marL="3200400" indent="0" algn="ctr" defTabSz="914400" rtl="0" eaLnBrk="1" latinLnBrk="0" hangingPunct="1">
+              <a:lnSpc>
+                <a:spcPct val="90000"/>
+              </a:lnSpc>
+              <a:spcBef>
+                <a:spcPts val="500"/>
+              </a:spcBef>
+              <a:buFont typeface="Arial" panose="020B0604020202020204" pitchFamily="34" charset="0"/>
+              <a:buNone/>
+              <a:defRPr sz="1600" kern="1200">
+                <a:solidFill>
+                  <a:schemeClr val="tx1"/>
+                </a:solidFill>
+                <a:latin typeface="+mn-lt"/>
+                <a:ea typeface="+mn-ea"/>
+                <a:cs typeface="+mn-cs"/>
+              </a:defRPr>
+            </a:lvl8pPr>
+            <a:lvl9pPr marL="3657600" indent="0" algn="ctr" defTabSz="914400" rtl="0" eaLnBrk="1" latinLnBrk="0" hangingPunct="1">
+              <a:lnSpc>
+                <a:spcPct val="90000"/>
+              </a:lnSpc>
+              <a:spcBef>
+                <a:spcPts val="500"/>
+              </a:spcBef>
+              <a:buFont typeface="Arial" panose="020B0604020202020204" pitchFamily="34" charset="0"/>
+              <a:buNone/>
+              <a:defRPr sz="1600" kern="1200">
+                <a:solidFill>
+                  <a:schemeClr val="tx1"/>
+                </a:solidFill>
+                <a:latin typeface="+mn-lt"/>
+                <a:ea typeface="+mn-ea"/>
+                <a:cs typeface="+mn-cs"/>
+              </a:defRPr>
+            </a:lvl9pPr>
+          </a:lstStyle>
+          <a:p>
+            <a:pPr marL="285750" indent="-285750" algn="l">
+              <a:lnSpc>
+                <a:spcPct val="150000"/>
+              </a:lnSpc>
+              <a:buFont typeface="Arial" panose="020B0604020202020204" pitchFamily="34" charset="0"/>
+              <a:buChar char="•"/>
+            </a:pPr>
+            <a:r>
+              <a:rPr lang="en-US" sz="1600" dirty="0">
+                <a:latin typeface="Segoe UI Light" panose="020B0502040204020203" pitchFamily="34" charset="0"/>
+                <a:cs typeface="Segoe UI Light" panose="020B0502040204020203" pitchFamily="34" charset="0"/>
+              </a:rPr>
+              <a:t>Lack of </a:t>
+            </a:r>
+            <a:r>
+              <a:rPr lang="en-US" sz="1600" b="1" dirty="0">
+                <a:latin typeface="Segoe UI Light" panose="020B0502040204020203" pitchFamily="34" charset="0"/>
+                <a:cs typeface="Segoe UI Light" panose="020B0502040204020203" pitchFamily="34" charset="0"/>
+              </a:rPr>
+              <a:t>integration</a:t>
+            </a:r>
+            <a:r>
+              <a:rPr lang="en-US" sz="1600" dirty="0">
+                <a:latin typeface="Segoe UI Light" panose="020B0502040204020203" pitchFamily="34" charset="0"/>
+                <a:cs typeface="Segoe UI Light" panose="020B0502040204020203" pitchFamily="34" charset="0"/>
+              </a:rPr>
+              <a:t> &amp; </a:t>
+            </a:r>
+            <a:r>
+              <a:rPr lang="en-US" sz="1600" b="1" dirty="0">
+                <a:latin typeface="Segoe UI Light" panose="020B0502040204020203" pitchFamily="34" charset="0"/>
+                <a:cs typeface="Segoe UI Light" panose="020B0502040204020203" pitchFamily="34" charset="0"/>
+              </a:rPr>
+              <a:t>communication </a:t>
+            </a:r>
+            <a:r>
+              <a:rPr lang="en-US" sz="1600" dirty="0">
+                <a:latin typeface="Segoe UI Light" panose="020B0502040204020203" pitchFamily="34" charset="0"/>
+                <a:cs typeface="Segoe UI Light" panose="020B0502040204020203" pitchFamily="34" charset="0"/>
+              </a:rPr>
+              <a:t>of modules.</a:t>
+            </a:r>
+          </a:p>
+          <a:p>
+            <a:pPr marL="285750" indent="-285750" algn="l">
+              <a:lnSpc>
+                <a:spcPct val="150000"/>
+              </a:lnSpc>
+              <a:buFont typeface="Arial" panose="020B0604020202020204" pitchFamily="34" charset="0"/>
+              <a:buChar char="•"/>
+            </a:pPr>
+            <a:r>
+              <a:rPr lang="en-US" sz="1600" dirty="0">
+                <a:latin typeface="Segoe UI Light" panose="020B0502040204020203" pitchFamily="34" charset="0"/>
+                <a:cs typeface="Segoe UI Light" panose="020B0502040204020203" pitchFamily="34" charset="0"/>
+              </a:rPr>
+              <a:t>Complexity of the </a:t>
+            </a:r>
+            <a:r>
+              <a:rPr lang="en-US" sz="1600" b="1" dirty="0">
+                <a:latin typeface="Segoe UI Light" panose="020B0502040204020203" pitchFamily="34" charset="0"/>
+                <a:cs typeface="Segoe UI Light" panose="020B0502040204020203" pitchFamily="34" charset="0"/>
+              </a:rPr>
+              <a:t>infrastructure</a:t>
+            </a:r>
+            <a:r>
+              <a:rPr lang="en-US" sz="1600" dirty="0">
+                <a:latin typeface="Segoe UI Light" panose="020B0502040204020203" pitchFamily="34" charset="0"/>
+                <a:cs typeface="Segoe UI Light" panose="020B0502040204020203" pitchFamily="34" charset="0"/>
+              </a:rPr>
+              <a:t> – needs to a </a:t>
+            </a:r>
+            <a:r>
+              <a:rPr lang="en-US" sz="1600" b="1" dirty="0">
+                <a:latin typeface="Segoe UI Light" panose="020B0502040204020203" pitchFamily="34" charset="0"/>
+                <a:cs typeface="Segoe UI Light" panose="020B0502040204020203" pitchFamily="34" charset="0"/>
+              </a:rPr>
+              <a:t>framework</a:t>
+            </a:r>
+            <a:r>
+              <a:rPr lang="en-US" sz="1600" dirty="0">
+                <a:latin typeface="Segoe UI Light" panose="020B0502040204020203" pitchFamily="34" charset="0"/>
+                <a:cs typeface="Segoe UI Light" panose="020B0502040204020203" pitchFamily="34" charset="0"/>
+              </a:rPr>
+              <a:t>!</a:t>
+            </a:r>
+          </a:p>
+        </p:txBody>
+      </p:sp>
+    </p:spTree>
+    <p:extLst>
+      <p:ext uri="{BB962C8B-B14F-4D97-AF65-F5344CB8AC3E}">
+        <p14:creationId xmlns:p14="http://schemas.microsoft.com/office/powerpoint/2010/main" val="1408779957"/>
+      </p:ext>
+    </p:extLst>
+  </p:cSld>
+  <p:clrMapOvr>
+    <a:masterClrMapping/>
+  </p:clrMapOvr>
+  <mc:AlternateContent xmlns:mc="http://schemas.openxmlformats.org/markup-compatibility/2006" xmlns:p14="http://schemas.microsoft.com/office/powerpoint/2010/main">
+    <mc:Choice Requires="p14">
+      <p:transition p14:dur="100">
+        <p:cut/>
+      </p:transition>
+    </mc:Choice>
+    <mc:Fallback xmlns="">
+      <p:transition>
+        <p:cut/>
+      </p:transition>
+    </mc:Fallback>
+  </mc:AlternateContent>
+</p:sld>
+</file>
+
+<file path=ppt/slides/slide40.xml><?xml version="1.0" encoding="utf-8"?>
+<p:sld xmlns:a="http://schemas.openxmlformats.org/drawingml/2006/main" xmlns:r="http://schemas.openxmlformats.org/officeDocument/2006/relationships" xmlns:p="http://schemas.openxmlformats.org/presentationml/2006/main">
+  <p:cSld>
+    <p:spTree>
+      <p:nvGrpSpPr>
+        <p:cNvPr id="1" name=""/>
+        <p:cNvGrpSpPr/>
+        <p:nvPr/>
+      </p:nvGrpSpPr>
+      <p:grpSpPr>
+        <a:xfrm>
+          <a:off x="0" y="0"/>
+          <a:ext cx="0" cy="0"/>
+          <a:chOff x="0" y="0"/>
+          <a:chExt cx="0" cy="0"/>
+        </a:xfrm>
+      </p:grpSpPr>
+      <p:pic>
+        <p:nvPicPr>
+          <p:cNvPr id="9" name="Picture 8">
+            <a:extLst>
+              <a:ext uri="{FF2B5EF4-FFF2-40B4-BE49-F238E27FC236}">
+                <a16:creationId xmlns:a16="http://schemas.microsoft.com/office/drawing/2014/main" id="{39E83B63-DAE7-4E06-A56F-CF1576B89936}"/>
+              </a:ext>
+            </a:extLst>
+          </p:cNvPr>
+          <p:cNvPicPr>
+            <a:picLocks noChangeAspect="1"/>
+          </p:cNvPicPr>
+          <p:nvPr/>
+        </p:nvPicPr>
+        <p:blipFill>
+          <a:blip r:embed="rId2">
+            <a:extLst>
+              <a:ext uri="{28A0092B-C50C-407E-A947-70E740481C1C}">
+                <a14:useLocalDpi xmlns:a14="http://schemas.microsoft.com/office/drawing/2010/main" val="0"/>
+              </a:ext>
+            </a:extLst>
+          </a:blip>
+          <a:stretch>
+            <a:fillRect/>
+          </a:stretch>
+        </p:blipFill>
+        <p:spPr>
+          <a:xfrm>
+            <a:off x="0" y="0"/>
+            <a:ext cx="12192000" cy="6858000"/>
+          </a:xfrm>
+          <a:prstGeom prst="rect">
+            <a:avLst/>
+          </a:prstGeom>
+        </p:spPr>
+      </p:pic>
+      <p:sp>
+        <p:nvSpPr>
+          <p:cNvPr id="2" name="Title 1">
+            <a:extLst>
+              <a:ext uri="{FF2B5EF4-FFF2-40B4-BE49-F238E27FC236}">
+                <a16:creationId xmlns:a16="http://schemas.microsoft.com/office/drawing/2014/main" id="{0DE26BD9-3178-4532-BF33-58FE331BE190}"/>
+              </a:ext>
+            </a:extLst>
+          </p:cNvPr>
+          <p:cNvSpPr>
+            <a:spLocks noGrp="1"/>
+          </p:cNvSpPr>
+          <p:nvPr>
+            <p:ph type="ctrTitle"/>
+          </p:nvPr>
+        </p:nvSpPr>
+        <p:spPr>
+          <a:xfrm>
+            <a:off x="738907" y="419878"/>
+            <a:ext cx="8901268" cy="775853"/>
+          </a:xfrm>
+        </p:spPr>
+        <p:txBody>
+          <a:bodyPr anchor="b">
+            <a:normAutofit/>
+          </a:bodyPr>
+          <a:lstStyle/>
+          <a:p>
+            <a:pPr algn="l"/>
+            <a:r>
+              <a:rPr lang="en-US" sz="4000" b="1" dirty="0">
+                <a:solidFill>
+                  <a:srgbClr val="0041C6"/>
+                </a:solidFill>
+                <a:latin typeface="Segoe UI Semibold" panose="020B0702040204020203" pitchFamily="34" charset="0"/>
+                <a:cs typeface="Segoe UI Semibold" panose="020B0702040204020203" pitchFamily="34" charset="0"/>
+              </a:rPr>
+              <a:t>Embed UI, Use as a Remote Service</a:t>
+            </a:r>
+          </a:p>
+        </p:txBody>
+      </p:sp>
+      <p:sp>
+        <p:nvSpPr>
+          <p:cNvPr id="5" name="Footer Placeholder 4">
+            <a:extLst>
+              <a:ext uri="{FF2B5EF4-FFF2-40B4-BE49-F238E27FC236}">
+                <a16:creationId xmlns:a16="http://schemas.microsoft.com/office/drawing/2014/main" id="{A3553ADE-3838-4EDB-9F14-97C75DE2198D}"/>
+              </a:ext>
+            </a:extLst>
+          </p:cNvPr>
+          <p:cNvSpPr>
+            <a:spLocks noGrp="1"/>
+          </p:cNvSpPr>
+          <p:nvPr>
+            <p:ph type="ftr" sz="quarter" idx="11"/>
+          </p:nvPr>
+        </p:nvSpPr>
+        <p:spPr>
+          <a:xfrm>
+            <a:off x="0" y="6483927"/>
+            <a:ext cx="4190999" cy="374073"/>
+          </a:xfrm>
+        </p:spPr>
+        <p:txBody>
+          <a:bodyPr/>
+          <a:lstStyle/>
+          <a:p>
+            <a:pPr algn="l"/>
+            <a:r>
+              <a:rPr lang="en-US" dirty="0" err="1">
+                <a:solidFill>
+                  <a:schemeClr val="tx1"/>
+                </a:solidFill>
+                <a:latin typeface="Segoe UI" panose="020B0502040204020203" pitchFamily="34" charset="0"/>
+                <a:cs typeface="Segoe UI" panose="020B0502040204020203" pitchFamily="34" charset="0"/>
+              </a:rPr>
+              <a:t>Halil</a:t>
+            </a:r>
+            <a:r>
+              <a:rPr lang="en-US" dirty="0">
+                <a:solidFill>
+                  <a:schemeClr val="tx1"/>
+                </a:solidFill>
+                <a:latin typeface="Segoe UI" panose="020B0502040204020203" pitchFamily="34" charset="0"/>
+                <a:cs typeface="Segoe UI" panose="020B0502040204020203" pitchFamily="34" charset="0"/>
+              </a:rPr>
+              <a:t> İbrahim KALKAN | @</a:t>
+            </a:r>
+            <a:r>
+              <a:rPr lang="en-US" dirty="0" err="1">
+                <a:solidFill>
+                  <a:schemeClr val="tx1"/>
+                </a:solidFill>
+                <a:latin typeface="Segoe UI" panose="020B0502040204020203" pitchFamily="34" charset="0"/>
+                <a:cs typeface="Segoe UI" panose="020B0502040204020203" pitchFamily="34" charset="0"/>
+              </a:rPr>
+              <a:t>hikalkan</a:t>
+            </a:r>
+            <a:r>
+              <a:rPr lang="en-US" dirty="0">
+                <a:solidFill>
+                  <a:schemeClr val="tx1"/>
+                </a:solidFill>
+                <a:latin typeface="Segoe UI" panose="020B0502040204020203" pitchFamily="34" charset="0"/>
+                <a:cs typeface="Segoe UI" panose="020B0502040204020203" pitchFamily="34" charset="0"/>
+              </a:rPr>
+              <a:t> | </a:t>
+            </a:r>
+            <a:r>
+              <a:rPr lang="en-US" dirty="0" err="1">
+                <a:solidFill>
+                  <a:schemeClr val="tx1"/>
+                </a:solidFill>
+                <a:latin typeface="Segoe UI" panose="020B0502040204020203" pitchFamily="34" charset="0"/>
+                <a:cs typeface="Segoe UI" panose="020B0502040204020203" pitchFamily="34" charset="0"/>
+              </a:rPr>
+              <a:t>Volosoft</a:t>
+            </a:r>
+            <a:r>
+              <a:rPr lang="en-US" dirty="0">
+                <a:solidFill>
+                  <a:schemeClr val="tx1"/>
+                </a:solidFill>
+                <a:latin typeface="Segoe UI" panose="020B0502040204020203" pitchFamily="34" charset="0"/>
+                <a:cs typeface="Segoe UI" panose="020B0502040204020203" pitchFamily="34" charset="0"/>
+              </a:rPr>
+              <a:t> TM</a:t>
+            </a:r>
+          </a:p>
+        </p:txBody>
+      </p:sp>
+      <p:sp>
+        <p:nvSpPr>
+          <p:cNvPr id="11" name="Subtitle 2">
+            <a:extLst>
+              <a:ext uri="{FF2B5EF4-FFF2-40B4-BE49-F238E27FC236}">
+                <a16:creationId xmlns:a16="http://schemas.microsoft.com/office/drawing/2014/main" id="{A769CE0C-E9B4-4049-B22B-C35AD0DD7409}"/>
+              </a:ext>
+            </a:extLst>
+          </p:cNvPr>
+          <p:cNvSpPr txBox="1">
+            <a:spLocks/>
+          </p:cNvSpPr>
+          <p:nvPr/>
+        </p:nvSpPr>
+        <p:spPr>
+          <a:xfrm>
+            <a:off x="4189040" y="2904836"/>
+            <a:ext cx="835891" cy="775853"/>
+          </a:xfrm>
+          <a:prstGeom prst="rect">
+            <a:avLst/>
+          </a:prstGeom>
+        </p:spPr>
+        <p:txBody>
+          <a:bodyPr vert="horz" lIns="91440" tIns="45720" rIns="91440" bIns="45720" rtlCol="0" anchor="ctr">
+            <a:normAutofit/>
+          </a:bodyPr>
+          <a:lstStyle>
+            <a:lvl1pPr marL="0" indent="0" algn="ctr" defTabSz="914400" rtl="0" eaLnBrk="1" latinLnBrk="0" hangingPunct="1">
+              <a:lnSpc>
+                <a:spcPct val="90000"/>
+              </a:lnSpc>
+              <a:spcBef>
+                <a:spcPts val="1000"/>
+              </a:spcBef>
+              <a:buFont typeface="Arial" panose="020B0604020202020204" pitchFamily="34" charset="0"/>
+              <a:buNone/>
+              <a:defRPr sz="2400" kern="1200">
+                <a:solidFill>
+                  <a:schemeClr val="tx1"/>
+                </a:solidFill>
+                <a:latin typeface="+mn-lt"/>
+                <a:ea typeface="+mn-ea"/>
+                <a:cs typeface="+mn-cs"/>
+              </a:defRPr>
+            </a:lvl1pPr>
+            <a:lvl2pPr marL="457200" indent="0" algn="ctr" defTabSz="914400" rtl="0" eaLnBrk="1" latinLnBrk="0" hangingPunct="1">
+              <a:lnSpc>
+                <a:spcPct val="90000"/>
+              </a:lnSpc>
+              <a:spcBef>
+                <a:spcPts val="500"/>
+              </a:spcBef>
+              <a:buFont typeface="Arial" panose="020B0604020202020204" pitchFamily="34" charset="0"/>
+              <a:buNone/>
+              <a:defRPr sz="2000" kern="1200">
+                <a:solidFill>
+                  <a:schemeClr val="tx1"/>
+                </a:solidFill>
+                <a:latin typeface="+mn-lt"/>
+                <a:ea typeface="+mn-ea"/>
+                <a:cs typeface="+mn-cs"/>
+              </a:defRPr>
+            </a:lvl2pPr>
+            <a:lvl3pPr marL="914400" indent="0" algn="ctr" defTabSz="914400" rtl="0" eaLnBrk="1" latinLnBrk="0" hangingPunct="1">
+              <a:lnSpc>
+                <a:spcPct val="90000"/>
+              </a:lnSpc>
+              <a:spcBef>
+                <a:spcPts val="500"/>
+              </a:spcBef>
+              <a:buFont typeface="Arial" panose="020B0604020202020204" pitchFamily="34" charset="0"/>
+              <a:buNone/>
+              <a:defRPr sz="1800" kern="1200">
+                <a:solidFill>
+                  <a:schemeClr val="tx1"/>
+                </a:solidFill>
+                <a:latin typeface="+mn-lt"/>
+                <a:ea typeface="+mn-ea"/>
+                <a:cs typeface="+mn-cs"/>
+              </a:defRPr>
+            </a:lvl3pPr>
+            <a:lvl4pPr marL="1371600" indent="0" algn="ctr" defTabSz="914400" rtl="0" eaLnBrk="1" latinLnBrk="0" hangingPunct="1">
+              <a:lnSpc>
+                <a:spcPct val="90000"/>
+              </a:lnSpc>
+              <a:spcBef>
+                <a:spcPts val="500"/>
+              </a:spcBef>
+              <a:buFont typeface="Arial" panose="020B0604020202020204" pitchFamily="34" charset="0"/>
+              <a:buNone/>
+              <a:defRPr sz="1600" kern="1200">
+                <a:solidFill>
+                  <a:schemeClr val="tx1"/>
+                </a:solidFill>
+                <a:latin typeface="+mn-lt"/>
+                <a:ea typeface="+mn-ea"/>
+                <a:cs typeface="+mn-cs"/>
+              </a:defRPr>
+            </a:lvl4pPr>
+            <a:lvl5pPr marL="1828800" indent="0" algn="ctr" defTabSz="914400" rtl="0" eaLnBrk="1" latinLnBrk="0" hangingPunct="1">
+              <a:lnSpc>
+                <a:spcPct val="90000"/>
+              </a:lnSpc>
+              <a:spcBef>
+                <a:spcPts val="500"/>
+              </a:spcBef>
+              <a:buFont typeface="Arial" panose="020B0604020202020204" pitchFamily="34" charset="0"/>
+              <a:buNone/>
+              <a:defRPr sz="1600" kern="1200">
+                <a:solidFill>
+                  <a:schemeClr val="tx1"/>
+                </a:solidFill>
+                <a:latin typeface="+mn-lt"/>
+                <a:ea typeface="+mn-ea"/>
+                <a:cs typeface="+mn-cs"/>
+              </a:defRPr>
+            </a:lvl5pPr>
+            <a:lvl6pPr marL="2286000" indent="0" algn="ctr" defTabSz="914400" rtl="0" eaLnBrk="1" latinLnBrk="0" hangingPunct="1">
+              <a:lnSpc>
+                <a:spcPct val="90000"/>
+              </a:lnSpc>
+              <a:spcBef>
+                <a:spcPts val="500"/>
+              </a:spcBef>
+              <a:buFont typeface="Arial" panose="020B0604020202020204" pitchFamily="34" charset="0"/>
+              <a:buNone/>
+              <a:defRPr sz="1600" kern="1200">
+                <a:solidFill>
+                  <a:schemeClr val="tx1"/>
+                </a:solidFill>
+                <a:latin typeface="+mn-lt"/>
+                <a:ea typeface="+mn-ea"/>
+                <a:cs typeface="+mn-cs"/>
+              </a:defRPr>
+            </a:lvl6pPr>
+            <a:lvl7pPr marL="2743200" indent="0" algn="ctr" defTabSz="914400" rtl="0" eaLnBrk="1" latinLnBrk="0" hangingPunct="1">
+              <a:lnSpc>
+                <a:spcPct val="90000"/>
+              </a:lnSpc>
+              <a:spcBef>
+                <a:spcPts val="500"/>
+              </a:spcBef>
+              <a:buFont typeface="Arial" panose="020B0604020202020204" pitchFamily="34" charset="0"/>
+              <a:buNone/>
+              <a:defRPr sz="1600" kern="1200">
+                <a:solidFill>
+                  <a:schemeClr val="tx1"/>
+                </a:solidFill>
+                <a:latin typeface="+mn-lt"/>
+                <a:ea typeface="+mn-ea"/>
+                <a:cs typeface="+mn-cs"/>
+              </a:defRPr>
+            </a:lvl7pPr>
+            <a:lvl8pPr marL="3200400" indent="0" algn="ctr" defTabSz="914400" rtl="0" eaLnBrk="1" latinLnBrk="0" hangingPunct="1">
+              <a:lnSpc>
+                <a:spcPct val="90000"/>
+              </a:lnSpc>
+              <a:spcBef>
+                <a:spcPts val="500"/>
+              </a:spcBef>
+              <a:buFont typeface="Arial" panose="020B0604020202020204" pitchFamily="34" charset="0"/>
+              <a:buNone/>
+              <a:defRPr sz="1600" kern="1200">
+                <a:solidFill>
+                  <a:schemeClr val="tx1"/>
+                </a:solidFill>
+                <a:latin typeface="+mn-lt"/>
+                <a:ea typeface="+mn-ea"/>
+                <a:cs typeface="+mn-cs"/>
+              </a:defRPr>
+            </a:lvl8pPr>
+            <a:lvl9pPr marL="3657600" indent="0" algn="ctr" defTabSz="914400" rtl="0" eaLnBrk="1" latinLnBrk="0" hangingPunct="1">
+              <a:lnSpc>
+                <a:spcPct val="90000"/>
+              </a:lnSpc>
+              <a:spcBef>
+                <a:spcPts val="500"/>
+              </a:spcBef>
+              <a:buFont typeface="Arial" panose="020B0604020202020204" pitchFamily="34" charset="0"/>
+              <a:buNone/>
+              <a:defRPr sz="1600" kern="1200">
+                <a:solidFill>
+                  <a:schemeClr val="tx1"/>
+                </a:solidFill>
+                <a:latin typeface="+mn-lt"/>
+                <a:ea typeface="+mn-ea"/>
+                <a:cs typeface="+mn-cs"/>
+              </a:defRPr>
+            </a:lvl9pPr>
+          </a:lstStyle>
+          <a:p>
+            <a:r>
+              <a:rPr lang="en-US" sz="2000" b="1" dirty="0">
+                <a:solidFill>
+                  <a:schemeClr val="bg1"/>
+                </a:solidFill>
+                <a:latin typeface="Segoe UI Light" panose="020B0502040204020203" pitchFamily="34" charset="0"/>
+                <a:cs typeface="Segoe UI Light" panose="020B0502040204020203" pitchFamily="34" charset="0"/>
+              </a:rPr>
+              <a:t>VS</a:t>
+            </a:r>
+          </a:p>
+        </p:txBody>
+      </p:sp>
+      <p:pic>
+        <p:nvPicPr>
+          <p:cNvPr id="3" name="Picture 2">
+            <a:extLst>
+              <a:ext uri="{FF2B5EF4-FFF2-40B4-BE49-F238E27FC236}">
+                <a16:creationId xmlns:a16="http://schemas.microsoft.com/office/drawing/2014/main" id="{BE394376-2116-4851-89D2-4D4195BC60B1}"/>
+              </a:ext>
+            </a:extLst>
+          </p:cNvPr>
+          <p:cNvPicPr>
+            <a:picLocks noChangeAspect="1"/>
+          </p:cNvPicPr>
+          <p:nvPr/>
+        </p:nvPicPr>
+        <p:blipFill>
+          <a:blip r:embed="rId3"/>
+          <a:stretch>
+            <a:fillRect/>
+          </a:stretch>
+        </p:blipFill>
+        <p:spPr>
+          <a:xfrm>
+            <a:off x="788336" y="1192499"/>
+            <a:ext cx="9458325" cy="4200525"/>
+          </a:xfrm>
+          <a:prstGeom prst="rect">
+            <a:avLst/>
+          </a:prstGeom>
+        </p:spPr>
+      </p:pic>
+      <p:sp>
+        <p:nvSpPr>
+          <p:cNvPr id="4" name="Rectangle 3">
+            <a:extLst>
+              <a:ext uri="{FF2B5EF4-FFF2-40B4-BE49-F238E27FC236}">
+                <a16:creationId xmlns:a16="http://schemas.microsoft.com/office/drawing/2014/main" id="{0D0F9621-17AF-44C5-92B1-F45A6E54BA2B}"/>
+              </a:ext>
+            </a:extLst>
+          </p:cNvPr>
+          <p:cNvSpPr/>
+          <p:nvPr/>
+        </p:nvSpPr>
+        <p:spPr>
+          <a:xfrm>
+            <a:off x="7352519" y="4777204"/>
+            <a:ext cx="2761861" cy="1231640"/>
+          </a:xfrm>
+          <a:prstGeom prst="rect">
+            <a:avLst/>
+          </a:prstGeom>
+        </p:spPr>
+        <p:style>
+          <a:lnRef idx="2">
+            <a:schemeClr val="accent1">
+              <a:shade val="50000"/>
+            </a:schemeClr>
+          </a:lnRef>
+          <a:fillRef idx="1">
+            <a:schemeClr val="accent1"/>
+          </a:fillRef>
+          <a:effectRef idx="0">
+            <a:schemeClr val="accent1"/>
+          </a:effectRef>
+          <a:fontRef idx="minor">
+            <a:schemeClr val="lt1"/>
+          </a:fontRef>
+        </p:style>
+        <p:txBody>
+          <a:bodyPr rtlCol="0" anchor="ctr"/>
+          <a:lstStyle/>
+          <a:p>
+            <a:pPr algn="ctr"/>
+            <a:r>
+              <a:rPr lang="en-US" sz="3200" dirty="0">
+                <a:latin typeface="Segoe UI Semibold" panose="020B0702040204020203" pitchFamily="34" charset="0"/>
+                <a:cs typeface="Segoe UI Semibold" panose="020B0702040204020203" pitchFamily="34" charset="0"/>
+              </a:rPr>
+              <a:t>Application 2</a:t>
+            </a:r>
+            <a:br>
+              <a:rPr lang="en-US" sz="3200" dirty="0">
+                <a:latin typeface="Segoe UI Semibold" panose="020B0702040204020203" pitchFamily="34" charset="0"/>
+                <a:cs typeface="Segoe UI Semibold" panose="020B0702040204020203" pitchFamily="34" charset="0"/>
+              </a:rPr>
+            </a:br>
+            <a:r>
+              <a:rPr lang="en-US" sz="2400" dirty="0">
+                <a:latin typeface="Segoe UI Semibold" panose="020B0702040204020203" pitchFamily="34" charset="0"/>
+                <a:cs typeface="Segoe UI Semibold" panose="020B0702040204020203" pitchFamily="34" charset="0"/>
+              </a:rPr>
+              <a:t>(remote service)</a:t>
+            </a:r>
+            <a:endParaRPr lang="en-US" sz="3200" dirty="0">
+              <a:latin typeface="Segoe UI Semibold" panose="020B0702040204020203" pitchFamily="34" charset="0"/>
+              <a:cs typeface="Segoe UI Semibold" panose="020B0702040204020203" pitchFamily="34" charset="0"/>
+            </a:endParaRPr>
+          </a:p>
+        </p:txBody>
+      </p:sp>
+      <p:cxnSp>
+        <p:nvCxnSpPr>
+          <p:cNvPr id="10" name="Connector: Curved 9">
+            <a:extLst>
+              <a:ext uri="{FF2B5EF4-FFF2-40B4-BE49-F238E27FC236}">
+                <a16:creationId xmlns:a16="http://schemas.microsoft.com/office/drawing/2014/main" id="{D05A347C-61F2-4293-B8C4-27BAA14F8AB3}"/>
+              </a:ext>
+            </a:extLst>
+          </p:cNvPr>
+          <p:cNvCxnSpPr>
+            <a:cxnSpLocks/>
+          </p:cNvCxnSpPr>
+          <p:nvPr/>
+        </p:nvCxnSpPr>
+        <p:spPr>
+          <a:xfrm rot="16200000" flipV="1">
+            <a:off x="6736735" y="3657566"/>
+            <a:ext cx="1623455" cy="615820"/>
+          </a:xfrm>
+          <a:prstGeom prst="curvedConnector3">
+            <a:avLst/>
+          </a:prstGeom>
+          <a:ln w="50800">
+            <a:tailEnd type="triangle"/>
+          </a:ln>
+        </p:spPr>
+        <p:style>
+          <a:lnRef idx="1">
+            <a:schemeClr val="accent1"/>
+          </a:lnRef>
+          <a:fillRef idx="0">
+            <a:schemeClr val="accent1"/>
+          </a:fillRef>
+          <a:effectRef idx="0">
+            <a:schemeClr val="accent1"/>
+          </a:effectRef>
+          <a:fontRef idx="minor">
+            <a:schemeClr val="tx1"/>
+          </a:fontRef>
+        </p:style>
+      </p:cxnSp>
+      <p:cxnSp>
+        <p:nvCxnSpPr>
+          <p:cNvPr id="20" name="Connector: Curved 19">
+            <a:extLst>
+              <a:ext uri="{FF2B5EF4-FFF2-40B4-BE49-F238E27FC236}">
+                <a16:creationId xmlns:a16="http://schemas.microsoft.com/office/drawing/2014/main" id="{216820C0-53D6-4DB5-B8D0-235CF5DED30A}"/>
+              </a:ext>
+            </a:extLst>
+          </p:cNvPr>
+          <p:cNvCxnSpPr>
+            <a:cxnSpLocks/>
+          </p:cNvCxnSpPr>
+          <p:nvPr/>
+        </p:nvCxnSpPr>
+        <p:spPr>
+          <a:xfrm rot="5400000" flipH="1" flipV="1">
+            <a:off x="8297082" y="3048943"/>
+            <a:ext cx="3060367" cy="396155"/>
+          </a:xfrm>
+          <a:prstGeom prst="curvedConnector3">
+            <a:avLst>
+              <a:gd name="adj1" fmla="val 50000"/>
+            </a:avLst>
+          </a:prstGeom>
+          <a:ln w="50800">
+            <a:tailEnd type="triangle"/>
+          </a:ln>
+        </p:spPr>
+        <p:style>
+          <a:lnRef idx="1">
+            <a:schemeClr val="accent1"/>
+          </a:lnRef>
+          <a:fillRef idx="0">
+            <a:schemeClr val="accent1"/>
+          </a:fillRef>
+          <a:effectRef idx="0">
+            <a:schemeClr val="accent1"/>
+          </a:effectRef>
+          <a:fontRef idx="minor">
+            <a:schemeClr val="tx1"/>
+          </a:fontRef>
+        </p:style>
+      </p:cxnSp>
+      <p:cxnSp>
+        <p:nvCxnSpPr>
+          <p:cNvPr id="15" name="Connector: Curved 14">
+            <a:extLst>
+              <a:ext uri="{FF2B5EF4-FFF2-40B4-BE49-F238E27FC236}">
+                <a16:creationId xmlns:a16="http://schemas.microsoft.com/office/drawing/2014/main" id="{EA3D6538-2163-41F1-94E9-83E715AC8B92}"/>
+              </a:ext>
+            </a:extLst>
+          </p:cNvPr>
+          <p:cNvCxnSpPr>
+            <a:cxnSpLocks/>
+          </p:cNvCxnSpPr>
+          <p:nvPr/>
+        </p:nvCxnSpPr>
+        <p:spPr>
+          <a:xfrm rot="10800000">
+            <a:off x="5896943" y="4030825"/>
+            <a:ext cx="1455576" cy="1282961"/>
+          </a:xfrm>
+          <a:prstGeom prst="curvedConnector3">
+            <a:avLst/>
+          </a:prstGeom>
+          <a:ln w="50800">
+            <a:tailEnd type="triangle"/>
+          </a:ln>
+        </p:spPr>
+        <p:style>
+          <a:lnRef idx="1">
+            <a:schemeClr val="accent1"/>
+          </a:lnRef>
+          <a:fillRef idx="0">
+            <a:schemeClr val="accent1"/>
+          </a:fillRef>
+          <a:effectRef idx="0">
+            <a:schemeClr val="accent1"/>
+          </a:effectRef>
+          <a:fontRef idx="minor">
+            <a:schemeClr val="tx1"/>
+          </a:fontRef>
+        </p:style>
+      </p:cxnSp>
+      <p:sp>
+        <p:nvSpPr>
+          <p:cNvPr id="17" name="Rectangle 16">
+            <a:extLst>
+              <a:ext uri="{FF2B5EF4-FFF2-40B4-BE49-F238E27FC236}">
+                <a16:creationId xmlns:a16="http://schemas.microsoft.com/office/drawing/2014/main" id="{E32A3E49-B63F-4755-BF07-9B32DA0C3311}"/>
+              </a:ext>
+            </a:extLst>
+          </p:cNvPr>
+          <p:cNvSpPr/>
+          <p:nvPr/>
+        </p:nvSpPr>
+        <p:spPr>
+          <a:xfrm>
+            <a:off x="284482" y="4888746"/>
+            <a:ext cx="2761861" cy="1231640"/>
+          </a:xfrm>
+          <a:prstGeom prst="rect">
+            <a:avLst/>
+          </a:prstGeom>
+        </p:spPr>
+        <p:style>
+          <a:lnRef idx="2">
+            <a:schemeClr val="accent1">
+              <a:shade val="50000"/>
+            </a:schemeClr>
+          </a:lnRef>
+          <a:fillRef idx="1">
+            <a:schemeClr val="accent1"/>
+          </a:fillRef>
+          <a:effectRef idx="0">
+            <a:schemeClr val="accent1"/>
+          </a:effectRef>
+          <a:fontRef idx="minor">
+            <a:schemeClr val="lt1"/>
+          </a:fontRef>
+        </p:style>
+        <p:txBody>
+          <a:bodyPr rtlCol="0" anchor="ctr"/>
+          <a:lstStyle/>
+          <a:p>
+            <a:pPr algn="ctr"/>
+            <a:r>
+              <a:rPr lang="en-US" sz="3200" dirty="0">
+                <a:latin typeface="Segoe UI Semibold" panose="020B0702040204020203" pitchFamily="34" charset="0"/>
+                <a:cs typeface="Segoe UI Semibold" panose="020B0702040204020203" pitchFamily="34" charset="0"/>
+              </a:rPr>
+              <a:t>Application 1</a:t>
+            </a:r>
+          </a:p>
+          <a:p>
+            <a:pPr algn="ctr"/>
+            <a:r>
+              <a:rPr lang="en-US" sz="2400" dirty="0">
+                <a:latin typeface="Segoe UI Semibold" panose="020B0702040204020203" pitchFamily="34" charset="0"/>
+                <a:cs typeface="Segoe UI Semibold" panose="020B0702040204020203" pitchFamily="34" charset="0"/>
+              </a:rPr>
+              <a:t>(UI + client)</a:t>
+            </a:r>
+          </a:p>
+        </p:txBody>
+      </p:sp>
+      <p:cxnSp>
+        <p:nvCxnSpPr>
+          <p:cNvPr id="18" name="Connector: Curved 17">
+            <a:extLst>
+              <a:ext uri="{FF2B5EF4-FFF2-40B4-BE49-F238E27FC236}">
+                <a16:creationId xmlns:a16="http://schemas.microsoft.com/office/drawing/2014/main" id="{A4F004F7-6C54-4B58-99F2-0EB950DEEFBE}"/>
+              </a:ext>
+            </a:extLst>
+          </p:cNvPr>
+          <p:cNvCxnSpPr>
+            <a:cxnSpLocks/>
+          </p:cNvCxnSpPr>
+          <p:nvPr/>
+        </p:nvCxnSpPr>
+        <p:spPr>
+          <a:xfrm rot="5400000" flipH="1" flipV="1">
+            <a:off x="1619555" y="4540244"/>
+            <a:ext cx="674286" cy="22719"/>
+          </a:xfrm>
+          <a:prstGeom prst="curvedConnector3">
+            <a:avLst>
+              <a:gd name="adj1" fmla="val 50000"/>
+            </a:avLst>
+          </a:prstGeom>
+          <a:ln w="50800">
+            <a:tailEnd type="triangle"/>
+          </a:ln>
+        </p:spPr>
+        <p:style>
+          <a:lnRef idx="1">
+            <a:schemeClr val="accent1"/>
+          </a:lnRef>
+          <a:fillRef idx="0">
+            <a:schemeClr val="accent1"/>
+          </a:fillRef>
+          <a:effectRef idx="0">
+            <a:schemeClr val="accent1"/>
+          </a:effectRef>
+          <a:fontRef idx="minor">
+            <a:schemeClr val="tx1"/>
+          </a:fontRef>
+        </p:style>
+      </p:cxnSp>
+      <p:cxnSp>
+        <p:nvCxnSpPr>
+          <p:cNvPr id="23" name="Straight Arrow Connector 22">
+            <a:extLst>
+              <a:ext uri="{FF2B5EF4-FFF2-40B4-BE49-F238E27FC236}">
+                <a16:creationId xmlns:a16="http://schemas.microsoft.com/office/drawing/2014/main" id="{B14AAF9B-143C-4292-AF3D-24591BDD4BBC}"/>
+              </a:ext>
+            </a:extLst>
+          </p:cNvPr>
+          <p:cNvCxnSpPr>
+            <a:cxnSpLocks/>
+          </p:cNvCxnSpPr>
+          <p:nvPr/>
+        </p:nvCxnSpPr>
+        <p:spPr>
+          <a:xfrm>
+            <a:off x="3046343" y="5793192"/>
+            <a:ext cx="4306176" cy="19779"/>
+          </a:xfrm>
+          <a:prstGeom prst="straightConnector1">
+            <a:avLst/>
+          </a:prstGeom>
+          <a:ln w="63500">
+            <a:prstDash val="dash"/>
+            <a:tailEnd type="triangle"/>
+          </a:ln>
+        </p:spPr>
+        <p:style>
+          <a:lnRef idx="1">
+            <a:schemeClr val="accent1"/>
+          </a:lnRef>
+          <a:fillRef idx="0">
+            <a:schemeClr val="accent1"/>
+          </a:fillRef>
+          <a:effectRef idx="0">
+            <a:schemeClr val="accent1"/>
+          </a:effectRef>
+          <a:fontRef idx="minor">
+            <a:schemeClr val="tx1"/>
+          </a:fontRef>
+        </p:style>
+      </p:cxnSp>
+      <p:cxnSp>
+        <p:nvCxnSpPr>
+          <p:cNvPr id="27" name="Connector: Curved 26">
+            <a:extLst>
+              <a:ext uri="{FF2B5EF4-FFF2-40B4-BE49-F238E27FC236}">
+                <a16:creationId xmlns:a16="http://schemas.microsoft.com/office/drawing/2014/main" id="{AB0C5848-9A28-4EE4-A3E0-49E5161710A9}"/>
+              </a:ext>
+            </a:extLst>
+          </p:cNvPr>
+          <p:cNvCxnSpPr>
+            <a:cxnSpLocks/>
+            <a:stCxn id="17" idx="3"/>
+          </p:cNvCxnSpPr>
+          <p:nvPr/>
+        </p:nvCxnSpPr>
+        <p:spPr>
+          <a:xfrm flipV="1">
+            <a:off x="3046343" y="5038531"/>
+            <a:ext cx="678753" cy="466035"/>
+          </a:xfrm>
+          <a:prstGeom prst="curvedConnector3">
+            <a:avLst>
+              <a:gd name="adj1" fmla="val 50000"/>
+            </a:avLst>
+          </a:prstGeom>
+          <a:ln w="50800">
+            <a:tailEnd type="triangle"/>
+          </a:ln>
+        </p:spPr>
+        <p:style>
+          <a:lnRef idx="1">
+            <a:schemeClr val="accent1"/>
+          </a:lnRef>
+          <a:fillRef idx="0">
+            <a:schemeClr val="accent1"/>
+          </a:fillRef>
+          <a:effectRef idx="0">
+            <a:schemeClr val="accent1"/>
+          </a:effectRef>
+          <a:fontRef idx="minor">
+            <a:schemeClr val="tx1"/>
+          </a:fontRef>
+        </p:style>
+      </p:cxnSp>
+    </p:spTree>
+    <p:extLst>
+      <p:ext uri="{BB962C8B-B14F-4D97-AF65-F5344CB8AC3E}">
+        <p14:creationId xmlns:p14="http://schemas.microsoft.com/office/powerpoint/2010/main" val="2274669356"/>
+      </p:ext>
+    </p:extLst>
+  </p:cSld>
+  <p:clrMapOvr>
+    <a:masterClrMapping/>
+  </p:clrMapOvr>
+  <mc:AlternateContent xmlns:mc="http://schemas.openxmlformats.org/markup-compatibility/2006" xmlns:p14="http://schemas.microsoft.com/office/powerpoint/2010/main">
+    <mc:Choice Requires="p14">
+      <p:transition p14:dur="100">
+        <p:cut/>
+      </p:transition>
+    </mc:Choice>
+    <mc:Fallback xmlns="">
+      <p:transition>
+        <p:cut/>
+      </p:transition>
+    </mc:Fallback>
+  </mc:AlternateContent>
+</p:sld>
+</file>
+
 <file path=ppt/slides/slide41.xml><?xml version="1.0" encoding="utf-8"?>
 <p:sld xmlns:a="http://schemas.openxmlformats.org/drawingml/2006/main" xmlns:r="http://schemas.openxmlformats.org/officeDocument/2006/relationships" xmlns:p="http://schemas.openxmlformats.org/presentationml/2006/main">
   <p:cSld>
@@ -26476,23 +26794,23 @@
                 <a:latin typeface="Segoe UI Light" panose="020B0502040204020203" pitchFamily="34" charset="0"/>
                 <a:cs typeface="Segoe UI Light" panose="020B0502040204020203" pitchFamily="34" charset="0"/>
               </a:rPr>
-              <a:t>What is a</a:t>
+              <a:t>In-Process</a:t>
             </a:r>
             <a:br>
               <a:rPr lang="en-US" sz="4000" b="1" dirty="0">
+                <a:latin typeface="Segoe UI Light" panose="020B0502040204020203" pitchFamily="34" charset="0"/>
+                <a:cs typeface="Segoe UI Light" panose="020B0502040204020203" pitchFamily="34" charset="0"/>
+              </a:rPr>
+            </a:br>
+            <a:r>
+              <a:rPr lang="en-US" sz="4000" b="1" dirty="0">
+                <a:solidFill>
+                  <a:srgbClr val="0041C6"/>
+                </a:solidFill>
                 <a:latin typeface="Segoe UI Semibold" panose="020B0702040204020203" pitchFamily="34" charset="0"/>
                 <a:cs typeface="Segoe UI Semibold" panose="020B0702040204020203" pitchFamily="34" charset="0"/>
               </a:rPr>
-            </a:br>
-            <a:r>
-              <a:rPr lang="en-US" sz="4000" b="1" dirty="0">
-                <a:solidFill>
-                  <a:srgbClr val="0041C6"/>
-                </a:solidFill>
-                <a:latin typeface="Segoe UI Semibold" panose="020B0702040204020203" pitchFamily="34" charset="0"/>
-                <a:cs typeface="Segoe UI Semibold" panose="020B0702040204020203" pitchFamily="34" charset="0"/>
-              </a:rPr>
-              <a:t>Modular Application</a:t>
+              <a:t>Event Bus</a:t>
             </a:r>
           </a:p>
         </p:txBody>
@@ -26816,7 +27134,7 @@
           </a:prstGeom>
         </p:spPr>
         <p:txBody>
-          <a:bodyPr vert="horz" lIns="91440" tIns="45720" rIns="91440" bIns="45720" rtlCol="0" anchor="ctr">
+          <a:bodyPr vert="horz" lIns="91440" tIns="45720" rIns="91440" bIns="45720" rtlCol="0" anchor="t">
             <a:noAutofit/>
           </a:bodyPr>
           <a:lstStyle>
@@ -26984,337 +27302,339 @@
             </a:lvl9pPr>
           </a:lstStyle>
           <a:p>
-            <a:pPr algn="l">
+            <a:pPr marL="285750" indent="-285750" algn="l">
               <a:lnSpc>
                 <a:spcPct val="150000"/>
               </a:lnSpc>
+              <a:buFont typeface="Arial" panose="020B0604020202020204" pitchFamily="34" charset="0"/>
+              <a:buChar char="•"/>
             </a:pPr>
             <a:r>
               <a:rPr lang="en-US" sz="1600" dirty="0">
-                <a:latin typeface="Segoe UI Light" panose="020B0502040204020203" pitchFamily="34" charset="0"/>
-                <a:cs typeface="Segoe UI Light" panose="020B0502040204020203" pitchFamily="34" charset="0"/>
-              </a:rPr>
-              <a:t>Lorem ipsum dolor sit </a:t>
-            </a:r>
-            <a:r>
-              <a:rPr lang="en-US" sz="1600" dirty="0" err="1">
-                <a:latin typeface="Segoe UI Light" panose="020B0502040204020203" pitchFamily="34" charset="0"/>
-                <a:cs typeface="Segoe UI Light" panose="020B0502040204020203" pitchFamily="34" charset="0"/>
-              </a:rPr>
-              <a:t>amet</a:t>
-            </a:r>
+                <a:latin typeface="Segoe UI Semibold" panose="020B0702040204020203" pitchFamily="34" charset="0"/>
+                <a:cs typeface="Segoe UI Semibold" panose="020B0702040204020203" pitchFamily="34" charset="0"/>
+              </a:rPr>
+              <a:t>Domain/Business Events.</a:t>
+            </a:r>
+          </a:p>
+          <a:p>
+            <a:pPr marL="285750" indent="-285750" algn="l">
+              <a:lnSpc>
+                <a:spcPct val="150000"/>
+              </a:lnSpc>
+              <a:buFont typeface="Arial" panose="020B0604020202020204" pitchFamily="34" charset="0"/>
+              <a:buChar char="•"/>
+            </a:pPr>
             <a:r>
               <a:rPr lang="en-US" sz="1600" dirty="0">
-                <a:latin typeface="Segoe UI Light" panose="020B0502040204020203" pitchFamily="34" charset="0"/>
-                <a:cs typeface="Segoe UI Light" panose="020B0502040204020203" pitchFamily="34" charset="0"/>
-              </a:rPr>
-              <a:t>, </a:t>
-            </a:r>
-            <a:r>
-              <a:rPr lang="en-US" sz="1600" dirty="0" err="1">
-                <a:latin typeface="Segoe UI Light" panose="020B0502040204020203" pitchFamily="34" charset="0"/>
-                <a:cs typeface="Segoe UI Light" panose="020B0502040204020203" pitchFamily="34" charset="0"/>
-              </a:rPr>
-              <a:t>consectetur</a:t>
-            </a:r>
-            <a:r>
-              <a:rPr lang="en-US" sz="1600" dirty="0">
-                <a:latin typeface="Segoe UI Light" panose="020B0502040204020203" pitchFamily="34" charset="0"/>
-                <a:cs typeface="Segoe UI Light" panose="020B0502040204020203" pitchFamily="34" charset="0"/>
-              </a:rPr>
-              <a:t> </a:t>
-            </a:r>
-            <a:r>
-              <a:rPr lang="en-US" sz="1600" dirty="0" err="1">
-                <a:latin typeface="Segoe UI Light" panose="020B0502040204020203" pitchFamily="34" charset="0"/>
-                <a:cs typeface="Segoe UI Light" panose="020B0502040204020203" pitchFamily="34" charset="0"/>
-              </a:rPr>
-              <a:t>adipiscing</a:t>
-            </a:r>
-            <a:r>
-              <a:rPr lang="en-US" sz="1600" dirty="0">
-                <a:latin typeface="Segoe UI Light" panose="020B0502040204020203" pitchFamily="34" charset="0"/>
-                <a:cs typeface="Segoe UI Light" panose="020B0502040204020203" pitchFamily="34" charset="0"/>
-              </a:rPr>
-              <a:t> </a:t>
-            </a:r>
-            <a:r>
-              <a:rPr lang="en-US" sz="1600" dirty="0" err="1">
-                <a:latin typeface="Segoe UI Light" panose="020B0502040204020203" pitchFamily="34" charset="0"/>
-                <a:cs typeface="Segoe UI Light" panose="020B0502040204020203" pitchFamily="34" charset="0"/>
-              </a:rPr>
-              <a:t>elit</a:t>
-            </a:r>
-            <a:r>
-              <a:rPr lang="en-US" sz="1600" dirty="0">
-                <a:latin typeface="Segoe UI Light" panose="020B0502040204020203" pitchFamily="34" charset="0"/>
-                <a:cs typeface="Segoe UI Light" panose="020B0502040204020203" pitchFamily="34" charset="0"/>
-              </a:rPr>
-              <a:t>. </a:t>
-            </a:r>
-            <a:r>
-              <a:rPr lang="en-US" sz="1600" dirty="0" err="1">
-                <a:latin typeface="Segoe UI Light" panose="020B0502040204020203" pitchFamily="34" charset="0"/>
-                <a:cs typeface="Segoe UI Light" panose="020B0502040204020203" pitchFamily="34" charset="0"/>
-              </a:rPr>
-              <a:t>Aliquam</a:t>
-            </a:r>
-            <a:r>
-              <a:rPr lang="en-US" sz="1600" dirty="0">
-                <a:latin typeface="Segoe UI Light" panose="020B0502040204020203" pitchFamily="34" charset="0"/>
-                <a:cs typeface="Segoe UI Light" panose="020B0502040204020203" pitchFamily="34" charset="0"/>
-              </a:rPr>
-              <a:t> </a:t>
-            </a:r>
-            <a:r>
-              <a:rPr lang="en-US" sz="1600" dirty="0" err="1">
-                <a:latin typeface="Segoe UI Light" panose="020B0502040204020203" pitchFamily="34" charset="0"/>
-                <a:cs typeface="Segoe UI Light" panose="020B0502040204020203" pitchFamily="34" charset="0"/>
-              </a:rPr>
-              <a:t>eleifend</a:t>
-            </a:r>
-            <a:r>
-              <a:rPr lang="en-US" sz="1600" dirty="0">
-                <a:latin typeface="Segoe UI Light" panose="020B0502040204020203" pitchFamily="34" charset="0"/>
-                <a:cs typeface="Segoe UI Light" panose="020B0502040204020203" pitchFamily="34" charset="0"/>
-              </a:rPr>
-              <a:t> </a:t>
-            </a:r>
-            <a:r>
-              <a:rPr lang="en-US" sz="1600" dirty="0" err="1">
-                <a:latin typeface="Segoe UI Light" panose="020B0502040204020203" pitchFamily="34" charset="0"/>
-                <a:cs typeface="Segoe UI Light" panose="020B0502040204020203" pitchFamily="34" charset="0"/>
-              </a:rPr>
-              <a:t>eget</a:t>
-            </a:r>
-            <a:r>
-              <a:rPr lang="en-US" sz="1600" dirty="0">
-                <a:latin typeface="Segoe UI Light" panose="020B0502040204020203" pitchFamily="34" charset="0"/>
-                <a:cs typeface="Segoe UI Light" panose="020B0502040204020203" pitchFamily="34" charset="0"/>
-              </a:rPr>
-              <a:t> </a:t>
-            </a:r>
-            <a:r>
-              <a:rPr lang="en-US" sz="1600" dirty="0" err="1">
-                <a:latin typeface="Segoe UI Light" panose="020B0502040204020203" pitchFamily="34" charset="0"/>
-                <a:cs typeface="Segoe UI Light" panose="020B0502040204020203" pitchFamily="34" charset="0"/>
-              </a:rPr>
-              <a:t>tellus</a:t>
-            </a:r>
-            <a:r>
-              <a:rPr lang="en-US" sz="1600" dirty="0">
-                <a:latin typeface="Segoe UI Light" panose="020B0502040204020203" pitchFamily="34" charset="0"/>
-                <a:cs typeface="Segoe UI Light" panose="020B0502040204020203" pitchFamily="34" charset="0"/>
-              </a:rPr>
-              <a:t> </a:t>
-            </a:r>
-            <a:r>
-              <a:rPr lang="en-US" sz="1600" dirty="0" err="1">
-                <a:latin typeface="Segoe UI Light" panose="020B0502040204020203" pitchFamily="34" charset="0"/>
-                <a:cs typeface="Segoe UI Light" panose="020B0502040204020203" pitchFamily="34" charset="0"/>
-              </a:rPr>
-              <a:t>eget</a:t>
-            </a:r>
-            <a:r>
-              <a:rPr lang="en-US" sz="1600" dirty="0">
-                <a:latin typeface="Segoe UI Light" panose="020B0502040204020203" pitchFamily="34" charset="0"/>
-                <a:cs typeface="Segoe UI Light" panose="020B0502040204020203" pitchFamily="34" charset="0"/>
-              </a:rPr>
-              <a:t> </a:t>
-            </a:r>
-            <a:r>
-              <a:rPr lang="en-US" sz="1600" dirty="0" err="1">
-                <a:latin typeface="Segoe UI Light" panose="020B0502040204020203" pitchFamily="34" charset="0"/>
-                <a:cs typeface="Segoe UI Light" panose="020B0502040204020203" pitchFamily="34" charset="0"/>
-              </a:rPr>
-              <a:t>sodales</a:t>
-            </a:r>
-            <a:r>
-              <a:rPr lang="en-US" sz="1600" dirty="0">
-                <a:latin typeface="Segoe UI Light" panose="020B0502040204020203" pitchFamily="34" charset="0"/>
-                <a:cs typeface="Segoe UI Light" panose="020B0502040204020203" pitchFamily="34" charset="0"/>
-              </a:rPr>
-              <a:t>. </a:t>
-            </a:r>
-            <a:r>
-              <a:rPr lang="en-US" sz="1600" dirty="0" err="1">
-                <a:latin typeface="Segoe UI Light" panose="020B0502040204020203" pitchFamily="34" charset="0"/>
-                <a:cs typeface="Segoe UI Light" panose="020B0502040204020203" pitchFamily="34" charset="0"/>
-              </a:rPr>
-              <a:t>Donec</a:t>
-            </a:r>
-            <a:r>
-              <a:rPr lang="en-US" sz="1600" dirty="0">
-                <a:latin typeface="Segoe UI Light" panose="020B0502040204020203" pitchFamily="34" charset="0"/>
-                <a:cs typeface="Segoe UI Light" panose="020B0502040204020203" pitchFamily="34" charset="0"/>
-              </a:rPr>
-              <a:t> a </a:t>
-            </a:r>
-            <a:r>
-              <a:rPr lang="en-US" sz="1600" dirty="0" err="1">
-                <a:latin typeface="Segoe UI Light" panose="020B0502040204020203" pitchFamily="34" charset="0"/>
-                <a:cs typeface="Segoe UI Light" panose="020B0502040204020203" pitchFamily="34" charset="0"/>
-              </a:rPr>
-              <a:t>facilisis</a:t>
-            </a:r>
-            <a:r>
-              <a:rPr lang="en-US" sz="1600" dirty="0">
-                <a:latin typeface="Segoe UI Light" panose="020B0502040204020203" pitchFamily="34" charset="0"/>
-                <a:cs typeface="Segoe UI Light" panose="020B0502040204020203" pitchFamily="34" charset="0"/>
-              </a:rPr>
-              <a:t> ipsum, a </a:t>
-            </a:r>
-            <a:r>
-              <a:rPr lang="en-US" sz="1600" dirty="0" err="1">
-                <a:latin typeface="Segoe UI Light" panose="020B0502040204020203" pitchFamily="34" charset="0"/>
-                <a:cs typeface="Segoe UI Light" panose="020B0502040204020203" pitchFamily="34" charset="0"/>
-              </a:rPr>
-              <a:t>ultricies</a:t>
-            </a:r>
-            <a:r>
-              <a:rPr lang="en-US" sz="1600" dirty="0">
-                <a:latin typeface="Segoe UI Light" panose="020B0502040204020203" pitchFamily="34" charset="0"/>
-                <a:cs typeface="Segoe UI Light" panose="020B0502040204020203" pitchFamily="34" charset="0"/>
-              </a:rPr>
-              <a:t> </a:t>
-            </a:r>
-            <a:r>
-              <a:rPr lang="en-US" sz="1600" dirty="0" err="1">
-                <a:latin typeface="Segoe UI Light" panose="020B0502040204020203" pitchFamily="34" charset="0"/>
-                <a:cs typeface="Segoe UI Light" panose="020B0502040204020203" pitchFamily="34" charset="0"/>
-              </a:rPr>
-              <a:t>lacus</a:t>
-            </a:r>
-            <a:r>
-              <a:rPr lang="en-US" sz="1600" dirty="0">
-                <a:latin typeface="Segoe UI Light" panose="020B0502040204020203" pitchFamily="34" charset="0"/>
-                <a:cs typeface="Segoe UI Light" panose="020B0502040204020203" pitchFamily="34" charset="0"/>
-              </a:rPr>
-              <a:t>. </a:t>
-            </a:r>
-            <a:r>
-              <a:rPr lang="en-US" sz="1600" dirty="0" err="1">
-                <a:latin typeface="Segoe UI Light" panose="020B0502040204020203" pitchFamily="34" charset="0"/>
-                <a:cs typeface="Segoe UI Light" panose="020B0502040204020203" pitchFamily="34" charset="0"/>
-              </a:rPr>
-              <a:t>Phasellus</a:t>
-            </a:r>
-            <a:r>
-              <a:rPr lang="en-US" sz="1600" dirty="0">
-                <a:latin typeface="Segoe UI Light" panose="020B0502040204020203" pitchFamily="34" charset="0"/>
-                <a:cs typeface="Segoe UI Light" panose="020B0502040204020203" pitchFamily="34" charset="0"/>
-              </a:rPr>
-              <a:t> in </a:t>
-            </a:r>
-            <a:r>
-              <a:rPr lang="en-US" sz="1600" dirty="0" err="1">
-                <a:latin typeface="Segoe UI Light" panose="020B0502040204020203" pitchFamily="34" charset="0"/>
-                <a:cs typeface="Segoe UI Light" panose="020B0502040204020203" pitchFamily="34" charset="0"/>
-              </a:rPr>
-              <a:t>erat</a:t>
-            </a:r>
-            <a:r>
-              <a:rPr lang="en-US" sz="1600" dirty="0">
-                <a:latin typeface="Segoe UI Light" panose="020B0502040204020203" pitchFamily="34" charset="0"/>
-                <a:cs typeface="Segoe UI Light" panose="020B0502040204020203" pitchFamily="34" charset="0"/>
-              </a:rPr>
-              <a:t> ac </a:t>
-            </a:r>
-            <a:r>
-              <a:rPr lang="en-US" sz="1600" dirty="0" err="1">
-                <a:latin typeface="Segoe UI Light" panose="020B0502040204020203" pitchFamily="34" charset="0"/>
-                <a:cs typeface="Segoe UI Light" panose="020B0502040204020203" pitchFamily="34" charset="0"/>
-              </a:rPr>
-              <a:t>augue</a:t>
-            </a:r>
-            <a:r>
-              <a:rPr lang="en-US" sz="1600" dirty="0">
-                <a:latin typeface="Segoe UI Light" panose="020B0502040204020203" pitchFamily="34" charset="0"/>
-                <a:cs typeface="Segoe UI Light" panose="020B0502040204020203" pitchFamily="34" charset="0"/>
-              </a:rPr>
-              <a:t> </a:t>
-            </a:r>
-            <a:r>
-              <a:rPr lang="en-US" sz="1600" dirty="0" err="1">
-                <a:latin typeface="Segoe UI Light" panose="020B0502040204020203" pitchFamily="34" charset="0"/>
-                <a:cs typeface="Segoe UI Light" panose="020B0502040204020203" pitchFamily="34" charset="0"/>
-              </a:rPr>
-              <a:t>commodo</a:t>
-            </a:r>
-            <a:r>
-              <a:rPr lang="en-US" sz="1600" dirty="0">
-                <a:latin typeface="Segoe UI Light" panose="020B0502040204020203" pitchFamily="34" charset="0"/>
-                <a:cs typeface="Segoe UI Light" panose="020B0502040204020203" pitchFamily="34" charset="0"/>
-              </a:rPr>
-              <a:t> </a:t>
-            </a:r>
-            <a:r>
-              <a:rPr lang="en-US" sz="1600" dirty="0" err="1">
-                <a:latin typeface="Segoe UI Light" panose="020B0502040204020203" pitchFamily="34" charset="0"/>
-                <a:cs typeface="Segoe UI Light" panose="020B0502040204020203" pitchFamily="34" charset="0"/>
-              </a:rPr>
-              <a:t>pellentesque</a:t>
-            </a:r>
-            <a:r>
-              <a:rPr lang="en-US" sz="1600" dirty="0">
-                <a:latin typeface="Segoe UI Light" panose="020B0502040204020203" pitchFamily="34" charset="0"/>
-                <a:cs typeface="Segoe UI Light" panose="020B0502040204020203" pitchFamily="34" charset="0"/>
-              </a:rPr>
-              <a:t> id et </a:t>
-            </a:r>
-            <a:r>
-              <a:rPr lang="en-US" sz="1600" dirty="0" err="1">
-                <a:latin typeface="Segoe UI Light" panose="020B0502040204020203" pitchFamily="34" charset="0"/>
-                <a:cs typeface="Segoe UI Light" panose="020B0502040204020203" pitchFamily="34" charset="0"/>
-              </a:rPr>
-              <a:t>velit</a:t>
-            </a:r>
-            <a:r>
-              <a:rPr lang="en-US" sz="1600" dirty="0">
-                <a:latin typeface="Segoe UI Light" panose="020B0502040204020203" pitchFamily="34" charset="0"/>
-                <a:cs typeface="Segoe UI Light" panose="020B0502040204020203" pitchFamily="34" charset="0"/>
-              </a:rPr>
-              <a:t>.</a:t>
+                <a:latin typeface="Segoe UI Semibold" panose="020B0702040204020203" pitchFamily="34" charset="0"/>
+                <a:cs typeface="Segoe UI Semibold" panose="020B0702040204020203" pitchFamily="34" charset="0"/>
+              </a:rPr>
+              <a:t>Pre-built events: Entity change events (created, updated, deleted).</a:t>
             </a:r>
           </a:p>
         </p:txBody>
       </p:sp>
-      <p:pic>
-        <p:nvPicPr>
-          <p:cNvPr id="17" name="Picture 16">
+      <p:sp>
+        <p:nvSpPr>
+          <p:cNvPr id="3" name="Rectangle 2">
             <a:extLst>
               <a:ext uri="{FF2B5EF4-FFF2-40B4-BE49-F238E27FC236}">
-                <a16:creationId xmlns:a16="http://schemas.microsoft.com/office/drawing/2014/main" id="{CE85FDCD-746F-4F0E-8A2D-C82A599F7C35}"/>
+                <a16:creationId xmlns:a16="http://schemas.microsoft.com/office/drawing/2014/main" id="{D9414F04-3327-4C69-993D-1C252829956C}"/>
               </a:ext>
             </a:extLst>
           </p:cNvPr>
-          <p:cNvPicPr>
-            <a:picLocks noChangeAspect="1"/>
-          </p:cNvPicPr>
+          <p:cNvSpPr/>
           <p:nvPr/>
-        </p:nvPicPr>
-        <p:blipFill>
-          <a:blip r:embed="rId3">
-            <a:extLst>
-              <a:ext uri="{28A0092B-C50C-407E-A947-70E740481C1C}">
-                <a14:useLocalDpi xmlns:a14="http://schemas.microsoft.com/office/drawing/2010/main" val="0"/>
-              </a:ext>
-            </a:extLst>
-          </a:blip>
-          <a:stretch>
-            <a:fillRect/>
-          </a:stretch>
-        </p:blipFill>
+        </p:nvSpPr>
         <p:spPr>
           <a:xfrm>
-            <a:off x="5534507" y="1179079"/>
-            <a:ext cx="5999788" cy="4499841"/>
+            <a:off x="6869875" y="1903445"/>
+            <a:ext cx="2575249" cy="615821"/>
           </a:xfrm>
           <a:prstGeom prst="rect">
             <a:avLst/>
           </a:prstGeom>
         </p:spPr>
-      </p:pic>
+        <p:style>
+          <a:lnRef idx="2">
+            <a:schemeClr val="accent6">
+              <a:shade val="50000"/>
+            </a:schemeClr>
+          </a:lnRef>
+          <a:fillRef idx="1">
+            <a:schemeClr val="accent6"/>
+          </a:fillRef>
+          <a:effectRef idx="0">
+            <a:schemeClr val="accent6"/>
+          </a:effectRef>
+          <a:fontRef idx="minor">
+            <a:schemeClr val="lt1"/>
+          </a:fontRef>
+        </p:style>
+        <p:txBody>
+          <a:bodyPr rtlCol="0" anchor="ctr"/>
+          <a:lstStyle/>
+          <a:p>
+            <a:pPr algn="ctr"/>
+            <a:r>
+              <a:rPr lang="en-US" sz="2800" dirty="0"/>
+              <a:t>Event Bus</a:t>
+            </a:r>
+          </a:p>
+        </p:txBody>
+      </p:sp>
+      <p:sp>
+        <p:nvSpPr>
+          <p:cNvPr id="10" name="Rectangle 9">
+            <a:extLst>
+              <a:ext uri="{FF2B5EF4-FFF2-40B4-BE49-F238E27FC236}">
+                <a16:creationId xmlns:a16="http://schemas.microsoft.com/office/drawing/2014/main" id="{32A73EA3-A803-499B-9B6C-484E257A6283}"/>
+              </a:ext>
+            </a:extLst>
+          </p:cNvPr>
+          <p:cNvSpPr/>
+          <p:nvPr/>
+        </p:nvSpPr>
+        <p:spPr>
+          <a:xfrm>
+            <a:off x="5358882" y="3782772"/>
+            <a:ext cx="2575249" cy="615821"/>
+          </a:xfrm>
+          <a:prstGeom prst="rect">
+            <a:avLst/>
+          </a:prstGeom>
+        </p:spPr>
+        <p:style>
+          <a:lnRef idx="2">
+            <a:schemeClr val="accent1">
+              <a:shade val="50000"/>
+            </a:schemeClr>
+          </a:lnRef>
+          <a:fillRef idx="1">
+            <a:schemeClr val="accent1"/>
+          </a:fillRef>
+          <a:effectRef idx="0">
+            <a:schemeClr val="accent1"/>
+          </a:effectRef>
+          <a:fontRef idx="minor">
+            <a:schemeClr val="lt1"/>
+          </a:fontRef>
+        </p:style>
+        <p:txBody>
+          <a:bodyPr rtlCol="0" anchor="ctr"/>
+          <a:lstStyle/>
+          <a:p>
+            <a:pPr algn="ctr"/>
+            <a:r>
+              <a:rPr lang="en-US" sz="2800" dirty="0"/>
+              <a:t>Module 1</a:t>
+            </a:r>
+          </a:p>
+        </p:txBody>
+      </p:sp>
+      <p:sp>
+        <p:nvSpPr>
+          <p:cNvPr id="12" name="Rectangle 11">
+            <a:extLst>
+              <a:ext uri="{FF2B5EF4-FFF2-40B4-BE49-F238E27FC236}">
+                <a16:creationId xmlns:a16="http://schemas.microsoft.com/office/drawing/2014/main" id="{8EA166F1-B984-4C2F-B7FE-DC9E9BF4D9E8}"/>
+              </a:ext>
+            </a:extLst>
+          </p:cNvPr>
+          <p:cNvSpPr/>
+          <p:nvPr/>
+        </p:nvSpPr>
+        <p:spPr>
+          <a:xfrm>
+            <a:off x="8273709" y="3782771"/>
+            <a:ext cx="2575249" cy="615821"/>
+          </a:xfrm>
+          <a:prstGeom prst="rect">
+            <a:avLst/>
+          </a:prstGeom>
+        </p:spPr>
+        <p:style>
+          <a:lnRef idx="2">
+            <a:schemeClr val="accent1">
+              <a:shade val="50000"/>
+            </a:schemeClr>
+          </a:lnRef>
+          <a:fillRef idx="1">
+            <a:schemeClr val="accent1"/>
+          </a:fillRef>
+          <a:effectRef idx="0">
+            <a:schemeClr val="accent1"/>
+          </a:effectRef>
+          <a:fontRef idx="minor">
+            <a:schemeClr val="lt1"/>
+          </a:fontRef>
+        </p:style>
+        <p:txBody>
+          <a:bodyPr rtlCol="0" anchor="ctr"/>
+          <a:lstStyle/>
+          <a:p>
+            <a:pPr algn="ctr"/>
+            <a:r>
+              <a:rPr lang="en-US" sz="2800" dirty="0"/>
+              <a:t>Module 2</a:t>
+            </a:r>
+          </a:p>
+        </p:txBody>
+      </p:sp>
+      <p:cxnSp>
+        <p:nvCxnSpPr>
+          <p:cNvPr id="6" name="Straight Arrow Connector 5">
+            <a:extLst>
+              <a:ext uri="{FF2B5EF4-FFF2-40B4-BE49-F238E27FC236}">
+                <a16:creationId xmlns:a16="http://schemas.microsoft.com/office/drawing/2014/main" id="{F89CDD86-B8A7-46E6-9078-C11F343E848A}"/>
+              </a:ext>
+            </a:extLst>
+          </p:cNvPr>
+          <p:cNvCxnSpPr>
+            <a:cxnSpLocks/>
+            <a:stCxn id="10" idx="0"/>
+          </p:cNvCxnSpPr>
+          <p:nvPr/>
+        </p:nvCxnSpPr>
+        <p:spPr>
+          <a:xfrm flipV="1">
+            <a:off x="6646507" y="2519266"/>
+            <a:ext cx="901959" cy="1263506"/>
+          </a:xfrm>
+          <a:prstGeom prst="straightConnector1">
+            <a:avLst/>
+          </a:prstGeom>
+          <a:ln w="50800">
+            <a:tailEnd type="triangle"/>
+          </a:ln>
+        </p:spPr>
+        <p:style>
+          <a:lnRef idx="1">
+            <a:schemeClr val="accent2"/>
+          </a:lnRef>
+          <a:fillRef idx="0">
+            <a:schemeClr val="accent2"/>
+          </a:fillRef>
+          <a:effectRef idx="0">
+            <a:schemeClr val="accent2"/>
+          </a:effectRef>
+          <a:fontRef idx="minor">
+            <a:schemeClr val="tx1"/>
+          </a:fontRef>
+        </p:style>
+      </p:cxnSp>
+      <p:cxnSp>
+        <p:nvCxnSpPr>
+          <p:cNvPr id="18" name="Straight Arrow Connector 17">
+            <a:extLst>
+              <a:ext uri="{FF2B5EF4-FFF2-40B4-BE49-F238E27FC236}">
+                <a16:creationId xmlns:a16="http://schemas.microsoft.com/office/drawing/2014/main" id="{742CE64C-D09B-47F3-8E39-2960278E08F7}"/>
+              </a:ext>
+            </a:extLst>
+          </p:cNvPr>
+          <p:cNvCxnSpPr>
+            <a:endCxn id="12" idx="0"/>
+          </p:cNvCxnSpPr>
+          <p:nvPr/>
+        </p:nvCxnSpPr>
+        <p:spPr>
+          <a:xfrm>
+            <a:off x="8808098" y="2519266"/>
+            <a:ext cx="753236" cy="1263505"/>
+          </a:xfrm>
+          <a:prstGeom prst="straightConnector1">
+            <a:avLst/>
+          </a:prstGeom>
+          <a:ln w="50800">
+            <a:tailEnd type="triangle"/>
+          </a:ln>
+        </p:spPr>
+        <p:style>
+          <a:lnRef idx="1">
+            <a:schemeClr val="accent2"/>
+          </a:lnRef>
+          <a:fillRef idx="0">
+            <a:schemeClr val="accent2"/>
+          </a:fillRef>
+          <a:effectRef idx="0">
+            <a:schemeClr val="accent2"/>
+          </a:effectRef>
+          <a:fontRef idx="minor">
+            <a:schemeClr val="tx1"/>
+          </a:fontRef>
+        </p:style>
+      </p:cxnSp>
+      <p:sp>
+        <p:nvSpPr>
+          <p:cNvPr id="19" name="TextBox 18">
+            <a:extLst>
+              <a:ext uri="{FF2B5EF4-FFF2-40B4-BE49-F238E27FC236}">
+                <a16:creationId xmlns:a16="http://schemas.microsoft.com/office/drawing/2014/main" id="{E93C26F5-DD73-411E-AE07-993A6C1D1564}"/>
+              </a:ext>
+            </a:extLst>
+          </p:cNvPr>
+          <p:cNvSpPr txBox="1"/>
+          <p:nvPr/>
+        </p:nvSpPr>
+        <p:spPr>
+          <a:xfrm>
+            <a:off x="5358882" y="2935032"/>
+            <a:ext cx="1678986" cy="400110"/>
+          </a:xfrm>
+          <a:prstGeom prst="rect">
+            <a:avLst/>
+          </a:prstGeom>
+          <a:noFill/>
+        </p:spPr>
+        <p:txBody>
+          <a:bodyPr wrap="none" rtlCol="0">
+            <a:spAutoFit/>
+          </a:bodyPr>
+          <a:lstStyle/>
+          <a:p>
+            <a:r>
+              <a:rPr lang="en-US" sz="2000" dirty="0"/>
+              <a:t>Publish Events</a:t>
+            </a:r>
+          </a:p>
+        </p:txBody>
+      </p:sp>
+      <p:sp>
+        <p:nvSpPr>
+          <p:cNvPr id="20" name="TextBox 19">
+            <a:extLst>
+              <a:ext uri="{FF2B5EF4-FFF2-40B4-BE49-F238E27FC236}">
+                <a16:creationId xmlns:a16="http://schemas.microsoft.com/office/drawing/2014/main" id="{36BA70AC-6E36-47AA-B40F-0E292B11FA16}"/>
+              </a:ext>
+            </a:extLst>
+          </p:cNvPr>
+          <p:cNvSpPr txBox="1"/>
+          <p:nvPr/>
+        </p:nvSpPr>
+        <p:spPr>
+          <a:xfrm>
+            <a:off x="9184716" y="2856036"/>
+            <a:ext cx="2207399" cy="400110"/>
+          </a:xfrm>
+          <a:prstGeom prst="rect">
+            <a:avLst/>
+          </a:prstGeom>
+          <a:noFill/>
+        </p:spPr>
+        <p:txBody>
+          <a:bodyPr wrap="none" rtlCol="0">
+            <a:spAutoFit/>
+          </a:bodyPr>
+          <a:lstStyle/>
+          <a:p>
+            <a:r>
+              <a:rPr lang="en-US" sz="2000" dirty="0"/>
+              <a:t>Subscribe to Events</a:t>
+            </a:r>
+          </a:p>
+        </p:txBody>
+      </p:sp>
     </p:spTree>
     <p:extLst>
       <p:ext uri="{BB962C8B-B14F-4D97-AF65-F5344CB8AC3E}">
@@ -27359,10 +27679,10 @@
       </p:grpSpPr>
       <p:pic>
         <p:nvPicPr>
-          <p:cNvPr id="4" name="Picture 3">
+          <p:cNvPr id="9" name="Picture 8">
             <a:extLst>
               <a:ext uri="{FF2B5EF4-FFF2-40B4-BE49-F238E27FC236}">
-                <a16:creationId xmlns:a16="http://schemas.microsoft.com/office/drawing/2014/main" id="{E6371034-1339-4B43-AE7D-A149B9EFD45C}"/>
+                <a16:creationId xmlns:a16="http://schemas.microsoft.com/office/drawing/2014/main" id="{39E83B63-DAE7-4E06-A56F-CF1576B89936}"/>
               </a:ext>
             </a:extLst>
           </p:cNvPr>
@@ -27411,53 +27731,26 @@
         </p:nvSpPr>
         <p:spPr>
           <a:xfrm>
-            <a:off x="762000" y="1754909"/>
-            <a:ext cx="4017819" cy="3408217"/>
+            <a:off x="738907" y="930564"/>
+            <a:ext cx="5773859" cy="775853"/>
           </a:xfrm>
         </p:spPr>
         <p:txBody>
-          <a:bodyPr anchor="t">
+          <a:bodyPr anchor="b">
             <a:normAutofit/>
           </a:bodyPr>
           <a:lstStyle/>
           <a:p>
-            <a:pPr algn="r">
-              <a:lnSpc>
-                <a:spcPct val="150000"/>
-              </a:lnSpc>
-            </a:pPr>
+            <a:pPr algn="l"/>
             <a:r>
               <a:rPr lang="en-US" sz="4000" b="1" dirty="0">
-                <a:latin typeface="Segoe UI Light" panose="020B0502040204020203" pitchFamily="34" charset="0"/>
-                <a:cs typeface="Segoe UI Light" panose="020B0502040204020203" pitchFamily="34" charset="0"/>
-              </a:rPr>
-              <a:t>Lorem Ipsum Mia</a:t>
-            </a:r>
-            <a:br>
-              <a:rPr lang="en-US" sz="4000" b="1" dirty="0">
-                <a:latin typeface="Segoe UI Semibold" panose="020B0702040204020203" pitchFamily="34" charset="0"/>
-                <a:cs typeface="Segoe UI Semibold" panose="020B0702040204020203" pitchFamily="34" charset="0"/>
-              </a:rPr>
-            </a:br>
-            <a:r>
-              <a:rPr lang="en-US" sz="4000" b="1" dirty="0">
                 <a:solidFill>
                   <a:srgbClr val="0041C6"/>
                 </a:solidFill>
-                <a:latin typeface="Segoe UI Semibold" panose="020B0702040204020203" pitchFamily="34" charset="0"/>
-                <a:cs typeface="Segoe UI Semibold" panose="020B0702040204020203" pitchFamily="34" charset="0"/>
-              </a:rPr>
-              <a:t>Dolor Sit </a:t>
-            </a:r>
-            <a:r>
-              <a:rPr lang="en-US" sz="4000" b="1" dirty="0" err="1">
-                <a:solidFill>
-                  <a:srgbClr val="0041C6"/>
-                </a:solidFill>
-                <a:latin typeface="Segoe UI Semibold" panose="020B0702040204020203" pitchFamily="34" charset="0"/>
-                <a:cs typeface="Segoe UI Semibold" panose="020B0702040204020203" pitchFamily="34" charset="0"/>
-              </a:rPr>
-              <a:t>Amet</a:t>
+                <a:latin typeface="Segoe UI Light" panose="020B0502040204020203" pitchFamily="34" charset="0"/>
+                <a:cs typeface="Segoe UI Light" panose="020B0502040204020203" pitchFamily="34" charset="0"/>
+              </a:rPr>
+              <a:t>Sample Event Handler</a:t>
             </a:r>
             <a:endParaRPr lang="en-US" sz="4000" b="1" dirty="0">
               <a:solidFill>
@@ -27561,10 +27854,10 @@
       </p:sp>
       <p:sp>
         <p:nvSpPr>
-          <p:cNvPr id="15" name="Subtitle 2">
+          <p:cNvPr id="11" name="Subtitle 2">
             <a:extLst>
               <a:ext uri="{FF2B5EF4-FFF2-40B4-BE49-F238E27FC236}">
-                <a16:creationId xmlns:a16="http://schemas.microsoft.com/office/drawing/2014/main" id="{20939731-D3B7-4A28-B941-216A5F2FD525}"/>
+                <a16:creationId xmlns:a16="http://schemas.microsoft.com/office/drawing/2014/main" id="{A769CE0C-E9B4-4049-B22B-C35AD0DD7409}"/>
               </a:ext>
             </a:extLst>
           </p:cNvPr>
@@ -27575,16 +27868,16 @@
         </p:nvSpPr>
         <p:spPr>
           <a:xfrm>
-            <a:off x="5204688" y="1948872"/>
-            <a:ext cx="6022111" cy="4110181"/>
+            <a:off x="3582554" y="2904836"/>
+            <a:ext cx="835891" cy="775853"/>
           </a:xfrm>
           <a:prstGeom prst="rect">
             <a:avLst/>
           </a:prstGeom>
         </p:spPr>
         <p:txBody>
-          <a:bodyPr vert="horz" lIns="91440" tIns="45720" rIns="91440" bIns="45720" rtlCol="0" anchor="t">
-            <a:noAutofit/>
+          <a:bodyPr vert="horz" lIns="91440" tIns="45720" rIns="91440" bIns="45720" rtlCol="0" anchor="ctr">
+            <a:normAutofit/>
           </a:bodyPr>
           <a:lstStyle>
             <a:lvl1pPr marL="0" indent="0" algn="ctr" defTabSz="914400" rtl="0" eaLnBrk="1" latinLnBrk="0" hangingPunct="1">
@@ -27751,725 +28044,53 @@
             </a:lvl9pPr>
           </a:lstStyle>
           <a:p>
-            <a:pPr algn="l">
-              <a:lnSpc>
-                <a:spcPct val="150000"/>
-              </a:lnSpc>
-            </a:pPr>
-            <a:r>
-              <a:rPr lang="en-US" sz="1600" dirty="0">
-                <a:latin typeface="Segoe UI Light" panose="020B0502040204020203" pitchFamily="34" charset="0"/>
-                <a:cs typeface="Segoe UI Light" panose="020B0502040204020203" pitchFamily="34" charset="0"/>
-              </a:rPr>
-              <a:t>Lorem ipsum dolor sit </a:t>
-            </a:r>
-            <a:r>
-              <a:rPr lang="en-US" sz="1600" dirty="0" err="1">
-                <a:latin typeface="Segoe UI Light" panose="020B0502040204020203" pitchFamily="34" charset="0"/>
-                <a:cs typeface="Segoe UI Light" panose="020B0502040204020203" pitchFamily="34" charset="0"/>
-              </a:rPr>
-              <a:t>amet</a:t>
-            </a:r>
-            <a:r>
-              <a:rPr lang="en-US" sz="1600" dirty="0">
-                <a:latin typeface="Segoe UI Light" panose="020B0502040204020203" pitchFamily="34" charset="0"/>
-                <a:cs typeface="Segoe UI Light" panose="020B0502040204020203" pitchFamily="34" charset="0"/>
-              </a:rPr>
-              <a:t>, </a:t>
-            </a:r>
-            <a:r>
-              <a:rPr lang="en-US" sz="1600" dirty="0" err="1">
-                <a:latin typeface="Segoe UI Light" panose="020B0502040204020203" pitchFamily="34" charset="0"/>
-                <a:cs typeface="Segoe UI Light" panose="020B0502040204020203" pitchFamily="34" charset="0"/>
-              </a:rPr>
-              <a:t>consectetur</a:t>
-            </a:r>
-            <a:r>
-              <a:rPr lang="en-US" sz="1600" dirty="0">
-                <a:latin typeface="Segoe UI Light" panose="020B0502040204020203" pitchFamily="34" charset="0"/>
-                <a:cs typeface="Segoe UI Light" panose="020B0502040204020203" pitchFamily="34" charset="0"/>
-              </a:rPr>
-              <a:t> </a:t>
-            </a:r>
-            <a:r>
-              <a:rPr lang="en-US" sz="1600" dirty="0" err="1">
-                <a:latin typeface="Segoe UI Light" panose="020B0502040204020203" pitchFamily="34" charset="0"/>
-                <a:cs typeface="Segoe UI Light" panose="020B0502040204020203" pitchFamily="34" charset="0"/>
-              </a:rPr>
-              <a:t>adipiscing</a:t>
-            </a:r>
-            <a:r>
-              <a:rPr lang="en-US" sz="1600" dirty="0">
-                <a:latin typeface="Segoe UI Light" panose="020B0502040204020203" pitchFamily="34" charset="0"/>
-                <a:cs typeface="Segoe UI Light" panose="020B0502040204020203" pitchFamily="34" charset="0"/>
-              </a:rPr>
-              <a:t> </a:t>
-            </a:r>
-            <a:r>
-              <a:rPr lang="en-US" sz="1600" dirty="0" err="1">
-                <a:latin typeface="Segoe UI Light" panose="020B0502040204020203" pitchFamily="34" charset="0"/>
-                <a:cs typeface="Segoe UI Light" panose="020B0502040204020203" pitchFamily="34" charset="0"/>
-              </a:rPr>
-              <a:t>elit</a:t>
-            </a:r>
-            <a:r>
-              <a:rPr lang="en-US" sz="1600" dirty="0">
-                <a:latin typeface="Segoe UI Light" panose="020B0502040204020203" pitchFamily="34" charset="0"/>
-                <a:cs typeface="Segoe UI Light" panose="020B0502040204020203" pitchFamily="34" charset="0"/>
-              </a:rPr>
-              <a:t>. </a:t>
-            </a:r>
-            <a:r>
-              <a:rPr lang="en-US" sz="1600" dirty="0" err="1">
-                <a:latin typeface="Segoe UI Light" panose="020B0502040204020203" pitchFamily="34" charset="0"/>
-                <a:cs typeface="Segoe UI Light" panose="020B0502040204020203" pitchFamily="34" charset="0"/>
-              </a:rPr>
-              <a:t>Aliquam</a:t>
-            </a:r>
-            <a:r>
-              <a:rPr lang="en-US" sz="1600" dirty="0">
-                <a:latin typeface="Segoe UI Light" panose="020B0502040204020203" pitchFamily="34" charset="0"/>
-                <a:cs typeface="Segoe UI Light" panose="020B0502040204020203" pitchFamily="34" charset="0"/>
-              </a:rPr>
-              <a:t> </a:t>
-            </a:r>
-            <a:r>
-              <a:rPr lang="en-US" sz="1600" dirty="0" err="1">
-                <a:latin typeface="Segoe UI Light" panose="020B0502040204020203" pitchFamily="34" charset="0"/>
-                <a:cs typeface="Segoe UI Light" panose="020B0502040204020203" pitchFamily="34" charset="0"/>
-              </a:rPr>
-              <a:t>eleifend</a:t>
-            </a:r>
-            <a:r>
-              <a:rPr lang="en-US" sz="1600" dirty="0">
-                <a:latin typeface="Segoe UI Light" panose="020B0502040204020203" pitchFamily="34" charset="0"/>
-                <a:cs typeface="Segoe UI Light" panose="020B0502040204020203" pitchFamily="34" charset="0"/>
-              </a:rPr>
-              <a:t> </a:t>
-            </a:r>
-            <a:r>
-              <a:rPr lang="en-US" sz="1600" dirty="0" err="1">
-                <a:latin typeface="Segoe UI Light" panose="020B0502040204020203" pitchFamily="34" charset="0"/>
-                <a:cs typeface="Segoe UI Light" panose="020B0502040204020203" pitchFamily="34" charset="0"/>
-              </a:rPr>
-              <a:t>eget</a:t>
-            </a:r>
-            <a:r>
-              <a:rPr lang="en-US" sz="1600" dirty="0">
-                <a:latin typeface="Segoe UI Light" panose="020B0502040204020203" pitchFamily="34" charset="0"/>
-                <a:cs typeface="Segoe UI Light" panose="020B0502040204020203" pitchFamily="34" charset="0"/>
-              </a:rPr>
-              <a:t> </a:t>
-            </a:r>
-            <a:r>
-              <a:rPr lang="en-US" sz="1600" dirty="0" err="1">
-                <a:latin typeface="Segoe UI Light" panose="020B0502040204020203" pitchFamily="34" charset="0"/>
-                <a:cs typeface="Segoe UI Light" panose="020B0502040204020203" pitchFamily="34" charset="0"/>
-              </a:rPr>
-              <a:t>tellus</a:t>
-            </a:r>
-            <a:r>
-              <a:rPr lang="en-US" sz="1600" dirty="0">
-                <a:latin typeface="Segoe UI Light" panose="020B0502040204020203" pitchFamily="34" charset="0"/>
-                <a:cs typeface="Segoe UI Light" panose="020B0502040204020203" pitchFamily="34" charset="0"/>
-              </a:rPr>
-              <a:t> </a:t>
-            </a:r>
-            <a:r>
-              <a:rPr lang="en-US" sz="1600" dirty="0" err="1">
-                <a:latin typeface="Segoe UI Light" panose="020B0502040204020203" pitchFamily="34" charset="0"/>
-                <a:cs typeface="Segoe UI Light" panose="020B0502040204020203" pitchFamily="34" charset="0"/>
-              </a:rPr>
-              <a:t>eget</a:t>
-            </a:r>
-            <a:r>
-              <a:rPr lang="en-US" sz="1600" dirty="0">
-                <a:latin typeface="Segoe UI Light" panose="020B0502040204020203" pitchFamily="34" charset="0"/>
-                <a:cs typeface="Segoe UI Light" panose="020B0502040204020203" pitchFamily="34" charset="0"/>
-              </a:rPr>
-              <a:t> </a:t>
-            </a:r>
-            <a:r>
-              <a:rPr lang="en-US" sz="1600" dirty="0" err="1">
-                <a:latin typeface="Segoe UI Light" panose="020B0502040204020203" pitchFamily="34" charset="0"/>
-                <a:cs typeface="Segoe UI Light" panose="020B0502040204020203" pitchFamily="34" charset="0"/>
-              </a:rPr>
-              <a:t>sodales</a:t>
-            </a:r>
-            <a:r>
-              <a:rPr lang="en-US" sz="1600" dirty="0">
-                <a:latin typeface="Segoe UI Light" panose="020B0502040204020203" pitchFamily="34" charset="0"/>
-                <a:cs typeface="Segoe UI Light" panose="020B0502040204020203" pitchFamily="34" charset="0"/>
-              </a:rPr>
-              <a:t>. </a:t>
-            </a:r>
-            <a:r>
-              <a:rPr lang="en-US" sz="1600" dirty="0" err="1">
-                <a:latin typeface="Segoe UI Light" panose="020B0502040204020203" pitchFamily="34" charset="0"/>
-                <a:cs typeface="Segoe UI Light" panose="020B0502040204020203" pitchFamily="34" charset="0"/>
-              </a:rPr>
-              <a:t>Donec</a:t>
-            </a:r>
-            <a:r>
-              <a:rPr lang="en-US" sz="1600" dirty="0">
-                <a:latin typeface="Segoe UI Light" panose="020B0502040204020203" pitchFamily="34" charset="0"/>
-                <a:cs typeface="Segoe UI Light" panose="020B0502040204020203" pitchFamily="34" charset="0"/>
-              </a:rPr>
-              <a:t> a </a:t>
-            </a:r>
-            <a:r>
-              <a:rPr lang="en-US" sz="1600" dirty="0" err="1">
-                <a:latin typeface="Segoe UI Light" panose="020B0502040204020203" pitchFamily="34" charset="0"/>
-                <a:cs typeface="Segoe UI Light" panose="020B0502040204020203" pitchFamily="34" charset="0"/>
-              </a:rPr>
-              <a:t>facilisis</a:t>
-            </a:r>
-            <a:r>
-              <a:rPr lang="en-US" sz="1600" dirty="0">
-                <a:latin typeface="Segoe UI Light" panose="020B0502040204020203" pitchFamily="34" charset="0"/>
-                <a:cs typeface="Segoe UI Light" panose="020B0502040204020203" pitchFamily="34" charset="0"/>
-              </a:rPr>
-              <a:t> ipsum, a </a:t>
-            </a:r>
-            <a:r>
-              <a:rPr lang="en-US" sz="1600" dirty="0" err="1">
-                <a:latin typeface="Segoe UI Light" panose="020B0502040204020203" pitchFamily="34" charset="0"/>
-                <a:cs typeface="Segoe UI Light" panose="020B0502040204020203" pitchFamily="34" charset="0"/>
-              </a:rPr>
-              <a:t>ultricies</a:t>
-            </a:r>
-            <a:r>
-              <a:rPr lang="en-US" sz="1600" dirty="0">
-                <a:latin typeface="Segoe UI Light" panose="020B0502040204020203" pitchFamily="34" charset="0"/>
-                <a:cs typeface="Segoe UI Light" panose="020B0502040204020203" pitchFamily="34" charset="0"/>
-              </a:rPr>
-              <a:t> </a:t>
-            </a:r>
-            <a:r>
-              <a:rPr lang="en-US" sz="1600" dirty="0" err="1">
-                <a:latin typeface="Segoe UI Light" panose="020B0502040204020203" pitchFamily="34" charset="0"/>
-                <a:cs typeface="Segoe UI Light" panose="020B0502040204020203" pitchFamily="34" charset="0"/>
-              </a:rPr>
-              <a:t>lacus</a:t>
-            </a:r>
-            <a:r>
-              <a:rPr lang="en-US" sz="1600" dirty="0">
-                <a:latin typeface="Segoe UI Light" panose="020B0502040204020203" pitchFamily="34" charset="0"/>
-                <a:cs typeface="Segoe UI Light" panose="020B0502040204020203" pitchFamily="34" charset="0"/>
-              </a:rPr>
-              <a:t>. </a:t>
-            </a:r>
-            <a:r>
-              <a:rPr lang="en-US" sz="1600" dirty="0" err="1">
-                <a:latin typeface="Segoe UI Light" panose="020B0502040204020203" pitchFamily="34" charset="0"/>
-                <a:cs typeface="Segoe UI Light" panose="020B0502040204020203" pitchFamily="34" charset="0"/>
-              </a:rPr>
-              <a:t>Phasellus</a:t>
-            </a:r>
-            <a:r>
-              <a:rPr lang="en-US" sz="1600" dirty="0">
-                <a:latin typeface="Segoe UI Light" panose="020B0502040204020203" pitchFamily="34" charset="0"/>
-                <a:cs typeface="Segoe UI Light" panose="020B0502040204020203" pitchFamily="34" charset="0"/>
-              </a:rPr>
-              <a:t> in </a:t>
-            </a:r>
-            <a:r>
-              <a:rPr lang="en-US" sz="1600" dirty="0" err="1">
-                <a:latin typeface="Segoe UI Light" panose="020B0502040204020203" pitchFamily="34" charset="0"/>
-                <a:cs typeface="Segoe UI Light" panose="020B0502040204020203" pitchFamily="34" charset="0"/>
-              </a:rPr>
-              <a:t>erat</a:t>
-            </a:r>
-            <a:r>
-              <a:rPr lang="en-US" sz="1600" dirty="0">
-                <a:latin typeface="Segoe UI Light" panose="020B0502040204020203" pitchFamily="34" charset="0"/>
-                <a:cs typeface="Segoe UI Light" panose="020B0502040204020203" pitchFamily="34" charset="0"/>
-              </a:rPr>
-              <a:t> ac </a:t>
-            </a:r>
-            <a:r>
-              <a:rPr lang="en-US" sz="1600" dirty="0" err="1">
-                <a:latin typeface="Segoe UI Light" panose="020B0502040204020203" pitchFamily="34" charset="0"/>
-                <a:cs typeface="Segoe UI Light" panose="020B0502040204020203" pitchFamily="34" charset="0"/>
-              </a:rPr>
-              <a:t>augue</a:t>
-            </a:r>
-            <a:r>
-              <a:rPr lang="en-US" sz="1600" dirty="0">
-                <a:latin typeface="Segoe UI Light" panose="020B0502040204020203" pitchFamily="34" charset="0"/>
-                <a:cs typeface="Segoe UI Light" panose="020B0502040204020203" pitchFamily="34" charset="0"/>
-              </a:rPr>
-              <a:t> </a:t>
-            </a:r>
-            <a:r>
-              <a:rPr lang="en-US" sz="1600" dirty="0" err="1">
-                <a:latin typeface="Segoe UI Light" panose="020B0502040204020203" pitchFamily="34" charset="0"/>
-                <a:cs typeface="Segoe UI Light" panose="020B0502040204020203" pitchFamily="34" charset="0"/>
-              </a:rPr>
-              <a:t>commodo</a:t>
-            </a:r>
-            <a:r>
-              <a:rPr lang="en-US" sz="1600" dirty="0">
-                <a:latin typeface="Segoe UI Light" panose="020B0502040204020203" pitchFamily="34" charset="0"/>
-                <a:cs typeface="Segoe UI Light" panose="020B0502040204020203" pitchFamily="34" charset="0"/>
-              </a:rPr>
-              <a:t> </a:t>
-            </a:r>
-            <a:r>
-              <a:rPr lang="en-US" sz="1600" dirty="0" err="1">
-                <a:latin typeface="Segoe UI Light" panose="020B0502040204020203" pitchFamily="34" charset="0"/>
-                <a:cs typeface="Segoe UI Light" panose="020B0502040204020203" pitchFamily="34" charset="0"/>
-              </a:rPr>
-              <a:t>pellentesque</a:t>
-            </a:r>
-            <a:r>
-              <a:rPr lang="en-US" sz="1600" dirty="0">
-                <a:latin typeface="Segoe UI Light" panose="020B0502040204020203" pitchFamily="34" charset="0"/>
-                <a:cs typeface="Segoe UI Light" panose="020B0502040204020203" pitchFamily="34" charset="0"/>
-              </a:rPr>
-              <a:t> id et </a:t>
-            </a:r>
-            <a:r>
-              <a:rPr lang="en-US" sz="1600" dirty="0" err="1">
-                <a:latin typeface="Segoe UI Light" panose="020B0502040204020203" pitchFamily="34" charset="0"/>
-                <a:cs typeface="Segoe UI Light" panose="020B0502040204020203" pitchFamily="34" charset="0"/>
-              </a:rPr>
-              <a:t>velit</a:t>
-            </a:r>
-            <a:r>
-              <a:rPr lang="en-US" sz="1600" dirty="0">
-                <a:latin typeface="Segoe UI Light" panose="020B0502040204020203" pitchFamily="34" charset="0"/>
-                <a:cs typeface="Segoe UI Light" panose="020B0502040204020203" pitchFamily="34" charset="0"/>
-              </a:rPr>
-              <a:t>.</a:t>
-            </a:r>
-          </a:p>
-          <a:p>
-            <a:pPr algn="l">
-              <a:lnSpc>
-                <a:spcPct val="150000"/>
-              </a:lnSpc>
-            </a:pPr>
-            <a:r>
-              <a:rPr lang="en-US" sz="1600" dirty="0" err="1">
-                <a:latin typeface="Segoe UI Light" panose="020B0502040204020203" pitchFamily="34" charset="0"/>
-                <a:cs typeface="Segoe UI Light" panose="020B0502040204020203" pitchFamily="34" charset="0"/>
-              </a:rPr>
-              <a:t>Facilisis</a:t>
-            </a:r>
-            <a:r>
-              <a:rPr lang="en-US" sz="1600" dirty="0">
-                <a:latin typeface="Segoe UI Light" panose="020B0502040204020203" pitchFamily="34" charset="0"/>
-                <a:cs typeface="Segoe UI Light" panose="020B0502040204020203" pitchFamily="34" charset="0"/>
-              </a:rPr>
-              <a:t> ipsum, a </a:t>
-            </a:r>
-            <a:r>
-              <a:rPr lang="en-US" sz="1600" dirty="0" err="1">
-                <a:latin typeface="Segoe UI Light" panose="020B0502040204020203" pitchFamily="34" charset="0"/>
-                <a:cs typeface="Segoe UI Light" panose="020B0502040204020203" pitchFamily="34" charset="0"/>
-              </a:rPr>
-              <a:t>ultr</a:t>
-            </a:r>
-            <a:r>
-              <a:rPr lang="en-US" sz="1600" dirty="0">
-                <a:latin typeface="Segoe UI Light" panose="020B0502040204020203" pitchFamily="34" charset="0"/>
-                <a:cs typeface="Segoe UI Light" panose="020B0502040204020203" pitchFamily="34" charset="0"/>
-              </a:rPr>
-              <a:t> dolor sit </a:t>
-            </a:r>
-            <a:r>
-              <a:rPr lang="en-US" sz="1600" dirty="0" err="1">
-                <a:latin typeface="Segoe UI Light" panose="020B0502040204020203" pitchFamily="34" charset="0"/>
-                <a:cs typeface="Segoe UI Light" panose="020B0502040204020203" pitchFamily="34" charset="0"/>
-              </a:rPr>
-              <a:t>amet</a:t>
-            </a:r>
-            <a:r>
-              <a:rPr lang="en-US" sz="1600" dirty="0">
-                <a:latin typeface="Segoe UI Light" panose="020B0502040204020203" pitchFamily="34" charset="0"/>
-                <a:cs typeface="Segoe UI Light" panose="020B0502040204020203" pitchFamily="34" charset="0"/>
-              </a:rPr>
-              <a:t>, </a:t>
-            </a:r>
-            <a:r>
-              <a:rPr lang="en-US" sz="1600" dirty="0" err="1">
-                <a:latin typeface="Segoe UI Light" panose="020B0502040204020203" pitchFamily="34" charset="0"/>
-                <a:cs typeface="Segoe UI Light" panose="020B0502040204020203" pitchFamily="34" charset="0"/>
-              </a:rPr>
-              <a:t>consectetur</a:t>
-            </a:r>
-            <a:r>
-              <a:rPr lang="en-US" sz="1600" dirty="0">
-                <a:latin typeface="Segoe UI Light" panose="020B0502040204020203" pitchFamily="34" charset="0"/>
-                <a:cs typeface="Segoe UI Light" panose="020B0502040204020203" pitchFamily="34" charset="0"/>
-              </a:rPr>
-              <a:t> </a:t>
-            </a:r>
-            <a:r>
-              <a:rPr lang="en-US" sz="1600" dirty="0" err="1">
-                <a:latin typeface="Segoe UI Light" panose="020B0502040204020203" pitchFamily="34" charset="0"/>
-                <a:cs typeface="Segoe UI Light" panose="020B0502040204020203" pitchFamily="34" charset="0"/>
-              </a:rPr>
-              <a:t>adipiscing</a:t>
-            </a:r>
-            <a:r>
-              <a:rPr lang="en-US" sz="1600" dirty="0">
-                <a:latin typeface="Segoe UI Light" panose="020B0502040204020203" pitchFamily="34" charset="0"/>
-                <a:cs typeface="Segoe UI Light" panose="020B0502040204020203" pitchFamily="34" charset="0"/>
-              </a:rPr>
-              <a:t> </a:t>
-            </a:r>
-            <a:r>
-              <a:rPr lang="en-US" sz="1600" dirty="0" err="1">
-                <a:latin typeface="Segoe UI Light" panose="020B0502040204020203" pitchFamily="34" charset="0"/>
-                <a:cs typeface="Segoe UI Light" panose="020B0502040204020203" pitchFamily="34" charset="0"/>
-              </a:rPr>
-              <a:t>elit</a:t>
-            </a:r>
-            <a:r>
-              <a:rPr lang="en-US" sz="1600" dirty="0">
-                <a:latin typeface="Segoe UI Light" panose="020B0502040204020203" pitchFamily="34" charset="0"/>
-                <a:cs typeface="Segoe UI Light" panose="020B0502040204020203" pitchFamily="34" charset="0"/>
-              </a:rPr>
-              <a:t>. </a:t>
-            </a:r>
-            <a:r>
-              <a:rPr lang="en-US" sz="1600" dirty="0" err="1">
-                <a:latin typeface="Segoe UI Light" panose="020B0502040204020203" pitchFamily="34" charset="0"/>
-                <a:cs typeface="Segoe UI Light" panose="020B0502040204020203" pitchFamily="34" charset="0"/>
-              </a:rPr>
-              <a:t>Aliquam</a:t>
-            </a:r>
-            <a:r>
-              <a:rPr lang="en-US" sz="1600" dirty="0">
-                <a:latin typeface="Segoe UI Light" panose="020B0502040204020203" pitchFamily="34" charset="0"/>
-                <a:cs typeface="Segoe UI Light" panose="020B0502040204020203" pitchFamily="34" charset="0"/>
-              </a:rPr>
-              <a:t> </a:t>
-            </a:r>
-            <a:r>
-              <a:rPr lang="en-US" sz="1600" dirty="0" err="1">
-                <a:latin typeface="Segoe UI Light" panose="020B0502040204020203" pitchFamily="34" charset="0"/>
-                <a:cs typeface="Segoe UI Light" panose="020B0502040204020203" pitchFamily="34" charset="0"/>
-              </a:rPr>
-              <a:t>icies</a:t>
-            </a:r>
-            <a:r>
-              <a:rPr lang="en-US" sz="1600" dirty="0">
-                <a:latin typeface="Segoe UI Light" panose="020B0502040204020203" pitchFamily="34" charset="0"/>
-                <a:cs typeface="Segoe UI Light" panose="020B0502040204020203" pitchFamily="34" charset="0"/>
-              </a:rPr>
-              <a:t> </a:t>
-            </a:r>
-            <a:r>
-              <a:rPr lang="en-US" sz="1600" dirty="0" err="1">
-                <a:latin typeface="Segoe UI Light" panose="020B0502040204020203" pitchFamily="34" charset="0"/>
-                <a:cs typeface="Segoe UI Light" panose="020B0502040204020203" pitchFamily="34" charset="0"/>
-              </a:rPr>
-              <a:t>lacus</a:t>
-            </a:r>
-            <a:r>
-              <a:rPr lang="en-US" sz="1600" dirty="0">
-                <a:latin typeface="Segoe UI Light" panose="020B0502040204020203" pitchFamily="34" charset="0"/>
-                <a:cs typeface="Segoe UI Light" panose="020B0502040204020203" pitchFamily="34" charset="0"/>
-              </a:rPr>
-              <a:t>. </a:t>
-            </a:r>
-            <a:r>
-              <a:rPr lang="en-US" sz="1600" dirty="0" err="1">
-                <a:latin typeface="Segoe UI Light" panose="020B0502040204020203" pitchFamily="34" charset="0"/>
-                <a:cs typeface="Segoe UI Light" panose="020B0502040204020203" pitchFamily="34" charset="0"/>
-              </a:rPr>
-              <a:t>Phasellus</a:t>
-            </a:r>
-            <a:r>
-              <a:rPr lang="en-US" sz="1600" dirty="0">
-                <a:latin typeface="Segoe UI Light" panose="020B0502040204020203" pitchFamily="34" charset="0"/>
-                <a:cs typeface="Segoe UI Light" panose="020B0502040204020203" pitchFamily="34" charset="0"/>
-              </a:rPr>
-              <a:t> in </a:t>
-            </a:r>
-            <a:r>
-              <a:rPr lang="en-US" sz="1600" dirty="0" err="1">
-                <a:latin typeface="Segoe UI Light" panose="020B0502040204020203" pitchFamily="34" charset="0"/>
-                <a:cs typeface="Segoe UI Light" panose="020B0502040204020203" pitchFamily="34" charset="0"/>
-              </a:rPr>
-              <a:t>erat</a:t>
-            </a:r>
-            <a:r>
-              <a:rPr lang="en-US" sz="1600" dirty="0">
-                <a:latin typeface="Segoe UI Light" panose="020B0502040204020203" pitchFamily="34" charset="0"/>
-                <a:cs typeface="Segoe UI Light" panose="020B0502040204020203" pitchFamily="34" charset="0"/>
-              </a:rPr>
-              <a:t> ac </a:t>
-            </a:r>
-            <a:r>
-              <a:rPr lang="en-US" sz="1600" dirty="0" err="1">
-                <a:latin typeface="Segoe UI Light" panose="020B0502040204020203" pitchFamily="34" charset="0"/>
-                <a:cs typeface="Segoe UI Light" panose="020B0502040204020203" pitchFamily="34" charset="0"/>
-              </a:rPr>
-              <a:t>augue</a:t>
-            </a:r>
-            <a:r>
-              <a:rPr lang="en-US" sz="1600" dirty="0">
-                <a:latin typeface="Segoe UI Light" panose="020B0502040204020203" pitchFamily="34" charset="0"/>
-                <a:cs typeface="Segoe UI Light" panose="020B0502040204020203" pitchFamily="34" charset="0"/>
-              </a:rPr>
-              <a:t> </a:t>
-            </a:r>
-            <a:r>
-              <a:rPr lang="en-US" sz="1600" dirty="0" err="1">
-                <a:latin typeface="Segoe UI Light" panose="020B0502040204020203" pitchFamily="34" charset="0"/>
-                <a:cs typeface="Segoe UI Light" panose="020B0502040204020203" pitchFamily="34" charset="0"/>
-              </a:rPr>
-              <a:t>commodo</a:t>
-            </a:r>
-            <a:r>
-              <a:rPr lang="en-US" sz="1600" dirty="0">
-                <a:latin typeface="Segoe UI Light" panose="020B0502040204020203" pitchFamily="34" charset="0"/>
-                <a:cs typeface="Segoe UI Light" panose="020B0502040204020203" pitchFamily="34" charset="0"/>
-              </a:rPr>
-              <a:t> </a:t>
-            </a:r>
-            <a:r>
-              <a:rPr lang="en-US" sz="1600" dirty="0" err="1">
-                <a:latin typeface="Segoe UI Light" panose="020B0502040204020203" pitchFamily="34" charset="0"/>
-                <a:cs typeface="Segoe UI Light" panose="020B0502040204020203" pitchFamily="34" charset="0"/>
-              </a:rPr>
-              <a:t>pellentesque</a:t>
-            </a:r>
-            <a:r>
-              <a:rPr lang="en-US" sz="1600" dirty="0">
-                <a:latin typeface="Segoe UI Light" panose="020B0502040204020203" pitchFamily="34" charset="0"/>
-                <a:cs typeface="Segoe UI Light" panose="020B0502040204020203" pitchFamily="34" charset="0"/>
-              </a:rPr>
-              <a:t> id et </a:t>
-            </a:r>
-            <a:r>
-              <a:rPr lang="en-US" sz="1600" dirty="0" err="1">
-                <a:latin typeface="Segoe UI Light" panose="020B0502040204020203" pitchFamily="34" charset="0"/>
-                <a:cs typeface="Segoe UI Light" panose="020B0502040204020203" pitchFamily="34" charset="0"/>
-              </a:rPr>
-              <a:t>velit</a:t>
-            </a:r>
-            <a:r>
-              <a:rPr lang="en-US" sz="1600" dirty="0">
-                <a:latin typeface="Segoe UI Light" panose="020B0502040204020203" pitchFamily="34" charset="0"/>
-                <a:cs typeface="Segoe UI Light" panose="020B0502040204020203" pitchFamily="34" charset="0"/>
-              </a:rPr>
-              <a:t> </a:t>
-            </a:r>
-            <a:r>
-              <a:rPr lang="en-US" sz="1600" dirty="0" err="1">
-                <a:latin typeface="Segoe UI Light" panose="020B0502040204020203" pitchFamily="34" charset="0"/>
-                <a:cs typeface="Segoe UI Light" panose="020B0502040204020203" pitchFamily="34" charset="0"/>
-              </a:rPr>
-              <a:t>onec</a:t>
-            </a:r>
-            <a:r>
-              <a:rPr lang="en-US" sz="1600" dirty="0">
-                <a:latin typeface="Segoe UI Light" panose="020B0502040204020203" pitchFamily="34" charset="0"/>
-                <a:cs typeface="Segoe UI Light" panose="020B0502040204020203" pitchFamily="34" charset="0"/>
-              </a:rPr>
-              <a:t> a </a:t>
-            </a:r>
-            <a:r>
-              <a:rPr lang="en-US" sz="1600" dirty="0" err="1">
-                <a:latin typeface="Segoe UI Light" panose="020B0502040204020203" pitchFamily="34" charset="0"/>
-                <a:cs typeface="Segoe UI Light" panose="020B0502040204020203" pitchFamily="34" charset="0"/>
-              </a:rPr>
-              <a:t>facilisis</a:t>
-            </a:r>
-            <a:r>
-              <a:rPr lang="en-US" sz="1600" dirty="0">
-                <a:latin typeface="Segoe UI Light" panose="020B0502040204020203" pitchFamily="34" charset="0"/>
-                <a:cs typeface="Segoe UI Light" panose="020B0502040204020203" pitchFamily="34" charset="0"/>
-              </a:rPr>
-              <a:t> ipsum, a </a:t>
-            </a:r>
-            <a:r>
-              <a:rPr lang="en-US" sz="1600" dirty="0" err="1">
-                <a:latin typeface="Segoe UI Light" panose="020B0502040204020203" pitchFamily="34" charset="0"/>
-                <a:cs typeface="Segoe UI Light" panose="020B0502040204020203" pitchFamily="34" charset="0"/>
-              </a:rPr>
-              <a:t>ultricies</a:t>
-            </a:r>
-            <a:r>
-              <a:rPr lang="en-US" sz="1600" dirty="0">
-                <a:latin typeface="Segoe UI Light" panose="020B0502040204020203" pitchFamily="34" charset="0"/>
-                <a:cs typeface="Segoe UI Light" panose="020B0502040204020203" pitchFamily="34" charset="0"/>
-              </a:rPr>
-              <a:t> </a:t>
-            </a:r>
-            <a:r>
-              <a:rPr lang="en-US" sz="1600" dirty="0" err="1">
-                <a:latin typeface="Segoe UI Light" panose="020B0502040204020203" pitchFamily="34" charset="0"/>
-                <a:cs typeface="Segoe UI Light" panose="020B0502040204020203" pitchFamily="34" charset="0"/>
-              </a:rPr>
-              <a:t>lacus</a:t>
-            </a:r>
-            <a:r>
-              <a:rPr lang="en-US" sz="1600" dirty="0">
-                <a:latin typeface="Segoe UI Light" panose="020B0502040204020203" pitchFamily="34" charset="0"/>
-                <a:cs typeface="Segoe UI Light" panose="020B0502040204020203" pitchFamily="34" charset="0"/>
-              </a:rPr>
-              <a:t>. </a:t>
-            </a:r>
-            <a:r>
-              <a:rPr lang="en-US" sz="1600" dirty="0" err="1">
-                <a:latin typeface="Segoe UI Light" panose="020B0502040204020203" pitchFamily="34" charset="0"/>
-                <a:cs typeface="Segoe UI Light" panose="020B0502040204020203" pitchFamily="34" charset="0"/>
-              </a:rPr>
-              <a:t>Phasellus</a:t>
-            </a:r>
-            <a:r>
-              <a:rPr lang="en-US" sz="1600" dirty="0">
-                <a:latin typeface="Segoe UI Light" panose="020B0502040204020203" pitchFamily="34" charset="0"/>
-                <a:cs typeface="Segoe UI Light" panose="020B0502040204020203" pitchFamily="34" charset="0"/>
-              </a:rPr>
-              <a:t> in </a:t>
-            </a:r>
-            <a:r>
-              <a:rPr lang="en-US" sz="1600" dirty="0" err="1">
-                <a:latin typeface="Segoe UI Light" panose="020B0502040204020203" pitchFamily="34" charset="0"/>
-                <a:cs typeface="Segoe UI Light" panose="020B0502040204020203" pitchFamily="34" charset="0"/>
-              </a:rPr>
-              <a:t>erat</a:t>
-            </a:r>
-            <a:r>
-              <a:rPr lang="en-US" sz="1600" dirty="0">
-                <a:latin typeface="Segoe UI Light" panose="020B0502040204020203" pitchFamily="34" charset="0"/>
-                <a:cs typeface="Segoe UI Light" panose="020B0502040204020203" pitchFamily="34" charset="0"/>
-              </a:rPr>
-              <a:t> ac </a:t>
-            </a:r>
-            <a:r>
-              <a:rPr lang="en-US" sz="1600" dirty="0" err="1">
-                <a:latin typeface="Segoe UI Light" panose="020B0502040204020203" pitchFamily="34" charset="0"/>
-                <a:cs typeface="Segoe UI Light" panose="020B0502040204020203" pitchFamily="34" charset="0"/>
-              </a:rPr>
-              <a:t>augue</a:t>
-            </a:r>
-            <a:r>
-              <a:rPr lang="en-US" sz="1600" dirty="0">
-                <a:latin typeface="Segoe UI Light" panose="020B0502040204020203" pitchFamily="34" charset="0"/>
-                <a:cs typeface="Segoe UI Light" panose="020B0502040204020203" pitchFamily="34" charset="0"/>
-              </a:rPr>
-              <a:t> </a:t>
-            </a:r>
-            <a:r>
-              <a:rPr lang="en-US" sz="1600" dirty="0" err="1">
-                <a:latin typeface="Segoe UI Light" panose="020B0502040204020203" pitchFamily="34" charset="0"/>
-                <a:cs typeface="Segoe UI Light" panose="020B0502040204020203" pitchFamily="34" charset="0"/>
-              </a:rPr>
-              <a:t>commodo</a:t>
-            </a:r>
-            <a:r>
-              <a:rPr lang="en-US" sz="1600" dirty="0">
-                <a:latin typeface="Segoe UI Light" panose="020B0502040204020203" pitchFamily="34" charset="0"/>
-                <a:cs typeface="Segoe UI Light" panose="020B0502040204020203" pitchFamily="34" charset="0"/>
-              </a:rPr>
-              <a:t> </a:t>
-            </a:r>
-            <a:r>
-              <a:rPr lang="en-US" sz="1600" dirty="0" err="1">
-                <a:latin typeface="Segoe UI Light" panose="020B0502040204020203" pitchFamily="34" charset="0"/>
-                <a:cs typeface="Segoe UI Light" panose="020B0502040204020203" pitchFamily="34" charset="0"/>
-              </a:rPr>
-              <a:t>pellentesque</a:t>
-            </a:r>
-            <a:r>
-              <a:rPr lang="en-US" sz="1600" dirty="0">
-                <a:latin typeface="Segoe UI Light" panose="020B0502040204020203" pitchFamily="34" charset="0"/>
-                <a:cs typeface="Segoe UI Light" panose="020B0502040204020203" pitchFamily="34" charset="0"/>
-              </a:rPr>
-              <a:t> id et </a:t>
-            </a:r>
-            <a:r>
-              <a:rPr lang="en-US" sz="1600" dirty="0" err="1">
-                <a:latin typeface="Segoe UI Light" panose="020B0502040204020203" pitchFamily="34" charset="0"/>
-                <a:cs typeface="Segoe UI Light" panose="020B0502040204020203" pitchFamily="34" charset="0"/>
-              </a:rPr>
-              <a:t>velit</a:t>
-            </a:r>
-            <a:r>
-              <a:rPr lang="en-US" sz="1600" dirty="0">
-                <a:latin typeface="Segoe UI Light" panose="020B0502040204020203" pitchFamily="34" charset="0"/>
-                <a:cs typeface="Segoe UI Light" panose="020B0502040204020203" pitchFamily="34" charset="0"/>
-              </a:rPr>
-              <a:t>.</a:t>
-            </a:r>
-          </a:p>
-          <a:p>
-            <a:pPr algn="l">
-              <a:lnSpc>
-                <a:spcPct val="150000"/>
-              </a:lnSpc>
-            </a:pPr>
-            <a:r>
-              <a:rPr lang="en-US" sz="1600" dirty="0" err="1">
-                <a:latin typeface="Segoe UI Light" panose="020B0502040204020203" pitchFamily="34" charset="0"/>
-                <a:cs typeface="Segoe UI Light" panose="020B0502040204020203" pitchFamily="34" charset="0"/>
-              </a:rPr>
-              <a:t>Donec</a:t>
-            </a:r>
-            <a:r>
-              <a:rPr lang="en-US" sz="1600" dirty="0">
-                <a:latin typeface="Segoe UI Light" panose="020B0502040204020203" pitchFamily="34" charset="0"/>
-                <a:cs typeface="Segoe UI Light" panose="020B0502040204020203" pitchFamily="34" charset="0"/>
-              </a:rPr>
-              <a:t> a </a:t>
-            </a:r>
-            <a:r>
-              <a:rPr lang="en-US" sz="1600" dirty="0" err="1">
-                <a:latin typeface="Segoe UI Light" panose="020B0502040204020203" pitchFamily="34" charset="0"/>
-                <a:cs typeface="Segoe UI Light" panose="020B0502040204020203" pitchFamily="34" charset="0"/>
-              </a:rPr>
-              <a:t>facilisis</a:t>
-            </a:r>
-            <a:r>
-              <a:rPr lang="en-US" sz="1600" dirty="0">
-                <a:latin typeface="Segoe UI Light" panose="020B0502040204020203" pitchFamily="34" charset="0"/>
-                <a:cs typeface="Segoe UI Light" panose="020B0502040204020203" pitchFamily="34" charset="0"/>
-              </a:rPr>
-              <a:t> ipsum, a </a:t>
-            </a:r>
-            <a:r>
-              <a:rPr lang="en-US" sz="1600" dirty="0" err="1">
-                <a:latin typeface="Segoe UI Light" panose="020B0502040204020203" pitchFamily="34" charset="0"/>
-                <a:cs typeface="Segoe UI Light" panose="020B0502040204020203" pitchFamily="34" charset="0"/>
-              </a:rPr>
-              <a:t>ultricies</a:t>
-            </a:r>
-            <a:r>
-              <a:rPr lang="en-US" sz="1600" dirty="0">
-                <a:latin typeface="Segoe UI Light" panose="020B0502040204020203" pitchFamily="34" charset="0"/>
-                <a:cs typeface="Segoe UI Light" panose="020B0502040204020203" pitchFamily="34" charset="0"/>
-              </a:rPr>
-              <a:t> </a:t>
-            </a:r>
-            <a:r>
-              <a:rPr lang="en-US" sz="1600" dirty="0" err="1">
-                <a:latin typeface="Segoe UI Light" panose="020B0502040204020203" pitchFamily="34" charset="0"/>
-                <a:cs typeface="Segoe UI Light" panose="020B0502040204020203" pitchFamily="34" charset="0"/>
-              </a:rPr>
-              <a:t>lacus</a:t>
-            </a:r>
-            <a:r>
-              <a:rPr lang="en-US" sz="1600" dirty="0">
-                <a:latin typeface="Segoe UI Light" panose="020B0502040204020203" pitchFamily="34" charset="0"/>
-                <a:cs typeface="Segoe UI Light" panose="020B0502040204020203" pitchFamily="34" charset="0"/>
-              </a:rPr>
-              <a:t>. </a:t>
+            <a:r>
+              <a:rPr lang="en-US" sz="2000" b="1" dirty="0">
+                <a:solidFill>
+                  <a:schemeClr val="bg1"/>
+                </a:solidFill>
+                <a:latin typeface="Segoe UI Light" panose="020B0502040204020203" pitchFamily="34" charset="0"/>
+                <a:cs typeface="Segoe UI Light" panose="020B0502040204020203" pitchFamily="34" charset="0"/>
+              </a:rPr>
+              <a:t>VS</a:t>
             </a:r>
           </a:p>
         </p:txBody>
       </p:sp>
+      <p:pic>
+        <p:nvPicPr>
+          <p:cNvPr id="4" name="Picture 3">
+            <a:extLst>
+              <a:ext uri="{FF2B5EF4-FFF2-40B4-BE49-F238E27FC236}">
+                <a16:creationId xmlns:a16="http://schemas.microsoft.com/office/drawing/2014/main" id="{9C9BE360-4A69-472F-BF97-5B0A3EEDACC4}"/>
+              </a:ext>
+            </a:extLst>
+          </p:cNvPr>
+          <p:cNvPicPr>
+            <a:picLocks noChangeAspect="1"/>
+          </p:cNvPicPr>
+          <p:nvPr/>
+        </p:nvPicPr>
+        <p:blipFill>
+          <a:blip r:embed="rId3"/>
+          <a:stretch>
+            <a:fillRect/>
+          </a:stretch>
+        </p:blipFill>
+        <p:spPr>
+          <a:xfrm>
+            <a:off x="738907" y="2010496"/>
+            <a:ext cx="10446507" cy="2636149"/>
+          </a:xfrm>
+          <a:prstGeom prst="rect">
+            <a:avLst/>
+          </a:prstGeom>
+        </p:spPr>
+      </p:pic>
     </p:spTree>
     <p:extLst>
       <p:ext uri="{BB962C8B-B14F-4D97-AF65-F5344CB8AC3E}">
-        <p14:creationId xmlns:p14="http://schemas.microsoft.com/office/powerpoint/2010/main" val="1060134847"/>
+        <p14:creationId xmlns:p14="http://schemas.microsoft.com/office/powerpoint/2010/main" val="2292293380"/>
       </p:ext>
     </p:extLst>
   </p:cSld>
@@ -28510,10 +28131,10 @@
       </p:grpSpPr>
       <p:pic>
         <p:nvPicPr>
-          <p:cNvPr id="19" name="Picture 18">
+          <p:cNvPr id="9" name="Picture 8">
             <a:extLst>
               <a:ext uri="{FF2B5EF4-FFF2-40B4-BE49-F238E27FC236}">
-                <a16:creationId xmlns:a16="http://schemas.microsoft.com/office/drawing/2014/main" id="{38981447-9723-40B3-902B-DA8C7B4D8B8E}"/>
+                <a16:creationId xmlns:a16="http://schemas.microsoft.com/office/drawing/2014/main" id="{39E83B63-DAE7-4E06-A56F-CF1576B89936}"/>
               </a:ext>
             </a:extLst>
           </p:cNvPr>
@@ -28562,8 +28183,8 @@
         </p:nvSpPr>
         <p:spPr>
           <a:xfrm>
-            <a:off x="0" y="886691"/>
-            <a:ext cx="12192000" cy="2205182"/>
+            <a:off x="738908" y="930564"/>
+            <a:ext cx="4858328" cy="2311400"/>
           </a:xfrm>
         </p:spPr>
         <p:txBody>
@@ -28572,6 +28193,7 @@
           </a:bodyPr>
           <a:lstStyle/>
           <a:p>
+            <a:pPr algn="l"/>
             <a:r>
               <a:rPr lang="en-US" sz="4000" b="1" dirty="0">
                 <a:latin typeface="Segoe UI Light" panose="020B0502040204020203" pitchFamily="34" charset="0"/>
@@ -28690,10 +28312,10 @@
       </p:sp>
       <p:sp>
         <p:nvSpPr>
-          <p:cNvPr id="15" name="Subtitle 2">
+          <p:cNvPr id="11" name="Subtitle 2">
             <a:extLst>
               <a:ext uri="{FF2B5EF4-FFF2-40B4-BE49-F238E27FC236}">
-                <a16:creationId xmlns:a16="http://schemas.microsoft.com/office/drawing/2014/main" id="{20939731-D3B7-4A28-B941-216A5F2FD525}"/>
+                <a16:creationId xmlns:a16="http://schemas.microsoft.com/office/drawing/2014/main" id="{A769CE0C-E9B4-4049-B22B-C35AD0DD7409}"/>
               </a:ext>
             </a:extLst>
           </p:cNvPr>
@@ -28704,8 +28326,8 @@
         </p:nvSpPr>
         <p:spPr>
           <a:xfrm>
-            <a:off x="1962727" y="3091873"/>
-            <a:ext cx="8266546" cy="2025073"/>
+            <a:off x="3582554" y="2904836"/>
+            <a:ext cx="835891" cy="775853"/>
           </a:xfrm>
           <a:prstGeom prst="rect">
             <a:avLst/>
@@ -28880,470 +28502,546 @@
             </a:lvl9pPr>
           </a:lstStyle>
           <a:p>
-            <a:pPr>
-              <a:lnSpc>
-                <a:spcPct val="150000"/>
-              </a:lnSpc>
-            </a:pPr>
-            <a:r>
-              <a:rPr lang="en-US" sz="1800" dirty="0">
-                <a:latin typeface="Segoe UI Light" panose="020B0502040204020203" pitchFamily="34" charset="0"/>
-                <a:cs typeface="Segoe UI Light" panose="020B0502040204020203" pitchFamily="34" charset="0"/>
-              </a:rPr>
-              <a:t>Lorem ipsum dolor sit </a:t>
-            </a:r>
-            <a:r>
-              <a:rPr lang="en-US" sz="1800" dirty="0" err="1">
-                <a:latin typeface="Segoe UI Light" panose="020B0502040204020203" pitchFamily="34" charset="0"/>
-                <a:cs typeface="Segoe UI Light" panose="020B0502040204020203" pitchFamily="34" charset="0"/>
-              </a:rPr>
-              <a:t>amet</a:t>
-            </a:r>
-            <a:r>
-              <a:rPr lang="en-US" sz="1800" dirty="0">
-                <a:latin typeface="Segoe UI Light" panose="020B0502040204020203" pitchFamily="34" charset="0"/>
-                <a:cs typeface="Segoe UI Light" panose="020B0502040204020203" pitchFamily="34" charset="0"/>
-              </a:rPr>
-              <a:t>, </a:t>
-            </a:r>
-            <a:r>
-              <a:rPr lang="en-US" sz="1800" dirty="0" err="1">
-                <a:latin typeface="Segoe UI Light" panose="020B0502040204020203" pitchFamily="34" charset="0"/>
-                <a:cs typeface="Segoe UI Light" panose="020B0502040204020203" pitchFamily="34" charset="0"/>
-              </a:rPr>
-              <a:t>consectetur</a:t>
-            </a:r>
-            <a:r>
-              <a:rPr lang="en-US" sz="1800" dirty="0">
-                <a:latin typeface="Segoe UI Light" panose="020B0502040204020203" pitchFamily="34" charset="0"/>
-                <a:cs typeface="Segoe UI Light" panose="020B0502040204020203" pitchFamily="34" charset="0"/>
-              </a:rPr>
-              <a:t> </a:t>
-            </a:r>
-            <a:r>
-              <a:rPr lang="en-US" sz="1800" dirty="0" err="1">
-                <a:latin typeface="Segoe UI Light" panose="020B0502040204020203" pitchFamily="34" charset="0"/>
-                <a:cs typeface="Segoe UI Light" panose="020B0502040204020203" pitchFamily="34" charset="0"/>
-              </a:rPr>
-              <a:t>adipiscing</a:t>
-            </a:r>
-            <a:r>
-              <a:rPr lang="en-US" sz="1800" dirty="0">
-                <a:latin typeface="Segoe UI Light" panose="020B0502040204020203" pitchFamily="34" charset="0"/>
-                <a:cs typeface="Segoe UI Light" panose="020B0502040204020203" pitchFamily="34" charset="0"/>
-              </a:rPr>
-              <a:t> </a:t>
-            </a:r>
-            <a:r>
-              <a:rPr lang="en-US" sz="1800" dirty="0" err="1">
-                <a:latin typeface="Segoe UI Light" panose="020B0502040204020203" pitchFamily="34" charset="0"/>
-                <a:cs typeface="Segoe UI Light" panose="020B0502040204020203" pitchFamily="34" charset="0"/>
-              </a:rPr>
-              <a:t>elit</a:t>
-            </a:r>
-            <a:r>
-              <a:rPr lang="en-US" sz="1800" dirty="0">
-                <a:latin typeface="Segoe UI Light" panose="020B0502040204020203" pitchFamily="34" charset="0"/>
-                <a:cs typeface="Segoe UI Light" panose="020B0502040204020203" pitchFamily="34" charset="0"/>
-              </a:rPr>
-              <a:t>. </a:t>
-            </a:r>
-            <a:r>
-              <a:rPr lang="en-US" sz="1800" dirty="0" err="1">
-                <a:latin typeface="Segoe UI Light" panose="020B0502040204020203" pitchFamily="34" charset="0"/>
-                <a:cs typeface="Segoe UI Light" panose="020B0502040204020203" pitchFamily="34" charset="0"/>
-              </a:rPr>
-              <a:t>Aliquam</a:t>
-            </a:r>
-            <a:r>
-              <a:rPr lang="en-US" sz="1800" dirty="0">
-                <a:latin typeface="Segoe UI Light" panose="020B0502040204020203" pitchFamily="34" charset="0"/>
-                <a:cs typeface="Segoe UI Light" panose="020B0502040204020203" pitchFamily="34" charset="0"/>
-              </a:rPr>
-              <a:t> </a:t>
-            </a:r>
-            <a:r>
-              <a:rPr lang="en-US" sz="1800" dirty="0" err="1">
-                <a:latin typeface="Segoe UI Light" panose="020B0502040204020203" pitchFamily="34" charset="0"/>
-                <a:cs typeface="Segoe UI Light" panose="020B0502040204020203" pitchFamily="34" charset="0"/>
-              </a:rPr>
-              <a:t>eleifend</a:t>
-            </a:r>
-            <a:r>
-              <a:rPr lang="en-US" sz="1800" dirty="0">
-                <a:latin typeface="Segoe UI Light" panose="020B0502040204020203" pitchFamily="34" charset="0"/>
-                <a:cs typeface="Segoe UI Light" panose="020B0502040204020203" pitchFamily="34" charset="0"/>
-              </a:rPr>
-              <a:t> </a:t>
-            </a:r>
-            <a:r>
-              <a:rPr lang="en-US" sz="1800" dirty="0" err="1">
-                <a:latin typeface="Segoe UI Light" panose="020B0502040204020203" pitchFamily="34" charset="0"/>
-                <a:cs typeface="Segoe UI Light" panose="020B0502040204020203" pitchFamily="34" charset="0"/>
-              </a:rPr>
-              <a:t>eget</a:t>
-            </a:r>
-            <a:r>
-              <a:rPr lang="en-US" sz="1800" dirty="0">
-                <a:latin typeface="Segoe UI Light" panose="020B0502040204020203" pitchFamily="34" charset="0"/>
-                <a:cs typeface="Segoe UI Light" panose="020B0502040204020203" pitchFamily="34" charset="0"/>
-              </a:rPr>
-              <a:t> </a:t>
-            </a:r>
-            <a:r>
-              <a:rPr lang="en-US" sz="1800" dirty="0" err="1">
-                <a:latin typeface="Segoe UI Light" panose="020B0502040204020203" pitchFamily="34" charset="0"/>
-                <a:cs typeface="Segoe UI Light" panose="020B0502040204020203" pitchFamily="34" charset="0"/>
-              </a:rPr>
-              <a:t>tellus</a:t>
-            </a:r>
-            <a:r>
-              <a:rPr lang="en-US" sz="1800" dirty="0">
-                <a:latin typeface="Segoe UI Light" panose="020B0502040204020203" pitchFamily="34" charset="0"/>
-                <a:cs typeface="Segoe UI Light" panose="020B0502040204020203" pitchFamily="34" charset="0"/>
-              </a:rPr>
-              <a:t> </a:t>
-            </a:r>
-            <a:r>
-              <a:rPr lang="en-US" sz="1800" dirty="0" err="1">
-                <a:latin typeface="Segoe UI Light" panose="020B0502040204020203" pitchFamily="34" charset="0"/>
-                <a:cs typeface="Segoe UI Light" panose="020B0502040204020203" pitchFamily="34" charset="0"/>
-              </a:rPr>
-              <a:t>eget</a:t>
-            </a:r>
-            <a:r>
-              <a:rPr lang="en-US" sz="1800" dirty="0">
-                <a:latin typeface="Segoe UI Light" panose="020B0502040204020203" pitchFamily="34" charset="0"/>
-                <a:cs typeface="Segoe UI Light" panose="020B0502040204020203" pitchFamily="34" charset="0"/>
-              </a:rPr>
-              <a:t> </a:t>
-            </a:r>
-            <a:r>
-              <a:rPr lang="en-US" sz="1800" dirty="0" err="1">
-                <a:latin typeface="Segoe UI Light" panose="020B0502040204020203" pitchFamily="34" charset="0"/>
-                <a:cs typeface="Segoe UI Light" panose="020B0502040204020203" pitchFamily="34" charset="0"/>
-              </a:rPr>
-              <a:t>sodales</a:t>
-            </a:r>
-            <a:r>
-              <a:rPr lang="en-US" sz="1800" dirty="0">
-                <a:latin typeface="Segoe UI Light" panose="020B0502040204020203" pitchFamily="34" charset="0"/>
-                <a:cs typeface="Segoe UI Light" panose="020B0502040204020203" pitchFamily="34" charset="0"/>
-              </a:rPr>
-              <a:t>. </a:t>
-            </a:r>
-            <a:r>
-              <a:rPr lang="en-US" sz="1800" dirty="0" err="1">
-                <a:latin typeface="Segoe UI Light" panose="020B0502040204020203" pitchFamily="34" charset="0"/>
-                <a:cs typeface="Segoe UI Light" panose="020B0502040204020203" pitchFamily="34" charset="0"/>
-              </a:rPr>
-              <a:t>Donec</a:t>
-            </a:r>
-            <a:r>
-              <a:rPr lang="en-US" sz="1800" dirty="0">
-                <a:latin typeface="Segoe UI Light" panose="020B0502040204020203" pitchFamily="34" charset="0"/>
-                <a:cs typeface="Segoe UI Light" panose="020B0502040204020203" pitchFamily="34" charset="0"/>
-              </a:rPr>
-              <a:t> a </a:t>
-            </a:r>
-            <a:r>
-              <a:rPr lang="en-US" sz="1800" dirty="0" err="1">
-                <a:latin typeface="Segoe UI Light" panose="020B0502040204020203" pitchFamily="34" charset="0"/>
-                <a:cs typeface="Segoe UI Light" panose="020B0502040204020203" pitchFamily="34" charset="0"/>
-              </a:rPr>
-              <a:t>facilisis</a:t>
-            </a:r>
-            <a:r>
-              <a:rPr lang="en-US" sz="1800" dirty="0">
-                <a:latin typeface="Segoe UI Light" panose="020B0502040204020203" pitchFamily="34" charset="0"/>
-                <a:cs typeface="Segoe UI Light" panose="020B0502040204020203" pitchFamily="34" charset="0"/>
-              </a:rPr>
-              <a:t> ipsum, a </a:t>
-            </a:r>
-            <a:r>
-              <a:rPr lang="en-US" sz="1800" dirty="0" err="1">
-                <a:latin typeface="Segoe UI Light" panose="020B0502040204020203" pitchFamily="34" charset="0"/>
-                <a:cs typeface="Segoe UI Light" panose="020B0502040204020203" pitchFamily="34" charset="0"/>
-              </a:rPr>
-              <a:t>ultricies</a:t>
-            </a:r>
-            <a:r>
-              <a:rPr lang="en-US" sz="1800" dirty="0">
-                <a:latin typeface="Segoe UI Light" panose="020B0502040204020203" pitchFamily="34" charset="0"/>
-                <a:cs typeface="Segoe UI Light" panose="020B0502040204020203" pitchFamily="34" charset="0"/>
-              </a:rPr>
-              <a:t> </a:t>
-            </a:r>
-            <a:r>
-              <a:rPr lang="en-US" sz="1800" dirty="0" err="1">
-                <a:latin typeface="Segoe UI Light" panose="020B0502040204020203" pitchFamily="34" charset="0"/>
-                <a:cs typeface="Segoe UI Light" panose="020B0502040204020203" pitchFamily="34" charset="0"/>
-              </a:rPr>
-              <a:t>lacus</a:t>
-            </a:r>
-            <a:r>
-              <a:rPr lang="en-US" sz="1800" dirty="0">
-                <a:latin typeface="Segoe UI Light" panose="020B0502040204020203" pitchFamily="34" charset="0"/>
-                <a:cs typeface="Segoe UI Light" panose="020B0502040204020203" pitchFamily="34" charset="0"/>
-              </a:rPr>
-              <a:t>. </a:t>
-            </a:r>
-            <a:r>
-              <a:rPr lang="en-US" sz="1800" dirty="0" err="1">
-                <a:latin typeface="Segoe UI Light" panose="020B0502040204020203" pitchFamily="34" charset="0"/>
-                <a:cs typeface="Segoe UI Light" panose="020B0502040204020203" pitchFamily="34" charset="0"/>
-              </a:rPr>
-              <a:t>Phasellus</a:t>
-            </a:r>
-            <a:r>
-              <a:rPr lang="en-US" sz="1800" dirty="0">
-                <a:latin typeface="Segoe UI Light" panose="020B0502040204020203" pitchFamily="34" charset="0"/>
-                <a:cs typeface="Segoe UI Light" panose="020B0502040204020203" pitchFamily="34" charset="0"/>
-              </a:rPr>
-              <a:t> in </a:t>
-            </a:r>
-            <a:r>
-              <a:rPr lang="en-US" sz="1800" dirty="0" err="1">
-                <a:latin typeface="Segoe UI Light" panose="020B0502040204020203" pitchFamily="34" charset="0"/>
-                <a:cs typeface="Segoe UI Light" panose="020B0502040204020203" pitchFamily="34" charset="0"/>
-              </a:rPr>
-              <a:t>erat</a:t>
-            </a:r>
-            <a:r>
-              <a:rPr lang="en-US" sz="1800" dirty="0">
-                <a:latin typeface="Segoe UI Light" panose="020B0502040204020203" pitchFamily="34" charset="0"/>
-                <a:cs typeface="Segoe UI Light" panose="020B0502040204020203" pitchFamily="34" charset="0"/>
-              </a:rPr>
-              <a:t> ac </a:t>
-            </a:r>
-            <a:r>
-              <a:rPr lang="en-US" sz="1800" dirty="0" err="1">
-                <a:latin typeface="Segoe UI Light" panose="020B0502040204020203" pitchFamily="34" charset="0"/>
-                <a:cs typeface="Segoe UI Light" panose="020B0502040204020203" pitchFamily="34" charset="0"/>
-              </a:rPr>
-              <a:t>augue</a:t>
-            </a:r>
-            <a:r>
-              <a:rPr lang="en-US" sz="1800" dirty="0">
-                <a:latin typeface="Segoe UI Light" panose="020B0502040204020203" pitchFamily="34" charset="0"/>
-                <a:cs typeface="Segoe UI Light" panose="020B0502040204020203" pitchFamily="34" charset="0"/>
-              </a:rPr>
-              <a:t> </a:t>
-            </a:r>
-            <a:r>
-              <a:rPr lang="en-US" sz="1800" dirty="0" err="1">
-                <a:latin typeface="Segoe UI Light" panose="020B0502040204020203" pitchFamily="34" charset="0"/>
-                <a:cs typeface="Segoe UI Light" panose="020B0502040204020203" pitchFamily="34" charset="0"/>
-              </a:rPr>
-              <a:t>commodo</a:t>
-            </a:r>
-            <a:r>
-              <a:rPr lang="en-US" sz="1800" dirty="0">
-                <a:latin typeface="Segoe UI Light" panose="020B0502040204020203" pitchFamily="34" charset="0"/>
-                <a:cs typeface="Segoe UI Light" panose="020B0502040204020203" pitchFamily="34" charset="0"/>
-              </a:rPr>
-              <a:t> </a:t>
-            </a:r>
-            <a:r>
-              <a:rPr lang="en-US" sz="1800" dirty="0" err="1">
-                <a:latin typeface="Segoe UI Light" panose="020B0502040204020203" pitchFamily="34" charset="0"/>
-                <a:cs typeface="Segoe UI Light" panose="020B0502040204020203" pitchFamily="34" charset="0"/>
-              </a:rPr>
-              <a:t>pellentesque</a:t>
-            </a:r>
-            <a:r>
-              <a:rPr lang="en-US" sz="1800" dirty="0">
-                <a:latin typeface="Segoe UI Light" panose="020B0502040204020203" pitchFamily="34" charset="0"/>
-                <a:cs typeface="Segoe UI Light" panose="020B0502040204020203" pitchFamily="34" charset="0"/>
-              </a:rPr>
-              <a:t> id et </a:t>
-            </a:r>
-            <a:r>
-              <a:rPr lang="en-US" sz="1800" dirty="0" err="1">
-                <a:latin typeface="Segoe UI Light" panose="020B0502040204020203" pitchFamily="34" charset="0"/>
-                <a:cs typeface="Segoe UI Light" panose="020B0502040204020203" pitchFamily="34" charset="0"/>
-              </a:rPr>
-              <a:t>velit</a:t>
-            </a:r>
-            <a:r>
-              <a:rPr lang="en-US" sz="1800" dirty="0">
-                <a:latin typeface="Segoe UI Light" panose="020B0502040204020203" pitchFamily="34" charset="0"/>
-                <a:cs typeface="Segoe UI Light" panose="020B0502040204020203" pitchFamily="34" charset="0"/>
-              </a:rPr>
-              <a:t>. </a:t>
-            </a:r>
-            <a:r>
-              <a:rPr lang="en-US" sz="1800" dirty="0" err="1">
-                <a:latin typeface="Segoe UI Light" panose="020B0502040204020203" pitchFamily="34" charset="0"/>
-                <a:cs typeface="Segoe UI Light" panose="020B0502040204020203" pitchFamily="34" charset="0"/>
-              </a:rPr>
-              <a:t>Donec</a:t>
-            </a:r>
-            <a:r>
-              <a:rPr lang="en-US" sz="1800" dirty="0">
-                <a:latin typeface="Segoe UI Light" panose="020B0502040204020203" pitchFamily="34" charset="0"/>
-                <a:cs typeface="Segoe UI Light" panose="020B0502040204020203" pitchFamily="34" charset="0"/>
-              </a:rPr>
-              <a:t> in </a:t>
-            </a:r>
-            <a:r>
-              <a:rPr lang="en-US" sz="1800" dirty="0" err="1">
-                <a:latin typeface="Segoe UI Light" panose="020B0502040204020203" pitchFamily="34" charset="0"/>
-                <a:cs typeface="Segoe UI Light" panose="020B0502040204020203" pitchFamily="34" charset="0"/>
-              </a:rPr>
-              <a:t>varius</a:t>
-            </a:r>
-            <a:r>
-              <a:rPr lang="en-US" sz="1800" dirty="0">
-                <a:latin typeface="Segoe UI Light" panose="020B0502040204020203" pitchFamily="34" charset="0"/>
-                <a:cs typeface="Segoe UI Light" panose="020B0502040204020203" pitchFamily="34" charset="0"/>
-              </a:rPr>
-              <a:t> </a:t>
-            </a:r>
-            <a:r>
-              <a:rPr lang="en-US" sz="1800" dirty="0" err="1">
-                <a:latin typeface="Segoe UI Light" panose="020B0502040204020203" pitchFamily="34" charset="0"/>
-                <a:cs typeface="Segoe UI Light" panose="020B0502040204020203" pitchFamily="34" charset="0"/>
-              </a:rPr>
-              <a:t>risus</a:t>
-            </a:r>
-            <a:r>
-              <a:rPr lang="en-US" sz="1800" dirty="0">
-                <a:latin typeface="Segoe UI Light" panose="020B0502040204020203" pitchFamily="34" charset="0"/>
-                <a:cs typeface="Segoe UI Light" panose="020B0502040204020203" pitchFamily="34" charset="0"/>
-              </a:rPr>
-              <a:t>, </a:t>
-            </a:r>
-            <a:r>
-              <a:rPr lang="en-US" sz="1800" dirty="0" err="1">
-                <a:latin typeface="Segoe UI Light" panose="020B0502040204020203" pitchFamily="34" charset="0"/>
-                <a:cs typeface="Segoe UI Light" panose="020B0502040204020203" pitchFamily="34" charset="0"/>
-              </a:rPr>
-              <a:t>eu</a:t>
-            </a:r>
-            <a:r>
-              <a:rPr lang="en-US" sz="1800" dirty="0">
-                <a:latin typeface="Segoe UI Light" panose="020B0502040204020203" pitchFamily="34" charset="0"/>
-                <a:cs typeface="Segoe UI Light" panose="020B0502040204020203" pitchFamily="34" charset="0"/>
-              </a:rPr>
-              <a:t> </a:t>
-            </a:r>
-            <a:r>
-              <a:rPr lang="en-US" sz="1800" dirty="0" err="1">
-                <a:latin typeface="Segoe UI Light" panose="020B0502040204020203" pitchFamily="34" charset="0"/>
-                <a:cs typeface="Segoe UI Light" panose="020B0502040204020203" pitchFamily="34" charset="0"/>
-              </a:rPr>
-              <a:t>ultricies</a:t>
-            </a:r>
-            <a:r>
-              <a:rPr lang="en-US" sz="1800" dirty="0">
-                <a:latin typeface="Segoe UI Light" panose="020B0502040204020203" pitchFamily="34" charset="0"/>
-                <a:cs typeface="Segoe UI Light" panose="020B0502040204020203" pitchFamily="34" charset="0"/>
-              </a:rPr>
-              <a:t> </a:t>
-            </a:r>
-            <a:r>
-              <a:rPr lang="en-US" sz="1800" dirty="0" err="1">
-                <a:latin typeface="Segoe UI Light" panose="020B0502040204020203" pitchFamily="34" charset="0"/>
-                <a:cs typeface="Segoe UI Light" panose="020B0502040204020203" pitchFamily="34" charset="0"/>
-              </a:rPr>
-              <a:t>velit</a:t>
-            </a:r>
-            <a:r>
-              <a:rPr lang="en-US" sz="1800" dirty="0">
-                <a:latin typeface="Segoe UI Light" panose="020B0502040204020203" pitchFamily="34" charset="0"/>
-                <a:cs typeface="Segoe UI Light" panose="020B0502040204020203" pitchFamily="34" charset="0"/>
-              </a:rPr>
-              <a:t>. Maecenas </a:t>
-            </a:r>
-            <a:r>
-              <a:rPr lang="en-US" sz="1800" dirty="0" err="1">
-                <a:latin typeface="Segoe UI Light" panose="020B0502040204020203" pitchFamily="34" charset="0"/>
-                <a:cs typeface="Segoe UI Light" panose="020B0502040204020203" pitchFamily="34" charset="0"/>
-              </a:rPr>
-              <a:t>mauris</a:t>
-            </a:r>
-            <a:r>
-              <a:rPr lang="en-US" sz="1800" dirty="0">
-                <a:latin typeface="Segoe UI Light" panose="020B0502040204020203" pitchFamily="34" charset="0"/>
-                <a:cs typeface="Segoe UI Light" panose="020B0502040204020203" pitchFamily="34" charset="0"/>
-              </a:rPr>
-              <a:t> </a:t>
-            </a:r>
-            <a:r>
-              <a:rPr lang="en-US" sz="1800" dirty="0" err="1">
-                <a:latin typeface="Segoe UI Light" panose="020B0502040204020203" pitchFamily="34" charset="0"/>
-                <a:cs typeface="Segoe UI Light" panose="020B0502040204020203" pitchFamily="34" charset="0"/>
-              </a:rPr>
-              <a:t>massa</a:t>
-            </a:r>
-            <a:r>
-              <a:rPr lang="en-US" sz="1800" dirty="0">
-                <a:latin typeface="Segoe UI Light" panose="020B0502040204020203" pitchFamily="34" charset="0"/>
-                <a:cs typeface="Segoe UI Light" panose="020B0502040204020203" pitchFamily="34" charset="0"/>
-              </a:rPr>
-              <a:t>, lacinia at </a:t>
-            </a:r>
-            <a:r>
-              <a:rPr lang="en-US" sz="1800" dirty="0" err="1">
-                <a:latin typeface="Segoe UI Light" panose="020B0502040204020203" pitchFamily="34" charset="0"/>
-                <a:cs typeface="Segoe UI Light" panose="020B0502040204020203" pitchFamily="34" charset="0"/>
-              </a:rPr>
-              <a:t>sapien</a:t>
-            </a:r>
-            <a:r>
-              <a:rPr lang="en-US" sz="1800" dirty="0">
-                <a:latin typeface="Segoe UI Light" panose="020B0502040204020203" pitchFamily="34" charset="0"/>
-                <a:cs typeface="Segoe UI Light" panose="020B0502040204020203" pitchFamily="34" charset="0"/>
-              </a:rPr>
-              <a:t> et, </a:t>
-            </a:r>
-            <a:r>
-              <a:rPr lang="en-US" sz="1800" dirty="0" err="1">
-                <a:latin typeface="Segoe UI Light" panose="020B0502040204020203" pitchFamily="34" charset="0"/>
-                <a:cs typeface="Segoe UI Light" panose="020B0502040204020203" pitchFamily="34" charset="0"/>
-              </a:rPr>
-              <a:t>sodales</a:t>
-            </a:r>
-            <a:r>
-              <a:rPr lang="en-US" sz="1800" dirty="0">
-                <a:latin typeface="Segoe UI Light" panose="020B0502040204020203" pitchFamily="34" charset="0"/>
-                <a:cs typeface="Segoe UI Light" panose="020B0502040204020203" pitchFamily="34" charset="0"/>
-              </a:rPr>
-              <a:t> </a:t>
-            </a:r>
-            <a:r>
-              <a:rPr lang="en-US" sz="1800" dirty="0" err="1">
-                <a:latin typeface="Segoe UI Light" panose="020B0502040204020203" pitchFamily="34" charset="0"/>
-                <a:cs typeface="Segoe UI Light" panose="020B0502040204020203" pitchFamily="34" charset="0"/>
-              </a:rPr>
-              <a:t>suscipit</a:t>
-            </a:r>
-            <a:r>
-              <a:rPr lang="en-US" sz="1800" dirty="0">
-                <a:latin typeface="Segoe UI Light" panose="020B0502040204020203" pitchFamily="34" charset="0"/>
-                <a:cs typeface="Segoe UI Light" panose="020B0502040204020203" pitchFamily="34" charset="0"/>
-              </a:rPr>
-              <a:t> </a:t>
-            </a:r>
-            <a:r>
-              <a:rPr lang="en-US" sz="1800" dirty="0" err="1">
-                <a:latin typeface="Segoe UI Light" panose="020B0502040204020203" pitchFamily="34" charset="0"/>
-                <a:cs typeface="Segoe UI Light" panose="020B0502040204020203" pitchFamily="34" charset="0"/>
-              </a:rPr>
-              <a:t>quam</a:t>
-            </a:r>
-            <a:endParaRPr lang="en-US" sz="1800" dirty="0">
-              <a:latin typeface="Segoe UI Light" panose="020B0502040204020203" pitchFamily="34" charset="0"/>
-              <a:cs typeface="Segoe UI Light" panose="020B0502040204020203" pitchFamily="34" charset="0"/>
-            </a:endParaRPr>
+            <a:r>
+              <a:rPr lang="en-US" sz="2000" b="1" dirty="0">
+                <a:solidFill>
+                  <a:schemeClr val="bg1"/>
+                </a:solidFill>
+                <a:latin typeface="Segoe UI Light" panose="020B0502040204020203" pitchFamily="34" charset="0"/>
+                <a:cs typeface="Segoe UI Light" panose="020B0502040204020203" pitchFamily="34" charset="0"/>
+              </a:rPr>
+              <a:t>VS</a:t>
+            </a:r>
           </a:p>
         </p:txBody>
       </p:sp>
+      <p:sp>
+        <p:nvSpPr>
+          <p:cNvPr id="15" name="Subtitle 2">
+            <a:extLst>
+              <a:ext uri="{FF2B5EF4-FFF2-40B4-BE49-F238E27FC236}">
+                <a16:creationId xmlns:a16="http://schemas.microsoft.com/office/drawing/2014/main" id="{20939731-D3B7-4A28-B941-216A5F2FD525}"/>
+              </a:ext>
+            </a:extLst>
+          </p:cNvPr>
+          <p:cNvSpPr txBox="1">
+            <a:spLocks/>
+          </p:cNvSpPr>
+          <p:nvPr/>
+        </p:nvSpPr>
+        <p:spPr>
+          <a:xfrm>
+            <a:off x="738908" y="3173267"/>
+            <a:ext cx="4368801" cy="2042969"/>
+          </a:xfrm>
+          <a:prstGeom prst="rect">
+            <a:avLst/>
+          </a:prstGeom>
+        </p:spPr>
+        <p:txBody>
+          <a:bodyPr vert="horz" lIns="91440" tIns="45720" rIns="91440" bIns="45720" rtlCol="0" anchor="ctr">
+            <a:noAutofit/>
+          </a:bodyPr>
+          <a:lstStyle>
+            <a:lvl1pPr marL="0" indent="0" algn="ctr" defTabSz="914400" rtl="0" eaLnBrk="1" latinLnBrk="0" hangingPunct="1">
+              <a:lnSpc>
+                <a:spcPct val="90000"/>
+              </a:lnSpc>
+              <a:spcBef>
+                <a:spcPts val="1000"/>
+              </a:spcBef>
+              <a:buFont typeface="Arial" panose="020B0604020202020204" pitchFamily="34" charset="0"/>
+              <a:buNone/>
+              <a:defRPr sz="2400" kern="1200">
+                <a:solidFill>
+                  <a:schemeClr val="tx1"/>
+                </a:solidFill>
+                <a:latin typeface="+mn-lt"/>
+                <a:ea typeface="+mn-ea"/>
+                <a:cs typeface="+mn-cs"/>
+              </a:defRPr>
+            </a:lvl1pPr>
+            <a:lvl2pPr marL="457200" indent="0" algn="ctr" defTabSz="914400" rtl="0" eaLnBrk="1" latinLnBrk="0" hangingPunct="1">
+              <a:lnSpc>
+                <a:spcPct val="90000"/>
+              </a:lnSpc>
+              <a:spcBef>
+                <a:spcPts val="500"/>
+              </a:spcBef>
+              <a:buFont typeface="Arial" panose="020B0604020202020204" pitchFamily="34" charset="0"/>
+              <a:buNone/>
+              <a:defRPr sz="2000" kern="1200">
+                <a:solidFill>
+                  <a:schemeClr val="tx1"/>
+                </a:solidFill>
+                <a:latin typeface="+mn-lt"/>
+                <a:ea typeface="+mn-ea"/>
+                <a:cs typeface="+mn-cs"/>
+              </a:defRPr>
+            </a:lvl2pPr>
+            <a:lvl3pPr marL="914400" indent="0" algn="ctr" defTabSz="914400" rtl="0" eaLnBrk="1" latinLnBrk="0" hangingPunct="1">
+              <a:lnSpc>
+                <a:spcPct val="90000"/>
+              </a:lnSpc>
+              <a:spcBef>
+                <a:spcPts val="500"/>
+              </a:spcBef>
+              <a:buFont typeface="Arial" panose="020B0604020202020204" pitchFamily="34" charset="0"/>
+              <a:buNone/>
+              <a:defRPr sz="1800" kern="1200">
+                <a:solidFill>
+                  <a:schemeClr val="tx1"/>
+                </a:solidFill>
+                <a:latin typeface="+mn-lt"/>
+                <a:ea typeface="+mn-ea"/>
+                <a:cs typeface="+mn-cs"/>
+              </a:defRPr>
+            </a:lvl3pPr>
+            <a:lvl4pPr marL="1371600" indent="0" algn="ctr" defTabSz="914400" rtl="0" eaLnBrk="1" latinLnBrk="0" hangingPunct="1">
+              <a:lnSpc>
+                <a:spcPct val="90000"/>
+              </a:lnSpc>
+              <a:spcBef>
+                <a:spcPts val="500"/>
+              </a:spcBef>
+              <a:buFont typeface="Arial" panose="020B0604020202020204" pitchFamily="34" charset="0"/>
+              <a:buNone/>
+              <a:defRPr sz="1600" kern="1200">
+                <a:solidFill>
+                  <a:schemeClr val="tx1"/>
+                </a:solidFill>
+                <a:latin typeface="+mn-lt"/>
+                <a:ea typeface="+mn-ea"/>
+                <a:cs typeface="+mn-cs"/>
+              </a:defRPr>
+            </a:lvl4pPr>
+            <a:lvl5pPr marL="1828800" indent="0" algn="ctr" defTabSz="914400" rtl="0" eaLnBrk="1" latinLnBrk="0" hangingPunct="1">
+              <a:lnSpc>
+                <a:spcPct val="90000"/>
+              </a:lnSpc>
+              <a:spcBef>
+                <a:spcPts val="500"/>
+              </a:spcBef>
+              <a:buFont typeface="Arial" panose="020B0604020202020204" pitchFamily="34" charset="0"/>
+              <a:buNone/>
+              <a:defRPr sz="1600" kern="1200">
+                <a:solidFill>
+                  <a:schemeClr val="tx1"/>
+                </a:solidFill>
+                <a:latin typeface="+mn-lt"/>
+                <a:ea typeface="+mn-ea"/>
+                <a:cs typeface="+mn-cs"/>
+              </a:defRPr>
+            </a:lvl5pPr>
+            <a:lvl6pPr marL="2286000" indent="0" algn="ctr" defTabSz="914400" rtl="0" eaLnBrk="1" latinLnBrk="0" hangingPunct="1">
+              <a:lnSpc>
+                <a:spcPct val="90000"/>
+              </a:lnSpc>
+              <a:spcBef>
+                <a:spcPts val="500"/>
+              </a:spcBef>
+              <a:buFont typeface="Arial" panose="020B0604020202020204" pitchFamily="34" charset="0"/>
+              <a:buNone/>
+              <a:defRPr sz="1600" kern="1200">
+                <a:solidFill>
+                  <a:schemeClr val="tx1"/>
+                </a:solidFill>
+                <a:latin typeface="+mn-lt"/>
+                <a:ea typeface="+mn-ea"/>
+                <a:cs typeface="+mn-cs"/>
+              </a:defRPr>
+            </a:lvl6pPr>
+            <a:lvl7pPr marL="2743200" indent="0" algn="ctr" defTabSz="914400" rtl="0" eaLnBrk="1" latinLnBrk="0" hangingPunct="1">
+              <a:lnSpc>
+                <a:spcPct val="90000"/>
+              </a:lnSpc>
+              <a:spcBef>
+                <a:spcPts val="500"/>
+              </a:spcBef>
+              <a:buFont typeface="Arial" panose="020B0604020202020204" pitchFamily="34" charset="0"/>
+              <a:buNone/>
+              <a:defRPr sz="1600" kern="1200">
+                <a:solidFill>
+                  <a:schemeClr val="tx1"/>
+                </a:solidFill>
+                <a:latin typeface="+mn-lt"/>
+                <a:ea typeface="+mn-ea"/>
+                <a:cs typeface="+mn-cs"/>
+              </a:defRPr>
+            </a:lvl7pPr>
+            <a:lvl8pPr marL="3200400" indent="0" algn="ctr" defTabSz="914400" rtl="0" eaLnBrk="1" latinLnBrk="0" hangingPunct="1">
+              <a:lnSpc>
+                <a:spcPct val="90000"/>
+              </a:lnSpc>
+              <a:spcBef>
+                <a:spcPts val="500"/>
+              </a:spcBef>
+              <a:buFont typeface="Arial" panose="020B0604020202020204" pitchFamily="34" charset="0"/>
+              <a:buNone/>
+              <a:defRPr sz="1600" kern="1200">
+                <a:solidFill>
+                  <a:schemeClr val="tx1"/>
+                </a:solidFill>
+                <a:latin typeface="+mn-lt"/>
+                <a:ea typeface="+mn-ea"/>
+                <a:cs typeface="+mn-cs"/>
+              </a:defRPr>
+            </a:lvl8pPr>
+            <a:lvl9pPr marL="3657600" indent="0" algn="ctr" defTabSz="914400" rtl="0" eaLnBrk="1" latinLnBrk="0" hangingPunct="1">
+              <a:lnSpc>
+                <a:spcPct val="90000"/>
+              </a:lnSpc>
+              <a:spcBef>
+                <a:spcPts val="500"/>
+              </a:spcBef>
+              <a:buFont typeface="Arial" panose="020B0604020202020204" pitchFamily="34" charset="0"/>
+              <a:buNone/>
+              <a:defRPr sz="1600" kern="1200">
+                <a:solidFill>
+                  <a:schemeClr val="tx1"/>
+                </a:solidFill>
+                <a:latin typeface="+mn-lt"/>
+                <a:ea typeface="+mn-ea"/>
+                <a:cs typeface="+mn-cs"/>
+              </a:defRPr>
+            </a:lvl9pPr>
+          </a:lstStyle>
+          <a:p>
+            <a:pPr algn="l">
+              <a:lnSpc>
+                <a:spcPct val="150000"/>
+              </a:lnSpc>
+            </a:pPr>
+            <a:r>
+              <a:rPr lang="en-US" sz="1600" dirty="0">
+                <a:latin typeface="Segoe UI Light" panose="020B0502040204020203" pitchFamily="34" charset="0"/>
+                <a:cs typeface="Segoe UI Light" panose="020B0502040204020203" pitchFamily="34" charset="0"/>
+              </a:rPr>
+              <a:t>Lorem ipsum dolor sit </a:t>
+            </a:r>
+            <a:r>
+              <a:rPr lang="en-US" sz="1600" dirty="0" err="1">
+                <a:latin typeface="Segoe UI Light" panose="020B0502040204020203" pitchFamily="34" charset="0"/>
+                <a:cs typeface="Segoe UI Light" panose="020B0502040204020203" pitchFamily="34" charset="0"/>
+              </a:rPr>
+              <a:t>amet</a:t>
+            </a:r>
+            <a:r>
+              <a:rPr lang="en-US" sz="1600" dirty="0">
+                <a:latin typeface="Segoe UI Light" panose="020B0502040204020203" pitchFamily="34" charset="0"/>
+                <a:cs typeface="Segoe UI Light" panose="020B0502040204020203" pitchFamily="34" charset="0"/>
+              </a:rPr>
+              <a:t>, </a:t>
+            </a:r>
+            <a:r>
+              <a:rPr lang="en-US" sz="1600" dirty="0" err="1">
+                <a:latin typeface="Segoe UI Light" panose="020B0502040204020203" pitchFamily="34" charset="0"/>
+                <a:cs typeface="Segoe UI Light" panose="020B0502040204020203" pitchFamily="34" charset="0"/>
+              </a:rPr>
+              <a:t>consectetur</a:t>
+            </a:r>
+            <a:r>
+              <a:rPr lang="en-US" sz="1600" dirty="0">
+                <a:latin typeface="Segoe UI Light" panose="020B0502040204020203" pitchFamily="34" charset="0"/>
+                <a:cs typeface="Segoe UI Light" panose="020B0502040204020203" pitchFamily="34" charset="0"/>
+              </a:rPr>
+              <a:t> </a:t>
+            </a:r>
+            <a:r>
+              <a:rPr lang="en-US" sz="1600" dirty="0" err="1">
+                <a:latin typeface="Segoe UI Light" panose="020B0502040204020203" pitchFamily="34" charset="0"/>
+                <a:cs typeface="Segoe UI Light" panose="020B0502040204020203" pitchFamily="34" charset="0"/>
+              </a:rPr>
+              <a:t>adipiscing</a:t>
+            </a:r>
+            <a:r>
+              <a:rPr lang="en-US" sz="1600" dirty="0">
+                <a:latin typeface="Segoe UI Light" panose="020B0502040204020203" pitchFamily="34" charset="0"/>
+                <a:cs typeface="Segoe UI Light" panose="020B0502040204020203" pitchFamily="34" charset="0"/>
+              </a:rPr>
+              <a:t> </a:t>
+            </a:r>
+            <a:r>
+              <a:rPr lang="en-US" sz="1600" dirty="0" err="1">
+                <a:latin typeface="Segoe UI Light" panose="020B0502040204020203" pitchFamily="34" charset="0"/>
+                <a:cs typeface="Segoe UI Light" panose="020B0502040204020203" pitchFamily="34" charset="0"/>
+              </a:rPr>
+              <a:t>elit</a:t>
+            </a:r>
+            <a:r>
+              <a:rPr lang="en-US" sz="1600" dirty="0">
+                <a:latin typeface="Segoe UI Light" panose="020B0502040204020203" pitchFamily="34" charset="0"/>
+                <a:cs typeface="Segoe UI Light" panose="020B0502040204020203" pitchFamily="34" charset="0"/>
+              </a:rPr>
+              <a:t>. </a:t>
+            </a:r>
+            <a:r>
+              <a:rPr lang="en-US" sz="1600" dirty="0" err="1">
+                <a:latin typeface="Segoe UI Light" panose="020B0502040204020203" pitchFamily="34" charset="0"/>
+                <a:cs typeface="Segoe UI Light" panose="020B0502040204020203" pitchFamily="34" charset="0"/>
+              </a:rPr>
+              <a:t>Aliquam</a:t>
+            </a:r>
+            <a:r>
+              <a:rPr lang="en-US" sz="1600" dirty="0">
+                <a:latin typeface="Segoe UI Light" panose="020B0502040204020203" pitchFamily="34" charset="0"/>
+                <a:cs typeface="Segoe UI Light" panose="020B0502040204020203" pitchFamily="34" charset="0"/>
+              </a:rPr>
+              <a:t> </a:t>
+            </a:r>
+            <a:r>
+              <a:rPr lang="en-US" sz="1600" dirty="0" err="1">
+                <a:latin typeface="Segoe UI Light" panose="020B0502040204020203" pitchFamily="34" charset="0"/>
+                <a:cs typeface="Segoe UI Light" panose="020B0502040204020203" pitchFamily="34" charset="0"/>
+              </a:rPr>
+              <a:t>eleifend</a:t>
+            </a:r>
+            <a:r>
+              <a:rPr lang="en-US" sz="1600" dirty="0">
+                <a:latin typeface="Segoe UI Light" panose="020B0502040204020203" pitchFamily="34" charset="0"/>
+                <a:cs typeface="Segoe UI Light" panose="020B0502040204020203" pitchFamily="34" charset="0"/>
+              </a:rPr>
+              <a:t> </a:t>
+            </a:r>
+            <a:r>
+              <a:rPr lang="en-US" sz="1600" dirty="0" err="1">
+                <a:latin typeface="Segoe UI Light" panose="020B0502040204020203" pitchFamily="34" charset="0"/>
+                <a:cs typeface="Segoe UI Light" panose="020B0502040204020203" pitchFamily="34" charset="0"/>
+              </a:rPr>
+              <a:t>eget</a:t>
+            </a:r>
+            <a:r>
+              <a:rPr lang="en-US" sz="1600" dirty="0">
+                <a:latin typeface="Segoe UI Light" panose="020B0502040204020203" pitchFamily="34" charset="0"/>
+                <a:cs typeface="Segoe UI Light" panose="020B0502040204020203" pitchFamily="34" charset="0"/>
+              </a:rPr>
+              <a:t> </a:t>
+            </a:r>
+            <a:r>
+              <a:rPr lang="en-US" sz="1600" dirty="0" err="1">
+                <a:latin typeface="Segoe UI Light" panose="020B0502040204020203" pitchFamily="34" charset="0"/>
+                <a:cs typeface="Segoe UI Light" panose="020B0502040204020203" pitchFamily="34" charset="0"/>
+              </a:rPr>
+              <a:t>tellus</a:t>
+            </a:r>
+            <a:r>
+              <a:rPr lang="en-US" sz="1600" dirty="0">
+                <a:latin typeface="Segoe UI Light" panose="020B0502040204020203" pitchFamily="34" charset="0"/>
+                <a:cs typeface="Segoe UI Light" panose="020B0502040204020203" pitchFamily="34" charset="0"/>
+              </a:rPr>
+              <a:t> </a:t>
+            </a:r>
+            <a:r>
+              <a:rPr lang="en-US" sz="1600" dirty="0" err="1">
+                <a:latin typeface="Segoe UI Light" panose="020B0502040204020203" pitchFamily="34" charset="0"/>
+                <a:cs typeface="Segoe UI Light" panose="020B0502040204020203" pitchFamily="34" charset="0"/>
+              </a:rPr>
+              <a:t>eget</a:t>
+            </a:r>
+            <a:r>
+              <a:rPr lang="en-US" sz="1600" dirty="0">
+                <a:latin typeface="Segoe UI Light" panose="020B0502040204020203" pitchFamily="34" charset="0"/>
+                <a:cs typeface="Segoe UI Light" panose="020B0502040204020203" pitchFamily="34" charset="0"/>
+              </a:rPr>
+              <a:t> </a:t>
+            </a:r>
+            <a:r>
+              <a:rPr lang="en-US" sz="1600" dirty="0" err="1">
+                <a:latin typeface="Segoe UI Light" panose="020B0502040204020203" pitchFamily="34" charset="0"/>
+                <a:cs typeface="Segoe UI Light" panose="020B0502040204020203" pitchFamily="34" charset="0"/>
+              </a:rPr>
+              <a:t>sodales</a:t>
+            </a:r>
+            <a:r>
+              <a:rPr lang="en-US" sz="1600" dirty="0">
+                <a:latin typeface="Segoe UI Light" panose="020B0502040204020203" pitchFamily="34" charset="0"/>
+                <a:cs typeface="Segoe UI Light" panose="020B0502040204020203" pitchFamily="34" charset="0"/>
+              </a:rPr>
+              <a:t>. </a:t>
+            </a:r>
+            <a:r>
+              <a:rPr lang="en-US" sz="1600" dirty="0" err="1">
+                <a:latin typeface="Segoe UI Light" panose="020B0502040204020203" pitchFamily="34" charset="0"/>
+                <a:cs typeface="Segoe UI Light" panose="020B0502040204020203" pitchFamily="34" charset="0"/>
+              </a:rPr>
+              <a:t>Donec</a:t>
+            </a:r>
+            <a:r>
+              <a:rPr lang="en-US" sz="1600" dirty="0">
+                <a:latin typeface="Segoe UI Light" panose="020B0502040204020203" pitchFamily="34" charset="0"/>
+                <a:cs typeface="Segoe UI Light" panose="020B0502040204020203" pitchFamily="34" charset="0"/>
+              </a:rPr>
+              <a:t> a </a:t>
+            </a:r>
+            <a:r>
+              <a:rPr lang="en-US" sz="1600" dirty="0" err="1">
+                <a:latin typeface="Segoe UI Light" panose="020B0502040204020203" pitchFamily="34" charset="0"/>
+                <a:cs typeface="Segoe UI Light" panose="020B0502040204020203" pitchFamily="34" charset="0"/>
+              </a:rPr>
+              <a:t>facilisis</a:t>
+            </a:r>
+            <a:r>
+              <a:rPr lang="en-US" sz="1600" dirty="0">
+                <a:latin typeface="Segoe UI Light" panose="020B0502040204020203" pitchFamily="34" charset="0"/>
+                <a:cs typeface="Segoe UI Light" panose="020B0502040204020203" pitchFamily="34" charset="0"/>
+              </a:rPr>
+              <a:t> ipsum, a </a:t>
+            </a:r>
+            <a:r>
+              <a:rPr lang="en-US" sz="1600" dirty="0" err="1">
+                <a:latin typeface="Segoe UI Light" panose="020B0502040204020203" pitchFamily="34" charset="0"/>
+                <a:cs typeface="Segoe UI Light" panose="020B0502040204020203" pitchFamily="34" charset="0"/>
+              </a:rPr>
+              <a:t>ultricies</a:t>
+            </a:r>
+            <a:r>
+              <a:rPr lang="en-US" sz="1600" dirty="0">
+                <a:latin typeface="Segoe UI Light" panose="020B0502040204020203" pitchFamily="34" charset="0"/>
+                <a:cs typeface="Segoe UI Light" panose="020B0502040204020203" pitchFamily="34" charset="0"/>
+              </a:rPr>
+              <a:t> </a:t>
+            </a:r>
+            <a:r>
+              <a:rPr lang="en-US" sz="1600" dirty="0" err="1">
+                <a:latin typeface="Segoe UI Light" panose="020B0502040204020203" pitchFamily="34" charset="0"/>
+                <a:cs typeface="Segoe UI Light" panose="020B0502040204020203" pitchFamily="34" charset="0"/>
+              </a:rPr>
+              <a:t>lacus</a:t>
+            </a:r>
+            <a:r>
+              <a:rPr lang="en-US" sz="1600" dirty="0">
+                <a:latin typeface="Segoe UI Light" panose="020B0502040204020203" pitchFamily="34" charset="0"/>
+                <a:cs typeface="Segoe UI Light" panose="020B0502040204020203" pitchFamily="34" charset="0"/>
+              </a:rPr>
+              <a:t>. </a:t>
+            </a:r>
+            <a:r>
+              <a:rPr lang="en-US" sz="1600" dirty="0" err="1">
+                <a:latin typeface="Segoe UI Light" panose="020B0502040204020203" pitchFamily="34" charset="0"/>
+                <a:cs typeface="Segoe UI Light" panose="020B0502040204020203" pitchFamily="34" charset="0"/>
+              </a:rPr>
+              <a:t>Phasellus</a:t>
+            </a:r>
+            <a:r>
+              <a:rPr lang="en-US" sz="1600" dirty="0">
+                <a:latin typeface="Segoe UI Light" panose="020B0502040204020203" pitchFamily="34" charset="0"/>
+                <a:cs typeface="Segoe UI Light" panose="020B0502040204020203" pitchFamily="34" charset="0"/>
+              </a:rPr>
+              <a:t> in </a:t>
+            </a:r>
+            <a:r>
+              <a:rPr lang="en-US" sz="1600" dirty="0" err="1">
+                <a:latin typeface="Segoe UI Light" panose="020B0502040204020203" pitchFamily="34" charset="0"/>
+                <a:cs typeface="Segoe UI Light" panose="020B0502040204020203" pitchFamily="34" charset="0"/>
+              </a:rPr>
+              <a:t>erat</a:t>
+            </a:r>
+            <a:r>
+              <a:rPr lang="en-US" sz="1600" dirty="0">
+                <a:latin typeface="Segoe UI Light" panose="020B0502040204020203" pitchFamily="34" charset="0"/>
+                <a:cs typeface="Segoe UI Light" panose="020B0502040204020203" pitchFamily="34" charset="0"/>
+              </a:rPr>
+              <a:t> ac </a:t>
+            </a:r>
+            <a:r>
+              <a:rPr lang="en-US" sz="1600" dirty="0" err="1">
+                <a:latin typeface="Segoe UI Light" panose="020B0502040204020203" pitchFamily="34" charset="0"/>
+                <a:cs typeface="Segoe UI Light" panose="020B0502040204020203" pitchFamily="34" charset="0"/>
+              </a:rPr>
+              <a:t>augue</a:t>
+            </a:r>
+            <a:r>
+              <a:rPr lang="en-US" sz="1600" dirty="0">
+                <a:latin typeface="Segoe UI Light" panose="020B0502040204020203" pitchFamily="34" charset="0"/>
+                <a:cs typeface="Segoe UI Light" panose="020B0502040204020203" pitchFamily="34" charset="0"/>
+              </a:rPr>
+              <a:t> </a:t>
+            </a:r>
+            <a:r>
+              <a:rPr lang="en-US" sz="1600" dirty="0" err="1">
+                <a:latin typeface="Segoe UI Light" panose="020B0502040204020203" pitchFamily="34" charset="0"/>
+                <a:cs typeface="Segoe UI Light" panose="020B0502040204020203" pitchFamily="34" charset="0"/>
+              </a:rPr>
+              <a:t>commodo</a:t>
+            </a:r>
+            <a:r>
+              <a:rPr lang="en-US" sz="1600" dirty="0">
+                <a:latin typeface="Segoe UI Light" panose="020B0502040204020203" pitchFamily="34" charset="0"/>
+                <a:cs typeface="Segoe UI Light" panose="020B0502040204020203" pitchFamily="34" charset="0"/>
+              </a:rPr>
+              <a:t> </a:t>
+            </a:r>
+            <a:r>
+              <a:rPr lang="en-US" sz="1600" dirty="0" err="1">
+                <a:latin typeface="Segoe UI Light" panose="020B0502040204020203" pitchFamily="34" charset="0"/>
+                <a:cs typeface="Segoe UI Light" panose="020B0502040204020203" pitchFamily="34" charset="0"/>
+              </a:rPr>
+              <a:t>pellentesque</a:t>
+            </a:r>
+            <a:r>
+              <a:rPr lang="en-US" sz="1600" dirty="0">
+                <a:latin typeface="Segoe UI Light" panose="020B0502040204020203" pitchFamily="34" charset="0"/>
+                <a:cs typeface="Segoe UI Light" panose="020B0502040204020203" pitchFamily="34" charset="0"/>
+              </a:rPr>
+              <a:t> id et </a:t>
+            </a:r>
+            <a:r>
+              <a:rPr lang="en-US" sz="1600" dirty="0" err="1">
+                <a:latin typeface="Segoe UI Light" panose="020B0502040204020203" pitchFamily="34" charset="0"/>
+                <a:cs typeface="Segoe UI Light" panose="020B0502040204020203" pitchFamily="34" charset="0"/>
+              </a:rPr>
+              <a:t>velit</a:t>
+            </a:r>
+            <a:r>
+              <a:rPr lang="en-US" sz="1600" dirty="0">
+                <a:latin typeface="Segoe UI Light" panose="020B0502040204020203" pitchFamily="34" charset="0"/>
+                <a:cs typeface="Segoe UI Light" panose="020B0502040204020203" pitchFamily="34" charset="0"/>
+              </a:rPr>
+              <a:t>.</a:t>
+            </a:r>
+          </a:p>
+        </p:txBody>
+      </p:sp>
+      <p:pic>
+        <p:nvPicPr>
+          <p:cNvPr id="17" name="Picture 16">
+            <a:extLst>
+              <a:ext uri="{FF2B5EF4-FFF2-40B4-BE49-F238E27FC236}">
+                <a16:creationId xmlns:a16="http://schemas.microsoft.com/office/drawing/2014/main" id="{CE85FDCD-746F-4F0E-8A2D-C82A599F7C35}"/>
+              </a:ext>
+            </a:extLst>
+          </p:cNvPr>
+          <p:cNvPicPr>
+            <a:picLocks noChangeAspect="1"/>
+          </p:cNvPicPr>
+          <p:nvPr/>
+        </p:nvPicPr>
+        <p:blipFill>
+          <a:blip r:embed="rId3">
+            <a:extLst>
+              <a:ext uri="{28A0092B-C50C-407E-A947-70E740481C1C}">
+                <a14:useLocalDpi xmlns:a14="http://schemas.microsoft.com/office/drawing/2010/main" val="0"/>
+              </a:ext>
+            </a:extLst>
+          </a:blip>
+          <a:stretch>
+            <a:fillRect/>
+          </a:stretch>
+        </p:blipFill>
+        <p:spPr>
+          <a:xfrm>
+            <a:off x="5534507" y="1179079"/>
+            <a:ext cx="5999788" cy="4499841"/>
+          </a:xfrm>
+          <a:prstGeom prst="rect">
+            <a:avLst/>
+          </a:prstGeom>
+        </p:spPr>
+      </p:pic>
     </p:spTree>
     <p:extLst>
       <p:ext uri="{BB962C8B-B14F-4D97-AF65-F5344CB8AC3E}">
-        <p14:creationId xmlns:p14="http://schemas.microsoft.com/office/powerpoint/2010/main" val="639917840"/>
+        <p14:creationId xmlns:p14="http://schemas.microsoft.com/office/powerpoint/2010/main" val="2371426012"/>
       </p:ext>
     </p:extLst>
   </p:cSld>
@@ -29384,6 +29082,2031 @@
       </p:grpSpPr>
       <p:pic>
         <p:nvPicPr>
+          <p:cNvPr id="4" name="Picture 3">
+            <a:extLst>
+              <a:ext uri="{FF2B5EF4-FFF2-40B4-BE49-F238E27FC236}">
+                <a16:creationId xmlns:a16="http://schemas.microsoft.com/office/drawing/2014/main" id="{E6371034-1339-4B43-AE7D-A149B9EFD45C}"/>
+              </a:ext>
+            </a:extLst>
+          </p:cNvPr>
+          <p:cNvPicPr>
+            <a:picLocks noChangeAspect="1"/>
+          </p:cNvPicPr>
+          <p:nvPr/>
+        </p:nvPicPr>
+        <p:blipFill>
+          <a:blip r:embed="rId2">
+            <a:extLst>
+              <a:ext uri="{28A0092B-C50C-407E-A947-70E740481C1C}">
+                <a14:useLocalDpi xmlns:a14="http://schemas.microsoft.com/office/drawing/2010/main" val="0"/>
+              </a:ext>
+            </a:extLst>
+          </a:blip>
+          <a:stretch>
+            <a:fillRect/>
+          </a:stretch>
+        </p:blipFill>
+        <p:spPr>
+          <a:xfrm>
+            <a:off x="0" y="0"/>
+            <a:ext cx="12192000" cy="6858000"/>
+          </a:xfrm>
+          <a:prstGeom prst="rect">
+            <a:avLst/>
+          </a:prstGeom>
+        </p:spPr>
+      </p:pic>
+      <p:sp>
+        <p:nvSpPr>
+          <p:cNvPr id="2" name="Title 1">
+            <a:extLst>
+              <a:ext uri="{FF2B5EF4-FFF2-40B4-BE49-F238E27FC236}">
+                <a16:creationId xmlns:a16="http://schemas.microsoft.com/office/drawing/2014/main" id="{0DE26BD9-3178-4532-BF33-58FE331BE190}"/>
+              </a:ext>
+            </a:extLst>
+          </p:cNvPr>
+          <p:cNvSpPr>
+            <a:spLocks noGrp="1"/>
+          </p:cNvSpPr>
+          <p:nvPr>
+            <p:ph type="ctrTitle"/>
+          </p:nvPr>
+        </p:nvSpPr>
+        <p:spPr>
+          <a:xfrm>
+            <a:off x="762000" y="1754909"/>
+            <a:ext cx="4017819" cy="3408217"/>
+          </a:xfrm>
+        </p:spPr>
+        <p:txBody>
+          <a:bodyPr anchor="t">
+            <a:normAutofit/>
+          </a:bodyPr>
+          <a:lstStyle/>
+          <a:p>
+            <a:pPr algn="r">
+              <a:lnSpc>
+                <a:spcPct val="150000"/>
+              </a:lnSpc>
+            </a:pPr>
+            <a:r>
+              <a:rPr lang="en-US" sz="4000" b="1" dirty="0">
+                <a:latin typeface="Segoe UI Light" panose="020B0502040204020203" pitchFamily="34" charset="0"/>
+                <a:cs typeface="Segoe UI Light" panose="020B0502040204020203" pitchFamily="34" charset="0"/>
+              </a:rPr>
+              <a:t>Lorem Ipsum Mia</a:t>
+            </a:r>
+            <a:br>
+              <a:rPr lang="en-US" sz="4000" b="1" dirty="0">
+                <a:latin typeface="Segoe UI Semibold" panose="020B0702040204020203" pitchFamily="34" charset="0"/>
+                <a:cs typeface="Segoe UI Semibold" panose="020B0702040204020203" pitchFamily="34" charset="0"/>
+              </a:rPr>
+            </a:br>
+            <a:r>
+              <a:rPr lang="en-US" sz="4000" b="1" dirty="0">
+                <a:solidFill>
+                  <a:srgbClr val="0041C6"/>
+                </a:solidFill>
+                <a:latin typeface="Segoe UI Semibold" panose="020B0702040204020203" pitchFamily="34" charset="0"/>
+                <a:cs typeface="Segoe UI Semibold" panose="020B0702040204020203" pitchFamily="34" charset="0"/>
+              </a:rPr>
+              <a:t>Dolor Sit </a:t>
+            </a:r>
+            <a:r>
+              <a:rPr lang="en-US" sz="4000" b="1" dirty="0" err="1">
+                <a:solidFill>
+                  <a:srgbClr val="0041C6"/>
+                </a:solidFill>
+                <a:latin typeface="Segoe UI Semibold" panose="020B0702040204020203" pitchFamily="34" charset="0"/>
+                <a:cs typeface="Segoe UI Semibold" panose="020B0702040204020203" pitchFamily="34" charset="0"/>
+              </a:rPr>
+              <a:t>Amet</a:t>
+            </a:r>
+            <a:endParaRPr lang="en-US" sz="4000" b="1" dirty="0">
+              <a:solidFill>
+                <a:srgbClr val="0041C6"/>
+              </a:solidFill>
+              <a:latin typeface="Segoe UI Semibold" panose="020B0702040204020203" pitchFamily="34" charset="0"/>
+              <a:cs typeface="Segoe UI Semibold" panose="020B0702040204020203" pitchFamily="34" charset="0"/>
+            </a:endParaRPr>
+          </a:p>
+        </p:txBody>
+      </p:sp>
+      <p:sp>
+        <p:nvSpPr>
+          <p:cNvPr id="5" name="Footer Placeholder 4">
+            <a:extLst>
+              <a:ext uri="{FF2B5EF4-FFF2-40B4-BE49-F238E27FC236}">
+                <a16:creationId xmlns:a16="http://schemas.microsoft.com/office/drawing/2014/main" id="{A3553ADE-3838-4EDB-9F14-97C75DE2198D}"/>
+              </a:ext>
+            </a:extLst>
+          </p:cNvPr>
+          <p:cNvSpPr>
+            <a:spLocks noGrp="1"/>
+          </p:cNvSpPr>
+          <p:nvPr>
+            <p:ph type="ftr" sz="quarter" idx="11"/>
+          </p:nvPr>
+        </p:nvSpPr>
+        <p:spPr>
+          <a:xfrm>
+            <a:off x="0" y="6483927"/>
+            <a:ext cx="4190999" cy="374073"/>
+          </a:xfrm>
+        </p:spPr>
+        <p:txBody>
+          <a:bodyPr/>
+          <a:lstStyle/>
+          <a:p>
+            <a:pPr algn="l"/>
+            <a:r>
+              <a:rPr lang="en-US" dirty="0" err="1">
+                <a:solidFill>
+                  <a:schemeClr val="tx1"/>
+                </a:solidFill>
+                <a:latin typeface="Segoe UI" panose="020B0502040204020203" pitchFamily="34" charset="0"/>
+                <a:cs typeface="Segoe UI" panose="020B0502040204020203" pitchFamily="34" charset="0"/>
+              </a:rPr>
+              <a:t>Halil</a:t>
+            </a:r>
+            <a:r>
+              <a:rPr lang="en-US" dirty="0">
+                <a:solidFill>
+                  <a:schemeClr val="tx1"/>
+                </a:solidFill>
+                <a:latin typeface="Segoe UI" panose="020B0502040204020203" pitchFamily="34" charset="0"/>
+                <a:cs typeface="Segoe UI" panose="020B0502040204020203" pitchFamily="34" charset="0"/>
+              </a:rPr>
+              <a:t> İbrahim KALKAN | @</a:t>
+            </a:r>
+            <a:r>
+              <a:rPr lang="en-US" dirty="0" err="1">
+                <a:solidFill>
+                  <a:schemeClr val="tx1"/>
+                </a:solidFill>
+                <a:latin typeface="Segoe UI" panose="020B0502040204020203" pitchFamily="34" charset="0"/>
+                <a:cs typeface="Segoe UI" panose="020B0502040204020203" pitchFamily="34" charset="0"/>
+              </a:rPr>
+              <a:t>hikalkan</a:t>
+            </a:r>
+            <a:r>
+              <a:rPr lang="en-US" dirty="0">
+                <a:solidFill>
+                  <a:schemeClr val="tx1"/>
+                </a:solidFill>
+                <a:latin typeface="Segoe UI" panose="020B0502040204020203" pitchFamily="34" charset="0"/>
+                <a:cs typeface="Segoe UI" panose="020B0502040204020203" pitchFamily="34" charset="0"/>
+              </a:rPr>
+              <a:t> | </a:t>
+            </a:r>
+            <a:r>
+              <a:rPr lang="en-US" dirty="0" err="1">
+                <a:solidFill>
+                  <a:schemeClr val="tx1"/>
+                </a:solidFill>
+                <a:latin typeface="Segoe UI" panose="020B0502040204020203" pitchFamily="34" charset="0"/>
+                <a:cs typeface="Segoe UI" panose="020B0502040204020203" pitchFamily="34" charset="0"/>
+              </a:rPr>
+              <a:t>Volosoft</a:t>
+            </a:r>
+            <a:r>
+              <a:rPr lang="en-US" dirty="0">
+                <a:solidFill>
+                  <a:schemeClr val="tx1"/>
+                </a:solidFill>
+                <a:latin typeface="Segoe UI" panose="020B0502040204020203" pitchFamily="34" charset="0"/>
+                <a:cs typeface="Segoe UI" panose="020B0502040204020203" pitchFamily="34" charset="0"/>
+              </a:rPr>
+              <a:t> TM</a:t>
+            </a:r>
+          </a:p>
+        </p:txBody>
+      </p:sp>
+      <p:sp>
+        <p:nvSpPr>
+          <p:cNvPr id="15" name="Subtitle 2">
+            <a:extLst>
+              <a:ext uri="{FF2B5EF4-FFF2-40B4-BE49-F238E27FC236}">
+                <a16:creationId xmlns:a16="http://schemas.microsoft.com/office/drawing/2014/main" id="{20939731-D3B7-4A28-B941-216A5F2FD525}"/>
+              </a:ext>
+            </a:extLst>
+          </p:cNvPr>
+          <p:cNvSpPr txBox="1">
+            <a:spLocks/>
+          </p:cNvSpPr>
+          <p:nvPr/>
+        </p:nvSpPr>
+        <p:spPr>
+          <a:xfrm>
+            <a:off x="5204688" y="1948872"/>
+            <a:ext cx="6022111" cy="4110181"/>
+          </a:xfrm>
+          <a:prstGeom prst="rect">
+            <a:avLst/>
+          </a:prstGeom>
+        </p:spPr>
+        <p:txBody>
+          <a:bodyPr vert="horz" lIns="91440" tIns="45720" rIns="91440" bIns="45720" rtlCol="0" anchor="t">
+            <a:noAutofit/>
+          </a:bodyPr>
+          <a:lstStyle>
+            <a:lvl1pPr marL="0" indent="0" algn="ctr" defTabSz="914400" rtl="0" eaLnBrk="1" latinLnBrk="0" hangingPunct="1">
+              <a:lnSpc>
+                <a:spcPct val="90000"/>
+              </a:lnSpc>
+              <a:spcBef>
+                <a:spcPts val="1000"/>
+              </a:spcBef>
+              <a:buFont typeface="Arial" panose="020B0604020202020204" pitchFamily="34" charset="0"/>
+              <a:buNone/>
+              <a:defRPr sz="2400" kern="1200">
+                <a:solidFill>
+                  <a:schemeClr val="tx1"/>
+                </a:solidFill>
+                <a:latin typeface="+mn-lt"/>
+                <a:ea typeface="+mn-ea"/>
+                <a:cs typeface="+mn-cs"/>
+              </a:defRPr>
+            </a:lvl1pPr>
+            <a:lvl2pPr marL="457200" indent="0" algn="ctr" defTabSz="914400" rtl="0" eaLnBrk="1" latinLnBrk="0" hangingPunct="1">
+              <a:lnSpc>
+                <a:spcPct val="90000"/>
+              </a:lnSpc>
+              <a:spcBef>
+                <a:spcPts val="500"/>
+              </a:spcBef>
+              <a:buFont typeface="Arial" panose="020B0604020202020204" pitchFamily="34" charset="0"/>
+              <a:buNone/>
+              <a:defRPr sz="2000" kern="1200">
+                <a:solidFill>
+                  <a:schemeClr val="tx1"/>
+                </a:solidFill>
+                <a:latin typeface="+mn-lt"/>
+                <a:ea typeface="+mn-ea"/>
+                <a:cs typeface="+mn-cs"/>
+              </a:defRPr>
+            </a:lvl2pPr>
+            <a:lvl3pPr marL="914400" indent="0" algn="ctr" defTabSz="914400" rtl="0" eaLnBrk="1" latinLnBrk="0" hangingPunct="1">
+              <a:lnSpc>
+                <a:spcPct val="90000"/>
+              </a:lnSpc>
+              <a:spcBef>
+                <a:spcPts val="500"/>
+              </a:spcBef>
+              <a:buFont typeface="Arial" panose="020B0604020202020204" pitchFamily="34" charset="0"/>
+              <a:buNone/>
+              <a:defRPr sz="1800" kern="1200">
+                <a:solidFill>
+                  <a:schemeClr val="tx1"/>
+                </a:solidFill>
+                <a:latin typeface="+mn-lt"/>
+                <a:ea typeface="+mn-ea"/>
+                <a:cs typeface="+mn-cs"/>
+              </a:defRPr>
+            </a:lvl3pPr>
+            <a:lvl4pPr marL="1371600" indent="0" algn="ctr" defTabSz="914400" rtl="0" eaLnBrk="1" latinLnBrk="0" hangingPunct="1">
+              <a:lnSpc>
+                <a:spcPct val="90000"/>
+              </a:lnSpc>
+              <a:spcBef>
+                <a:spcPts val="500"/>
+              </a:spcBef>
+              <a:buFont typeface="Arial" panose="020B0604020202020204" pitchFamily="34" charset="0"/>
+              <a:buNone/>
+              <a:defRPr sz="1600" kern="1200">
+                <a:solidFill>
+                  <a:schemeClr val="tx1"/>
+                </a:solidFill>
+                <a:latin typeface="+mn-lt"/>
+                <a:ea typeface="+mn-ea"/>
+                <a:cs typeface="+mn-cs"/>
+              </a:defRPr>
+            </a:lvl4pPr>
+            <a:lvl5pPr marL="1828800" indent="0" algn="ctr" defTabSz="914400" rtl="0" eaLnBrk="1" latinLnBrk="0" hangingPunct="1">
+              <a:lnSpc>
+                <a:spcPct val="90000"/>
+              </a:lnSpc>
+              <a:spcBef>
+                <a:spcPts val="500"/>
+              </a:spcBef>
+              <a:buFont typeface="Arial" panose="020B0604020202020204" pitchFamily="34" charset="0"/>
+              <a:buNone/>
+              <a:defRPr sz="1600" kern="1200">
+                <a:solidFill>
+                  <a:schemeClr val="tx1"/>
+                </a:solidFill>
+                <a:latin typeface="+mn-lt"/>
+                <a:ea typeface="+mn-ea"/>
+                <a:cs typeface="+mn-cs"/>
+              </a:defRPr>
+            </a:lvl5pPr>
+            <a:lvl6pPr marL="2286000" indent="0" algn="ctr" defTabSz="914400" rtl="0" eaLnBrk="1" latinLnBrk="0" hangingPunct="1">
+              <a:lnSpc>
+                <a:spcPct val="90000"/>
+              </a:lnSpc>
+              <a:spcBef>
+                <a:spcPts val="500"/>
+              </a:spcBef>
+              <a:buFont typeface="Arial" panose="020B0604020202020204" pitchFamily="34" charset="0"/>
+              <a:buNone/>
+              <a:defRPr sz="1600" kern="1200">
+                <a:solidFill>
+                  <a:schemeClr val="tx1"/>
+                </a:solidFill>
+                <a:latin typeface="+mn-lt"/>
+                <a:ea typeface="+mn-ea"/>
+                <a:cs typeface="+mn-cs"/>
+              </a:defRPr>
+            </a:lvl6pPr>
+            <a:lvl7pPr marL="2743200" indent="0" algn="ctr" defTabSz="914400" rtl="0" eaLnBrk="1" latinLnBrk="0" hangingPunct="1">
+              <a:lnSpc>
+                <a:spcPct val="90000"/>
+              </a:lnSpc>
+              <a:spcBef>
+                <a:spcPts val="500"/>
+              </a:spcBef>
+              <a:buFont typeface="Arial" panose="020B0604020202020204" pitchFamily="34" charset="0"/>
+              <a:buNone/>
+              <a:defRPr sz="1600" kern="1200">
+                <a:solidFill>
+                  <a:schemeClr val="tx1"/>
+                </a:solidFill>
+                <a:latin typeface="+mn-lt"/>
+                <a:ea typeface="+mn-ea"/>
+                <a:cs typeface="+mn-cs"/>
+              </a:defRPr>
+            </a:lvl7pPr>
+            <a:lvl8pPr marL="3200400" indent="0" algn="ctr" defTabSz="914400" rtl="0" eaLnBrk="1" latinLnBrk="0" hangingPunct="1">
+              <a:lnSpc>
+                <a:spcPct val="90000"/>
+              </a:lnSpc>
+              <a:spcBef>
+                <a:spcPts val="500"/>
+              </a:spcBef>
+              <a:buFont typeface="Arial" panose="020B0604020202020204" pitchFamily="34" charset="0"/>
+              <a:buNone/>
+              <a:defRPr sz="1600" kern="1200">
+                <a:solidFill>
+                  <a:schemeClr val="tx1"/>
+                </a:solidFill>
+                <a:latin typeface="+mn-lt"/>
+                <a:ea typeface="+mn-ea"/>
+                <a:cs typeface="+mn-cs"/>
+              </a:defRPr>
+            </a:lvl8pPr>
+            <a:lvl9pPr marL="3657600" indent="0" algn="ctr" defTabSz="914400" rtl="0" eaLnBrk="1" latinLnBrk="0" hangingPunct="1">
+              <a:lnSpc>
+                <a:spcPct val="90000"/>
+              </a:lnSpc>
+              <a:spcBef>
+                <a:spcPts val="500"/>
+              </a:spcBef>
+              <a:buFont typeface="Arial" panose="020B0604020202020204" pitchFamily="34" charset="0"/>
+              <a:buNone/>
+              <a:defRPr sz="1600" kern="1200">
+                <a:solidFill>
+                  <a:schemeClr val="tx1"/>
+                </a:solidFill>
+                <a:latin typeface="+mn-lt"/>
+                <a:ea typeface="+mn-ea"/>
+                <a:cs typeface="+mn-cs"/>
+              </a:defRPr>
+            </a:lvl9pPr>
+          </a:lstStyle>
+          <a:p>
+            <a:pPr algn="l">
+              <a:lnSpc>
+                <a:spcPct val="150000"/>
+              </a:lnSpc>
+            </a:pPr>
+            <a:r>
+              <a:rPr lang="en-US" sz="1600" dirty="0">
+                <a:latin typeface="Segoe UI Light" panose="020B0502040204020203" pitchFamily="34" charset="0"/>
+                <a:cs typeface="Segoe UI Light" panose="020B0502040204020203" pitchFamily="34" charset="0"/>
+              </a:rPr>
+              <a:t>Lorem ipsum dolor sit </a:t>
+            </a:r>
+            <a:r>
+              <a:rPr lang="en-US" sz="1600" dirty="0" err="1">
+                <a:latin typeface="Segoe UI Light" panose="020B0502040204020203" pitchFamily="34" charset="0"/>
+                <a:cs typeface="Segoe UI Light" panose="020B0502040204020203" pitchFamily="34" charset="0"/>
+              </a:rPr>
+              <a:t>amet</a:t>
+            </a:r>
+            <a:r>
+              <a:rPr lang="en-US" sz="1600" dirty="0">
+                <a:latin typeface="Segoe UI Light" panose="020B0502040204020203" pitchFamily="34" charset="0"/>
+                <a:cs typeface="Segoe UI Light" panose="020B0502040204020203" pitchFamily="34" charset="0"/>
+              </a:rPr>
+              <a:t>, </a:t>
+            </a:r>
+            <a:r>
+              <a:rPr lang="en-US" sz="1600" dirty="0" err="1">
+                <a:latin typeface="Segoe UI Light" panose="020B0502040204020203" pitchFamily="34" charset="0"/>
+                <a:cs typeface="Segoe UI Light" panose="020B0502040204020203" pitchFamily="34" charset="0"/>
+              </a:rPr>
+              <a:t>consectetur</a:t>
+            </a:r>
+            <a:r>
+              <a:rPr lang="en-US" sz="1600" dirty="0">
+                <a:latin typeface="Segoe UI Light" panose="020B0502040204020203" pitchFamily="34" charset="0"/>
+                <a:cs typeface="Segoe UI Light" panose="020B0502040204020203" pitchFamily="34" charset="0"/>
+              </a:rPr>
+              <a:t> </a:t>
+            </a:r>
+            <a:r>
+              <a:rPr lang="en-US" sz="1600" dirty="0" err="1">
+                <a:latin typeface="Segoe UI Light" panose="020B0502040204020203" pitchFamily="34" charset="0"/>
+                <a:cs typeface="Segoe UI Light" panose="020B0502040204020203" pitchFamily="34" charset="0"/>
+              </a:rPr>
+              <a:t>adipiscing</a:t>
+            </a:r>
+            <a:r>
+              <a:rPr lang="en-US" sz="1600" dirty="0">
+                <a:latin typeface="Segoe UI Light" panose="020B0502040204020203" pitchFamily="34" charset="0"/>
+                <a:cs typeface="Segoe UI Light" panose="020B0502040204020203" pitchFamily="34" charset="0"/>
+              </a:rPr>
+              <a:t> </a:t>
+            </a:r>
+            <a:r>
+              <a:rPr lang="en-US" sz="1600" dirty="0" err="1">
+                <a:latin typeface="Segoe UI Light" panose="020B0502040204020203" pitchFamily="34" charset="0"/>
+                <a:cs typeface="Segoe UI Light" panose="020B0502040204020203" pitchFamily="34" charset="0"/>
+              </a:rPr>
+              <a:t>elit</a:t>
+            </a:r>
+            <a:r>
+              <a:rPr lang="en-US" sz="1600" dirty="0">
+                <a:latin typeface="Segoe UI Light" panose="020B0502040204020203" pitchFamily="34" charset="0"/>
+                <a:cs typeface="Segoe UI Light" panose="020B0502040204020203" pitchFamily="34" charset="0"/>
+              </a:rPr>
+              <a:t>. </a:t>
+            </a:r>
+            <a:r>
+              <a:rPr lang="en-US" sz="1600" dirty="0" err="1">
+                <a:latin typeface="Segoe UI Light" panose="020B0502040204020203" pitchFamily="34" charset="0"/>
+                <a:cs typeface="Segoe UI Light" panose="020B0502040204020203" pitchFamily="34" charset="0"/>
+              </a:rPr>
+              <a:t>Aliquam</a:t>
+            </a:r>
+            <a:r>
+              <a:rPr lang="en-US" sz="1600" dirty="0">
+                <a:latin typeface="Segoe UI Light" panose="020B0502040204020203" pitchFamily="34" charset="0"/>
+                <a:cs typeface="Segoe UI Light" panose="020B0502040204020203" pitchFamily="34" charset="0"/>
+              </a:rPr>
+              <a:t> </a:t>
+            </a:r>
+            <a:r>
+              <a:rPr lang="en-US" sz="1600" dirty="0" err="1">
+                <a:latin typeface="Segoe UI Light" panose="020B0502040204020203" pitchFamily="34" charset="0"/>
+                <a:cs typeface="Segoe UI Light" panose="020B0502040204020203" pitchFamily="34" charset="0"/>
+              </a:rPr>
+              <a:t>eleifend</a:t>
+            </a:r>
+            <a:r>
+              <a:rPr lang="en-US" sz="1600" dirty="0">
+                <a:latin typeface="Segoe UI Light" panose="020B0502040204020203" pitchFamily="34" charset="0"/>
+                <a:cs typeface="Segoe UI Light" panose="020B0502040204020203" pitchFamily="34" charset="0"/>
+              </a:rPr>
+              <a:t> </a:t>
+            </a:r>
+            <a:r>
+              <a:rPr lang="en-US" sz="1600" dirty="0" err="1">
+                <a:latin typeface="Segoe UI Light" panose="020B0502040204020203" pitchFamily="34" charset="0"/>
+                <a:cs typeface="Segoe UI Light" panose="020B0502040204020203" pitchFamily="34" charset="0"/>
+              </a:rPr>
+              <a:t>eget</a:t>
+            </a:r>
+            <a:r>
+              <a:rPr lang="en-US" sz="1600" dirty="0">
+                <a:latin typeface="Segoe UI Light" panose="020B0502040204020203" pitchFamily="34" charset="0"/>
+                <a:cs typeface="Segoe UI Light" panose="020B0502040204020203" pitchFamily="34" charset="0"/>
+              </a:rPr>
+              <a:t> </a:t>
+            </a:r>
+            <a:r>
+              <a:rPr lang="en-US" sz="1600" dirty="0" err="1">
+                <a:latin typeface="Segoe UI Light" panose="020B0502040204020203" pitchFamily="34" charset="0"/>
+                <a:cs typeface="Segoe UI Light" panose="020B0502040204020203" pitchFamily="34" charset="0"/>
+              </a:rPr>
+              <a:t>tellus</a:t>
+            </a:r>
+            <a:r>
+              <a:rPr lang="en-US" sz="1600" dirty="0">
+                <a:latin typeface="Segoe UI Light" panose="020B0502040204020203" pitchFamily="34" charset="0"/>
+                <a:cs typeface="Segoe UI Light" panose="020B0502040204020203" pitchFamily="34" charset="0"/>
+              </a:rPr>
+              <a:t> </a:t>
+            </a:r>
+            <a:r>
+              <a:rPr lang="en-US" sz="1600" dirty="0" err="1">
+                <a:latin typeface="Segoe UI Light" panose="020B0502040204020203" pitchFamily="34" charset="0"/>
+                <a:cs typeface="Segoe UI Light" panose="020B0502040204020203" pitchFamily="34" charset="0"/>
+              </a:rPr>
+              <a:t>eget</a:t>
+            </a:r>
+            <a:r>
+              <a:rPr lang="en-US" sz="1600" dirty="0">
+                <a:latin typeface="Segoe UI Light" panose="020B0502040204020203" pitchFamily="34" charset="0"/>
+                <a:cs typeface="Segoe UI Light" panose="020B0502040204020203" pitchFamily="34" charset="0"/>
+              </a:rPr>
+              <a:t> </a:t>
+            </a:r>
+            <a:r>
+              <a:rPr lang="en-US" sz="1600" dirty="0" err="1">
+                <a:latin typeface="Segoe UI Light" panose="020B0502040204020203" pitchFamily="34" charset="0"/>
+                <a:cs typeface="Segoe UI Light" panose="020B0502040204020203" pitchFamily="34" charset="0"/>
+              </a:rPr>
+              <a:t>sodales</a:t>
+            </a:r>
+            <a:r>
+              <a:rPr lang="en-US" sz="1600" dirty="0">
+                <a:latin typeface="Segoe UI Light" panose="020B0502040204020203" pitchFamily="34" charset="0"/>
+                <a:cs typeface="Segoe UI Light" panose="020B0502040204020203" pitchFamily="34" charset="0"/>
+              </a:rPr>
+              <a:t>. </a:t>
+            </a:r>
+            <a:r>
+              <a:rPr lang="en-US" sz="1600" dirty="0" err="1">
+                <a:latin typeface="Segoe UI Light" panose="020B0502040204020203" pitchFamily="34" charset="0"/>
+                <a:cs typeface="Segoe UI Light" panose="020B0502040204020203" pitchFamily="34" charset="0"/>
+              </a:rPr>
+              <a:t>Donec</a:t>
+            </a:r>
+            <a:r>
+              <a:rPr lang="en-US" sz="1600" dirty="0">
+                <a:latin typeface="Segoe UI Light" panose="020B0502040204020203" pitchFamily="34" charset="0"/>
+                <a:cs typeface="Segoe UI Light" panose="020B0502040204020203" pitchFamily="34" charset="0"/>
+              </a:rPr>
+              <a:t> a </a:t>
+            </a:r>
+            <a:r>
+              <a:rPr lang="en-US" sz="1600" dirty="0" err="1">
+                <a:latin typeface="Segoe UI Light" panose="020B0502040204020203" pitchFamily="34" charset="0"/>
+                <a:cs typeface="Segoe UI Light" panose="020B0502040204020203" pitchFamily="34" charset="0"/>
+              </a:rPr>
+              <a:t>facilisis</a:t>
+            </a:r>
+            <a:r>
+              <a:rPr lang="en-US" sz="1600" dirty="0">
+                <a:latin typeface="Segoe UI Light" panose="020B0502040204020203" pitchFamily="34" charset="0"/>
+                <a:cs typeface="Segoe UI Light" panose="020B0502040204020203" pitchFamily="34" charset="0"/>
+              </a:rPr>
+              <a:t> ipsum, a </a:t>
+            </a:r>
+            <a:r>
+              <a:rPr lang="en-US" sz="1600" dirty="0" err="1">
+                <a:latin typeface="Segoe UI Light" panose="020B0502040204020203" pitchFamily="34" charset="0"/>
+                <a:cs typeface="Segoe UI Light" panose="020B0502040204020203" pitchFamily="34" charset="0"/>
+              </a:rPr>
+              <a:t>ultricies</a:t>
+            </a:r>
+            <a:r>
+              <a:rPr lang="en-US" sz="1600" dirty="0">
+                <a:latin typeface="Segoe UI Light" panose="020B0502040204020203" pitchFamily="34" charset="0"/>
+                <a:cs typeface="Segoe UI Light" panose="020B0502040204020203" pitchFamily="34" charset="0"/>
+              </a:rPr>
+              <a:t> </a:t>
+            </a:r>
+            <a:r>
+              <a:rPr lang="en-US" sz="1600" dirty="0" err="1">
+                <a:latin typeface="Segoe UI Light" panose="020B0502040204020203" pitchFamily="34" charset="0"/>
+                <a:cs typeface="Segoe UI Light" panose="020B0502040204020203" pitchFamily="34" charset="0"/>
+              </a:rPr>
+              <a:t>lacus</a:t>
+            </a:r>
+            <a:r>
+              <a:rPr lang="en-US" sz="1600" dirty="0">
+                <a:latin typeface="Segoe UI Light" panose="020B0502040204020203" pitchFamily="34" charset="0"/>
+                <a:cs typeface="Segoe UI Light" panose="020B0502040204020203" pitchFamily="34" charset="0"/>
+              </a:rPr>
+              <a:t>. </a:t>
+            </a:r>
+            <a:r>
+              <a:rPr lang="en-US" sz="1600" dirty="0" err="1">
+                <a:latin typeface="Segoe UI Light" panose="020B0502040204020203" pitchFamily="34" charset="0"/>
+                <a:cs typeface="Segoe UI Light" panose="020B0502040204020203" pitchFamily="34" charset="0"/>
+              </a:rPr>
+              <a:t>Phasellus</a:t>
+            </a:r>
+            <a:r>
+              <a:rPr lang="en-US" sz="1600" dirty="0">
+                <a:latin typeface="Segoe UI Light" panose="020B0502040204020203" pitchFamily="34" charset="0"/>
+                <a:cs typeface="Segoe UI Light" panose="020B0502040204020203" pitchFamily="34" charset="0"/>
+              </a:rPr>
+              <a:t> in </a:t>
+            </a:r>
+            <a:r>
+              <a:rPr lang="en-US" sz="1600" dirty="0" err="1">
+                <a:latin typeface="Segoe UI Light" panose="020B0502040204020203" pitchFamily="34" charset="0"/>
+                <a:cs typeface="Segoe UI Light" panose="020B0502040204020203" pitchFamily="34" charset="0"/>
+              </a:rPr>
+              <a:t>erat</a:t>
+            </a:r>
+            <a:r>
+              <a:rPr lang="en-US" sz="1600" dirty="0">
+                <a:latin typeface="Segoe UI Light" panose="020B0502040204020203" pitchFamily="34" charset="0"/>
+                <a:cs typeface="Segoe UI Light" panose="020B0502040204020203" pitchFamily="34" charset="0"/>
+              </a:rPr>
+              <a:t> ac </a:t>
+            </a:r>
+            <a:r>
+              <a:rPr lang="en-US" sz="1600" dirty="0" err="1">
+                <a:latin typeface="Segoe UI Light" panose="020B0502040204020203" pitchFamily="34" charset="0"/>
+                <a:cs typeface="Segoe UI Light" panose="020B0502040204020203" pitchFamily="34" charset="0"/>
+              </a:rPr>
+              <a:t>augue</a:t>
+            </a:r>
+            <a:r>
+              <a:rPr lang="en-US" sz="1600" dirty="0">
+                <a:latin typeface="Segoe UI Light" panose="020B0502040204020203" pitchFamily="34" charset="0"/>
+                <a:cs typeface="Segoe UI Light" panose="020B0502040204020203" pitchFamily="34" charset="0"/>
+              </a:rPr>
+              <a:t> </a:t>
+            </a:r>
+            <a:r>
+              <a:rPr lang="en-US" sz="1600" dirty="0" err="1">
+                <a:latin typeface="Segoe UI Light" panose="020B0502040204020203" pitchFamily="34" charset="0"/>
+                <a:cs typeface="Segoe UI Light" panose="020B0502040204020203" pitchFamily="34" charset="0"/>
+              </a:rPr>
+              <a:t>commodo</a:t>
+            </a:r>
+            <a:r>
+              <a:rPr lang="en-US" sz="1600" dirty="0">
+                <a:latin typeface="Segoe UI Light" panose="020B0502040204020203" pitchFamily="34" charset="0"/>
+                <a:cs typeface="Segoe UI Light" panose="020B0502040204020203" pitchFamily="34" charset="0"/>
+              </a:rPr>
+              <a:t> </a:t>
+            </a:r>
+            <a:r>
+              <a:rPr lang="en-US" sz="1600" dirty="0" err="1">
+                <a:latin typeface="Segoe UI Light" panose="020B0502040204020203" pitchFamily="34" charset="0"/>
+                <a:cs typeface="Segoe UI Light" panose="020B0502040204020203" pitchFamily="34" charset="0"/>
+              </a:rPr>
+              <a:t>pellentesque</a:t>
+            </a:r>
+            <a:r>
+              <a:rPr lang="en-US" sz="1600" dirty="0">
+                <a:latin typeface="Segoe UI Light" panose="020B0502040204020203" pitchFamily="34" charset="0"/>
+                <a:cs typeface="Segoe UI Light" panose="020B0502040204020203" pitchFamily="34" charset="0"/>
+              </a:rPr>
+              <a:t> id et </a:t>
+            </a:r>
+            <a:r>
+              <a:rPr lang="en-US" sz="1600" dirty="0" err="1">
+                <a:latin typeface="Segoe UI Light" panose="020B0502040204020203" pitchFamily="34" charset="0"/>
+                <a:cs typeface="Segoe UI Light" panose="020B0502040204020203" pitchFamily="34" charset="0"/>
+              </a:rPr>
+              <a:t>velit</a:t>
+            </a:r>
+            <a:r>
+              <a:rPr lang="en-US" sz="1600" dirty="0">
+                <a:latin typeface="Segoe UI Light" panose="020B0502040204020203" pitchFamily="34" charset="0"/>
+                <a:cs typeface="Segoe UI Light" panose="020B0502040204020203" pitchFamily="34" charset="0"/>
+              </a:rPr>
+              <a:t>.</a:t>
+            </a:r>
+          </a:p>
+          <a:p>
+            <a:pPr algn="l">
+              <a:lnSpc>
+                <a:spcPct val="150000"/>
+              </a:lnSpc>
+            </a:pPr>
+            <a:r>
+              <a:rPr lang="en-US" sz="1600" dirty="0" err="1">
+                <a:latin typeface="Segoe UI Light" panose="020B0502040204020203" pitchFamily="34" charset="0"/>
+                <a:cs typeface="Segoe UI Light" panose="020B0502040204020203" pitchFamily="34" charset="0"/>
+              </a:rPr>
+              <a:t>Facilisis</a:t>
+            </a:r>
+            <a:r>
+              <a:rPr lang="en-US" sz="1600" dirty="0">
+                <a:latin typeface="Segoe UI Light" panose="020B0502040204020203" pitchFamily="34" charset="0"/>
+                <a:cs typeface="Segoe UI Light" panose="020B0502040204020203" pitchFamily="34" charset="0"/>
+              </a:rPr>
+              <a:t> ipsum, a </a:t>
+            </a:r>
+            <a:r>
+              <a:rPr lang="en-US" sz="1600" dirty="0" err="1">
+                <a:latin typeface="Segoe UI Light" panose="020B0502040204020203" pitchFamily="34" charset="0"/>
+                <a:cs typeface="Segoe UI Light" panose="020B0502040204020203" pitchFamily="34" charset="0"/>
+              </a:rPr>
+              <a:t>ultr</a:t>
+            </a:r>
+            <a:r>
+              <a:rPr lang="en-US" sz="1600" dirty="0">
+                <a:latin typeface="Segoe UI Light" panose="020B0502040204020203" pitchFamily="34" charset="0"/>
+                <a:cs typeface="Segoe UI Light" panose="020B0502040204020203" pitchFamily="34" charset="0"/>
+              </a:rPr>
+              <a:t> dolor sit </a:t>
+            </a:r>
+            <a:r>
+              <a:rPr lang="en-US" sz="1600" dirty="0" err="1">
+                <a:latin typeface="Segoe UI Light" panose="020B0502040204020203" pitchFamily="34" charset="0"/>
+                <a:cs typeface="Segoe UI Light" panose="020B0502040204020203" pitchFamily="34" charset="0"/>
+              </a:rPr>
+              <a:t>amet</a:t>
+            </a:r>
+            <a:r>
+              <a:rPr lang="en-US" sz="1600" dirty="0">
+                <a:latin typeface="Segoe UI Light" panose="020B0502040204020203" pitchFamily="34" charset="0"/>
+                <a:cs typeface="Segoe UI Light" panose="020B0502040204020203" pitchFamily="34" charset="0"/>
+              </a:rPr>
+              <a:t>, </a:t>
+            </a:r>
+            <a:r>
+              <a:rPr lang="en-US" sz="1600" dirty="0" err="1">
+                <a:latin typeface="Segoe UI Light" panose="020B0502040204020203" pitchFamily="34" charset="0"/>
+                <a:cs typeface="Segoe UI Light" panose="020B0502040204020203" pitchFamily="34" charset="0"/>
+              </a:rPr>
+              <a:t>consectetur</a:t>
+            </a:r>
+            <a:r>
+              <a:rPr lang="en-US" sz="1600" dirty="0">
+                <a:latin typeface="Segoe UI Light" panose="020B0502040204020203" pitchFamily="34" charset="0"/>
+                <a:cs typeface="Segoe UI Light" panose="020B0502040204020203" pitchFamily="34" charset="0"/>
+              </a:rPr>
+              <a:t> </a:t>
+            </a:r>
+            <a:r>
+              <a:rPr lang="en-US" sz="1600" dirty="0" err="1">
+                <a:latin typeface="Segoe UI Light" panose="020B0502040204020203" pitchFamily="34" charset="0"/>
+                <a:cs typeface="Segoe UI Light" panose="020B0502040204020203" pitchFamily="34" charset="0"/>
+              </a:rPr>
+              <a:t>adipiscing</a:t>
+            </a:r>
+            <a:r>
+              <a:rPr lang="en-US" sz="1600" dirty="0">
+                <a:latin typeface="Segoe UI Light" panose="020B0502040204020203" pitchFamily="34" charset="0"/>
+                <a:cs typeface="Segoe UI Light" panose="020B0502040204020203" pitchFamily="34" charset="0"/>
+              </a:rPr>
+              <a:t> </a:t>
+            </a:r>
+            <a:r>
+              <a:rPr lang="en-US" sz="1600" dirty="0" err="1">
+                <a:latin typeface="Segoe UI Light" panose="020B0502040204020203" pitchFamily="34" charset="0"/>
+                <a:cs typeface="Segoe UI Light" panose="020B0502040204020203" pitchFamily="34" charset="0"/>
+              </a:rPr>
+              <a:t>elit</a:t>
+            </a:r>
+            <a:r>
+              <a:rPr lang="en-US" sz="1600" dirty="0">
+                <a:latin typeface="Segoe UI Light" panose="020B0502040204020203" pitchFamily="34" charset="0"/>
+                <a:cs typeface="Segoe UI Light" panose="020B0502040204020203" pitchFamily="34" charset="0"/>
+              </a:rPr>
+              <a:t>. </a:t>
+            </a:r>
+            <a:r>
+              <a:rPr lang="en-US" sz="1600" dirty="0" err="1">
+                <a:latin typeface="Segoe UI Light" panose="020B0502040204020203" pitchFamily="34" charset="0"/>
+                <a:cs typeface="Segoe UI Light" panose="020B0502040204020203" pitchFamily="34" charset="0"/>
+              </a:rPr>
+              <a:t>Aliquam</a:t>
+            </a:r>
+            <a:r>
+              <a:rPr lang="en-US" sz="1600" dirty="0">
+                <a:latin typeface="Segoe UI Light" panose="020B0502040204020203" pitchFamily="34" charset="0"/>
+                <a:cs typeface="Segoe UI Light" panose="020B0502040204020203" pitchFamily="34" charset="0"/>
+              </a:rPr>
+              <a:t> </a:t>
+            </a:r>
+            <a:r>
+              <a:rPr lang="en-US" sz="1600" dirty="0" err="1">
+                <a:latin typeface="Segoe UI Light" panose="020B0502040204020203" pitchFamily="34" charset="0"/>
+                <a:cs typeface="Segoe UI Light" panose="020B0502040204020203" pitchFamily="34" charset="0"/>
+              </a:rPr>
+              <a:t>icies</a:t>
+            </a:r>
+            <a:r>
+              <a:rPr lang="en-US" sz="1600" dirty="0">
+                <a:latin typeface="Segoe UI Light" panose="020B0502040204020203" pitchFamily="34" charset="0"/>
+                <a:cs typeface="Segoe UI Light" panose="020B0502040204020203" pitchFamily="34" charset="0"/>
+              </a:rPr>
+              <a:t> </a:t>
+            </a:r>
+            <a:r>
+              <a:rPr lang="en-US" sz="1600" dirty="0" err="1">
+                <a:latin typeface="Segoe UI Light" panose="020B0502040204020203" pitchFamily="34" charset="0"/>
+                <a:cs typeface="Segoe UI Light" panose="020B0502040204020203" pitchFamily="34" charset="0"/>
+              </a:rPr>
+              <a:t>lacus</a:t>
+            </a:r>
+            <a:r>
+              <a:rPr lang="en-US" sz="1600" dirty="0">
+                <a:latin typeface="Segoe UI Light" panose="020B0502040204020203" pitchFamily="34" charset="0"/>
+                <a:cs typeface="Segoe UI Light" panose="020B0502040204020203" pitchFamily="34" charset="0"/>
+              </a:rPr>
+              <a:t>. </a:t>
+            </a:r>
+            <a:r>
+              <a:rPr lang="en-US" sz="1600" dirty="0" err="1">
+                <a:latin typeface="Segoe UI Light" panose="020B0502040204020203" pitchFamily="34" charset="0"/>
+                <a:cs typeface="Segoe UI Light" panose="020B0502040204020203" pitchFamily="34" charset="0"/>
+              </a:rPr>
+              <a:t>Phasellus</a:t>
+            </a:r>
+            <a:r>
+              <a:rPr lang="en-US" sz="1600" dirty="0">
+                <a:latin typeface="Segoe UI Light" panose="020B0502040204020203" pitchFamily="34" charset="0"/>
+                <a:cs typeface="Segoe UI Light" panose="020B0502040204020203" pitchFamily="34" charset="0"/>
+              </a:rPr>
+              <a:t> in </a:t>
+            </a:r>
+            <a:r>
+              <a:rPr lang="en-US" sz="1600" dirty="0" err="1">
+                <a:latin typeface="Segoe UI Light" panose="020B0502040204020203" pitchFamily="34" charset="0"/>
+                <a:cs typeface="Segoe UI Light" panose="020B0502040204020203" pitchFamily="34" charset="0"/>
+              </a:rPr>
+              <a:t>erat</a:t>
+            </a:r>
+            <a:r>
+              <a:rPr lang="en-US" sz="1600" dirty="0">
+                <a:latin typeface="Segoe UI Light" panose="020B0502040204020203" pitchFamily="34" charset="0"/>
+                <a:cs typeface="Segoe UI Light" panose="020B0502040204020203" pitchFamily="34" charset="0"/>
+              </a:rPr>
+              <a:t> ac </a:t>
+            </a:r>
+            <a:r>
+              <a:rPr lang="en-US" sz="1600" dirty="0" err="1">
+                <a:latin typeface="Segoe UI Light" panose="020B0502040204020203" pitchFamily="34" charset="0"/>
+                <a:cs typeface="Segoe UI Light" panose="020B0502040204020203" pitchFamily="34" charset="0"/>
+              </a:rPr>
+              <a:t>augue</a:t>
+            </a:r>
+            <a:r>
+              <a:rPr lang="en-US" sz="1600" dirty="0">
+                <a:latin typeface="Segoe UI Light" panose="020B0502040204020203" pitchFamily="34" charset="0"/>
+                <a:cs typeface="Segoe UI Light" panose="020B0502040204020203" pitchFamily="34" charset="0"/>
+              </a:rPr>
+              <a:t> </a:t>
+            </a:r>
+            <a:r>
+              <a:rPr lang="en-US" sz="1600" dirty="0" err="1">
+                <a:latin typeface="Segoe UI Light" panose="020B0502040204020203" pitchFamily="34" charset="0"/>
+                <a:cs typeface="Segoe UI Light" panose="020B0502040204020203" pitchFamily="34" charset="0"/>
+              </a:rPr>
+              <a:t>commodo</a:t>
+            </a:r>
+            <a:r>
+              <a:rPr lang="en-US" sz="1600" dirty="0">
+                <a:latin typeface="Segoe UI Light" panose="020B0502040204020203" pitchFamily="34" charset="0"/>
+                <a:cs typeface="Segoe UI Light" panose="020B0502040204020203" pitchFamily="34" charset="0"/>
+              </a:rPr>
+              <a:t> </a:t>
+            </a:r>
+            <a:r>
+              <a:rPr lang="en-US" sz="1600" dirty="0" err="1">
+                <a:latin typeface="Segoe UI Light" panose="020B0502040204020203" pitchFamily="34" charset="0"/>
+                <a:cs typeface="Segoe UI Light" panose="020B0502040204020203" pitchFamily="34" charset="0"/>
+              </a:rPr>
+              <a:t>pellentesque</a:t>
+            </a:r>
+            <a:r>
+              <a:rPr lang="en-US" sz="1600" dirty="0">
+                <a:latin typeface="Segoe UI Light" panose="020B0502040204020203" pitchFamily="34" charset="0"/>
+                <a:cs typeface="Segoe UI Light" panose="020B0502040204020203" pitchFamily="34" charset="0"/>
+              </a:rPr>
+              <a:t> id et </a:t>
+            </a:r>
+            <a:r>
+              <a:rPr lang="en-US" sz="1600" dirty="0" err="1">
+                <a:latin typeface="Segoe UI Light" panose="020B0502040204020203" pitchFamily="34" charset="0"/>
+                <a:cs typeface="Segoe UI Light" panose="020B0502040204020203" pitchFamily="34" charset="0"/>
+              </a:rPr>
+              <a:t>velit</a:t>
+            </a:r>
+            <a:r>
+              <a:rPr lang="en-US" sz="1600" dirty="0">
+                <a:latin typeface="Segoe UI Light" panose="020B0502040204020203" pitchFamily="34" charset="0"/>
+                <a:cs typeface="Segoe UI Light" panose="020B0502040204020203" pitchFamily="34" charset="0"/>
+              </a:rPr>
+              <a:t> </a:t>
+            </a:r>
+            <a:r>
+              <a:rPr lang="en-US" sz="1600" dirty="0" err="1">
+                <a:latin typeface="Segoe UI Light" panose="020B0502040204020203" pitchFamily="34" charset="0"/>
+                <a:cs typeface="Segoe UI Light" panose="020B0502040204020203" pitchFamily="34" charset="0"/>
+              </a:rPr>
+              <a:t>onec</a:t>
+            </a:r>
+            <a:r>
+              <a:rPr lang="en-US" sz="1600" dirty="0">
+                <a:latin typeface="Segoe UI Light" panose="020B0502040204020203" pitchFamily="34" charset="0"/>
+                <a:cs typeface="Segoe UI Light" panose="020B0502040204020203" pitchFamily="34" charset="0"/>
+              </a:rPr>
+              <a:t> a </a:t>
+            </a:r>
+            <a:r>
+              <a:rPr lang="en-US" sz="1600" dirty="0" err="1">
+                <a:latin typeface="Segoe UI Light" panose="020B0502040204020203" pitchFamily="34" charset="0"/>
+                <a:cs typeface="Segoe UI Light" panose="020B0502040204020203" pitchFamily="34" charset="0"/>
+              </a:rPr>
+              <a:t>facilisis</a:t>
+            </a:r>
+            <a:r>
+              <a:rPr lang="en-US" sz="1600" dirty="0">
+                <a:latin typeface="Segoe UI Light" panose="020B0502040204020203" pitchFamily="34" charset="0"/>
+                <a:cs typeface="Segoe UI Light" panose="020B0502040204020203" pitchFamily="34" charset="0"/>
+              </a:rPr>
+              <a:t> ipsum, a </a:t>
+            </a:r>
+            <a:r>
+              <a:rPr lang="en-US" sz="1600" dirty="0" err="1">
+                <a:latin typeface="Segoe UI Light" panose="020B0502040204020203" pitchFamily="34" charset="0"/>
+                <a:cs typeface="Segoe UI Light" panose="020B0502040204020203" pitchFamily="34" charset="0"/>
+              </a:rPr>
+              <a:t>ultricies</a:t>
+            </a:r>
+            <a:r>
+              <a:rPr lang="en-US" sz="1600" dirty="0">
+                <a:latin typeface="Segoe UI Light" panose="020B0502040204020203" pitchFamily="34" charset="0"/>
+                <a:cs typeface="Segoe UI Light" panose="020B0502040204020203" pitchFamily="34" charset="0"/>
+              </a:rPr>
+              <a:t> </a:t>
+            </a:r>
+            <a:r>
+              <a:rPr lang="en-US" sz="1600" dirty="0" err="1">
+                <a:latin typeface="Segoe UI Light" panose="020B0502040204020203" pitchFamily="34" charset="0"/>
+                <a:cs typeface="Segoe UI Light" panose="020B0502040204020203" pitchFamily="34" charset="0"/>
+              </a:rPr>
+              <a:t>lacus</a:t>
+            </a:r>
+            <a:r>
+              <a:rPr lang="en-US" sz="1600" dirty="0">
+                <a:latin typeface="Segoe UI Light" panose="020B0502040204020203" pitchFamily="34" charset="0"/>
+                <a:cs typeface="Segoe UI Light" panose="020B0502040204020203" pitchFamily="34" charset="0"/>
+              </a:rPr>
+              <a:t>. </a:t>
+            </a:r>
+            <a:r>
+              <a:rPr lang="en-US" sz="1600" dirty="0" err="1">
+                <a:latin typeface="Segoe UI Light" panose="020B0502040204020203" pitchFamily="34" charset="0"/>
+                <a:cs typeface="Segoe UI Light" panose="020B0502040204020203" pitchFamily="34" charset="0"/>
+              </a:rPr>
+              <a:t>Phasellus</a:t>
+            </a:r>
+            <a:r>
+              <a:rPr lang="en-US" sz="1600" dirty="0">
+                <a:latin typeface="Segoe UI Light" panose="020B0502040204020203" pitchFamily="34" charset="0"/>
+                <a:cs typeface="Segoe UI Light" panose="020B0502040204020203" pitchFamily="34" charset="0"/>
+              </a:rPr>
+              <a:t> in </a:t>
+            </a:r>
+            <a:r>
+              <a:rPr lang="en-US" sz="1600" dirty="0" err="1">
+                <a:latin typeface="Segoe UI Light" panose="020B0502040204020203" pitchFamily="34" charset="0"/>
+                <a:cs typeface="Segoe UI Light" panose="020B0502040204020203" pitchFamily="34" charset="0"/>
+              </a:rPr>
+              <a:t>erat</a:t>
+            </a:r>
+            <a:r>
+              <a:rPr lang="en-US" sz="1600" dirty="0">
+                <a:latin typeface="Segoe UI Light" panose="020B0502040204020203" pitchFamily="34" charset="0"/>
+                <a:cs typeface="Segoe UI Light" panose="020B0502040204020203" pitchFamily="34" charset="0"/>
+              </a:rPr>
+              <a:t> ac </a:t>
+            </a:r>
+            <a:r>
+              <a:rPr lang="en-US" sz="1600" dirty="0" err="1">
+                <a:latin typeface="Segoe UI Light" panose="020B0502040204020203" pitchFamily="34" charset="0"/>
+                <a:cs typeface="Segoe UI Light" panose="020B0502040204020203" pitchFamily="34" charset="0"/>
+              </a:rPr>
+              <a:t>augue</a:t>
+            </a:r>
+            <a:r>
+              <a:rPr lang="en-US" sz="1600" dirty="0">
+                <a:latin typeface="Segoe UI Light" panose="020B0502040204020203" pitchFamily="34" charset="0"/>
+                <a:cs typeface="Segoe UI Light" panose="020B0502040204020203" pitchFamily="34" charset="0"/>
+              </a:rPr>
+              <a:t> </a:t>
+            </a:r>
+            <a:r>
+              <a:rPr lang="en-US" sz="1600" dirty="0" err="1">
+                <a:latin typeface="Segoe UI Light" panose="020B0502040204020203" pitchFamily="34" charset="0"/>
+                <a:cs typeface="Segoe UI Light" panose="020B0502040204020203" pitchFamily="34" charset="0"/>
+              </a:rPr>
+              <a:t>commodo</a:t>
+            </a:r>
+            <a:r>
+              <a:rPr lang="en-US" sz="1600" dirty="0">
+                <a:latin typeface="Segoe UI Light" panose="020B0502040204020203" pitchFamily="34" charset="0"/>
+                <a:cs typeface="Segoe UI Light" panose="020B0502040204020203" pitchFamily="34" charset="0"/>
+              </a:rPr>
+              <a:t> </a:t>
+            </a:r>
+            <a:r>
+              <a:rPr lang="en-US" sz="1600" dirty="0" err="1">
+                <a:latin typeface="Segoe UI Light" panose="020B0502040204020203" pitchFamily="34" charset="0"/>
+                <a:cs typeface="Segoe UI Light" panose="020B0502040204020203" pitchFamily="34" charset="0"/>
+              </a:rPr>
+              <a:t>pellentesque</a:t>
+            </a:r>
+            <a:r>
+              <a:rPr lang="en-US" sz="1600" dirty="0">
+                <a:latin typeface="Segoe UI Light" panose="020B0502040204020203" pitchFamily="34" charset="0"/>
+                <a:cs typeface="Segoe UI Light" panose="020B0502040204020203" pitchFamily="34" charset="0"/>
+              </a:rPr>
+              <a:t> id et </a:t>
+            </a:r>
+            <a:r>
+              <a:rPr lang="en-US" sz="1600" dirty="0" err="1">
+                <a:latin typeface="Segoe UI Light" panose="020B0502040204020203" pitchFamily="34" charset="0"/>
+                <a:cs typeface="Segoe UI Light" panose="020B0502040204020203" pitchFamily="34" charset="0"/>
+              </a:rPr>
+              <a:t>velit</a:t>
+            </a:r>
+            <a:r>
+              <a:rPr lang="en-US" sz="1600" dirty="0">
+                <a:latin typeface="Segoe UI Light" panose="020B0502040204020203" pitchFamily="34" charset="0"/>
+                <a:cs typeface="Segoe UI Light" panose="020B0502040204020203" pitchFamily="34" charset="0"/>
+              </a:rPr>
+              <a:t>.</a:t>
+            </a:r>
+          </a:p>
+          <a:p>
+            <a:pPr algn="l">
+              <a:lnSpc>
+                <a:spcPct val="150000"/>
+              </a:lnSpc>
+            </a:pPr>
+            <a:r>
+              <a:rPr lang="en-US" sz="1600" dirty="0" err="1">
+                <a:latin typeface="Segoe UI Light" panose="020B0502040204020203" pitchFamily="34" charset="0"/>
+                <a:cs typeface="Segoe UI Light" panose="020B0502040204020203" pitchFamily="34" charset="0"/>
+              </a:rPr>
+              <a:t>Donec</a:t>
+            </a:r>
+            <a:r>
+              <a:rPr lang="en-US" sz="1600" dirty="0">
+                <a:latin typeface="Segoe UI Light" panose="020B0502040204020203" pitchFamily="34" charset="0"/>
+                <a:cs typeface="Segoe UI Light" panose="020B0502040204020203" pitchFamily="34" charset="0"/>
+              </a:rPr>
+              <a:t> a </a:t>
+            </a:r>
+            <a:r>
+              <a:rPr lang="en-US" sz="1600" dirty="0" err="1">
+                <a:latin typeface="Segoe UI Light" panose="020B0502040204020203" pitchFamily="34" charset="0"/>
+                <a:cs typeface="Segoe UI Light" panose="020B0502040204020203" pitchFamily="34" charset="0"/>
+              </a:rPr>
+              <a:t>facilisis</a:t>
+            </a:r>
+            <a:r>
+              <a:rPr lang="en-US" sz="1600" dirty="0">
+                <a:latin typeface="Segoe UI Light" panose="020B0502040204020203" pitchFamily="34" charset="0"/>
+                <a:cs typeface="Segoe UI Light" panose="020B0502040204020203" pitchFamily="34" charset="0"/>
+              </a:rPr>
+              <a:t> ipsum, a </a:t>
+            </a:r>
+            <a:r>
+              <a:rPr lang="en-US" sz="1600" dirty="0" err="1">
+                <a:latin typeface="Segoe UI Light" panose="020B0502040204020203" pitchFamily="34" charset="0"/>
+                <a:cs typeface="Segoe UI Light" panose="020B0502040204020203" pitchFamily="34" charset="0"/>
+              </a:rPr>
+              <a:t>ultricies</a:t>
+            </a:r>
+            <a:r>
+              <a:rPr lang="en-US" sz="1600" dirty="0">
+                <a:latin typeface="Segoe UI Light" panose="020B0502040204020203" pitchFamily="34" charset="0"/>
+                <a:cs typeface="Segoe UI Light" panose="020B0502040204020203" pitchFamily="34" charset="0"/>
+              </a:rPr>
+              <a:t> </a:t>
+            </a:r>
+            <a:r>
+              <a:rPr lang="en-US" sz="1600" dirty="0" err="1">
+                <a:latin typeface="Segoe UI Light" panose="020B0502040204020203" pitchFamily="34" charset="0"/>
+                <a:cs typeface="Segoe UI Light" panose="020B0502040204020203" pitchFamily="34" charset="0"/>
+              </a:rPr>
+              <a:t>lacus</a:t>
+            </a:r>
+            <a:r>
+              <a:rPr lang="en-US" sz="1600" dirty="0">
+                <a:latin typeface="Segoe UI Light" panose="020B0502040204020203" pitchFamily="34" charset="0"/>
+                <a:cs typeface="Segoe UI Light" panose="020B0502040204020203" pitchFamily="34" charset="0"/>
+              </a:rPr>
+              <a:t>. </a:t>
+            </a:r>
+          </a:p>
+        </p:txBody>
+      </p:sp>
+    </p:spTree>
+    <p:extLst>
+      <p:ext uri="{BB962C8B-B14F-4D97-AF65-F5344CB8AC3E}">
+        <p14:creationId xmlns:p14="http://schemas.microsoft.com/office/powerpoint/2010/main" val="1060134847"/>
+      </p:ext>
+    </p:extLst>
+  </p:cSld>
+  <p:clrMapOvr>
+    <a:masterClrMapping/>
+  </p:clrMapOvr>
+  <mc:AlternateContent xmlns:mc="http://schemas.openxmlformats.org/markup-compatibility/2006" xmlns:p14="http://schemas.microsoft.com/office/powerpoint/2010/main">
+    <mc:Choice Requires="p14">
+      <p:transition p14:dur="100">
+        <p:cut/>
+      </p:transition>
+    </mc:Choice>
+    <mc:Fallback xmlns="">
+      <p:transition>
+        <p:cut/>
+      </p:transition>
+    </mc:Fallback>
+  </mc:AlternateContent>
+</p:sld>
+</file>
+
+<file path=ppt/slides/slide45.xml><?xml version="1.0" encoding="utf-8"?>
+<p:sld xmlns:a="http://schemas.openxmlformats.org/drawingml/2006/main" xmlns:r="http://schemas.openxmlformats.org/officeDocument/2006/relationships" xmlns:p="http://schemas.openxmlformats.org/presentationml/2006/main">
+  <p:cSld>
+    <p:spTree>
+      <p:nvGrpSpPr>
+        <p:cNvPr id="1" name=""/>
+        <p:cNvGrpSpPr/>
+        <p:nvPr/>
+      </p:nvGrpSpPr>
+      <p:grpSpPr>
+        <a:xfrm>
+          <a:off x="0" y="0"/>
+          <a:ext cx="0" cy="0"/>
+          <a:chOff x="0" y="0"/>
+          <a:chExt cx="0" cy="0"/>
+        </a:xfrm>
+      </p:grpSpPr>
+      <p:pic>
+        <p:nvPicPr>
+          <p:cNvPr id="19" name="Picture 18">
+            <a:extLst>
+              <a:ext uri="{FF2B5EF4-FFF2-40B4-BE49-F238E27FC236}">
+                <a16:creationId xmlns:a16="http://schemas.microsoft.com/office/drawing/2014/main" id="{38981447-9723-40B3-902B-DA8C7B4D8B8E}"/>
+              </a:ext>
+            </a:extLst>
+          </p:cNvPr>
+          <p:cNvPicPr>
+            <a:picLocks noChangeAspect="1"/>
+          </p:cNvPicPr>
+          <p:nvPr/>
+        </p:nvPicPr>
+        <p:blipFill>
+          <a:blip r:embed="rId2">
+            <a:extLst>
+              <a:ext uri="{28A0092B-C50C-407E-A947-70E740481C1C}">
+                <a14:useLocalDpi xmlns:a14="http://schemas.microsoft.com/office/drawing/2010/main" val="0"/>
+              </a:ext>
+            </a:extLst>
+          </a:blip>
+          <a:stretch>
+            <a:fillRect/>
+          </a:stretch>
+        </p:blipFill>
+        <p:spPr>
+          <a:xfrm>
+            <a:off x="0" y="0"/>
+            <a:ext cx="12192000" cy="6858000"/>
+          </a:xfrm>
+          <a:prstGeom prst="rect">
+            <a:avLst/>
+          </a:prstGeom>
+        </p:spPr>
+      </p:pic>
+      <p:sp>
+        <p:nvSpPr>
+          <p:cNvPr id="2" name="Title 1">
+            <a:extLst>
+              <a:ext uri="{FF2B5EF4-FFF2-40B4-BE49-F238E27FC236}">
+                <a16:creationId xmlns:a16="http://schemas.microsoft.com/office/drawing/2014/main" id="{0DE26BD9-3178-4532-BF33-58FE331BE190}"/>
+              </a:ext>
+            </a:extLst>
+          </p:cNvPr>
+          <p:cNvSpPr>
+            <a:spLocks noGrp="1"/>
+          </p:cNvSpPr>
+          <p:nvPr>
+            <p:ph type="ctrTitle"/>
+          </p:nvPr>
+        </p:nvSpPr>
+        <p:spPr>
+          <a:xfrm>
+            <a:off x="0" y="886691"/>
+            <a:ext cx="12192000" cy="2205182"/>
+          </a:xfrm>
+        </p:spPr>
+        <p:txBody>
+          <a:bodyPr anchor="b">
+            <a:normAutofit/>
+          </a:bodyPr>
+          <a:lstStyle/>
+          <a:p>
+            <a:r>
+              <a:rPr lang="en-US" sz="4000" b="1" dirty="0">
+                <a:latin typeface="Segoe UI Light" panose="020B0502040204020203" pitchFamily="34" charset="0"/>
+                <a:cs typeface="Segoe UI Light" panose="020B0502040204020203" pitchFamily="34" charset="0"/>
+              </a:rPr>
+              <a:t>What is a</a:t>
+            </a:r>
+            <a:br>
+              <a:rPr lang="en-US" sz="4000" b="1" dirty="0">
+                <a:latin typeface="Segoe UI Semibold" panose="020B0702040204020203" pitchFamily="34" charset="0"/>
+                <a:cs typeface="Segoe UI Semibold" panose="020B0702040204020203" pitchFamily="34" charset="0"/>
+              </a:rPr>
+            </a:br>
+            <a:r>
+              <a:rPr lang="en-US" sz="4000" b="1" dirty="0">
+                <a:solidFill>
+                  <a:srgbClr val="0041C6"/>
+                </a:solidFill>
+                <a:latin typeface="Segoe UI Semibold" panose="020B0702040204020203" pitchFamily="34" charset="0"/>
+                <a:cs typeface="Segoe UI Semibold" panose="020B0702040204020203" pitchFamily="34" charset="0"/>
+              </a:rPr>
+              <a:t>Modular Application</a:t>
+            </a:r>
+          </a:p>
+        </p:txBody>
+      </p:sp>
+      <p:sp>
+        <p:nvSpPr>
+          <p:cNvPr id="5" name="Footer Placeholder 4">
+            <a:extLst>
+              <a:ext uri="{FF2B5EF4-FFF2-40B4-BE49-F238E27FC236}">
+                <a16:creationId xmlns:a16="http://schemas.microsoft.com/office/drawing/2014/main" id="{A3553ADE-3838-4EDB-9F14-97C75DE2198D}"/>
+              </a:ext>
+            </a:extLst>
+          </p:cNvPr>
+          <p:cNvSpPr>
+            <a:spLocks noGrp="1"/>
+          </p:cNvSpPr>
+          <p:nvPr>
+            <p:ph type="ftr" sz="quarter" idx="11"/>
+          </p:nvPr>
+        </p:nvSpPr>
+        <p:spPr>
+          <a:xfrm>
+            <a:off x="0" y="6483927"/>
+            <a:ext cx="4190999" cy="374073"/>
+          </a:xfrm>
+        </p:spPr>
+        <p:txBody>
+          <a:bodyPr/>
+          <a:lstStyle/>
+          <a:p>
+            <a:pPr algn="l"/>
+            <a:r>
+              <a:rPr lang="en-US" dirty="0" err="1">
+                <a:solidFill>
+                  <a:schemeClr val="tx1"/>
+                </a:solidFill>
+                <a:latin typeface="Segoe UI" panose="020B0502040204020203" pitchFamily="34" charset="0"/>
+                <a:cs typeface="Segoe UI" panose="020B0502040204020203" pitchFamily="34" charset="0"/>
+              </a:rPr>
+              <a:t>Halil</a:t>
+            </a:r>
+            <a:r>
+              <a:rPr lang="en-US" dirty="0">
+                <a:solidFill>
+                  <a:schemeClr val="tx1"/>
+                </a:solidFill>
+                <a:latin typeface="Segoe UI" panose="020B0502040204020203" pitchFamily="34" charset="0"/>
+                <a:cs typeface="Segoe UI" panose="020B0502040204020203" pitchFamily="34" charset="0"/>
+              </a:rPr>
+              <a:t> İbrahim KALKAN | @</a:t>
+            </a:r>
+            <a:r>
+              <a:rPr lang="en-US" dirty="0" err="1">
+                <a:solidFill>
+                  <a:schemeClr val="tx1"/>
+                </a:solidFill>
+                <a:latin typeface="Segoe UI" panose="020B0502040204020203" pitchFamily="34" charset="0"/>
+                <a:cs typeface="Segoe UI" panose="020B0502040204020203" pitchFamily="34" charset="0"/>
+              </a:rPr>
+              <a:t>hikalkan</a:t>
+            </a:r>
+            <a:r>
+              <a:rPr lang="en-US" dirty="0">
+                <a:solidFill>
+                  <a:schemeClr val="tx1"/>
+                </a:solidFill>
+                <a:latin typeface="Segoe UI" panose="020B0502040204020203" pitchFamily="34" charset="0"/>
+                <a:cs typeface="Segoe UI" panose="020B0502040204020203" pitchFamily="34" charset="0"/>
+              </a:rPr>
+              <a:t> | </a:t>
+            </a:r>
+            <a:r>
+              <a:rPr lang="en-US" dirty="0" err="1">
+                <a:solidFill>
+                  <a:schemeClr val="tx1"/>
+                </a:solidFill>
+                <a:latin typeface="Segoe UI" panose="020B0502040204020203" pitchFamily="34" charset="0"/>
+                <a:cs typeface="Segoe UI" panose="020B0502040204020203" pitchFamily="34" charset="0"/>
+              </a:rPr>
+              <a:t>Volosoft</a:t>
+            </a:r>
+            <a:r>
+              <a:rPr lang="en-US" dirty="0">
+                <a:solidFill>
+                  <a:schemeClr val="tx1"/>
+                </a:solidFill>
+                <a:latin typeface="Segoe UI" panose="020B0502040204020203" pitchFamily="34" charset="0"/>
+                <a:cs typeface="Segoe UI" panose="020B0502040204020203" pitchFamily="34" charset="0"/>
+              </a:rPr>
+              <a:t> TM</a:t>
+            </a:r>
+          </a:p>
+        </p:txBody>
+      </p:sp>
+      <p:sp>
+        <p:nvSpPr>
+          <p:cNvPr id="15" name="Subtitle 2">
+            <a:extLst>
+              <a:ext uri="{FF2B5EF4-FFF2-40B4-BE49-F238E27FC236}">
+                <a16:creationId xmlns:a16="http://schemas.microsoft.com/office/drawing/2014/main" id="{20939731-D3B7-4A28-B941-216A5F2FD525}"/>
+              </a:ext>
+            </a:extLst>
+          </p:cNvPr>
+          <p:cNvSpPr txBox="1">
+            <a:spLocks/>
+          </p:cNvSpPr>
+          <p:nvPr/>
+        </p:nvSpPr>
+        <p:spPr>
+          <a:xfrm>
+            <a:off x="1962727" y="3091873"/>
+            <a:ext cx="8266546" cy="2025073"/>
+          </a:xfrm>
+          <a:prstGeom prst="rect">
+            <a:avLst/>
+          </a:prstGeom>
+        </p:spPr>
+        <p:txBody>
+          <a:bodyPr vert="horz" lIns="91440" tIns="45720" rIns="91440" bIns="45720" rtlCol="0" anchor="ctr">
+            <a:normAutofit/>
+          </a:bodyPr>
+          <a:lstStyle>
+            <a:lvl1pPr marL="0" indent="0" algn="ctr" defTabSz="914400" rtl="0" eaLnBrk="1" latinLnBrk="0" hangingPunct="1">
+              <a:lnSpc>
+                <a:spcPct val="90000"/>
+              </a:lnSpc>
+              <a:spcBef>
+                <a:spcPts val="1000"/>
+              </a:spcBef>
+              <a:buFont typeface="Arial" panose="020B0604020202020204" pitchFamily="34" charset="0"/>
+              <a:buNone/>
+              <a:defRPr sz="2400" kern="1200">
+                <a:solidFill>
+                  <a:schemeClr val="tx1"/>
+                </a:solidFill>
+                <a:latin typeface="+mn-lt"/>
+                <a:ea typeface="+mn-ea"/>
+                <a:cs typeface="+mn-cs"/>
+              </a:defRPr>
+            </a:lvl1pPr>
+            <a:lvl2pPr marL="457200" indent="0" algn="ctr" defTabSz="914400" rtl="0" eaLnBrk="1" latinLnBrk="0" hangingPunct="1">
+              <a:lnSpc>
+                <a:spcPct val="90000"/>
+              </a:lnSpc>
+              <a:spcBef>
+                <a:spcPts val="500"/>
+              </a:spcBef>
+              <a:buFont typeface="Arial" panose="020B0604020202020204" pitchFamily="34" charset="0"/>
+              <a:buNone/>
+              <a:defRPr sz="2000" kern="1200">
+                <a:solidFill>
+                  <a:schemeClr val="tx1"/>
+                </a:solidFill>
+                <a:latin typeface="+mn-lt"/>
+                <a:ea typeface="+mn-ea"/>
+                <a:cs typeface="+mn-cs"/>
+              </a:defRPr>
+            </a:lvl2pPr>
+            <a:lvl3pPr marL="914400" indent="0" algn="ctr" defTabSz="914400" rtl="0" eaLnBrk="1" latinLnBrk="0" hangingPunct="1">
+              <a:lnSpc>
+                <a:spcPct val="90000"/>
+              </a:lnSpc>
+              <a:spcBef>
+                <a:spcPts val="500"/>
+              </a:spcBef>
+              <a:buFont typeface="Arial" panose="020B0604020202020204" pitchFamily="34" charset="0"/>
+              <a:buNone/>
+              <a:defRPr sz="1800" kern="1200">
+                <a:solidFill>
+                  <a:schemeClr val="tx1"/>
+                </a:solidFill>
+                <a:latin typeface="+mn-lt"/>
+                <a:ea typeface="+mn-ea"/>
+                <a:cs typeface="+mn-cs"/>
+              </a:defRPr>
+            </a:lvl3pPr>
+            <a:lvl4pPr marL="1371600" indent="0" algn="ctr" defTabSz="914400" rtl="0" eaLnBrk="1" latinLnBrk="0" hangingPunct="1">
+              <a:lnSpc>
+                <a:spcPct val="90000"/>
+              </a:lnSpc>
+              <a:spcBef>
+                <a:spcPts val="500"/>
+              </a:spcBef>
+              <a:buFont typeface="Arial" panose="020B0604020202020204" pitchFamily="34" charset="0"/>
+              <a:buNone/>
+              <a:defRPr sz="1600" kern="1200">
+                <a:solidFill>
+                  <a:schemeClr val="tx1"/>
+                </a:solidFill>
+                <a:latin typeface="+mn-lt"/>
+                <a:ea typeface="+mn-ea"/>
+                <a:cs typeface="+mn-cs"/>
+              </a:defRPr>
+            </a:lvl4pPr>
+            <a:lvl5pPr marL="1828800" indent="0" algn="ctr" defTabSz="914400" rtl="0" eaLnBrk="1" latinLnBrk="0" hangingPunct="1">
+              <a:lnSpc>
+                <a:spcPct val="90000"/>
+              </a:lnSpc>
+              <a:spcBef>
+                <a:spcPts val="500"/>
+              </a:spcBef>
+              <a:buFont typeface="Arial" panose="020B0604020202020204" pitchFamily="34" charset="0"/>
+              <a:buNone/>
+              <a:defRPr sz="1600" kern="1200">
+                <a:solidFill>
+                  <a:schemeClr val="tx1"/>
+                </a:solidFill>
+                <a:latin typeface="+mn-lt"/>
+                <a:ea typeface="+mn-ea"/>
+                <a:cs typeface="+mn-cs"/>
+              </a:defRPr>
+            </a:lvl5pPr>
+            <a:lvl6pPr marL="2286000" indent="0" algn="ctr" defTabSz="914400" rtl="0" eaLnBrk="1" latinLnBrk="0" hangingPunct="1">
+              <a:lnSpc>
+                <a:spcPct val="90000"/>
+              </a:lnSpc>
+              <a:spcBef>
+                <a:spcPts val="500"/>
+              </a:spcBef>
+              <a:buFont typeface="Arial" panose="020B0604020202020204" pitchFamily="34" charset="0"/>
+              <a:buNone/>
+              <a:defRPr sz="1600" kern="1200">
+                <a:solidFill>
+                  <a:schemeClr val="tx1"/>
+                </a:solidFill>
+                <a:latin typeface="+mn-lt"/>
+                <a:ea typeface="+mn-ea"/>
+                <a:cs typeface="+mn-cs"/>
+              </a:defRPr>
+            </a:lvl6pPr>
+            <a:lvl7pPr marL="2743200" indent="0" algn="ctr" defTabSz="914400" rtl="0" eaLnBrk="1" latinLnBrk="0" hangingPunct="1">
+              <a:lnSpc>
+                <a:spcPct val="90000"/>
+              </a:lnSpc>
+              <a:spcBef>
+                <a:spcPts val="500"/>
+              </a:spcBef>
+              <a:buFont typeface="Arial" panose="020B0604020202020204" pitchFamily="34" charset="0"/>
+              <a:buNone/>
+              <a:defRPr sz="1600" kern="1200">
+                <a:solidFill>
+                  <a:schemeClr val="tx1"/>
+                </a:solidFill>
+                <a:latin typeface="+mn-lt"/>
+                <a:ea typeface="+mn-ea"/>
+                <a:cs typeface="+mn-cs"/>
+              </a:defRPr>
+            </a:lvl7pPr>
+            <a:lvl8pPr marL="3200400" indent="0" algn="ctr" defTabSz="914400" rtl="0" eaLnBrk="1" latinLnBrk="0" hangingPunct="1">
+              <a:lnSpc>
+                <a:spcPct val="90000"/>
+              </a:lnSpc>
+              <a:spcBef>
+                <a:spcPts val="500"/>
+              </a:spcBef>
+              <a:buFont typeface="Arial" panose="020B0604020202020204" pitchFamily="34" charset="0"/>
+              <a:buNone/>
+              <a:defRPr sz="1600" kern="1200">
+                <a:solidFill>
+                  <a:schemeClr val="tx1"/>
+                </a:solidFill>
+                <a:latin typeface="+mn-lt"/>
+                <a:ea typeface="+mn-ea"/>
+                <a:cs typeface="+mn-cs"/>
+              </a:defRPr>
+            </a:lvl8pPr>
+            <a:lvl9pPr marL="3657600" indent="0" algn="ctr" defTabSz="914400" rtl="0" eaLnBrk="1" latinLnBrk="0" hangingPunct="1">
+              <a:lnSpc>
+                <a:spcPct val="90000"/>
+              </a:lnSpc>
+              <a:spcBef>
+                <a:spcPts val="500"/>
+              </a:spcBef>
+              <a:buFont typeface="Arial" panose="020B0604020202020204" pitchFamily="34" charset="0"/>
+              <a:buNone/>
+              <a:defRPr sz="1600" kern="1200">
+                <a:solidFill>
+                  <a:schemeClr val="tx1"/>
+                </a:solidFill>
+                <a:latin typeface="+mn-lt"/>
+                <a:ea typeface="+mn-ea"/>
+                <a:cs typeface="+mn-cs"/>
+              </a:defRPr>
+            </a:lvl9pPr>
+          </a:lstStyle>
+          <a:p>
+            <a:pPr>
+              <a:lnSpc>
+                <a:spcPct val="150000"/>
+              </a:lnSpc>
+            </a:pPr>
+            <a:r>
+              <a:rPr lang="en-US" sz="1800" dirty="0">
+                <a:latin typeface="Segoe UI Light" panose="020B0502040204020203" pitchFamily="34" charset="0"/>
+                <a:cs typeface="Segoe UI Light" panose="020B0502040204020203" pitchFamily="34" charset="0"/>
+              </a:rPr>
+              <a:t>Lorem ipsum dolor sit </a:t>
+            </a:r>
+            <a:r>
+              <a:rPr lang="en-US" sz="1800" dirty="0" err="1">
+                <a:latin typeface="Segoe UI Light" panose="020B0502040204020203" pitchFamily="34" charset="0"/>
+                <a:cs typeface="Segoe UI Light" panose="020B0502040204020203" pitchFamily="34" charset="0"/>
+              </a:rPr>
+              <a:t>amet</a:t>
+            </a:r>
+            <a:r>
+              <a:rPr lang="en-US" sz="1800" dirty="0">
+                <a:latin typeface="Segoe UI Light" panose="020B0502040204020203" pitchFamily="34" charset="0"/>
+                <a:cs typeface="Segoe UI Light" panose="020B0502040204020203" pitchFamily="34" charset="0"/>
+              </a:rPr>
+              <a:t>, </a:t>
+            </a:r>
+            <a:r>
+              <a:rPr lang="en-US" sz="1800" dirty="0" err="1">
+                <a:latin typeface="Segoe UI Light" panose="020B0502040204020203" pitchFamily="34" charset="0"/>
+                <a:cs typeface="Segoe UI Light" panose="020B0502040204020203" pitchFamily="34" charset="0"/>
+              </a:rPr>
+              <a:t>consectetur</a:t>
+            </a:r>
+            <a:r>
+              <a:rPr lang="en-US" sz="1800" dirty="0">
+                <a:latin typeface="Segoe UI Light" panose="020B0502040204020203" pitchFamily="34" charset="0"/>
+                <a:cs typeface="Segoe UI Light" panose="020B0502040204020203" pitchFamily="34" charset="0"/>
+              </a:rPr>
+              <a:t> </a:t>
+            </a:r>
+            <a:r>
+              <a:rPr lang="en-US" sz="1800" dirty="0" err="1">
+                <a:latin typeface="Segoe UI Light" panose="020B0502040204020203" pitchFamily="34" charset="0"/>
+                <a:cs typeface="Segoe UI Light" panose="020B0502040204020203" pitchFamily="34" charset="0"/>
+              </a:rPr>
+              <a:t>adipiscing</a:t>
+            </a:r>
+            <a:r>
+              <a:rPr lang="en-US" sz="1800" dirty="0">
+                <a:latin typeface="Segoe UI Light" panose="020B0502040204020203" pitchFamily="34" charset="0"/>
+                <a:cs typeface="Segoe UI Light" panose="020B0502040204020203" pitchFamily="34" charset="0"/>
+              </a:rPr>
+              <a:t> </a:t>
+            </a:r>
+            <a:r>
+              <a:rPr lang="en-US" sz="1800" dirty="0" err="1">
+                <a:latin typeface="Segoe UI Light" panose="020B0502040204020203" pitchFamily="34" charset="0"/>
+                <a:cs typeface="Segoe UI Light" panose="020B0502040204020203" pitchFamily="34" charset="0"/>
+              </a:rPr>
+              <a:t>elit</a:t>
+            </a:r>
+            <a:r>
+              <a:rPr lang="en-US" sz="1800" dirty="0">
+                <a:latin typeface="Segoe UI Light" panose="020B0502040204020203" pitchFamily="34" charset="0"/>
+                <a:cs typeface="Segoe UI Light" panose="020B0502040204020203" pitchFamily="34" charset="0"/>
+              </a:rPr>
+              <a:t>. </a:t>
+            </a:r>
+            <a:r>
+              <a:rPr lang="en-US" sz="1800" dirty="0" err="1">
+                <a:latin typeface="Segoe UI Light" panose="020B0502040204020203" pitchFamily="34" charset="0"/>
+                <a:cs typeface="Segoe UI Light" panose="020B0502040204020203" pitchFamily="34" charset="0"/>
+              </a:rPr>
+              <a:t>Aliquam</a:t>
+            </a:r>
+            <a:r>
+              <a:rPr lang="en-US" sz="1800" dirty="0">
+                <a:latin typeface="Segoe UI Light" panose="020B0502040204020203" pitchFamily="34" charset="0"/>
+                <a:cs typeface="Segoe UI Light" panose="020B0502040204020203" pitchFamily="34" charset="0"/>
+              </a:rPr>
+              <a:t> </a:t>
+            </a:r>
+            <a:r>
+              <a:rPr lang="en-US" sz="1800" dirty="0" err="1">
+                <a:latin typeface="Segoe UI Light" panose="020B0502040204020203" pitchFamily="34" charset="0"/>
+                <a:cs typeface="Segoe UI Light" panose="020B0502040204020203" pitchFamily="34" charset="0"/>
+              </a:rPr>
+              <a:t>eleifend</a:t>
+            </a:r>
+            <a:r>
+              <a:rPr lang="en-US" sz="1800" dirty="0">
+                <a:latin typeface="Segoe UI Light" panose="020B0502040204020203" pitchFamily="34" charset="0"/>
+                <a:cs typeface="Segoe UI Light" panose="020B0502040204020203" pitchFamily="34" charset="0"/>
+              </a:rPr>
+              <a:t> </a:t>
+            </a:r>
+            <a:r>
+              <a:rPr lang="en-US" sz="1800" dirty="0" err="1">
+                <a:latin typeface="Segoe UI Light" panose="020B0502040204020203" pitchFamily="34" charset="0"/>
+                <a:cs typeface="Segoe UI Light" panose="020B0502040204020203" pitchFamily="34" charset="0"/>
+              </a:rPr>
+              <a:t>eget</a:t>
+            </a:r>
+            <a:r>
+              <a:rPr lang="en-US" sz="1800" dirty="0">
+                <a:latin typeface="Segoe UI Light" panose="020B0502040204020203" pitchFamily="34" charset="0"/>
+                <a:cs typeface="Segoe UI Light" panose="020B0502040204020203" pitchFamily="34" charset="0"/>
+              </a:rPr>
+              <a:t> </a:t>
+            </a:r>
+            <a:r>
+              <a:rPr lang="en-US" sz="1800" dirty="0" err="1">
+                <a:latin typeface="Segoe UI Light" panose="020B0502040204020203" pitchFamily="34" charset="0"/>
+                <a:cs typeface="Segoe UI Light" panose="020B0502040204020203" pitchFamily="34" charset="0"/>
+              </a:rPr>
+              <a:t>tellus</a:t>
+            </a:r>
+            <a:r>
+              <a:rPr lang="en-US" sz="1800" dirty="0">
+                <a:latin typeface="Segoe UI Light" panose="020B0502040204020203" pitchFamily="34" charset="0"/>
+                <a:cs typeface="Segoe UI Light" panose="020B0502040204020203" pitchFamily="34" charset="0"/>
+              </a:rPr>
+              <a:t> </a:t>
+            </a:r>
+            <a:r>
+              <a:rPr lang="en-US" sz="1800" dirty="0" err="1">
+                <a:latin typeface="Segoe UI Light" panose="020B0502040204020203" pitchFamily="34" charset="0"/>
+                <a:cs typeface="Segoe UI Light" panose="020B0502040204020203" pitchFamily="34" charset="0"/>
+              </a:rPr>
+              <a:t>eget</a:t>
+            </a:r>
+            <a:r>
+              <a:rPr lang="en-US" sz="1800" dirty="0">
+                <a:latin typeface="Segoe UI Light" panose="020B0502040204020203" pitchFamily="34" charset="0"/>
+                <a:cs typeface="Segoe UI Light" panose="020B0502040204020203" pitchFamily="34" charset="0"/>
+              </a:rPr>
+              <a:t> </a:t>
+            </a:r>
+            <a:r>
+              <a:rPr lang="en-US" sz="1800" dirty="0" err="1">
+                <a:latin typeface="Segoe UI Light" panose="020B0502040204020203" pitchFamily="34" charset="0"/>
+                <a:cs typeface="Segoe UI Light" panose="020B0502040204020203" pitchFamily="34" charset="0"/>
+              </a:rPr>
+              <a:t>sodales</a:t>
+            </a:r>
+            <a:r>
+              <a:rPr lang="en-US" sz="1800" dirty="0">
+                <a:latin typeface="Segoe UI Light" panose="020B0502040204020203" pitchFamily="34" charset="0"/>
+                <a:cs typeface="Segoe UI Light" panose="020B0502040204020203" pitchFamily="34" charset="0"/>
+              </a:rPr>
+              <a:t>. </a:t>
+            </a:r>
+            <a:r>
+              <a:rPr lang="en-US" sz="1800" dirty="0" err="1">
+                <a:latin typeface="Segoe UI Light" panose="020B0502040204020203" pitchFamily="34" charset="0"/>
+                <a:cs typeface="Segoe UI Light" panose="020B0502040204020203" pitchFamily="34" charset="0"/>
+              </a:rPr>
+              <a:t>Donec</a:t>
+            </a:r>
+            <a:r>
+              <a:rPr lang="en-US" sz="1800" dirty="0">
+                <a:latin typeface="Segoe UI Light" panose="020B0502040204020203" pitchFamily="34" charset="0"/>
+                <a:cs typeface="Segoe UI Light" panose="020B0502040204020203" pitchFamily="34" charset="0"/>
+              </a:rPr>
+              <a:t> a </a:t>
+            </a:r>
+            <a:r>
+              <a:rPr lang="en-US" sz="1800" dirty="0" err="1">
+                <a:latin typeface="Segoe UI Light" panose="020B0502040204020203" pitchFamily="34" charset="0"/>
+                <a:cs typeface="Segoe UI Light" panose="020B0502040204020203" pitchFamily="34" charset="0"/>
+              </a:rPr>
+              <a:t>facilisis</a:t>
+            </a:r>
+            <a:r>
+              <a:rPr lang="en-US" sz="1800" dirty="0">
+                <a:latin typeface="Segoe UI Light" panose="020B0502040204020203" pitchFamily="34" charset="0"/>
+                <a:cs typeface="Segoe UI Light" panose="020B0502040204020203" pitchFamily="34" charset="0"/>
+              </a:rPr>
+              <a:t> ipsum, a </a:t>
+            </a:r>
+            <a:r>
+              <a:rPr lang="en-US" sz="1800" dirty="0" err="1">
+                <a:latin typeface="Segoe UI Light" panose="020B0502040204020203" pitchFamily="34" charset="0"/>
+                <a:cs typeface="Segoe UI Light" panose="020B0502040204020203" pitchFamily="34" charset="0"/>
+              </a:rPr>
+              <a:t>ultricies</a:t>
+            </a:r>
+            <a:r>
+              <a:rPr lang="en-US" sz="1800" dirty="0">
+                <a:latin typeface="Segoe UI Light" panose="020B0502040204020203" pitchFamily="34" charset="0"/>
+                <a:cs typeface="Segoe UI Light" panose="020B0502040204020203" pitchFamily="34" charset="0"/>
+              </a:rPr>
+              <a:t> </a:t>
+            </a:r>
+            <a:r>
+              <a:rPr lang="en-US" sz="1800" dirty="0" err="1">
+                <a:latin typeface="Segoe UI Light" panose="020B0502040204020203" pitchFamily="34" charset="0"/>
+                <a:cs typeface="Segoe UI Light" panose="020B0502040204020203" pitchFamily="34" charset="0"/>
+              </a:rPr>
+              <a:t>lacus</a:t>
+            </a:r>
+            <a:r>
+              <a:rPr lang="en-US" sz="1800" dirty="0">
+                <a:latin typeface="Segoe UI Light" panose="020B0502040204020203" pitchFamily="34" charset="0"/>
+                <a:cs typeface="Segoe UI Light" panose="020B0502040204020203" pitchFamily="34" charset="0"/>
+              </a:rPr>
+              <a:t>. </a:t>
+            </a:r>
+            <a:r>
+              <a:rPr lang="en-US" sz="1800" dirty="0" err="1">
+                <a:latin typeface="Segoe UI Light" panose="020B0502040204020203" pitchFamily="34" charset="0"/>
+                <a:cs typeface="Segoe UI Light" panose="020B0502040204020203" pitchFamily="34" charset="0"/>
+              </a:rPr>
+              <a:t>Phasellus</a:t>
+            </a:r>
+            <a:r>
+              <a:rPr lang="en-US" sz="1800" dirty="0">
+                <a:latin typeface="Segoe UI Light" panose="020B0502040204020203" pitchFamily="34" charset="0"/>
+                <a:cs typeface="Segoe UI Light" panose="020B0502040204020203" pitchFamily="34" charset="0"/>
+              </a:rPr>
+              <a:t> in </a:t>
+            </a:r>
+            <a:r>
+              <a:rPr lang="en-US" sz="1800" dirty="0" err="1">
+                <a:latin typeface="Segoe UI Light" panose="020B0502040204020203" pitchFamily="34" charset="0"/>
+                <a:cs typeface="Segoe UI Light" panose="020B0502040204020203" pitchFamily="34" charset="0"/>
+              </a:rPr>
+              <a:t>erat</a:t>
+            </a:r>
+            <a:r>
+              <a:rPr lang="en-US" sz="1800" dirty="0">
+                <a:latin typeface="Segoe UI Light" panose="020B0502040204020203" pitchFamily="34" charset="0"/>
+                <a:cs typeface="Segoe UI Light" panose="020B0502040204020203" pitchFamily="34" charset="0"/>
+              </a:rPr>
+              <a:t> ac </a:t>
+            </a:r>
+            <a:r>
+              <a:rPr lang="en-US" sz="1800" dirty="0" err="1">
+                <a:latin typeface="Segoe UI Light" panose="020B0502040204020203" pitchFamily="34" charset="0"/>
+                <a:cs typeface="Segoe UI Light" panose="020B0502040204020203" pitchFamily="34" charset="0"/>
+              </a:rPr>
+              <a:t>augue</a:t>
+            </a:r>
+            <a:r>
+              <a:rPr lang="en-US" sz="1800" dirty="0">
+                <a:latin typeface="Segoe UI Light" panose="020B0502040204020203" pitchFamily="34" charset="0"/>
+                <a:cs typeface="Segoe UI Light" panose="020B0502040204020203" pitchFamily="34" charset="0"/>
+              </a:rPr>
+              <a:t> </a:t>
+            </a:r>
+            <a:r>
+              <a:rPr lang="en-US" sz="1800" dirty="0" err="1">
+                <a:latin typeface="Segoe UI Light" panose="020B0502040204020203" pitchFamily="34" charset="0"/>
+                <a:cs typeface="Segoe UI Light" panose="020B0502040204020203" pitchFamily="34" charset="0"/>
+              </a:rPr>
+              <a:t>commodo</a:t>
+            </a:r>
+            <a:r>
+              <a:rPr lang="en-US" sz="1800" dirty="0">
+                <a:latin typeface="Segoe UI Light" panose="020B0502040204020203" pitchFamily="34" charset="0"/>
+                <a:cs typeface="Segoe UI Light" panose="020B0502040204020203" pitchFamily="34" charset="0"/>
+              </a:rPr>
+              <a:t> </a:t>
+            </a:r>
+            <a:r>
+              <a:rPr lang="en-US" sz="1800" dirty="0" err="1">
+                <a:latin typeface="Segoe UI Light" panose="020B0502040204020203" pitchFamily="34" charset="0"/>
+                <a:cs typeface="Segoe UI Light" panose="020B0502040204020203" pitchFamily="34" charset="0"/>
+              </a:rPr>
+              <a:t>pellentesque</a:t>
+            </a:r>
+            <a:r>
+              <a:rPr lang="en-US" sz="1800" dirty="0">
+                <a:latin typeface="Segoe UI Light" panose="020B0502040204020203" pitchFamily="34" charset="0"/>
+                <a:cs typeface="Segoe UI Light" panose="020B0502040204020203" pitchFamily="34" charset="0"/>
+              </a:rPr>
+              <a:t> id et </a:t>
+            </a:r>
+            <a:r>
+              <a:rPr lang="en-US" sz="1800" dirty="0" err="1">
+                <a:latin typeface="Segoe UI Light" panose="020B0502040204020203" pitchFamily="34" charset="0"/>
+                <a:cs typeface="Segoe UI Light" panose="020B0502040204020203" pitchFamily="34" charset="0"/>
+              </a:rPr>
+              <a:t>velit</a:t>
+            </a:r>
+            <a:r>
+              <a:rPr lang="en-US" sz="1800" dirty="0">
+                <a:latin typeface="Segoe UI Light" panose="020B0502040204020203" pitchFamily="34" charset="0"/>
+                <a:cs typeface="Segoe UI Light" panose="020B0502040204020203" pitchFamily="34" charset="0"/>
+              </a:rPr>
+              <a:t>. </a:t>
+            </a:r>
+            <a:r>
+              <a:rPr lang="en-US" sz="1800" dirty="0" err="1">
+                <a:latin typeface="Segoe UI Light" panose="020B0502040204020203" pitchFamily="34" charset="0"/>
+                <a:cs typeface="Segoe UI Light" panose="020B0502040204020203" pitchFamily="34" charset="0"/>
+              </a:rPr>
+              <a:t>Donec</a:t>
+            </a:r>
+            <a:r>
+              <a:rPr lang="en-US" sz="1800" dirty="0">
+                <a:latin typeface="Segoe UI Light" panose="020B0502040204020203" pitchFamily="34" charset="0"/>
+                <a:cs typeface="Segoe UI Light" panose="020B0502040204020203" pitchFamily="34" charset="0"/>
+              </a:rPr>
+              <a:t> in </a:t>
+            </a:r>
+            <a:r>
+              <a:rPr lang="en-US" sz="1800" dirty="0" err="1">
+                <a:latin typeface="Segoe UI Light" panose="020B0502040204020203" pitchFamily="34" charset="0"/>
+                <a:cs typeface="Segoe UI Light" panose="020B0502040204020203" pitchFamily="34" charset="0"/>
+              </a:rPr>
+              <a:t>varius</a:t>
+            </a:r>
+            <a:r>
+              <a:rPr lang="en-US" sz="1800" dirty="0">
+                <a:latin typeface="Segoe UI Light" panose="020B0502040204020203" pitchFamily="34" charset="0"/>
+                <a:cs typeface="Segoe UI Light" panose="020B0502040204020203" pitchFamily="34" charset="0"/>
+              </a:rPr>
+              <a:t> </a:t>
+            </a:r>
+            <a:r>
+              <a:rPr lang="en-US" sz="1800" dirty="0" err="1">
+                <a:latin typeface="Segoe UI Light" panose="020B0502040204020203" pitchFamily="34" charset="0"/>
+                <a:cs typeface="Segoe UI Light" panose="020B0502040204020203" pitchFamily="34" charset="0"/>
+              </a:rPr>
+              <a:t>risus</a:t>
+            </a:r>
+            <a:r>
+              <a:rPr lang="en-US" sz="1800" dirty="0">
+                <a:latin typeface="Segoe UI Light" panose="020B0502040204020203" pitchFamily="34" charset="0"/>
+                <a:cs typeface="Segoe UI Light" panose="020B0502040204020203" pitchFamily="34" charset="0"/>
+              </a:rPr>
+              <a:t>, </a:t>
+            </a:r>
+            <a:r>
+              <a:rPr lang="en-US" sz="1800" dirty="0" err="1">
+                <a:latin typeface="Segoe UI Light" panose="020B0502040204020203" pitchFamily="34" charset="0"/>
+                <a:cs typeface="Segoe UI Light" panose="020B0502040204020203" pitchFamily="34" charset="0"/>
+              </a:rPr>
+              <a:t>eu</a:t>
+            </a:r>
+            <a:r>
+              <a:rPr lang="en-US" sz="1800" dirty="0">
+                <a:latin typeface="Segoe UI Light" panose="020B0502040204020203" pitchFamily="34" charset="0"/>
+                <a:cs typeface="Segoe UI Light" panose="020B0502040204020203" pitchFamily="34" charset="0"/>
+              </a:rPr>
+              <a:t> </a:t>
+            </a:r>
+            <a:r>
+              <a:rPr lang="en-US" sz="1800" dirty="0" err="1">
+                <a:latin typeface="Segoe UI Light" panose="020B0502040204020203" pitchFamily="34" charset="0"/>
+                <a:cs typeface="Segoe UI Light" panose="020B0502040204020203" pitchFamily="34" charset="0"/>
+              </a:rPr>
+              <a:t>ultricies</a:t>
+            </a:r>
+            <a:r>
+              <a:rPr lang="en-US" sz="1800" dirty="0">
+                <a:latin typeface="Segoe UI Light" panose="020B0502040204020203" pitchFamily="34" charset="0"/>
+                <a:cs typeface="Segoe UI Light" panose="020B0502040204020203" pitchFamily="34" charset="0"/>
+              </a:rPr>
+              <a:t> </a:t>
+            </a:r>
+            <a:r>
+              <a:rPr lang="en-US" sz="1800" dirty="0" err="1">
+                <a:latin typeface="Segoe UI Light" panose="020B0502040204020203" pitchFamily="34" charset="0"/>
+                <a:cs typeface="Segoe UI Light" panose="020B0502040204020203" pitchFamily="34" charset="0"/>
+              </a:rPr>
+              <a:t>velit</a:t>
+            </a:r>
+            <a:r>
+              <a:rPr lang="en-US" sz="1800" dirty="0">
+                <a:latin typeface="Segoe UI Light" panose="020B0502040204020203" pitchFamily="34" charset="0"/>
+                <a:cs typeface="Segoe UI Light" panose="020B0502040204020203" pitchFamily="34" charset="0"/>
+              </a:rPr>
+              <a:t>. Maecenas </a:t>
+            </a:r>
+            <a:r>
+              <a:rPr lang="en-US" sz="1800" dirty="0" err="1">
+                <a:latin typeface="Segoe UI Light" panose="020B0502040204020203" pitchFamily="34" charset="0"/>
+                <a:cs typeface="Segoe UI Light" panose="020B0502040204020203" pitchFamily="34" charset="0"/>
+              </a:rPr>
+              <a:t>mauris</a:t>
+            </a:r>
+            <a:r>
+              <a:rPr lang="en-US" sz="1800" dirty="0">
+                <a:latin typeface="Segoe UI Light" panose="020B0502040204020203" pitchFamily="34" charset="0"/>
+                <a:cs typeface="Segoe UI Light" panose="020B0502040204020203" pitchFamily="34" charset="0"/>
+              </a:rPr>
+              <a:t> </a:t>
+            </a:r>
+            <a:r>
+              <a:rPr lang="en-US" sz="1800" dirty="0" err="1">
+                <a:latin typeface="Segoe UI Light" panose="020B0502040204020203" pitchFamily="34" charset="0"/>
+                <a:cs typeface="Segoe UI Light" panose="020B0502040204020203" pitchFamily="34" charset="0"/>
+              </a:rPr>
+              <a:t>massa</a:t>
+            </a:r>
+            <a:r>
+              <a:rPr lang="en-US" sz="1800" dirty="0">
+                <a:latin typeface="Segoe UI Light" panose="020B0502040204020203" pitchFamily="34" charset="0"/>
+                <a:cs typeface="Segoe UI Light" panose="020B0502040204020203" pitchFamily="34" charset="0"/>
+              </a:rPr>
+              <a:t>, lacinia at </a:t>
+            </a:r>
+            <a:r>
+              <a:rPr lang="en-US" sz="1800" dirty="0" err="1">
+                <a:latin typeface="Segoe UI Light" panose="020B0502040204020203" pitchFamily="34" charset="0"/>
+                <a:cs typeface="Segoe UI Light" panose="020B0502040204020203" pitchFamily="34" charset="0"/>
+              </a:rPr>
+              <a:t>sapien</a:t>
+            </a:r>
+            <a:r>
+              <a:rPr lang="en-US" sz="1800" dirty="0">
+                <a:latin typeface="Segoe UI Light" panose="020B0502040204020203" pitchFamily="34" charset="0"/>
+                <a:cs typeface="Segoe UI Light" panose="020B0502040204020203" pitchFamily="34" charset="0"/>
+              </a:rPr>
+              <a:t> et, </a:t>
+            </a:r>
+            <a:r>
+              <a:rPr lang="en-US" sz="1800" dirty="0" err="1">
+                <a:latin typeface="Segoe UI Light" panose="020B0502040204020203" pitchFamily="34" charset="0"/>
+                <a:cs typeface="Segoe UI Light" panose="020B0502040204020203" pitchFamily="34" charset="0"/>
+              </a:rPr>
+              <a:t>sodales</a:t>
+            </a:r>
+            <a:r>
+              <a:rPr lang="en-US" sz="1800" dirty="0">
+                <a:latin typeface="Segoe UI Light" panose="020B0502040204020203" pitchFamily="34" charset="0"/>
+                <a:cs typeface="Segoe UI Light" panose="020B0502040204020203" pitchFamily="34" charset="0"/>
+              </a:rPr>
+              <a:t> </a:t>
+            </a:r>
+            <a:r>
+              <a:rPr lang="en-US" sz="1800" dirty="0" err="1">
+                <a:latin typeface="Segoe UI Light" panose="020B0502040204020203" pitchFamily="34" charset="0"/>
+                <a:cs typeface="Segoe UI Light" panose="020B0502040204020203" pitchFamily="34" charset="0"/>
+              </a:rPr>
+              <a:t>suscipit</a:t>
+            </a:r>
+            <a:r>
+              <a:rPr lang="en-US" sz="1800" dirty="0">
+                <a:latin typeface="Segoe UI Light" panose="020B0502040204020203" pitchFamily="34" charset="0"/>
+                <a:cs typeface="Segoe UI Light" panose="020B0502040204020203" pitchFamily="34" charset="0"/>
+              </a:rPr>
+              <a:t> </a:t>
+            </a:r>
+            <a:r>
+              <a:rPr lang="en-US" sz="1800" dirty="0" err="1">
+                <a:latin typeface="Segoe UI Light" panose="020B0502040204020203" pitchFamily="34" charset="0"/>
+                <a:cs typeface="Segoe UI Light" panose="020B0502040204020203" pitchFamily="34" charset="0"/>
+              </a:rPr>
+              <a:t>quam</a:t>
+            </a:r>
+            <a:endParaRPr lang="en-US" sz="1800" dirty="0">
+              <a:latin typeface="Segoe UI Light" panose="020B0502040204020203" pitchFamily="34" charset="0"/>
+              <a:cs typeface="Segoe UI Light" panose="020B0502040204020203" pitchFamily="34" charset="0"/>
+            </a:endParaRPr>
+          </a:p>
+        </p:txBody>
+      </p:sp>
+    </p:spTree>
+    <p:extLst>
+      <p:ext uri="{BB962C8B-B14F-4D97-AF65-F5344CB8AC3E}">
+        <p14:creationId xmlns:p14="http://schemas.microsoft.com/office/powerpoint/2010/main" val="639917840"/>
+      </p:ext>
+    </p:extLst>
+  </p:cSld>
+  <p:clrMapOvr>
+    <a:masterClrMapping/>
+  </p:clrMapOvr>
+  <mc:AlternateContent xmlns:mc="http://schemas.openxmlformats.org/markup-compatibility/2006" xmlns:p14="http://schemas.microsoft.com/office/powerpoint/2010/main">
+    <mc:Choice Requires="p14">
+      <p:transition p14:dur="100">
+        <p:cut/>
+      </p:transition>
+    </mc:Choice>
+    <mc:Fallback xmlns="">
+      <p:transition>
+        <p:cut/>
+      </p:transition>
+    </mc:Fallback>
+  </mc:AlternateContent>
+</p:sld>
+</file>
+
+<file path=ppt/slides/slide46.xml><?xml version="1.0" encoding="utf-8"?>
+<p:sld xmlns:a="http://schemas.openxmlformats.org/drawingml/2006/main" xmlns:r="http://schemas.openxmlformats.org/officeDocument/2006/relationships" xmlns:p="http://schemas.openxmlformats.org/presentationml/2006/main">
+  <p:cSld>
+    <p:spTree>
+      <p:nvGrpSpPr>
+        <p:cNvPr id="1" name=""/>
+        <p:cNvGrpSpPr/>
+        <p:nvPr/>
+      </p:nvGrpSpPr>
+      <p:grpSpPr>
+        <a:xfrm>
+          <a:off x="0" y="0"/>
+          <a:ext cx="0" cy="0"/>
+          <a:chOff x="0" y="0"/>
+          <a:chExt cx="0" cy="0"/>
+        </a:xfrm>
+      </p:grpSpPr>
+      <p:pic>
+        <p:nvPicPr>
           <p:cNvPr id="19" name="Picture 18">
             <a:extLst>
               <a:ext uri="{FF2B5EF4-FFF2-40B4-BE49-F238E27FC236}">
@@ -30239,7 +31962,7 @@
 </p:sld>
 </file>
 
-<file path=ppt/slides/slide45.xml><?xml version="1.0" encoding="utf-8"?>
+<file path=ppt/slides/slide47.xml><?xml version="1.0" encoding="utf-8"?>
 <p:sld xmlns:a="http://schemas.openxmlformats.org/drawingml/2006/main" xmlns:r="http://schemas.openxmlformats.org/officeDocument/2006/relationships" xmlns:p="http://schemas.openxmlformats.org/presentationml/2006/main">
   <p:cSld>
     <p:spTree>
@@ -31594,7 +33317,7 @@
 </p:sld>
 </file>
 
-<file path=ppt/slides/slide46.xml><?xml version="1.0" encoding="utf-8"?>
+<file path=ppt/slides/slide48.xml><?xml version="1.0" encoding="utf-8"?>
 <p:sld xmlns:a="http://schemas.openxmlformats.org/drawingml/2006/main" xmlns:r="http://schemas.openxmlformats.org/officeDocument/2006/relationships" xmlns:p="http://schemas.openxmlformats.org/presentationml/2006/main">
   <p:cSld>
     <p:spTree>
@@ -32976,7 +34699,7 @@
 </p:sld>
 </file>
 
-<file path=ppt/slides/slide47.xml><?xml version="1.0" encoding="utf-8"?>
+<file path=ppt/slides/slide49.xml><?xml version="1.0" encoding="utf-8"?>
 <p:sld xmlns:a="http://schemas.openxmlformats.org/drawingml/2006/main" xmlns:r="http://schemas.openxmlformats.org/officeDocument/2006/relationships" xmlns:p="http://schemas.openxmlformats.org/presentationml/2006/main">
   <p:cSld>
     <p:spTree>
@@ -34346,7 +36069,682 @@
 </p:sld>
 </file>
 
-<file path=ppt/slides/slide48.xml><?xml version="1.0" encoding="utf-8"?>
+<file path=ppt/slides/slide5.xml><?xml version="1.0" encoding="utf-8"?>
+<p:sld xmlns:a="http://schemas.openxmlformats.org/drawingml/2006/main" xmlns:r="http://schemas.openxmlformats.org/officeDocument/2006/relationships" xmlns:p="http://schemas.openxmlformats.org/presentationml/2006/main">
+  <p:cSld>
+    <p:spTree>
+      <p:nvGrpSpPr>
+        <p:cNvPr id="1" name=""/>
+        <p:cNvGrpSpPr/>
+        <p:nvPr/>
+      </p:nvGrpSpPr>
+      <p:grpSpPr>
+        <a:xfrm>
+          <a:off x="0" y="0"/>
+          <a:ext cx="0" cy="0"/>
+          <a:chOff x="0" y="0"/>
+          <a:chExt cx="0" cy="0"/>
+        </a:xfrm>
+      </p:grpSpPr>
+      <p:pic>
+        <p:nvPicPr>
+          <p:cNvPr id="9" name="Picture 8">
+            <a:extLst>
+              <a:ext uri="{FF2B5EF4-FFF2-40B4-BE49-F238E27FC236}">
+                <a16:creationId xmlns:a16="http://schemas.microsoft.com/office/drawing/2014/main" id="{39E83B63-DAE7-4E06-A56F-CF1576B89936}"/>
+              </a:ext>
+            </a:extLst>
+          </p:cNvPr>
+          <p:cNvPicPr>
+            <a:picLocks noChangeAspect="1"/>
+          </p:cNvPicPr>
+          <p:nvPr/>
+        </p:nvPicPr>
+        <p:blipFill>
+          <a:blip r:embed="rId2">
+            <a:extLst>
+              <a:ext uri="{28A0092B-C50C-407E-A947-70E740481C1C}">
+                <a14:useLocalDpi xmlns:a14="http://schemas.microsoft.com/office/drawing/2010/main" val="0"/>
+              </a:ext>
+            </a:extLst>
+          </a:blip>
+          <a:stretch>
+            <a:fillRect/>
+          </a:stretch>
+        </p:blipFill>
+        <p:spPr>
+          <a:xfrm>
+            <a:off x="0" y="0"/>
+            <a:ext cx="12192000" cy="6858000"/>
+          </a:xfrm>
+          <a:prstGeom prst="rect">
+            <a:avLst/>
+          </a:prstGeom>
+        </p:spPr>
+      </p:pic>
+      <p:sp>
+        <p:nvSpPr>
+          <p:cNvPr id="2" name="Title 1">
+            <a:extLst>
+              <a:ext uri="{FF2B5EF4-FFF2-40B4-BE49-F238E27FC236}">
+                <a16:creationId xmlns:a16="http://schemas.microsoft.com/office/drawing/2014/main" id="{0DE26BD9-3178-4532-BF33-58FE331BE190}"/>
+              </a:ext>
+            </a:extLst>
+          </p:cNvPr>
+          <p:cNvSpPr>
+            <a:spLocks noGrp="1"/>
+          </p:cNvSpPr>
+          <p:nvPr>
+            <p:ph type="ctrTitle"/>
+          </p:nvPr>
+        </p:nvSpPr>
+        <p:spPr>
+          <a:xfrm>
+            <a:off x="738908" y="930564"/>
+            <a:ext cx="4858328" cy="2311400"/>
+          </a:xfrm>
+        </p:spPr>
+        <p:txBody>
+          <a:bodyPr anchor="b">
+            <a:normAutofit/>
+          </a:bodyPr>
+          <a:lstStyle/>
+          <a:p>
+            <a:pPr algn="l"/>
+            <a:r>
+              <a:rPr lang="en-US" sz="4000" b="1" dirty="0">
+                <a:solidFill>
+                  <a:srgbClr val="0041C6"/>
+                </a:solidFill>
+                <a:latin typeface="Segoe UI Semibold" panose="020B0702040204020203" pitchFamily="34" charset="0"/>
+                <a:cs typeface="Segoe UI Semibold" panose="020B0702040204020203" pitchFamily="34" charset="0"/>
+              </a:rPr>
+              <a:t>Monolithic Application</a:t>
+            </a:r>
+          </a:p>
+        </p:txBody>
+      </p:sp>
+      <p:sp>
+        <p:nvSpPr>
+          <p:cNvPr id="5" name="Footer Placeholder 4">
+            <a:extLst>
+              <a:ext uri="{FF2B5EF4-FFF2-40B4-BE49-F238E27FC236}">
+                <a16:creationId xmlns:a16="http://schemas.microsoft.com/office/drawing/2014/main" id="{A3553ADE-3838-4EDB-9F14-97C75DE2198D}"/>
+              </a:ext>
+            </a:extLst>
+          </p:cNvPr>
+          <p:cNvSpPr>
+            <a:spLocks noGrp="1"/>
+          </p:cNvSpPr>
+          <p:nvPr>
+            <p:ph type="ftr" sz="quarter" idx="11"/>
+          </p:nvPr>
+        </p:nvSpPr>
+        <p:spPr>
+          <a:xfrm>
+            <a:off x="0" y="6483927"/>
+            <a:ext cx="4190999" cy="374073"/>
+          </a:xfrm>
+        </p:spPr>
+        <p:txBody>
+          <a:bodyPr/>
+          <a:lstStyle/>
+          <a:p>
+            <a:pPr algn="l"/>
+            <a:r>
+              <a:rPr lang="en-US" dirty="0" err="1">
+                <a:solidFill>
+                  <a:schemeClr val="tx1"/>
+                </a:solidFill>
+                <a:latin typeface="Segoe UI" panose="020B0502040204020203" pitchFamily="34" charset="0"/>
+                <a:cs typeface="Segoe UI" panose="020B0502040204020203" pitchFamily="34" charset="0"/>
+              </a:rPr>
+              <a:t>Halil</a:t>
+            </a:r>
+            <a:r>
+              <a:rPr lang="en-US" dirty="0">
+                <a:solidFill>
+                  <a:schemeClr val="tx1"/>
+                </a:solidFill>
+                <a:latin typeface="Segoe UI" panose="020B0502040204020203" pitchFamily="34" charset="0"/>
+                <a:cs typeface="Segoe UI" panose="020B0502040204020203" pitchFamily="34" charset="0"/>
+              </a:rPr>
+              <a:t> İbrahim KALKAN | @</a:t>
+            </a:r>
+            <a:r>
+              <a:rPr lang="en-US" dirty="0" err="1">
+                <a:solidFill>
+                  <a:schemeClr val="tx1"/>
+                </a:solidFill>
+                <a:latin typeface="Segoe UI" panose="020B0502040204020203" pitchFamily="34" charset="0"/>
+                <a:cs typeface="Segoe UI" panose="020B0502040204020203" pitchFamily="34" charset="0"/>
+              </a:rPr>
+              <a:t>hikalkan</a:t>
+            </a:r>
+            <a:r>
+              <a:rPr lang="en-US" dirty="0">
+                <a:solidFill>
+                  <a:schemeClr val="tx1"/>
+                </a:solidFill>
+                <a:latin typeface="Segoe UI" panose="020B0502040204020203" pitchFamily="34" charset="0"/>
+                <a:cs typeface="Segoe UI" panose="020B0502040204020203" pitchFamily="34" charset="0"/>
+              </a:rPr>
+              <a:t> | </a:t>
+            </a:r>
+            <a:r>
+              <a:rPr lang="en-US" dirty="0" err="1">
+                <a:solidFill>
+                  <a:schemeClr val="tx1"/>
+                </a:solidFill>
+                <a:latin typeface="Segoe UI" panose="020B0502040204020203" pitchFamily="34" charset="0"/>
+                <a:cs typeface="Segoe UI" panose="020B0502040204020203" pitchFamily="34" charset="0"/>
+              </a:rPr>
+              <a:t>Volosoft</a:t>
+            </a:r>
+            <a:r>
+              <a:rPr lang="en-US" dirty="0">
+                <a:solidFill>
+                  <a:schemeClr val="tx1"/>
+                </a:solidFill>
+                <a:latin typeface="Segoe UI" panose="020B0502040204020203" pitchFamily="34" charset="0"/>
+                <a:cs typeface="Segoe UI" panose="020B0502040204020203" pitchFamily="34" charset="0"/>
+              </a:rPr>
+              <a:t> TM</a:t>
+            </a:r>
+          </a:p>
+        </p:txBody>
+      </p:sp>
+      <p:sp>
+        <p:nvSpPr>
+          <p:cNvPr id="11" name="Subtitle 2">
+            <a:extLst>
+              <a:ext uri="{FF2B5EF4-FFF2-40B4-BE49-F238E27FC236}">
+                <a16:creationId xmlns:a16="http://schemas.microsoft.com/office/drawing/2014/main" id="{A769CE0C-E9B4-4049-B22B-C35AD0DD7409}"/>
+              </a:ext>
+            </a:extLst>
+          </p:cNvPr>
+          <p:cNvSpPr txBox="1">
+            <a:spLocks/>
+          </p:cNvSpPr>
+          <p:nvPr/>
+        </p:nvSpPr>
+        <p:spPr>
+          <a:xfrm>
+            <a:off x="3582554" y="2904836"/>
+            <a:ext cx="835891" cy="775853"/>
+          </a:xfrm>
+          <a:prstGeom prst="rect">
+            <a:avLst/>
+          </a:prstGeom>
+        </p:spPr>
+        <p:txBody>
+          <a:bodyPr vert="horz" lIns="91440" tIns="45720" rIns="91440" bIns="45720" rtlCol="0" anchor="ctr">
+            <a:normAutofit/>
+          </a:bodyPr>
+          <a:lstStyle>
+            <a:lvl1pPr marL="0" indent="0" algn="ctr" defTabSz="914400" rtl="0" eaLnBrk="1" latinLnBrk="0" hangingPunct="1">
+              <a:lnSpc>
+                <a:spcPct val="90000"/>
+              </a:lnSpc>
+              <a:spcBef>
+                <a:spcPts val="1000"/>
+              </a:spcBef>
+              <a:buFont typeface="Arial" panose="020B0604020202020204" pitchFamily="34" charset="0"/>
+              <a:buNone/>
+              <a:defRPr sz="2400" kern="1200">
+                <a:solidFill>
+                  <a:schemeClr val="tx1"/>
+                </a:solidFill>
+                <a:latin typeface="+mn-lt"/>
+                <a:ea typeface="+mn-ea"/>
+                <a:cs typeface="+mn-cs"/>
+              </a:defRPr>
+            </a:lvl1pPr>
+            <a:lvl2pPr marL="457200" indent="0" algn="ctr" defTabSz="914400" rtl="0" eaLnBrk="1" latinLnBrk="0" hangingPunct="1">
+              <a:lnSpc>
+                <a:spcPct val="90000"/>
+              </a:lnSpc>
+              <a:spcBef>
+                <a:spcPts val="500"/>
+              </a:spcBef>
+              <a:buFont typeface="Arial" panose="020B0604020202020204" pitchFamily="34" charset="0"/>
+              <a:buNone/>
+              <a:defRPr sz="2000" kern="1200">
+                <a:solidFill>
+                  <a:schemeClr val="tx1"/>
+                </a:solidFill>
+                <a:latin typeface="+mn-lt"/>
+                <a:ea typeface="+mn-ea"/>
+                <a:cs typeface="+mn-cs"/>
+              </a:defRPr>
+            </a:lvl2pPr>
+            <a:lvl3pPr marL="914400" indent="0" algn="ctr" defTabSz="914400" rtl="0" eaLnBrk="1" latinLnBrk="0" hangingPunct="1">
+              <a:lnSpc>
+                <a:spcPct val="90000"/>
+              </a:lnSpc>
+              <a:spcBef>
+                <a:spcPts val="500"/>
+              </a:spcBef>
+              <a:buFont typeface="Arial" panose="020B0604020202020204" pitchFamily="34" charset="0"/>
+              <a:buNone/>
+              <a:defRPr sz="1800" kern="1200">
+                <a:solidFill>
+                  <a:schemeClr val="tx1"/>
+                </a:solidFill>
+                <a:latin typeface="+mn-lt"/>
+                <a:ea typeface="+mn-ea"/>
+                <a:cs typeface="+mn-cs"/>
+              </a:defRPr>
+            </a:lvl3pPr>
+            <a:lvl4pPr marL="1371600" indent="0" algn="ctr" defTabSz="914400" rtl="0" eaLnBrk="1" latinLnBrk="0" hangingPunct="1">
+              <a:lnSpc>
+                <a:spcPct val="90000"/>
+              </a:lnSpc>
+              <a:spcBef>
+                <a:spcPts val="500"/>
+              </a:spcBef>
+              <a:buFont typeface="Arial" panose="020B0604020202020204" pitchFamily="34" charset="0"/>
+              <a:buNone/>
+              <a:defRPr sz="1600" kern="1200">
+                <a:solidFill>
+                  <a:schemeClr val="tx1"/>
+                </a:solidFill>
+                <a:latin typeface="+mn-lt"/>
+                <a:ea typeface="+mn-ea"/>
+                <a:cs typeface="+mn-cs"/>
+              </a:defRPr>
+            </a:lvl4pPr>
+            <a:lvl5pPr marL="1828800" indent="0" algn="ctr" defTabSz="914400" rtl="0" eaLnBrk="1" latinLnBrk="0" hangingPunct="1">
+              <a:lnSpc>
+                <a:spcPct val="90000"/>
+              </a:lnSpc>
+              <a:spcBef>
+                <a:spcPts val="500"/>
+              </a:spcBef>
+              <a:buFont typeface="Arial" panose="020B0604020202020204" pitchFamily="34" charset="0"/>
+              <a:buNone/>
+              <a:defRPr sz="1600" kern="1200">
+                <a:solidFill>
+                  <a:schemeClr val="tx1"/>
+                </a:solidFill>
+                <a:latin typeface="+mn-lt"/>
+                <a:ea typeface="+mn-ea"/>
+                <a:cs typeface="+mn-cs"/>
+              </a:defRPr>
+            </a:lvl5pPr>
+            <a:lvl6pPr marL="2286000" indent="0" algn="ctr" defTabSz="914400" rtl="0" eaLnBrk="1" latinLnBrk="0" hangingPunct="1">
+              <a:lnSpc>
+                <a:spcPct val="90000"/>
+              </a:lnSpc>
+              <a:spcBef>
+                <a:spcPts val="500"/>
+              </a:spcBef>
+              <a:buFont typeface="Arial" panose="020B0604020202020204" pitchFamily="34" charset="0"/>
+              <a:buNone/>
+              <a:defRPr sz="1600" kern="1200">
+                <a:solidFill>
+                  <a:schemeClr val="tx1"/>
+                </a:solidFill>
+                <a:latin typeface="+mn-lt"/>
+                <a:ea typeface="+mn-ea"/>
+                <a:cs typeface="+mn-cs"/>
+              </a:defRPr>
+            </a:lvl6pPr>
+            <a:lvl7pPr marL="2743200" indent="0" algn="ctr" defTabSz="914400" rtl="0" eaLnBrk="1" latinLnBrk="0" hangingPunct="1">
+              <a:lnSpc>
+                <a:spcPct val="90000"/>
+              </a:lnSpc>
+              <a:spcBef>
+                <a:spcPts val="500"/>
+              </a:spcBef>
+              <a:buFont typeface="Arial" panose="020B0604020202020204" pitchFamily="34" charset="0"/>
+              <a:buNone/>
+              <a:defRPr sz="1600" kern="1200">
+                <a:solidFill>
+                  <a:schemeClr val="tx1"/>
+                </a:solidFill>
+                <a:latin typeface="+mn-lt"/>
+                <a:ea typeface="+mn-ea"/>
+                <a:cs typeface="+mn-cs"/>
+              </a:defRPr>
+            </a:lvl7pPr>
+            <a:lvl8pPr marL="3200400" indent="0" algn="ctr" defTabSz="914400" rtl="0" eaLnBrk="1" latinLnBrk="0" hangingPunct="1">
+              <a:lnSpc>
+                <a:spcPct val="90000"/>
+              </a:lnSpc>
+              <a:spcBef>
+                <a:spcPts val="500"/>
+              </a:spcBef>
+              <a:buFont typeface="Arial" panose="020B0604020202020204" pitchFamily="34" charset="0"/>
+              <a:buNone/>
+              <a:defRPr sz="1600" kern="1200">
+                <a:solidFill>
+                  <a:schemeClr val="tx1"/>
+                </a:solidFill>
+                <a:latin typeface="+mn-lt"/>
+                <a:ea typeface="+mn-ea"/>
+                <a:cs typeface="+mn-cs"/>
+              </a:defRPr>
+            </a:lvl8pPr>
+            <a:lvl9pPr marL="3657600" indent="0" algn="ctr" defTabSz="914400" rtl="0" eaLnBrk="1" latinLnBrk="0" hangingPunct="1">
+              <a:lnSpc>
+                <a:spcPct val="90000"/>
+              </a:lnSpc>
+              <a:spcBef>
+                <a:spcPts val="500"/>
+              </a:spcBef>
+              <a:buFont typeface="Arial" panose="020B0604020202020204" pitchFamily="34" charset="0"/>
+              <a:buNone/>
+              <a:defRPr sz="1600" kern="1200">
+                <a:solidFill>
+                  <a:schemeClr val="tx1"/>
+                </a:solidFill>
+                <a:latin typeface="+mn-lt"/>
+                <a:ea typeface="+mn-ea"/>
+                <a:cs typeface="+mn-cs"/>
+              </a:defRPr>
+            </a:lvl9pPr>
+          </a:lstStyle>
+          <a:p>
+            <a:r>
+              <a:rPr lang="en-US" sz="2000" b="1" dirty="0">
+                <a:solidFill>
+                  <a:schemeClr val="bg1"/>
+                </a:solidFill>
+                <a:latin typeface="Segoe UI Light" panose="020B0502040204020203" pitchFamily="34" charset="0"/>
+                <a:cs typeface="Segoe UI Light" panose="020B0502040204020203" pitchFamily="34" charset="0"/>
+              </a:rPr>
+              <a:t>VS</a:t>
+            </a:r>
+          </a:p>
+        </p:txBody>
+      </p:sp>
+      <p:sp>
+        <p:nvSpPr>
+          <p:cNvPr id="15" name="Subtitle 2">
+            <a:extLst>
+              <a:ext uri="{FF2B5EF4-FFF2-40B4-BE49-F238E27FC236}">
+                <a16:creationId xmlns:a16="http://schemas.microsoft.com/office/drawing/2014/main" id="{20939731-D3B7-4A28-B941-216A5F2FD525}"/>
+              </a:ext>
+            </a:extLst>
+          </p:cNvPr>
+          <p:cNvSpPr txBox="1">
+            <a:spLocks/>
+          </p:cNvSpPr>
+          <p:nvPr/>
+        </p:nvSpPr>
+        <p:spPr>
+          <a:xfrm>
+            <a:off x="738908" y="3173267"/>
+            <a:ext cx="4368801" cy="2042969"/>
+          </a:xfrm>
+          <a:prstGeom prst="rect">
+            <a:avLst/>
+          </a:prstGeom>
+        </p:spPr>
+        <p:txBody>
+          <a:bodyPr vert="horz" lIns="91440" tIns="45720" rIns="91440" bIns="45720" rtlCol="0" anchor="ctr">
+            <a:noAutofit/>
+          </a:bodyPr>
+          <a:lstStyle>
+            <a:lvl1pPr marL="0" indent="0" algn="ctr" defTabSz="914400" rtl="0" eaLnBrk="1" latinLnBrk="0" hangingPunct="1">
+              <a:lnSpc>
+                <a:spcPct val="90000"/>
+              </a:lnSpc>
+              <a:spcBef>
+                <a:spcPts val="1000"/>
+              </a:spcBef>
+              <a:buFont typeface="Arial" panose="020B0604020202020204" pitchFamily="34" charset="0"/>
+              <a:buNone/>
+              <a:defRPr sz="2400" kern="1200">
+                <a:solidFill>
+                  <a:schemeClr val="tx1"/>
+                </a:solidFill>
+                <a:latin typeface="+mn-lt"/>
+                <a:ea typeface="+mn-ea"/>
+                <a:cs typeface="+mn-cs"/>
+              </a:defRPr>
+            </a:lvl1pPr>
+            <a:lvl2pPr marL="457200" indent="0" algn="ctr" defTabSz="914400" rtl="0" eaLnBrk="1" latinLnBrk="0" hangingPunct="1">
+              <a:lnSpc>
+                <a:spcPct val="90000"/>
+              </a:lnSpc>
+              <a:spcBef>
+                <a:spcPts val="500"/>
+              </a:spcBef>
+              <a:buFont typeface="Arial" panose="020B0604020202020204" pitchFamily="34" charset="0"/>
+              <a:buNone/>
+              <a:defRPr sz="2000" kern="1200">
+                <a:solidFill>
+                  <a:schemeClr val="tx1"/>
+                </a:solidFill>
+                <a:latin typeface="+mn-lt"/>
+                <a:ea typeface="+mn-ea"/>
+                <a:cs typeface="+mn-cs"/>
+              </a:defRPr>
+            </a:lvl2pPr>
+            <a:lvl3pPr marL="914400" indent="0" algn="ctr" defTabSz="914400" rtl="0" eaLnBrk="1" latinLnBrk="0" hangingPunct="1">
+              <a:lnSpc>
+                <a:spcPct val="90000"/>
+              </a:lnSpc>
+              <a:spcBef>
+                <a:spcPts val="500"/>
+              </a:spcBef>
+              <a:buFont typeface="Arial" panose="020B0604020202020204" pitchFamily="34" charset="0"/>
+              <a:buNone/>
+              <a:defRPr sz="1800" kern="1200">
+                <a:solidFill>
+                  <a:schemeClr val="tx1"/>
+                </a:solidFill>
+                <a:latin typeface="+mn-lt"/>
+                <a:ea typeface="+mn-ea"/>
+                <a:cs typeface="+mn-cs"/>
+              </a:defRPr>
+            </a:lvl3pPr>
+            <a:lvl4pPr marL="1371600" indent="0" algn="ctr" defTabSz="914400" rtl="0" eaLnBrk="1" latinLnBrk="0" hangingPunct="1">
+              <a:lnSpc>
+                <a:spcPct val="90000"/>
+              </a:lnSpc>
+              <a:spcBef>
+                <a:spcPts val="500"/>
+              </a:spcBef>
+              <a:buFont typeface="Arial" panose="020B0604020202020204" pitchFamily="34" charset="0"/>
+              <a:buNone/>
+              <a:defRPr sz="1600" kern="1200">
+                <a:solidFill>
+                  <a:schemeClr val="tx1"/>
+                </a:solidFill>
+                <a:latin typeface="+mn-lt"/>
+                <a:ea typeface="+mn-ea"/>
+                <a:cs typeface="+mn-cs"/>
+              </a:defRPr>
+            </a:lvl4pPr>
+            <a:lvl5pPr marL="1828800" indent="0" algn="ctr" defTabSz="914400" rtl="0" eaLnBrk="1" latinLnBrk="0" hangingPunct="1">
+              <a:lnSpc>
+                <a:spcPct val="90000"/>
+              </a:lnSpc>
+              <a:spcBef>
+                <a:spcPts val="500"/>
+              </a:spcBef>
+              <a:buFont typeface="Arial" panose="020B0604020202020204" pitchFamily="34" charset="0"/>
+              <a:buNone/>
+              <a:defRPr sz="1600" kern="1200">
+                <a:solidFill>
+                  <a:schemeClr val="tx1"/>
+                </a:solidFill>
+                <a:latin typeface="+mn-lt"/>
+                <a:ea typeface="+mn-ea"/>
+                <a:cs typeface="+mn-cs"/>
+              </a:defRPr>
+            </a:lvl5pPr>
+            <a:lvl6pPr marL="2286000" indent="0" algn="ctr" defTabSz="914400" rtl="0" eaLnBrk="1" latinLnBrk="0" hangingPunct="1">
+              <a:lnSpc>
+                <a:spcPct val="90000"/>
+              </a:lnSpc>
+              <a:spcBef>
+                <a:spcPts val="500"/>
+              </a:spcBef>
+              <a:buFont typeface="Arial" panose="020B0604020202020204" pitchFamily="34" charset="0"/>
+              <a:buNone/>
+              <a:defRPr sz="1600" kern="1200">
+                <a:solidFill>
+                  <a:schemeClr val="tx1"/>
+                </a:solidFill>
+                <a:latin typeface="+mn-lt"/>
+                <a:ea typeface="+mn-ea"/>
+                <a:cs typeface="+mn-cs"/>
+              </a:defRPr>
+            </a:lvl6pPr>
+            <a:lvl7pPr marL="2743200" indent="0" algn="ctr" defTabSz="914400" rtl="0" eaLnBrk="1" latinLnBrk="0" hangingPunct="1">
+              <a:lnSpc>
+                <a:spcPct val="90000"/>
+              </a:lnSpc>
+              <a:spcBef>
+                <a:spcPts val="500"/>
+              </a:spcBef>
+              <a:buFont typeface="Arial" panose="020B0604020202020204" pitchFamily="34" charset="0"/>
+              <a:buNone/>
+              <a:defRPr sz="1600" kern="1200">
+                <a:solidFill>
+                  <a:schemeClr val="tx1"/>
+                </a:solidFill>
+                <a:latin typeface="+mn-lt"/>
+                <a:ea typeface="+mn-ea"/>
+                <a:cs typeface="+mn-cs"/>
+              </a:defRPr>
+            </a:lvl7pPr>
+            <a:lvl8pPr marL="3200400" indent="0" algn="ctr" defTabSz="914400" rtl="0" eaLnBrk="1" latinLnBrk="0" hangingPunct="1">
+              <a:lnSpc>
+                <a:spcPct val="90000"/>
+              </a:lnSpc>
+              <a:spcBef>
+                <a:spcPts val="500"/>
+              </a:spcBef>
+              <a:buFont typeface="Arial" panose="020B0604020202020204" pitchFamily="34" charset="0"/>
+              <a:buNone/>
+              <a:defRPr sz="1600" kern="1200">
+                <a:solidFill>
+                  <a:schemeClr val="tx1"/>
+                </a:solidFill>
+                <a:latin typeface="+mn-lt"/>
+                <a:ea typeface="+mn-ea"/>
+                <a:cs typeface="+mn-cs"/>
+              </a:defRPr>
+            </a:lvl8pPr>
+            <a:lvl9pPr marL="3657600" indent="0" algn="ctr" defTabSz="914400" rtl="0" eaLnBrk="1" latinLnBrk="0" hangingPunct="1">
+              <a:lnSpc>
+                <a:spcPct val="90000"/>
+              </a:lnSpc>
+              <a:spcBef>
+                <a:spcPts val="500"/>
+              </a:spcBef>
+              <a:buFont typeface="Arial" panose="020B0604020202020204" pitchFamily="34" charset="0"/>
+              <a:buNone/>
+              <a:defRPr sz="1600" kern="1200">
+                <a:solidFill>
+                  <a:schemeClr val="tx1"/>
+                </a:solidFill>
+                <a:latin typeface="+mn-lt"/>
+                <a:ea typeface="+mn-ea"/>
+                <a:cs typeface="+mn-cs"/>
+              </a:defRPr>
+            </a:lvl9pPr>
+          </a:lstStyle>
+          <a:p>
+            <a:pPr marL="285750" indent="-285750" algn="l">
+              <a:lnSpc>
+                <a:spcPct val="150000"/>
+              </a:lnSpc>
+              <a:buFont typeface="Arial" panose="020B0604020202020204" pitchFamily="34" charset="0"/>
+              <a:buChar char="•"/>
+            </a:pPr>
+            <a:r>
+              <a:rPr lang="en-US" sz="1600" dirty="0">
+                <a:latin typeface="Segoe UI Light" panose="020B0502040204020203" pitchFamily="34" charset="0"/>
+                <a:cs typeface="Segoe UI Light" panose="020B0502040204020203" pitchFamily="34" charset="0"/>
+              </a:rPr>
+              <a:t>Services directly </a:t>
+            </a:r>
+            <a:r>
+              <a:rPr lang="en-US" sz="1600" b="1" dirty="0">
+                <a:latin typeface="Segoe UI Light" panose="020B0502040204020203" pitchFamily="34" charset="0"/>
+                <a:cs typeface="Segoe UI Light" panose="020B0502040204020203" pitchFamily="34" charset="0"/>
+              </a:rPr>
+              <a:t>injects</a:t>
+            </a:r>
+            <a:r>
+              <a:rPr lang="en-US" sz="1600" dirty="0">
+                <a:latin typeface="Segoe UI Light" panose="020B0502040204020203" pitchFamily="34" charset="0"/>
+                <a:cs typeface="Segoe UI Light" panose="020B0502040204020203" pitchFamily="34" charset="0"/>
+              </a:rPr>
+              <a:t> &amp; use other services.</a:t>
+            </a:r>
+          </a:p>
+          <a:p>
+            <a:pPr marL="285750" indent="-285750" algn="l">
+              <a:lnSpc>
+                <a:spcPct val="150000"/>
+              </a:lnSpc>
+              <a:buFont typeface="Arial" panose="020B0604020202020204" pitchFamily="34" charset="0"/>
+              <a:buChar char="•"/>
+            </a:pPr>
+            <a:r>
+              <a:rPr lang="en-US" sz="1600" b="1" dirty="0">
+                <a:latin typeface="Segoe UI Light" panose="020B0502040204020203" pitchFamily="34" charset="0"/>
+                <a:cs typeface="Segoe UI Light" panose="020B0502040204020203" pitchFamily="34" charset="0"/>
+              </a:rPr>
+              <a:t>Developed</a:t>
+            </a:r>
+            <a:r>
+              <a:rPr lang="en-US" sz="1600" dirty="0">
+                <a:latin typeface="Segoe UI Light" panose="020B0502040204020203" pitchFamily="34" charset="0"/>
+                <a:cs typeface="Segoe UI Light" panose="020B0502040204020203" pitchFamily="34" charset="0"/>
+              </a:rPr>
+              <a:t> and </a:t>
+            </a:r>
+            <a:r>
+              <a:rPr lang="en-US" sz="1600" b="1" dirty="0">
+                <a:latin typeface="Segoe UI Light" panose="020B0502040204020203" pitchFamily="34" charset="0"/>
+                <a:cs typeface="Segoe UI Light" panose="020B0502040204020203" pitchFamily="34" charset="0"/>
+              </a:rPr>
+              <a:t>deployed</a:t>
+            </a:r>
+            <a:r>
+              <a:rPr lang="en-US" sz="1600" dirty="0">
+                <a:latin typeface="Segoe UI Light" panose="020B0502040204020203" pitchFamily="34" charset="0"/>
+                <a:cs typeface="Segoe UI Light" panose="020B0502040204020203" pitchFamily="34" charset="0"/>
+              </a:rPr>
+              <a:t> as a single unit.</a:t>
+            </a:r>
+          </a:p>
+        </p:txBody>
+      </p:sp>
+    </p:spTree>
+    <p:extLst>
+      <p:ext uri="{BB962C8B-B14F-4D97-AF65-F5344CB8AC3E}">
+        <p14:creationId xmlns:p14="http://schemas.microsoft.com/office/powerpoint/2010/main" val="1869808668"/>
+      </p:ext>
+    </p:extLst>
+  </p:cSld>
+  <p:clrMapOvr>
+    <a:masterClrMapping/>
+  </p:clrMapOvr>
+  <mc:AlternateContent xmlns:mc="http://schemas.openxmlformats.org/markup-compatibility/2006" xmlns:p14="http://schemas.microsoft.com/office/powerpoint/2010/main">
+    <mc:Choice Requires="p14">
+      <p:transition p14:dur="100">
+        <p:cut/>
+      </p:transition>
+    </mc:Choice>
+    <mc:Fallback xmlns="">
+      <p:transition>
+        <p:cut/>
+      </p:transition>
+    </mc:Fallback>
+  </mc:AlternateContent>
+</p:sld>
+</file>
+
+<file path=ppt/slides/slide50.xml><?xml version="1.0" encoding="utf-8"?>
 <p:sld xmlns:a="http://schemas.openxmlformats.org/drawingml/2006/main" xmlns:r="http://schemas.openxmlformats.org/officeDocument/2006/relationships" xmlns:p="http://schemas.openxmlformats.org/presentationml/2006/main">
   <p:cSld>
     <p:spTree>
@@ -35383,681 +37781,6 @@
     <p:extLst>
       <p:ext uri="{BB962C8B-B14F-4D97-AF65-F5344CB8AC3E}">
         <p14:creationId xmlns:p14="http://schemas.microsoft.com/office/powerpoint/2010/main" val="4143889627"/>
-      </p:ext>
-    </p:extLst>
-  </p:cSld>
-  <p:clrMapOvr>
-    <a:masterClrMapping/>
-  </p:clrMapOvr>
-  <mc:AlternateContent xmlns:mc="http://schemas.openxmlformats.org/markup-compatibility/2006" xmlns:p14="http://schemas.microsoft.com/office/powerpoint/2010/main">
-    <mc:Choice Requires="p14">
-      <p:transition p14:dur="100">
-        <p:cut/>
-      </p:transition>
-    </mc:Choice>
-    <mc:Fallback xmlns="">
-      <p:transition>
-        <p:cut/>
-      </p:transition>
-    </mc:Fallback>
-  </mc:AlternateContent>
-</p:sld>
-</file>
-
-<file path=ppt/slides/slide5.xml><?xml version="1.0" encoding="utf-8"?>
-<p:sld xmlns:a="http://schemas.openxmlformats.org/drawingml/2006/main" xmlns:r="http://schemas.openxmlformats.org/officeDocument/2006/relationships" xmlns:p="http://schemas.openxmlformats.org/presentationml/2006/main">
-  <p:cSld>
-    <p:spTree>
-      <p:nvGrpSpPr>
-        <p:cNvPr id="1" name=""/>
-        <p:cNvGrpSpPr/>
-        <p:nvPr/>
-      </p:nvGrpSpPr>
-      <p:grpSpPr>
-        <a:xfrm>
-          <a:off x="0" y="0"/>
-          <a:ext cx="0" cy="0"/>
-          <a:chOff x="0" y="0"/>
-          <a:chExt cx="0" cy="0"/>
-        </a:xfrm>
-      </p:grpSpPr>
-      <p:pic>
-        <p:nvPicPr>
-          <p:cNvPr id="9" name="Picture 8">
-            <a:extLst>
-              <a:ext uri="{FF2B5EF4-FFF2-40B4-BE49-F238E27FC236}">
-                <a16:creationId xmlns:a16="http://schemas.microsoft.com/office/drawing/2014/main" id="{39E83B63-DAE7-4E06-A56F-CF1576B89936}"/>
-              </a:ext>
-            </a:extLst>
-          </p:cNvPr>
-          <p:cNvPicPr>
-            <a:picLocks noChangeAspect="1"/>
-          </p:cNvPicPr>
-          <p:nvPr/>
-        </p:nvPicPr>
-        <p:blipFill>
-          <a:blip r:embed="rId2">
-            <a:extLst>
-              <a:ext uri="{28A0092B-C50C-407E-A947-70E740481C1C}">
-                <a14:useLocalDpi xmlns:a14="http://schemas.microsoft.com/office/drawing/2010/main" val="0"/>
-              </a:ext>
-            </a:extLst>
-          </a:blip>
-          <a:stretch>
-            <a:fillRect/>
-          </a:stretch>
-        </p:blipFill>
-        <p:spPr>
-          <a:xfrm>
-            <a:off x="0" y="0"/>
-            <a:ext cx="12192000" cy="6858000"/>
-          </a:xfrm>
-          <a:prstGeom prst="rect">
-            <a:avLst/>
-          </a:prstGeom>
-        </p:spPr>
-      </p:pic>
-      <p:sp>
-        <p:nvSpPr>
-          <p:cNvPr id="2" name="Title 1">
-            <a:extLst>
-              <a:ext uri="{FF2B5EF4-FFF2-40B4-BE49-F238E27FC236}">
-                <a16:creationId xmlns:a16="http://schemas.microsoft.com/office/drawing/2014/main" id="{0DE26BD9-3178-4532-BF33-58FE331BE190}"/>
-              </a:ext>
-            </a:extLst>
-          </p:cNvPr>
-          <p:cNvSpPr>
-            <a:spLocks noGrp="1"/>
-          </p:cNvSpPr>
-          <p:nvPr>
-            <p:ph type="ctrTitle"/>
-          </p:nvPr>
-        </p:nvSpPr>
-        <p:spPr>
-          <a:xfrm>
-            <a:off x="738908" y="930564"/>
-            <a:ext cx="4858328" cy="2311400"/>
-          </a:xfrm>
-        </p:spPr>
-        <p:txBody>
-          <a:bodyPr anchor="b">
-            <a:normAutofit/>
-          </a:bodyPr>
-          <a:lstStyle/>
-          <a:p>
-            <a:pPr algn="l"/>
-            <a:r>
-              <a:rPr lang="en-US" sz="4000" b="1" dirty="0">
-                <a:solidFill>
-                  <a:srgbClr val="0041C6"/>
-                </a:solidFill>
-                <a:latin typeface="Segoe UI Semibold" panose="020B0702040204020203" pitchFamily="34" charset="0"/>
-                <a:cs typeface="Segoe UI Semibold" panose="020B0702040204020203" pitchFamily="34" charset="0"/>
-              </a:rPr>
-              <a:t>Monolithic Application</a:t>
-            </a:r>
-          </a:p>
-        </p:txBody>
-      </p:sp>
-      <p:sp>
-        <p:nvSpPr>
-          <p:cNvPr id="5" name="Footer Placeholder 4">
-            <a:extLst>
-              <a:ext uri="{FF2B5EF4-FFF2-40B4-BE49-F238E27FC236}">
-                <a16:creationId xmlns:a16="http://schemas.microsoft.com/office/drawing/2014/main" id="{A3553ADE-3838-4EDB-9F14-97C75DE2198D}"/>
-              </a:ext>
-            </a:extLst>
-          </p:cNvPr>
-          <p:cNvSpPr>
-            <a:spLocks noGrp="1"/>
-          </p:cNvSpPr>
-          <p:nvPr>
-            <p:ph type="ftr" sz="quarter" idx="11"/>
-          </p:nvPr>
-        </p:nvSpPr>
-        <p:spPr>
-          <a:xfrm>
-            <a:off x="0" y="6483927"/>
-            <a:ext cx="4190999" cy="374073"/>
-          </a:xfrm>
-        </p:spPr>
-        <p:txBody>
-          <a:bodyPr/>
-          <a:lstStyle/>
-          <a:p>
-            <a:pPr algn="l"/>
-            <a:r>
-              <a:rPr lang="en-US" dirty="0" err="1">
-                <a:solidFill>
-                  <a:schemeClr val="tx1"/>
-                </a:solidFill>
-                <a:latin typeface="Segoe UI" panose="020B0502040204020203" pitchFamily="34" charset="0"/>
-                <a:cs typeface="Segoe UI" panose="020B0502040204020203" pitchFamily="34" charset="0"/>
-              </a:rPr>
-              <a:t>Halil</a:t>
-            </a:r>
-            <a:r>
-              <a:rPr lang="en-US" dirty="0">
-                <a:solidFill>
-                  <a:schemeClr val="tx1"/>
-                </a:solidFill>
-                <a:latin typeface="Segoe UI" panose="020B0502040204020203" pitchFamily="34" charset="0"/>
-                <a:cs typeface="Segoe UI" panose="020B0502040204020203" pitchFamily="34" charset="0"/>
-              </a:rPr>
-              <a:t> İbrahim KALKAN | @</a:t>
-            </a:r>
-            <a:r>
-              <a:rPr lang="en-US" dirty="0" err="1">
-                <a:solidFill>
-                  <a:schemeClr val="tx1"/>
-                </a:solidFill>
-                <a:latin typeface="Segoe UI" panose="020B0502040204020203" pitchFamily="34" charset="0"/>
-                <a:cs typeface="Segoe UI" panose="020B0502040204020203" pitchFamily="34" charset="0"/>
-              </a:rPr>
-              <a:t>hikalkan</a:t>
-            </a:r>
-            <a:r>
-              <a:rPr lang="en-US" dirty="0">
-                <a:solidFill>
-                  <a:schemeClr val="tx1"/>
-                </a:solidFill>
-                <a:latin typeface="Segoe UI" panose="020B0502040204020203" pitchFamily="34" charset="0"/>
-                <a:cs typeface="Segoe UI" panose="020B0502040204020203" pitchFamily="34" charset="0"/>
-              </a:rPr>
-              <a:t> | </a:t>
-            </a:r>
-            <a:r>
-              <a:rPr lang="en-US" dirty="0" err="1">
-                <a:solidFill>
-                  <a:schemeClr val="tx1"/>
-                </a:solidFill>
-                <a:latin typeface="Segoe UI" panose="020B0502040204020203" pitchFamily="34" charset="0"/>
-                <a:cs typeface="Segoe UI" panose="020B0502040204020203" pitchFamily="34" charset="0"/>
-              </a:rPr>
-              <a:t>Volosoft</a:t>
-            </a:r>
-            <a:r>
-              <a:rPr lang="en-US" dirty="0">
-                <a:solidFill>
-                  <a:schemeClr val="tx1"/>
-                </a:solidFill>
-                <a:latin typeface="Segoe UI" panose="020B0502040204020203" pitchFamily="34" charset="0"/>
-                <a:cs typeface="Segoe UI" panose="020B0502040204020203" pitchFamily="34" charset="0"/>
-              </a:rPr>
-              <a:t> TM</a:t>
-            </a:r>
-          </a:p>
-        </p:txBody>
-      </p:sp>
-      <p:sp>
-        <p:nvSpPr>
-          <p:cNvPr id="11" name="Subtitle 2">
-            <a:extLst>
-              <a:ext uri="{FF2B5EF4-FFF2-40B4-BE49-F238E27FC236}">
-                <a16:creationId xmlns:a16="http://schemas.microsoft.com/office/drawing/2014/main" id="{A769CE0C-E9B4-4049-B22B-C35AD0DD7409}"/>
-              </a:ext>
-            </a:extLst>
-          </p:cNvPr>
-          <p:cNvSpPr txBox="1">
-            <a:spLocks/>
-          </p:cNvSpPr>
-          <p:nvPr/>
-        </p:nvSpPr>
-        <p:spPr>
-          <a:xfrm>
-            <a:off x="3582554" y="2904836"/>
-            <a:ext cx="835891" cy="775853"/>
-          </a:xfrm>
-          <a:prstGeom prst="rect">
-            <a:avLst/>
-          </a:prstGeom>
-        </p:spPr>
-        <p:txBody>
-          <a:bodyPr vert="horz" lIns="91440" tIns="45720" rIns="91440" bIns="45720" rtlCol="0" anchor="ctr">
-            <a:normAutofit/>
-          </a:bodyPr>
-          <a:lstStyle>
-            <a:lvl1pPr marL="0" indent="0" algn="ctr" defTabSz="914400" rtl="0" eaLnBrk="1" latinLnBrk="0" hangingPunct="1">
-              <a:lnSpc>
-                <a:spcPct val="90000"/>
-              </a:lnSpc>
-              <a:spcBef>
-                <a:spcPts val="1000"/>
-              </a:spcBef>
-              <a:buFont typeface="Arial" panose="020B0604020202020204" pitchFamily="34" charset="0"/>
-              <a:buNone/>
-              <a:defRPr sz="2400" kern="1200">
-                <a:solidFill>
-                  <a:schemeClr val="tx1"/>
-                </a:solidFill>
-                <a:latin typeface="+mn-lt"/>
-                <a:ea typeface="+mn-ea"/>
-                <a:cs typeface="+mn-cs"/>
-              </a:defRPr>
-            </a:lvl1pPr>
-            <a:lvl2pPr marL="457200" indent="0" algn="ctr" defTabSz="914400" rtl="0" eaLnBrk="1" latinLnBrk="0" hangingPunct="1">
-              <a:lnSpc>
-                <a:spcPct val="90000"/>
-              </a:lnSpc>
-              <a:spcBef>
-                <a:spcPts val="500"/>
-              </a:spcBef>
-              <a:buFont typeface="Arial" panose="020B0604020202020204" pitchFamily="34" charset="0"/>
-              <a:buNone/>
-              <a:defRPr sz="2000" kern="1200">
-                <a:solidFill>
-                  <a:schemeClr val="tx1"/>
-                </a:solidFill>
-                <a:latin typeface="+mn-lt"/>
-                <a:ea typeface="+mn-ea"/>
-                <a:cs typeface="+mn-cs"/>
-              </a:defRPr>
-            </a:lvl2pPr>
-            <a:lvl3pPr marL="914400" indent="0" algn="ctr" defTabSz="914400" rtl="0" eaLnBrk="1" latinLnBrk="0" hangingPunct="1">
-              <a:lnSpc>
-                <a:spcPct val="90000"/>
-              </a:lnSpc>
-              <a:spcBef>
-                <a:spcPts val="500"/>
-              </a:spcBef>
-              <a:buFont typeface="Arial" panose="020B0604020202020204" pitchFamily="34" charset="0"/>
-              <a:buNone/>
-              <a:defRPr sz="1800" kern="1200">
-                <a:solidFill>
-                  <a:schemeClr val="tx1"/>
-                </a:solidFill>
-                <a:latin typeface="+mn-lt"/>
-                <a:ea typeface="+mn-ea"/>
-                <a:cs typeface="+mn-cs"/>
-              </a:defRPr>
-            </a:lvl3pPr>
-            <a:lvl4pPr marL="1371600" indent="0" algn="ctr" defTabSz="914400" rtl="0" eaLnBrk="1" latinLnBrk="0" hangingPunct="1">
-              <a:lnSpc>
-                <a:spcPct val="90000"/>
-              </a:lnSpc>
-              <a:spcBef>
-                <a:spcPts val="500"/>
-              </a:spcBef>
-              <a:buFont typeface="Arial" panose="020B0604020202020204" pitchFamily="34" charset="0"/>
-              <a:buNone/>
-              <a:defRPr sz="1600" kern="1200">
-                <a:solidFill>
-                  <a:schemeClr val="tx1"/>
-                </a:solidFill>
-                <a:latin typeface="+mn-lt"/>
-                <a:ea typeface="+mn-ea"/>
-                <a:cs typeface="+mn-cs"/>
-              </a:defRPr>
-            </a:lvl4pPr>
-            <a:lvl5pPr marL="1828800" indent="0" algn="ctr" defTabSz="914400" rtl="0" eaLnBrk="1" latinLnBrk="0" hangingPunct="1">
-              <a:lnSpc>
-                <a:spcPct val="90000"/>
-              </a:lnSpc>
-              <a:spcBef>
-                <a:spcPts val="500"/>
-              </a:spcBef>
-              <a:buFont typeface="Arial" panose="020B0604020202020204" pitchFamily="34" charset="0"/>
-              <a:buNone/>
-              <a:defRPr sz="1600" kern="1200">
-                <a:solidFill>
-                  <a:schemeClr val="tx1"/>
-                </a:solidFill>
-                <a:latin typeface="+mn-lt"/>
-                <a:ea typeface="+mn-ea"/>
-                <a:cs typeface="+mn-cs"/>
-              </a:defRPr>
-            </a:lvl5pPr>
-            <a:lvl6pPr marL="2286000" indent="0" algn="ctr" defTabSz="914400" rtl="0" eaLnBrk="1" latinLnBrk="0" hangingPunct="1">
-              <a:lnSpc>
-                <a:spcPct val="90000"/>
-              </a:lnSpc>
-              <a:spcBef>
-                <a:spcPts val="500"/>
-              </a:spcBef>
-              <a:buFont typeface="Arial" panose="020B0604020202020204" pitchFamily="34" charset="0"/>
-              <a:buNone/>
-              <a:defRPr sz="1600" kern="1200">
-                <a:solidFill>
-                  <a:schemeClr val="tx1"/>
-                </a:solidFill>
-                <a:latin typeface="+mn-lt"/>
-                <a:ea typeface="+mn-ea"/>
-                <a:cs typeface="+mn-cs"/>
-              </a:defRPr>
-            </a:lvl6pPr>
-            <a:lvl7pPr marL="2743200" indent="0" algn="ctr" defTabSz="914400" rtl="0" eaLnBrk="1" latinLnBrk="0" hangingPunct="1">
-              <a:lnSpc>
-                <a:spcPct val="90000"/>
-              </a:lnSpc>
-              <a:spcBef>
-                <a:spcPts val="500"/>
-              </a:spcBef>
-              <a:buFont typeface="Arial" panose="020B0604020202020204" pitchFamily="34" charset="0"/>
-              <a:buNone/>
-              <a:defRPr sz="1600" kern="1200">
-                <a:solidFill>
-                  <a:schemeClr val="tx1"/>
-                </a:solidFill>
-                <a:latin typeface="+mn-lt"/>
-                <a:ea typeface="+mn-ea"/>
-                <a:cs typeface="+mn-cs"/>
-              </a:defRPr>
-            </a:lvl7pPr>
-            <a:lvl8pPr marL="3200400" indent="0" algn="ctr" defTabSz="914400" rtl="0" eaLnBrk="1" latinLnBrk="0" hangingPunct="1">
-              <a:lnSpc>
-                <a:spcPct val="90000"/>
-              </a:lnSpc>
-              <a:spcBef>
-                <a:spcPts val="500"/>
-              </a:spcBef>
-              <a:buFont typeface="Arial" panose="020B0604020202020204" pitchFamily="34" charset="0"/>
-              <a:buNone/>
-              <a:defRPr sz="1600" kern="1200">
-                <a:solidFill>
-                  <a:schemeClr val="tx1"/>
-                </a:solidFill>
-                <a:latin typeface="+mn-lt"/>
-                <a:ea typeface="+mn-ea"/>
-                <a:cs typeface="+mn-cs"/>
-              </a:defRPr>
-            </a:lvl8pPr>
-            <a:lvl9pPr marL="3657600" indent="0" algn="ctr" defTabSz="914400" rtl="0" eaLnBrk="1" latinLnBrk="0" hangingPunct="1">
-              <a:lnSpc>
-                <a:spcPct val="90000"/>
-              </a:lnSpc>
-              <a:spcBef>
-                <a:spcPts val="500"/>
-              </a:spcBef>
-              <a:buFont typeface="Arial" panose="020B0604020202020204" pitchFamily="34" charset="0"/>
-              <a:buNone/>
-              <a:defRPr sz="1600" kern="1200">
-                <a:solidFill>
-                  <a:schemeClr val="tx1"/>
-                </a:solidFill>
-                <a:latin typeface="+mn-lt"/>
-                <a:ea typeface="+mn-ea"/>
-                <a:cs typeface="+mn-cs"/>
-              </a:defRPr>
-            </a:lvl9pPr>
-          </a:lstStyle>
-          <a:p>
-            <a:r>
-              <a:rPr lang="en-US" sz="2000" b="1" dirty="0">
-                <a:solidFill>
-                  <a:schemeClr val="bg1"/>
-                </a:solidFill>
-                <a:latin typeface="Segoe UI Light" panose="020B0502040204020203" pitchFamily="34" charset="0"/>
-                <a:cs typeface="Segoe UI Light" panose="020B0502040204020203" pitchFamily="34" charset="0"/>
-              </a:rPr>
-              <a:t>VS</a:t>
-            </a:r>
-          </a:p>
-        </p:txBody>
-      </p:sp>
-      <p:sp>
-        <p:nvSpPr>
-          <p:cNvPr id="15" name="Subtitle 2">
-            <a:extLst>
-              <a:ext uri="{FF2B5EF4-FFF2-40B4-BE49-F238E27FC236}">
-                <a16:creationId xmlns:a16="http://schemas.microsoft.com/office/drawing/2014/main" id="{20939731-D3B7-4A28-B941-216A5F2FD525}"/>
-              </a:ext>
-            </a:extLst>
-          </p:cNvPr>
-          <p:cNvSpPr txBox="1">
-            <a:spLocks/>
-          </p:cNvSpPr>
-          <p:nvPr/>
-        </p:nvSpPr>
-        <p:spPr>
-          <a:xfrm>
-            <a:off x="738908" y="3173267"/>
-            <a:ext cx="4368801" cy="2042969"/>
-          </a:xfrm>
-          <a:prstGeom prst="rect">
-            <a:avLst/>
-          </a:prstGeom>
-        </p:spPr>
-        <p:txBody>
-          <a:bodyPr vert="horz" lIns="91440" tIns="45720" rIns="91440" bIns="45720" rtlCol="0" anchor="ctr">
-            <a:noAutofit/>
-          </a:bodyPr>
-          <a:lstStyle>
-            <a:lvl1pPr marL="0" indent="0" algn="ctr" defTabSz="914400" rtl="0" eaLnBrk="1" latinLnBrk="0" hangingPunct="1">
-              <a:lnSpc>
-                <a:spcPct val="90000"/>
-              </a:lnSpc>
-              <a:spcBef>
-                <a:spcPts val="1000"/>
-              </a:spcBef>
-              <a:buFont typeface="Arial" panose="020B0604020202020204" pitchFamily="34" charset="0"/>
-              <a:buNone/>
-              <a:defRPr sz="2400" kern="1200">
-                <a:solidFill>
-                  <a:schemeClr val="tx1"/>
-                </a:solidFill>
-                <a:latin typeface="+mn-lt"/>
-                <a:ea typeface="+mn-ea"/>
-                <a:cs typeface="+mn-cs"/>
-              </a:defRPr>
-            </a:lvl1pPr>
-            <a:lvl2pPr marL="457200" indent="0" algn="ctr" defTabSz="914400" rtl="0" eaLnBrk="1" latinLnBrk="0" hangingPunct="1">
-              <a:lnSpc>
-                <a:spcPct val="90000"/>
-              </a:lnSpc>
-              <a:spcBef>
-                <a:spcPts val="500"/>
-              </a:spcBef>
-              <a:buFont typeface="Arial" panose="020B0604020202020204" pitchFamily="34" charset="0"/>
-              <a:buNone/>
-              <a:defRPr sz="2000" kern="1200">
-                <a:solidFill>
-                  <a:schemeClr val="tx1"/>
-                </a:solidFill>
-                <a:latin typeface="+mn-lt"/>
-                <a:ea typeface="+mn-ea"/>
-                <a:cs typeface="+mn-cs"/>
-              </a:defRPr>
-            </a:lvl2pPr>
-            <a:lvl3pPr marL="914400" indent="0" algn="ctr" defTabSz="914400" rtl="0" eaLnBrk="1" latinLnBrk="0" hangingPunct="1">
-              <a:lnSpc>
-                <a:spcPct val="90000"/>
-              </a:lnSpc>
-              <a:spcBef>
-                <a:spcPts val="500"/>
-              </a:spcBef>
-              <a:buFont typeface="Arial" panose="020B0604020202020204" pitchFamily="34" charset="0"/>
-              <a:buNone/>
-              <a:defRPr sz="1800" kern="1200">
-                <a:solidFill>
-                  <a:schemeClr val="tx1"/>
-                </a:solidFill>
-                <a:latin typeface="+mn-lt"/>
-                <a:ea typeface="+mn-ea"/>
-                <a:cs typeface="+mn-cs"/>
-              </a:defRPr>
-            </a:lvl3pPr>
-            <a:lvl4pPr marL="1371600" indent="0" algn="ctr" defTabSz="914400" rtl="0" eaLnBrk="1" latinLnBrk="0" hangingPunct="1">
-              <a:lnSpc>
-                <a:spcPct val="90000"/>
-              </a:lnSpc>
-              <a:spcBef>
-                <a:spcPts val="500"/>
-              </a:spcBef>
-              <a:buFont typeface="Arial" panose="020B0604020202020204" pitchFamily="34" charset="0"/>
-              <a:buNone/>
-              <a:defRPr sz="1600" kern="1200">
-                <a:solidFill>
-                  <a:schemeClr val="tx1"/>
-                </a:solidFill>
-                <a:latin typeface="+mn-lt"/>
-                <a:ea typeface="+mn-ea"/>
-                <a:cs typeface="+mn-cs"/>
-              </a:defRPr>
-            </a:lvl4pPr>
-            <a:lvl5pPr marL="1828800" indent="0" algn="ctr" defTabSz="914400" rtl="0" eaLnBrk="1" latinLnBrk="0" hangingPunct="1">
-              <a:lnSpc>
-                <a:spcPct val="90000"/>
-              </a:lnSpc>
-              <a:spcBef>
-                <a:spcPts val="500"/>
-              </a:spcBef>
-              <a:buFont typeface="Arial" panose="020B0604020202020204" pitchFamily="34" charset="0"/>
-              <a:buNone/>
-              <a:defRPr sz="1600" kern="1200">
-                <a:solidFill>
-                  <a:schemeClr val="tx1"/>
-                </a:solidFill>
-                <a:latin typeface="+mn-lt"/>
-                <a:ea typeface="+mn-ea"/>
-                <a:cs typeface="+mn-cs"/>
-              </a:defRPr>
-            </a:lvl5pPr>
-            <a:lvl6pPr marL="2286000" indent="0" algn="ctr" defTabSz="914400" rtl="0" eaLnBrk="1" latinLnBrk="0" hangingPunct="1">
-              <a:lnSpc>
-                <a:spcPct val="90000"/>
-              </a:lnSpc>
-              <a:spcBef>
-                <a:spcPts val="500"/>
-              </a:spcBef>
-              <a:buFont typeface="Arial" panose="020B0604020202020204" pitchFamily="34" charset="0"/>
-              <a:buNone/>
-              <a:defRPr sz="1600" kern="1200">
-                <a:solidFill>
-                  <a:schemeClr val="tx1"/>
-                </a:solidFill>
-                <a:latin typeface="+mn-lt"/>
-                <a:ea typeface="+mn-ea"/>
-                <a:cs typeface="+mn-cs"/>
-              </a:defRPr>
-            </a:lvl6pPr>
-            <a:lvl7pPr marL="2743200" indent="0" algn="ctr" defTabSz="914400" rtl="0" eaLnBrk="1" latinLnBrk="0" hangingPunct="1">
-              <a:lnSpc>
-                <a:spcPct val="90000"/>
-              </a:lnSpc>
-              <a:spcBef>
-                <a:spcPts val="500"/>
-              </a:spcBef>
-              <a:buFont typeface="Arial" panose="020B0604020202020204" pitchFamily="34" charset="0"/>
-              <a:buNone/>
-              <a:defRPr sz="1600" kern="1200">
-                <a:solidFill>
-                  <a:schemeClr val="tx1"/>
-                </a:solidFill>
-                <a:latin typeface="+mn-lt"/>
-                <a:ea typeface="+mn-ea"/>
-                <a:cs typeface="+mn-cs"/>
-              </a:defRPr>
-            </a:lvl7pPr>
-            <a:lvl8pPr marL="3200400" indent="0" algn="ctr" defTabSz="914400" rtl="0" eaLnBrk="1" latinLnBrk="0" hangingPunct="1">
-              <a:lnSpc>
-                <a:spcPct val="90000"/>
-              </a:lnSpc>
-              <a:spcBef>
-                <a:spcPts val="500"/>
-              </a:spcBef>
-              <a:buFont typeface="Arial" panose="020B0604020202020204" pitchFamily="34" charset="0"/>
-              <a:buNone/>
-              <a:defRPr sz="1600" kern="1200">
-                <a:solidFill>
-                  <a:schemeClr val="tx1"/>
-                </a:solidFill>
-                <a:latin typeface="+mn-lt"/>
-                <a:ea typeface="+mn-ea"/>
-                <a:cs typeface="+mn-cs"/>
-              </a:defRPr>
-            </a:lvl8pPr>
-            <a:lvl9pPr marL="3657600" indent="0" algn="ctr" defTabSz="914400" rtl="0" eaLnBrk="1" latinLnBrk="0" hangingPunct="1">
-              <a:lnSpc>
-                <a:spcPct val="90000"/>
-              </a:lnSpc>
-              <a:spcBef>
-                <a:spcPts val="500"/>
-              </a:spcBef>
-              <a:buFont typeface="Arial" panose="020B0604020202020204" pitchFamily="34" charset="0"/>
-              <a:buNone/>
-              <a:defRPr sz="1600" kern="1200">
-                <a:solidFill>
-                  <a:schemeClr val="tx1"/>
-                </a:solidFill>
-                <a:latin typeface="+mn-lt"/>
-                <a:ea typeface="+mn-ea"/>
-                <a:cs typeface="+mn-cs"/>
-              </a:defRPr>
-            </a:lvl9pPr>
-          </a:lstStyle>
-          <a:p>
-            <a:pPr marL="285750" indent="-285750" algn="l">
-              <a:lnSpc>
-                <a:spcPct val="150000"/>
-              </a:lnSpc>
-              <a:buFont typeface="Arial" panose="020B0604020202020204" pitchFamily="34" charset="0"/>
-              <a:buChar char="•"/>
-            </a:pPr>
-            <a:r>
-              <a:rPr lang="en-US" sz="1600" dirty="0">
-                <a:latin typeface="Segoe UI Light" panose="020B0502040204020203" pitchFamily="34" charset="0"/>
-                <a:cs typeface="Segoe UI Light" panose="020B0502040204020203" pitchFamily="34" charset="0"/>
-              </a:rPr>
-              <a:t>Services directly </a:t>
-            </a:r>
-            <a:r>
-              <a:rPr lang="en-US" sz="1600" b="1" dirty="0">
-                <a:latin typeface="Segoe UI Light" panose="020B0502040204020203" pitchFamily="34" charset="0"/>
-                <a:cs typeface="Segoe UI Light" panose="020B0502040204020203" pitchFamily="34" charset="0"/>
-              </a:rPr>
-              <a:t>injects</a:t>
-            </a:r>
-            <a:r>
-              <a:rPr lang="en-US" sz="1600" dirty="0">
-                <a:latin typeface="Segoe UI Light" panose="020B0502040204020203" pitchFamily="34" charset="0"/>
-                <a:cs typeface="Segoe UI Light" panose="020B0502040204020203" pitchFamily="34" charset="0"/>
-              </a:rPr>
-              <a:t> &amp; use other services.</a:t>
-            </a:r>
-          </a:p>
-          <a:p>
-            <a:pPr marL="285750" indent="-285750" algn="l">
-              <a:lnSpc>
-                <a:spcPct val="150000"/>
-              </a:lnSpc>
-              <a:buFont typeface="Arial" panose="020B0604020202020204" pitchFamily="34" charset="0"/>
-              <a:buChar char="•"/>
-            </a:pPr>
-            <a:r>
-              <a:rPr lang="en-US" sz="1600" b="1" dirty="0">
-                <a:latin typeface="Segoe UI Light" panose="020B0502040204020203" pitchFamily="34" charset="0"/>
-                <a:cs typeface="Segoe UI Light" panose="020B0502040204020203" pitchFamily="34" charset="0"/>
-              </a:rPr>
-              <a:t>Developed</a:t>
-            </a:r>
-            <a:r>
-              <a:rPr lang="en-US" sz="1600" dirty="0">
-                <a:latin typeface="Segoe UI Light" panose="020B0502040204020203" pitchFamily="34" charset="0"/>
-                <a:cs typeface="Segoe UI Light" panose="020B0502040204020203" pitchFamily="34" charset="0"/>
-              </a:rPr>
-              <a:t> and </a:t>
-            </a:r>
-            <a:r>
-              <a:rPr lang="en-US" sz="1600" b="1" dirty="0">
-                <a:latin typeface="Segoe UI Light" panose="020B0502040204020203" pitchFamily="34" charset="0"/>
-                <a:cs typeface="Segoe UI Light" panose="020B0502040204020203" pitchFamily="34" charset="0"/>
-              </a:rPr>
-              <a:t>deployed</a:t>
-            </a:r>
-            <a:r>
-              <a:rPr lang="en-US" sz="1600" dirty="0">
-                <a:latin typeface="Segoe UI Light" panose="020B0502040204020203" pitchFamily="34" charset="0"/>
-                <a:cs typeface="Segoe UI Light" panose="020B0502040204020203" pitchFamily="34" charset="0"/>
-              </a:rPr>
-              <a:t> as a single unit.</a:t>
-            </a:r>
-          </a:p>
-        </p:txBody>
-      </p:sp>
-    </p:spTree>
-    <p:extLst>
-      <p:ext uri="{BB962C8B-B14F-4D97-AF65-F5344CB8AC3E}">
-        <p14:creationId xmlns:p14="http://schemas.microsoft.com/office/powerpoint/2010/main" val="1869808668"/>
       </p:ext>
     </p:extLst>
   </p:cSld>

--- a/2018-11-03-Designing-Modularity/Presentation.pptx
+++ b/2018-11-03-Designing-Modularity/Presentation.pptx
@@ -17019,8 +17019,8 @@
         </p:nvSpPr>
         <p:spPr>
           <a:xfrm>
-            <a:off x="1687392" y="4731086"/>
-            <a:ext cx="1168590" cy="369332"/>
+            <a:off x="1178577" y="4731086"/>
+            <a:ext cx="2194932" cy="369332"/>
           </a:xfrm>
           <a:prstGeom prst="rect">
             <a:avLst/>
@@ -17028,11 +17028,12 @@
           <a:noFill/>
         </p:spPr>
         <p:txBody>
-          <a:bodyPr wrap="none" rtlCol="0">
+          <a:bodyPr wrap="square" rtlCol="0">
             <a:spAutoFit/>
           </a:bodyPr>
           <a:lstStyle/>
           <a:p>
+            <a:pPr algn="ctr"/>
             <a:r>
               <a:rPr lang="en-US" dirty="0"/>
               <a:t>/</a:t>
@@ -17042,6 +17043,322 @@
               <a:t>wwwroot</a:t>
             </a:r>
             <a:endParaRPr lang="en-US" dirty="0"/>
+          </a:p>
+        </p:txBody>
+      </p:sp>
+      <p:sp>
+        <p:nvSpPr>
+          <p:cNvPr id="52" name="Right Brace 51">
+            <a:extLst>
+              <a:ext uri="{FF2B5EF4-FFF2-40B4-BE49-F238E27FC236}">
+                <a16:creationId xmlns:a16="http://schemas.microsoft.com/office/drawing/2014/main" id="{22CA648E-3DC5-47A0-8EF1-A24C70307B64}"/>
+              </a:ext>
+            </a:extLst>
+          </p:cNvPr>
+          <p:cNvSpPr/>
+          <p:nvPr/>
+        </p:nvSpPr>
+        <p:spPr>
+          <a:xfrm rot="5400000">
+            <a:off x="6857302" y="2613892"/>
+            <a:ext cx="327546" cy="3715337"/>
+          </a:xfrm>
+          <a:prstGeom prst="rightBrace">
+            <a:avLst/>
+          </a:prstGeom>
+        </p:spPr>
+        <p:style>
+          <a:lnRef idx="1">
+            <a:schemeClr val="accent1"/>
+          </a:lnRef>
+          <a:fillRef idx="0">
+            <a:schemeClr val="accent1"/>
+          </a:fillRef>
+          <a:effectRef idx="0">
+            <a:schemeClr val="accent1"/>
+          </a:effectRef>
+          <a:fontRef idx="minor">
+            <a:schemeClr val="tx1"/>
+          </a:fontRef>
+        </p:style>
+        <p:txBody>
+          <a:bodyPr rtlCol="0" anchor="ctr"/>
+          <a:lstStyle/>
+          <a:p>
+            <a:pPr algn="ctr"/>
+            <a:endParaRPr lang="en-US"/>
+          </a:p>
+        </p:txBody>
+      </p:sp>
+      <p:sp>
+        <p:nvSpPr>
+          <p:cNvPr id="53" name="TextBox 52">
+            <a:extLst>
+              <a:ext uri="{FF2B5EF4-FFF2-40B4-BE49-F238E27FC236}">
+                <a16:creationId xmlns:a16="http://schemas.microsoft.com/office/drawing/2014/main" id="{F336F3CB-5E52-4051-BD50-59CFC2D279F8}"/>
+              </a:ext>
+            </a:extLst>
+          </p:cNvPr>
+          <p:cNvSpPr txBox="1"/>
+          <p:nvPr/>
+        </p:nvSpPr>
+        <p:spPr>
+          <a:xfrm>
+            <a:off x="5163406" y="4731086"/>
+            <a:ext cx="3715338" cy="369332"/>
+          </a:xfrm>
+          <a:prstGeom prst="rect">
+            <a:avLst/>
+          </a:prstGeom>
+          <a:noFill/>
+        </p:spPr>
+        <p:txBody>
+          <a:bodyPr wrap="square" rtlCol="0">
+            <a:spAutoFit/>
+          </a:bodyPr>
+          <a:lstStyle/>
+          <a:p>
+            <a:pPr algn="ctr"/>
+            <a:r>
+              <a:rPr lang="en-US" dirty="0"/>
+              <a:t>/ (root)</a:t>
+            </a:r>
+          </a:p>
+        </p:txBody>
+      </p:sp>
+      <p:sp>
+        <p:nvSpPr>
+          <p:cNvPr id="54" name="TextBox 53">
+            <a:extLst>
+              <a:ext uri="{FF2B5EF4-FFF2-40B4-BE49-F238E27FC236}">
+                <a16:creationId xmlns:a16="http://schemas.microsoft.com/office/drawing/2014/main" id="{BF852DE7-65E3-406D-B760-31103A86CF13}"/>
+              </a:ext>
+            </a:extLst>
+          </p:cNvPr>
+          <p:cNvSpPr txBox="1"/>
+          <p:nvPr/>
+        </p:nvSpPr>
+        <p:spPr>
+          <a:xfrm>
+            <a:off x="771681" y="5213392"/>
+            <a:ext cx="3000011" cy="369332"/>
+          </a:xfrm>
+          <a:prstGeom prst="rect">
+            <a:avLst/>
+          </a:prstGeom>
+          <a:ln/>
+        </p:spPr>
+        <p:style>
+          <a:lnRef idx="0">
+            <a:schemeClr val="accent1"/>
+          </a:lnRef>
+          <a:fillRef idx="3">
+            <a:schemeClr val="accent1"/>
+          </a:fillRef>
+          <a:effectRef idx="3">
+            <a:schemeClr val="accent1"/>
+          </a:effectRef>
+          <a:fontRef idx="minor">
+            <a:schemeClr val="lt1"/>
+          </a:fontRef>
+        </p:style>
+        <p:txBody>
+          <a:bodyPr wrap="square" rtlCol="0">
+            <a:spAutoFit/>
+          </a:bodyPr>
+          <a:lstStyle/>
+          <a:p>
+            <a:pPr algn="ctr"/>
+            <a:r>
+              <a:rPr lang="en-US" dirty="0" err="1">
+                <a:solidFill>
+                  <a:schemeClr val="bg1"/>
+                </a:solidFill>
+              </a:rPr>
+              <a:t>StaticFiles</a:t>
+            </a:r>
+            <a:r>
+              <a:rPr lang="en-US" dirty="0">
+                <a:solidFill>
+                  <a:schemeClr val="bg1"/>
+                </a:solidFill>
+              </a:rPr>
+              <a:t> Middleware</a:t>
+            </a:r>
+          </a:p>
+        </p:txBody>
+      </p:sp>
+      <p:sp>
+        <p:nvSpPr>
+          <p:cNvPr id="55" name="TextBox 54">
+            <a:extLst>
+              <a:ext uri="{FF2B5EF4-FFF2-40B4-BE49-F238E27FC236}">
+                <a16:creationId xmlns:a16="http://schemas.microsoft.com/office/drawing/2014/main" id="{0514A5CD-6EE9-46D6-A549-FA00AFD9969F}"/>
+              </a:ext>
+            </a:extLst>
+          </p:cNvPr>
+          <p:cNvSpPr txBox="1"/>
+          <p:nvPr/>
+        </p:nvSpPr>
+        <p:spPr>
+          <a:xfrm>
+            <a:off x="5163406" y="5213392"/>
+            <a:ext cx="4891988" cy="369332"/>
+          </a:xfrm>
+          <a:prstGeom prst="rect">
+            <a:avLst/>
+          </a:prstGeom>
+          <a:ln/>
+        </p:spPr>
+        <p:style>
+          <a:lnRef idx="0">
+            <a:schemeClr val="accent1"/>
+          </a:lnRef>
+          <a:fillRef idx="3">
+            <a:schemeClr val="accent1"/>
+          </a:fillRef>
+          <a:effectRef idx="3">
+            <a:schemeClr val="accent1"/>
+          </a:effectRef>
+          <a:fontRef idx="minor">
+            <a:schemeClr val="lt1"/>
+          </a:fontRef>
+        </p:style>
+        <p:txBody>
+          <a:bodyPr wrap="square" rtlCol="0">
+            <a:spAutoFit/>
+          </a:bodyPr>
+          <a:lstStyle/>
+          <a:p>
+            <a:pPr algn="ctr"/>
+            <a:r>
+              <a:rPr lang="en-US" dirty="0">
+                <a:solidFill>
+                  <a:schemeClr val="bg1"/>
+                </a:solidFill>
+              </a:rPr>
+              <a:t>Razor View Engine</a:t>
+            </a:r>
+          </a:p>
+        </p:txBody>
+      </p:sp>
+      <p:sp>
+        <p:nvSpPr>
+          <p:cNvPr id="56" name="Right Brace 55">
+            <a:extLst>
+              <a:ext uri="{FF2B5EF4-FFF2-40B4-BE49-F238E27FC236}">
+                <a16:creationId xmlns:a16="http://schemas.microsoft.com/office/drawing/2014/main" id="{2453BBAC-60AB-4AD9-B3B4-E42E131020A7}"/>
+              </a:ext>
+            </a:extLst>
+          </p:cNvPr>
+          <p:cNvSpPr/>
+          <p:nvPr/>
+        </p:nvSpPr>
+        <p:spPr>
+          <a:xfrm rot="5400000">
+            <a:off x="9394283" y="3968997"/>
+            <a:ext cx="327546" cy="1003111"/>
+          </a:xfrm>
+          <a:prstGeom prst="rightBrace">
+            <a:avLst/>
+          </a:prstGeom>
+        </p:spPr>
+        <p:style>
+          <a:lnRef idx="1">
+            <a:schemeClr val="accent1"/>
+          </a:lnRef>
+          <a:fillRef idx="0">
+            <a:schemeClr val="accent1"/>
+          </a:fillRef>
+          <a:effectRef idx="0">
+            <a:schemeClr val="accent1"/>
+          </a:effectRef>
+          <a:fontRef idx="minor">
+            <a:schemeClr val="tx1"/>
+          </a:fontRef>
+        </p:style>
+        <p:txBody>
+          <a:bodyPr rtlCol="0" anchor="ctr"/>
+          <a:lstStyle/>
+          <a:p>
+            <a:pPr algn="ctr"/>
+            <a:endParaRPr lang="en-US"/>
+          </a:p>
+        </p:txBody>
+      </p:sp>
+      <p:sp>
+        <p:nvSpPr>
+          <p:cNvPr id="57" name="TextBox 56">
+            <a:extLst>
+              <a:ext uri="{FF2B5EF4-FFF2-40B4-BE49-F238E27FC236}">
+                <a16:creationId xmlns:a16="http://schemas.microsoft.com/office/drawing/2014/main" id="{8DD923F3-0702-4CD8-9F9A-2FB5D40C04D9}"/>
+              </a:ext>
+            </a:extLst>
+          </p:cNvPr>
+          <p:cNvSpPr txBox="1"/>
+          <p:nvPr/>
+        </p:nvSpPr>
+        <p:spPr>
+          <a:xfrm>
+            <a:off x="9056500" y="4730172"/>
+            <a:ext cx="998894" cy="369332"/>
+          </a:xfrm>
+          <a:prstGeom prst="rect">
+            <a:avLst/>
+          </a:prstGeom>
+          <a:noFill/>
+        </p:spPr>
+        <p:txBody>
+          <a:bodyPr wrap="square" rtlCol="0">
+            <a:spAutoFit/>
+          </a:bodyPr>
+          <a:lstStyle/>
+          <a:p>
+            <a:pPr algn="ctr"/>
+            <a:r>
+              <a:rPr lang="en-US" dirty="0"/>
+              <a:t>DLL files</a:t>
+            </a:r>
+          </a:p>
+        </p:txBody>
+      </p:sp>
+      <p:sp>
+        <p:nvSpPr>
+          <p:cNvPr id="33" name="TextBox 32">
+            <a:extLst>
+              <a:ext uri="{FF2B5EF4-FFF2-40B4-BE49-F238E27FC236}">
+                <a16:creationId xmlns:a16="http://schemas.microsoft.com/office/drawing/2014/main" id="{F175FAA3-ED74-474B-BE8D-7952B361BB76}"/>
+              </a:ext>
+            </a:extLst>
+          </p:cNvPr>
+          <p:cNvSpPr txBox="1"/>
+          <p:nvPr/>
+        </p:nvSpPr>
+        <p:spPr>
+          <a:xfrm>
+            <a:off x="771681" y="5755895"/>
+            <a:ext cx="3000011" cy="369332"/>
+          </a:xfrm>
+          <a:prstGeom prst="rect">
+            <a:avLst/>
+          </a:prstGeom>
+          <a:noFill/>
+        </p:spPr>
+        <p:txBody>
+          <a:bodyPr wrap="square" rtlCol="0">
+            <a:spAutoFit/>
+          </a:bodyPr>
+          <a:lstStyle/>
+          <a:p>
+            <a:pPr algn="ctr"/>
+            <a:r>
+              <a:rPr lang="en-US" dirty="0" err="1"/>
+              <a:t>app.UseStaticFiles</a:t>
+            </a:r>
+            <a:r>
+              <a:rPr lang="en-US" dirty="0"/>
+              <a:t>();</a:t>
+            </a:r>
           </a:p>
         </p:txBody>
       </p:sp>
